--- a/Modelli relazione/Power C13.pptx
+++ b/Modelli relazione/Power C13.pptx
@@ -153,7 +153,7 @@
 <file path=ppt/revisionInfo.xml><?xml version="1.0" encoding="utf-8"?>
 <p1510:revInfo xmlns:a="http://schemas.openxmlformats.org/drawingml/2006/main" xmlns:r="http://schemas.openxmlformats.org/officeDocument/2006/relationships" xmlns:p1510="http://schemas.microsoft.com/office/powerpoint/2015/10/main">
   <p1510:revLst>
-    <p1510:client id="{672B7490-0EAF-4E0C-92B9-0750DE353F5F}" v="82" dt="2023-01-04T23:42:19.698"/>
+    <p1510:client id="{672B7490-0EAF-4E0C-92B9-0750DE353F5F}" v="87" dt="2023-01-05T19:43:57.932"/>
   </p1510:revLst>
 </p1510:revInfo>
 </file>
@@ -163,7 +163,7 @@
   <pc:docChgLst>
     <pc:chgData name="Silvia Pala" userId="f0133cc1-7ddc-4617-95f3-a1b241401a99" providerId="ADAL" clId="{672B7490-0EAF-4E0C-92B9-0750DE353F5F}"/>
     <pc:docChg chg="undo redo custSel addSld modSld modSection">
-      <pc:chgData name="Silvia Pala" userId="f0133cc1-7ddc-4617-95f3-a1b241401a99" providerId="ADAL" clId="{672B7490-0EAF-4E0C-92B9-0750DE353F5F}" dt="2023-01-04T23:43:33.650" v="199" actId="1076"/>
+      <pc:chgData name="Silvia Pala" userId="f0133cc1-7ddc-4617-95f3-a1b241401a99" providerId="ADAL" clId="{672B7490-0EAF-4E0C-92B9-0750DE353F5F}" dt="2023-01-05T19:43:57.932" v="206" actId="2711"/>
       <pc:docMkLst>
         <pc:docMk/>
       </pc:docMkLst>
@@ -285,7 +285,7 @@
         </pc:picChg>
       </pc:sldChg>
       <pc:sldChg chg="addSp delSp modSp mod setBg">
-        <pc:chgData name="Silvia Pala" userId="f0133cc1-7ddc-4617-95f3-a1b241401a99" providerId="ADAL" clId="{672B7490-0EAF-4E0C-92B9-0750DE353F5F}" dt="2023-01-04T23:39:14.986" v="144" actId="14100"/>
+        <pc:chgData name="Silvia Pala" userId="f0133cc1-7ddc-4617-95f3-a1b241401a99" providerId="ADAL" clId="{672B7490-0EAF-4E0C-92B9-0750DE353F5F}" dt="2023-01-05T19:42:44.548" v="202" actId="2711"/>
         <pc:sldMkLst>
           <pc:docMk/>
           <pc:sldMk cId="2387966906" sldId="261"/>
@@ -299,7 +299,7 @@
           </ac:spMkLst>
         </pc:spChg>
         <pc:spChg chg="mod">
-          <ac:chgData name="Silvia Pala" userId="f0133cc1-7ddc-4617-95f3-a1b241401a99" providerId="ADAL" clId="{672B7490-0EAF-4E0C-92B9-0750DE353F5F}" dt="2023-01-04T23:27:46.801" v="74" actId="26606"/>
+          <ac:chgData name="Silvia Pala" userId="f0133cc1-7ddc-4617-95f3-a1b241401a99" providerId="ADAL" clId="{672B7490-0EAF-4E0C-92B9-0750DE353F5F}" dt="2023-01-05T19:42:44.548" v="202" actId="2711"/>
           <ac:spMkLst>
             <pc:docMk/>
             <pc:sldMk cId="2387966906" sldId="261"/>
@@ -412,13 +412,13 @@
         </pc:picChg>
       </pc:sldChg>
       <pc:sldChg chg="modSp mod">
-        <pc:chgData name="Silvia Pala" userId="f0133cc1-7ddc-4617-95f3-a1b241401a99" providerId="ADAL" clId="{672B7490-0EAF-4E0C-92B9-0750DE353F5F}" dt="2023-01-04T23:33:56.017" v="99"/>
+        <pc:chgData name="Silvia Pala" userId="f0133cc1-7ddc-4617-95f3-a1b241401a99" providerId="ADAL" clId="{672B7490-0EAF-4E0C-92B9-0750DE353F5F}" dt="2023-01-05T19:43:41.589" v="205" actId="2711"/>
         <pc:sldMkLst>
           <pc:docMk/>
           <pc:sldMk cId="3068952288" sldId="262"/>
         </pc:sldMkLst>
         <pc:spChg chg="mod">
-          <ac:chgData name="Silvia Pala" userId="f0133cc1-7ddc-4617-95f3-a1b241401a99" providerId="ADAL" clId="{672B7490-0EAF-4E0C-92B9-0750DE353F5F}" dt="2023-01-04T23:33:56.017" v="99"/>
+          <ac:chgData name="Silvia Pala" userId="f0133cc1-7ddc-4617-95f3-a1b241401a99" providerId="ADAL" clId="{672B7490-0EAF-4E0C-92B9-0750DE353F5F}" dt="2023-01-05T19:43:41.589" v="205" actId="2711"/>
           <ac:spMkLst>
             <pc:docMk/>
             <pc:sldMk cId="3068952288" sldId="262"/>
@@ -427,13 +427,13 @@
         </pc:spChg>
       </pc:sldChg>
       <pc:sldChg chg="addSp delSp modSp mod">
-        <pc:chgData name="Silvia Pala" userId="f0133cc1-7ddc-4617-95f3-a1b241401a99" providerId="ADAL" clId="{672B7490-0EAF-4E0C-92B9-0750DE353F5F}" dt="2023-01-04T23:36:23.198" v="127" actId="931"/>
+        <pc:chgData name="Silvia Pala" userId="f0133cc1-7ddc-4617-95f3-a1b241401a99" providerId="ADAL" clId="{672B7490-0EAF-4E0C-92B9-0750DE353F5F}" dt="2023-01-05T19:43:57.932" v="206" actId="2711"/>
         <pc:sldMkLst>
           <pc:docMk/>
           <pc:sldMk cId="616837162" sldId="263"/>
         </pc:sldMkLst>
         <pc:spChg chg="mod">
-          <ac:chgData name="Silvia Pala" userId="f0133cc1-7ddc-4617-95f3-a1b241401a99" providerId="ADAL" clId="{672B7490-0EAF-4E0C-92B9-0750DE353F5F}" dt="2023-01-04T23:35:32.237" v="126" actId="27636"/>
+          <ac:chgData name="Silvia Pala" userId="f0133cc1-7ddc-4617-95f3-a1b241401a99" providerId="ADAL" clId="{672B7490-0EAF-4E0C-92B9-0750DE353F5F}" dt="2023-01-05T19:43:57.932" v="206" actId="2711"/>
           <ac:spMkLst>
             <pc:docMk/>
             <pc:sldMk cId="616837162" sldId="263"/>
@@ -458,7 +458,7 @@
         </pc:picChg>
       </pc:sldChg>
       <pc:sldChg chg="addSp delSp modSp new mod">
-        <pc:chgData name="Silvia Pala" userId="f0133cc1-7ddc-4617-95f3-a1b241401a99" providerId="ADAL" clId="{672B7490-0EAF-4E0C-92B9-0750DE353F5F}" dt="2023-01-04T23:40:22.296" v="167" actId="20577"/>
+        <pc:chgData name="Silvia Pala" userId="f0133cc1-7ddc-4617-95f3-a1b241401a99" providerId="ADAL" clId="{672B7490-0EAF-4E0C-92B9-0750DE353F5F}" dt="2023-01-05T19:42:18.780" v="201" actId="2711"/>
         <pc:sldMkLst>
           <pc:docMk/>
           <pc:sldMk cId="3969621914" sldId="267"/>
@@ -472,7 +472,7 @@
           </ac:spMkLst>
         </pc:spChg>
         <pc:spChg chg="add del mod">
-          <ac:chgData name="Silvia Pala" userId="f0133cc1-7ddc-4617-95f3-a1b241401a99" providerId="ADAL" clId="{672B7490-0EAF-4E0C-92B9-0750DE353F5F}" dt="2023-01-04T23:40:22.296" v="167" actId="20577"/>
+          <ac:chgData name="Silvia Pala" userId="f0133cc1-7ddc-4617-95f3-a1b241401a99" providerId="ADAL" clId="{672B7490-0EAF-4E0C-92B9-0750DE353F5F}" dt="2023-01-05T19:42:18.780" v="201" actId="2711"/>
           <ac:spMkLst>
             <pc:docMk/>
             <pc:sldMk cId="3969621914" sldId="267"/>
@@ -537,13 +537,13 @@
         </pc:cxnChg>
       </pc:sldChg>
       <pc:sldChg chg="addSp delSp modSp new mod">
-        <pc:chgData name="Silvia Pala" userId="f0133cc1-7ddc-4617-95f3-a1b241401a99" providerId="ADAL" clId="{672B7490-0EAF-4E0C-92B9-0750DE353F5F}" dt="2023-01-04T23:43:33.650" v="199" actId="1076"/>
+        <pc:chgData name="Silvia Pala" userId="f0133cc1-7ddc-4617-95f3-a1b241401a99" providerId="ADAL" clId="{672B7490-0EAF-4E0C-92B9-0750DE353F5F}" dt="2023-01-05T19:43:26.279" v="204" actId="1076"/>
         <pc:sldMkLst>
           <pc:docMk/>
           <pc:sldMk cId="4018792230" sldId="268"/>
         </pc:sldMkLst>
         <pc:spChg chg="mod">
-          <ac:chgData name="Silvia Pala" userId="f0133cc1-7ddc-4617-95f3-a1b241401a99" providerId="ADAL" clId="{672B7490-0EAF-4E0C-92B9-0750DE353F5F}" dt="2023-01-04T23:31:45.505" v="88"/>
+          <ac:chgData name="Silvia Pala" userId="f0133cc1-7ddc-4617-95f3-a1b241401a99" providerId="ADAL" clId="{672B7490-0EAF-4E0C-92B9-0750DE353F5F}" dt="2023-01-05T19:43:26.279" v="204" actId="1076"/>
           <ac:spMkLst>
             <pc:docMk/>
             <pc:sldMk cId="4018792230" sldId="268"/>
@@ -551,7 +551,7 @@
           </ac:spMkLst>
         </pc:spChg>
         <pc:spChg chg="mod">
-          <ac:chgData name="Silvia Pala" userId="f0133cc1-7ddc-4617-95f3-a1b241401a99" providerId="ADAL" clId="{672B7490-0EAF-4E0C-92B9-0750DE353F5F}" dt="2023-01-04T23:42:19.698" v="198" actId="20577"/>
+          <ac:chgData name="Silvia Pala" userId="f0133cc1-7ddc-4617-95f3-a1b241401a99" providerId="ADAL" clId="{672B7490-0EAF-4E0C-92B9-0750DE353F5F}" dt="2023-01-05T19:43:03.454" v="203" actId="2711"/>
           <ac:spMkLst>
             <pc:docMk/>
             <pc:sldMk cId="4018792230" sldId="268"/>
@@ -4376,8 +4376,8 @@
           </a:p>
         </p:txBody>
       </p:sp>
-      <mc:AlternateContent xmlns:mc="http://schemas.openxmlformats.org/markup-compatibility/2006">
-        <mc:Choice xmlns:a14="http://schemas.microsoft.com/office/drawing/2010/main" Requires="a14">
+      <mc:AlternateContent xmlns:mc="http://schemas.openxmlformats.org/markup-compatibility/2006" xmlns:a14="http://schemas.microsoft.com/office/drawing/2010/main">
+        <mc:Choice Requires="a14">
           <p:graphicFrame>
             <p:nvGraphicFramePr>
               <p:cNvPr id="6" name="Tabella 6">
@@ -4479,30 +4479,35 @@
                                   </m:rPr>
                                   <a:rPr lang="en-GB" sz="1100">
                                     <a:effectLst/>
+                                    <a:latin typeface="Cambria Math" panose="02040503050406030204" pitchFamily="18" charset="0"/>
                                   </a:rPr>
                                   <m:t>Δ</m:t>
                                 </m:r>
                                 <m:r>
                                   <a:rPr lang="en-GB" sz="1100">
                                     <a:effectLst/>
+                                    <a:latin typeface="Cambria Math" panose="02040503050406030204" pitchFamily="18" charset="0"/>
                                   </a:rPr>
                                   <m:t>𝑡</m:t>
                                 </m:r>
                                 <m:r>
                                   <a:rPr lang="en-GB" sz="1100">
                                     <a:effectLst/>
+                                    <a:latin typeface="Cambria Math" panose="02040503050406030204" pitchFamily="18" charset="0"/>
                                   </a:rPr>
                                   <m:t> [</m:t>
                                 </m:r>
                                 <m:r>
                                   <a:rPr lang="en-GB" sz="1100">
                                     <a:effectLst/>
+                                    <a:latin typeface="Cambria Math" panose="02040503050406030204" pitchFamily="18" charset="0"/>
                                   </a:rPr>
                                   <m:t>𝑠</m:t>
                                 </m:r>
                                 <m:r>
                                   <a:rPr lang="en-GB" sz="1100">
                                     <a:effectLst/>
+                                    <a:latin typeface="Cambria Math" panose="02040503050406030204" pitchFamily="18" charset="0"/>
                                   </a:rPr>
                                   <m:t>]</m:t>
                                 </m:r>
@@ -4536,30 +4541,35 @@
                                   </m:rPr>
                                   <a:rPr lang="en-GB" sz="1100">
                                     <a:effectLst/>
+                                    <a:latin typeface="Cambria Math" panose="02040503050406030204" pitchFamily="18" charset="0"/>
                                   </a:rPr>
                                   <m:t>Δ</m:t>
                                 </m:r>
                                 <m:r>
                                   <a:rPr lang="en-GB" sz="1100">
                                     <a:effectLst/>
+                                    <a:latin typeface="Cambria Math" panose="02040503050406030204" pitchFamily="18" charset="0"/>
                                   </a:rPr>
                                   <m:t>𝑡</m:t>
                                 </m:r>
                                 <m:r>
                                   <a:rPr lang="en-GB" sz="1100">
                                     <a:effectLst/>
+                                    <a:latin typeface="Cambria Math" panose="02040503050406030204" pitchFamily="18" charset="0"/>
                                   </a:rPr>
                                   <m:t> [</m:t>
                                 </m:r>
                                 <m:r>
                                   <a:rPr lang="en-GB" sz="1100">
                                     <a:effectLst/>
+                                    <a:latin typeface="Cambria Math" panose="02040503050406030204" pitchFamily="18" charset="0"/>
                                   </a:rPr>
                                   <m:t>h</m:t>
                                 </m:r>
                                 <m:r>
                                   <a:rPr lang="en-GB" sz="1100">
                                     <a:effectLst/>
+                                    <a:latin typeface="Cambria Math" panose="02040503050406030204" pitchFamily="18" charset="0"/>
                                   </a:rPr>
                                   <m:t>]</m:t>
                                 </m:r>
@@ -4593,42 +4603,49 @@
                                   </m:rPr>
                                   <a:rPr lang="en-GB" sz="1100">
                                     <a:effectLst/>
+                                    <a:latin typeface="Cambria Math" panose="02040503050406030204" pitchFamily="18" charset="0"/>
                                   </a:rPr>
                                   <m:t>Δ</m:t>
                                 </m:r>
                                 <m:r>
                                   <a:rPr lang="en-GB" sz="1100">
                                     <a:effectLst/>
+                                    <a:latin typeface="Cambria Math" panose="02040503050406030204" pitchFamily="18" charset="0"/>
                                   </a:rPr>
                                   <m:t>𝑣</m:t>
                                 </m:r>
                                 <m:r>
                                   <a:rPr lang="en-GB" sz="1100">
                                     <a:effectLst/>
+                                    <a:latin typeface="Cambria Math" panose="02040503050406030204" pitchFamily="18" charset="0"/>
                                   </a:rPr>
                                   <m:t> [</m:t>
                                 </m:r>
                                 <m:r>
                                   <a:rPr lang="en-GB" sz="1100">
                                     <a:effectLst/>
+                                    <a:latin typeface="Cambria Math" panose="02040503050406030204" pitchFamily="18" charset="0"/>
                                   </a:rPr>
                                   <m:t>𝑘𝑚</m:t>
                                 </m:r>
                                 <m:r>
                                   <a:rPr lang="en-GB" sz="1100">
                                     <a:effectLst/>
+                                    <a:latin typeface="Cambria Math" panose="02040503050406030204" pitchFamily="18" charset="0"/>
                                   </a:rPr>
                                   <m:t>/</m:t>
                                 </m:r>
                                 <m:r>
                                   <a:rPr lang="en-GB" sz="1100">
                                     <a:effectLst/>
+                                    <a:latin typeface="Cambria Math" panose="02040503050406030204" pitchFamily="18" charset="0"/>
                                   </a:rPr>
                                   <m:t>𝑠</m:t>
                                 </m:r>
                                 <m:r>
                                   <a:rPr lang="en-GB" sz="1100">
                                     <a:effectLst/>
+                                    <a:latin typeface="Cambria Math" panose="02040503050406030204" pitchFamily="18" charset="0"/>
                                   </a:rPr>
                                   <m:t>]</m:t>
                                 </m:r>
@@ -4840,12 +4857,12 @@
                         <a:p>
                           <a:pPr algn="ctr"/>
                           <a:r>
-                            <a:rPr lang="en-GB" sz="1100">
+                            <a:rPr lang="en-GB" sz="1100" dirty="0">
                               <a:effectLst/>
                             </a:rPr>
                             <a:t>Standard 3</a:t>
                           </a:r>
-                          <a:endParaRPr lang="it-IT" sz="1100">
+                          <a:endParaRPr lang="it-IT" sz="1100" dirty="0">
                             <a:effectLst/>
                             <a:latin typeface="Times New Roman" panose="02020603050405020304" pitchFamily="18" charset="0"/>
                             <a:ea typeface="Times New Roman" panose="02020603050405020304" pitchFamily="18" charset="0"/>
@@ -5383,7 +5400,7 @@
             </a:graphic>
           </p:graphicFrame>
         </mc:Choice>
-        <mc:Fallback>
+        <mc:Fallback xmlns="">
           <p:graphicFrame>
             <p:nvGraphicFramePr>
               <p:cNvPr id="6" name="Tabella 6">
@@ -6428,9 +6445,7 @@
                     <a:effectLst/>
                     <a:uLnTx/>
                     <a:uFillTx/>
-                    <a:latin typeface="Times New Roman" panose="02020603050405020304" pitchFamily="18" charset="0"/>
                     <a:ea typeface="Times New Roman" panose="02020603050405020304" pitchFamily="18" charset="0"/>
-                    <a:cs typeface="+mn-cs"/>
                   </a:rPr>
                   <a:t>Orbita circolare ausiliaria </a:t>
                 </a:r>
@@ -6449,9 +6464,6 @@
                             <a:effectLst/>
                             <a:uLnTx/>
                             <a:uFillTx/>
-                            <a:latin typeface="Cambria Math" panose="02040503050406030204" pitchFamily="18" charset="0"/>
-                            <a:ea typeface="+mn-ea"/>
-                            <a:cs typeface="+mn-cs"/>
                           </a:rPr>
                         </m:ctrlPr>
                       </m:sSubPr>
@@ -6467,9 +6479,6 @@
                             <a:effectLst/>
                             <a:uLnTx/>
                             <a:uFillTx/>
-                            <a:latin typeface="Cambria Math" panose="02040503050406030204" pitchFamily="18" charset="0"/>
-                            <a:ea typeface="+mn-ea"/>
-                            <a:cs typeface="+mn-cs"/>
                           </a:rPr>
                           <m:t>𝑟</m:t>
                         </m:r>
@@ -6486,9 +6495,6 @@
                             <a:effectLst/>
                             <a:uLnTx/>
                             <a:uFillTx/>
-                            <a:latin typeface="Cambria Math" panose="02040503050406030204" pitchFamily="18" charset="0"/>
-                            <a:ea typeface="+mn-ea"/>
-                            <a:cs typeface="+mn-cs"/>
                           </a:rPr>
                           <m:t>𝑐</m:t>
                         </m:r>
@@ -6505,9 +6511,7 @@
                         <a:effectLst/>
                         <a:uLnTx/>
                         <a:uFillTx/>
-                        <a:latin typeface="Cambria Math" panose="02040503050406030204" pitchFamily="18" charset="0"/>
                         <a:ea typeface="Times New Roman" panose="02020603050405020304" pitchFamily="18" charset="0"/>
-                        <a:cs typeface="+mn-cs"/>
                       </a:rPr>
                       <m:t>=</m:t>
                     </m:r>
@@ -6524,9 +6528,6 @@
                             <a:effectLst/>
                             <a:uLnTx/>
                             <a:uFillTx/>
-                            <a:latin typeface="Cambria Math" panose="02040503050406030204" pitchFamily="18" charset="0"/>
-                            <a:ea typeface="+mn-ea"/>
-                            <a:cs typeface="+mn-cs"/>
                           </a:rPr>
                         </m:ctrlPr>
                       </m:sSubPr>
@@ -6542,9 +6543,6 @@
                             <a:effectLst/>
                             <a:uLnTx/>
                             <a:uFillTx/>
-                            <a:latin typeface="Cambria Math" panose="02040503050406030204" pitchFamily="18" charset="0"/>
-                            <a:ea typeface="+mn-ea"/>
-                            <a:cs typeface="+mn-cs"/>
                           </a:rPr>
                           <m:t>𝑟</m:t>
                         </m:r>
@@ -6561,9 +6559,6 @@
                             <a:effectLst/>
                             <a:uLnTx/>
                             <a:uFillTx/>
-                            <a:latin typeface="Cambria Math" panose="02040503050406030204" pitchFamily="18" charset="0"/>
-                            <a:ea typeface="+mn-ea"/>
-                            <a:cs typeface="+mn-cs"/>
                           </a:rPr>
                           <m:t>𝑎𝑓</m:t>
                         </m:r>
@@ -6580,9 +6575,6 @@
                         <a:effectLst/>
                         <a:uLnTx/>
                         <a:uFillTx/>
-                        <a:latin typeface="Cambria Math" panose="02040503050406030204" pitchFamily="18" charset="0"/>
-                        <a:ea typeface="+mn-ea"/>
-                        <a:cs typeface="+mn-cs"/>
                       </a:rPr>
                       <m:t> </m:t>
                     </m:r>
@@ -6599,9 +6591,7 @@
                     <a:effectLst/>
                     <a:uLnTx/>
                     <a:uFillTx/>
-                    <a:latin typeface="Times New Roman" panose="02020603050405020304" pitchFamily="18" charset="0"/>
                     <a:ea typeface="Times New Roman" panose="02020603050405020304" pitchFamily="18" charset="0"/>
-                    <a:cs typeface="+mn-cs"/>
                   </a:rPr>
                   <a:t>, no manovra per cambiare l’anomalia del pericentro</a:t>
                 </a:r>
@@ -6641,9 +6631,7 @@
                     <a:effectLst/>
                     <a:uLnTx/>
                     <a:uFillTx/>
-                    <a:latin typeface="Times New Roman" panose="02020603050405020304" pitchFamily="18" charset="0"/>
                     <a:ea typeface="Times New Roman" panose="02020603050405020304" pitchFamily="18" charset="0"/>
-                    <a:cs typeface="+mn-cs"/>
                   </a:rPr>
                   <a:t>Trasferimento bitangente dal pericentro dell'orbita iniziale all'orbita di trasferimento circolare </a:t>
                 </a:r>
@@ -6662,9 +6650,6 @@
                             <a:effectLst/>
                             <a:uLnTx/>
                             <a:uFillTx/>
-                            <a:latin typeface="Cambria Math" panose="02040503050406030204" pitchFamily="18" charset="0"/>
-                            <a:ea typeface="+mn-ea"/>
-                            <a:cs typeface="+mn-cs"/>
                           </a:rPr>
                         </m:ctrlPr>
                       </m:sSubPr>
@@ -6680,9 +6665,6 @@
                             <a:effectLst/>
                             <a:uLnTx/>
                             <a:uFillTx/>
-                            <a:latin typeface="Cambria Math" panose="02040503050406030204" pitchFamily="18" charset="0"/>
-                            <a:ea typeface="+mn-ea"/>
-                            <a:cs typeface="+mn-cs"/>
                           </a:rPr>
                           <m:t>𝑟</m:t>
                         </m:r>
@@ -6699,9 +6681,6 @@
                             <a:effectLst/>
                             <a:uLnTx/>
                             <a:uFillTx/>
-                            <a:latin typeface="Cambria Math" panose="02040503050406030204" pitchFamily="18" charset="0"/>
-                            <a:ea typeface="+mn-ea"/>
-                            <a:cs typeface="+mn-cs"/>
                           </a:rPr>
                           <m:t>𝑐</m:t>
                         </m:r>
@@ -6718,9 +6697,7 @@
                         <a:effectLst/>
                         <a:uLnTx/>
                         <a:uFillTx/>
-                        <a:latin typeface="Cambria Math" panose="02040503050406030204" pitchFamily="18" charset="0"/>
                         <a:ea typeface="Times New Roman" panose="02020603050405020304" pitchFamily="18" charset="0"/>
-                        <a:cs typeface="+mn-cs"/>
                       </a:rPr>
                       <m:t>=</m:t>
                     </m:r>
@@ -6737,9 +6714,6 @@
                             <a:effectLst/>
                             <a:uLnTx/>
                             <a:uFillTx/>
-                            <a:latin typeface="Cambria Math" panose="02040503050406030204" pitchFamily="18" charset="0"/>
-                            <a:ea typeface="+mn-ea"/>
-                            <a:cs typeface="+mn-cs"/>
                           </a:rPr>
                         </m:ctrlPr>
                       </m:sSubPr>
@@ -6755,9 +6729,6 @@
                             <a:effectLst/>
                             <a:uLnTx/>
                             <a:uFillTx/>
-                            <a:latin typeface="Cambria Math" panose="02040503050406030204" pitchFamily="18" charset="0"/>
-                            <a:ea typeface="+mn-ea"/>
-                            <a:cs typeface="+mn-cs"/>
                           </a:rPr>
                           <m:t>𝑟</m:t>
                         </m:r>
@@ -6774,9 +6745,6 @@
                             <a:effectLst/>
                             <a:uLnTx/>
                             <a:uFillTx/>
-                            <a:latin typeface="Cambria Math" panose="02040503050406030204" pitchFamily="18" charset="0"/>
-                            <a:ea typeface="+mn-ea"/>
-                            <a:cs typeface="+mn-cs"/>
                           </a:rPr>
                           <m:t>𝑎𝑓</m:t>
                         </m:r>
@@ -6795,9 +6763,7 @@
                     <a:effectLst/>
                     <a:uLnTx/>
                     <a:uFillTx/>
-                    <a:latin typeface="Times New Roman" panose="02020603050405020304" pitchFamily="18" charset="0"/>
                     <a:ea typeface="Times New Roman" panose="02020603050405020304" pitchFamily="18" charset="0"/>
-                    <a:cs typeface="+mn-cs"/>
                   </a:rPr>
                   <a:t> (impulso 1 e 2)</a:t>
                 </a:r>
@@ -6831,9 +6797,7 @@
                     <a:effectLst/>
                     <a:uLnTx/>
                     <a:uFillTx/>
-                    <a:latin typeface="Times New Roman" panose="02020603050405020304" pitchFamily="18" charset="0"/>
                     <a:ea typeface="Times New Roman" panose="02020603050405020304" pitchFamily="18" charset="0"/>
-                    <a:cs typeface="+mn-cs"/>
                   </a:rPr>
                   <a:t> </a:t>
                 </a:r>
@@ -6867,9 +6831,7 @@
                     <a:effectLst/>
                     <a:uLnTx/>
                     <a:uFillTx/>
-                    <a:latin typeface="Times New Roman" panose="02020603050405020304" pitchFamily="18" charset="0"/>
                     <a:ea typeface="Times New Roman" panose="02020603050405020304" pitchFamily="18" charset="0"/>
-                    <a:cs typeface="+mn-cs"/>
                   </a:rPr>
                   <a:t>Cambio piano (impulso 3)</a:t>
                 </a:r>
@@ -6902,9 +6864,7 @@
                   <a:effectLst/>
                   <a:uLnTx/>
                   <a:uFillTx/>
-                  <a:latin typeface="Times New Roman" panose="02020603050405020304" pitchFamily="18" charset="0"/>
                   <a:ea typeface="Times New Roman" panose="02020603050405020304" pitchFamily="18" charset="0"/>
-                  <a:cs typeface="+mn-cs"/>
                 </a:endParaRPr>
               </a:p>
               <a:p>
@@ -6936,9 +6896,7 @@
                     <a:effectLst/>
                     <a:uLnTx/>
                     <a:uFillTx/>
-                    <a:latin typeface="Times New Roman" panose="02020603050405020304" pitchFamily="18" charset="0"/>
                     <a:ea typeface="Times New Roman" panose="02020603050405020304" pitchFamily="18" charset="0"/>
-                    <a:cs typeface="+mn-cs"/>
                   </a:rPr>
                   <a:t>Raggiungere intersezione tra orbita circolare e l’apocentro di quella finale</a:t>
                 </a:r>
@@ -6971,9 +6929,7 @@
                   <a:effectLst/>
                   <a:uLnTx/>
                   <a:uFillTx/>
-                  <a:latin typeface="Times New Roman" panose="02020603050405020304" pitchFamily="18" charset="0"/>
                   <a:ea typeface="Times New Roman" panose="02020603050405020304" pitchFamily="18" charset="0"/>
-                  <a:cs typeface="+mn-cs"/>
                 </a:endParaRPr>
               </a:p>
               <a:p>
@@ -7005,9 +6961,7 @@
                     <a:effectLst/>
                     <a:uLnTx/>
                     <a:uFillTx/>
-                    <a:latin typeface="Times New Roman" panose="02020603050405020304" pitchFamily="18" charset="0"/>
                     <a:ea typeface="Times New Roman" panose="02020603050405020304" pitchFamily="18" charset="0"/>
-                    <a:cs typeface="+mn-cs"/>
                   </a:rPr>
                   <a:t>Impulso 4</a:t>
                 </a:r>
@@ -7041,9 +6995,7 @@
                     <a:effectLst/>
                     <a:uLnTx/>
                     <a:uFillTx/>
-                    <a:latin typeface="Times New Roman" panose="02020603050405020304" pitchFamily="18" charset="0"/>
                     <a:ea typeface="Times New Roman" panose="02020603050405020304" pitchFamily="18" charset="0"/>
-                    <a:cs typeface="+mn-cs"/>
                   </a:rPr>
                   <a:t> </a:t>
                 </a:r>
@@ -7077,9 +7029,7 @@
                     <a:effectLst/>
                     <a:uLnTx/>
                     <a:uFillTx/>
-                    <a:latin typeface="Times New Roman" panose="02020603050405020304" pitchFamily="18" charset="0"/>
                     <a:ea typeface="Times New Roman" panose="02020603050405020304" pitchFamily="18" charset="0"/>
-                    <a:cs typeface="+mn-cs"/>
                   </a:rPr>
                   <a:t>Non presenta vantaggi rispetto alla strategia standard</a:t>
                 </a:r>
@@ -7112,9 +7062,7 @@
                   <a:effectLst/>
                   <a:uLnTx/>
                   <a:uFillTx/>
-                  <a:latin typeface="Times New Roman" panose="02020603050405020304" pitchFamily="18" charset="0"/>
                   <a:ea typeface="Times New Roman" panose="02020603050405020304" pitchFamily="18" charset="0"/>
-                  <a:cs typeface="+mn-cs"/>
                 </a:endParaRPr>
               </a:p>
               <a:p>
@@ -7150,9 +7098,6 @@
                             <a:effectLst/>
                             <a:uLnTx/>
                             <a:uFillTx/>
-                            <a:latin typeface="Cambria Math" panose="02040503050406030204" pitchFamily="18" charset="0"/>
-                            <a:ea typeface="+mn-ea"/>
-                            <a:cs typeface="+mn-cs"/>
                           </a:rPr>
                         </m:ctrlPr>
                       </m:sSubPr>
@@ -7171,9 +7116,6 @@
                             <a:effectLst/>
                             <a:uLnTx/>
                             <a:uFillTx/>
-                            <a:latin typeface="Cambria Math" panose="02040503050406030204" pitchFamily="18" charset="0"/>
-                            <a:ea typeface="+mn-ea"/>
-                            <a:cs typeface="+mn-cs"/>
                           </a:rPr>
                           <m:t>Δ</m:t>
                         </m:r>
@@ -7188,9 +7130,6 @@
                             <a:effectLst/>
                             <a:uLnTx/>
                             <a:uFillTx/>
-                            <a:latin typeface="Cambria Math" panose="02040503050406030204" pitchFamily="18" charset="0"/>
-                            <a:ea typeface="+mn-ea"/>
-                            <a:cs typeface="+mn-cs"/>
                           </a:rPr>
                           <m:t>𝑣</m:t>
                         </m:r>
@@ -7207,9 +7146,6 @@
                             <a:effectLst/>
                             <a:uLnTx/>
                             <a:uFillTx/>
-                            <a:latin typeface="Cambria Math" panose="02040503050406030204" pitchFamily="18" charset="0"/>
-                            <a:ea typeface="+mn-ea"/>
-                            <a:cs typeface="+mn-cs"/>
                           </a:rPr>
                           <m:t>𝑡𝑜𝑡</m:t>
                         </m:r>
@@ -7226,9 +7162,6 @@
                         <a:effectLst/>
                         <a:uLnTx/>
                         <a:uFillTx/>
-                        <a:latin typeface="Cambria Math" panose="02040503050406030204" pitchFamily="18" charset="0"/>
-                        <a:ea typeface="+mn-ea"/>
-                        <a:cs typeface="+mn-cs"/>
                       </a:rPr>
                       <m:t>= </m:t>
                     </m:r>
@@ -7245,9 +7178,6 @@
                     <a:effectLst/>
                     <a:uLnTx/>
                     <a:uFillTx/>
-                    <a:latin typeface="Calibri"/>
-                    <a:ea typeface="+mn-ea"/>
-                    <a:cs typeface="+mn-cs"/>
                   </a:rPr>
                   <a:t>6.9762 </a:t>
                 </a:r>
@@ -7262,9 +7192,6 @@
                     <a:effectLst/>
                     <a:uLnTx/>
                     <a:uFillTx/>
-                    <a:latin typeface="Calibri"/>
-                    <a:ea typeface="+mn-ea"/>
-                    <a:cs typeface="+mn-cs"/>
                   </a:rPr>
                   <a:t> </a:t>
                 </a:r>
@@ -7283,9 +7210,6 @@
                             <a:effectLst/>
                             <a:uLnTx/>
                             <a:uFillTx/>
-                            <a:latin typeface="Cambria Math" panose="02040503050406030204" pitchFamily="18" charset="0"/>
-                            <a:ea typeface="+mn-ea"/>
-                            <a:cs typeface="+mn-cs"/>
                           </a:rPr>
                         </m:ctrlPr>
                       </m:fPr>
@@ -7301,9 +7225,6 @@
                             <a:effectLst/>
                             <a:uLnTx/>
                             <a:uFillTx/>
-                            <a:latin typeface="Cambria Math" panose="02040503050406030204" pitchFamily="18" charset="0"/>
-                            <a:ea typeface="+mn-ea"/>
-                            <a:cs typeface="+mn-cs"/>
                           </a:rPr>
                           <m:t>𝑘𝑚</m:t>
                         </m:r>
@@ -7320,9 +7241,6 @@
                             <a:effectLst/>
                             <a:uLnTx/>
                             <a:uFillTx/>
-                            <a:latin typeface="Cambria Math" panose="02040503050406030204" pitchFamily="18" charset="0"/>
-                            <a:ea typeface="+mn-ea"/>
-                            <a:cs typeface="+mn-cs"/>
                           </a:rPr>
                           <m:t>𝑠</m:t>
                         </m:r>
@@ -7340,9 +7258,6 @@
                   <a:effectLst/>
                   <a:uLnTx/>
                   <a:uFillTx/>
-                  <a:latin typeface="Calibri"/>
-                  <a:ea typeface="+mn-ea"/>
-                  <a:cs typeface="+mn-cs"/>
                 </a:endParaRPr>
               </a:p>
               <a:p>
@@ -7373,9 +7288,6 @@
                   <a:effectLst/>
                   <a:uLnTx/>
                   <a:uFillTx/>
-                  <a:latin typeface="Calibri"/>
-                  <a:ea typeface="+mn-ea"/>
-                  <a:cs typeface="+mn-cs"/>
                 </a:endParaRPr>
               </a:p>
               <a:p>
@@ -7411,9 +7323,6 @@
                             <a:effectLst/>
                             <a:uLnTx/>
                             <a:uFillTx/>
-                            <a:latin typeface="Cambria Math" panose="02040503050406030204" pitchFamily="18" charset="0"/>
-                            <a:ea typeface="+mn-ea"/>
-                            <a:cs typeface="+mn-cs"/>
                           </a:rPr>
                         </m:ctrlPr>
                       </m:sSubPr>
@@ -7432,9 +7341,6 @@
                             <a:effectLst/>
                             <a:uLnTx/>
                             <a:uFillTx/>
-                            <a:latin typeface="Cambria Math" panose="02040503050406030204" pitchFamily="18" charset="0"/>
-                            <a:ea typeface="+mn-ea"/>
-                            <a:cs typeface="+mn-cs"/>
                           </a:rPr>
                           <m:t>Δ</m:t>
                         </m:r>
@@ -7452,9 +7358,6 @@
                             <a:effectLst/>
                             <a:uLnTx/>
                             <a:uFillTx/>
-                            <a:latin typeface="Cambria Math" panose="02040503050406030204" pitchFamily="18" charset="0"/>
-                            <a:ea typeface="+mn-ea"/>
-                            <a:cs typeface="+mn-cs"/>
                           </a:rPr>
                           <m:t>t</m:t>
                         </m:r>
@@ -7471,9 +7374,6 @@
                             <a:effectLst/>
                             <a:uLnTx/>
                             <a:uFillTx/>
-                            <a:latin typeface="Cambria Math" panose="02040503050406030204" pitchFamily="18" charset="0"/>
-                            <a:ea typeface="+mn-ea"/>
-                            <a:cs typeface="+mn-cs"/>
                           </a:rPr>
                           <m:t>𝑡𝑜𝑡</m:t>
                         </m:r>
@@ -7490,9 +7390,6 @@
                         <a:effectLst/>
                         <a:uLnTx/>
                         <a:uFillTx/>
-                        <a:latin typeface="Cambria Math" panose="02040503050406030204" pitchFamily="18" charset="0"/>
-                        <a:ea typeface="+mn-ea"/>
-                        <a:cs typeface="+mn-cs"/>
                       </a:rPr>
                       <m:t>= </m:t>
                     </m:r>
@@ -7509,9 +7406,6 @@
                     <a:effectLst/>
                     <a:uLnTx/>
                     <a:uFillTx/>
-                    <a:latin typeface="Calibri"/>
-                    <a:ea typeface="+mn-ea"/>
-                    <a:cs typeface="+mn-cs"/>
                   </a:rPr>
                   <a:t>9.0027</a:t>
                 </a:r>
@@ -7526,9 +7420,6 @@
                     <a:effectLst/>
                     <a:uLnTx/>
                     <a:uFillTx/>
-                    <a:latin typeface="Times New Roman" panose="02020603050405020304" pitchFamily="18" charset="0"/>
-                    <a:ea typeface="+mn-ea"/>
-                    <a:cs typeface="+mn-cs"/>
                   </a:rPr>
                   <a:t> </a:t>
                 </a:r>
@@ -7545,9 +7436,6 @@
                         <a:effectLst/>
                         <a:uLnTx/>
                         <a:uFillTx/>
-                        <a:latin typeface="Cambria Math" panose="02040503050406030204" pitchFamily="18" charset="0"/>
-                        <a:ea typeface="+mn-ea"/>
-                        <a:cs typeface="+mn-cs"/>
                       </a:rPr>
                       <m:t>h</m:t>
                     </m:r>
@@ -7564,9 +7452,6 @@
                     <a:effectLst/>
                     <a:uLnTx/>
                     <a:uFillTx/>
-                    <a:latin typeface="Calibri"/>
-                    <a:ea typeface="+mn-ea"/>
-                    <a:cs typeface="+mn-cs"/>
                   </a:rPr>
                   <a:t> = </a:t>
                 </a:r>
@@ -7583,9 +7468,6 @@
                         <a:effectLst/>
                         <a:uLnTx/>
                         <a:uFillTx/>
-                        <a:latin typeface="Cambria Math" panose="02040503050406030204" pitchFamily="18" charset="0"/>
-                        <a:ea typeface="+mn-ea"/>
-                        <a:cs typeface="+mn-cs"/>
                       </a:rPr>
                       <m:t>32409.9559 </m:t>
                     </m:r>
@@ -7600,9 +7482,6 @@
                         <a:effectLst/>
                         <a:uLnTx/>
                         <a:uFillTx/>
-                        <a:latin typeface="Cambria Math" panose="02040503050406030204" pitchFamily="18" charset="0"/>
-                        <a:ea typeface="+mn-ea"/>
-                        <a:cs typeface="+mn-cs"/>
                       </a:rPr>
                       <m:t>𝑠</m:t>
                     </m:r>
@@ -7618,9 +7497,6 @@
                   <a:effectLst/>
                   <a:uLnTx/>
                   <a:uFillTx/>
-                  <a:latin typeface="Calibri"/>
-                  <a:ea typeface="+mn-ea"/>
-                  <a:cs typeface="+mn-cs"/>
                 </a:endParaRPr>
               </a:p>
               <a:p>
@@ -11025,7 +10901,6 @@
                     <a:effectLst/>
                     <a:uLnTx/>
                     <a:uFillTx/>
-                    <a:latin typeface="Times New Roman" panose="02020603050405020304" pitchFamily="18" charset="0"/>
                     <a:ea typeface="Times New Roman" panose="02020603050405020304" pitchFamily="18" charset="0"/>
                     <a:cs typeface="+mn-cs"/>
                   </a:rPr>
@@ -11061,7 +10936,6 @@
                     <a:effectLst/>
                     <a:uLnTx/>
                     <a:uFillTx/>
-                    <a:latin typeface="Times New Roman" panose="02020603050405020304" pitchFamily="18" charset="0"/>
                     <a:ea typeface="Times New Roman" panose="02020603050405020304" pitchFamily="18" charset="0"/>
                     <a:cs typeface="+mn-cs"/>
                   </a:rPr>
@@ -11096,7 +10970,6 @@
                   <a:effectLst/>
                   <a:uLnTx/>
                   <a:uFillTx/>
-                  <a:latin typeface="Times New Roman" panose="02020603050405020304" pitchFamily="18" charset="0"/>
                   <a:ea typeface="Times New Roman" panose="02020603050405020304" pitchFamily="18" charset="0"/>
                   <a:cs typeface="+mn-cs"/>
                 </a:endParaRPr>
@@ -11130,7 +11003,6 @@
                     <a:effectLst/>
                     <a:uLnTx/>
                     <a:uFillTx/>
-                    <a:latin typeface="Times New Roman" panose="02020603050405020304" pitchFamily="18" charset="0"/>
                     <a:ea typeface="Times New Roman" panose="02020603050405020304" pitchFamily="18" charset="0"/>
                     <a:cs typeface="+mn-cs"/>
                   </a:rPr>
@@ -11166,7 +11038,6 @@
                     <a:effectLst/>
                     <a:uLnTx/>
                     <a:uFillTx/>
-                    <a:latin typeface="Times New Roman" panose="02020603050405020304" pitchFamily="18" charset="0"/>
                     <a:ea typeface="Times New Roman" panose="02020603050405020304" pitchFamily="18" charset="0"/>
                     <a:cs typeface="+mn-cs"/>
                   </a:rPr>
@@ -11202,7 +11073,6 @@
                     <a:effectLst/>
                     <a:uLnTx/>
                     <a:uFillTx/>
-                    <a:latin typeface="Times New Roman" panose="02020603050405020304" pitchFamily="18" charset="0"/>
                     <a:ea typeface="Times New Roman" panose="02020603050405020304" pitchFamily="18" charset="0"/>
                     <a:cs typeface="+mn-cs"/>
                   </a:rPr>
@@ -11248,7 +11118,6 @@
                             <a:effectLst/>
                             <a:uLnTx/>
                             <a:uFillTx/>
-                            <a:latin typeface="Cambria Math" panose="02040503050406030204" pitchFamily="18" charset="0"/>
                             <a:ea typeface="+mn-ea"/>
                             <a:cs typeface="+mn-cs"/>
                           </a:rPr>
@@ -11269,7 +11138,6 @@
                             <a:effectLst/>
                             <a:uLnTx/>
                             <a:uFillTx/>
-                            <a:latin typeface="Cambria Math" panose="02040503050406030204" pitchFamily="18" charset="0"/>
                             <a:ea typeface="+mn-ea"/>
                             <a:cs typeface="+mn-cs"/>
                           </a:rPr>
@@ -11286,7 +11154,6 @@
                             <a:effectLst/>
                             <a:uLnTx/>
                             <a:uFillTx/>
-                            <a:latin typeface="Cambria Math" panose="02040503050406030204" pitchFamily="18" charset="0"/>
                             <a:ea typeface="+mn-ea"/>
                             <a:cs typeface="+mn-cs"/>
                           </a:rPr>
@@ -11305,7 +11172,6 @@
                             <a:effectLst/>
                             <a:uLnTx/>
                             <a:uFillTx/>
-                            <a:latin typeface="Cambria Math" panose="02040503050406030204" pitchFamily="18" charset="0"/>
                             <a:ea typeface="+mn-ea"/>
                             <a:cs typeface="+mn-cs"/>
                           </a:rPr>
@@ -11324,7 +11190,6 @@
                         <a:effectLst/>
                         <a:uLnTx/>
                         <a:uFillTx/>
-                        <a:latin typeface="Cambria Math" panose="02040503050406030204" pitchFamily="18" charset="0"/>
                         <a:ea typeface="+mn-ea"/>
                         <a:cs typeface="+mn-cs"/>
                       </a:rPr>
@@ -11343,7 +11208,6 @@
                     <a:effectLst/>
                     <a:uLnTx/>
                     <a:uFillTx/>
-                    <a:latin typeface="Calibri"/>
                     <a:ea typeface="+mn-ea"/>
                     <a:cs typeface="+mn-cs"/>
                   </a:rPr>
@@ -11360,7 +11224,6 @@
                     <a:effectLst/>
                     <a:uLnTx/>
                     <a:uFillTx/>
-                    <a:latin typeface="Calibri"/>
                     <a:ea typeface="+mn-ea"/>
                     <a:cs typeface="+mn-cs"/>
                   </a:rPr>
@@ -11381,7 +11244,6 @@
                             <a:effectLst/>
                             <a:uLnTx/>
                             <a:uFillTx/>
-                            <a:latin typeface="Cambria Math" panose="02040503050406030204" pitchFamily="18" charset="0"/>
                             <a:ea typeface="+mn-ea"/>
                             <a:cs typeface="+mn-cs"/>
                           </a:rPr>
@@ -11399,7 +11261,6 @@
                             <a:effectLst/>
                             <a:uLnTx/>
                             <a:uFillTx/>
-                            <a:latin typeface="Cambria Math" panose="02040503050406030204" pitchFamily="18" charset="0"/>
                             <a:ea typeface="+mn-ea"/>
                             <a:cs typeface="+mn-cs"/>
                           </a:rPr>
@@ -11418,7 +11279,6 @@
                             <a:effectLst/>
                             <a:uLnTx/>
                             <a:uFillTx/>
-                            <a:latin typeface="Cambria Math" panose="02040503050406030204" pitchFamily="18" charset="0"/>
                             <a:ea typeface="+mn-ea"/>
                             <a:cs typeface="+mn-cs"/>
                           </a:rPr>
@@ -11438,7 +11298,6 @@
                   <a:effectLst/>
                   <a:uLnTx/>
                   <a:uFillTx/>
-                  <a:latin typeface="Calibri"/>
                   <a:ea typeface="+mn-ea"/>
                   <a:cs typeface="+mn-cs"/>
                 </a:endParaRPr>
@@ -11471,7 +11330,6 @@
                   <a:effectLst/>
                   <a:uLnTx/>
                   <a:uFillTx/>
-                  <a:latin typeface="Calibri"/>
                   <a:ea typeface="+mn-ea"/>
                   <a:cs typeface="+mn-cs"/>
                 </a:endParaRPr>
@@ -11509,7 +11367,6 @@
                             <a:effectLst/>
                             <a:uLnTx/>
                             <a:uFillTx/>
-                            <a:latin typeface="Cambria Math" panose="02040503050406030204" pitchFamily="18" charset="0"/>
                             <a:ea typeface="+mn-ea"/>
                             <a:cs typeface="+mn-cs"/>
                           </a:rPr>
@@ -11530,7 +11387,6 @@
                             <a:effectLst/>
                             <a:uLnTx/>
                             <a:uFillTx/>
-                            <a:latin typeface="Cambria Math" panose="02040503050406030204" pitchFamily="18" charset="0"/>
                             <a:ea typeface="+mn-ea"/>
                             <a:cs typeface="+mn-cs"/>
                           </a:rPr>
@@ -11550,7 +11406,6 @@
                             <a:effectLst/>
                             <a:uLnTx/>
                             <a:uFillTx/>
-                            <a:latin typeface="Cambria Math" panose="02040503050406030204" pitchFamily="18" charset="0"/>
                             <a:ea typeface="+mn-ea"/>
                             <a:cs typeface="+mn-cs"/>
                           </a:rPr>
@@ -11569,7 +11424,6 @@
                             <a:effectLst/>
                             <a:uLnTx/>
                             <a:uFillTx/>
-                            <a:latin typeface="Cambria Math" panose="02040503050406030204" pitchFamily="18" charset="0"/>
                             <a:ea typeface="+mn-ea"/>
                             <a:cs typeface="+mn-cs"/>
                           </a:rPr>
@@ -11588,7 +11442,6 @@
                         <a:effectLst/>
                         <a:uLnTx/>
                         <a:uFillTx/>
-                        <a:latin typeface="Cambria Math" panose="02040503050406030204" pitchFamily="18" charset="0"/>
                         <a:ea typeface="+mn-ea"/>
                         <a:cs typeface="+mn-cs"/>
                       </a:rPr>
@@ -11607,7 +11460,6 @@
                     <a:effectLst/>
                     <a:uLnTx/>
                     <a:uFillTx/>
-                    <a:latin typeface="Calibri"/>
                     <a:ea typeface="+mn-ea"/>
                     <a:cs typeface="+mn-cs"/>
                   </a:rPr>
@@ -11624,7 +11476,6 @@
                     <a:effectLst/>
                     <a:uLnTx/>
                     <a:uFillTx/>
-                    <a:latin typeface="Times New Roman" panose="02020603050405020304" pitchFamily="18" charset="0"/>
                     <a:ea typeface="+mn-ea"/>
                     <a:cs typeface="+mn-cs"/>
                   </a:rPr>
@@ -11643,7 +11494,6 @@
                         <a:effectLst/>
                         <a:uLnTx/>
                         <a:uFillTx/>
-                        <a:latin typeface="Cambria Math" panose="02040503050406030204" pitchFamily="18" charset="0"/>
                         <a:ea typeface="+mn-ea"/>
                         <a:cs typeface="+mn-cs"/>
                       </a:rPr>
@@ -11662,7 +11512,6 @@
                     <a:effectLst/>
                     <a:uLnTx/>
                     <a:uFillTx/>
-                    <a:latin typeface="Calibri"/>
                     <a:ea typeface="+mn-ea"/>
                     <a:cs typeface="+mn-cs"/>
                   </a:rPr>
@@ -11681,7 +11530,6 @@
                         <a:effectLst/>
                         <a:uLnTx/>
                         <a:uFillTx/>
-                        <a:latin typeface="Cambria Math" panose="02040503050406030204" pitchFamily="18" charset="0"/>
                         <a:ea typeface="+mn-ea"/>
                         <a:cs typeface="+mn-cs"/>
                       </a:rPr>
@@ -11698,7 +11546,6 @@
                         <a:effectLst/>
                         <a:uLnTx/>
                         <a:uFillTx/>
-                        <a:latin typeface="Cambria Math" panose="02040503050406030204" pitchFamily="18" charset="0"/>
                         <a:ea typeface="+mn-ea"/>
                         <a:cs typeface="+mn-cs"/>
                       </a:rPr>
@@ -11716,7 +11563,6 @@
                   <a:effectLst/>
                   <a:uLnTx/>
                   <a:uFillTx/>
-                  <a:latin typeface="Calibri"/>
                   <a:ea typeface="+mn-ea"/>
                   <a:cs typeface="+mn-cs"/>
                 </a:endParaRPr>
@@ -11863,8 +11709,8 @@
           </a:xfrm>
         </p:spPr>
       </p:pic>
-      <mc:AlternateContent xmlns:mc="http://schemas.openxmlformats.org/markup-compatibility/2006">
-        <mc:Choice xmlns:a14="http://schemas.microsoft.com/office/drawing/2010/main" Requires="a14">
+      <mc:AlternateContent xmlns:mc="http://schemas.openxmlformats.org/markup-compatibility/2006" xmlns:a14="http://schemas.microsoft.com/office/drawing/2010/main">
+        <mc:Choice Requires="a14">
           <p:graphicFrame>
             <p:nvGraphicFramePr>
               <p:cNvPr id="16" name="Tabella 17">
@@ -11946,42 +11792,49 @@
                                   </m:rPr>
                                   <a:rPr lang="en-GB" sz="1800" smtClean="0">
                                     <a:effectLst/>
+                                    <a:latin typeface="Cambria Math" panose="02040503050406030204" pitchFamily="18" charset="0"/>
                                   </a:rPr>
                                   <m:t>Δ</m:t>
                                 </m:r>
                                 <m:r>
                                   <a:rPr lang="en-GB" sz="1800" smtClean="0">
                                     <a:effectLst/>
+                                    <a:latin typeface="Cambria Math" panose="02040503050406030204" pitchFamily="18" charset="0"/>
                                   </a:rPr>
                                   <m:t>𝑣</m:t>
                                 </m:r>
                                 <m:r>
                                   <a:rPr lang="en-GB" sz="1800" smtClean="0">
                                     <a:effectLst/>
+                                    <a:latin typeface="Cambria Math" panose="02040503050406030204" pitchFamily="18" charset="0"/>
                                   </a:rPr>
                                   <m:t> [</m:t>
                                 </m:r>
                                 <m:r>
                                   <a:rPr lang="en-GB" sz="1800" smtClean="0">
                                     <a:effectLst/>
+                                    <a:latin typeface="Cambria Math" panose="02040503050406030204" pitchFamily="18" charset="0"/>
                                   </a:rPr>
                                   <m:t>𝑘𝑚</m:t>
                                 </m:r>
                                 <m:r>
                                   <a:rPr lang="en-GB" sz="1800" smtClean="0">
                                     <a:effectLst/>
+                                    <a:latin typeface="Cambria Math" panose="02040503050406030204" pitchFamily="18" charset="0"/>
                                   </a:rPr>
                                   <m:t>/</m:t>
                                 </m:r>
                                 <m:r>
                                   <a:rPr lang="en-GB" sz="1800" smtClean="0">
                                     <a:effectLst/>
+                                    <a:latin typeface="Cambria Math" panose="02040503050406030204" pitchFamily="18" charset="0"/>
                                   </a:rPr>
                                   <m:t>𝑠</m:t>
                                 </m:r>
                                 <m:r>
                                   <a:rPr lang="en-GB" sz="1800" smtClean="0">
                                     <a:effectLst/>
+                                    <a:latin typeface="Cambria Math" panose="02040503050406030204" pitchFamily="18" charset="0"/>
                                   </a:rPr>
                                   <m:t>]</m:t>
                                 </m:r>
@@ -12020,7 +11873,7 @@
                             <a:defRPr/>
                           </a:pPr>
                           <a:r>
-                            <a:rPr lang="en-GB" sz="1800">
+                            <a:rPr lang="en-GB" sz="1800" dirty="0">
                               <a:effectLst/>
                             </a:rPr>
                             <a:t>6.6450</a:t>
@@ -12075,30 +11928,35 @@
                                   </m:rPr>
                                   <a:rPr lang="en-GB" sz="1800" smtClean="0">
                                     <a:effectLst/>
+                                    <a:latin typeface="Cambria Math" panose="02040503050406030204" pitchFamily="18" charset="0"/>
                                   </a:rPr>
                                   <m:t>Δ</m:t>
                                 </m:r>
                                 <m:r>
                                   <a:rPr lang="en-GB" sz="1800" smtClean="0">
                                     <a:effectLst/>
+                                    <a:latin typeface="Cambria Math" panose="02040503050406030204" pitchFamily="18" charset="0"/>
                                   </a:rPr>
                                   <m:t>𝑡</m:t>
                                 </m:r>
                                 <m:r>
                                   <a:rPr lang="en-GB" sz="1800" smtClean="0">
                                     <a:effectLst/>
+                                    <a:latin typeface="Cambria Math" panose="02040503050406030204" pitchFamily="18" charset="0"/>
                                   </a:rPr>
                                   <m:t> [</m:t>
                                 </m:r>
                                 <m:r>
                                   <a:rPr lang="en-GB" sz="1800" smtClean="0">
                                     <a:effectLst/>
+                                    <a:latin typeface="Cambria Math" panose="02040503050406030204" pitchFamily="18" charset="0"/>
                                   </a:rPr>
                                   <m:t>h</m:t>
                                 </m:r>
                                 <m:r>
                                   <a:rPr lang="en-GB" sz="1800" smtClean="0">
                                     <a:effectLst/>
+                                    <a:latin typeface="Cambria Math" panose="02040503050406030204" pitchFamily="18" charset="0"/>
                                   </a:rPr>
                                   <m:t>]</m:t>
                                 </m:r>
@@ -12162,7 +12020,7 @@
             </a:graphic>
           </p:graphicFrame>
         </mc:Choice>
-        <mc:Fallback>
+        <mc:Fallback xmlns="">
           <p:graphicFrame>
             <p:nvGraphicFramePr>
               <p:cNvPr id="16" name="Tabella 17">
@@ -12452,9 +12310,7 @@
                     <a:effectLst/>
                     <a:uLnTx/>
                     <a:uFillTx/>
-                    <a:latin typeface="Times New Roman" panose="02020603050405020304" pitchFamily="18" charset="0"/>
                     <a:ea typeface="Times New Roman" panose="02020603050405020304" pitchFamily="18" charset="0"/>
-                    <a:cs typeface="+mn-cs"/>
                   </a:rPr>
                   <a:t>Cambio forma         </a:t>
                 </a:r>
@@ -12473,9 +12329,6 @@
                             <a:effectLst/>
                             <a:uLnTx/>
                             <a:uFillTx/>
-                            <a:latin typeface="Cambria Math" panose="02040503050406030204" pitchFamily="18" charset="0"/>
-                            <a:ea typeface="+mn-ea"/>
-                            <a:cs typeface="+mn-cs"/>
                           </a:rPr>
                         </m:ctrlPr>
                       </m:sSubPr>
@@ -12491,9 +12344,6 @@
                             <a:effectLst/>
                             <a:uLnTx/>
                             <a:uFillTx/>
-                            <a:latin typeface="Cambria Math" panose="02040503050406030204" pitchFamily="18" charset="0"/>
-                            <a:ea typeface="+mn-ea"/>
-                            <a:cs typeface="+mn-cs"/>
                           </a:rPr>
                           <m:t>𝑒</m:t>
                         </m:r>
@@ -12510,9 +12360,6 @@
                             <a:effectLst/>
                             <a:uLnTx/>
                             <a:uFillTx/>
-                            <a:latin typeface="Cambria Math" panose="02040503050406030204" pitchFamily="18" charset="0"/>
-                            <a:ea typeface="+mn-ea"/>
-                            <a:cs typeface="+mn-cs"/>
                           </a:rPr>
                           <m:t>𝑓</m:t>
                         </m:r>
@@ -12531,9 +12378,7 @@
                     <a:effectLst/>
                     <a:uLnTx/>
                     <a:uFillTx/>
-                    <a:latin typeface="Times New Roman" panose="02020603050405020304" pitchFamily="18" charset="0"/>
                     <a:ea typeface="Times New Roman" panose="02020603050405020304" pitchFamily="18" charset="0"/>
-                    <a:cs typeface="+mn-cs"/>
                   </a:rPr>
                   <a:t> , </a:t>
                 </a:r>
@@ -12552,9 +12397,6 @@
                             <a:effectLst/>
                             <a:uLnTx/>
                             <a:uFillTx/>
-                            <a:latin typeface="Cambria Math" panose="02040503050406030204" pitchFamily="18" charset="0"/>
-                            <a:ea typeface="+mn-ea"/>
-                            <a:cs typeface="+mn-cs"/>
                           </a:rPr>
                         </m:ctrlPr>
                       </m:sSubPr>
@@ -12570,9 +12412,6 @@
                             <a:effectLst/>
                             <a:uLnTx/>
                             <a:uFillTx/>
-                            <a:latin typeface="Cambria Math" panose="02040503050406030204" pitchFamily="18" charset="0"/>
-                            <a:ea typeface="+mn-ea"/>
-                            <a:cs typeface="+mn-cs"/>
                           </a:rPr>
                           <m:t>𝑎</m:t>
                         </m:r>
@@ -12589,9 +12428,6 @@
                             <a:effectLst/>
                             <a:uLnTx/>
                             <a:uFillTx/>
-                            <a:latin typeface="Cambria Math" panose="02040503050406030204" pitchFamily="18" charset="0"/>
-                            <a:ea typeface="+mn-ea"/>
-                            <a:cs typeface="+mn-cs"/>
                           </a:rPr>
                           <m:t>𝑓</m:t>
                         </m:r>
@@ -12610,9 +12446,7 @@
                     <a:effectLst/>
                     <a:uLnTx/>
                     <a:uFillTx/>
-                    <a:latin typeface="Times New Roman" panose="02020603050405020304" pitchFamily="18" charset="0"/>
                     <a:ea typeface="Times New Roman" panose="02020603050405020304" pitchFamily="18" charset="0"/>
-                    <a:cs typeface="+mn-cs"/>
                   </a:rPr>
                   <a:t> </a:t>
                 </a:r>
@@ -12645,9 +12479,7 @@
                   <a:effectLst/>
                   <a:uLnTx/>
                   <a:uFillTx/>
-                  <a:latin typeface="Times New Roman" panose="02020603050405020304" pitchFamily="18" charset="0"/>
                   <a:ea typeface="Times New Roman" panose="02020603050405020304" pitchFamily="18" charset="0"/>
-                  <a:cs typeface="+mn-cs"/>
                 </a:endParaRPr>
               </a:p>
               <a:p>
@@ -12679,9 +12511,7 @@
                     <a:effectLst/>
                     <a:uLnTx/>
                     <a:uFillTx/>
-                    <a:latin typeface="Times New Roman" panose="02020603050405020304" pitchFamily="18" charset="0"/>
                     <a:ea typeface="Times New Roman" panose="02020603050405020304" pitchFamily="18" charset="0"/>
-                    <a:cs typeface="+mn-cs"/>
                   </a:rPr>
                   <a:t>Raggiungere il pericentro dell'orbita iniziale </a:t>
                 </a:r>
@@ -12689,7 +12519,6 @@
                   <a:solidFill>
                     <a:prstClr val="black"/>
                   </a:solidFill>
-                  <a:latin typeface="Cambria Math" panose="02040503050406030204" pitchFamily="18" charset="0"/>
                 </a:endParaRPr>
               </a:p>
               <a:p>
@@ -12720,9 +12549,6 @@
                     <a:effectLst/>
                     <a:uLnTx/>
                     <a:uFillTx/>
-                    <a:latin typeface="Cambria Math" panose="02040503050406030204" pitchFamily="18" charset="0"/>
-                    <a:ea typeface="+mn-ea"/>
-                    <a:cs typeface="+mn-cs"/>
                   </a:rPr>
                   <a:t>      </a:t>
                 </a:r>
@@ -12741,9 +12567,6 @@
                             <a:effectLst/>
                             <a:uLnTx/>
                             <a:uFillTx/>
-                            <a:latin typeface="Cambria Math" panose="02040503050406030204" pitchFamily="18" charset="0"/>
-                            <a:ea typeface="+mn-ea"/>
-                            <a:cs typeface="+mn-cs"/>
                           </a:rPr>
                         </m:ctrlPr>
                       </m:sSubPr>
@@ -12762,9 +12585,6 @@
                             <a:effectLst/>
                             <a:uLnTx/>
                             <a:uFillTx/>
-                            <a:latin typeface="Cambria Math" panose="02040503050406030204" pitchFamily="18" charset="0"/>
-                            <a:ea typeface="+mn-ea"/>
-                            <a:cs typeface="+mn-cs"/>
                           </a:rPr>
                           <m:t>Δ</m:t>
                         </m:r>
@@ -12779,9 +12599,6 @@
                             <a:effectLst/>
                             <a:uLnTx/>
                             <a:uFillTx/>
-                            <a:latin typeface="Cambria Math" panose="02040503050406030204" pitchFamily="18" charset="0"/>
-                            <a:ea typeface="+mn-ea"/>
-                            <a:cs typeface="+mn-cs"/>
                           </a:rPr>
                           <m:t>𝑡</m:t>
                         </m:r>
@@ -12798,9 +12615,6 @@
                             <a:effectLst/>
                             <a:uLnTx/>
                             <a:uFillTx/>
-                            <a:latin typeface="Cambria Math" panose="02040503050406030204" pitchFamily="18" charset="0"/>
-                            <a:ea typeface="+mn-ea"/>
-                            <a:cs typeface="+mn-cs"/>
                           </a:rPr>
                           <m:t>1</m:t>
                         </m:r>
@@ -12817,9 +12631,6 @@
                         <a:effectLst/>
                         <a:uLnTx/>
                         <a:uFillTx/>
-                        <a:latin typeface="Cambria Math" panose="02040503050406030204" pitchFamily="18" charset="0"/>
-                        <a:ea typeface="+mn-ea"/>
-                        <a:cs typeface="+mn-cs"/>
                       </a:rPr>
                       <m:t>= </m:t>
                     </m:r>
@@ -12836,9 +12647,6 @@
                     <a:effectLst/>
                     <a:uLnTx/>
                     <a:uFillTx/>
-                    <a:latin typeface="Calibri"/>
-                    <a:ea typeface="+mn-ea"/>
-                    <a:cs typeface="+mn-cs"/>
                   </a:rPr>
                   <a:t>5698</a:t>
                 </a:r>
@@ -12853,9 +12661,6 @@
                     <a:effectLst/>
                     <a:uLnTx/>
                     <a:uFillTx/>
-                    <a:latin typeface="Times New Roman" panose="02020603050405020304" pitchFamily="18" charset="0"/>
-                    <a:ea typeface="+mn-ea"/>
-                    <a:cs typeface="+mn-cs"/>
                   </a:rPr>
                   <a:t> </a:t>
                 </a:r>
@@ -12872,9 +12677,6 @@
                         <a:effectLst/>
                         <a:uLnTx/>
                         <a:uFillTx/>
-                        <a:latin typeface="Cambria Math" panose="02040503050406030204" pitchFamily="18" charset="0"/>
-                        <a:ea typeface="+mn-ea"/>
-                        <a:cs typeface="+mn-cs"/>
                       </a:rPr>
                       <m:t>𝑠</m:t>
                     </m:r>
@@ -12890,9 +12692,7 @@
                   <a:effectLst/>
                   <a:uLnTx/>
                   <a:uFillTx/>
-                  <a:latin typeface="Times New Roman" panose="02020603050405020304" pitchFamily="18" charset="0"/>
                   <a:ea typeface="Times New Roman" panose="02020603050405020304" pitchFamily="18" charset="0"/>
-                  <a:cs typeface="+mn-cs"/>
                 </a:endParaRPr>
               </a:p>
               <a:p>
@@ -12923,9 +12723,7 @@
                   <a:effectLst/>
                   <a:uLnTx/>
                   <a:uFillTx/>
-                  <a:latin typeface="Times New Roman" panose="02020603050405020304" pitchFamily="18" charset="0"/>
                   <a:ea typeface="Times New Roman" panose="02020603050405020304" pitchFamily="18" charset="0"/>
-                  <a:cs typeface="+mn-cs"/>
                 </a:endParaRPr>
               </a:p>
               <a:p>
@@ -12957,9 +12755,7 @@
                     <a:effectLst/>
                     <a:uLnTx/>
                     <a:uFillTx/>
-                    <a:latin typeface="Times New Roman" panose="02020603050405020304" pitchFamily="18" charset="0"/>
                     <a:ea typeface="Times New Roman" panose="02020603050405020304" pitchFamily="18" charset="0"/>
-                    <a:cs typeface="+mn-cs"/>
                   </a:rPr>
                   <a:t>Primo impulso </a:t>
                 </a:r>
@@ -12978,9 +12774,6 @@
                             <a:effectLst/>
                             <a:uLnTx/>
                             <a:uFillTx/>
-                            <a:latin typeface="Cambria Math" panose="02040503050406030204" pitchFamily="18" charset="0"/>
-                            <a:ea typeface="+mn-ea"/>
-                            <a:cs typeface="+mn-cs"/>
                           </a:rPr>
                         </m:ctrlPr>
                       </m:sSubPr>
@@ -12999,9 +12792,6 @@
                             <a:effectLst/>
                             <a:uLnTx/>
                             <a:uFillTx/>
-                            <a:latin typeface="Cambria Math" panose="02040503050406030204" pitchFamily="18" charset="0"/>
-                            <a:ea typeface="+mn-ea"/>
-                            <a:cs typeface="+mn-cs"/>
                           </a:rPr>
                           <m:t>Δ</m:t>
                         </m:r>
@@ -13016,9 +12806,6 @@
                             <a:effectLst/>
                             <a:uLnTx/>
                             <a:uFillTx/>
-                            <a:latin typeface="Cambria Math" panose="02040503050406030204" pitchFamily="18" charset="0"/>
-                            <a:ea typeface="+mn-ea"/>
-                            <a:cs typeface="+mn-cs"/>
                           </a:rPr>
                           <m:t>𝑣</m:t>
                         </m:r>
@@ -13035,9 +12822,6 @@
                             <a:effectLst/>
                             <a:uLnTx/>
                             <a:uFillTx/>
-                            <a:latin typeface="Cambria Math" panose="02040503050406030204" pitchFamily="18" charset="0"/>
-                            <a:ea typeface="+mn-ea"/>
-                            <a:cs typeface="+mn-cs"/>
                           </a:rPr>
                           <m:t>1</m:t>
                         </m:r>
@@ -13054,9 +12838,6 @@
                         <a:effectLst/>
                         <a:uLnTx/>
                         <a:uFillTx/>
-                        <a:latin typeface="Cambria Math" panose="02040503050406030204" pitchFamily="18" charset="0"/>
-                        <a:ea typeface="+mn-ea"/>
-                        <a:cs typeface="+mn-cs"/>
                       </a:rPr>
                       <m:t>= </m:t>
                     </m:r>
@@ -13073,9 +12854,6 @@
                     <a:effectLst/>
                     <a:uLnTx/>
                     <a:uFillTx/>
-                    <a:latin typeface="Calibri"/>
-                    <a:ea typeface="+mn-ea"/>
-                    <a:cs typeface="+mn-cs"/>
                   </a:rPr>
                   <a:t>0.5863 </a:t>
                 </a:r>
@@ -13094,9 +12872,6 @@
                             <a:effectLst/>
                             <a:uLnTx/>
                             <a:uFillTx/>
-                            <a:latin typeface="Cambria Math" panose="02040503050406030204" pitchFamily="18" charset="0"/>
-                            <a:ea typeface="+mn-ea"/>
-                            <a:cs typeface="+mn-cs"/>
                           </a:rPr>
                         </m:ctrlPr>
                       </m:fPr>
@@ -13112,9 +12887,6 @@
                             <a:effectLst/>
                             <a:uLnTx/>
                             <a:uFillTx/>
-                            <a:latin typeface="Cambria Math" panose="02040503050406030204" pitchFamily="18" charset="0"/>
-                            <a:ea typeface="+mn-ea"/>
-                            <a:cs typeface="+mn-cs"/>
                           </a:rPr>
                           <m:t>𝑘𝑚</m:t>
                         </m:r>
@@ -13131,9 +12903,6 @@
                             <a:effectLst/>
                             <a:uLnTx/>
                             <a:uFillTx/>
-                            <a:latin typeface="Cambria Math" panose="02040503050406030204" pitchFamily="18" charset="0"/>
-                            <a:ea typeface="+mn-ea"/>
-                            <a:cs typeface="+mn-cs"/>
                           </a:rPr>
                           <m:t>𝑠</m:t>
                         </m:r>
@@ -13151,9 +12920,6 @@
                   <a:effectLst/>
                   <a:uLnTx/>
                   <a:uFillTx/>
-                  <a:latin typeface="Calibri"/>
-                  <a:ea typeface="+mn-ea"/>
-                  <a:cs typeface="+mn-cs"/>
                 </a:endParaRPr>
               </a:p>
               <a:p>
@@ -13184,9 +12950,7 @@
                   <a:effectLst/>
                   <a:uLnTx/>
                   <a:uFillTx/>
-                  <a:latin typeface="Times New Roman" panose="02020603050405020304" pitchFamily="18" charset="0"/>
                   <a:ea typeface="Times New Roman" panose="02020603050405020304" pitchFamily="18" charset="0"/>
-                  <a:cs typeface="+mn-cs"/>
                 </a:endParaRPr>
               </a:p>
               <a:p>
@@ -13218,9 +12982,7 @@
                     <a:effectLst/>
                     <a:uLnTx/>
                     <a:uFillTx/>
-                    <a:latin typeface="Times New Roman" panose="02020603050405020304" pitchFamily="18" charset="0"/>
                     <a:ea typeface="Times New Roman" panose="02020603050405020304" pitchFamily="18" charset="0"/>
-                    <a:cs typeface="+mn-cs"/>
                   </a:rPr>
                   <a:t>Orbita di Trasferimento:</a:t>
                 </a:r>
@@ -13229,7 +12991,6 @@
                     <a:solidFill>
                       <a:prstClr val="black"/>
                     </a:solidFill>
-                    <a:latin typeface="Times New Roman" panose="02020603050405020304" pitchFamily="18" charset="0"/>
                     <a:ea typeface="Times New Roman" panose="02020603050405020304" pitchFamily="18" charset="0"/>
                   </a:rPr>
                   <a:t> </a:t>
@@ -13249,9 +13010,6 @@
                             <a:effectLst/>
                             <a:uLnTx/>
                             <a:uFillTx/>
-                            <a:latin typeface="Cambria Math" panose="02040503050406030204" pitchFamily="18" charset="0"/>
-                            <a:ea typeface="+mn-ea"/>
-                            <a:cs typeface="+mn-cs"/>
                           </a:rPr>
                         </m:ctrlPr>
                       </m:sSubPr>
@@ -13267,9 +13025,6 @@
                             <a:effectLst/>
                             <a:uLnTx/>
                             <a:uFillTx/>
-                            <a:latin typeface="Cambria Math" panose="02040503050406030204" pitchFamily="18" charset="0"/>
-                            <a:ea typeface="+mn-ea"/>
-                            <a:cs typeface="+mn-cs"/>
                           </a:rPr>
                           <m:t>𝑒</m:t>
                         </m:r>
@@ -13286,9 +13041,6 @@
                             <a:effectLst/>
                             <a:uLnTx/>
                             <a:uFillTx/>
-                            <a:latin typeface="Cambria Math" panose="02040503050406030204" pitchFamily="18" charset="0"/>
-                            <a:ea typeface="+mn-ea"/>
-                            <a:cs typeface="+mn-cs"/>
                           </a:rPr>
                           <m:t>𝑡</m:t>
                         </m:r>
@@ -13307,9 +13059,7 @@
                     <a:effectLst/>
                     <a:uLnTx/>
                     <a:uFillTx/>
-                    <a:latin typeface="Times New Roman" panose="02020603050405020304" pitchFamily="18" charset="0"/>
                     <a:ea typeface="Times New Roman" panose="02020603050405020304" pitchFamily="18" charset="0"/>
-                    <a:cs typeface="+mn-cs"/>
                   </a:rPr>
                   <a:t> , </a:t>
                 </a:r>
@@ -13328,9 +13078,6 @@
                             <a:effectLst/>
                             <a:uLnTx/>
                             <a:uFillTx/>
-                            <a:latin typeface="Cambria Math" panose="02040503050406030204" pitchFamily="18" charset="0"/>
-                            <a:ea typeface="+mn-ea"/>
-                            <a:cs typeface="+mn-cs"/>
                           </a:rPr>
                         </m:ctrlPr>
                       </m:sSubPr>
@@ -13346,9 +13093,6 @@
                             <a:effectLst/>
                             <a:uLnTx/>
                             <a:uFillTx/>
-                            <a:latin typeface="Cambria Math" panose="02040503050406030204" pitchFamily="18" charset="0"/>
-                            <a:ea typeface="+mn-ea"/>
-                            <a:cs typeface="+mn-cs"/>
                           </a:rPr>
                           <m:t>𝑎</m:t>
                         </m:r>
@@ -13365,9 +13109,6 @@
                             <a:effectLst/>
                             <a:uLnTx/>
                             <a:uFillTx/>
-                            <a:latin typeface="Cambria Math" panose="02040503050406030204" pitchFamily="18" charset="0"/>
-                            <a:ea typeface="+mn-ea"/>
-                            <a:cs typeface="+mn-cs"/>
                           </a:rPr>
                           <m:t>𝑡</m:t>
                         </m:r>
@@ -13386,9 +13127,7 @@
                     <a:effectLst/>
                     <a:uLnTx/>
                     <a:uFillTx/>
-                    <a:latin typeface="Times New Roman" panose="02020603050405020304" pitchFamily="18" charset="0"/>
                     <a:ea typeface="Times New Roman" panose="02020603050405020304" pitchFamily="18" charset="0"/>
-                    <a:cs typeface="+mn-cs"/>
                   </a:rPr>
                   <a:t> </a:t>
                 </a:r>
@@ -13421,9 +13160,7 @@
                   <a:effectLst/>
                   <a:uLnTx/>
                   <a:uFillTx/>
-                  <a:latin typeface="Times New Roman" panose="02020603050405020304" pitchFamily="18" charset="0"/>
                   <a:ea typeface="Times New Roman" panose="02020603050405020304" pitchFamily="18" charset="0"/>
-                  <a:cs typeface="+mn-cs"/>
                 </a:endParaRPr>
               </a:p>
               <a:p>
@@ -13455,9 +13192,7 @@
                     <a:effectLst/>
                     <a:uLnTx/>
                     <a:uFillTx/>
-                    <a:latin typeface="Times New Roman" panose="02020603050405020304" pitchFamily="18" charset="0"/>
                     <a:ea typeface="Times New Roman" panose="02020603050405020304" pitchFamily="18" charset="0"/>
-                    <a:cs typeface="+mn-cs"/>
                   </a:rPr>
                   <a:t>Raggiungere l'apocentro dell'orbita di trasferimento</a:t>
                 </a:r>
@@ -13476,9 +13211,6 @@
                             <a:effectLst/>
                             <a:uLnTx/>
                             <a:uFillTx/>
-                            <a:latin typeface="Cambria Math" panose="02040503050406030204" pitchFamily="18" charset="0"/>
-                            <a:ea typeface="+mn-ea"/>
-                            <a:cs typeface="+mn-cs"/>
                           </a:rPr>
                         </m:ctrlPr>
                       </m:sSubPr>
@@ -13494,9 +13226,6 @@
                             <a:effectLst/>
                             <a:uLnTx/>
                             <a:uFillTx/>
-                            <a:latin typeface="Cambria Math" panose="02040503050406030204" pitchFamily="18" charset="0"/>
-                            <a:ea typeface="+mn-ea"/>
-                            <a:cs typeface="+mn-cs"/>
                           </a:rPr>
                           <m:t>  </m:t>
                         </m:r>
@@ -13514,9 +13243,6 @@
                             <a:effectLst/>
                             <a:uLnTx/>
                             <a:uFillTx/>
-                            <a:latin typeface="Cambria Math" panose="02040503050406030204" pitchFamily="18" charset="0"/>
-                            <a:ea typeface="+mn-ea"/>
-                            <a:cs typeface="+mn-cs"/>
                           </a:rPr>
                           <m:t>Δ</m:t>
                         </m:r>
@@ -13531,9 +13257,6 @@
                             <a:effectLst/>
                             <a:uLnTx/>
                             <a:uFillTx/>
-                            <a:latin typeface="Cambria Math" panose="02040503050406030204" pitchFamily="18" charset="0"/>
-                            <a:ea typeface="+mn-ea"/>
-                            <a:cs typeface="+mn-cs"/>
                           </a:rPr>
                           <m:t>𝑡</m:t>
                         </m:r>
@@ -13550,9 +13273,6 @@
                             <a:effectLst/>
                             <a:uLnTx/>
                             <a:uFillTx/>
-                            <a:latin typeface="Cambria Math" panose="02040503050406030204" pitchFamily="18" charset="0"/>
-                            <a:ea typeface="+mn-ea"/>
-                            <a:cs typeface="+mn-cs"/>
                           </a:rPr>
                           <m:t>2</m:t>
                         </m:r>
@@ -13569,9 +13289,6 @@
                         <a:effectLst/>
                         <a:uLnTx/>
                         <a:uFillTx/>
-                        <a:latin typeface="Cambria Math" panose="02040503050406030204" pitchFamily="18" charset="0"/>
-                        <a:ea typeface="+mn-ea"/>
-                        <a:cs typeface="+mn-cs"/>
                       </a:rPr>
                       <m:t>= </m:t>
                     </m:r>
@@ -13588,9 +13305,6 @@
                     <a:effectLst/>
                     <a:uLnTx/>
                     <a:uFillTx/>
-                    <a:latin typeface="Calibri"/>
-                    <a:ea typeface="+mn-ea"/>
-                    <a:cs typeface="+mn-cs"/>
                   </a:rPr>
                   <a:t>5295</a:t>
                 </a:r>
@@ -13605,9 +13319,6 @@
                     <a:effectLst/>
                     <a:uLnTx/>
                     <a:uFillTx/>
-                    <a:latin typeface="Times New Roman" panose="02020603050405020304" pitchFamily="18" charset="0"/>
-                    <a:ea typeface="+mn-ea"/>
-                    <a:cs typeface="+mn-cs"/>
                   </a:rPr>
                   <a:t> </a:t>
                 </a:r>
@@ -13624,9 +13335,6 @@
                         <a:effectLst/>
                         <a:uLnTx/>
                         <a:uFillTx/>
-                        <a:latin typeface="Cambria Math" panose="02040503050406030204" pitchFamily="18" charset="0"/>
-                        <a:ea typeface="+mn-ea"/>
-                        <a:cs typeface="+mn-cs"/>
                       </a:rPr>
                       <m:t>𝑠</m:t>
                     </m:r>
@@ -13642,9 +13350,7 @@
                   <a:effectLst/>
                   <a:uLnTx/>
                   <a:uFillTx/>
-                  <a:latin typeface="Times New Roman" panose="02020603050405020304" pitchFamily="18" charset="0"/>
                   <a:ea typeface="Times New Roman" panose="02020603050405020304" pitchFamily="18" charset="0"/>
-                  <a:cs typeface="+mn-cs"/>
                 </a:endParaRPr>
               </a:p>
               <a:p>
@@ -13675,9 +13381,7 @@
                   <a:effectLst/>
                   <a:uLnTx/>
                   <a:uFillTx/>
-                  <a:latin typeface="Times New Roman" panose="02020603050405020304" pitchFamily="18" charset="0"/>
                   <a:ea typeface="Times New Roman" panose="02020603050405020304" pitchFamily="18" charset="0"/>
-                  <a:cs typeface="+mn-cs"/>
                 </a:endParaRPr>
               </a:p>
               <a:p>
@@ -13709,9 +13413,6 @@
                     <a:effectLst/>
                     <a:uLnTx/>
                     <a:uFillTx/>
-                    <a:latin typeface="Times New Roman" panose="02020603050405020304" pitchFamily="18" charset="0"/>
-                    <a:ea typeface="+mn-ea"/>
-                    <a:cs typeface="+mn-cs"/>
                   </a:rPr>
                   <a:t>Secondo impulso </a:t>
                 </a:r>
@@ -13730,9 +13431,6 @@
                             <a:effectLst/>
                             <a:uLnTx/>
                             <a:uFillTx/>
-                            <a:latin typeface="Cambria Math" panose="02040503050406030204" pitchFamily="18" charset="0"/>
-                            <a:ea typeface="+mn-ea"/>
-                            <a:cs typeface="+mn-cs"/>
                           </a:rPr>
                         </m:ctrlPr>
                       </m:sSubPr>
@@ -13751,9 +13449,6 @@
                             <a:effectLst/>
                             <a:uLnTx/>
                             <a:uFillTx/>
-                            <a:latin typeface="Cambria Math" panose="02040503050406030204" pitchFamily="18" charset="0"/>
-                            <a:ea typeface="+mn-ea"/>
-                            <a:cs typeface="+mn-cs"/>
                           </a:rPr>
                           <m:t>Δ</m:t>
                         </m:r>
@@ -13768,9 +13463,6 @@
                             <a:effectLst/>
                             <a:uLnTx/>
                             <a:uFillTx/>
-                            <a:latin typeface="Cambria Math" panose="02040503050406030204" pitchFamily="18" charset="0"/>
-                            <a:ea typeface="+mn-ea"/>
-                            <a:cs typeface="+mn-cs"/>
                           </a:rPr>
                           <m:t>𝑣</m:t>
                         </m:r>
@@ -13787,9 +13479,6 @@
                             <a:effectLst/>
                             <a:uLnTx/>
                             <a:uFillTx/>
-                            <a:latin typeface="Cambria Math" panose="02040503050406030204" pitchFamily="18" charset="0"/>
-                            <a:ea typeface="+mn-ea"/>
-                            <a:cs typeface="+mn-cs"/>
                           </a:rPr>
                           <m:t>2</m:t>
                         </m:r>
@@ -13806,9 +13495,6 @@
                         <a:effectLst/>
                         <a:uLnTx/>
                         <a:uFillTx/>
-                        <a:latin typeface="Cambria Math" panose="02040503050406030204" pitchFamily="18" charset="0"/>
-                        <a:ea typeface="+mn-ea"/>
-                        <a:cs typeface="+mn-cs"/>
                       </a:rPr>
                       <m:t>= </m:t>
                     </m:r>
@@ -13825,9 +13511,6 @@
                     <a:effectLst/>
                     <a:uLnTx/>
                     <a:uFillTx/>
-                    <a:latin typeface="Calibri"/>
-                    <a:ea typeface="+mn-ea"/>
-                    <a:cs typeface="+mn-cs"/>
                   </a:rPr>
                   <a:t>0.1642 </a:t>
                 </a:r>
@@ -13846,9 +13529,6 @@
                             <a:effectLst/>
                             <a:uLnTx/>
                             <a:uFillTx/>
-                            <a:latin typeface="Cambria Math" panose="02040503050406030204" pitchFamily="18" charset="0"/>
-                            <a:ea typeface="+mn-ea"/>
-                            <a:cs typeface="+mn-cs"/>
                           </a:rPr>
                         </m:ctrlPr>
                       </m:fPr>
@@ -13864,9 +13544,6 @@
                             <a:effectLst/>
                             <a:uLnTx/>
                             <a:uFillTx/>
-                            <a:latin typeface="Cambria Math" panose="02040503050406030204" pitchFamily="18" charset="0"/>
-                            <a:ea typeface="+mn-ea"/>
-                            <a:cs typeface="+mn-cs"/>
                           </a:rPr>
                           <m:t>𝑘𝑚</m:t>
                         </m:r>
@@ -13883,9 +13560,6 @@
                             <a:effectLst/>
                             <a:uLnTx/>
                             <a:uFillTx/>
-                            <a:latin typeface="Cambria Math" panose="02040503050406030204" pitchFamily="18" charset="0"/>
-                            <a:ea typeface="+mn-ea"/>
-                            <a:cs typeface="+mn-cs"/>
                           </a:rPr>
                           <m:t>𝑠</m:t>
                         </m:r>
@@ -13903,9 +13577,6 @@
                   <a:effectLst/>
                   <a:uLnTx/>
                   <a:uFillTx/>
-                  <a:latin typeface="Calibri"/>
-                  <a:ea typeface="+mn-ea"/>
-                  <a:cs typeface="+mn-cs"/>
                 </a:endParaRPr>
               </a:p>
               <a:p>
@@ -13936,9 +13607,6 @@
                   <a:effectLst/>
                   <a:uLnTx/>
                   <a:uFillTx/>
-                  <a:latin typeface="Times New Roman" panose="02020603050405020304" pitchFamily="18" charset="0"/>
-                  <a:ea typeface="+mn-ea"/>
-                  <a:cs typeface="+mn-cs"/>
                 </a:endParaRPr>
               </a:p>
               <a:p>
@@ -13970,9 +13638,7 @@
                     <a:effectLst/>
                     <a:uLnTx/>
                     <a:uFillTx/>
-                    <a:latin typeface="Times New Roman" panose="02020603050405020304" pitchFamily="18" charset="0"/>
                     <a:ea typeface="Times New Roman" panose="02020603050405020304" pitchFamily="18" charset="0"/>
-                    <a:cs typeface="+mn-cs"/>
                   </a:rPr>
                   <a:t>Nuova orbita: </a:t>
                 </a:r>
@@ -13991,9 +13657,6 @@
                             <a:effectLst/>
                             <a:uLnTx/>
                             <a:uFillTx/>
-                            <a:latin typeface="Cambria Math" panose="02040503050406030204" pitchFamily="18" charset="0"/>
-                            <a:ea typeface="+mn-ea"/>
-                            <a:cs typeface="+mn-cs"/>
                           </a:rPr>
                         </m:ctrlPr>
                       </m:sSubPr>
@@ -14009,9 +13672,6 @@
                             <a:effectLst/>
                             <a:uLnTx/>
                             <a:uFillTx/>
-                            <a:latin typeface="Cambria Math" panose="02040503050406030204" pitchFamily="18" charset="0"/>
-                            <a:ea typeface="+mn-ea"/>
-                            <a:cs typeface="+mn-cs"/>
                           </a:rPr>
                           <m:t>𝑒</m:t>
                         </m:r>
@@ -14028,9 +13688,6 @@
                             <a:effectLst/>
                             <a:uLnTx/>
                             <a:uFillTx/>
-                            <a:latin typeface="Cambria Math" panose="02040503050406030204" pitchFamily="18" charset="0"/>
-                            <a:ea typeface="+mn-ea"/>
-                            <a:cs typeface="+mn-cs"/>
                           </a:rPr>
                           <m:t>𝑓</m:t>
                         </m:r>
@@ -14049,9 +13706,7 @@
                     <a:effectLst/>
                     <a:uLnTx/>
                     <a:uFillTx/>
-                    <a:latin typeface="Times New Roman" panose="02020603050405020304" pitchFamily="18" charset="0"/>
                     <a:ea typeface="Times New Roman" panose="02020603050405020304" pitchFamily="18" charset="0"/>
-                    <a:cs typeface="+mn-cs"/>
                   </a:rPr>
                   <a:t> , </a:t>
                 </a:r>
@@ -14070,9 +13725,6 @@
                             <a:effectLst/>
                             <a:uLnTx/>
                             <a:uFillTx/>
-                            <a:latin typeface="Cambria Math" panose="02040503050406030204" pitchFamily="18" charset="0"/>
-                            <a:ea typeface="+mn-ea"/>
-                            <a:cs typeface="+mn-cs"/>
                           </a:rPr>
                         </m:ctrlPr>
                       </m:sSubPr>
@@ -14088,9 +13740,6 @@
                             <a:effectLst/>
                             <a:uLnTx/>
                             <a:uFillTx/>
-                            <a:latin typeface="Cambria Math" panose="02040503050406030204" pitchFamily="18" charset="0"/>
-                            <a:ea typeface="+mn-ea"/>
-                            <a:cs typeface="+mn-cs"/>
                           </a:rPr>
                           <m:t>𝑎</m:t>
                         </m:r>
@@ -14107,9 +13756,6 @@
                             <a:effectLst/>
                             <a:uLnTx/>
                             <a:uFillTx/>
-                            <a:latin typeface="Cambria Math" panose="02040503050406030204" pitchFamily="18" charset="0"/>
-                            <a:ea typeface="+mn-ea"/>
-                            <a:cs typeface="+mn-cs"/>
                           </a:rPr>
                           <m:t>𝑓</m:t>
                         </m:r>
@@ -14128,9 +13774,7 @@
                     <a:effectLst/>
                     <a:uLnTx/>
                     <a:uFillTx/>
-                    <a:latin typeface="Times New Roman" panose="02020603050405020304" pitchFamily="18" charset="0"/>
                     <a:ea typeface="Times New Roman" panose="02020603050405020304" pitchFamily="18" charset="0"/>
-                    <a:cs typeface="+mn-cs"/>
                   </a:rPr>
                   <a:t> </a:t>
                 </a:r>
@@ -14165,7 +13809,7 @@
               <a:blipFill>
                 <a:blip r:embed="rId2"/>
                 <a:stretch>
-                  <a:fillRect l="-1059" t="-625"/>
+                  <a:fillRect l="-1059" t="-500"/>
                 </a:stretch>
               </a:blipFill>
             </p:spPr>
@@ -14492,8 +14136,8 @@
           </a:p>
         </p:txBody>
       </p:sp>
-      <mc:AlternateContent xmlns:mc="http://schemas.openxmlformats.org/markup-compatibility/2006">
-        <mc:Choice xmlns:a14="http://schemas.microsoft.com/office/drawing/2010/main" Requires="a14">
+      <mc:AlternateContent xmlns:mc="http://schemas.openxmlformats.org/markup-compatibility/2006" xmlns:a14="http://schemas.microsoft.com/office/drawing/2010/main">
+        <mc:Choice Requires="a14">
           <p:sp>
             <p:nvSpPr>
               <p:cNvPr id="3" name="Segnaposto contenuto 2">
@@ -15390,7 +15034,7 @@
             </p:txBody>
           </p:sp>
         </mc:Choice>
-        <mc:Fallback>
+        <mc:Fallback xmlns="">
           <p:sp>
             <p:nvSpPr>
               <p:cNvPr id="3" name="Segnaposto contenuto 2">
@@ -15666,7 +15310,7 @@
         </p:nvSpPr>
         <p:spPr>
           <a:xfrm>
-            <a:off x="838200" y="415400"/>
+            <a:off x="838200" y="368747"/>
             <a:ext cx="9466246" cy="590931"/>
           </a:xfrm>
         </p:spPr>
@@ -15733,9 +15377,7 @@
                     <a:effectLst/>
                     <a:uLnTx/>
                     <a:uFillTx/>
-                    <a:latin typeface="Times New Roman" panose="02020603050405020304" pitchFamily="18" charset="0"/>
                     <a:ea typeface="Times New Roman" panose="02020603050405020304" pitchFamily="18" charset="0"/>
-                    <a:cs typeface="+mn-cs"/>
                   </a:rPr>
                   <a:t>Allineare le orbite         </a:t>
                 </a:r>
@@ -15752,9 +15394,6 @@
                         <a:effectLst/>
                         <a:uLnTx/>
                         <a:uFillTx/>
-                        <a:latin typeface="Cambria Math" panose="02040503050406030204" pitchFamily="18" charset="0"/>
-                        <a:ea typeface="+mn-ea"/>
-                        <a:cs typeface="+mn-cs"/>
                       </a:rPr>
                       <m:t> </m:t>
                     </m:r>
@@ -15771,9 +15410,6 @@
                             <a:effectLst/>
                             <a:uLnTx/>
                             <a:uFillTx/>
-                            <a:latin typeface="Cambria Math" panose="02040503050406030204" pitchFamily="18" charset="0"/>
-                            <a:ea typeface="+mn-ea"/>
-                            <a:cs typeface="+mn-cs"/>
                           </a:rPr>
                         </m:ctrlPr>
                       </m:sSubPr>
@@ -15789,9 +15425,6 @@
                             <a:effectLst/>
                             <a:uLnTx/>
                             <a:uFillTx/>
-                            <a:latin typeface="Cambria Math" panose="02040503050406030204" pitchFamily="18" charset="0"/>
-                            <a:ea typeface="+mn-ea"/>
-                            <a:cs typeface="+mn-cs"/>
                           </a:rPr>
                           <m:t>𝜔</m:t>
                         </m:r>
@@ -15808,9 +15441,6 @@
                             <a:effectLst/>
                             <a:uLnTx/>
                             <a:uFillTx/>
-                            <a:latin typeface="Cambria Math" panose="02040503050406030204" pitchFamily="18" charset="0"/>
-                            <a:ea typeface="+mn-ea"/>
-                            <a:cs typeface="+mn-cs"/>
                           </a:rPr>
                           <m:t>𝑓</m:t>
                         </m:r>
@@ -15828,9 +15458,7 @@
                   <a:effectLst/>
                   <a:uLnTx/>
                   <a:uFillTx/>
-                  <a:latin typeface="Times New Roman" panose="02020603050405020304" pitchFamily="18" charset="0"/>
                   <a:ea typeface="Times New Roman" panose="02020603050405020304" pitchFamily="18" charset="0"/>
-                  <a:cs typeface="+mn-cs"/>
                 </a:endParaRPr>
               </a:p>
               <a:p>
@@ -15861,9 +15489,7 @@
                   <a:effectLst/>
                   <a:uLnTx/>
                   <a:uFillTx/>
-                  <a:latin typeface="Times New Roman" panose="02020603050405020304" pitchFamily="18" charset="0"/>
                   <a:ea typeface="Times New Roman" panose="02020603050405020304" pitchFamily="18" charset="0"/>
-                  <a:cs typeface="+mn-cs"/>
                 </a:endParaRPr>
               </a:p>
               <a:p>
@@ -15895,9 +15521,7 @@
                     <a:effectLst/>
                     <a:uLnTx/>
                     <a:uFillTx/>
-                    <a:latin typeface="Times New Roman" panose="02020603050405020304" pitchFamily="18" charset="0"/>
                     <a:ea typeface="Times New Roman" panose="02020603050405020304" pitchFamily="18" charset="0"/>
-                    <a:cs typeface="+mn-cs"/>
                   </a:rPr>
                   <a:t>Raggiungere punto di cambio anomalia </a:t>
                 </a:r>
@@ -15905,7 +15529,6 @@
                   <a:solidFill>
                     <a:prstClr val="black"/>
                   </a:solidFill>
-                  <a:latin typeface="Times New Roman" panose="02020603050405020304" pitchFamily="18" charset="0"/>
                   <a:ea typeface="Times New Roman" panose="02020603050405020304" pitchFamily="18" charset="0"/>
                 </a:endParaRPr>
               </a:p>
@@ -15937,8 +15560,6 @@
                     <a:effectLst/>
                     <a:uLnTx/>
                     <a:uFillTx/>
-                    <a:latin typeface="Times New Roman" panose="02020603050405020304" pitchFamily="18" charset="0"/>
-                    <a:cs typeface="+mn-cs"/>
                   </a:rPr>
                   <a:t>     </a:t>
                 </a:r>
@@ -15957,9 +15578,6 @@
                             <a:effectLst/>
                             <a:uLnTx/>
                             <a:uFillTx/>
-                            <a:latin typeface="Cambria Math" panose="02040503050406030204" pitchFamily="18" charset="0"/>
-                            <a:ea typeface="+mn-ea"/>
-                            <a:cs typeface="+mn-cs"/>
                           </a:rPr>
                         </m:ctrlPr>
                       </m:sSubPr>
@@ -15978,9 +15596,6 @@
                             <a:effectLst/>
                             <a:uLnTx/>
                             <a:uFillTx/>
-                            <a:latin typeface="Cambria Math" panose="02040503050406030204" pitchFamily="18" charset="0"/>
-                            <a:ea typeface="+mn-ea"/>
-                            <a:cs typeface="+mn-cs"/>
                           </a:rPr>
                           <m:t>Δ</m:t>
                         </m:r>
@@ -15995,9 +15610,6 @@
                             <a:effectLst/>
                             <a:uLnTx/>
                             <a:uFillTx/>
-                            <a:latin typeface="Cambria Math" panose="02040503050406030204" pitchFamily="18" charset="0"/>
-                            <a:ea typeface="+mn-ea"/>
-                            <a:cs typeface="+mn-cs"/>
                           </a:rPr>
                           <m:t>𝑡</m:t>
                         </m:r>
@@ -16014,9 +15626,6 @@
                             <a:effectLst/>
                             <a:uLnTx/>
                             <a:uFillTx/>
-                            <a:latin typeface="Cambria Math" panose="02040503050406030204" pitchFamily="18" charset="0"/>
-                            <a:ea typeface="+mn-ea"/>
-                            <a:cs typeface="+mn-cs"/>
                           </a:rPr>
                           <m:t>4</m:t>
                         </m:r>
@@ -16033,9 +15642,6 @@
                         <a:effectLst/>
                         <a:uLnTx/>
                         <a:uFillTx/>
-                        <a:latin typeface="Cambria Math" panose="02040503050406030204" pitchFamily="18" charset="0"/>
-                        <a:ea typeface="+mn-ea"/>
-                        <a:cs typeface="+mn-cs"/>
                       </a:rPr>
                       <m:t>=2777 </m:t>
                     </m:r>
@@ -16050,9 +15656,6 @@
                         <a:effectLst/>
                         <a:uLnTx/>
                         <a:uFillTx/>
-                        <a:latin typeface="Cambria Math" panose="02040503050406030204" pitchFamily="18" charset="0"/>
-                        <a:ea typeface="+mn-ea"/>
-                        <a:cs typeface="+mn-cs"/>
                       </a:rPr>
                       <m:t>𝑠</m:t>
                     </m:r>
@@ -16068,9 +15671,7 @@
                   <a:effectLst/>
                   <a:uLnTx/>
                   <a:uFillTx/>
-                  <a:latin typeface="Times New Roman" panose="02020603050405020304" pitchFamily="18" charset="0"/>
                   <a:ea typeface="Times New Roman" panose="02020603050405020304" pitchFamily="18" charset="0"/>
-                  <a:cs typeface="+mn-cs"/>
                 </a:endParaRPr>
               </a:p>
               <a:p>
@@ -16101,9 +15702,7 @@
                   <a:effectLst/>
                   <a:uLnTx/>
                   <a:uFillTx/>
-                  <a:latin typeface="Times New Roman" panose="02020603050405020304" pitchFamily="18" charset="0"/>
                   <a:ea typeface="Times New Roman" panose="02020603050405020304" pitchFamily="18" charset="0"/>
-                  <a:cs typeface="+mn-cs"/>
                 </a:endParaRPr>
               </a:p>
               <a:p>
@@ -16135,9 +15734,7 @@
                     <a:effectLst/>
                     <a:uLnTx/>
                     <a:uFillTx/>
-                    <a:latin typeface="Times New Roman" panose="02020603050405020304" pitchFamily="18" charset="0"/>
                     <a:ea typeface="Times New Roman" panose="02020603050405020304" pitchFamily="18" charset="0"/>
-                    <a:cs typeface="+mn-cs"/>
                   </a:rPr>
                   <a:t>Quarto impulso </a:t>
                 </a:r>
@@ -16156,9 +15753,6 @@
                             <a:effectLst/>
                             <a:uLnTx/>
                             <a:uFillTx/>
-                            <a:latin typeface="Cambria Math" panose="02040503050406030204" pitchFamily="18" charset="0"/>
-                            <a:ea typeface="+mn-ea"/>
-                            <a:cs typeface="+mn-cs"/>
                           </a:rPr>
                         </m:ctrlPr>
                       </m:sSubPr>
@@ -16177,9 +15771,6 @@
                             <a:effectLst/>
                             <a:uLnTx/>
                             <a:uFillTx/>
-                            <a:latin typeface="Cambria Math" panose="02040503050406030204" pitchFamily="18" charset="0"/>
-                            <a:ea typeface="+mn-ea"/>
-                            <a:cs typeface="+mn-cs"/>
                           </a:rPr>
                           <m:t>Δ</m:t>
                         </m:r>
@@ -16194,9 +15785,6 @@
                             <a:effectLst/>
                             <a:uLnTx/>
                             <a:uFillTx/>
-                            <a:latin typeface="Cambria Math" panose="02040503050406030204" pitchFamily="18" charset="0"/>
-                            <a:ea typeface="+mn-ea"/>
-                            <a:cs typeface="+mn-cs"/>
                           </a:rPr>
                           <m:t>𝑣</m:t>
                         </m:r>
@@ -16213,9 +15801,6 @@
                             <a:effectLst/>
                             <a:uLnTx/>
                             <a:uFillTx/>
-                            <a:latin typeface="Cambria Math" panose="02040503050406030204" pitchFamily="18" charset="0"/>
-                            <a:ea typeface="+mn-ea"/>
-                            <a:cs typeface="+mn-cs"/>
                           </a:rPr>
                           <m:t>3</m:t>
                         </m:r>
@@ -16232,9 +15817,6 @@
                         <a:effectLst/>
                         <a:uLnTx/>
                         <a:uFillTx/>
-                        <a:latin typeface="Cambria Math" panose="02040503050406030204" pitchFamily="18" charset="0"/>
-                        <a:ea typeface="+mn-ea"/>
-                        <a:cs typeface="+mn-cs"/>
                       </a:rPr>
                       <m:t>=</m:t>
                     </m:r>
@@ -16252,9 +15834,6 @@
                         <a:effectLst/>
                         <a:uLnTx/>
                         <a:uFillTx/>
-                        <a:latin typeface="Calibri"/>
-                        <a:ea typeface="+mn-ea"/>
-                        <a:cs typeface="+mn-cs"/>
                       </a:rPr>
                       <m:t>0.7105</m:t>
                     </m:r>
@@ -16271,9 +15850,6 @@
                             <a:effectLst/>
                             <a:uLnTx/>
                             <a:uFillTx/>
-                            <a:latin typeface="Cambria Math" panose="02040503050406030204" pitchFamily="18" charset="0"/>
-                            <a:ea typeface="+mn-ea"/>
-                            <a:cs typeface="+mn-cs"/>
                           </a:rPr>
                         </m:ctrlPr>
                       </m:fPr>
@@ -16289,9 +15865,6 @@
                             <a:effectLst/>
                             <a:uLnTx/>
                             <a:uFillTx/>
-                            <a:latin typeface="Cambria Math" panose="02040503050406030204" pitchFamily="18" charset="0"/>
-                            <a:ea typeface="+mn-ea"/>
-                            <a:cs typeface="+mn-cs"/>
                           </a:rPr>
                           <m:t>𝑘𝑚</m:t>
                         </m:r>
@@ -16308,9 +15881,6 @@
                             <a:effectLst/>
                             <a:uLnTx/>
                             <a:uFillTx/>
-                            <a:latin typeface="Cambria Math" panose="02040503050406030204" pitchFamily="18" charset="0"/>
-                            <a:ea typeface="+mn-ea"/>
-                            <a:cs typeface="+mn-cs"/>
                           </a:rPr>
                           <m:t>𝑠</m:t>
                         </m:r>
@@ -16328,9 +15898,7 @@
                   <a:effectLst/>
                   <a:uLnTx/>
                   <a:uFillTx/>
-                  <a:latin typeface="Times New Roman" panose="02020603050405020304" pitchFamily="18" charset="0"/>
                   <a:ea typeface="Times New Roman" panose="02020603050405020304" pitchFamily="18" charset="0"/>
-                  <a:cs typeface="+mn-cs"/>
                 </a:endParaRPr>
               </a:p>
               <a:p>
@@ -16361,9 +15929,7 @@
                   <a:effectLst/>
                   <a:uLnTx/>
                   <a:uFillTx/>
-                  <a:latin typeface="Times New Roman" panose="02020603050405020304" pitchFamily="18" charset="0"/>
                   <a:ea typeface="Times New Roman" panose="02020603050405020304" pitchFamily="18" charset="0"/>
-                  <a:cs typeface="+mn-cs"/>
                 </a:endParaRPr>
               </a:p>
               <a:p>
@@ -16395,9 +15961,7 @@
                     <a:effectLst/>
                     <a:uLnTx/>
                     <a:uFillTx/>
-                    <a:latin typeface="Times New Roman" panose="02020603050405020304" pitchFamily="18" charset="0"/>
                     <a:ea typeface="Times New Roman" panose="02020603050405020304" pitchFamily="18" charset="0"/>
-                    <a:cs typeface="+mn-cs"/>
                   </a:rPr>
                   <a:t>Orbita Finale: </a:t>
                 </a:r>
@@ -16416,9 +15980,6 @@
                             <a:effectLst/>
                             <a:uLnTx/>
                             <a:uFillTx/>
-                            <a:latin typeface="Cambria Math" panose="02040503050406030204" pitchFamily="18" charset="0"/>
-                            <a:ea typeface="+mn-ea"/>
-                            <a:cs typeface="+mn-cs"/>
                           </a:rPr>
                         </m:ctrlPr>
                       </m:sSubPr>
@@ -16434,9 +15995,6 @@
                             <a:effectLst/>
                             <a:uLnTx/>
                             <a:uFillTx/>
-                            <a:latin typeface="Cambria Math" panose="02040503050406030204" pitchFamily="18" charset="0"/>
-                            <a:ea typeface="+mn-ea"/>
-                            <a:cs typeface="+mn-cs"/>
                           </a:rPr>
                           <m:t>𝜔</m:t>
                         </m:r>
@@ -16453,9 +16011,6 @@
                             <a:effectLst/>
                             <a:uLnTx/>
                             <a:uFillTx/>
-                            <a:latin typeface="Cambria Math" panose="02040503050406030204" pitchFamily="18" charset="0"/>
-                            <a:ea typeface="+mn-ea"/>
-                            <a:cs typeface="+mn-cs"/>
                           </a:rPr>
                           <m:t>𝑓</m:t>
                         </m:r>
@@ -16473,9 +16028,7 @@
                   <a:effectLst/>
                   <a:uLnTx/>
                   <a:uFillTx/>
-                  <a:latin typeface="Times New Roman" panose="02020603050405020304" pitchFamily="18" charset="0"/>
                   <a:ea typeface="Times New Roman" panose="02020603050405020304" pitchFamily="18" charset="0"/>
-                  <a:cs typeface="+mn-cs"/>
                 </a:endParaRPr>
               </a:p>
               <a:p>
@@ -16506,9 +16059,7 @@
                   <a:effectLst/>
                   <a:uLnTx/>
                   <a:uFillTx/>
-                  <a:latin typeface="Times New Roman" panose="02020603050405020304" pitchFamily="18" charset="0"/>
                   <a:ea typeface="Times New Roman" panose="02020603050405020304" pitchFamily="18" charset="0"/>
-                  <a:cs typeface="+mn-cs"/>
                 </a:endParaRPr>
               </a:p>
               <a:p>
@@ -16540,9 +16091,7 @@
                     <a:effectLst/>
                     <a:uLnTx/>
                     <a:uFillTx/>
-                    <a:latin typeface="Times New Roman" panose="02020603050405020304" pitchFamily="18" charset="0"/>
                     <a:ea typeface="Times New Roman" panose="02020603050405020304" pitchFamily="18" charset="0"/>
-                    <a:cs typeface="+mn-cs"/>
                   </a:rPr>
                   <a:t>Raggiungo la posizione finale</a:t>
                 </a:r>
@@ -16557,9 +16106,6 @@
                     <a:effectLst/>
                     <a:uLnTx/>
                     <a:uFillTx/>
-                    <a:latin typeface="Calibri"/>
-                    <a:ea typeface="+mn-ea"/>
-                    <a:cs typeface="+mn-cs"/>
                   </a:rPr>
                   <a:t> </a:t>
                 </a:r>
@@ -16578,9 +16124,6 @@
                             <a:effectLst/>
                             <a:uLnTx/>
                             <a:uFillTx/>
-                            <a:latin typeface="Cambria Math" panose="02040503050406030204" pitchFamily="18" charset="0"/>
-                            <a:ea typeface="+mn-ea"/>
-                            <a:cs typeface="+mn-cs"/>
                           </a:rPr>
                         </m:ctrlPr>
                       </m:sSubPr>
@@ -16596,9 +16139,6 @@
                             <a:effectLst/>
                             <a:uLnTx/>
                             <a:uFillTx/>
-                            <a:latin typeface="Cambria Math" panose="02040503050406030204" pitchFamily="18" charset="0"/>
-                            <a:ea typeface="+mn-ea"/>
-                            <a:cs typeface="+mn-cs"/>
                           </a:rPr>
                           <m:t>𝜃</m:t>
                         </m:r>
@@ -16615,9 +16155,6 @@
                             <a:effectLst/>
                             <a:uLnTx/>
                             <a:uFillTx/>
-                            <a:latin typeface="Cambria Math" panose="02040503050406030204" pitchFamily="18" charset="0"/>
-                            <a:ea typeface="+mn-ea"/>
-                            <a:cs typeface="+mn-cs"/>
                           </a:rPr>
                           <m:t>𝑓</m:t>
                         </m:r>
@@ -16636,9 +16173,6 @@
                             <a:effectLst/>
                             <a:uLnTx/>
                             <a:uFillTx/>
-                            <a:latin typeface="Cambria Math" panose="02040503050406030204" pitchFamily="18" charset="0"/>
-                            <a:ea typeface="+mn-ea"/>
-                            <a:cs typeface="+mn-cs"/>
                           </a:rPr>
                         </m:ctrlPr>
                       </m:sSubPr>
@@ -16654,9 +16188,6 @@
                             <a:effectLst/>
                             <a:uLnTx/>
                             <a:uFillTx/>
-                            <a:latin typeface="Cambria Math" panose="02040503050406030204" pitchFamily="18" charset="0"/>
-                            <a:ea typeface="+mn-ea"/>
-                            <a:cs typeface="+mn-cs"/>
                           </a:rPr>
                           <m:t>  </m:t>
                         </m:r>
@@ -16674,9 +16205,6 @@
                             <a:effectLst/>
                             <a:uLnTx/>
                             <a:uFillTx/>
-                            <a:latin typeface="Cambria Math" panose="02040503050406030204" pitchFamily="18" charset="0"/>
-                            <a:ea typeface="+mn-ea"/>
-                            <a:cs typeface="+mn-cs"/>
                           </a:rPr>
                           <m:t>Δ</m:t>
                         </m:r>
@@ -16691,9 +16219,6 @@
                             <a:effectLst/>
                             <a:uLnTx/>
                             <a:uFillTx/>
-                            <a:latin typeface="Cambria Math" panose="02040503050406030204" pitchFamily="18" charset="0"/>
-                            <a:ea typeface="+mn-ea"/>
-                            <a:cs typeface="+mn-cs"/>
                           </a:rPr>
                           <m:t>𝑡</m:t>
                         </m:r>
@@ -16710,9 +16235,6 @@
                             <a:effectLst/>
                             <a:uLnTx/>
                             <a:uFillTx/>
-                            <a:latin typeface="Cambria Math" panose="02040503050406030204" pitchFamily="18" charset="0"/>
-                            <a:ea typeface="+mn-ea"/>
-                            <a:cs typeface="+mn-cs"/>
                           </a:rPr>
                           <m:t>5</m:t>
                         </m:r>
@@ -16729,9 +16251,6 @@
                         <a:effectLst/>
                         <a:uLnTx/>
                         <a:uFillTx/>
-                        <a:latin typeface="Cambria Math" panose="02040503050406030204" pitchFamily="18" charset="0"/>
-                        <a:ea typeface="+mn-ea"/>
-                        <a:cs typeface="+mn-cs"/>
                       </a:rPr>
                       <m:t>=</m:t>
                     </m:r>
@@ -16746,9 +16265,6 @@
                         <a:effectLst/>
                         <a:uLnTx/>
                         <a:uFillTx/>
-                        <a:latin typeface="Cambria Math" panose="02040503050406030204" pitchFamily="18" charset="0"/>
-                        <a:ea typeface="+mn-ea"/>
-                        <a:cs typeface="+mn-cs"/>
                       </a:rPr>
                       <m:t>631</m:t>
                     </m:r>
@@ -16763,9 +16279,6 @@
                         <a:effectLst/>
                         <a:uLnTx/>
                         <a:uFillTx/>
-                        <a:latin typeface="Cambria Math" panose="02040503050406030204" pitchFamily="18" charset="0"/>
-                        <a:ea typeface="+mn-ea"/>
-                        <a:cs typeface="+mn-cs"/>
                       </a:rPr>
                       <m:t> </m:t>
                     </m:r>
@@ -16780,9 +16293,6 @@
                         <a:effectLst/>
                         <a:uLnTx/>
                         <a:uFillTx/>
-                        <a:latin typeface="Cambria Math" panose="02040503050406030204" pitchFamily="18" charset="0"/>
-                        <a:ea typeface="+mn-ea"/>
-                        <a:cs typeface="+mn-cs"/>
                       </a:rPr>
                       <m:t>𝑠</m:t>
                     </m:r>
@@ -16798,9 +16308,7 @@
                   <a:effectLst/>
                   <a:uLnTx/>
                   <a:uFillTx/>
-                  <a:latin typeface="Times New Roman" panose="02020603050405020304" pitchFamily="18" charset="0"/>
                   <a:ea typeface="Times New Roman" panose="02020603050405020304" pitchFamily="18" charset="0"/>
-                  <a:cs typeface="+mn-cs"/>
                 </a:endParaRPr>
               </a:p>
               <a:p>
@@ -16833,7 +16341,7 @@
               <a:blipFill>
                 <a:blip r:embed="rId2"/>
                 <a:stretch>
-                  <a:fillRect l="-1059" t="-625"/>
+                  <a:fillRect l="-1059" t="-500"/>
                 </a:stretch>
               </a:blipFill>
             </p:spPr>
@@ -17152,7 +16660,6 @@
                 <a:effectLst/>
                 <a:uLnTx/>
                 <a:uFillTx/>
-                <a:latin typeface="Times New Roman" panose="02020603050405020304" pitchFamily="18" charset="0"/>
                 <a:ea typeface="Times New Roman" panose="02020603050405020304" pitchFamily="18" charset="0"/>
                 <a:cs typeface="+mn-cs"/>
               </a:rPr>
@@ -17188,7 +16695,6 @@
                 <a:effectLst/>
                 <a:uLnTx/>
                 <a:uFillTx/>
-                <a:latin typeface="Times New Roman" panose="02020603050405020304" pitchFamily="18" charset="0"/>
                 <a:ea typeface="Times New Roman" panose="02020603050405020304" pitchFamily="18" charset="0"/>
                 <a:cs typeface="+mn-cs"/>
               </a:rPr>
@@ -17224,7 +16730,6 @@
                 <a:effectLst/>
                 <a:uLnTx/>
                 <a:uFillTx/>
-                <a:latin typeface="Times New Roman" panose="02020603050405020304" pitchFamily="18" charset="0"/>
                 <a:ea typeface="Times New Roman" panose="02020603050405020304" pitchFamily="18" charset="0"/>
                 <a:cs typeface="+mn-cs"/>
               </a:rPr>
@@ -17241,7 +16746,6 @@
                 <a:effectLst/>
                 <a:uLnTx/>
                 <a:uFillTx/>
-                <a:latin typeface="Times New Roman" panose="02020603050405020304" pitchFamily="18" charset="0"/>
                 <a:ea typeface="Times New Roman" panose="02020603050405020304" pitchFamily="18" charset="0"/>
                 <a:cs typeface="+mn-cs"/>
               </a:rPr>
@@ -17258,7 +16762,6 @@
                 <a:effectLst/>
                 <a:uLnTx/>
                 <a:uFillTx/>
-                <a:latin typeface="Times New Roman" panose="02020603050405020304" pitchFamily="18" charset="0"/>
                 <a:ea typeface="Times New Roman" panose="02020603050405020304" pitchFamily="18" charset="0"/>
                 <a:cs typeface="+mn-cs"/>
               </a:rPr>
@@ -17275,7 +16778,6 @@
                 <a:effectLst/>
                 <a:uLnTx/>
                 <a:uFillTx/>
-                <a:latin typeface="Times New Roman" panose="02020603050405020304" pitchFamily="18" charset="0"/>
                 <a:ea typeface="Times New Roman" panose="02020603050405020304" pitchFamily="18" charset="0"/>
                 <a:cs typeface="+mn-cs"/>
               </a:rPr>
@@ -17292,7 +16794,6 @@
                 <a:effectLst/>
                 <a:uLnTx/>
                 <a:uFillTx/>
-                <a:latin typeface="Times New Roman" panose="02020603050405020304" pitchFamily="18" charset="0"/>
                 <a:ea typeface="Times New Roman" panose="02020603050405020304" pitchFamily="18" charset="0"/>
                 <a:cs typeface="+mn-cs"/>
               </a:rPr>
@@ -17328,7 +16829,6 @@
                 <a:effectLst/>
                 <a:uLnTx/>
                 <a:uFillTx/>
-                <a:latin typeface="Times New Roman" panose="02020603050405020304" pitchFamily="18" charset="0"/>
                 <a:ea typeface="Times New Roman" panose="02020603050405020304" pitchFamily="18" charset="0"/>
                 <a:cs typeface="+mn-cs"/>
               </a:rPr>
@@ -17364,7 +16864,6 @@
                 <a:effectLst/>
                 <a:uLnTx/>
                 <a:uFillTx/>
-                <a:latin typeface="Times New Roman" panose="02020603050405020304" pitchFamily="18" charset="0"/>
                 <a:ea typeface="Times New Roman" panose="02020603050405020304" pitchFamily="18" charset="0"/>
                 <a:cs typeface="+mn-cs"/>
               </a:rPr>
@@ -17381,7 +16880,6 @@
                 <a:effectLst/>
                 <a:uLnTx/>
                 <a:uFillTx/>
-                <a:latin typeface="Times New Roman" panose="02020603050405020304" pitchFamily="18" charset="0"/>
                 <a:ea typeface="Times New Roman" panose="02020603050405020304" pitchFamily="18" charset="0"/>
                 <a:cs typeface="+mn-cs"/>
               </a:rPr>
@@ -17398,7 +16896,6 @@
                 <a:effectLst/>
                 <a:uLnTx/>
                 <a:uFillTx/>
-                <a:latin typeface="Times New Roman" panose="02020603050405020304" pitchFamily="18" charset="0"/>
                 <a:ea typeface="Times New Roman" panose="02020603050405020304" pitchFamily="18" charset="0"/>
                 <a:cs typeface="+mn-cs"/>
               </a:rPr>
@@ -17434,7 +16931,6 @@
                 <a:effectLst/>
                 <a:uLnTx/>
                 <a:uFillTx/>
-                <a:latin typeface="Times New Roman" panose="02020603050405020304" pitchFamily="18" charset="0"/>
                 <a:ea typeface="Times New Roman" panose="02020603050405020304" pitchFamily="18" charset="0"/>
                 <a:cs typeface="+mn-cs"/>
               </a:rPr>
@@ -17470,7 +16966,6 @@
                 <a:effectLst/>
                 <a:uLnTx/>
                 <a:uFillTx/>
-                <a:latin typeface="Times New Roman" panose="02020603050405020304" pitchFamily="18" charset="0"/>
                 <a:ea typeface="Times New Roman" panose="02020603050405020304" pitchFamily="18" charset="0"/>
                 <a:cs typeface="+mn-cs"/>
               </a:rPr>
@@ -17506,7 +17001,6 @@
                 <a:effectLst/>
                 <a:uLnTx/>
                 <a:uFillTx/>
-                <a:latin typeface="Times New Roman" panose="02020603050405020304" pitchFamily="18" charset="0"/>
                 <a:ea typeface="Times New Roman" panose="02020603050405020304" pitchFamily="18" charset="0"/>
                 <a:cs typeface="+mn-cs"/>
               </a:rPr>
@@ -17542,7 +17036,6 @@
                 <a:effectLst/>
                 <a:uLnTx/>
                 <a:uFillTx/>
-                <a:latin typeface="Times New Roman" panose="02020603050405020304" pitchFamily="18" charset="0"/>
                 <a:ea typeface="Times New Roman" panose="02020603050405020304" pitchFamily="18" charset="0"/>
                 <a:cs typeface="+mn-cs"/>
               </a:rPr>
@@ -17559,7 +17052,6 @@
                 <a:effectLst/>
                 <a:uLnTx/>
                 <a:uFillTx/>
-                <a:latin typeface="Times New Roman" panose="02020603050405020304" pitchFamily="18" charset="0"/>
                 <a:ea typeface="Times New Roman" panose="02020603050405020304" pitchFamily="18" charset="0"/>
                 <a:cs typeface="+mn-cs"/>
               </a:rPr>
@@ -17576,7 +17068,6 @@
                 <a:effectLst/>
                 <a:uLnTx/>
                 <a:uFillTx/>
-                <a:latin typeface="Times New Roman" panose="02020603050405020304" pitchFamily="18" charset="0"/>
                 <a:ea typeface="Times New Roman" panose="02020603050405020304" pitchFamily="18" charset="0"/>
                 <a:cs typeface="+mn-cs"/>
               </a:rPr>

--- a/Modelli relazione/Power C13.pptx
+++ b/Modelli relazione/Power C13.pptx
@@ -153,7 +153,7 @@
 <file path=ppt/revisionInfo.xml><?xml version="1.0" encoding="utf-8"?>
 <p1510:revInfo xmlns:a="http://schemas.openxmlformats.org/drawingml/2006/main" xmlns:r="http://schemas.openxmlformats.org/officeDocument/2006/relationships" xmlns:p1510="http://schemas.microsoft.com/office/powerpoint/2015/10/main">
   <p1510:revLst>
-    <p1510:client id="{672B7490-0EAF-4E0C-92B9-0750DE353F5F}" v="87" dt="2023-01-05T19:43:57.932"/>
+    <p1510:client id="{672B7490-0EAF-4E0C-92B9-0750DE353F5F}" v="434" dt="2023-01-05T22:58:51.023"/>
   </p1510:revLst>
 </p1510:revInfo>
 </file>
@@ -163,7 +163,7 @@
   <pc:docChgLst>
     <pc:chgData name="Silvia Pala" userId="f0133cc1-7ddc-4617-95f3-a1b241401a99" providerId="ADAL" clId="{672B7490-0EAF-4E0C-92B9-0750DE353F5F}"/>
     <pc:docChg chg="undo redo custSel addSld modSld modSection">
-      <pc:chgData name="Silvia Pala" userId="f0133cc1-7ddc-4617-95f3-a1b241401a99" providerId="ADAL" clId="{672B7490-0EAF-4E0C-92B9-0750DE353F5F}" dt="2023-01-05T19:43:57.932" v="206" actId="2711"/>
+      <pc:chgData name="Silvia Pala" userId="f0133cc1-7ddc-4617-95f3-a1b241401a99" providerId="ADAL" clId="{672B7490-0EAF-4E0C-92B9-0750DE353F5F}" dt="2023-01-05T22:58:54.825" v="724" actId="478"/>
       <pc:docMkLst>
         <pc:docMk/>
       </pc:docMkLst>
@@ -285,7 +285,7 @@
         </pc:picChg>
       </pc:sldChg>
       <pc:sldChg chg="addSp delSp modSp mod setBg">
-        <pc:chgData name="Silvia Pala" userId="f0133cc1-7ddc-4617-95f3-a1b241401a99" providerId="ADAL" clId="{672B7490-0EAF-4E0C-92B9-0750DE353F5F}" dt="2023-01-05T19:42:44.548" v="202" actId="2711"/>
+        <pc:chgData name="Silvia Pala" userId="f0133cc1-7ddc-4617-95f3-a1b241401a99" providerId="ADAL" clId="{672B7490-0EAF-4E0C-92B9-0750DE353F5F}" dt="2023-01-05T20:32:09.395" v="307" actId="113"/>
         <pc:sldMkLst>
           <pc:docMk/>
           <pc:sldMk cId="2387966906" sldId="261"/>
@@ -299,7 +299,7 @@
           </ac:spMkLst>
         </pc:spChg>
         <pc:spChg chg="mod">
-          <ac:chgData name="Silvia Pala" userId="f0133cc1-7ddc-4617-95f3-a1b241401a99" providerId="ADAL" clId="{672B7490-0EAF-4E0C-92B9-0750DE353F5F}" dt="2023-01-05T19:42:44.548" v="202" actId="2711"/>
+          <ac:chgData name="Silvia Pala" userId="f0133cc1-7ddc-4617-95f3-a1b241401a99" providerId="ADAL" clId="{672B7490-0EAF-4E0C-92B9-0750DE353F5F}" dt="2023-01-05T20:32:09.395" v="307" actId="113"/>
           <ac:spMkLst>
             <pc:docMk/>
             <pc:sldMk cId="2387966906" sldId="261"/>
@@ -411,29 +411,61 @@
           </ac:picMkLst>
         </pc:picChg>
       </pc:sldChg>
-      <pc:sldChg chg="modSp mod">
-        <pc:chgData name="Silvia Pala" userId="f0133cc1-7ddc-4617-95f3-a1b241401a99" providerId="ADAL" clId="{672B7490-0EAF-4E0C-92B9-0750DE353F5F}" dt="2023-01-05T19:43:41.589" v="205" actId="2711"/>
+      <pc:sldChg chg="addSp delSp modSp mod">
+        <pc:chgData name="Silvia Pala" userId="f0133cc1-7ddc-4617-95f3-a1b241401a99" providerId="ADAL" clId="{672B7490-0EAF-4E0C-92B9-0750DE353F5F}" dt="2023-01-05T22:58:54.825" v="724" actId="478"/>
         <pc:sldMkLst>
           <pc:docMk/>
           <pc:sldMk cId="3068952288" sldId="262"/>
         </pc:sldMkLst>
-        <pc:spChg chg="mod">
-          <ac:chgData name="Silvia Pala" userId="f0133cc1-7ddc-4617-95f3-a1b241401a99" providerId="ADAL" clId="{672B7490-0EAF-4E0C-92B9-0750DE353F5F}" dt="2023-01-05T19:43:41.589" v="205" actId="2711"/>
+        <pc:spChg chg="del mod">
+          <ac:chgData name="Silvia Pala" userId="f0133cc1-7ddc-4617-95f3-a1b241401a99" providerId="ADAL" clId="{672B7490-0EAF-4E0C-92B9-0750DE353F5F}" dt="2023-01-05T22:49:45.707" v="662" actId="478"/>
           <ac:spMkLst>
             <pc:docMk/>
             <pc:sldMk cId="3068952288" sldId="262"/>
             <ac:spMk id="8" creationId="{15C6A054-F546-BB81-046D-290F0609C65E}"/>
           </ac:spMkLst>
         </pc:spChg>
+        <pc:spChg chg="add del mod">
+          <ac:chgData name="Silvia Pala" userId="f0133cc1-7ddc-4617-95f3-a1b241401a99" providerId="ADAL" clId="{672B7490-0EAF-4E0C-92B9-0750DE353F5F}" dt="2023-01-05T22:58:38.342" v="721"/>
+          <ac:spMkLst>
+            <pc:docMk/>
+            <pc:sldMk cId="3068952288" sldId="262"/>
+            <ac:spMk id="15" creationId="{815FCC7D-5997-ED21-4AE4-FB1FD05F4067}"/>
+          </ac:spMkLst>
+        </pc:spChg>
+        <pc:spChg chg="add del mod">
+          <ac:chgData name="Silvia Pala" userId="f0133cc1-7ddc-4617-95f3-a1b241401a99" providerId="ADAL" clId="{672B7490-0EAF-4E0C-92B9-0750DE353F5F}" dt="2023-01-05T22:58:54.825" v="724" actId="478"/>
+          <ac:spMkLst>
+            <pc:docMk/>
+            <pc:sldMk cId="3068952288" sldId="262"/>
+            <ac:spMk id="16" creationId="{006A5E0D-EA25-8E91-5594-0E3C98D3F6CE}"/>
+          </ac:spMkLst>
+        </pc:spChg>
+        <pc:graphicFrameChg chg="add del">
+          <ac:chgData name="Silvia Pala" userId="f0133cc1-7ddc-4617-95f3-a1b241401a99" providerId="ADAL" clId="{672B7490-0EAF-4E0C-92B9-0750DE353F5F}" dt="2023-01-05T21:46:25.653" v="482" actId="478"/>
+          <ac:graphicFrameMkLst>
+            <pc:docMk/>
+            <pc:sldMk cId="3068952288" sldId="262"/>
+            <ac:graphicFrameMk id="2" creationId="{467DD7D6-C03E-6C6C-09FE-C7B6162F3273}"/>
+          </ac:graphicFrameMkLst>
+        </pc:graphicFrameChg>
+        <pc:graphicFrameChg chg="add del mod">
+          <ac:chgData name="Silvia Pala" userId="f0133cc1-7ddc-4617-95f3-a1b241401a99" providerId="ADAL" clId="{672B7490-0EAF-4E0C-92B9-0750DE353F5F}" dt="2023-01-05T22:58:23.835" v="718" actId="1076"/>
+          <ac:graphicFrameMkLst>
+            <pc:docMk/>
+            <pc:sldMk cId="3068952288" sldId="262"/>
+            <ac:graphicFrameMk id="10" creationId="{743E8DD0-DB6E-DFBF-6778-5B645EA477D7}"/>
+          </ac:graphicFrameMkLst>
+        </pc:graphicFrameChg>
       </pc:sldChg>
       <pc:sldChg chg="addSp delSp modSp mod">
-        <pc:chgData name="Silvia Pala" userId="f0133cc1-7ddc-4617-95f3-a1b241401a99" providerId="ADAL" clId="{672B7490-0EAF-4E0C-92B9-0750DE353F5F}" dt="2023-01-05T19:43:57.932" v="206" actId="2711"/>
+        <pc:chgData name="Silvia Pala" userId="f0133cc1-7ddc-4617-95f3-a1b241401a99" providerId="ADAL" clId="{672B7490-0EAF-4E0C-92B9-0750DE353F5F}" dt="2023-01-05T21:05:24.538" v="480" actId="20577"/>
         <pc:sldMkLst>
           <pc:docMk/>
           <pc:sldMk cId="616837162" sldId="263"/>
         </pc:sldMkLst>
         <pc:spChg chg="mod">
-          <ac:chgData name="Silvia Pala" userId="f0133cc1-7ddc-4617-95f3-a1b241401a99" providerId="ADAL" clId="{672B7490-0EAF-4E0C-92B9-0750DE353F5F}" dt="2023-01-05T19:43:57.932" v="206" actId="2711"/>
+          <ac:chgData name="Silvia Pala" userId="f0133cc1-7ddc-4617-95f3-a1b241401a99" providerId="ADAL" clId="{672B7490-0EAF-4E0C-92B9-0750DE353F5F}" dt="2023-01-05T21:05:24.538" v="480" actId="20577"/>
           <ac:spMkLst>
             <pc:docMk/>
             <pc:sldMk cId="616837162" sldId="263"/>
@@ -458,7 +490,7 @@
         </pc:picChg>
       </pc:sldChg>
       <pc:sldChg chg="addSp delSp modSp new mod">
-        <pc:chgData name="Silvia Pala" userId="f0133cc1-7ddc-4617-95f3-a1b241401a99" providerId="ADAL" clId="{672B7490-0EAF-4E0C-92B9-0750DE353F5F}" dt="2023-01-05T19:42:18.780" v="201" actId="2711"/>
+        <pc:chgData name="Silvia Pala" userId="f0133cc1-7ddc-4617-95f3-a1b241401a99" providerId="ADAL" clId="{672B7490-0EAF-4E0C-92B9-0750DE353F5F}" dt="2023-01-05T20:50:58.606" v="316" actId="20577"/>
         <pc:sldMkLst>
           <pc:docMk/>
           <pc:sldMk cId="3969621914" sldId="267"/>
@@ -472,7 +504,7 @@
           </ac:spMkLst>
         </pc:spChg>
         <pc:spChg chg="add del mod">
-          <ac:chgData name="Silvia Pala" userId="f0133cc1-7ddc-4617-95f3-a1b241401a99" providerId="ADAL" clId="{672B7490-0EAF-4E0C-92B9-0750DE353F5F}" dt="2023-01-05T19:42:18.780" v="201" actId="2711"/>
+          <ac:chgData name="Silvia Pala" userId="f0133cc1-7ddc-4617-95f3-a1b241401a99" providerId="ADAL" clId="{672B7490-0EAF-4E0C-92B9-0750DE353F5F}" dt="2023-01-05T20:50:58.606" v="316" actId="20577"/>
           <ac:spMkLst>
             <pc:docMk/>
             <pc:sldMk cId="3969621914" sldId="267"/>
@@ -537,7 +569,7 @@
         </pc:cxnChg>
       </pc:sldChg>
       <pc:sldChg chg="addSp delSp modSp new mod">
-        <pc:chgData name="Silvia Pala" userId="f0133cc1-7ddc-4617-95f3-a1b241401a99" providerId="ADAL" clId="{672B7490-0EAF-4E0C-92B9-0750DE353F5F}" dt="2023-01-05T19:43:26.279" v="204" actId="1076"/>
+        <pc:chgData name="Silvia Pala" userId="f0133cc1-7ddc-4617-95f3-a1b241401a99" providerId="ADAL" clId="{672B7490-0EAF-4E0C-92B9-0750DE353F5F}" dt="2023-01-05T20:27:29.520" v="259" actId="20577"/>
         <pc:sldMkLst>
           <pc:docMk/>
           <pc:sldMk cId="4018792230" sldId="268"/>
@@ -551,7 +583,7 @@
           </ac:spMkLst>
         </pc:spChg>
         <pc:spChg chg="mod">
-          <ac:chgData name="Silvia Pala" userId="f0133cc1-7ddc-4617-95f3-a1b241401a99" providerId="ADAL" clId="{672B7490-0EAF-4E0C-92B9-0750DE353F5F}" dt="2023-01-05T19:43:03.454" v="203" actId="2711"/>
+          <ac:chgData name="Silvia Pala" userId="f0133cc1-7ddc-4617-95f3-a1b241401a99" providerId="ADAL" clId="{672B7490-0EAF-4E0C-92B9-0750DE353F5F}" dt="2023-01-05T20:27:29.520" v="259" actId="20577"/>
           <ac:spMkLst>
             <pc:docMk/>
             <pc:sldMk cId="4018792230" sldId="268"/>
@@ -592,7 +624,7 @@
         </pc:cxnChg>
       </pc:sldChg>
       <pc:sldChg chg="addSp delSp modSp new mod">
-        <pc:chgData name="Silvia Pala" userId="f0133cc1-7ddc-4617-95f3-a1b241401a99" providerId="ADAL" clId="{672B7490-0EAF-4E0C-92B9-0750DE353F5F}" dt="2023-01-04T23:40:50.707" v="185" actId="20577"/>
+        <pc:chgData name="Silvia Pala" userId="f0133cc1-7ddc-4617-95f3-a1b241401a99" providerId="ADAL" clId="{672B7490-0EAF-4E0C-92B9-0750DE353F5F}" dt="2023-01-05T20:50:54.463" v="312" actId="20577"/>
         <pc:sldMkLst>
           <pc:docMk/>
           <pc:sldMk cId="1265670468" sldId="269"/>
@@ -606,7 +638,7 @@
           </ac:spMkLst>
         </pc:spChg>
         <pc:spChg chg="mod">
-          <ac:chgData name="Silvia Pala" userId="f0133cc1-7ddc-4617-95f3-a1b241401a99" providerId="ADAL" clId="{672B7490-0EAF-4E0C-92B9-0750DE353F5F}" dt="2023-01-04T23:40:50.707" v="185" actId="20577"/>
+          <ac:chgData name="Silvia Pala" userId="f0133cc1-7ddc-4617-95f3-a1b241401a99" providerId="ADAL" clId="{672B7490-0EAF-4E0C-92B9-0750DE353F5F}" dt="2023-01-05T20:50:54.463" v="312" actId="20577"/>
           <ac:spMkLst>
             <pc:docMk/>
             <pc:sldMk cId="1265670468" sldId="269"/>
@@ -680,6 +712,1210 @@
     </pc:docChg>
   </pc:docChgLst>
 </pc:chgInfo>
+</file>
+
+<file path=ppt/charts/chart1.xml><?xml version="1.0" encoding="utf-8"?>
+<c:chartSpace xmlns:c="http://schemas.openxmlformats.org/drawingml/2006/chart" xmlns:a="http://schemas.openxmlformats.org/drawingml/2006/main" xmlns:r="http://schemas.openxmlformats.org/officeDocument/2006/relationships" xmlns:c16r2="http://schemas.microsoft.com/office/drawing/2015/06/chart">
+  <c:date1904 val="0"/>
+  <c:lang val="it-IT"/>
+  <c:roundedCorners val="0"/>
+  <mc:AlternateContent xmlns:mc="http://schemas.openxmlformats.org/markup-compatibility/2006">
+    <mc:Choice xmlns:c14="http://schemas.microsoft.com/office/drawing/2007/8/2/chart" Requires="c14">
+      <c14:style val="102"/>
+    </mc:Choice>
+    <mc:Fallback>
+      <c:style val="2"/>
+    </mc:Fallback>
+  </mc:AlternateContent>
+  <c:chart>
+    <c:title>
+      <c:tx>
+        <c:rich>
+          <a:bodyPr rot="0" spcFirstLastPara="1" vertOverflow="ellipsis" vert="horz" wrap="square" anchor="ctr" anchorCtr="1"/>
+          <a:lstStyle/>
+          <a:p>
+            <a:pPr>
+              <a:defRPr sz="1862" b="0" i="0" u="none" strike="noStrike" kern="1200" spc="0" baseline="0">
+                <a:solidFill>
+                  <a:schemeClr val="tx1">
+                    <a:lumMod val="65000"/>
+                    <a:lumOff val="35000"/>
+                  </a:schemeClr>
+                </a:solidFill>
+                <a:latin typeface="+mn-lt"/>
+                <a:ea typeface="+mn-ea"/>
+                <a:cs typeface="+mn-cs"/>
+              </a:defRPr>
+            </a:pPr>
+            <a:r>
+              <a:rPr lang="it-IT" dirty="0"/>
+              <a:t>Costi strategia</a:t>
+            </a:r>
+            <a:r>
+              <a:rPr lang="it-IT" baseline="0" dirty="0"/>
+              <a:t> standard scelta in confronto alle altre standard</a:t>
+            </a:r>
+            <a:endParaRPr lang="it-IT" dirty="0"/>
+          </a:p>
+        </c:rich>
+      </c:tx>
+      <c:overlay val="0"/>
+      <c:spPr>
+        <a:noFill/>
+        <a:ln>
+          <a:noFill/>
+        </a:ln>
+        <a:effectLst/>
+      </c:spPr>
+      <c:txPr>
+        <a:bodyPr rot="0" spcFirstLastPara="1" vertOverflow="ellipsis" vert="horz" wrap="square" anchor="ctr" anchorCtr="1"/>
+        <a:lstStyle/>
+        <a:p>
+          <a:pPr>
+            <a:defRPr sz="1862" b="0" i="0" u="none" strike="noStrike" kern="1200" spc="0" baseline="0">
+              <a:solidFill>
+                <a:schemeClr val="tx1">
+                  <a:lumMod val="65000"/>
+                  <a:lumOff val="35000"/>
+                </a:schemeClr>
+              </a:solidFill>
+              <a:latin typeface="+mn-lt"/>
+              <a:ea typeface="+mn-ea"/>
+              <a:cs typeface="+mn-cs"/>
+            </a:defRPr>
+          </a:pPr>
+          <a:endParaRPr lang="it-IT"/>
+        </a:p>
+      </c:txPr>
+    </c:title>
+    <c:autoTitleDeleted val="0"/>
+    <c:plotArea>
+      <c:layout>
+        <c:manualLayout>
+          <c:layoutTarget val="inner"/>
+          <c:xMode val="edge"/>
+          <c:yMode val="edge"/>
+          <c:x val="0.16880094837916651"/>
+          <c:y val="0.10648107451365746"/>
+          <c:w val="0.77394078801874133"/>
+          <c:h val="0.70619718829418676"/>
+        </c:manualLayout>
+      </c:layout>
+      <c:barChart>
+        <c:barDir val="bar"/>
+        <c:grouping val="clustered"/>
+        <c:varyColors val="0"/>
+        <c:ser>
+          <c:idx val="0"/>
+          <c:order val="0"/>
+          <c:tx>
+            <c:strRef>
+              <c:f>Foglio1!$B$1</c:f>
+              <c:strCache>
+                <c:ptCount val="1"/>
+                <c:pt idx="0">
+                  <c:v>Scenario peggiore</c:v>
+                </c:pt>
+              </c:strCache>
+            </c:strRef>
+          </c:tx>
+          <c:spPr>
+            <a:solidFill>
+              <a:srgbClr val="00B0F0"/>
+            </a:solidFill>
+            <a:ln>
+              <a:noFill/>
+            </a:ln>
+            <a:effectLst/>
+          </c:spPr>
+          <c:invertIfNegative val="0"/>
+          <c:cat>
+            <c:strRef>
+              <c:f>Foglio1!$A$2:$A$6</c:f>
+              <c:strCache>
+                <c:ptCount val="5"/>
+                <c:pt idx="0">
+                  <c:v>Velocità Totale</c:v>
+                </c:pt>
+                <c:pt idx="1">
+                  <c:v>Tempo Totale</c:v>
+                </c:pt>
+                <c:pt idx="2">
+                  <c:v>Cambio Anomalia</c:v>
+                </c:pt>
+                <c:pt idx="3">
+                  <c:v>Bitangente</c:v>
+                </c:pt>
+                <c:pt idx="4">
+                  <c:v>Cambio Piano</c:v>
+                </c:pt>
+              </c:strCache>
+            </c:strRef>
+          </c:cat>
+          <c:val>
+            <c:numRef>
+              <c:f>Foglio1!$B$2:$B$6</c:f>
+              <c:numCache>
+                <c:formatCode>General</c:formatCode>
+                <c:ptCount val="5"/>
+                <c:pt idx="0">
+                  <c:v>9.1510999999999996</c:v>
+                </c:pt>
+                <c:pt idx="1">
+                  <c:v>8.0190000000000001</c:v>
+                </c:pt>
+                <c:pt idx="2">
+                  <c:v>2.8174999999999999</c:v>
+                </c:pt>
+                <c:pt idx="3">
+                  <c:v>1.1500999999999999</c:v>
+                </c:pt>
+                <c:pt idx="4">
+                  <c:v>5.9992999999999999</c:v>
+                </c:pt>
+              </c:numCache>
+            </c:numRef>
+          </c:val>
+          <c:extLst>
+            <c:ext xmlns:c16="http://schemas.microsoft.com/office/drawing/2014/chart" uri="{C3380CC4-5D6E-409C-BE32-E72D297353CC}">
+              <c16:uniqueId val="{00000000-B679-4233-8531-1188095E1AAB}"/>
+            </c:ext>
+          </c:extLst>
+        </c:ser>
+        <c:ser>
+          <c:idx val="1"/>
+          <c:order val="1"/>
+          <c:tx>
+            <c:strRef>
+              <c:f>Foglio1!$C$1</c:f>
+              <c:strCache>
+                <c:ptCount val="1"/>
+                <c:pt idx="0">
+                  <c:v>Standard Scelta</c:v>
+                </c:pt>
+              </c:strCache>
+            </c:strRef>
+          </c:tx>
+          <c:spPr>
+            <a:solidFill>
+              <a:srgbClr val="FF0000"/>
+            </a:solidFill>
+            <a:ln>
+              <a:noFill/>
+            </a:ln>
+            <a:effectLst/>
+          </c:spPr>
+          <c:invertIfNegative val="0"/>
+          <c:cat>
+            <c:strRef>
+              <c:f>Foglio1!$A$2:$A$6</c:f>
+              <c:strCache>
+                <c:ptCount val="5"/>
+                <c:pt idx="0">
+                  <c:v>Velocità Totale</c:v>
+                </c:pt>
+                <c:pt idx="1">
+                  <c:v>Tempo Totale</c:v>
+                </c:pt>
+                <c:pt idx="2">
+                  <c:v>Cambio Anomalia</c:v>
+                </c:pt>
+                <c:pt idx="3">
+                  <c:v>Bitangente</c:v>
+                </c:pt>
+                <c:pt idx="4">
+                  <c:v>Cambio Piano</c:v>
+                </c:pt>
+              </c:strCache>
+            </c:strRef>
+          </c:cat>
+          <c:val>
+            <c:numRef>
+              <c:f>Foglio1!$C$2:$C$6</c:f>
+              <c:numCache>
+                <c:formatCode>General</c:formatCode>
+                <c:ptCount val="5"/>
+                <c:pt idx="0">
+                  <c:v>6.6449999999999996</c:v>
+                </c:pt>
+                <c:pt idx="1">
+                  <c:v>4.8674999999999997</c:v>
+                </c:pt>
+                <c:pt idx="2">
+                  <c:v>0.71050000000000002</c:v>
+                </c:pt>
+                <c:pt idx="3">
+                  <c:v>0.75049999999999994</c:v>
+                </c:pt>
+                <c:pt idx="4">
+                  <c:v>5.1840000000000002</c:v>
+                </c:pt>
+              </c:numCache>
+            </c:numRef>
+          </c:val>
+          <c:extLst>
+            <c:ext xmlns:c16="http://schemas.microsoft.com/office/drawing/2014/chart" uri="{C3380CC4-5D6E-409C-BE32-E72D297353CC}">
+              <c16:uniqueId val="{00000001-B679-4233-8531-1188095E1AAB}"/>
+            </c:ext>
+          </c:extLst>
+        </c:ser>
+        <c:ser>
+          <c:idx val="2"/>
+          <c:order val="2"/>
+          <c:tx>
+            <c:strRef>
+              <c:f>Foglio1!$D$1</c:f>
+              <c:strCache>
+                <c:ptCount val="1"/>
+                <c:pt idx="0">
+                  <c:v>Scenario migliore</c:v>
+                </c:pt>
+              </c:strCache>
+            </c:strRef>
+          </c:tx>
+          <c:spPr>
+            <a:solidFill>
+              <a:srgbClr val="FFC000"/>
+            </a:solidFill>
+            <a:ln>
+              <a:noFill/>
+            </a:ln>
+            <a:effectLst/>
+          </c:spPr>
+          <c:invertIfNegative val="0"/>
+          <c:dPt>
+            <c:idx val="0"/>
+            <c:invertIfNegative val="0"/>
+            <c:bubble3D val="0"/>
+            <c:spPr>
+              <a:solidFill>
+                <a:schemeClr val="accent6">
+                  <a:lumMod val="40000"/>
+                  <a:lumOff val="60000"/>
+                </a:schemeClr>
+              </a:solidFill>
+              <a:ln>
+                <a:noFill/>
+              </a:ln>
+              <a:effectLst/>
+            </c:spPr>
+            <c:extLst>
+              <c:ext xmlns:c16="http://schemas.microsoft.com/office/drawing/2014/chart" uri="{C3380CC4-5D6E-409C-BE32-E72D297353CC}">
+                <c16:uniqueId val="{00000006-B679-4233-8531-1188095E1AAB}"/>
+              </c:ext>
+            </c:extLst>
+          </c:dPt>
+          <c:dPt>
+            <c:idx val="3"/>
+            <c:invertIfNegative val="0"/>
+            <c:bubble3D val="0"/>
+            <c:spPr>
+              <a:solidFill>
+                <a:schemeClr val="accent6">
+                  <a:lumMod val="40000"/>
+                  <a:lumOff val="60000"/>
+                </a:schemeClr>
+              </a:solidFill>
+              <a:ln>
+                <a:noFill/>
+              </a:ln>
+              <a:effectLst/>
+            </c:spPr>
+            <c:extLst>
+              <c:ext xmlns:c16="http://schemas.microsoft.com/office/drawing/2014/chart" uri="{C3380CC4-5D6E-409C-BE32-E72D297353CC}">
+                <c16:uniqueId val="{00000005-B679-4233-8531-1188095E1AAB}"/>
+              </c:ext>
+            </c:extLst>
+          </c:dPt>
+          <c:dPt>
+            <c:idx val="4"/>
+            <c:invertIfNegative val="0"/>
+            <c:bubble3D val="0"/>
+            <c:spPr>
+              <a:solidFill>
+                <a:schemeClr val="accent6">
+                  <a:lumMod val="40000"/>
+                  <a:lumOff val="60000"/>
+                </a:schemeClr>
+              </a:solidFill>
+              <a:ln>
+                <a:noFill/>
+              </a:ln>
+              <a:effectLst/>
+            </c:spPr>
+            <c:extLst>
+              <c:ext xmlns:c16="http://schemas.microsoft.com/office/drawing/2014/chart" uri="{C3380CC4-5D6E-409C-BE32-E72D297353CC}">
+                <c16:uniqueId val="{00000004-B679-4233-8531-1188095E1AAB}"/>
+              </c:ext>
+            </c:extLst>
+          </c:dPt>
+          <c:cat>
+            <c:strRef>
+              <c:f>Foglio1!$A$2:$A$6</c:f>
+              <c:strCache>
+                <c:ptCount val="5"/>
+                <c:pt idx="0">
+                  <c:v>Velocità Totale</c:v>
+                </c:pt>
+                <c:pt idx="1">
+                  <c:v>Tempo Totale</c:v>
+                </c:pt>
+                <c:pt idx="2">
+                  <c:v>Cambio Anomalia</c:v>
+                </c:pt>
+                <c:pt idx="3">
+                  <c:v>Bitangente</c:v>
+                </c:pt>
+                <c:pt idx="4">
+                  <c:v>Cambio Piano</c:v>
+                </c:pt>
+              </c:strCache>
+            </c:strRef>
+          </c:cat>
+          <c:val>
+            <c:numRef>
+              <c:f>Foglio1!$D$2:$D$6</c:f>
+              <c:numCache>
+                <c:formatCode>General</c:formatCode>
+                <c:ptCount val="5"/>
+                <c:pt idx="0">
+                  <c:v>6.6449999999999996</c:v>
+                </c:pt>
+                <c:pt idx="1">
+                  <c:v>4.0060000000000002</c:v>
+                </c:pt>
+                <c:pt idx="2">
+                  <c:v>0.37240000000000001</c:v>
+                </c:pt>
+                <c:pt idx="3">
+                  <c:v>0.75049999999999994</c:v>
+                </c:pt>
+                <c:pt idx="4">
+                  <c:v>5.1840000000000002</c:v>
+                </c:pt>
+              </c:numCache>
+            </c:numRef>
+          </c:val>
+          <c:extLst>
+            <c:ext xmlns:c16="http://schemas.microsoft.com/office/drawing/2014/chart" uri="{C3380CC4-5D6E-409C-BE32-E72D297353CC}">
+              <c16:uniqueId val="{00000002-B679-4233-8531-1188095E1AAB}"/>
+            </c:ext>
+          </c:extLst>
+        </c:ser>
+        <c:dLbls>
+          <c:showLegendKey val="0"/>
+          <c:showVal val="0"/>
+          <c:showCatName val="0"/>
+          <c:showSerName val="0"/>
+          <c:showPercent val="0"/>
+          <c:showBubbleSize val="0"/>
+        </c:dLbls>
+        <c:gapWidth val="182"/>
+        <c:axId val="934401280"/>
+        <c:axId val="934400448"/>
+      </c:barChart>
+      <c:catAx>
+        <c:axId val="934401280"/>
+        <c:scaling>
+          <c:orientation val="minMax"/>
+        </c:scaling>
+        <c:delete val="0"/>
+        <c:axPos val="l"/>
+        <c:numFmt formatCode="General" sourceLinked="1"/>
+        <c:majorTickMark val="none"/>
+        <c:minorTickMark val="none"/>
+        <c:tickLblPos val="nextTo"/>
+        <c:spPr>
+          <a:noFill/>
+          <a:ln w="9525" cap="flat" cmpd="sng" algn="ctr">
+            <a:solidFill>
+              <a:schemeClr val="tx1">
+                <a:lumMod val="15000"/>
+                <a:lumOff val="85000"/>
+              </a:schemeClr>
+            </a:solidFill>
+            <a:round/>
+          </a:ln>
+          <a:effectLst/>
+        </c:spPr>
+        <c:txPr>
+          <a:bodyPr rot="-60000000" spcFirstLastPara="1" vertOverflow="ellipsis" vert="horz" wrap="square" anchor="ctr" anchorCtr="1"/>
+          <a:lstStyle/>
+          <a:p>
+            <a:pPr>
+              <a:defRPr sz="1197" b="0" i="0" u="none" strike="noStrike" kern="1200" baseline="0">
+                <a:solidFill>
+                  <a:schemeClr val="tx1">
+                    <a:lumMod val="65000"/>
+                    <a:lumOff val="35000"/>
+                  </a:schemeClr>
+                </a:solidFill>
+                <a:latin typeface="+mn-lt"/>
+                <a:ea typeface="+mn-ea"/>
+                <a:cs typeface="+mn-cs"/>
+              </a:defRPr>
+            </a:pPr>
+            <a:endParaRPr lang="it-IT"/>
+          </a:p>
+        </c:txPr>
+        <c:crossAx val="934400448"/>
+        <c:crosses val="autoZero"/>
+        <c:auto val="1"/>
+        <c:lblAlgn val="ctr"/>
+        <c:lblOffset val="100"/>
+        <c:noMultiLvlLbl val="0"/>
+      </c:catAx>
+      <c:valAx>
+        <c:axId val="934400448"/>
+        <c:scaling>
+          <c:orientation val="minMax"/>
+        </c:scaling>
+        <c:delete val="0"/>
+        <c:axPos val="b"/>
+        <c:majorGridlines>
+          <c:spPr>
+            <a:ln w="9525" cap="flat" cmpd="sng" algn="ctr">
+              <a:solidFill>
+                <a:schemeClr val="tx1">
+                  <a:lumMod val="15000"/>
+                  <a:lumOff val="85000"/>
+                </a:schemeClr>
+              </a:solidFill>
+              <a:round/>
+            </a:ln>
+            <a:effectLst/>
+          </c:spPr>
+        </c:majorGridlines>
+        <c:numFmt formatCode="General" sourceLinked="1"/>
+        <c:majorTickMark val="none"/>
+        <c:minorTickMark val="none"/>
+        <c:tickLblPos val="nextTo"/>
+        <c:spPr>
+          <a:noFill/>
+          <a:ln>
+            <a:noFill/>
+          </a:ln>
+          <a:effectLst/>
+        </c:spPr>
+        <c:txPr>
+          <a:bodyPr rot="-60000000" spcFirstLastPara="1" vertOverflow="ellipsis" vert="horz" wrap="square" anchor="ctr" anchorCtr="1"/>
+          <a:lstStyle/>
+          <a:p>
+            <a:pPr>
+              <a:defRPr sz="1197" b="0" i="0" u="none" strike="noStrike" kern="1200" baseline="0">
+                <a:solidFill>
+                  <a:schemeClr val="tx1">
+                    <a:lumMod val="65000"/>
+                    <a:lumOff val="35000"/>
+                  </a:schemeClr>
+                </a:solidFill>
+                <a:latin typeface="+mn-lt"/>
+                <a:ea typeface="+mn-ea"/>
+                <a:cs typeface="+mn-cs"/>
+              </a:defRPr>
+            </a:pPr>
+            <a:endParaRPr lang="it-IT"/>
+          </a:p>
+        </c:txPr>
+        <c:crossAx val="934401280"/>
+        <c:crosses val="autoZero"/>
+        <c:crossBetween val="between"/>
+      </c:valAx>
+      <c:spPr>
+        <a:noFill/>
+        <a:ln>
+          <a:noFill/>
+        </a:ln>
+        <a:effectLst/>
+      </c:spPr>
+    </c:plotArea>
+    <c:legend>
+      <c:legendPos val="b"/>
+      <c:legendEntry>
+        <c:idx val="0"/>
+        <c:txPr>
+          <a:bodyPr rot="0" spcFirstLastPara="1" vertOverflow="ellipsis" vert="horz" wrap="square" anchor="ctr" anchorCtr="1"/>
+          <a:lstStyle/>
+          <a:p>
+            <a:pPr>
+              <a:defRPr sz="1800" b="0" i="0" u="none" strike="noStrike" kern="1200" baseline="0">
+                <a:solidFill>
+                  <a:schemeClr val="tx1">
+                    <a:lumMod val="65000"/>
+                    <a:lumOff val="35000"/>
+                  </a:schemeClr>
+                </a:solidFill>
+                <a:latin typeface="+mn-lt"/>
+                <a:ea typeface="+mn-ea"/>
+                <a:cs typeface="+mn-cs"/>
+              </a:defRPr>
+            </a:pPr>
+            <a:endParaRPr lang="it-IT"/>
+          </a:p>
+        </c:txPr>
+      </c:legendEntry>
+      <c:legendEntry>
+        <c:idx val="1"/>
+        <c:txPr>
+          <a:bodyPr rot="0" spcFirstLastPara="1" vertOverflow="ellipsis" vert="horz" wrap="square" anchor="ctr" anchorCtr="1"/>
+          <a:lstStyle/>
+          <a:p>
+            <a:pPr>
+              <a:defRPr sz="1800" b="0" i="0" u="none" strike="noStrike" kern="1200" baseline="0">
+                <a:solidFill>
+                  <a:schemeClr val="tx1">
+                    <a:lumMod val="65000"/>
+                    <a:lumOff val="35000"/>
+                  </a:schemeClr>
+                </a:solidFill>
+                <a:latin typeface="+mn-lt"/>
+                <a:ea typeface="+mn-ea"/>
+                <a:cs typeface="+mn-cs"/>
+              </a:defRPr>
+            </a:pPr>
+            <a:endParaRPr lang="it-IT"/>
+          </a:p>
+        </c:txPr>
+      </c:legendEntry>
+      <c:legendEntry>
+        <c:idx val="2"/>
+        <c:txPr>
+          <a:bodyPr rot="0" spcFirstLastPara="1" vertOverflow="ellipsis" vert="horz" wrap="square" anchor="ctr" anchorCtr="1"/>
+          <a:lstStyle/>
+          <a:p>
+            <a:pPr>
+              <a:defRPr sz="1800" b="0" i="0" u="none" strike="noStrike" kern="1200" baseline="0">
+                <a:solidFill>
+                  <a:schemeClr val="tx1">
+                    <a:lumMod val="65000"/>
+                    <a:lumOff val="35000"/>
+                  </a:schemeClr>
+                </a:solidFill>
+                <a:latin typeface="+mn-lt"/>
+                <a:ea typeface="+mn-ea"/>
+                <a:cs typeface="+mn-cs"/>
+              </a:defRPr>
+            </a:pPr>
+            <a:endParaRPr lang="it-IT"/>
+          </a:p>
+        </c:txPr>
+      </c:legendEntry>
+      <c:layout>
+        <c:manualLayout>
+          <c:xMode val="edge"/>
+          <c:yMode val="edge"/>
+          <c:x val="5.6492205701589727E-2"/>
+          <c:y val="0.88344869563033412"/>
+          <c:w val="0.85314664904313475"/>
+          <c:h val="0.11655130436966588"/>
+        </c:manualLayout>
+      </c:layout>
+      <c:overlay val="0"/>
+      <c:spPr>
+        <a:noFill/>
+        <a:ln>
+          <a:noFill/>
+        </a:ln>
+        <a:effectLst/>
+      </c:spPr>
+      <c:txPr>
+        <a:bodyPr rot="0" spcFirstLastPara="1" vertOverflow="ellipsis" vert="horz" wrap="square" anchor="ctr" anchorCtr="1"/>
+        <a:lstStyle/>
+        <a:p>
+          <a:pPr>
+            <a:defRPr sz="1197" b="0" i="0" u="none" strike="noStrike" kern="1200" baseline="0">
+              <a:solidFill>
+                <a:schemeClr val="tx1">
+                  <a:lumMod val="65000"/>
+                  <a:lumOff val="35000"/>
+                </a:schemeClr>
+              </a:solidFill>
+              <a:latin typeface="+mn-lt"/>
+              <a:ea typeface="+mn-ea"/>
+              <a:cs typeface="+mn-cs"/>
+            </a:defRPr>
+          </a:pPr>
+          <a:endParaRPr lang="it-IT"/>
+        </a:p>
+      </c:txPr>
+    </c:legend>
+    <c:plotVisOnly val="1"/>
+    <c:dispBlanksAs val="gap"/>
+    <c:extLst>
+      <c:ext xmlns:c16r3="http://schemas.microsoft.com/office/drawing/2017/03/chart" uri="{56B9EC1D-385E-4148-901F-78D8002777C0}">
+        <c16r3:dataDisplayOptions16>
+          <c16r3:dispNaAsBlank val="1"/>
+        </c16r3:dataDisplayOptions16>
+      </c:ext>
+    </c:extLst>
+    <c:showDLblsOverMax val="0"/>
+  </c:chart>
+  <c:spPr>
+    <a:noFill/>
+    <a:ln>
+      <a:noFill/>
+    </a:ln>
+    <a:effectLst/>
+  </c:spPr>
+  <c:txPr>
+    <a:bodyPr/>
+    <a:lstStyle/>
+    <a:p>
+      <a:pPr>
+        <a:defRPr/>
+      </a:pPr>
+      <a:endParaRPr lang="it-IT"/>
+    </a:p>
+  </c:txPr>
+  <c:externalData r:id="rId3">
+    <c:autoUpdate val="0"/>
+  </c:externalData>
+</c:chartSpace>
+</file>
+
+<file path=ppt/charts/colors1.xml><?xml version="1.0" encoding="utf-8"?>
+<cs:colorStyle xmlns:cs="http://schemas.microsoft.com/office/drawing/2012/chartStyle" xmlns:a="http://schemas.openxmlformats.org/drawingml/2006/main" meth="cycle" id="10">
+  <a:schemeClr val="accent1"/>
+  <a:schemeClr val="accent2"/>
+  <a:schemeClr val="accent3"/>
+  <a:schemeClr val="accent4"/>
+  <a:schemeClr val="accent5"/>
+  <a:schemeClr val="accent6"/>
+  <cs:variation/>
+  <cs:variation>
+    <a:lumMod val="60000"/>
+  </cs:variation>
+  <cs:variation>
+    <a:lumMod val="80000"/>
+    <a:lumOff val="20000"/>
+  </cs:variation>
+  <cs:variation>
+    <a:lumMod val="80000"/>
+  </cs:variation>
+  <cs:variation>
+    <a:lumMod val="60000"/>
+    <a:lumOff val="40000"/>
+  </cs:variation>
+  <cs:variation>
+    <a:lumMod val="50000"/>
+  </cs:variation>
+  <cs:variation>
+    <a:lumMod val="70000"/>
+    <a:lumOff val="30000"/>
+  </cs:variation>
+  <cs:variation>
+    <a:lumMod val="70000"/>
+  </cs:variation>
+  <cs:variation>
+    <a:lumMod val="50000"/>
+    <a:lumOff val="50000"/>
+  </cs:variation>
+</cs:colorStyle>
+</file>
+
+<file path=ppt/charts/style1.xml><?xml version="1.0" encoding="utf-8"?>
+<cs:chartStyle xmlns:cs="http://schemas.microsoft.com/office/drawing/2012/chartStyle" xmlns:a="http://schemas.openxmlformats.org/drawingml/2006/main" id="216">
+  <cs:axisTitle>
+    <cs:lnRef idx="0"/>
+    <cs:fillRef idx="0"/>
+    <cs:effectRef idx="0"/>
+    <cs:fontRef idx="minor">
+      <a:schemeClr val="tx1">
+        <a:lumMod val="65000"/>
+        <a:lumOff val="35000"/>
+      </a:schemeClr>
+    </cs:fontRef>
+    <cs:defRPr sz="1330" kern="1200"/>
+  </cs:axisTitle>
+  <cs:categoryAxis>
+    <cs:lnRef idx="0"/>
+    <cs:fillRef idx="0"/>
+    <cs:effectRef idx="0"/>
+    <cs:fontRef idx="minor">
+      <a:schemeClr val="tx1">
+        <a:lumMod val="65000"/>
+        <a:lumOff val="35000"/>
+      </a:schemeClr>
+    </cs:fontRef>
+    <cs:spPr>
+      <a:ln w="9525" cap="flat" cmpd="sng" algn="ctr">
+        <a:solidFill>
+          <a:schemeClr val="tx1">
+            <a:lumMod val="15000"/>
+            <a:lumOff val="85000"/>
+          </a:schemeClr>
+        </a:solidFill>
+        <a:round/>
+      </a:ln>
+    </cs:spPr>
+    <cs:defRPr sz="1197" kern="1200"/>
+  </cs:categoryAxis>
+  <cs:chartArea mods="allowNoFillOverride allowNoLineOverride">
+    <cs:lnRef idx="0"/>
+    <cs:fillRef idx="0"/>
+    <cs:effectRef idx="0"/>
+    <cs:fontRef idx="minor">
+      <a:schemeClr val="tx1"/>
+    </cs:fontRef>
+    <cs:spPr>
+      <a:solidFill>
+        <a:schemeClr val="bg1"/>
+      </a:solidFill>
+      <a:ln w="9525" cap="flat" cmpd="sng" algn="ctr">
+        <a:solidFill>
+          <a:schemeClr val="tx1">
+            <a:lumMod val="15000"/>
+            <a:lumOff val="85000"/>
+          </a:schemeClr>
+        </a:solidFill>
+        <a:round/>
+      </a:ln>
+    </cs:spPr>
+    <cs:defRPr sz="1330" kern="1200"/>
+  </cs:chartArea>
+  <cs:dataLabel>
+    <cs:lnRef idx="0"/>
+    <cs:fillRef idx="0"/>
+    <cs:effectRef idx="0"/>
+    <cs:fontRef idx="minor">
+      <a:schemeClr val="tx1">
+        <a:lumMod val="75000"/>
+        <a:lumOff val="25000"/>
+      </a:schemeClr>
+    </cs:fontRef>
+    <cs:defRPr sz="1197" kern="1200"/>
+  </cs:dataLabel>
+  <cs:dataLabelCallout>
+    <cs:lnRef idx="0"/>
+    <cs:fillRef idx="0"/>
+    <cs:effectRef idx="0"/>
+    <cs:fontRef idx="minor">
+      <a:schemeClr val="dk1">
+        <a:lumMod val="65000"/>
+        <a:lumOff val="35000"/>
+      </a:schemeClr>
+    </cs:fontRef>
+    <cs:spPr>
+      <a:solidFill>
+        <a:schemeClr val="lt1"/>
+      </a:solidFill>
+      <a:ln>
+        <a:solidFill>
+          <a:schemeClr val="dk1">
+            <a:lumMod val="25000"/>
+            <a:lumOff val="75000"/>
+          </a:schemeClr>
+        </a:solidFill>
+      </a:ln>
+    </cs:spPr>
+    <cs:defRPr sz="1197" kern="1200"/>
+    <cs:bodyPr rot="0" spcFirstLastPara="1" vertOverflow="clip" horzOverflow="clip" vert="horz" wrap="square" lIns="36576" tIns="18288" rIns="36576" bIns="18288" anchor="ctr" anchorCtr="1">
+      <a:spAutoFit/>
+    </cs:bodyPr>
+  </cs:dataLabelCallout>
+  <cs:dataPoint>
+    <cs:lnRef idx="0"/>
+    <cs:fillRef idx="1">
+      <cs:styleClr val="auto"/>
+    </cs:fillRef>
+    <cs:effectRef idx="0"/>
+    <cs:fontRef idx="minor">
+      <a:schemeClr val="tx1"/>
+    </cs:fontRef>
+  </cs:dataPoint>
+  <cs:dataPoint3D>
+    <cs:lnRef idx="0"/>
+    <cs:fillRef idx="1">
+      <cs:styleClr val="auto"/>
+    </cs:fillRef>
+    <cs:effectRef idx="0"/>
+    <cs:fontRef idx="minor">
+      <a:schemeClr val="tx1"/>
+    </cs:fontRef>
+  </cs:dataPoint3D>
+  <cs:dataPointLine>
+    <cs:lnRef idx="0">
+      <cs:styleClr val="auto"/>
+    </cs:lnRef>
+    <cs:fillRef idx="1"/>
+    <cs:effectRef idx="0"/>
+    <cs:fontRef idx="minor">
+      <a:schemeClr val="tx1"/>
+    </cs:fontRef>
+    <cs:spPr>
+      <a:ln w="28575" cap="rnd">
+        <a:solidFill>
+          <a:schemeClr val="phClr"/>
+        </a:solidFill>
+        <a:round/>
+      </a:ln>
+    </cs:spPr>
+  </cs:dataPointLine>
+  <cs:dataPointMarker>
+    <cs:lnRef idx="0">
+      <cs:styleClr val="auto"/>
+    </cs:lnRef>
+    <cs:fillRef idx="1">
+      <cs:styleClr val="auto"/>
+    </cs:fillRef>
+    <cs:effectRef idx="0"/>
+    <cs:fontRef idx="minor">
+      <a:schemeClr val="tx1"/>
+    </cs:fontRef>
+    <cs:spPr>
+      <a:ln w="9525">
+        <a:solidFill>
+          <a:schemeClr val="phClr"/>
+        </a:solidFill>
+      </a:ln>
+    </cs:spPr>
+  </cs:dataPointMarker>
+  <cs:dataPointMarkerLayout symbol="circle" size="5"/>
+  <cs:dataPointWireframe>
+    <cs:lnRef idx="0">
+      <cs:styleClr val="auto"/>
+    </cs:lnRef>
+    <cs:fillRef idx="1"/>
+    <cs:effectRef idx="0"/>
+    <cs:fontRef idx="minor">
+      <a:schemeClr val="tx1"/>
+    </cs:fontRef>
+    <cs:spPr>
+      <a:ln w="9525" cap="rnd">
+        <a:solidFill>
+          <a:schemeClr val="phClr"/>
+        </a:solidFill>
+        <a:round/>
+      </a:ln>
+    </cs:spPr>
+  </cs:dataPointWireframe>
+  <cs:dataTable>
+    <cs:lnRef idx="0"/>
+    <cs:fillRef idx="0"/>
+    <cs:effectRef idx="0"/>
+    <cs:fontRef idx="minor">
+      <a:schemeClr val="tx1">
+        <a:lumMod val="65000"/>
+        <a:lumOff val="35000"/>
+      </a:schemeClr>
+    </cs:fontRef>
+    <cs:spPr>
+      <a:noFill/>
+      <a:ln w="9525" cap="flat" cmpd="sng" algn="ctr">
+        <a:solidFill>
+          <a:schemeClr val="tx1">
+            <a:lumMod val="15000"/>
+            <a:lumOff val="85000"/>
+          </a:schemeClr>
+        </a:solidFill>
+        <a:round/>
+      </a:ln>
+    </cs:spPr>
+    <cs:defRPr sz="1197" kern="1200"/>
+  </cs:dataTable>
+  <cs:downBar>
+    <cs:lnRef idx="0"/>
+    <cs:fillRef idx="0"/>
+    <cs:effectRef idx="0"/>
+    <cs:fontRef idx="minor">
+      <a:schemeClr val="tx1"/>
+    </cs:fontRef>
+    <cs:spPr>
+      <a:solidFill>
+        <a:schemeClr val="dk1">
+          <a:lumMod val="75000"/>
+          <a:lumOff val="25000"/>
+        </a:schemeClr>
+      </a:solidFill>
+      <a:ln w="9525" cap="flat" cmpd="sng" algn="ctr">
+        <a:solidFill>
+          <a:schemeClr val="tx1">
+            <a:lumMod val="65000"/>
+            <a:lumOff val="35000"/>
+          </a:schemeClr>
+        </a:solidFill>
+        <a:round/>
+      </a:ln>
+    </cs:spPr>
+  </cs:downBar>
+  <cs:dropLine>
+    <cs:lnRef idx="0"/>
+    <cs:fillRef idx="0"/>
+    <cs:effectRef idx="0"/>
+    <cs:fontRef idx="minor">
+      <a:schemeClr val="tx1"/>
+    </cs:fontRef>
+    <cs:spPr>
+      <a:ln w="9525" cap="flat" cmpd="sng" algn="ctr">
+        <a:solidFill>
+          <a:schemeClr val="tx1">
+            <a:lumMod val="35000"/>
+            <a:lumOff val="65000"/>
+          </a:schemeClr>
+        </a:solidFill>
+        <a:round/>
+      </a:ln>
+    </cs:spPr>
+  </cs:dropLine>
+  <cs:errorBar>
+    <cs:lnRef idx="0"/>
+    <cs:fillRef idx="0"/>
+    <cs:effectRef idx="0"/>
+    <cs:fontRef idx="minor">
+      <a:schemeClr val="tx1"/>
+    </cs:fontRef>
+    <cs:spPr>
+      <a:ln w="9525" cap="flat" cmpd="sng" algn="ctr">
+        <a:solidFill>
+          <a:schemeClr val="tx1">
+            <a:lumMod val="65000"/>
+            <a:lumOff val="35000"/>
+          </a:schemeClr>
+        </a:solidFill>
+        <a:round/>
+      </a:ln>
+    </cs:spPr>
+  </cs:errorBar>
+  <cs:floor>
+    <cs:lnRef idx="0"/>
+    <cs:fillRef idx="0"/>
+    <cs:effectRef idx="0"/>
+    <cs:fontRef idx="minor">
+      <a:schemeClr val="tx1"/>
+    </cs:fontRef>
+    <cs:spPr>
+      <a:noFill/>
+      <a:ln>
+        <a:noFill/>
+      </a:ln>
+    </cs:spPr>
+  </cs:floor>
+  <cs:gridlineMajor>
+    <cs:lnRef idx="0"/>
+    <cs:fillRef idx="0"/>
+    <cs:effectRef idx="0"/>
+    <cs:fontRef idx="minor">
+      <a:schemeClr val="tx1"/>
+    </cs:fontRef>
+    <cs:spPr>
+      <a:ln w="9525" cap="flat" cmpd="sng" algn="ctr">
+        <a:solidFill>
+          <a:schemeClr val="tx1">
+            <a:lumMod val="15000"/>
+            <a:lumOff val="85000"/>
+          </a:schemeClr>
+        </a:solidFill>
+        <a:round/>
+      </a:ln>
+    </cs:spPr>
+  </cs:gridlineMajor>
+  <cs:gridlineMinor>
+    <cs:lnRef idx="0"/>
+    <cs:fillRef idx="0"/>
+    <cs:effectRef idx="0"/>
+    <cs:fontRef idx="minor">
+      <a:schemeClr val="tx1"/>
+    </cs:fontRef>
+    <cs:spPr>
+      <a:ln w="9525" cap="flat" cmpd="sng" algn="ctr">
+        <a:solidFill>
+          <a:schemeClr val="tx1">
+            <a:lumMod val="5000"/>
+            <a:lumOff val="95000"/>
+          </a:schemeClr>
+        </a:solidFill>
+        <a:round/>
+      </a:ln>
+    </cs:spPr>
+  </cs:gridlineMinor>
+  <cs:hiLoLine>
+    <cs:lnRef idx="0"/>
+    <cs:fillRef idx="0"/>
+    <cs:effectRef idx="0"/>
+    <cs:fontRef idx="minor">
+      <a:schemeClr val="tx1"/>
+    </cs:fontRef>
+    <cs:spPr>
+      <a:ln w="9525" cap="flat" cmpd="sng" algn="ctr">
+        <a:solidFill>
+          <a:schemeClr val="tx1">
+            <a:lumMod val="50000"/>
+            <a:lumOff val="50000"/>
+          </a:schemeClr>
+        </a:solidFill>
+        <a:round/>
+      </a:ln>
+    </cs:spPr>
+  </cs:hiLoLine>
+  <cs:leaderLine>
+    <cs:lnRef idx="0"/>
+    <cs:fillRef idx="0"/>
+    <cs:effectRef idx="0"/>
+    <cs:fontRef idx="minor">
+      <a:schemeClr val="tx1"/>
+    </cs:fontRef>
+    <cs:spPr>
+      <a:ln w="9525" cap="flat" cmpd="sng" algn="ctr">
+        <a:solidFill>
+          <a:schemeClr val="tx1">
+            <a:lumMod val="35000"/>
+            <a:lumOff val="65000"/>
+          </a:schemeClr>
+        </a:solidFill>
+        <a:round/>
+      </a:ln>
+    </cs:spPr>
+  </cs:leaderLine>
+  <cs:legend>
+    <cs:lnRef idx="0"/>
+    <cs:fillRef idx="0"/>
+    <cs:effectRef idx="0"/>
+    <cs:fontRef idx="minor">
+      <a:schemeClr val="tx1">
+        <a:lumMod val="65000"/>
+        <a:lumOff val="35000"/>
+      </a:schemeClr>
+    </cs:fontRef>
+    <cs:defRPr sz="1197" kern="1200"/>
+  </cs:legend>
+  <cs:plotArea mods="allowNoFillOverride allowNoLineOverride">
+    <cs:lnRef idx="0"/>
+    <cs:fillRef idx="0"/>
+    <cs:effectRef idx="0"/>
+    <cs:fontRef idx="minor">
+      <a:schemeClr val="tx1"/>
+    </cs:fontRef>
+  </cs:plotArea>
+  <cs:plotArea3D mods="allowNoFillOverride allowNoLineOverride">
+    <cs:lnRef idx="0"/>
+    <cs:fillRef idx="0"/>
+    <cs:effectRef idx="0"/>
+    <cs:fontRef idx="minor">
+      <a:schemeClr val="tx1"/>
+    </cs:fontRef>
+  </cs:plotArea3D>
+  <cs:seriesAxis>
+    <cs:lnRef idx="0"/>
+    <cs:fillRef idx="0"/>
+    <cs:effectRef idx="0"/>
+    <cs:fontRef idx="minor">
+      <a:schemeClr val="tx1">
+        <a:lumMod val="65000"/>
+        <a:lumOff val="35000"/>
+      </a:schemeClr>
+    </cs:fontRef>
+    <cs:defRPr sz="1197" kern="1200"/>
+  </cs:seriesAxis>
+  <cs:seriesLine>
+    <cs:lnRef idx="0"/>
+    <cs:fillRef idx="0"/>
+    <cs:effectRef idx="0"/>
+    <cs:fontRef idx="minor">
+      <a:schemeClr val="tx1"/>
+    </cs:fontRef>
+    <cs:spPr>
+      <a:ln w="9525" cap="flat" cmpd="sng" algn="ctr">
+        <a:solidFill>
+          <a:schemeClr val="tx1">
+            <a:lumMod val="35000"/>
+            <a:lumOff val="65000"/>
+          </a:schemeClr>
+        </a:solidFill>
+        <a:round/>
+      </a:ln>
+    </cs:spPr>
+  </cs:seriesLine>
+  <cs:title>
+    <cs:lnRef idx="0"/>
+    <cs:fillRef idx="0"/>
+    <cs:effectRef idx="0"/>
+    <cs:fontRef idx="minor">
+      <a:schemeClr val="tx1">
+        <a:lumMod val="65000"/>
+        <a:lumOff val="35000"/>
+      </a:schemeClr>
+    </cs:fontRef>
+    <cs:defRPr sz="1862" b="0" kern="1200" spc="0" baseline="0"/>
+  </cs:title>
+  <cs:trendline>
+    <cs:lnRef idx="0">
+      <cs:styleClr val="auto"/>
+    </cs:lnRef>
+    <cs:fillRef idx="0"/>
+    <cs:effectRef idx="0"/>
+    <cs:fontRef idx="minor">
+      <a:schemeClr val="tx1"/>
+    </cs:fontRef>
+    <cs:spPr>
+      <a:ln w="19050" cap="rnd">
+        <a:solidFill>
+          <a:schemeClr val="phClr"/>
+        </a:solidFill>
+        <a:prstDash val="sysDot"/>
+      </a:ln>
+    </cs:spPr>
+  </cs:trendline>
+  <cs:trendlineLabel>
+    <cs:lnRef idx="0"/>
+    <cs:fillRef idx="0"/>
+    <cs:effectRef idx="0"/>
+    <cs:fontRef idx="minor">
+      <a:schemeClr val="tx1">
+        <a:lumMod val="65000"/>
+        <a:lumOff val="35000"/>
+      </a:schemeClr>
+    </cs:fontRef>
+    <cs:defRPr sz="1197" kern="1200"/>
+  </cs:trendlineLabel>
+  <cs:upBar>
+    <cs:lnRef idx="0"/>
+    <cs:fillRef idx="0"/>
+    <cs:effectRef idx="0"/>
+    <cs:fontRef idx="minor">
+      <a:schemeClr val="tx1"/>
+    </cs:fontRef>
+    <cs:spPr>
+      <a:solidFill>
+        <a:schemeClr val="lt1"/>
+      </a:solidFill>
+      <a:ln w="9525" cap="flat" cmpd="sng" algn="ctr">
+        <a:solidFill>
+          <a:schemeClr val="tx1">
+            <a:lumMod val="65000"/>
+            <a:lumOff val="35000"/>
+          </a:schemeClr>
+        </a:solidFill>
+        <a:round/>
+      </a:ln>
+    </cs:spPr>
+  </cs:upBar>
+  <cs:valueAxis>
+    <cs:lnRef idx="0"/>
+    <cs:fillRef idx="0"/>
+    <cs:effectRef idx="0"/>
+    <cs:fontRef idx="minor">
+      <a:schemeClr val="tx1">
+        <a:lumMod val="65000"/>
+        <a:lumOff val="35000"/>
+      </a:schemeClr>
+    </cs:fontRef>
+    <cs:defRPr sz="1197" kern="1200"/>
+  </cs:valueAxis>
+  <cs:wall>
+    <cs:lnRef idx="0"/>
+    <cs:fillRef idx="0"/>
+    <cs:effectRef idx="0"/>
+    <cs:fontRef idx="minor">
+      <a:schemeClr val="tx1"/>
+    </cs:fontRef>
+    <cs:spPr>
+      <a:noFill/>
+      <a:ln>
+        <a:noFill/>
+      </a:ln>
+    </cs:spPr>
+  </cs:wall>
+</cs:chartStyle>
 </file>
 
 <file path=ppt/notesMasters/notesMaster1.xml><?xml version="1.0" encoding="utf-8"?>
@@ -6417,23 +7653,54 @@
               </a:bodyPr>
               <a:lstStyle/>
               <a:p>
-                <a:pPr marL="0" marR="0" lvl="0" indent="0" algn="l" defTabSz="914400" rtl="0" eaLnBrk="1" fontAlgn="auto" latinLnBrk="0" hangingPunct="1">
+                <a:pPr>
                   <a:lnSpc>
                     <a:spcPct val="100000"/>
                   </a:lnSpc>
                   <a:spcBef>
                     <a:spcPts val="0"/>
                   </a:spcBef>
-                  <a:spcAft>
-                    <a:spcPts val="0"/>
-                  </a:spcAft>
-                  <a:buClrTx/>
-                  <a:buSzTx/>
-                  <a:buFontTx/>
-                  <a:buNone/>
-                  <a:tabLst/>
                   <a:defRPr/>
                 </a:pPr>
+                <a:r>
+                  <a:rPr kumimoji="0" lang="it-IT" sz="1800" b="1" i="0" u="none" strike="noStrike" kern="1200" cap="none" spc="0" normalizeH="0" baseline="0" noProof="0" dirty="0">
+                    <a:ln>
+                      <a:noFill/>
+                    </a:ln>
+                    <a:solidFill>
+                      <a:prstClr val="black"/>
+                    </a:solidFill>
+                    <a:effectLst/>
+                    <a:uLnTx/>
+                    <a:uFillTx/>
+                    <a:ea typeface="Times New Roman" panose="02020603050405020304" pitchFamily="18" charset="0"/>
+                  </a:rPr>
+                  <a:t>Idea di partenza:</a:t>
+                </a:r>
+                <a:r>
+                  <a:rPr kumimoji="0" lang="it-IT" sz="1800" b="1" i="0" u="none" strike="noStrike" kern="1200" cap="none" spc="0" normalizeH="0" noProof="0" dirty="0">
+                    <a:ln>
+                      <a:noFill/>
+                    </a:ln>
+                    <a:solidFill>
+                      <a:prstClr val="black"/>
+                    </a:solidFill>
+                    <a:effectLst/>
+                    <a:uLnTx/>
+                    <a:uFillTx/>
+                    <a:ea typeface="Times New Roman" panose="02020603050405020304" pitchFamily="18" charset="0"/>
+                  </a:rPr>
+                  <a:t> </a:t>
+                </a:r>
+                <a:r>
+                  <a:rPr lang="it-IT" sz="1800" dirty="0">
+                    <a:solidFill>
+                      <a:prstClr val="black"/>
+                    </a:solidFill>
+                    <a:ea typeface="Times New Roman" panose="02020603050405020304" pitchFamily="18" charset="0"/>
+                  </a:rPr>
+                  <a:t>utilizzare un’orbita</a:t>
+                </a:r>
                 <a:r>
                   <a:rPr kumimoji="0" lang="it-IT" sz="1800" b="0" i="0" u="none" strike="noStrike" kern="1200" cap="none" spc="0" normalizeH="0" baseline="0" noProof="0" dirty="0">
                     <a:ln>
@@ -6447,7 +7714,7 @@
                     <a:uFillTx/>
                     <a:ea typeface="Times New Roman" panose="02020603050405020304" pitchFamily="18" charset="0"/>
                   </a:rPr>
-                  <a:t>Orbita circolare ausiliaria </a:t>
+                  <a:t> circolare ausiliaria con raggio </a:t>
                 </a:r>
                 <a14:m>
                   <m:oMath xmlns:m="http://schemas.openxmlformats.org/officeDocument/2006/math">
@@ -6464,6 +7731,7 @@
                             <a:effectLst/>
                             <a:uLnTx/>
                             <a:uFillTx/>
+                            <a:latin typeface="Cambria Math" panose="02040503050406030204" pitchFamily="18" charset="0"/>
                           </a:rPr>
                         </m:ctrlPr>
                       </m:sSubPr>
@@ -6479,6 +7747,7 @@
                             <a:effectLst/>
                             <a:uLnTx/>
                             <a:uFillTx/>
+                            <a:latin typeface="Cambria Math" panose="02040503050406030204" pitchFamily="18" charset="0"/>
                           </a:rPr>
                           <m:t>𝑟</m:t>
                         </m:r>
@@ -6495,6 +7764,7 @@
                             <a:effectLst/>
                             <a:uLnTx/>
                             <a:uFillTx/>
+                            <a:latin typeface="Cambria Math" panose="02040503050406030204" pitchFamily="18" charset="0"/>
                           </a:rPr>
                           <m:t>𝑐</m:t>
                         </m:r>
@@ -6511,6 +7781,7 @@
                         <a:effectLst/>
                         <a:uLnTx/>
                         <a:uFillTx/>
+                        <a:latin typeface="Cambria Math" panose="02040503050406030204" pitchFamily="18" charset="0"/>
                         <a:ea typeface="Times New Roman" panose="02020603050405020304" pitchFamily="18" charset="0"/>
                       </a:rPr>
                       <m:t>=</m:t>
@@ -6528,6 +7799,7 @@
                             <a:effectLst/>
                             <a:uLnTx/>
                             <a:uFillTx/>
+                            <a:latin typeface="Cambria Math" panose="02040503050406030204" pitchFamily="18" charset="0"/>
                           </a:rPr>
                         </m:ctrlPr>
                       </m:sSubPr>
@@ -6543,6 +7815,7 @@
                             <a:effectLst/>
                             <a:uLnTx/>
                             <a:uFillTx/>
+                            <a:latin typeface="Cambria Math" panose="02040503050406030204" pitchFamily="18" charset="0"/>
                           </a:rPr>
                           <m:t>𝑟</m:t>
                         </m:r>
@@ -6559,6 +7832,7 @@
                             <a:effectLst/>
                             <a:uLnTx/>
                             <a:uFillTx/>
+                            <a:latin typeface="Cambria Math" panose="02040503050406030204" pitchFamily="18" charset="0"/>
                           </a:rPr>
                           <m:t>𝑎𝑓</m:t>
                         </m:r>
@@ -6575,6 +7849,7 @@
                         <a:effectLst/>
                         <a:uLnTx/>
                         <a:uFillTx/>
+                        <a:latin typeface="Cambria Math" panose="02040503050406030204" pitchFamily="18" charset="0"/>
                       </a:rPr>
                       <m:t> </m:t>
                     </m:r>
@@ -6593,7 +7868,37 @@
                     <a:uFillTx/>
                     <a:ea typeface="Times New Roman" panose="02020603050405020304" pitchFamily="18" charset="0"/>
                   </a:rPr>
-                  <a:t>, no manovra per cambiare l’anomalia del pericentro</a:t>
+                  <a:t>per evitare di</a:t>
+                </a:r>
+                <a:r>
+                  <a:rPr kumimoji="0" lang="it-IT" sz="1800" b="0" i="0" u="none" strike="noStrike" kern="1200" cap="none" spc="0" normalizeH="0" noProof="0" dirty="0">
+                    <a:ln>
+                      <a:noFill/>
+                    </a:ln>
+                    <a:solidFill>
+                      <a:prstClr val="black"/>
+                    </a:solidFill>
+                    <a:effectLst/>
+                    <a:uLnTx/>
+                    <a:uFillTx/>
+                    <a:ea typeface="Times New Roman" panose="02020603050405020304" pitchFamily="18" charset="0"/>
+                  </a:rPr>
+                  <a:t> compiere la</a:t>
+                </a:r>
+                <a:r>
+                  <a:rPr kumimoji="0" lang="it-IT" sz="1800" b="0" i="0" u="none" strike="noStrike" kern="1200" cap="none" spc="0" normalizeH="0" baseline="0" noProof="0" dirty="0">
+                    <a:ln>
+                      <a:noFill/>
+                    </a:ln>
+                    <a:solidFill>
+                      <a:prstClr val="black"/>
+                    </a:solidFill>
+                    <a:effectLst/>
+                    <a:uLnTx/>
+                    <a:uFillTx/>
+                    <a:ea typeface="Times New Roman" panose="02020603050405020304" pitchFamily="18" charset="0"/>
+                  </a:rPr>
+                  <a:t> manovra per cambiare l’anomalia del pericentro</a:t>
                 </a:r>
               </a:p>
               <a:p>
@@ -6603,7 +7908,7 @@
                 <a:endParaRPr lang="it-IT" dirty="0"/>
               </a:p>
               <a:p>
-                <a:pPr marL="285750" marR="0" lvl="0" indent="-285750" algn="l" defTabSz="914400" rtl="0" eaLnBrk="1" fontAlgn="auto" latinLnBrk="0" hangingPunct="1">
+                <a:pPr marL="342900" marR="0" lvl="0" indent="-342900" algn="l" defTabSz="914400" rtl="0" eaLnBrk="1" fontAlgn="auto" latinLnBrk="0" hangingPunct="1">
                   <a:lnSpc>
                     <a:spcPct val="100000"/>
                   </a:lnSpc>
@@ -6615,8 +7920,8 @@
                   </a:spcAft>
                   <a:buClrTx/>
                   <a:buSzTx/>
-                  <a:buFont typeface="Arial" panose="020B0604020202020204" pitchFamily="34" charset="0"/>
-                  <a:buChar char="•"/>
+                  <a:buFont typeface="+mj-lt"/>
+                  <a:buAutoNum type="arabicPeriod"/>
                   <a:tabLst/>
                   <a:defRPr/>
                 </a:pPr>
@@ -6650,6 +7955,7 @@
                             <a:effectLst/>
                             <a:uLnTx/>
                             <a:uFillTx/>
+                            <a:latin typeface="Cambria Math" panose="02040503050406030204" pitchFamily="18" charset="0"/>
                           </a:rPr>
                         </m:ctrlPr>
                       </m:sSubPr>
@@ -6665,6 +7971,7 @@
                             <a:effectLst/>
                             <a:uLnTx/>
                             <a:uFillTx/>
+                            <a:latin typeface="Cambria Math" panose="02040503050406030204" pitchFamily="18" charset="0"/>
                           </a:rPr>
                           <m:t>𝑟</m:t>
                         </m:r>
@@ -6681,6 +7988,7 @@
                             <a:effectLst/>
                             <a:uLnTx/>
                             <a:uFillTx/>
+                            <a:latin typeface="Cambria Math" panose="02040503050406030204" pitchFamily="18" charset="0"/>
                           </a:rPr>
                           <m:t>𝑐</m:t>
                         </m:r>
@@ -6697,6 +8005,7 @@
                         <a:effectLst/>
                         <a:uLnTx/>
                         <a:uFillTx/>
+                        <a:latin typeface="Cambria Math" panose="02040503050406030204" pitchFamily="18" charset="0"/>
                         <a:ea typeface="Times New Roman" panose="02020603050405020304" pitchFamily="18" charset="0"/>
                       </a:rPr>
                       <m:t>=</m:t>
@@ -6714,6 +8023,7 @@
                             <a:effectLst/>
                             <a:uLnTx/>
                             <a:uFillTx/>
+                            <a:latin typeface="Cambria Math" panose="02040503050406030204" pitchFamily="18" charset="0"/>
                           </a:rPr>
                         </m:ctrlPr>
                       </m:sSubPr>
@@ -6729,6 +8039,7 @@
                             <a:effectLst/>
                             <a:uLnTx/>
                             <a:uFillTx/>
+                            <a:latin typeface="Cambria Math" panose="02040503050406030204" pitchFamily="18" charset="0"/>
                           </a:rPr>
                           <m:t>𝑟</m:t>
                         </m:r>
@@ -6745,6 +8056,7 @@
                             <a:effectLst/>
                             <a:uLnTx/>
                             <a:uFillTx/>
+                            <a:latin typeface="Cambria Math" panose="02040503050406030204" pitchFamily="18" charset="0"/>
                           </a:rPr>
                           <m:t>𝑎𝑓</m:t>
                         </m:r>
@@ -6765,11 +8077,17 @@
                     <a:uFillTx/>
                     <a:ea typeface="Times New Roman" panose="02020603050405020304" pitchFamily="18" charset="0"/>
                   </a:rPr>
-                  <a:t> (impulso 1 e 2)</a:t>
+                  <a:t> (impulso 1 e 2)  </a:t>
                 </a:r>
+                <a:endParaRPr lang="it-IT" sz="1800" dirty="0">
+                  <a:solidFill>
+                    <a:prstClr val="black"/>
+                  </a:solidFill>
+                  <a:ea typeface="Times New Roman" panose="02020603050405020304" pitchFamily="18" charset="0"/>
+                </a:endParaRPr>
               </a:p>
               <a:p>
-                <a:pPr marL="0" marR="0" lvl="0" indent="0" algn="l" defTabSz="914400" rtl="0" eaLnBrk="1" fontAlgn="auto" latinLnBrk="0" hangingPunct="1">
+                <a:pPr marL="342900" marR="0" lvl="0" indent="-342900" algn="l" defTabSz="914400" rtl="0" eaLnBrk="1" fontAlgn="auto" latinLnBrk="0" hangingPunct="1">
                   <a:lnSpc>
                     <a:spcPct val="100000"/>
                   </a:lnSpc>
@@ -6781,29 +8099,26 @@
                   </a:spcAft>
                   <a:buClrTx/>
                   <a:buSzTx/>
-                  <a:buFontTx/>
-                  <a:buNone/>
+                  <a:buFont typeface="+mj-lt"/>
+                  <a:buAutoNum type="arabicPeriod"/>
                   <a:tabLst/>
                   <a:defRPr/>
                 </a:pPr>
-                <a:r>
-                  <a:rPr kumimoji="0" lang="it-IT" sz="1800" b="0" i="0" u="none" strike="noStrike" kern="1200" cap="none" spc="0" normalizeH="0" baseline="0" noProof="0" dirty="0">
-                    <a:ln>
-                      <a:noFill/>
-                    </a:ln>
-                    <a:solidFill>
-                      <a:prstClr val="black"/>
-                    </a:solidFill>
-                    <a:effectLst/>
-                    <a:uLnTx/>
-                    <a:uFillTx/>
-                    <a:ea typeface="Times New Roman" panose="02020603050405020304" pitchFamily="18" charset="0"/>
-                  </a:rPr>
-                  <a:t> </a:t>
-                </a:r>
+                <a:endParaRPr kumimoji="0" lang="it-IT" sz="1800" b="0" i="0" u="none" strike="noStrike" kern="1200" cap="none" spc="0" normalizeH="0" baseline="0" noProof="0" dirty="0">
+                  <a:ln>
+                    <a:noFill/>
+                  </a:ln>
+                  <a:solidFill>
+                    <a:prstClr val="black"/>
+                  </a:solidFill>
+                  <a:effectLst/>
+                  <a:uLnTx/>
+                  <a:uFillTx/>
+                  <a:ea typeface="Times New Roman" panose="02020603050405020304" pitchFamily="18" charset="0"/>
+                </a:endParaRPr>
               </a:p>
               <a:p>
-                <a:pPr marL="285750" marR="0" lvl="0" indent="-285750" algn="l" defTabSz="914400" rtl="0" eaLnBrk="1" fontAlgn="auto" latinLnBrk="0" hangingPunct="1">
+                <a:pPr marL="342900" marR="0" lvl="0" indent="-342900" algn="l" defTabSz="914400" rtl="0" eaLnBrk="1" fontAlgn="auto" latinLnBrk="0" hangingPunct="1">
                   <a:lnSpc>
                     <a:spcPct val="100000"/>
                   </a:lnSpc>
@@ -6815,8 +8130,8 @@
                   </a:spcAft>
                   <a:buClrTx/>
                   <a:buSzTx/>
-                  <a:buFont typeface="Arial" panose="020B0604020202020204" pitchFamily="34" charset="0"/>
-                  <a:buChar char="•"/>
+                  <a:buFont typeface="+mj-lt"/>
+                  <a:buAutoNum type="arabicPeriod"/>
                   <a:tabLst/>
                   <a:defRPr/>
                 </a:pPr>
@@ -6837,7 +8152,7 @@
                 </a:r>
               </a:p>
               <a:p>
-                <a:pPr marL="285750" marR="0" lvl="0" indent="-285750" algn="l" defTabSz="914400" rtl="0" eaLnBrk="1" fontAlgn="auto" latinLnBrk="0" hangingPunct="1">
+                <a:pPr marL="342900" marR="0" lvl="0" indent="-342900" algn="l" defTabSz="914400" rtl="0" eaLnBrk="1" fontAlgn="auto" latinLnBrk="0" hangingPunct="1">
                   <a:lnSpc>
                     <a:spcPct val="100000"/>
                   </a:lnSpc>
@@ -6849,8 +8164,8 @@
                   </a:spcAft>
                   <a:buClrTx/>
                   <a:buSzTx/>
-                  <a:buFont typeface="Arial" panose="020B0604020202020204" pitchFamily="34" charset="0"/>
-                  <a:buChar char="•"/>
+                  <a:buFont typeface="+mj-lt"/>
+                  <a:buAutoNum type="arabicPeriod"/>
                   <a:tabLst/>
                   <a:defRPr/>
                 </a:pPr>
@@ -6868,7 +8183,7 @@
                 </a:endParaRPr>
               </a:p>
               <a:p>
-                <a:pPr marL="285750" marR="0" lvl="0" indent="-285750" algn="l" defTabSz="914400" rtl="0" eaLnBrk="1" fontAlgn="auto" latinLnBrk="0" hangingPunct="1">
+                <a:pPr marL="342900" marR="0" lvl="0" indent="-342900" algn="l" defTabSz="914400" rtl="0" eaLnBrk="1" fontAlgn="auto" latinLnBrk="0" hangingPunct="1">
                   <a:lnSpc>
                     <a:spcPct val="100000"/>
                   </a:lnSpc>
@@ -6880,8 +8195,8 @@
                   </a:spcAft>
                   <a:buClrTx/>
                   <a:buSzTx/>
-                  <a:buFont typeface="Arial" panose="020B0604020202020204" pitchFamily="34" charset="0"/>
-                  <a:buChar char="•"/>
+                  <a:buFont typeface="+mj-lt"/>
+                  <a:buAutoNum type="arabicPeriod"/>
                   <a:tabLst/>
                   <a:defRPr/>
                 </a:pPr>
@@ -6898,72 +8213,7 @@
                     <a:uFillTx/>
                     <a:ea typeface="Times New Roman" panose="02020603050405020304" pitchFamily="18" charset="0"/>
                   </a:rPr>
-                  <a:t>Raggiungere intersezione tra orbita circolare e l’apocentro di quella finale</a:t>
-                </a:r>
-              </a:p>
-              <a:p>
-                <a:pPr marL="285750" marR="0" lvl="0" indent="-285750" algn="l" defTabSz="914400" rtl="0" eaLnBrk="1" fontAlgn="auto" latinLnBrk="0" hangingPunct="1">
-                  <a:lnSpc>
-                    <a:spcPct val="100000"/>
-                  </a:lnSpc>
-                  <a:spcBef>
-                    <a:spcPts val="0"/>
-                  </a:spcBef>
-                  <a:spcAft>
-                    <a:spcPts val="0"/>
-                  </a:spcAft>
-                  <a:buClrTx/>
-                  <a:buSzTx/>
-                  <a:buFont typeface="Arial" panose="020B0604020202020204" pitchFamily="34" charset="0"/>
-                  <a:buChar char="•"/>
-                  <a:tabLst/>
-                  <a:defRPr/>
-                </a:pPr>
-                <a:endParaRPr kumimoji="0" lang="it-IT" sz="1800" b="0" i="0" u="none" strike="noStrike" kern="1200" cap="none" spc="0" normalizeH="0" baseline="0" noProof="0" dirty="0">
-                  <a:ln>
-                    <a:noFill/>
-                  </a:ln>
-                  <a:solidFill>
-                    <a:prstClr val="black"/>
-                  </a:solidFill>
-                  <a:effectLst/>
-                  <a:uLnTx/>
-                  <a:uFillTx/>
-                  <a:ea typeface="Times New Roman" panose="02020603050405020304" pitchFamily="18" charset="0"/>
-                </a:endParaRPr>
-              </a:p>
-              <a:p>
-                <a:pPr marL="285750" marR="0" lvl="0" indent="-285750" algn="l" defTabSz="914400" rtl="0" eaLnBrk="1" fontAlgn="auto" latinLnBrk="0" hangingPunct="1">
-                  <a:lnSpc>
-                    <a:spcPct val="100000"/>
-                  </a:lnSpc>
-                  <a:spcBef>
-                    <a:spcPts val="0"/>
-                  </a:spcBef>
-                  <a:spcAft>
-                    <a:spcPts val="0"/>
-                  </a:spcAft>
-                  <a:buClrTx/>
-                  <a:buSzTx/>
-                  <a:buFont typeface="Arial" panose="020B0604020202020204" pitchFamily="34" charset="0"/>
-                  <a:buChar char="•"/>
-                  <a:tabLst/>
-                  <a:defRPr/>
-                </a:pPr>
-                <a:r>
-                  <a:rPr kumimoji="0" lang="it-IT" sz="1800" b="0" i="0" u="none" strike="noStrike" kern="1200" cap="none" spc="0" normalizeH="0" baseline="0" noProof="0" dirty="0">
-                    <a:ln>
-                      <a:noFill/>
-                    </a:ln>
-                    <a:solidFill>
-                      <a:prstClr val="black"/>
-                    </a:solidFill>
-                    <a:effectLst/>
-                    <a:uLnTx/>
-                    <a:uFillTx/>
-                    <a:ea typeface="Times New Roman" panose="02020603050405020304" pitchFamily="18" charset="0"/>
-                  </a:rPr>
-                  <a:t>Impulso 4</a:t>
+                  <a:t>Raggiungere intersezione tra orbita circolare e l’apocentro di quella finale (impulso 4)</a:t>
                 </a:r>
               </a:p>
               <a:p>
@@ -7018,77 +8268,12 @@
                   <a:tabLst/>
                   <a:defRPr/>
                 </a:pPr>
-                <a:r>
-                  <a:rPr kumimoji="0" lang="it-IT" sz="1800" b="0" i="0" u="none" strike="noStrike" kern="1200" cap="none" spc="0" normalizeH="0" baseline="0" noProof="0" dirty="0">
-                    <a:ln>
-                      <a:noFill/>
-                    </a:ln>
-                    <a:solidFill>
-                      <a:prstClr val="black"/>
-                    </a:solidFill>
-                    <a:effectLst/>
-                    <a:uLnTx/>
-                    <a:uFillTx/>
-                    <a:ea typeface="Times New Roman" panose="02020603050405020304" pitchFamily="18" charset="0"/>
-                  </a:rPr>
-                  <a:t>Non presenta vantaggi rispetto alla strategia standard</a:t>
-                </a:r>
-              </a:p>
-              <a:p>
-                <a:pPr marL="0" marR="0" lvl="0" indent="0" algn="l" defTabSz="914400" rtl="0" eaLnBrk="1" fontAlgn="auto" latinLnBrk="0" hangingPunct="1">
-                  <a:lnSpc>
-                    <a:spcPct val="100000"/>
-                  </a:lnSpc>
-                  <a:spcBef>
-                    <a:spcPts val="0"/>
-                  </a:spcBef>
-                  <a:spcAft>
-                    <a:spcPts val="0"/>
-                  </a:spcAft>
-                  <a:buClrTx/>
-                  <a:buSzTx/>
-                  <a:buFontTx/>
-                  <a:buNone/>
-                  <a:tabLst/>
-                  <a:defRPr/>
-                </a:pPr>
-                <a:endParaRPr kumimoji="0" lang="it-IT" sz="1800" b="0" i="0" u="none" strike="noStrike" kern="1200" cap="none" spc="0" normalizeH="0" baseline="0" noProof="0" dirty="0">
-                  <a:ln>
-                    <a:noFill/>
-                  </a:ln>
-                  <a:solidFill>
-                    <a:prstClr val="black"/>
-                  </a:solidFill>
-                  <a:effectLst/>
-                  <a:uLnTx/>
-                  <a:uFillTx/>
-                  <a:ea typeface="Times New Roman" panose="02020603050405020304" pitchFamily="18" charset="0"/>
-                </a:endParaRPr>
-              </a:p>
-              <a:p>
-                <a:pPr marL="0" marR="0" lvl="0" indent="0" algn="l" defTabSz="914400" rtl="0" eaLnBrk="1" fontAlgn="auto" latinLnBrk="0" hangingPunct="1">
-                  <a:lnSpc>
-                    <a:spcPct val="100000"/>
-                  </a:lnSpc>
-                  <a:spcBef>
-                    <a:spcPts val="0"/>
-                  </a:spcBef>
-                  <a:spcAft>
-                    <a:spcPts val="0"/>
-                  </a:spcAft>
-                  <a:buClrTx/>
-                  <a:buSzTx/>
-                  <a:buFontTx/>
-                  <a:buNone/>
-                  <a:tabLst/>
-                  <a:defRPr/>
-                </a:pPr>
                 <a14:m>
                   <m:oMath xmlns:m="http://schemas.openxmlformats.org/officeDocument/2006/math">
                     <m:sSub>
                       <m:sSubPr>
                         <m:ctrlPr>
-                          <a:rPr kumimoji="0" lang="en-GB" sz="1800" b="0" i="1" u="none" strike="noStrike" kern="1200" cap="none" spc="0" normalizeH="0" baseline="0" noProof="0" smtClean="0">
+                          <a:rPr kumimoji="0" lang="en-GB" sz="1800" b="1" i="1" u="none" strike="noStrike" kern="1200" cap="none" spc="0" normalizeH="0" baseline="0" noProof="0" smtClean="0">
                             <a:ln>
                               <a:noFill/>
                             </a:ln>
@@ -7098,15 +8283,13 @@
                             <a:effectLst/>
                             <a:uLnTx/>
                             <a:uFillTx/>
+                            <a:latin typeface="Cambria Math" panose="02040503050406030204" pitchFamily="18" charset="0"/>
                           </a:rPr>
                         </m:ctrlPr>
                       </m:sSubPr>
                       <m:e>
                         <m:r>
-                          <m:rPr>
-                            <m:sty m:val="p"/>
-                          </m:rPr>
-                          <a:rPr kumimoji="0" lang="en-GB" sz="1800" b="0" i="0" u="none" strike="noStrike" kern="1200" cap="none" spc="0" normalizeH="0" baseline="0" noProof="0">
+                          <a:rPr kumimoji="0" lang="en-GB" sz="1800" b="1" i="0" u="none" strike="noStrike" kern="1200" cap="none" spc="0" normalizeH="0" baseline="0" noProof="0">
                             <a:ln>
                               <a:noFill/>
                             </a:ln>
@@ -7116,11 +8299,12 @@
                             <a:effectLst/>
                             <a:uLnTx/>
                             <a:uFillTx/>
+                            <a:latin typeface="Cambria Math" panose="02040503050406030204" pitchFamily="18" charset="0"/>
                           </a:rPr>
-                          <m:t>Δ</m:t>
+                          <m:t>𝚫</m:t>
                         </m:r>
                         <m:r>
-                          <a:rPr kumimoji="0" lang="en-GB" sz="1800" b="0" i="0" u="none" strike="noStrike" kern="1200" cap="none" spc="0" normalizeH="0" baseline="0" noProof="0">
+                          <a:rPr kumimoji="0" lang="en-GB" sz="1800" b="1" i="0" u="none" strike="noStrike" kern="1200" cap="none" spc="0" normalizeH="0" baseline="0" noProof="0">
                             <a:ln>
                               <a:noFill/>
                             </a:ln>
@@ -7130,13 +8314,14 @@
                             <a:effectLst/>
                             <a:uLnTx/>
                             <a:uFillTx/>
+                            <a:latin typeface="Cambria Math" panose="02040503050406030204" pitchFamily="18" charset="0"/>
                           </a:rPr>
-                          <m:t>𝑣</m:t>
+                          <m:t>𝐯</m:t>
                         </m:r>
                       </m:e>
                       <m:sub>
                         <m:r>
-                          <a:rPr kumimoji="0" lang="it-IT" sz="1800" b="0" i="1" u="none" strike="noStrike" kern="1200" cap="none" spc="0" normalizeH="0" baseline="0" noProof="0" smtClean="0">
+                          <a:rPr kumimoji="0" lang="it-IT" sz="1800" b="1" i="1" u="none" strike="noStrike" kern="1200" cap="none" spc="0" normalizeH="0" baseline="0" noProof="0" smtClean="0">
                             <a:ln>
                               <a:noFill/>
                             </a:ln>
@@ -7146,13 +8331,14 @@
                             <a:effectLst/>
                             <a:uLnTx/>
                             <a:uFillTx/>
+                            <a:latin typeface="Cambria Math" panose="02040503050406030204" pitchFamily="18" charset="0"/>
                           </a:rPr>
-                          <m:t>𝑡𝑜𝑡</m:t>
+                          <m:t>𝒕𝒐𝒕</m:t>
                         </m:r>
                       </m:sub>
                     </m:sSub>
                     <m:r>
-                      <a:rPr kumimoji="0" lang="it-IT" sz="1800" b="0" i="1" u="none" strike="noStrike" kern="1200" cap="none" spc="0" normalizeH="0" baseline="0" noProof="0" smtClean="0">
+                      <a:rPr kumimoji="0" lang="it-IT" sz="1800" b="1" i="1" u="none" strike="noStrike" kern="1200" cap="none" spc="0" normalizeH="0" baseline="0" noProof="0" smtClean="0">
                         <a:ln>
                           <a:noFill/>
                         </a:ln>
@@ -7162,13 +8348,14 @@
                         <a:effectLst/>
                         <a:uLnTx/>
                         <a:uFillTx/>
+                        <a:latin typeface="Cambria Math" panose="02040503050406030204" pitchFamily="18" charset="0"/>
                       </a:rPr>
                       <m:t>= </m:t>
                     </m:r>
                   </m:oMath>
                 </a14:m>
                 <a:r>
-                  <a:rPr kumimoji="0" lang="en-GB" sz="1800" b="0" i="1" u="none" strike="noStrike" kern="1200" cap="none" spc="0" normalizeH="0" baseline="0" noProof="0" dirty="0">
+                  <a:rPr kumimoji="0" lang="en-GB" sz="1800" b="1" i="1" u="none" strike="noStrike" kern="1200" cap="none" spc="0" normalizeH="0" baseline="0" noProof="0" dirty="0">
                     <a:ln>
                       <a:noFill/>
                     </a:ln>
@@ -7182,7 +8369,7 @@
                   <a:t>6.9762 </a:t>
                 </a:r>
                 <a:r>
-                  <a:rPr kumimoji="0" lang="en-GB" sz="1800" b="0" i="0" u="none" strike="noStrike" kern="1200" cap="none" spc="0" normalizeH="0" baseline="0" noProof="0" dirty="0">
+                  <a:rPr kumimoji="0" lang="en-GB" sz="1800" b="1" i="0" u="none" strike="noStrike" kern="1200" cap="none" spc="0" normalizeH="0" baseline="0" noProof="0" dirty="0">
                     <a:ln>
                       <a:noFill/>
                     </a:ln>
@@ -7200,7 +8387,7 @@
                     <m:f>
                       <m:fPr>
                         <m:ctrlPr>
-                          <a:rPr kumimoji="0" lang="en-GB" sz="1800" b="0" i="1" u="none" strike="noStrike" kern="1200" cap="none" spc="0" normalizeH="0" baseline="0" noProof="0">
+                          <a:rPr kumimoji="0" lang="en-GB" sz="1800" b="1" i="1" u="none" strike="noStrike" kern="1200" cap="none" spc="0" normalizeH="0" baseline="0" noProof="0">
                             <a:ln>
                               <a:noFill/>
                             </a:ln>
@@ -7210,12 +8397,13 @@
                             <a:effectLst/>
                             <a:uLnTx/>
                             <a:uFillTx/>
+                            <a:latin typeface="Cambria Math" panose="02040503050406030204" pitchFamily="18" charset="0"/>
                           </a:rPr>
                         </m:ctrlPr>
                       </m:fPr>
                       <m:num>
                         <m:r>
-                          <a:rPr kumimoji="0" lang="en-GB" sz="1800" b="0" i="0" u="none" strike="noStrike" kern="1200" cap="none" spc="0" normalizeH="0" baseline="0" noProof="0">
+                          <a:rPr kumimoji="0" lang="en-GB" sz="1800" b="1" i="0" u="none" strike="noStrike" kern="1200" cap="none" spc="0" normalizeH="0" baseline="0" noProof="0">
                             <a:ln>
                               <a:noFill/>
                             </a:ln>
@@ -7225,13 +8413,14 @@
                             <a:effectLst/>
                             <a:uLnTx/>
                             <a:uFillTx/>
+                            <a:latin typeface="Cambria Math" panose="02040503050406030204" pitchFamily="18" charset="0"/>
                           </a:rPr>
-                          <m:t>𝑘𝑚</m:t>
+                          <m:t>𝐤𝐦</m:t>
                         </m:r>
                       </m:num>
                       <m:den>
                         <m:r>
-                          <a:rPr kumimoji="0" lang="en-GB" sz="1800" b="0" i="0" u="none" strike="noStrike" kern="1200" cap="none" spc="0" normalizeH="0" baseline="0" noProof="0">
+                          <a:rPr kumimoji="0" lang="en-GB" sz="1800" b="1" i="0" u="none" strike="noStrike" kern="1200" cap="none" spc="0" normalizeH="0" baseline="0" noProof="0">
                             <a:ln>
                               <a:noFill/>
                             </a:ln>
@@ -7241,14 +8430,15 @@
                             <a:effectLst/>
                             <a:uLnTx/>
                             <a:uFillTx/>
+                            <a:latin typeface="Cambria Math" panose="02040503050406030204" pitchFamily="18" charset="0"/>
                           </a:rPr>
-                          <m:t>𝑠</m:t>
+                          <m:t>𝐬</m:t>
                         </m:r>
                       </m:den>
                     </m:f>
                   </m:oMath>
                 </a14:m>
-                <a:endParaRPr kumimoji="0" lang="it-IT" sz="1800" b="0" i="0" u="none" strike="noStrike" kern="1200" cap="none" spc="0" normalizeH="0" baseline="0" noProof="0" dirty="0">
+                <a:endParaRPr kumimoji="0" lang="it-IT" sz="1800" b="1" i="0" u="none" strike="noStrike" kern="1200" cap="none" spc="0" normalizeH="0" baseline="0" noProof="0" dirty="0">
                   <a:ln>
                     <a:noFill/>
                   </a:ln>
@@ -7278,7 +8468,7 @@
                   <a:tabLst/>
                   <a:defRPr/>
                 </a:pPr>
-                <a:endParaRPr kumimoji="0" lang="it-IT" sz="1800" b="0" i="0" u="none" strike="noStrike" kern="1200" cap="none" spc="0" normalizeH="0" baseline="0" noProof="0" dirty="0">
+                <a:endParaRPr kumimoji="0" lang="it-IT" sz="1800" b="1" i="0" u="none" strike="noStrike" kern="1200" cap="none" spc="0" normalizeH="0" baseline="0" noProof="0" dirty="0">
                   <a:ln>
                     <a:noFill/>
                   </a:ln>
@@ -7313,7 +8503,7 @@
                     <m:sSub>
                       <m:sSubPr>
                         <m:ctrlPr>
-                          <a:rPr kumimoji="0" lang="en-GB" sz="1800" b="0" i="1" u="none" strike="noStrike" kern="1200" cap="none" spc="0" normalizeH="0" baseline="0" noProof="0" smtClean="0">
+                          <a:rPr kumimoji="0" lang="en-GB" sz="1800" b="1" i="1" u="none" strike="noStrike" kern="1200" cap="none" spc="0" normalizeH="0" baseline="0" noProof="0" smtClean="0">
                             <a:ln>
                               <a:noFill/>
                             </a:ln>
@@ -7323,15 +8513,13 @@
                             <a:effectLst/>
                             <a:uLnTx/>
                             <a:uFillTx/>
+                            <a:latin typeface="Cambria Math" panose="02040503050406030204" pitchFamily="18" charset="0"/>
                           </a:rPr>
                         </m:ctrlPr>
                       </m:sSubPr>
                       <m:e>
                         <m:r>
-                          <m:rPr>
-                            <m:sty m:val="p"/>
-                          </m:rPr>
-                          <a:rPr kumimoji="0" lang="en-GB" sz="1800" b="0" i="0" u="none" strike="noStrike" kern="1200" cap="none" spc="0" normalizeH="0" baseline="0" noProof="0">
+                          <a:rPr kumimoji="0" lang="en-GB" sz="1800" b="1" i="0" u="none" strike="noStrike" kern="1200" cap="none" spc="0" normalizeH="0" baseline="0" noProof="0">
                             <a:ln>
                               <a:noFill/>
                             </a:ln>
@@ -7341,14 +8529,12 @@
                             <a:effectLst/>
                             <a:uLnTx/>
                             <a:uFillTx/>
+                            <a:latin typeface="Cambria Math" panose="02040503050406030204" pitchFamily="18" charset="0"/>
                           </a:rPr>
-                          <m:t>Δ</m:t>
+                          <m:t>𝚫</m:t>
                         </m:r>
                         <m:r>
-                          <m:rPr>
-                            <m:sty m:val="p"/>
-                          </m:rPr>
-                          <a:rPr kumimoji="0" lang="it-IT" sz="1800" b="0" i="0" u="none" strike="noStrike" kern="1200" cap="none" spc="0" normalizeH="0" baseline="0" noProof="0" smtClean="0">
+                          <a:rPr kumimoji="0" lang="it-IT" sz="1800" b="1" i="0" u="none" strike="noStrike" kern="1200" cap="none" spc="0" normalizeH="0" baseline="0" noProof="0" smtClean="0">
                             <a:ln>
                               <a:noFill/>
                             </a:ln>
@@ -7358,13 +8544,14 @@
                             <a:effectLst/>
                             <a:uLnTx/>
                             <a:uFillTx/>
+                            <a:latin typeface="Cambria Math" panose="02040503050406030204" pitchFamily="18" charset="0"/>
                           </a:rPr>
-                          <m:t>t</m:t>
+                          <m:t>𝐭</m:t>
                         </m:r>
                       </m:e>
                       <m:sub>
                         <m:r>
-                          <a:rPr kumimoji="0" lang="it-IT" sz="1800" b="0" i="1" u="none" strike="noStrike" kern="1200" cap="none" spc="0" normalizeH="0" baseline="0" noProof="0" smtClean="0">
+                          <a:rPr kumimoji="0" lang="it-IT" sz="1800" b="1" i="1" u="none" strike="noStrike" kern="1200" cap="none" spc="0" normalizeH="0" baseline="0" noProof="0" smtClean="0">
                             <a:ln>
                               <a:noFill/>
                             </a:ln>
@@ -7374,13 +8561,14 @@
                             <a:effectLst/>
                             <a:uLnTx/>
                             <a:uFillTx/>
+                            <a:latin typeface="Cambria Math" panose="02040503050406030204" pitchFamily="18" charset="0"/>
                           </a:rPr>
-                          <m:t>𝑡𝑜𝑡</m:t>
+                          <m:t>𝒕𝒐𝒕</m:t>
                         </m:r>
                       </m:sub>
                     </m:sSub>
                     <m:r>
-                      <a:rPr kumimoji="0" lang="it-IT" sz="1800" b="0" i="1" u="none" strike="noStrike" kern="1200" cap="none" spc="0" normalizeH="0" baseline="0" noProof="0" smtClean="0">
+                      <a:rPr kumimoji="0" lang="it-IT" sz="1800" b="1" i="1" u="none" strike="noStrike" kern="1200" cap="none" spc="0" normalizeH="0" baseline="0" noProof="0" smtClean="0">
                         <a:ln>
                           <a:noFill/>
                         </a:ln>
@@ -7390,13 +8578,14 @@
                         <a:effectLst/>
                         <a:uLnTx/>
                         <a:uFillTx/>
+                        <a:latin typeface="Cambria Math" panose="02040503050406030204" pitchFamily="18" charset="0"/>
                       </a:rPr>
                       <m:t>= </m:t>
                     </m:r>
                   </m:oMath>
                 </a14:m>
                 <a:r>
-                  <a:rPr kumimoji="0" lang="en-GB" sz="1800" b="0" i="0" u="none" strike="noStrike" kern="1200" cap="none" spc="0" normalizeH="0" baseline="0" noProof="0" dirty="0">
+                  <a:rPr kumimoji="0" lang="en-GB" sz="1800" b="1" i="0" u="none" strike="noStrike" kern="1200" cap="none" spc="0" normalizeH="0" baseline="0" noProof="0" dirty="0">
                     <a:ln>
                       <a:noFill/>
                     </a:ln>
@@ -7410,7 +8599,7 @@
                   <a:t>9.0027</a:t>
                 </a:r>
                 <a:r>
-                  <a:rPr kumimoji="0" lang="it-IT" sz="1800" b="0" i="0" u="none" strike="noStrike" kern="1200" cap="none" spc="0" normalizeH="0" baseline="0" noProof="0" dirty="0">
+                  <a:rPr kumimoji="0" lang="it-IT" sz="1800" b="1" i="0" u="none" strike="noStrike" kern="1200" cap="none" spc="0" normalizeH="0" baseline="0" noProof="0" dirty="0">
                     <a:ln>
                       <a:noFill/>
                     </a:ln>
@@ -7426,7 +8615,7 @@
                 <a14:m>
                   <m:oMath xmlns:m="http://schemas.openxmlformats.org/officeDocument/2006/math">
                     <m:r>
-                      <a:rPr kumimoji="0" lang="en-GB" sz="1800" b="0" i="0" u="none" strike="noStrike" kern="1200" cap="none" spc="0" normalizeH="0" baseline="0" noProof="0">
+                      <a:rPr kumimoji="0" lang="en-GB" sz="1800" b="1" i="0" u="none" strike="noStrike" kern="1200" cap="none" spc="0" normalizeH="0" baseline="0" noProof="0">
                         <a:ln>
                           <a:noFill/>
                         </a:ln>
@@ -7436,13 +8625,14 @@
                         <a:effectLst/>
                         <a:uLnTx/>
                         <a:uFillTx/>
+                        <a:latin typeface="Cambria Math" panose="02040503050406030204" pitchFamily="18" charset="0"/>
                       </a:rPr>
-                      <m:t>h</m:t>
+                      <m:t>𝐡</m:t>
                     </m:r>
                   </m:oMath>
                 </a14:m>
                 <a:r>
-                  <a:rPr kumimoji="0" lang="en-GB" sz="1800" b="0" i="0" u="none" strike="noStrike" kern="1200" cap="none" spc="0" normalizeH="0" baseline="0" noProof="0" dirty="0">
+                  <a:rPr kumimoji="0" lang="en-GB" sz="1800" b="1" i="0" u="none" strike="noStrike" kern="1200" cap="none" spc="0" normalizeH="0" baseline="0" noProof="0" dirty="0">
                     <a:ln>
                       <a:noFill/>
                     </a:ln>
@@ -7458,7 +8648,7 @@
                 <a14:m>
                   <m:oMath xmlns:m="http://schemas.openxmlformats.org/officeDocument/2006/math">
                     <m:r>
-                      <a:rPr kumimoji="0" lang="it-IT" sz="1800" b="0" i="0" u="none" strike="noStrike" kern="1200" cap="none" spc="0" normalizeH="0" baseline="0" noProof="0" smtClean="0">
+                      <a:rPr kumimoji="0" lang="it-IT" sz="1800" b="1" i="0" u="none" strike="noStrike" kern="1200" cap="none" spc="0" normalizeH="0" baseline="0" noProof="0" smtClean="0">
                         <a:ln>
                           <a:noFill/>
                         </a:ln>
@@ -7468,11 +8658,12 @@
                         <a:effectLst/>
                         <a:uLnTx/>
                         <a:uFillTx/>
+                        <a:latin typeface="Cambria Math" panose="02040503050406030204" pitchFamily="18" charset="0"/>
                       </a:rPr>
-                      <m:t>32409.9559 </m:t>
+                      <m:t>𝟑𝟐𝟒𝟎𝟗</m:t>
                     </m:r>
                     <m:r>
-                      <a:rPr kumimoji="0" lang="en-GB" sz="1800" b="0" i="0" u="none" strike="noStrike" kern="1200" cap="none" spc="0" normalizeH="0" baseline="0" noProof="0">
+                      <a:rPr kumimoji="0" lang="it-IT" sz="1800" b="1" i="0" u="none" strike="noStrike" kern="1200" cap="none" spc="0" normalizeH="0" baseline="0" noProof="0" smtClean="0">
                         <a:ln>
                           <a:noFill/>
                         </a:ln>
@@ -7482,12 +8673,58 @@
                         <a:effectLst/>
                         <a:uLnTx/>
                         <a:uFillTx/>
+                        <a:latin typeface="Cambria Math" panose="02040503050406030204" pitchFamily="18" charset="0"/>
                       </a:rPr>
-                      <m:t>𝑠</m:t>
+                      <m:t>.</m:t>
+                    </m:r>
+                    <m:r>
+                      <a:rPr kumimoji="0" lang="it-IT" sz="1800" b="1" i="0" u="none" strike="noStrike" kern="1200" cap="none" spc="0" normalizeH="0" baseline="0" noProof="0" smtClean="0">
+                        <a:ln>
+                          <a:noFill/>
+                        </a:ln>
+                        <a:solidFill>
+                          <a:prstClr val="black"/>
+                        </a:solidFill>
+                        <a:effectLst/>
+                        <a:uLnTx/>
+                        <a:uFillTx/>
+                        <a:latin typeface="Cambria Math" panose="02040503050406030204" pitchFamily="18" charset="0"/>
+                      </a:rPr>
+                      <m:t>𝟗𝟓𝟓𝟗</m:t>
+                    </m:r>
+                    <m:r>
+                      <a:rPr kumimoji="0" lang="it-IT" sz="1800" b="1" i="0" u="none" strike="noStrike" kern="1200" cap="none" spc="0" normalizeH="0" baseline="0" noProof="0" smtClean="0">
+                        <a:ln>
+                          <a:noFill/>
+                        </a:ln>
+                        <a:solidFill>
+                          <a:prstClr val="black"/>
+                        </a:solidFill>
+                        <a:effectLst/>
+                        <a:uLnTx/>
+                        <a:uFillTx/>
+                        <a:latin typeface="Cambria Math" panose="02040503050406030204" pitchFamily="18" charset="0"/>
+                      </a:rPr>
+                      <m:t> </m:t>
+                    </m:r>
+                    <m:r>
+                      <a:rPr kumimoji="0" lang="en-GB" sz="1800" b="1" i="0" u="none" strike="noStrike" kern="1200" cap="none" spc="0" normalizeH="0" baseline="0" noProof="0">
+                        <a:ln>
+                          <a:noFill/>
+                        </a:ln>
+                        <a:solidFill>
+                          <a:prstClr val="black"/>
+                        </a:solidFill>
+                        <a:effectLst/>
+                        <a:uLnTx/>
+                        <a:uFillTx/>
+                        <a:latin typeface="Cambria Math" panose="02040503050406030204" pitchFamily="18" charset="0"/>
+                      </a:rPr>
+                      <m:t>𝐬</m:t>
                     </m:r>
                   </m:oMath>
                 </a14:m>
-                <a:endParaRPr kumimoji="0" lang="it-IT" sz="1800" b="0" i="0" u="none" strike="noStrike" kern="1200" cap="none" spc="0" normalizeH="0" baseline="0" noProof="0" dirty="0">
+                <a:endParaRPr kumimoji="0" lang="it-IT" sz="1800" b="1" i="0" u="none" strike="noStrike" kern="1200" cap="none" spc="0" normalizeH="0" baseline="0" noProof="0" dirty="0">
                   <a:ln>
                     <a:noFill/>
                   </a:ln>
@@ -7498,6 +8735,50 @@
                   <a:uLnTx/>
                   <a:uFillTx/>
                 </a:endParaRPr>
+              </a:p>
+              <a:p>
+                <a:pPr marL="0" marR="0" lvl="0" indent="0" algn="l" defTabSz="914400" rtl="0" eaLnBrk="1" fontAlgn="auto" latinLnBrk="0" hangingPunct="1">
+                  <a:lnSpc>
+                    <a:spcPct val="100000"/>
+                  </a:lnSpc>
+                  <a:spcBef>
+                    <a:spcPts val="0"/>
+                  </a:spcBef>
+                  <a:spcAft>
+                    <a:spcPts val="0"/>
+                  </a:spcAft>
+                  <a:buClrTx/>
+                  <a:buSzTx/>
+                  <a:buFontTx/>
+                  <a:buNone/>
+                  <a:tabLst/>
+                  <a:defRPr/>
+                </a:pPr>
+                <a:endParaRPr kumimoji="0" lang="it-IT" sz="1800" b="1" i="0" u="none" strike="noStrike" kern="1200" cap="none" spc="0" normalizeH="0" baseline="0" noProof="0" dirty="0">
+                  <a:ln>
+                    <a:noFill/>
+                  </a:ln>
+                  <a:solidFill>
+                    <a:prstClr val="black"/>
+                  </a:solidFill>
+                  <a:effectLst/>
+                  <a:uLnTx/>
+                  <a:uFillTx/>
+                </a:endParaRPr>
+              </a:p>
+              <a:p>
+                <a:pPr marL="0" indent="0">
+                  <a:buNone/>
+                </a:pPr>
+                <a:r>
+                  <a:rPr lang="it-IT" sz="1900" dirty="0">
+                    <a:solidFill>
+                      <a:prstClr val="black"/>
+                    </a:solidFill>
+                    <a:ea typeface="Times New Roman" panose="02020603050405020304" pitchFamily="18" charset="0"/>
+                  </a:rPr>
+                  <a:t>Non presenta vantaggi rispetto alla strategia standard</a:t>
+                </a:r>
               </a:p>
               <a:p>
                 <a:pPr marL="0" indent="0">
@@ -7529,7 +8810,7 @@
               <a:blipFill>
                 <a:blip r:embed="rId2"/>
                 <a:stretch>
-                  <a:fillRect l="-824" t="-750"/>
+                  <a:fillRect l="-1059" t="-875" r="-588"/>
                 </a:stretch>
               </a:blipFill>
             </p:spPr>
@@ -10843,10 +12124,9 @@
           <a:lstStyle/>
           <a:p>
             <a:r>
-              <a:rPr lang="it-IT"/>
+              <a:rPr lang="it-IT" dirty="0"/>
               <a:t>Strategia Standard</a:t>
             </a:r>
-            <a:endParaRPr lang="it-IT" dirty="0"/>
           </a:p>
         </p:txBody>
       </p:sp>
@@ -10891,7 +12171,7 @@
                   <a:defRPr/>
                 </a:pPr>
                 <a:r>
-                  <a:rPr kumimoji="0" lang="it-IT" sz="1600" b="0" i="0" u="none" strike="noStrike" kern="1200" cap="none" spc="0" normalizeH="0" baseline="0" noProof="0" dirty="0">
+                  <a:rPr kumimoji="0" lang="it-IT" sz="1800" b="1" i="0" u="none" strike="noStrike" kern="1200" cap="none" spc="0" normalizeH="0" baseline="0" noProof="0" dirty="0">
                     <a:ln>
                       <a:noFill/>
                     </a:ln>
@@ -10904,7 +12184,7 @@
                     <a:ea typeface="Times New Roman" panose="02020603050405020304" pitchFamily="18" charset="0"/>
                     <a:cs typeface="+mn-cs"/>
                   </a:rPr>
-                  <a:t>Strategia Standard: </a:t>
+                  <a:t>Tre manovre </a:t>
                 </a:r>
               </a:p>
               <a:p>
@@ -10925,42 +12205,7 @@
                   <a:tabLst/>
                   <a:defRPr/>
                 </a:pPr>
-                <a:r>
-                  <a:rPr kumimoji="0" lang="it-IT" sz="1600" b="0" i="0" u="none" strike="noStrike" kern="1200" cap="none" spc="0" normalizeH="0" baseline="0" noProof="0" dirty="0">
-                    <a:ln>
-                      <a:noFill/>
-                    </a:ln>
-                    <a:solidFill>
-                      <a:prstClr val="black"/>
-                    </a:solidFill>
-                    <a:effectLst/>
-                    <a:uLnTx/>
-                    <a:uFillTx/>
-                    <a:ea typeface="Times New Roman" panose="02020603050405020304" pitchFamily="18" charset="0"/>
-                    <a:cs typeface="+mn-cs"/>
-                  </a:rPr>
-                  <a:t>permutazione di tre manovre </a:t>
-                </a:r>
-              </a:p>
-              <a:p>
-                <a:pPr marL="0" marR="0" lvl="0" indent="0" algn="l" defTabSz="914400" rtl="0" eaLnBrk="1" fontAlgn="auto" latinLnBrk="0" hangingPunct="1">
-                  <a:lnSpc>
-                    <a:spcPct val="100000"/>
-                  </a:lnSpc>
-                  <a:spcBef>
-                    <a:spcPts val="0"/>
-                  </a:spcBef>
-                  <a:spcAft>
-                    <a:spcPts val="0"/>
-                  </a:spcAft>
-                  <a:buClrTx/>
-                  <a:buSzTx/>
-                  <a:buFontTx/>
-                  <a:buNone/>
-                  <a:tabLst/>
-                  <a:defRPr/>
-                </a:pPr>
-                <a:endParaRPr kumimoji="0" lang="it-IT" sz="1600" b="0" i="0" u="none" strike="noStrike" kern="1200" cap="none" spc="0" normalizeH="0" baseline="0" noProof="0" dirty="0">
+                <a:endParaRPr kumimoji="0" lang="it-IT" sz="1800" b="0" i="0" u="none" strike="noStrike" kern="1200" cap="none" spc="0" normalizeH="0" baseline="0" noProof="0" dirty="0">
                   <a:ln>
                     <a:noFill/>
                   </a:ln>
@@ -10975,7 +12220,7 @@
                 </a:endParaRPr>
               </a:p>
               <a:p>
-                <a:pPr marL="0" marR="0" lvl="0" indent="0" algn="l" defTabSz="914400" rtl="0" eaLnBrk="1" fontAlgn="auto" latinLnBrk="0" hangingPunct="1">
+                <a:pPr marL="342900" marR="0" lvl="0" indent="-342900" algn="l" defTabSz="914400" rtl="0" eaLnBrk="1" fontAlgn="auto" latinLnBrk="0" hangingPunct="1">
                   <a:lnSpc>
                     <a:spcPct val="100000"/>
                   </a:lnSpc>
@@ -10987,13 +12232,13 @@
                   </a:spcAft>
                   <a:buClrTx/>
                   <a:buSzTx/>
-                  <a:buFontTx/>
-                  <a:buNone/>
+                  <a:buFont typeface="+mj-lt"/>
+                  <a:buAutoNum type="arabicPeriod"/>
                   <a:tabLst/>
                   <a:defRPr/>
                 </a:pPr>
                 <a:r>
-                  <a:rPr kumimoji="0" lang="it-IT" sz="1600" b="0" i="0" u="none" strike="noStrike" kern="1200" cap="none" spc="0" normalizeH="0" baseline="0" noProof="0" dirty="0">
+                  <a:rPr kumimoji="0" lang="it-IT" sz="1800" b="0" i="0" u="none" strike="noStrike" kern="1200" cap="none" spc="0" normalizeH="0" baseline="0" noProof="0" dirty="0">
                     <a:ln>
                       <a:noFill/>
                     </a:ln>
@@ -11006,11 +12251,11 @@
                     <a:ea typeface="Times New Roman" panose="02020603050405020304" pitchFamily="18" charset="0"/>
                     <a:cs typeface="+mn-cs"/>
                   </a:rPr>
-                  <a:t>Trasferimento Bitangente </a:t>
+                  <a:t>Trasferimento Bitangente Pericentro-Apocentro</a:t>
                 </a:r>
               </a:p>
               <a:p>
-                <a:pPr marL="0" marR="0" lvl="0" indent="0" algn="l" defTabSz="914400" rtl="0" eaLnBrk="1" fontAlgn="auto" latinLnBrk="0" hangingPunct="1">
+                <a:pPr marL="342900" marR="0" lvl="0" indent="-342900" algn="l" defTabSz="914400" rtl="0" eaLnBrk="1" fontAlgn="auto" latinLnBrk="0" hangingPunct="1">
                   <a:lnSpc>
                     <a:spcPct val="100000"/>
                   </a:lnSpc>
@@ -11022,13 +12267,45 @@
                   </a:spcAft>
                   <a:buClrTx/>
                   <a:buSzTx/>
-                  <a:buFontTx/>
-                  <a:buNone/>
+                  <a:buFont typeface="+mj-lt"/>
+                  <a:buAutoNum type="arabicPeriod"/>
+                  <a:tabLst/>
+                  <a:defRPr/>
+                </a:pPr>
+                <a:endParaRPr kumimoji="0" lang="it-IT" sz="1800" b="0" i="0" u="none" strike="noStrike" kern="1200" cap="none" spc="0" normalizeH="0" baseline="0" noProof="0" dirty="0">
+                  <a:ln>
+                    <a:noFill/>
+                  </a:ln>
+                  <a:solidFill>
+                    <a:prstClr val="black"/>
+                  </a:solidFill>
+                  <a:effectLst/>
+                  <a:uLnTx/>
+                  <a:uFillTx/>
+                  <a:ea typeface="Times New Roman" panose="02020603050405020304" pitchFamily="18" charset="0"/>
+                  <a:cs typeface="+mn-cs"/>
+                </a:endParaRPr>
+              </a:p>
+              <a:p>
+                <a:pPr marL="342900" marR="0" lvl="0" indent="-342900" algn="l" defTabSz="914400" rtl="0" eaLnBrk="1" fontAlgn="auto" latinLnBrk="0" hangingPunct="1">
+                  <a:lnSpc>
+                    <a:spcPct val="100000"/>
+                  </a:lnSpc>
+                  <a:spcBef>
+                    <a:spcPts val="0"/>
+                  </a:spcBef>
+                  <a:spcAft>
+                    <a:spcPts val="0"/>
+                  </a:spcAft>
+                  <a:buClrTx/>
+                  <a:buSzTx/>
+                  <a:buFont typeface="+mj-lt"/>
+                  <a:buAutoNum type="arabicPeriod"/>
                   <a:tabLst/>
                   <a:defRPr/>
                 </a:pPr>
                 <a:r>
-                  <a:rPr kumimoji="0" lang="it-IT" sz="1600" b="0" i="0" u="none" strike="noStrike" kern="1200" cap="none" spc="0" normalizeH="0" baseline="0" noProof="0" dirty="0">
+                  <a:rPr kumimoji="0" lang="it-IT" sz="1800" b="0" i="0" u="none" strike="noStrike" kern="1200" cap="none" spc="0" normalizeH="0" baseline="0" noProof="0" dirty="0">
                     <a:ln>
                       <a:noFill/>
                     </a:ln>
@@ -11045,7 +12322,7 @@
                 </a:r>
               </a:p>
               <a:p>
-                <a:pPr marL="0" marR="0" lvl="0" indent="0" algn="l" defTabSz="914400" rtl="0" eaLnBrk="1" fontAlgn="auto" latinLnBrk="0" hangingPunct="1">
+                <a:pPr marL="342900" marR="0" lvl="0" indent="-342900" algn="l" defTabSz="914400" rtl="0" eaLnBrk="1" fontAlgn="auto" latinLnBrk="0" hangingPunct="1">
                   <a:lnSpc>
                     <a:spcPct val="100000"/>
                   </a:lnSpc>
@@ -11057,13 +12334,45 @@
                   </a:spcAft>
                   <a:buClrTx/>
                   <a:buSzTx/>
-                  <a:buFontTx/>
-                  <a:buNone/>
+                  <a:buFont typeface="+mj-lt"/>
+                  <a:buAutoNum type="arabicPeriod"/>
+                  <a:tabLst/>
+                  <a:defRPr/>
+                </a:pPr>
+                <a:endParaRPr kumimoji="0" lang="it-IT" sz="1800" b="0" i="0" u="none" strike="noStrike" kern="1200" cap="none" spc="0" normalizeH="0" baseline="0" noProof="0" dirty="0">
+                  <a:ln>
+                    <a:noFill/>
+                  </a:ln>
+                  <a:solidFill>
+                    <a:prstClr val="black"/>
+                  </a:solidFill>
+                  <a:effectLst/>
+                  <a:uLnTx/>
+                  <a:uFillTx/>
+                  <a:ea typeface="Times New Roman" panose="02020603050405020304" pitchFamily="18" charset="0"/>
+                  <a:cs typeface="+mn-cs"/>
+                </a:endParaRPr>
+              </a:p>
+              <a:p>
+                <a:pPr marL="342900" marR="0" lvl="0" indent="-342900" algn="l" defTabSz="914400" rtl="0" eaLnBrk="1" fontAlgn="auto" latinLnBrk="0" hangingPunct="1">
+                  <a:lnSpc>
+                    <a:spcPct val="100000"/>
+                  </a:lnSpc>
+                  <a:spcBef>
+                    <a:spcPts val="0"/>
+                  </a:spcBef>
+                  <a:spcAft>
+                    <a:spcPts val="0"/>
+                  </a:spcAft>
+                  <a:buClrTx/>
+                  <a:buSzTx/>
+                  <a:buFont typeface="+mj-lt"/>
+                  <a:buAutoNum type="arabicPeriod"/>
                   <a:tabLst/>
                   <a:defRPr/>
                 </a:pPr>
                 <a:r>
-                  <a:rPr kumimoji="0" lang="it-IT" sz="1600" b="0" i="0" u="none" strike="noStrike" kern="1200" cap="none" spc="0" normalizeH="0" baseline="0" noProof="0" dirty="0">
+                  <a:rPr kumimoji="0" lang="it-IT" sz="1800" b="0" i="0" u="none" strike="noStrike" kern="1200" cap="none" spc="0" normalizeH="0" baseline="0" noProof="0" dirty="0">
                     <a:ln>
                       <a:noFill/>
                     </a:ln>
@@ -11108,7 +12417,7 @@
                     <m:sSub>
                       <m:sSubPr>
                         <m:ctrlPr>
-                          <a:rPr kumimoji="0" lang="en-GB" sz="1800" b="0" i="1" u="none" strike="noStrike" kern="1200" cap="none" spc="0" normalizeH="0" baseline="0" noProof="0" smtClean="0">
+                          <a:rPr kumimoji="0" lang="en-GB" sz="1800" b="1" i="1" u="none" strike="noStrike" kern="1200" cap="none" spc="0" normalizeH="0" baseline="0" noProof="0" smtClean="0">
                             <a:ln>
                               <a:noFill/>
                             </a:ln>
@@ -11118,6 +12427,7 @@
                             <a:effectLst/>
                             <a:uLnTx/>
                             <a:uFillTx/>
+                            <a:latin typeface="Cambria Math" panose="02040503050406030204" pitchFamily="18" charset="0"/>
                             <a:ea typeface="+mn-ea"/>
                             <a:cs typeface="+mn-cs"/>
                           </a:rPr>
@@ -11125,10 +12435,7 @@
                       </m:sSubPr>
                       <m:e>
                         <m:r>
-                          <m:rPr>
-                            <m:sty m:val="p"/>
-                          </m:rPr>
-                          <a:rPr kumimoji="0" lang="en-GB" sz="1800" b="0" i="0" u="none" strike="noStrike" kern="1200" cap="none" spc="0" normalizeH="0" baseline="0" noProof="0">
+                          <a:rPr kumimoji="0" lang="en-GB" sz="1800" b="1" i="0" u="none" strike="noStrike" kern="1200" cap="none" spc="0" normalizeH="0" baseline="0" noProof="0">
                             <a:ln>
                               <a:noFill/>
                             </a:ln>
@@ -11138,13 +12445,14 @@
                             <a:effectLst/>
                             <a:uLnTx/>
                             <a:uFillTx/>
+                            <a:latin typeface="Cambria Math" panose="02040503050406030204" pitchFamily="18" charset="0"/>
                             <a:ea typeface="+mn-ea"/>
                             <a:cs typeface="+mn-cs"/>
                           </a:rPr>
-                          <m:t>Δ</m:t>
+                          <m:t>𝚫</m:t>
                         </m:r>
                         <m:r>
-                          <a:rPr kumimoji="0" lang="en-GB" sz="1800" b="0" i="0" u="none" strike="noStrike" kern="1200" cap="none" spc="0" normalizeH="0" baseline="0" noProof="0">
+                          <a:rPr kumimoji="0" lang="en-GB" sz="1800" b="1" i="0" u="none" strike="noStrike" kern="1200" cap="none" spc="0" normalizeH="0" baseline="0" noProof="0">
                             <a:ln>
                               <a:noFill/>
                             </a:ln>
@@ -11154,15 +12462,16 @@
                             <a:effectLst/>
                             <a:uLnTx/>
                             <a:uFillTx/>
+                            <a:latin typeface="Cambria Math" panose="02040503050406030204" pitchFamily="18" charset="0"/>
                             <a:ea typeface="+mn-ea"/>
                             <a:cs typeface="+mn-cs"/>
                           </a:rPr>
-                          <m:t>𝑣</m:t>
+                          <m:t>𝐯</m:t>
                         </m:r>
                       </m:e>
                       <m:sub>
                         <m:r>
-                          <a:rPr kumimoji="0" lang="it-IT" sz="1800" b="0" i="1" u="none" strike="noStrike" kern="1200" cap="none" spc="0" normalizeH="0" baseline="0" noProof="0" smtClean="0">
+                          <a:rPr kumimoji="0" lang="it-IT" sz="1800" b="1" i="1" u="none" strike="noStrike" kern="1200" cap="none" spc="0" normalizeH="0" baseline="0" noProof="0" smtClean="0">
                             <a:ln>
                               <a:noFill/>
                             </a:ln>
@@ -11172,15 +12481,16 @@
                             <a:effectLst/>
                             <a:uLnTx/>
                             <a:uFillTx/>
+                            <a:latin typeface="Cambria Math" panose="02040503050406030204" pitchFamily="18" charset="0"/>
                             <a:ea typeface="+mn-ea"/>
                             <a:cs typeface="+mn-cs"/>
                           </a:rPr>
-                          <m:t>𝑡𝑜𝑡</m:t>
+                          <m:t>𝒕𝒐𝒕</m:t>
                         </m:r>
                       </m:sub>
                     </m:sSub>
                     <m:r>
-                      <a:rPr kumimoji="0" lang="it-IT" sz="1800" b="0" i="1" u="none" strike="noStrike" kern="1200" cap="none" spc="0" normalizeH="0" baseline="0" noProof="0" smtClean="0">
+                      <a:rPr kumimoji="0" lang="it-IT" sz="1800" b="1" i="1" u="none" strike="noStrike" kern="1200" cap="none" spc="0" normalizeH="0" baseline="0" noProof="0" smtClean="0">
                         <a:ln>
                           <a:noFill/>
                         </a:ln>
@@ -11190,6 +12500,7 @@
                         <a:effectLst/>
                         <a:uLnTx/>
                         <a:uFillTx/>
+                        <a:latin typeface="Cambria Math" panose="02040503050406030204" pitchFamily="18" charset="0"/>
                         <a:ea typeface="+mn-ea"/>
                         <a:cs typeface="+mn-cs"/>
                       </a:rPr>
@@ -11198,7 +12509,7 @@
                   </m:oMath>
                 </a14:m>
                 <a:r>
-                  <a:rPr kumimoji="0" lang="en-GB" sz="1800" b="0" i="1" u="none" strike="noStrike" kern="1200" cap="none" spc="0" normalizeH="0" baseline="0" noProof="0" dirty="0">
+                  <a:rPr kumimoji="0" lang="en-GB" sz="1800" b="1" i="1" u="none" strike="noStrike" kern="1200" cap="none" spc="0" normalizeH="0" baseline="0" noProof="0" dirty="0">
                     <a:ln>
                       <a:noFill/>
                     </a:ln>
@@ -11214,7 +12525,7 @@
                   <a:t>6.6450</a:t>
                 </a:r>
                 <a:r>
-                  <a:rPr kumimoji="0" lang="en-GB" sz="1800" b="0" i="0" u="none" strike="noStrike" kern="1200" cap="none" spc="0" normalizeH="0" baseline="0" noProof="0" dirty="0">
+                  <a:rPr kumimoji="0" lang="en-GB" sz="1800" b="1" i="0" u="none" strike="noStrike" kern="1200" cap="none" spc="0" normalizeH="0" baseline="0" noProof="0" dirty="0">
                     <a:ln>
                       <a:noFill/>
                     </a:ln>
@@ -11234,7 +12545,7 @@
                     <m:f>
                       <m:fPr>
                         <m:ctrlPr>
-                          <a:rPr kumimoji="0" lang="en-GB" sz="1800" b="0" i="1" u="none" strike="noStrike" kern="1200" cap="none" spc="0" normalizeH="0" baseline="0" noProof="0">
+                          <a:rPr kumimoji="0" lang="en-GB" sz="1800" b="1" i="1" u="none" strike="noStrike" kern="1200" cap="none" spc="0" normalizeH="0" baseline="0" noProof="0">
                             <a:ln>
                               <a:noFill/>
                             </a:ln>
@@ -11244,6 +12555,7 @@
                             <a:effectLst/>
                             <a:uLnTx/>
                             <a:uFillTx/>
+                            <a:latin typeface="Cambria Math" panose="02040503050406030204" pitchFamily="18" charset="0"/>
                             <a:ea typeface="+mn-ea"/>
                             <a:cs typeface="+mn-cs"/>
                           </a:rPr>
@@ -11251,7 +12563,7 @@
                       </m:fPr>
                       <m:num>
                         <m:r>
-                          <a:rPr kumimoji="0" lang="en-GB" sz="1800" b="0" i="0" u="none" strike="noStrike" kern="1200" cap="none" spc="0" normalizeH="0" baseline="0" noProof="0">
+                          <a:rPr kumimoji="0" lang="en-GB" sz="1800" b="1" i="0" u="none" strike="noStrike" kern="1200" cap="none" spc="0" normalizeH="0" baseline="0" noProof="0">
                             <a:ln>
                               <a:noFill/>
                             </a:ln>
@@ -11261,15 +12573,16 @@
                             <a:effectLst/>
                             <a:uLnTx/>
                             <a:uFillTx/>
+                            <a:latin typeface="Cambria Math" panose="02040503050406030204" pitchFamily="18" charset="0"/>
                             <a:ea typeface="+mn-ea"/>
                             <a:cs typeface="+mn-cs"/>
                           </a:rPr>
-                          <m:t>𝑘𝑚</m:t>
+                          <m:t>𝐤𝐦</m:t>
                         </m:r>
                       </m:num>
                       <m:den>
                         <m:r>
-                          <a:rPr kumimoji="0" lang="en-GB" sz="1800" b="0" i="0" u="none" strike="noStrike" kern="1200" cap="none" spc="0" normalizeH="0" baseline="0" noProof="0">
+                          <a:rPr kumimoji="0" lang="en-GB" sz="1800" b="1" i="0" u="none" strike="noStrike" kern="1200" cap="none" spc="0" normalizeH="0" baseline="0" noProof="0">
                             <a:ln>
                               <a:noFill/>
                             </a:ln>
@@ -11279,16 +12592,17 @@
                             <a:effectLst/>
                             <a:uLnTx/>
                             <a:uFillTx/>
+                            <a:latin typeface="Cambria Math" panose="02040503050406030204" pitchFamily="18" charset="0"/>
                             <a:ea typeface="+mn-ea"/>
                             <a:cs typeface="+mn-cs"/>
                           </a:rPr>
-                          <m:t>𝑠</m:t>
+                          <m:t>𝐬</m:t>
                         </m:r>
                       </m:den>
                     </m:f>
                   </m:oMath>
                 </a14:m>
-                <a:endParaRPr kumimoji="0" lang="it-IT" sz="1800" b="0" i="0" u="none" strike="noStrike" kern="1200" cap="none" spc="0" normalizeH="0" baseline="0" noProof="0" dirty="0">
+                <a:endParaRPr kumimoji="0" lang="it-IT" sz="1800" b="1" i="0" u="none" strike="noStrike" kern="1200" cap="none" spc="0" normalizeH="0" baseline="0" noProof="0" dirty="0">
                   <a:ln>
                     <a:noFill/>
                   </a:ln>
@@ -11320,7 +12634,7 @@
                   <a:tabLst/>
                   <a:defRPr/>
                 </a:pPr>
-                <a:endParaRPr kumimoji="0" lang="it-IT" sz="1800" b="0" i="0" u="none" strike="noStrike" kern="1200" cap="none" spc="0" normalizeH="0" baseline="0" noProof="0" dirty="0">
+                <a:endParaRPr kumimoji="0" lang="it-IT" sz="1800" b="1" i="0" u="none" strike="noStrike" kern="1200" cap="none" spc="0" normalizeH="0" baseline="0" noProof="0" dirty="0">
                   <a:ln>
                     <a:noFill/>
                   </a:ln>
@@ -11357,7 +12671,7 @@
                     <m:sSub>
                       <m:sSubPr>
                         <m:ctrlPr>
-                          <a:rPr kumimoji="0" lang="en-GB" sz="1800" b="0" i="1" u="none" strike="noStrike" kern="1200" cap="none" spc="0" normalizeH="0" baseline="0" noProof="0" smtClean="0">
+                          <a:rPr kumimoji="0" lang="en-GB" sz="1800" b="1" i="1" u="none" strike="noStrike" kern="1200" cap="none" spc="0" normalizeH="0" baseline="0" noProof="0" smtClean="0">
                             <a:ln>
                               <a:noFill/>
                             </a:ln>
@@ -11367,6 +12681,7 @@
                             <a:effectLst/>
                             <a:uLnTx/>
                             <a:uFillTx/>
+                            <a:latin typeface="Cambria Math" panose="02040503050406030204" pitchFamily="18" charset="0"/>
                             <a:ea typeface="+mn-ea"/>
                             <a:cs typeface="+mn-cs"/>
                           </a:rPr>
@@ -11374,10 +12689,7 @@
                       </m:sSubPr>
                       <m:e>
                         <m:r>
-                          <m:rPr>
-                            <m:sty m:val="p"/>
-                          </m:rPr>
-                          <a:rPr kumimoji="0" lang="en-GB" sz="1800" b="0" i="0" u="none" strike="noStrike" kern="1200" cap="none" spc="0" normalizeH="0" baseline="0" noProof="0">
+                          <a:rPr kumimoji="0" lang="en-GB" sz="1800" b="1" i="0" u="none" strike="noStrike" kern="1200" cap="none" spc="0" normalizeH="0" baseline="0" noProof="0">
                             <a:ln>
                               <a:noFill/>
                             </a:ln>
@@ -11387,16 +12699,14 @@
                             <a:effectLst/>
                             <a:uLnTx/>
                             <a:uFillTx/>
+                            <a:latin typeface="Cambria Math" panose="02040503050406030204" pitchFamily="18" charset="0"/>
                             <a:ea typeface="+mn-ea"/>
                             <a:cs typeface="+mn-cs"/>
                           </a:rPr>
-                          <m:t>Δ</m:t>
+                          <m:t>𝚫</m:t>
                         </m:r>
                         <m:r>
-                          <m:rPr>
-                            <m:sty m:val="p"/>
-                          </m:rPr>
-                          <a:rPr kumimoji="0" lang="it-IT" sz="1800" b="0" i="0" u="none" strike="noStrike" kern="1200" cap="none" spc="0" normalizeH="0" baseline="0" noProof="0" smtClean="0">
+                          <a:rPr kumimoji="0" lang="it-IT" sz="1800" b="1" i="0" u="none" strike="noStrike" kern="1200" cap="none" spc="0" normalizeH="0" baseline="0" noProof="0" smtClean="0">
                             <a:ln>
                               <a:noFill/>
                             </a:ln>
@@ -11406,15 +12716,16 @@
                             <a:effectLst/>
                             <a:uLnTx/>
                             <a:uFillTx/>
+                            <a:latin typeface="Cambria Math" panose="02040503050406030204" pitchFamily="18" charset="0"/>
                             <a:ea typeface="+mn-ea"/>
                             <a:cs typeface="+mn-cs"/>
                           </a:rPr>
-                          <m:t>t</m:t>
+                          <m:t>𝐭</m:t>
                         </m:r>
                       </m:e>
                       <m:sub>
                         <m:r>
-                          <a:rPr kumimoji="0" lang="it-IT" sz="1800" b="0" i="1" u="none" strike="noStrike" kern="1200" cap="none" spc="0" normalizeH="0" baseline="0" noProof="0" smtClean="0">
+                          <a:rPr kumimoji="0" lang="it-IT" sz="1800" b="1" i="1" u="none" strike="noStrike" kern="1200" cap="none" spc="0" normalizeH="0" baseline="0" noProof="0" smtClean="0">
                             <a:ln>
                               <a:noFill/>
                             </a:ln>
@@ -11424,15 +12735,16 @@
                             <a:effectLst/>
                             <a:uLnTx/>
                             <a:uFillTx/>
+                            <a:latin typeface="Cambria Math" panose="02040503050406030204" pitchFamily="18" charset="0"/>
                             <a:ea typeface="+mn-ea"/>
                             <a:cs typeface="+mn-cs"/>
                           </a:rPr>
-                          <m:t>𝑡𝑜𝑡</m:t>
+                          <m:t>𝒕𝒐𝒕</m:t>
                         </m:r>
                       </m:sub>
                     </m:sSub>
                     <m:r>
-                      <a:rPr kumimoji="0" lang="it-IT" sz="1800" b="0" i="1" u="none" strike="noStrike" kern="1200" cap="none" spc="0" normalizeH="0" baseline="0" noProof="0" smtClean="0">
+                      <a:rPr kumimoji="0" lang="it-IT" sz="1800" b="1" i="1" u="none" strike="noStrike" kern="1200" cap="none" spc="0" normalizeH="0" baseline="0" noProof="0" smtClean="0">
                         <a:ln>
                           <a:noFill/>
                         </a:ln>
@@ -11442,6 +12754,7 @@
                         <a:effectLst/>
                         <a:uLnTx/>
                         <a:uFillTx/>
+                        <a:latin typeface="Cambria Math" panose="02040503050406030204" pitchFamily="18" charset="0"/>
                         <a:ea typeface="+mn-ea"/>
                         <a:cs typeface="+mn-cs"/>
                       </a:rPr>
@@ -11450,7 +12763,7 @@
                   </m:oMath>
                 </a14:m>
                 <a:r>
-                  <a:rPr kumimoji="0" lang="en-GB" sz="1800" b="0" i="0" u="none" strike="noStrike" kern="1200" cap="none" spc="0" normalizeH="0" baseline="0" noProof="0" dirty="0">
+                  <a:rPr kumimoji="0" lang="en-GB" sz="1800" b="1" i="0" u="none" strike="noStrike" kern="1200" cap="none" spc="0" normalizeH="0" baseline="0" noProof="0" dirty="0">
                     <a:ln>
                       <a:noFill/>
                     </a:ln>
@@ -11466,7 +12779,7 @@
                   <a:t>4.8675</a:t>
                 </a:r>
                 <a:r>
-                  <a:rPr kumimoji="0" lang="it-IT" sz="1800" b="0" i="0" u="none" strike="noStrike" kern="1200" cap="none" spc="0" normalizeH="0" baseline="0" noProof="0" dirty="0">
+                  <a:rPr kumimoji="0" lang="it-IT" sz="1800" b="1" i="0" u="none" strike="noStrike" kern="1200" cap="none" spc="0" normalizeH="0" baseline="0" noProof="0" dirty="0">
                     <a:ln>
                       <a:noFill/>
                     </a:ln>
@@ -11484,7 +12797,7 @@
                 <a14:m>
                   <m:oMath xmlns:m="http://schemas.openxmlformats.org/officeDocument/2006/math">
                     <m:r>
-                      <a:rPr kumimoji="0" lang="en-GB" sz="1800" b="0" i="0" u="none" strike="noStrike" kern="1200" cap="none" spc="0" normalizeH="0" baseline="0" noProof="0">
+                      <a:rPr kumimoji="0" lang="en-GB" sz="1800" b="1" i="0" u="none" strike="noStrike" kern="1200" cap="none" spc="0" normalizeH="0" baseline="0" noProof="0">
                         <a:ln>
                           <a:noFill/>
                         </a:ln>
@@ -11494,15 +12807,16 @@
                         <a:effectLst/>
                         <a:uLnTx/>
                         <a:uFillTx/>
+                        <a:latin typeface="Cambria Math" panose="02040503050406030204" pitchFamily="18" charset="0"/>
                         <a:ea typeface="+mn-ea"/>
                         <a:cs typeface="+mn-cs"/>
                       </a:rPr>
-                      <m:t>h</m:t>
+                      <m:t>𝐡</m:t>
                     </m:r>
                   </m:oMath>
                 </a14:m>
                 <a:r>
-                  <a:rPr kumimoji="0" lang="en-GB" sz="1800" b="0" i="0" u="none" strike="noStrike" kern="1200" cap="none" spc="0" normalizeH="0" baseline="0" noProof="0" dirty="0">
+                  <a:rPr kumimoji="0" lang="en-GB" sz="1800" b="1" i="0" u="none" strike="noStrike" kern="1200" cap="none" spc="0" normalizeH="0" baseline="0" noProof="0" dirty="0">
                     <a:ln>
                       <a:noFill/>
                     </a:ln>
@@ -11520,7 +12834,7 @@
                 <a14:m>
                   <m:oMath xmlns:m="http://schemas.openxmlformats.org/officeDocument/2006/math">
                     <m:r>
-                      <a:rPr kumimoji="0" lang="it-IT" sz="1800" b="0" i="0" u="none" strike="noStrike" kern="1200" cap="none" spc="0" normalizeH="0" baseline="0" noProof="0" smtClean="0">
+                      <a:rPr kumimoji="0" lang="it-IT" sz="1800" b="1" i="0" u="none" strike="noStrike" kern="1200" cap="none" spc="0" normalizeH="0" baseline="0" noProof="0" smtClean="0">
                         <a:ln>
                           <a:noFill/>
                         </a:ln>
@@ -11530,13 +12844,14 @@
                         <a:effectLst/>
                         <a:uLnTx/>
                         <a:uFillTx/>
+                        <a:latin typeface="Cambria Math" panose="02040503050406030204" pitchFamily="18" charset="0"/>
                         <a:ea typeface="+mn-ea"/>
                         <a:cs typeface="+mn-cs"/>
                       </a:rPr>
                       <m:t> </m:t>
                     </m:r>
                     <m:r>
-                      <a:rPr kumimoji="0" lang="en-GB" sz="1800" b="0" i="0" u="none" strike="noStrike" kern="1200" cap="none" spc="0" normalizeH="0" baseline="0" noProof="0">
+                      <a:rPr kumimoji="0" lang="en-GB" sz="1800" b="1" i="0" u="none" strike="noStrike" kern="1200" cap="none" spc="0" normalizeH="0" baseline="0" noProof="0">
                         <a:ln>
                           <a:noFill/>
                         </a:ln>
@@ -11546,14 +12861,15 @@
                         <a:effectLst/>
                         <a:uLnTx/>
                         <a:uFillTx/>
+                        <a:latin typeface="Cambria Math" panose="02040503050406030204" pitchFamily="18" charset="0"/>
                         <a:ea typeface="+mn-ea"/>
                         <a:cs typeface="+mn-cs"/>
                       </a:rPr>
-                      <m:t>𝑠</m:t>
+                      <m:t>𝐬</m:t>
                     </m:r>
                   </m:oMath>
                 </a14:m>
-                <a:endParaRPr kumimoji="0" lang="it-IT" sz="1800" b="0" i="0" u="none" strike="noStrike" kern="1200" cap="none" spc="0" normalizeH="0" baseline="0" noProof="0" dirty="0">
+                <a:endParaRPr kumimoji="0" lang="it-IT" sz="1800" b="1" i="0" u="none" strike="noStrike" kern="1200" cap="none" spc="0" normalizeH="0" baseline="0" noProof="0" dirty="0">
                   <a:ln>
                     <a:noFill/>
                   </a:ln>
@@ -11597,7 +12913,7 @@
               <a:blipFill>
                 <a:blip r:embed="rId2"/>
                 <a:stretch>
-                  <a:fillRect l="-706" t="-375"/>
+                  <a:fillRect l="-1059" t="-625"/>
                 </a:stretch>
               </a:blipFill>
             </p:spPr>
@@ -12300,7 +13616,7 @@
                   <a:defRPr/>
                 </a:pPr>
                 <a:r>
-                  <a:rPr kumimoji="0" lang="it-IT" sz="1800" b="0" i="0" u="none" strike="noStrike" kern="1200" cap="none" spc="0" normalizeH="0" baseline="0" noProof="0" dirty="0">
+                  <a:rPr kumimoji="0" lang="it-IT" sz="1800" b="1" i="0" u="none" strike="noStrike" kern="1200" cap="none" spc="0" normalizeH="0" baseline="0" noProof="0" dirty="0">
                     <a:ln>
                       <a:noFill/>
                     </a:ln>
@@ -12312,14 +13628,14 @@
                     <a:uFillTx/>
                     <a:ea typeface="Times New Roman" panose="02020603050405020304" pitchFamily="18" charset="0"/>
                   </a:rPr>
-                  <a:t>Cambio forma         </a:t>
+                  <a:t>Cambiare forma         </a:t>
                 </a:r>
                 <a14:m>
                   <m:oMath xmlns:m="http://schemas.openxmlformats.org/officeDocument/2006/math">
                     <m:sSub>
                       <m:sSubPr>
                         <m:ctrlPr>
-                          <a:rPr kumimoji="0" lang="en-GB" sz="1800" b="0" i="1" u="none" strike="noStrike" kern="1200" cap="none" spc="0" normalizeH="0" baseline="0" noProof="0" smtClean="0">
+                          <a:rPr kumimoji="0" lang="en-GB" sz="1800" b="1" i="1" u="none" strike="noStrike" kern="1200" cap="none" spc="0" normalizeH="0" baseline="0" noProof="0" smtClean="0">
                             <a:ln>
                               <a:noFill/>
                             </a:ln>
@@ -12329,12 +13645,13 @@
                             <a:effectLst/>
                             <a:uLnTx/>
                             <a:uFillTx/>
+                            <a:latin typeface="Cambria Math" panose="02040503050406030204" pitchFamily="18" charset="0"/>
                           </a:rPr>
                         </m:ctrlPr>
                       </m:sSubPr>
                       <m:e>
                         <m:r>
-                          <a:rPr kumimoji="0" lang="en-GB" sz="1800" b="0" i="0" u="none" strike="noStrike" kern="1200" cap="none" spc="0" normalizeH="0" baseline="0" noProof="0">
+                          <a:rPr kumimoji="0" lang="en-GB" sz="1800" b="1" i="0" u="none" strike="noStrike" kern="1200" cap="none" spc="0" normalizeH="0" baseline="0" noProof="0">
                             <a:ln>
                               <a:noFill/>
                             </a:ln>
@@ -12344,13 +13661,14 @@
                             <a:effectLst/>
                             <a:uLnTx/>
                             <a:uFillTx/>
+                            <a:latin typeface="Cambria Math" panose="02040503050406030204" pitchFamily="18" charset="0"/>
                           </a:rPr>
-                          <m:t>𝑒</m:t>
+                          <m:t>𝐞</m:t>
                         </m:r>
                       </m:e>
                       <m:sub>
                         <m:r>
-                          <a:rPr kumimoji="0" lang="it-IT" sz="1800" b="0" i="1" u="none" strike="noStrike" kern="1200" cap="none" spc="0" normalizeH="0" baseline="0" noProof="0" smtClean="0">
+                          <a:rPr kumimoji="0" lang="it-IT" sz="1800" b="1" i="1" u="none" strike="noStrike" kern="1200" cap="none" spc="0" normalizeH="0" baseline="0" noProof="0" smtClean="0">
                             <a:ln>
                               <a:noFill/>
                             </a:ln>
@@ -12360,15 +13678,16 @@
                             <a:effectLst/>
                             <a:uLnTx/>
                             <a:uFillTx/>
+                            <a:latin typeface="Cambria Math" panose="02040503050406030204" pitchFamily="18" charset="0"/>
                           </a:rPr>
-                          <m:t>𝑓</m:t>
+                          <m:t>𝒇</m:t>
                         </m:r>
                       </m:sub>
                     </m:sSub>
                   </m:oMath>
                 </a14:m>
                 <a:r>
-                  <a:rPr kumimoji="0" lang="it-IT" sz="1800" b="0" i="0" u="none" strike="noStrike" kern="1200" cap="none" spc="0" normalizeH="0" baseline="0" noProof="0" dirty="0">
+                  <a:rPr kumimoji="0" lang="it-IT" sz="1800" b="1" i="0" u="none" strike="noStrike" kern="1200" cap="none" spc="0" normalizeH="0" baseline="0" noProof="0" dirty="0">
                     <a:ln>
                       <a:noFill/>
                     </a:ln>
@@ -12387,7 +13706,7 @@
                     <m:sSub>
                       <m:sSubPr>
                         <m:ctrlPr>
-                          <a:rPr kumimoji="0" lang="en-GB" sz="1800" b="0" i="1" u="none" strike="noStrike" kern="1200" cap="none" spc="0" normalizeH="0" baseline="0" noProof="0">
+                          <a:rPr kumimoji="0" lang="en-GB" sz="1800" b="1" i="1" u="none" strike="noStrike" kern="1200" cap="none" spc="0" normalizeH="0" baseline="0" noProof="0">
                             <a:ln>
                               <a:noFill/>
                             </a:ln>
@@ -12397,12 +13716,13 @@
                             <a:effectLst/>
                             <a:uLnTx/>
                             <a:uFillTx/>
+                            <a:latin typeface="Cambria Math" panose="02040503050406030204" pitchFamily="18" charset="0"/>
                           </a:rPr>
                         </m:ctrlPr>
                       </m:sSubPr>
                       <m:e>
                         <m:r>
-                          <a:rPr kumimoji="0" lang="it-IT" sz="1800" b="0" i="1" u="none" strike="noStrike" kern="1200" cap="none" spc="0" normalizeH="0" baseline="0" noProof="0" smtClean="0">
+                          <a:rPr kumimoji="0" lang="it-IT" sz="1800" b="1" i="1" u="none" strike="noStrike" kern="1200" cap="none" spc="0" normalizeH="0" baseline="0" noProof="0" smtClean="0">
                             <a:ln>
                               <a:noFill/>
                             </a:ln>
@@ -12412,13 +13732,14 @@
                             <a:effectLst/>
                             <a:uLnTx/>
                             <a:uFillTx/>
+                            <a:latin typeface="Cambria Math" panose="02040503050406030204" pitchFamily="18" charset="0"/>
                           </a:rPr>
-                          <m:t>𝑎</m:t>
+                          <m:t>𝒂</m:t>
                         </m:r>
                       </m:e>
                       <m:sub>
                         <m:r>
-                          <a:rPr kumimoji="0" lang="it-IT" sz="1800" b="0" i="1" u="none" strike="noStrike" kern="1200" cap="none" spc="0" normalizeH="0" baseline="0" noProof="0">
+                          <a:rPr kumimoji="0" lang="it-IT" sz="1800" b="1" i="1" u="none" strike="noStrike" kern="1200" cap="none" spc="0" normalizeH="0" baseline="0" noProof="0">
                             <a:ln>
                               <a:noFill/>
                             </a:ln>
@@ -12428,15 +13749,16 @@
                             <a:effectLst/>
                             <a:uLnTx/>
                             <a:uFillTx/>
+                            <a:latin typeface="Cambria Math" panose="02040503050406030204" pitchFamily="18" charset="0"/>
                           </a:rPr>
-                          <m:t>𝑓</m:t>
+                          <m:t>𝒇</m:t>
                         </m:r>
                       </m:sub>
                     </m:sSub>
                   </m:oMath>
                 </a14:m>
                 <a:r>
-                  <a:rPr kumimoji="0" lang="it-IT" sz="1800" b="0" i="0" u="none" strike="noStrike" kern="1200" cap="none" spc="0" normalizeH="0" baseline="0" noProof="0" dirty="0">
+                  <a:rPr kumimoji="0" lang="it-IT" sz="1800" b="1" i="0" u="none" strike="noStrike" kern="1200" cap="none" spc="0" normalizeH="0" baseline="0" noProof="0" dirty="0">
                     <a:ln>
                       <a:noFill/>
                     </a:ln>
@@ -12557,7 +13879,7 @@
                     <m:sSub>
                       <m:sSubPr>
                         <m:ctrlPr>
-                          <a:rPr kumimoji="0" lang="en-GB" sz="1800" b="0" i="1" u="none" strike="noStrike" kern="1200" cap="none" spc="0" normalizeH="0" baseline="0" noProof="0" smtClean="0">
+                          <a:rPr kumimoji="0" lang="en-GB" sz="1800" b="1" i="1" u="none" strike="noStrike" kern="1200" cap="none" spc="0" normalizeH="0" baseline="0" noProof="0" smtClean="0">
                             <a:ln>
                               <a:noFill/>
                             </a:ln>
@@ -12567,15 +13889,13 @@
                             <a:effectLst/>
                             <a:uLnTx/>
                             <a:uFillTx/>
+                            <a:latin typeface="Cambria Math" panose="02040503050406030204" pitchFamily="18" charset="0"/>
                           </a:rPr>
                         </m:ctrlPr>
                       </m:sSubPr>
                       <m:e>
                         <m:r>
-                          <m:rPr>
-                            <m:sty m:val="p"/>
-                          </m:rPr>
-                          <a:rPr kumimoji="0" lang="en-GB" sz="1800" b="0" i="0" u="none" strike="noStrike" kern="1200" cap="none" spc="0" normalizeH="0" baseline="0" noProof="0">
+                          <a:rPr kumimoji="0" lang="en-GB" sz="1800" b="1" i="0" u="none" strike="noStrike" kern="1200" cap="none" spc="0" normalizeH="0" baseline="0" noProof="0">
                             <a:ln>
                               <a:noFill/>
                             </a:ln>
@@ -12585,11 +13905,12 @@
                             <a:effectLst/>
                             <a:uLnTx/>
                             <a:uFillTx/>
+                            <a:latin typeface="Cambria Math" panose="02040503050406030204" pitchFamily="18" charset="0"/>
                           </a:rPr>
-                          <m:t>Δ</m:t>
+                          <m:t>𝚫</m:t>
                         </m:r>
                         <m:r>
-                          <a:rPr kumimoji="0" lang="it-IT" sz="1800" b="0" i="1" u="none" strike="noStrike" kern="1200" cap="none" spc="0" normalizeH="0" baseline="0" noProof="0" smtClean="0">
+                          <a:rPr kumimoji="0" lang="it-IT" sz="1800" b="1" i="1" u="none" strike="noStrike" kern="1200" cap="none" spc="0" normalizeH="0" baseline="0" noProof="0" smtClean="0">
                             <a:ln>
                               <a:noFill/>
                             </a:ln>
@@ -12599,13 +13920,14 @@
                             <a:effectLst/>
                             <a:uLnTx/>
                             <a:uFillTx/>
+                            <a:latin typeface="Cambria Math" panose="02040503050406030204" pitchFamily="18" charset="0"/>
                           </a:rPr>
-                          <m:t>𝑡</m:t>
+                          <m:t>𝒕</m:t>
                         </m:r>
                       </m:e>
                       <m:sub>
                         <m:r>
-                          <a:rPr kumimoji="0" lang="it-IT" sz="1800" b="0" i="1" u="none" strike="noStrike" kern="1200" cap="none" spc="0" normalizeH="0" baseline="0" noProof="0" smtClean="0">
+                          <a:rPr kumimoji="0" lang="it-IT" sz="1800" b="1" i="1" u="none" strike="noStrike" kern="1200" cap="none" spc="0" normalizeH="0" baseline="0" noProof="0" smtClean="0">
                             <a:ln>
                               <a:noFill/>
                             </a:ln>
@@ -12615,13 +13937,14 @@
                             <a:effectLst/>
                             <a:uLnTx/>
                             <a:uFillTx/>
+                            <a:latin typeface="Cambria Math" panose="02040503050406030204" pitchFamily="18" charset="0"/>
                           </a:rPr>
-                          <m:t>1</m:t>
+                          <m:t>𝟏</m:t>
                         </m:r>
                       </m:sub>
                     </m:sSub>
                     <m:r>
-                      <a:rPr kumimoji="0" lang="it-IT" sz="1800" b="0" i="1" u="none" strike="noStrike" kern="1200" cap="none" spc="0" normalizeH="0" baseline="0" noProof="0" smtClean="0">
+                      <a:rPr kumimoji="0" lang="it-IT" sz="1800" b="1" i="1" u="none" strike="noStrike" kern="1200" cap="none" spc="0" normalizeH="0" baseline="0" noProof="0" smtClean="0">
                         <a:ln>
                           <a:noFill/>
                         </a:ln>
@@ -12631,13 +13954,14 @@
                         <a:effectLst/>
                         <a:uLnTx/>
                         <a:uFillTx/>
+                        <a:latin typeface="Cambria Math" panose="02040503050406030204" pitchFamily="18" charset="0"/>
                       </a:rPr>
                       <m:t>= </m:t>
                     </m:r>
                   </m:oMath>
                 </a14:m>
                 <a:r>
-                  <a:rPr kumimoji="0" lang="en-GB" sz="1800" b="0" i="0" u="none" strike="noStrike" kern="1200" cap="none" spc="0" normalizeH="0" baseline="0" noProof="0" dirty="0">
+                  <a:rPr kumimoji="0" lang="en-GB" sz="1800" b="1" i="0" u="none" strike="noStrike" kern="1200" cap="none" spc="0" normalizeH="0" baseline="0" noProof="0" dirty="0">
                     <a:ln>
                       <a:noFill/>
                     </a:ln>
@@ -12651,7 +13975,7 @@
                   <a:t>5698</a:t>
                 </a:r>
                 <a:r>
-                  <a:rPr kumimoji="0" lang="it-IT" sz="1800" b="0" i="0" u="none" strike="noStrike" kern="1200" cap="none" spc="0" normalizeH="0" baseline="0" noProof="0" dirty="0">
+                  <a:rPr kumimoji="0" lang="it-IT" sz="1800" b="1" i="0" u="none" strike="noStrike" kern="1200" cap="none" spc="0" normalizeH="0" baseline="0" noProof="0" dirty="0">
                     <a:ln>
                       <a:noFill/>
                     </a:ln>
@@ -12667,7 +13991,7 @@
                 <a14:m>
                   <m:oMath xmlns:m="http://schemas.openxmlformats.org/officeDocument/2006/math">
                     <m:r>
-                      <a:rPr kumimoji="0" lang="en-GB" sz="1800" b="0" i="0" u="none" strike="noStrike" kern="1200" cap="none" spc="0" normalizeH="0" baseline="0" noProof="0">
+                      <a:rPr kumimoji="0" lang="en-GB" sz="1800" b="1" i="0" u="none" strike="noStrike" kern="1200" cap="none" spc="0" normalizeH="0" baseline="0" noProof="0">
                         <a:ln>
                           <a:noFill/>
                         </a:ln>
@@ -12677,12 +14001,13 @@
                         <a:effectLst/>
                         <a:uLnTx/>
                         <a:uFillTx/>
+                        <a:latin typeface="Cambria Math" panose="02040503050406030204" pitchFamily="18" charset="0"/>
                       </a:rPr>
-                      <m:t>𝑠</m:t>
+                      <m:t>𝐬</m:t>
                     </m:r>
                   </m:oMath>
                 </a14:m>
-                <a:endParaRPr kumimoji="0" lang="it-IT" sz="1800" b="0" i="0" u="none" strike="noStrike" kern="1200" cap="none" spc="0" normalizeH="0" baseline="0" noProof="0" dirty="0">
+                <a:endParaRPr kumimoji="0" lang="it-IT" sz="1800" b="1" i="0" u="none" strike="noStrike" kern="1200" cap="none" spc="0" normalizeH="0" baseline="0" noProof="0" dirty="0">
                   <a:ln>
                     <a:noFill/>
                   </a:ln>
@@ -12764,7 +14089,7 @@
                     <m:sSub>
                       <m:sSubPr>
                         <m:ctrlPr>
-                          <a:rPr kumimoji="0" lang="en-GB" sz="1800" b="0" i="1" u="none" strike="noStrike" kern="1200" cap="none" spc="0" normalizeH="0" baseline="0" noProof="0" smtClean="0">
+                          <a:rPr kumimoji="0" lang="en-GB" sz="1800" b="1" i="1" u="none" strike="noStrike" kern="1200" cap="none" spc="0" normalizeH="0" baseline="0" noProof="0" smtClean="0">
                             <a:ln>
                               <a:noFill/>
                             </a:ln>
@@ -12774,15 +14099,13 @@
                             <a:effectLst/>
                             <a:uLnTx/>
                             <a:uFillTx/>
+                            <a:latin typeface="Cambria Math" panose="02040503050406030204" pitchFamily="18" charset="0"/>
                           </a:rPr>
                         </m:ctrlPr>
                       </m:sSubPr>
                       <m:e>
                         <m:r>
-                          <m:rPr>
-                            <m:sty m:val="p"/>
-                          </m:rPr>
-                          <a:rPr kumimoji="0" lang="en-GB" sz="1800" b="0" i="0" u="none" strike="noStrike" kern="1200" cap="none" spc="0" normalizeH="0" baseline="0" noProof="0">
+                          <a:rPr kumimoji="0" lang="en-GB" sz="1800" b="1" i="0" u="none" strike="noStrike" kern="1200" cap="none" spc="0" normalizeH="0" baseline="0" noProof="0">
                             <a:ln>
                               <a:noFill/>
                             </a:ln>
@@ -12792,11 +14115,12 @@
                             <a:effectLst/>
                             <a:uLnTx/>
                             <a:uFillTx/>
+                            <a:latin typeface="Cambria Math" panose="02040503050406030204" pitchFamily="18" charset="0"/>
                           </a:rPr>
-                          <m:t>Δ</m:t>
+                          <m:t>𝚫</m:t>
                         </m:r>
                         <m:r>
-                          <a:rPr kumimoji="0" lang="en-GB" sz="1800" b="0" i="0" u="none" strike="noStrike" kern="1200" cap="none" spc="0" normalizeH="0" baseline="0" noProof="0">
+                          <a:rPr kumimoji="0" lang="en-GB" sz="1800" b="1" i="0" u="none" strike="noStrike" kern="1200" cap="none" spc="0" normalizeH="0" baseline="0" noProof="0">
                             <a:ln>
                               <a:noFill/>
                             </a:ln>
@@ -12806,13 +14130,14 @@
                             <a:effectLst/>
                             <a:uLnTx/>
                             <a:uFillTx/>
+                            <a:latin typeface="Cambria Math" panose="02040503050406030204" pitchFamily="18" charset="0"/>
                           </a:rPr>
-                          <m:t>𝑣</m:t>
+                          <m:t>𝐯</m:t>
                         </m:r>
                       </m:e>
                       <m:sub>
                         <m:r>
-                          <a:rPr kumimoji="0" lang="it-IT" sz="1800" b="0" i="1" u="none" strike="noStrike" kern="1200" cap="none" spc="0" normalizeH="0" baseline="0" noProof="0" smtClean="0">
+                          <a:rPr kumimoji="0" lang="it-IT" sz="1800" b="1" i="1" u="none" strike="noStrike" kern="1200" cap="none" spc="0" normalizeH="0" baseline="0" noProof="0" smtClean="0">
                             <a:ln>
                               <a:noFill/>
                             </a:ln>
@@ -12822,13 +14147,14 @@
                             <a:effectLst/>
                             <a:uLnTx/>
                             <a:uFillTx/>
+                            <a:latin typeface="Cambria Math" panose="02040503050406030204" pitchFamily="18" charset="0"/>
                           </a:rPr>
-                          <m:t>1</m:t>
+                          <m:t>𝟏</m:t>
                         </m:r>
                       </m:sub>
                     </m:sSub>
                     <m:r>
-                      <a:rPr kumimoji="0" lang="it-IT" sz="1800" b="0" i="1" u="none" strike="noStrike" kern="1200" cap="none" spc="0" normalizeH="0" baseline="0" noProof="0" smtClean="0">
+                      <a:rPr kumimoji="0" lang="it-IT" sz="1800" b="1" i="1" u="none" strike="noStrike" kern="1200" cap="none" spc="0" normalizeH="0" baseline="0" noProof="0" smtClean="0">
                         <a:ln>
                           <a:noFill/>
                         </a:ln>
@@ -12838,13 +14164,14 @@
                         <a:effectLst/>
                         <a:uLnTx/>
                         <a:uFillTx/>
+                        <a:latin typeface="Cambria Math" panose="02040503050406030204" pitchFamily="18" charset="0"/>
                       </a:rPr>
                       <m:t>= </m:t>
                     </m:r>
                   </m:oMath>
                 </a14:m>
                 <a:r>
-                  <a:rPr kumimoji="0" lang="en-GB" sz="1800" b="0" i="0" u="none" strike="noStrike" kern="1200" cap="none" spc="0" normalizeH="0" baseline="0" noProof="0" dirty="0">
+                  <a:rPr kumimoji="0" lang="en-GB" sz="1800" b="1" i="0" u="none" strike="noStrike" kern="1200" cap="none" spc="0" normalizeH="0" baseline="0" noProof="0" dirty="0">
                     <a:ln>
                       <a:noFill/>
                     </a:ln>
@@ -12862,7 +14189,7 @@
                     <m:f>
                       <m:fPr>
                         <m:ctrlPr>
-                          <a:rPr kumimoji="0" lang="en-GB" sz="1800" b="0" i="1" u="none" strike="noStrike" kern="1200" cap="none" spc="0" normalizeH="0" baseline="0" noProof="0">
+                          <a:rPr kumimoji="0" lang="en-GB" sz="1800" b="1" i="1" u="none" strike="noStrike" kern="1200" cap="none" spc="0" normalizeH="0" baseline="0" noProof="0">
                             <a:ln>
                               <a:noFill/>
                             </a:ln>
@@ -12872,12 +14199,13 @@
                             <a:effectLst/>
                             <a:uLnTx/>
                             <a:uFillTx/>
+                            <a:latin typeface="Cambria Math" panose="02040503050406030204" pitchFamily="18" charset="0"/>
                           </a:rPr>
                         </m:ctrlPr>
                       </m:fPr>
                       <m:num>
                         <m:r>
-                          <a:rPr kumimoji="0" lang="en-GB" sz="1800" b="0" i="0" u="none" strike="noStrike" kern="1200" cap="none" spc="0" normalizeH="0" baseline="0" noProof="0">
+                          <a:rPr kumimoji="0" lang="en-GB" sz="1800" b="1" i="0" u="none" strike="noStrike" kern="1200" cap="none" spc="0" normalizeH="0" baseline="0" noProof="0">
                             <a:ln>
                               <a:noFill/>
                             </a:ln>
@@ -12887,13 +14215,14 @@
                             <a:effectLst/>
                             <a:uLnTx/>
                             <a:uFillTx/>
+                            <a:latin typeface="Cambria Math" panose="02040503050406030204" pitchFamily="18" charset="0"/>
                           </a:rPr>
-                          <m:t>𝑘𝑚</m:t>
+                          <m:t>𝐤𝐦</m:t>
                         </m:r>
                       </m:num>
                       <m:den>
                         <m:r>
-                          <a:rPr kumimoji="0" lang="en-GB" sz="1800" b="0" i="0" u="none" strike="noStrike" kern="1200" cap="none" spc="0" normalizeH="0" baseline="0" noProof="0">
+                          <a:rPr kumimoji="0" lang="en-GB" sz="1800" b="1" i="0" u="none" strike="noStrike" kern="1200" cap="none" spc="0" normalizeH="0" baseline="0" noProof="0">
                             <a:ln>
                               <a:noFill/>
                             </a:ln>
@@ -12903,14 +14232,15 @@
                             <a:effectLst/>
                             <a:uLnTx/>
                             <a:uFillTx/>
+                            <a:latin typeface="Cambria Math" panose="02040503050406030204" pitchFamily="18" charset="0"/>
                           </a:rPr>
-                          <m:t>𝑠</m:t>
+                          <m:t>𝐬</m:t>
                         </m:r>
                       </m:den>
                     </m:f>
                   </m:oMath>
                 </a14:m>
-                <a:endParaRPr kumimoji="0" lang="it-IT" sz="1800" b="0" i="0" u="none" strike="noStrike" kern="1200" cap="none" spc="0" normalizeH="0" baseline="0" noProof="0" dirty="0">
+                <a:endParaRPr kumimoji="0" lang="it-IT" sz="1800" b="1" i="0" u="none" strike="noStrike" kern="1200" cap="none" spc="0" normalizeH="0" baseline="0" noProof="0" dirty="0">
                   <a:ln>
                     <a:noFill/>
                   </a:ln>
@@ -13000,7 +14330,7 @@
                     <m:sSub>
                       <m:sSubPr>
                         <m:ctrlPr>
-                          <a:rPr kumimoji="0" lang="en-GB" sz="1800" b="0" i="1" u="none" strike="noStrike" kern="1200" cap="none" spc="0" normalizeH="0" baseline="0" noProof="0">
+                          <a:rPr kumimoji="0" lang="en-GB" sz="1800" b="1" i="1" u="none" strike="noStrike" kern="1200" cap="none" spc="0" normalizeH="0" baseline="0" noProof="0">
                             <a:ln>
                               <a:noFill/>
                             </a:ln>
@@ -13010,12 +14340,13 @@
                             <a:effectLst/>
                             <a:uLnTx/>
                             <a:uFillTx/>
+                            <a:latin typeface="Cambria Math" panose="02040503050406030204" pitchFamily="18" charset="0"/>
                           </a:rPr>
                         </m:ctrlPr>
                       </m:sSubPr>
                       <m:e>
                         <m:r>
-                          <a:rPr kumimoji="0" lang="en-GB" sz="1800" b="0" i="0" u="none" strike="noStrike" kern="1200" cap="none" spc="0" normalizeH="0" baseline="0" noProof="0">
+                          <a:rPr kumimoji="0" lang="en-GB" sz="1800" b="1" i="0" u="none" strike="noStrike" kern="1200" cap="none" spc="0" normalizeH="0" baseline="0" noProof="0">
                             <a:ln>
                               <a:noFill/>
                             </a:ln>
@@ -13025,13 +14356,14 @@
                             <a:effectLst/>
                             <a:uLnTx/>
                             <a:uFillTx/>
+                            <a:latin typeface="Cambria Math" panose="02040503050406030204" pitchFamily="18" charset="0"/>
                           </a:rPr>
-                          <m:t>𝑒</m:t>
+                          <m:t>𝐞</m:t>
                         </m:r>
                       </m:e>
                       <m:sub>
                         <m:r>
-                          <a:rPr kumimoji="0" lang="it-IT" sz="1800" b="0" i="1" u="none" strike="noStrike" kern="1200" cap="none" spc="0" normalizeH="0" baseline="0" noProof="0" smtClean="0">
+                          <a:rPr kumimoji="0" lang="it-IT" sz="1800" b="1" i="1" u="none" strike="noStrike" kern="1200" cap="none" spc="0" normalizeH="0" baseline="0" noProof="0" smtClean="0">
                             <a:ln>
                               <a:noFill/>
                             </a:ln>
@@ -13041,15 +14373,16 @@
                             <a:effectLst/>
                             <a:uLnTx/>
                             <a:uFillTx/>
+                            <a:latin typeface="Cambria Math" panose="02040503050406030204" pitchFamily="18" charset="0"/>
                           </a:rPr>
-                          <m:t>𝑡</m:t>
+                          <m:t>𝒕</m:t>
                         </m:r>
                       </m:sub>
                     </m:sSub>
                   </m:oMath>
                 </a14:m>
                 <a:r>
-                  <a:rPr kumimoji="0" lang="it-IT" sz="1800" b="0" i="0" u="none" strike="noStrike" kern="1200" cap="none" spc="0" normalizeH="0" baseline="0" noProof="0" dirty="0">
+                  <a:rPr kumimoji="0" lang="it-IT" sz="1800" b="1" i="0" u="none" strike="noStrike" kern="1200" cap="none" spc="0" normalizeH="0" baseline="0" noProof="0" dirty="0">
                     <a:ln>
                       <a:noFill/>
                     </a:ln>
@@ -13068,7 +14401,7 @@
                     <m:sSub>
                       <m:sSubPr>
                         <m:ctrlPr>
-                          <a:rPr kumimoji="0" lang="en-GB" sz="1800" b="0" i="1" u="none" strike="noStrike" kern="1200" cap="none" spc="0" normalizeH="0" baseline="0" noProof="0">
+                          <a:rPr kumimoji="0" lang="en-GB" sz="1800" b="1" i="1" u="none" strike="noStrike" kern="1200" cap="none" spc="0" normalizeH="0" baseline="0" noProof="0">
                             <a:ln>
                               <a:noFill/>
                             </a:ln>
@@ -13078,12 +14411,13 @@
                             <a:effectLst/>
                             <a:uLnTx/>
                             <a:uFillTx/>
+                            <a:latin typeface="Cambria Math" panose="02040503050406030204" pitchFamily="18" charset="0"/>
                           </a:rPr>
                         </m:ctrlPr>
                       </m:sSubPr>
                       <m:e>
                         <m:r>
-                          <a:rPr kumimoji="0" lang="it-IT" sz="1800" b="0" i="1" u="none" strike="noStrike" kern="1200" cap="none" spc="0" normalizeH="0" baseline="0" noProof="0">
+                          <a:rPr kumimoji="0" lang="it-IT" sz="1800" b="1" i="1" u="none" strike="noStrike" kern="1200" cap="none" spc="0" normalizeH="0" baseline="0" noProof="0">
                             <a:ln>
                               <a:noFill/>
                             </a:ln>
@@ -13093,13 +14427,14 @@
                             <a:effectLst/>
                             <a:uLnTx/>
                             <a:uFillTx/>
+                            <a:latin typeface="Cambria Math" panose="02040503050406030204" pitchFamily="18" charset="0"/>
                           </a:rPr>
-                          <m:t>𝑎</m:t>
+                          <m:t>𝒂</m:t>
                         </m:r>
                       </m:e>
                       <m:sub>
                         <m:r>
-                          <a:rPr kumimoji="0" lang="it-IT" sz="1800" b="0" i="1" u="none" strike="noStrike" kern="1200" cap="none" spc="0" normalizeH="0" baseline="0" noProof="0" smtClean="0">
+                          <a:rPr kumimoji="0" lang="it-IT" sz="1800" b="1" i="1" u="none" strike="noStrike" kern="1200" cap="none" spc="0" normalizeH="0" baseline="0" noProof="0" smtClean="0">
                             <a:ln>
                               <a:noFill/>
                             </a:ln>
@@ -13109,15 +14444,16 @@
                             <a:effectLst/>
                             <a:uLnTx/>
                             <a:uFillTx/>
+                            <a:latin typeface="Cambria Math" panose="02040503050406030204" pitchFamily="18" charset="0"/>
                           </a:rPr>
-                          <m:t>𝑡</m:t>
+                          <m:t>𝒕</m:t>
                         </m:r>
                       </m:sub>
                     </m:sSub>
                   </m:oMath>
                 </a14:m>
                 <a:r>
-                  <a:rPr kumimoji="0" lang="it-IT" sz="1800" b="0" i="0" u="none" strike="noStrike" kern="1200" cap="none" spc="0" normalizeH="0" baseline="0" noProof="0" dirty="0">
+                  <a:rPr kumimoji="0" lang="it-IT" sz="1800" b="1" i="0" u="none" strike="noStrike" kern="1200" cap="none" spc="0" normalizeH="0" baseline="0" noProof="0" dirty="0">
                     <a:ln>
                       <a:noFill/>
                     </a:ln>
@@ -13201,7 +14537,7 @@
                     <m:sSub>
                       <m:sSubPr>
                         <m:ctrlPr>
-                          <a:rPr kumimoji="0" lang="en-GB" sz="1800" b="0" i="1" u="none" strike="noStrike" kern="1200" cap="none" spc="0" normalizeH="0" baseline="0" noProof="0" smtClean="0">
+                          <a:rPr kumimoji="0" lang="en-GB" sz="1800" b="1" i="1" u="none" strike="noStrike" kern="1200" cap="none" spc="0" normalizeH="0" baseline="0" noProof="0" smtClean="0">
                             <a:ln>
                               <a:noFill/>
                             </a:ln>
@@ -13211,12 +14547,13 @@
                             <a:effectLst/>
                             <a:uLnTx/>
                             <a:uFillTx/>
+                            <a:latin typeface="Cambria Math" panose="02040503050406030204" pitchFamily="18" charset="0"/>
                           </a:rPr>
                         </m:ctrlPr>
                       </m:sSubPr>
                       <m:e>
                         <m:r>
-                          <a:rPr kumimoji="0" lang="it-IT" sz="1800" b="0" i="0" u="none" strike="noStrike" kern="1200" cap="none" spc="0" normalizeH="0" baseline="0" noProof="0" smtClean="0">
+                          <a:rPr kumimoji="0" lang="it-IT" sz="1800" b="1" i="0" u="none" strike="noStrike" kern="1200" cap="none" spc="0" normalizeH="0" baseline="0" noProof="0" smtClean="0">
                             <a:ln>
                               <a:noFill/>
                             </a:ln>
@@ -13226,14 +14563,12 @@
                             <a:effectLst/>
                             <a:uLnTx/>
                             <a:uFillTx/>
+                            <a:latin typeface="Cambria Math" panose="02040503050406030204" pitchFamily="18" charset="0"/>
                           </a:rPr>
                           <m:t>  </m:t>
                         </m:r>
                         <m:r>
-                          <m:rPr>
-                            <m:sty m:val="p"/>
-                          </m:rPr>
-                          <a:rPr kumimoji="0" lang="en-GB" sz="1800" b="0" i="0" u="none" strike="noStrike" kern="1200" cap="none" spc="0" normalizeH="0" baseline="0" noProof="0">
+                          <a:rPr kumimoji="0" lang="en-GB" sz="1800" b="1" i="0" u="none" strike="noStrike" kern="1200" cap="none" spc="0" normalizeH="0" baseline="0" noProof="0">
                             <a:ln>
                               <a:noFill/>
                             </a:ln>
@@ -13243,11 +14578,12 @@
                             <a:effectLst/>
                             <a:uLnTx/>
                             <a:uFillTx/>
+                            <a:latin typeface="Cambria Math" panose="02040503050406030204" pitchFamily="18" charset="0"/>
                           </a:rPr>
-                          <m:t>Δ</m:t>
+                          <m:t>𝚫</m:t>
                         </m:r>
                         <m:r>
-                          <a:rPr kumimoji="0" lang="it-IT" sz="1800" b="0" i="1" u="none" strike="noStrike" kern="1200" cap="none" spc="0" normalizeH="0" baseline="0" noProof="0" smtClean="0">
+                          <a:rPr kumimoji="0" lang="it-IT" sz="1800" b="1" i="1" u="none" strike="noStrike" kern="1200" cap="none" spc="0" normalizeH="0" baseline="0" noProof="0" smtClean="0">
                             <a:ln>
                               <a:noFill/>
                             </a:ln>
@@ -13257,13 +14593,14 @@
                             <a:effectLst/>
                             <a:uLnTx/>
                             <a:uFillTx/>
+                            <a:latin typeface="Cambria Math" panose="02040503050406030204" pitchFamily="18" charset="0"/>
                           </a:rPr>
-                          <m:t>𝑡</m:t>
+                          <m:t>𝒕</m:t>
                         </m:r>
                       </m:e>
                       <m:sub>
                         <m:r>
-                          <a:rPr kumimoji="0" lang="it-IT" sz="1800" b="0" i="1" u="none" strike="noStrike" kern="1200" cap="none" spc="0" normalizeH="0" baseline="0" noProof="0" smtClean="0">
+                          <a:rPr kumimoji="0" lang="it-IT" sz="1800" b="1" i="1" u="none" strike="noStrike" kern="1200" cap="none" spc="0" normalizeH="0" baseline="0" noProof="0" smtClean="0">
                             <a:ln>
                               <a:noFill/>
                             </a:ln>
@@ -13273,13 +14610,14 @@
                             <a:effectLst/>
                             <a:uLnTx/>
                             <a:uFillTx/>
+                            <a:latin typeface="Cambria Math" panose="02040503050406030204" pitchFamily="18" charset="0"/>
                           </a:rPr>
-                          <m:t>2</m:t>
+                          <m:t>𝟐</m:t>
                         </m:r>
                       </m:sub>
                     </m:sSub>
                     <m:r>
-                      <a:rPr kumimoji="0" lang="it-IT" sz="1800" b="0" i="1" u="none" strike="noStrike" kern="1200" cap="none" spc="0" normalizeH="0" baseline="0" noProof="0" smtClean="0">
+                      <a:rPr kumimoji="0" lang="it-IT" sz="1800" b="1" i="1" u="none" strike="noStrike" kern="1200" cap="none" spc="0" normalizeH="0" baseline="0" noProof="0" smtClean="0">
                         <a:ln>
                           <a:noFill/>
                         </a:ln>
@@ -13289,13 +14627,14 @@
                         <a:effectLst/>
                         <a:uLnTx/>
                         <a:uFillTx/>
+                        <a:latin typeface="Cambria Math" panose="02040503050406030204" pitchFamily="18" charset="0"/>
                       </a:rPr>
                       <m:t>= </m:t>
                     </m:r>
                   </m:oMath>
                 </a14:m>
                 <a:r>
-                  <a:rPr kumimoji="0" lang="en-GB" sz="1800" b="0" i="0" u="none" strike="noStrike" kern="1200" cap="none" spc="0" normalizeH="0" baseline="0" noProof="0" dirty="0">
+                  <a:rPr kumimoji="0" lang="en-GB" sz="1800" b="1" i="0" u="none" strike="noStrike" kern="1200" cap="none" spc="0" normalizeH="0" baseline="0" noProof="0" dirty="0">
                     <a:ln>
                       <a:noFill/>
                     </a:ln>
@@ -13309,7 +14648,7 @@
                   <a:t>5295</a:t>
                 </a:r>
                 <a:r>
-                  <a:rPr kumimoji="0" lang="it-IT" sz="1800" b="0" i="0" u="none" strike="noStrike" kern="1200" cap="none" spc="0" normalizeH="0" baseline="0" noProof="0" dirty="0">
+                  <a:rPr kumimoji="0" lang="it-IT" sz="1800" b="1" i="0" u="none" strike="noStrike" kern="1200" cap="none" spc="0" normalizeH="0" baseline="0" noProof="0" dirty="0">
                     <a:ln>
                       <a:noFill/>
                     </a:ln>
@@ -13325,7 +14664,7 @@
                 <a14:m>
                   <m:oMath xmlns:m="http://schemas.openxmlformats.org/officeDocument/2006/math">
                     <m:r>
-                      <a:rPr kumimoji="0" lang="en-GB" sz="1800" b="0" i="0" u="none" strike="noStrike" kern="1200" cap="none" spc="0" normalizeH="0" baseline="0" noProof="0">
+                      <a:rPr kumimoji="0" lang="en-GB" sz="1800" b="1" i="0" u="none" strike="noStrike" kern="1200" cap="none" spc="0" normalizeH="0" baseline="0" noProof="0">
                         <a:ln>
                           <a:noFill/>
                         </a:ln>
@@ -13335,12 +14674,13 @@
                         <a:effectLst/>
                         <a:uLnTx/>
                         <a:uFillTx/>
+                        <a:latin typeface="Cambria Math" panose="02040503050406030204" pitchFamily="18" charset="0"/>
                       </a:rPr>
-                      <m:t>𝑠</m:t>
+                      <m:t>𝐬</m:t>
                     </m:r>
                   </m:oMath>
                 </a14:m>
-                <a:endParaRPr kumimoji="0" lang="it-IT" sz="1800" b="0" i="0" u="none" strike="noStrike" kern="1200" cap="none" spc="0" normalizeH="0" baseline="0" noProof="0" dirty="0">
+                <a:endParaRPr kumimoji="0" lang="it-IT" sz="1800" b="1" i="0" u="none" strike="noStrike" kern="1200" cap="none" spc="0" normalizeH="0" baseline="0" noProof="0" dirty="0">
                   <a:ln>
                     <a:noFill/>
                   </a:ln>
@@ -13421,7 +14761,7 @@
                     <m:sSub>
                       <m:sSubPr>
                         <m:ctrlPr>
-                          <a:rPr kumimoji="0" lang="en-GB" sz="1800" b="0" i="1" u="none" strike="noStrike" kern="1200" cap="none" spc="0" normalizeH="0" baseline="0" noProof="0" smtClean="0">
+                          <a:rPr kumimoji="0" lang="en-GB" sz="1800" b="1" i="1" u="none" strike="noStrike" kern="1200" cap="none" spc="0" normalizeH="0" baseline="0" noProof="0" smtClean="0">
                             <a:ln>
                               <a:noFill/>
                             </a:ln>
@@ -13431,15 +14771,13 @@
                             <a:effectLst/>
                             <a:uLnTx/>
                             <a:uFillTx/>
+                            <a:latin typeface="Cambria Math" panose="02040503050406030204" pitchFamily="18" charset="0"/>
                           </a:rPr>
                         </m:ctrlPr>
                       </m:sSubPr>
                       <m:e>
                         <m:r>
-                          <m:rPr>
-                            <m:sty m:val="p"/>
-                          </m:rPr>
-                          <a:rPr kumimoji="0" lang="en-GB" sz="1800" b="0" i="0" u="none" strike="noStrike" kern="1200" cap="none" spc="0" normalizeH="0" baseline="0" noProof="0">
+                          <a:rPr kumimoji="0" lang="en-GB" sz="1800" b="1" i="0" u="none" strike="noStrike" kern="1200" cap="none" spc="0" normalizeH="0" baseline="0" noProof="0">
                             <a:ln>
                               <a:noFill/>
                             </a:ln>
@@ -13449,11 +14787,12 @@
                             <a:effectLst/>
                             <a:uLnTx/>
                             <a:uFillTx/>
+                            <a:latin typeface="Cambria Math" panose="02040503050406030204" pitchFamily="18" charset="0"/>
                           </a:rPr>
-                          <m:t>Δ</m:t>
+                          <m:t>𝚫</m:t>
                         </m:r>
                         <m:r>
-                          <a:rPr kumimoji="0" lang="en-GB" sz="1800" b="0" i="0" u="none" strike="noStrike" kern="1200" cap="none" spc="0" normalizeH="0" baseline="0" noProof="0">
+                          <a:rPr kumimoji="0" lang="en-GB" sz="1800" b="1" i="0" u="none" strike="noStrike" kern="1200" cap="none" spc="0" normalizeH="0" baseline="0" noProof="0">
                             <a:ln>
                               <a:noFill/>
                             </a:ln>
@@ -13463,13 +14802,14 @@
                             <a:effectLst/>
                             <a:uLnTx/>
                             <a:uFillTx/>
+                            <a:latin typeface="Cambria Math" panose="02040503050406030204" pitchFamily="18" charset="0"/>
                           </a:rPr>
-                          <m:t>𝑣</m:t>
+                          <m:t>𝐯</m:t>
                         </m:r>
                       </m:e>
                       <m:sub>
                         <m:r>
-                          <a:rPr kumimoji="0" lang="it-IT" sz="1800" b="0" i="1" u="none" strike="noStrike" kern="1200" cap="none" spc="0" normalizeH="0" baseline="0" noProof="0" smtClean="0">
+                          <a:rPr kumimoji="0" lang="it-IT" sz="1800" b="1" i="1" u="none" strike="noStrike" kern="1200" cap="none" spc="0" normalizeH="0" baseline="0" noProof="0" smtClean="0">
                             <a:ln>
                               <a:noFill/>
                             </a:ln>
@@ -13479,13 +14819,14 @@
                             <a:effectLst/>
                             <a:uLnTx/>
                             <a:uFillTx/>
+                            <a:latin typeface="Cambria Math" panose="02040503050406030204" pitchFamily="18" charset="0"/>
                           </a:rPr>
-                          <m:t>2</m:t>
+                          <m:t>𝟐</m:t>
                         </m:r>
                       </m:sub>
                     </m:sSub>
                     <m:r>
-                      <a:rPr kumimoji="0" lang="it-IT" sz="1800" b="0" i="1" u="none" strike="noStrike" kern="1200" cap="none" spc="0" normalizeH="0" baseline="0" noProof="0" smtClean="0">
+                      <a:rPr kumimoji="0" lang="it-IT" sz="1800" b="1" i="1" u="none" strike="noStrike" kern="1200" cap="none" spc="0" normalizeH="0" baseline="0" noProof="0" smtClean="0">
                         <a:ln>
                           <a:noFill/>
                         </a:ln>
@@ -13495,13 +14836,14 @@
                         <a:effectLst/>
                         <a:uLnTx/>
                         <a:uFillTx/>
+                        <a:latin typeface="Cambria Math" panose="02040503050406030204" pitchFamily="18" charset="0"/>
                       </a:rPr>
                       <m:t>= </m:t>
                     </m:r>
                   </m:oMath>
                 </a14:m>
                 <a:r>
-                  <a:rPr kumimoji="0" lang="en-GB" sz="1800" b="0" i="0" u="none" strike="noStrike" kern="1200" cap="none" spc="0" normalizeH="0" baseline="0" noProof="0" dirty="0">
+                  <a:rPr kumimoji="0" lang="en-GB" sz="1800" b="1" i="0" u="none" strike="noStrike" kern="1200" cap="none" spc="0" normalizeH="0" baseline="0" noProof="0" dirty="0">
                     <a:ln>
                       <a:noFill/>
                     </a:ln>
@@ -13519,7 +14861,7 @@
                     <m:f>
                       <m:fPr>
                         <m:ctrlPr>
-                          <a:rPr kumimoji="0" lang="en-GB" sz="1800" b="0" i="1" u="none" strike="noStrike" kern="1200" cap="none" spc="0" normalizeH="0" baseline="0" noProof="0">
+                          <a:rPr kumimoji="0" lang="en-GB" sz="1800" b="1" i="1" u="none" strike="noStrike" kern="1200" cap="none" spc="0" normalizeH="0" baseline="0" noProof="0">
                             <a:ln>
                               <a:noFill/>
                             </a:ln>
@@ -13529,12 +14871,13 @@
                             <a:effectLst/>
                             <a:uLnTx/>
                             <a:uFillTx/>
+                            <a:latin typeface="Cambria Math" panose="02040503050406030204" pitchFamily="18" charset="0"/>
                           </a:rPr>
                         </m:ctrlPr>
                       </m:fPr>
                       <m:num>
                         <m:r>
-                          <a:rPr kumimoji="0" lang="en-GB" sz="1800" b="0" i="0" u="none" strike="noStrike" kern="1200" cap="none" spc="0" normalizeH="0" baseline="0" noProof="0">
+                          <a:rPr kumimoji="0" lang="en-GB" sz="1800" b="1" i="0" u="none" strike="noStrike" kern="1200" cap="none" spc="0" normalizeH="0" baseline="0" noProof="0">
                             <a:ln>
                               <a:noFill/>
                             </a:ln>
@@ -13544,13 +14887,14 @@
                             <a:effectLst/>
                             <a:uLnTx/>
                             <a:uFillTx/>
+                            <a:latin typeface="Cambria Math" panose="02040503050406030204" pitchFamily="18" charset="0"/>
                           </a:rPr>
-                          <m:t>𝑘𝑚</m:t>
+                          <m:t>𝐤𝐦</m:t>
                         </m:r>
                       </m:num>
                       <m:den>
                         <m:r>
-                          <a:rPr kumimoji="0" lang="en-GB" sz="1800" b="0" i="0" u="none" strike="noStrike" kern="1200" cap="none" spc="0" normalizeH="0" baseline="0" noProof="0">
+                          <a:rPr kumimoji="0" lang="en-GB" sz="1800" b="1" i="0" u="none" strike="noStrike" kern="1200" cap="none" spc="0" normalizeH="0" baseline="0" noProof="0">
                             <a:ln>
                               <a:noFill/>
                             </a:ln>
@@ -13560,14 +14904,15 @@
                             <a:effectLst/>
                             <a:uLnTx/>
                             <a:uFillTx/>
+                            <a:latin typeface="Cambria Math" panose="02040503050406030204" pitchFamily="18" charset="0"/>
                           </a:rPr>
-                          <m:t>𝑠</m:t>
+                          <m:t>𝐬</m:t>
                         </m:r>
                       </m:den>
                     </m:f>
                   </m:oMath>
                 </a14:m>
-                <a:endParaRPr kumimoji="0" lang="it-IT" sz="1800" b="0" i="0" u="none" strike="noStrike" kern="1200" cap="none" spc="0" normalizeH="0" baseline="0" noProof="0" dirty="0">
+                <a:endParaRPr kumimoji="0" lang="it-IT" sz="1800" b="1" i="0" u="none" strike="noStrike" kern="1200" cap="none" spc="0" normalizeH="0" baseline="0" noProof="0" dirty="0">
                   <a:ln>
                     <a:noFill/>
                   </a:ln>
@@ -13647,7 +14992,7 @@
                     <m:sSub>
                       <m:sSubPr>
                         <m:ctrlPr>
-                          <a:rPr kumimoji="0" lang="en-GB" sz="1800" b="0" i="1" u="none" strike="noStrike" kern="1200" cap="none" spc="0" normalizeH="0" baseline="0" noProof="0" smtClean="0">
+                          <a:rPr kumimoji="0" lang="en-GB" sz="1800" b="1" i="1" u="none" strike="noStrike" kern="1200" cap="none" spc="0" normalizeH="0" baseline="0" noProof="0" smtClean="0">
                             <a:ln>
                               <a:noFill/>
                             </a:ln>
@@ -13657,12 +15002,13 @@
                             <a:effectLst/>
                             <a:uLnTx/>
                             <a:uFillTx/>
+                            <a:latin typeface="Cambria Math" panose="02040503050406030204" pitchFamily="18" charset="0"/>
                           </a:rPr>
                         </m:ctrlPr>
                       </m:sSubPr>
                       <m:e>
                         <m:r>
-                          <a:rPr kumimoji="0" lang="en-GB" sz="1800" b="0" i="0" u="none" strike="noStrike" kern="1200" cap="none" spc="0" normalizeH="0" baseline="0" noProof="0">
+                          <a:rPr kumimoji="0" lang="en-GB" sz="1800" b="1" i="0" u="none" strike="noStrike" kern="1200" cap="none" spc="0" normalizeH="0" baseline="0" noProof="0">
                             <a:ln>
                               <a:noFill/>
                             </a:ln>
@@ -13672,13 +15018,14 @@
                             <a:effectLst/>
                             <a:uLnTx/>
                             <a:uFillTx/>
+                            <a:latin typeface="Cambria Math" panose="02040503050406030204" pitchFamily="18" charset="0"/>
                           </a:rPr>
-                          <m:t>𝑒</m:t>
+                          <m:t>𝐞</m:t>
                         </m:r>
                       </m:e>
                       <m:sub>
                         <m:r>
-                          <a:rPr kumimoji="0" lang="it-IT" sz="1800" b="0" i="1" u="none" strike="noStrike" kern="1200" cap="none" spc="0" normalizeH="0" baseline="0" noProof="0" smtClean="0">
+                          <a:rPr kumimoji="0" lang="it-IT" sz="1800" b="1" i="1" u="none" strike="noStrike" kern="1200" cap="none" spc="0" normalizeH="0" baseline="0" noProof="0" smtClean="0">
                             <a:ln>
                               <a:noFill/>
                             </a:ln>
@@ -13688,15 +15035,16 @@
                             <a:effectLst/>
                             <a:uLnTx/>
                             <a:uFillTx/>
+                            <a:latin typeface="Cambria Math" panose="02040503050406030204" pitchFamily="18" charset="0"/>
                           </a:rPr>
-                          <m:t>𝑓</m:t>
+                          <m:t>𝒇</m:t>
                         </m:r>
                       </m:sub>
                     </m:sSub>
                   </m:oMath>
                 </a14:m>
                 <a:r>
-                  <a:rPr kumimoji="0" lang="it-IT" sz="1800" b="0" i="0" u="none" strike="noStrike" kern="1200" cap="none" spc="0" normalizeH="0" baseline="0" noProof="0" dirty="0">
+                  <a:rPr kumimoji="0" lang="it-IT" sz="1800" b="1" i="0" u="none" strike="noStrike" kern="1200" cap="none" spc="0" normalizeH="0" baseline="0" noProof="0" dirty="0">
                     <a:ln>
                       <a:noFill/>
                     </a:ln>
@@ -13715,7 +15063,7 @@
                     <m:sSub>
                       <m:sSubPr>
                         <m:ctrlPr>
-                          <a:rPr kumimoji="0" lang="en-GB" sz="1800" b="0" i="1" u="none" strike="noStrike" kern="1200" cap="none" spc="0" normalizeH="0" baseline="0" noProof="0">
+                          <a:rPr kumimoji="0" lang="en-GB" sz="1800" b="1" i="1" u="none" strike="noStrike" kern="1200" cap="none" spc="0" normalizeH="0" baseline="0" noProof="0">
                             <a:ln>
                               <a:noFill/>
                             </a:ln>
@@ -13725,12 +15073,13 @@
                             <a:effectLst/>
                             <a:uLnTx/>
                             <a:uFillTx/>
+                            <a:latin typeface="Cambria Math" panose="02040503050406030204" pitchFamily="18" charset="0"/>
                           </a:rPr>
                         </m:ctrlPr>
                       </m:sSubPr>
                       <m:e>
                         <m:r>
-                          <a:rPr kumimoji="0" lang="it-IT" sz="1800" b="0" i="1" u="none" strike="noStrike" kern="1200" cap="none" spc="0" normalizeH="0" baseline="0" noProof="0" smtClean="0">
+                          <a:rPr kumimoji="0" lang="it-IT" sz="1800" b="1" i="1" u="none" strike="noStrike" kern="1200" cap="none" spc="0" normalizeH="0" baseline="0" noProof="0" smtClean="0">
                             <a:ln>
                               <a:noFill/>
                             </a:ln>
@@ -13740,13 +15089,14 @@
                             <a:effectLst/>
                             <a:uLnTx/>
                             <a:uFillTx/>
+                            <a:latin typeface="Cambria Math" panose="02040503050406030204" pitchFamily="18" charset="0"/>
                           </a:rPr>
-                          <m:t>𝑎</m:t>
+                          <m:t>𝒂</m:t>
                         </m:r>
                       </m:e>
                       <m:sub>
                         <m:r>
-                          <a:rPr kumimoji="0" lang="it-IT" sz="1800" b="0" i="1" u="none" strike="noStrike" kern="1200" cap="none" spc="0" normalizeH="0" baseline="0" noProof="0">
+                          <a:rPr kumimoji="0" lang="it-IT" sz="1800" b="1" i="1" u="none" strike="noStrike" kern="1200" cap="none" spc="0" normalizeH="0" baseline="0" noProof="0">
                             <a:ln>
                               <a:noFill/>
                             </a:ln>
@@ -13756,15 +15106,16 @@
                             <a:effectLst/>
                             <a:uLnTx/>
                             <a:uFillTx/>
+                            <a:latin typeface="Cambria Math" panose="02040503050406030204" pitchFamily="18" charset="0"/>
                           </a:rPr>
-                          <m:t>𝑓</m:t>
+                          <m:t>𝒇</m:t>
                         </m:r>
                       </m:sub>
                     </m:sSub>
                   </m:oMath>
                 </a14:m>
                 <a:r>
-                  <a:rPr kumimoji="0" lang="it-IT" sz="1800" b="0" i="0" u="none" strike="noStrike" kern="1200" cap="none" spc="0" normalizeH="0" baseline="0" noProof="0" dirty="0">
+                  <a:rPr kumimoji="0" lang="it-IT" sz="1800" b="1" i="0" u="none" strike="noStrike" kern="1200" cap="none" spc="0" normalizeH="0" baseline="0" noProof="0" dirty="0">
                     <a:ln>
                       <a:noFill/>
                     </a:ln>
@@ -14136,8 +15487,8 @@
           </a:p>
         </p:txBody>
       </p:sp>
-      <mc:AlternateContent xmlns:mc="http://schemas.openxmlformats.org/markup-compatibility/2006" xmlns:a14="http://schemas.microsoft.com/office/drawing/2010/main">
-        <mc:Choice Requires="a14">
+      <mc:AlternateContent xmlns:mc="http://schemas.openxmlformats.org/markup-compatibility/2006">
+        <mc:Choice xmlns:a14="http://schemas.microsoft.com/office/drawing/2010/main" Requires="a14">
           <p:sp>
             <p:nvSpPr>
               <p:cNvPr id="3" name="Segnaposto contenuto 2">
@@ -14177,7 +15528,7 @@
                   <a:defRPr/>
                 </a:pPr>
                 <a:r>
-                  <a:rPr kumimoji="0" lang="it-IT" sz="1800" b="0" i="0" u="none" strike="noStrike" kern="1200" cap="none" spc="0" normalizeH="0" baseline="0" noProof="0" dirty="0">
+                  <a:rPr kumimoji="0" lang="it-IT" sz="1800" b="1" i="0" u="none" strike="noStrike" kern="1200" cap="none" spc="0" normalizeH="0" baseline="0" noProof="0" dirty="0">
                     <a:ln>
                       <a:noFill/>
                     </a:ln>
@@ -14187,18 +15538,16 @@
                     <a:effectLst/>
                     <a:uLnTx/>
                     <a:uFillTx/>
-                    <a:latin typeface="Times New Roman" panose="02020603050405020304" pitchFamily="18" charset="0"/>
                     <a:ea typeface="Times New Roman" panose="02020603050405020304" pitchFamily="18" charset="0"/>
-                    <a:cs typeface="+mn-cs"/>
                   </a:rPr>
-                  <a:t>Cambio l'inclinazione        </a:t>
+                  <a:t>Cambiare l'inclinazione        </a:t>
                 </a:r>
                 <a14:m>
                   <m:oMath xmlns:m="http://schemas.openxmlformats.org/officeDocument/2006/math">
                     <m:sSub>
                       <m:sSubPr>
                         <m:ctrlPr>
-                          <a:rPr kumimoji="0" lang="en-GB" sz="1800" b="0" i="1" u="none" strike="noStrike" kern="1200" cap="none" spc="0" normalizeH="0" baseline="0" noProof="0" smtClean="0">
+                          <a:rPr kumimoji="0" lang="en-GB" sz="1800" b="1" i="1" u="none" strike="noStrike" kern="1200" cap="none" spc="0" normalizeH="0" baseline="0" noProof="0" smtClean="0">
                             <a:ln>
                               <a:noFill/>
                             </a:ln>
@@ -14208,15 +15557,12 @@
                             <a:effectLst/>
                             <a:uLnTx/>
                             <a:uFillTx/>
-                            <a:latin typeface="Cambria Math" panose="02040503050406030204" pitchFamily="18" charset="0"/>
-                            <a:ea typeface="+mn-ea"/>
-                            <a:cs typeface="+mn-cs"/>
                           </a:rPr>
                         </m:ctrlPr>
                       </m:sSubPr>
                       <m:e>
                         <m:r>
-                          <a:rPr kumimoji="0" lang="it-IT" sz="1800" b="0" i="0" u="none" strike="noStrike" kern="1200" cap="none" spc="0" normalizeH="0" baseline="0" noProof="0" smtClean="0">
+                          <a:rPr kumimoji="0" lang="it-IT" sz="1800" b="1" i="0" u="none" strike="noStrike" kern="1200" cap="none" spc="0" normalizeH="0" baseline="0" noProof="0" smtClean="0">
                             <a:ln>
                               <a:noFill/>
                             </a:ln>
@@ -14226,14 +15572,11 @@
                             <a:effectLst/>
                             <a:uLnTx/>
                             <a:uFillTx/>
-                            <a:latin typeface="Cambria Math" panose="02040503050406030204" pitchFamily="18" charset="0"/>
-                            <a:ea typeface="+mn-ea"/>
-                            <a:cs typeface="+mn-cs"/>
                           </a:rPr>
                           <m:t> </m:t>
                         </m:r>
                         <m:r>
-                          <a:rPr kumimoji="0" lang="it-IT" sz="1800" b="0" i="1" u="none" strike="noStrike" kern="1200" cap="none" spc="0" normalizeH="0" baseline="0" noProof="0" smtClean="0">
+                          <a:rPr kumimoji="0" lang="it-IT" sz="1800" b="1" i="1" u="none" strike="noStrike" kern="1200" cap="none" spc="0" normalizeH="0" baseline="0" noProof="0" smtClean="0">
                             <a:ln>
                               <a:noFill/>
                             </a:ln>
@@ -14243,16 +15586,13 @@
                             <a:effectLst/>
                             <a:uLnTx/>
                             <a:uFillTx/>
-                            <a:latin typeface="Cambria Math" panose="02040503050406030204" pitchFamily="18" charset="0"/>
-                            <a:ea typeface="+mn-ea"/>
-                            <a:cs typeface="+mn-cs"/>
                           </a:rPr>
-                          <m:t>𝑖</m:t>
+                          <m:t>𝒊</m:t>
                         </m:r>
                       </m:e>
                       <m:sub>
                         <m:r>
-                          <a:rPr kumimoji="0" lang="it-IT" sz="1800" b="0" i="1" u="none" strike="noStrike" kern="1200" cap="none" spc="0" normalizeH="0" baseline="0" noProof="0" smtClean="0">
+                          <a:rPr kumimoji="0" lang="it-IT" sz="1800" b="1" i="1" u="none" strike="noStrike" kern="1200" cap="none" spc="0" normalizeH="0" baseline="0" noProof="0" smtClean="0">
                             <a:ln>
                               <a:noFill/>
                             </a:ln>
@@ -14262,18 +15602,15 @@
                             <a:effectLst/>
                             <a:uLnTx/>
                             <a:uFillTx/>
-                            <a:latin typeface="Cambria Math" panose="02040503050406030204" pitchFamily="18" charset="0"/>
-                            <a:ea typeface="+mn-ea"/>
-                            <a:cs typeface="+mn-cs"/>
                           </a:rPr>
-                          <m:t>𝑓</m:t>
+                          <m:t>𝒇</m:t>
                         </m:r>
                       </m:sub>
                     </m:sSub>
                   </m:oMath>
                 </a14:m>
                 <a:r>
-                  <a:rPr kumimoji="0" lang="it-IT" sz="1800" b="0" i="0" u="none" strike="noStrike" kern="1200" cap="none" spc="0" normalizeH="0" baseline="0" noProof="0" dirty="0">
+                  <a:rPr kumimoji="0" lang="it-IT" sz="1800" b="1" i="0" u="none" strike="noStrike" kern="1200" cap="none" spc="0" normalizeH="0" baseline="0" noProof="0" dirty="0">
                     <a:ln>
                       <a:noFill/>
                     </a:ln>
@@ -14283,9 +15620,7 @@
                     <a:effectLst/>
                     <a:uLnTx/>
                     <a:uFillTx/>
-                    <a:latin typeface="Times New Roman" panose="02020603050405020304" pitchFamily="18" charset="0"/>
                     <a:ea typeface="Times New Roman" panose="02020603050405020304" pitchFamily="18" charset="0"/>
-                    <a:cs typeface="+mn-cs"/>
                   </a:rPr>
                   <a:t> </a:t>
                 </a:r>
@@ -14318,9 +15653,7 @@
                   <a:effectLst/>
                   <a:uLnTx/>
                   <a:uFillTx/>
-                  <a:latin typeface="Times New Roman" panose="02020603050405020304" pitchFamily="18" charset="0"/>
                   <a:ea typeface="Times New Roman" panose="02020603050405020304" pitchFamily="18" charset="0"/>
-                  <a:cs typeface="+mn-cs"/>
                 </a:endParaRPr>
               </a:p>
               <a:p>
@@ -14352,9 +15685,7 @@
                     <a:effectLst/>
                     <a:uLnTx/>
                     <a:uFillTx/>
-                    <a:latin typeface="Times New Roman" panose="02020603050405020304" pitchFamily="18" charset="0"/>
                     <a:ea typeface="Times New Roman" panose="02020603050405020304" pitchFamily="18" charset="0"/>
-                    <a:cs typeface="+mn-cs"/>
                   </a:rPr>
                   <a:t>Raggiungere il punto di cambio piano</a:t>
                 </a:r>
@@ -14381,7 +15712,6 @@
                     <a:solidFill>
                       <a:prstClr val="black"/>
                     </a:solidFill>
-                    <a:latin typeface="Times New Roman" panose="02020603050405020304" pitchFamily="18" charset="0"/>
                     <a:ea typeface="Times New Roman" panose="02020603050405020304" pitchFamily="18" charset="0"/>
                   </a:rPr>
                   <a:t>     </a:t>
@@ -14391,7 +15721,7 @@
                     <m:sSub>
                       <m:sSubPr>
                         <m:ctrlPr>
-                          <a:rPr kumimoji="0" lang="en-GB" sz="1800" b="0" i="1" u="none" strike="noStrike" kern="1200" cap="none" spc="0" normalizeH="0" baseline="0" noProof="0" smtClean="0">
+                          <a:rPr kumimoji="0" lang="en-GB" sz="1800" b="1" i="1" u="none" strike="noStrike" kern="1200" cap="none" spc="0" normalizeH="0" baseline="0" noProof="0" smtClean="0">
                             <a:ln>
                               <a:noFill/>
                             </a:ln>
@@ -14401,18 +15731,12 @@
                             <a:effectLst/>
                             <a:uLnTx/>
                             <a:uFillTx/>
-                            <a:latin typeface="Cambria Math" panose="02040503050406030204" pitchFamily="18" charset="0"/>
-                            <a:ea typeface="+mn-ea"/>
-                            <a:cs typeface="+mn-cs"/>
                           </a:rPr>
                         </m:ctrlPr>
                       </m:sSubPr>
                       <m:e>
                         <m:r>
-                          <m:rPr>
-                            <m:sty m:val="p"/>
-                          </m:rPr>
-                          <a:rPr kumimoji="0" lang="en-GB" sz="1800" b="0" i="0" u="none" strike="noStrike" kern="1200" cap="none" spc="0" normalizeH="0" baseline="0" noProof="0">
+                          <a:rPr kumimoji="0" lang="en-GB" sz="1800" b="1" i="0" u="none" strike="noStrike" kern="1200" cap="none" spc="0" normalizeH="0" baseline="0" noProof="0">
                             <a:ln>
                               <a:noFill/>
                             </a:ln>
@@ -14422,14 +15746,11 @@
                             <a:effectLst/>
                             <a:uLnTx/>
                             <a:uFillTx/>
-                            <a:latin typeface="Cambria Math" panose="02040503050406030204" pitchFamily="18" charset="0"/>
-                            <a:ea typeface="+mn-ea"/>
-                            <a:cs typeface="+mn-cs"/>
                           </a:rPr>
-                          <m:t>Δ</m:t>
+                          <m:t>𝚫</m:t>
                         </m:r>
                         <m:r>
-                          <a:rPr kumimoji="0" lang="it-IT" sz="1800" b="0" i="1" u="none" strike="noStrike" kern="1200" cap="none" spc="0" normalizeH="0" baseline="0" noProof="0" smtClean="0">
+                          <a:rPr kumimoji="0" lang="it-IT" sz="1800" b="1" i="1" u="none" strike="noStrike" kern="1200" cap="none" spc="0" normalizeH="0" baseline="0" noProof="0" smtClean="0">
                             <a:ln>
                               <a:noFill/>
                             </a:ln>
@@ -14439,16 +15760,13 @@
                             <a:effectLst/>
                             <a:uLnTx/>
                             <a:uFillTx/>
-                            <a:latin typeface="Cambria Math" panose="02040503050406030204" pitchFamily="18" charset="0"/>
-                            <a:ea typeface="+mn-ea"/>
-                            <a:cs typeface="+mn-cs"/>
                           </a:rPr>
-                          <m:t>𝑡</m:t>
+                          <m:t>𝒕</m:t>
                         </m:r>
                       </m:e>
                       <m:sub>
                         <m:r>
-                          <a:rPr kumimoji="0" lang="it-IT" sz="1800" b="0" i="1" u="none" strike="noStrike" kern="1200" cap="none" spc="0" normalizeH="0" baseline="0" noProof="0" smtClean="0">
+                          <a:rPr kumimoji="0" lang="it-IT" sz="1800" b="1" i="1" u="none" strike="noStrike" kern="1200" cap="none" spc="0" normalizeH="0" baseline="0" noProof="0" smtClean="0">
                             <a:ln>
                               <a:noFill/>
                             </a:ln>
@@ -14458,16 +15776,13 @@
                             <a:effectLst/>
                             <a:uLnTx/>
                             <a:uFillTx/>
-                            <a:latin typeface="Cambria Math" panose="02040503050406030204" pitchFamily="18" charset="0"/>
-                            <a:ea typeface="+mn-ea"/>
-                            <a:cs typeface="+mn-cs"/>
                           </a:rPr>
-                          <m:t>3</m:t>
+                          <m:t>𝟑</m:t>
                         </m:r>
                       </m:sub>
                     </m:sSub>
                     <m:r>
-                      <a:rPr kumimoji="0" lang="it-IT" sz="1800" b="0" i="1" u="none" strike="noStrike" kern="1200" cap="none" spc="0" normalizeH="0" baseline="0" noProof="0" smtClean="0">
+                      <a:rPr kumimoji="0" lang="it-IT" sz="1800" b="1" i="1" u="none" strike="noStrike" kern="1200" cap="none" spc="0" normalizeH="0" baseline="0" noProof="0" smtClean="0">
                         <a:ln>
                           <a:noFill/>
                         </a:ln>
@@ -14477,14 +15792,11 @@
                         <a:effectLst/>
                         <a:uLnTx/>
                         <a:uFillTx/>
-                        <a:latin typeface="Cambria Math" panose="02040503050406030204" pitchFamily="18" charset="0"/>
-                        <a:ea typeface="+mn-ea"/>
-                        <a:cs typeface="+mn-cs"/>
                       </a:rPr>
-                      <m:t>=3122 </m:t>
+                      <m:t>=</m:t>
                     </m:r>
                     <m:r>
-                      <a:rPr kumimoji="0" lang="en-GB" sz="1800" b="0" i="0" u="none" strike="noStrike" kern="1200" cap="none" spc="0" normalizeH="0" baseline="0" noProof="0">
+                      <a:rPr kumimoji="0" lang="it-IT" sz="1800" b="1" i="1" u="none" strike="noStrike" kern="1200" cap="none" spc="0" normalizeH="0" baseline="0" noProof="0" smtClean="0">
                         <a:ln>
                           <a:noFill/>
                         </a:ln>
@@ -14494,15 +15806,40 @@
                         <a:effectLst/>
                         <a:uLnTx/>
                         <a:uFillTx/>
-                        <a:latin typeface="Cambria Math" panose="02040503050406030204" pitchFamily="18" charset="0"/>
-                        <a:ea typeface="+mn-ea"/>
-                        <a:cs typeface="+mn-cs"/>
                       </a:rPr>
-                      <m:t>𝑠</m:t>
+                      <m:t>𝟑𝟏𝟐𝟐</m:t>
+                    </m:r>
+                    <m:r>
+                      <a:rPr kumimoji="0" lang="it-IT" sz="1800" b="1" i="1" u="none" strike="noStrike" kern="1200" cap="none" spc="0" normalizeH="0" baseline="0" noProof="0" smtClean="0">
+                        <a:ln>
+                          <a:noFill/>
+                        </a:ln>
+                        <a:solidFill>
+                          <a:prstClr val="black"/>
+                        </a:solidFill>
+                        <a:effectLst/>
+                        <a:uLnTx/>
+                        <a:uFillTx/>
+                      </a:rPr>
+                      <m:t> </m:t>
+                    </m:r>
+                    <m:r>
+                      <a:rPr kumimoji="0" lang="en-GB" sz="1800" b="1" i="0" u="none" strike="noStrike" kern="1200" cap="none" spc="0" normalizeH="0" baseline="0" noProof="0">
+                        <a:ln>
+                          <a:noFill/>
+                        </a:ln>
+                        <a:solidFill>
+                          <a:prstClr val="black"/>
+                        </a:solidFill>
+                        <a:effectLst/>
+                        <a:uLnTx/>
+                        <a:uFillTx/>
+                      </a:rPr>
+                      <m:t>𝐬</m:t>
                     </m:r>
                   </m:oMath>
                 </a14:m>
-                <a:endParaRPr kumimoji="0" lang="it-IT" sz="1800" b="0" i="0" u="none" strike="noStrike" kern="1200" cap="none" spc="0" normalizeH="0" baseline="0" noProof="0" dirty="0">
+                <a:endParaRPr kumimoji="0" lang="it-IT" sz="1800" b="1" i="0" u="none" strike="noStrike" kern="1200" cap="none" spc="0" normalizeH="0" baseline="0" noProof="0" dirty="0">
                   <a:ln>
                     <a:noFill/>
                   </a:ln>
@@ -14512,9 +15849,7 @@
                   <a:effectLst/>
                   <a:uLnTx/>
                   <a:uFillTx/>
-                  <a:latin typeface="Times New Roman" panose="02020603050405020304" pitchFamily="18" charset="0"/>
                   <a:ea typeface="Times New Roman" panose="02020603050405020304" pitchFamily="18" charset="0"/>
-                  <a:cs typeface="+mn-cs"/>
                 </a:endParaRPr>
               </a:p>
               <a:p>
@@ -14545,9 +15880,7 @@
                   <a:effectLst/>
                   <a:uLnTx/>
                   <a:uFillTx/>
-                  <a:latin typeface="Times New Roman" panose="02020603050405020304" pitchFamily="18" charset="0"/>
                   <a:ea typeface="Times New Roman" panose="02020603050405020304" pitchFamily="18" charset="0"/>
-                  <a:cs typeface="+mn-cs"/>
                 </a:endParaRPr>
               </a:p>
               <a:p>
@@ -14579,9 +15912,7 @@
                     <a:effectLst/>
                     <a:uLnTx/>
                     <a:uFillTx/>
-                    <a:latin typeface="Times New Roman" panose="02020603050405020304" pitchFamily="18" charset="0"/>
                     <a:ea typeface="Times New Roman" panose="02020603050405020304" pitchFamily="18" charset="0"/>
-                    <a:cs typeface="+mn-cs"/>
                   </a:rPr>
                   <a:t>Terzo impulso</a:t>
                 </a:r>
@@ -14596,9 +15927,6 @@
                     <a:effectLst/>
                     <a:uLnTx/>
                     <a:uFillTx/>
-                    <a:latin typeface="Calibri"/>
-                    <a:ea typeface="+mn-ea"/>
-                    <a:cs typeface="+mn-cs"/>
                   </a:rPr>
                   <a:t> </a:t>
                 </a:r>
@@ -14607,7 +15935,7 @@
                     <m:sSub>
                       <m:sSubPr>
                         <m:ctrlPr>
-                          <a:rPr kumimoji="0" lang="en-GB" sz="1800" b="0" i="1" u="none" strike="noStrike" kern="1200" cap="none" spc="0" normalizeH="0" baseline="0" noProof="0" smtClean="0">
+                          <a:rPr kumimoji="0" lang="en-GB" sz="1800" b="1" i="1" u="none" strike="noStrike" kern="1200" cap="none" spc="0" normalizeH="0" baseline="0" noProof="0" smtClean="0">
                             <a:ln>
                               <a:noFill/>
                             </a:ln>
@@ -14617,18 +15945,12 @@
                             <a:effectLst/>
                             <a:uLnTx/>
                             <a:uFillTx/>
-                            <a:latin typeface="Cambria Math" panose="02040503050406030204" pitchFamily="18" charset="0"/>
-                            <a:ea typeface="+mn-ea"/>
-                            <a:cs typeface="+mn-cs"/>
                           </a:rPr>
                         </m:ctrlPr>
                       </m:sSubPr>
                       <m:e>
                         <m:r>
-                          <m:rPr>
-                            <m:sty m:val="p"/>
-                          </m:rPr>
-                          <a:rPr kumimoji="0" lang="en-GB" sz="1800" b="0" i="0" u="none" strike="noStrike" kern="1200" cap="none" spc="0" normalizeH="0" baseline="0" noProof="0">
+                          <a:rPr kumimoji="0" lang="en-GB" sz="1800" b="1" i="0" u="none" strike="noStrike" kern="1200" cap="none" spc="0" normalizeH="0" baseline="0" noProof="0">
                             <a:ln>
                               <a:noFill/>
                             </a:ln>
@@ -14638,14 +15960,11 @@
                             <a:effectLst/>
                             <a:uLnTx/>
                             <a:uFillTx/>
-                            <a:latin typeface="Cambria Math" panose="02040503050406030204" pitchFamily="18" charset="0"/>
-                            <a:ea typeface="+mn-ea"/>
-                            <a:cs typeface="+mn-cs"/>
                           </a:rPr>
-                          <m:t>Δ</m:t>
+                          <m:t>𝚫</m:t>
                         </m:r>
                         <m:r>
-                          <a:rPr kumimoji="0" lang="en-GB" sz="1800" b="0" i="0" u="none" strike="noStrike" kern="1200" cap="none" spc="0" normalizeH="0" baseline="0" noProof="0">
+                          <a:rPr kumimoji="0" lang="en-GB" sz="1800" b="1" i="0" u="none" strike="noStrike" kern="1200" cap="none" spc="0" normalizeH="0" baseline="0" noProof="0">
                             <a:ln>
                               <a:noFill/>
                             </a:ln>
@@ -14655,16 +15974,13 @@
                             <a:effectLst/>
                             <a:uLnTx/>
                             <a:uFillTx/>
-                            <a:latin typeface="Cambria Math" panose="02040503050406030204" pitchFamily="18" charset="0"/>
-                            <a:ea typeface="+mn-ea"/>
-                            <a:cs typeface="+mn-cs"/>
                           </a:rPr>
-                          <m:t>𝑣</m:t>
+                          <m:t>𝐯</m:t>
                         </m:r>
                       </m:e>
                       <m:sub>
                         <m:r>
-                          <a:rPr kumimoji="0" lang="it-IT" sz="1800" b="0" i="1" u="none" strike="noStrike" kern="1200" cap="none" spc="0" normalizeH="0" baseline="0" noProof="0" smtClean="0">
+                          <a:rPr kumimoji="0" lang="it-IT" sz="1800" b="1" i="1" u="none" strike="noStrike" kern="1200" cap="none" spc="0" normalizeH="0" baseline="0" noProof="0" smtClean="0">
                             <a:ln>
                               <a:noFill/>
                             </a:ln>
@@ -14674,16 +15990,13 @@
                             <a:effectLst/>
                             <a:uLnTx/>
                             <a:uFillTx/>
-                            <a:latin typeface="Cambria Math" panose="02040503050406030204" pitchFamily="18" charset="0"/>
-                            <a:ea typeface="+mn-ea"/>
-                            <a:cs typeface="+mn-cs"/>
                           </a:rPr>
-                          <m:t>3</m:t>
+                          <m:t>𝟑</m:t>
                         </m:r>
                       </m:sub>
                     </m:sSub>
                     <m:r>
-                      <a:rPr kumimoji="0" lang="it-IT" sz="1800" b="0" i="1" u="none" strike="noStrike" kern="1200" cap="none" spc="0" normalizeH="0" baseline="0" noProof="0" smtClean="0">
+                      <a:rPr kumimoji="0" lang="it-IT" sz="1800" b="1" i="1" u="none" strike="noStrike" kern="1200" cap="none" spc="0" normalizeH="0" baseline="0" noProof="0" smtClean="0">
                         <a:ln>
                           <a:noFill/>
                         </a:ln>
@@ -14693,16 +16006,13 @@
                         <a:effectLst/>
                         <a:uLnTx/>
                         <a:uFillTx/>
-                        <a:latin typeface="Cambria Math" panose="02040503050406030204" pitchFamily="18" charset="0"/>
-                        <a:ea typeface="+mn-ea"/>
-                        <a:cs typeface="+mn-cs"/>
                       </a:rPr>
                       <m:t>= </m:t>
                     </m:r>
                   </m:oMath>
                 </a14:m>
                 <a:r>
-                  <a:rPr kumimoji="0" lang="en-GB" sz="1800" b="0" i="0" u="none" strike="noStrike" kern="1200" cap="none" spc="0" normalizeH="0" baseline="0" noProof="0" dirty="0">
+                  <a:rPr kumimoji="0" lang="en-GB" sz="1800" b="1" i="0" u="none" strike="noStrike" kern="1200" cap="none" spc="0" normalizeH="0" baseline="0" noProof="0" dirty="0">
                     <a:ln>
                       <a:noFill/>
                     </a:ln>
@@ -14712,9 +16022,6 @@
                     <a:effectLst/>
                     <a:uLnTx/>
                     <a:uFillTx/>
-                    <a:latin typeface="Calibri"/>
-                    <a:ea typeface="+mn-ea"/>
-                    <a:cs typeface="+mn-cs"/>
                   </a:rPr>
                   <a:t>5.1840 </a:t>
                 </a:r>
@@ -14723,7 +16030,7 @@
                     <m:f>
                       <m:fPr>
                         <m:ctrlPr>
-                          <a:rPr kumimoji="0" lang="en-GB" sz="1800" b="0" i="1" u="none" strike="noStrike" kern="1200" cap="none" spc="0" normalizeH="0" baseline="0" noProof="0">
+                          <a:rPr kumimoji="0" lang="en-GB" sz="1800" b="1" i="1" u="none" strike="noStrike" kern="1200" cap="none" spc="0" normalizeH="0" baseline="0" noProof="0">
                             <a:ln>
                               <a:noFill/>
                             </a:ln>
@@ -14733,15 +16040,12 @@
                             <a:effectLst/>
                             <a:uLnTx/>
                             <a:uFillTx/>
-                            <a:latin typeface="Cambria Math" panose="02040503050406030204" pitchFamily="18" charset="0"/>
-                            <a:ea typeface="+mn-ea"/>
-                            <a:cs typeface="+mn-cs"/>
                           </a:rPr>
                         </m:ctrlPr>
                       </m:fPr>
                       <m:num>
                         <m:r>
-                          <a:rPr kumimoji="0" lang="en-GB" sz="1800" b="0" i="0" u="none" strike="noStrike" kern="1200" cap="none" spc="0" normalizeH="0" baseline="0" noProof="0">
+                          <a:rPr kumimoji="0" lang="en-GB" sz="1800" b="1" i="0" u="none" strike="noStrike" kern="1200" cap="none" spc="0" normalizeH="0" baseline="0" noProof="0">
                             <a:ln>
                               <a:noFill/>
                             </a:ln>
@@ -14751,16 +16055,13 @@
                             <a:effectLst/>
                             <a:uLnTx/>
                             <a:uFillTx/>
-                            <a:latin typeface="Cambria Math" panose="02040503050406030204" pitchFamily="18" charset="0"/>
-                            <a:ea typeface="+mn-ea"/>
-                            <a:cs typeface="+mn-cs"/>
                           </a:rPr>
-                          <m:t>𝑘𝑚</m:t>
+                          <m:t>𝐤𝐦</m:t>
                         </m:r>
                       </m:num>
                       <m:den>
                         <m:r>
-                          <a:rPr kumimoji="0" lang="en-GB" sz="1800" b="0" i="0" u="none" strike="noStrike" kern="1200" cap="none" spc="0" normalizeH="0" baseline="0" noProof="0">
+                          <a:rPr kumimoji="0" lang="en-GB" sz="1800" b="1" i="0" u="none" strike="noStrike" kern="1200" cap="none" spc="0" normalizeH="0" baseline="0" noProof="0">
                             <a:ln>
                               <a:noFill/>
                             </a:ln>
@@ -14770,17 +16071,14 @@
                             <a:effectLst/>
                             <a:uLnTx/>
                             <a:uFillTx/>
-                            <a:latin typeface="Cambria Math" panose="02040503050406030204" pitchFamily="18" charset="0"/>
-                            <a:ea typeface="+mn-ea"/>
-                            <a:cs typeface="+mn-cs"/>
                           </a:rPr>
-                          <m:t>𝑠</m:t>
+                          <m:t>𝐬</m:t>
                         </m:r>
                       </m:den>
                     </m:f>
                   </m:oMath>
                 </a14:m>
-                <a:endParaRPr kumimoji="0" lang="it-IT" sz="1800" b="0" i="0" u="none" strike="noStrike" kern="1200" cap="none" spc="0" normalizeH="0" baseline="0" noProof="0" dirty="0">
+                <a:endParaRPr kumimoji="0" lang="it-IT" sz="1800" b="1" i="0" u="none" strike="noStrike" kern="1200" cap="none" spc="0" normalizeH="0" baseline="0" noProof="0" dirty="0">
                   <a:ln>
                     <a:noFill/>
                   </a:ln>
@@ -14790,9 +16088,7 @@
                   <a:effectLst/>
                   <a:uLnTx/>
                   <a:uFillTx/>
-                  <a:latin typeface="Times New Roman" panose="02020603050405020304" pitchFamily="18" charset="0"/>
                   <a:ea typeface="Times New Roman" panose="02020603050405020304" pitchFamily="18" charset="0"/>
-                  <a:cs typeface="+mn-cs"/>
                 </a:endParaRPr>
               </a:p>
               <a:p>
@@ -14823,9 +16119,7 @@
                   <a:effectLst/>
                   <a:uLnTx/>
                   <a:uFillTx/>
-                  <a:latin typeface="Times New Roman" panose="02020603050405020304" pitchFamily="18" charset="0"/>
                   <a:ea typeface="Times New Roman" panose="02020603050405020304" pitchFamily="18" charset="0"/>
-                  <a:cs typeface="+mn-cs"/>
                 </a:endParaRPr>
               </a:p>
               <a:p>
@@ -14857,9 +16151,7 @@
                     <a:effectLst/>
                     <a:uLnTx/>
                     <a:uFillTx/>
-                    <a:latin typeface="Times New Roman" panose="02020603050405020304" pitchFamily="18" charset="0"/>
                     <a:ea typeface="Times New Roman" panose="02020603050405020304" pitchFamily="18" charset="0"/>
-                    <a:cs typeface="+mn-cs"/>
                   </a:rPr>
                   <a:t>Nuova orbita: </a:t>
                 </a:r>
@@ -14868,7 +16160,7 @@
                     <m:sSub>
                       <m:sSubPr>
                         <m:ctrlPr>
-                          <a:rPr kumimoji="0" lang="en-GB" sz="1800" b="0" i="1" u="none" strike="noStrike" kern="1200" cap="none" spc="0" normalizeH="0" baseline="0" noProof="0" smtClean="0">
+                          <a:rPr kumimoji="0" lang="en-GB" sz="1800" b="1" i="1" u="none" strike="noStrike" kern="1200" cap="none" spc="0" normalizeH="0" baseline="0" noProof="0" smtClean="0">
                             <a:ln>
                               <a:noFill/>
                             </a:ln>
@@ -14878,15 +16170,12 @@
                             <a:effectLst/>
                             <a:uLnTx/>
                             <a:uFillTx/>
-                            <a:latin typeface="Cambria Math" panose="02040503050406030204" pitchFamily="18" charset="0"/>
-                            <a:ea typeface="+mn-ea"/>
-                            <a:cs typeface="+mn-cs"/>
                           </a:rPr>
                         </m:ctrlPr>
                       </m:sSubPr>
                       <m:e>
                         <m:r>
-                          <a:rPr kumimoji="0" lang="it-IT" sz="1800" b="0" i="1" u="none" strike="noStrike" kern="1200" cap="none" spc="0" normalizeH="0" baseline="0" noProof="0" smtClean="0">
+                          <a:rPr kumimoji="0" lang="it-IT" sz="1800" b="1" i="1" u="none" strike="noStrike" kern="1200" cap="none" spc="0" normalizeH="0" baseline="0" noProof="0" smtClean="0">
                             <a:ln>
                               <a:noFill/>
                             </a:ln>
@@ -14896,16 +16185,13 @@
                             <a:effectLst/>
                             <a:uLnTx/>
                             <a:uFillTx/>
-                            <a:latin typeface="Cambria Math" panose="02040503050406030204" pitchFamily="18" charset="0"/>
-                            <a:ea typeface="+mn-ea"/>
-                            <a:cs typeface="+mn-cs"/>
                           </a:rPr>
-                          <m:t>𝑖</m:t>
+                          <m:t>𝒊</m:t>
                         </m:r>
                       </m:e>
                       <m:sub>
                         <m:r>
-                          <a:rPr kumimoji="0" lang="it-IT" sz="1800" b="0" i="1" u="none" strike="noStrike" kern="1200" cap="none" spc="0" normalizeH="0" baseline="0" noProof="0" smtClean="0">
+                          <a:rPr kumimoji="0" lang="it-IT" sz="1800" b="1" i="1" u="none" strike="noStrike" kern="1200" cap="none" spc="0" normalizeH="0" baseline="0" noProof="0" smtClean="0">
                             <a:ln>
                               <a:noFill/>
                             </a:ln>
@@ -14915,18 +16201,15 @@
                             <a:effectLst/>
                             <a:uLnTx/>
                             <a:uFillTx/>
-                            <a:latin typeface="Cambria Math" panose="02040503050406030204" pitchFamily="18" charset="0"/>
-                            <a:ea typeface="+mn-ea"/>
-                            <a:cs typeface="+mn-cs"/>
                           </a:rPr>
-                          <m:t>𝑓</m:t>
+                          <m:t>𝒇</m:t>
                         </m:r>
                       </m:sub>
                     </m:sSub>
                   </m:oMath>
                 </a14:m>
                 <a:r>
-                  <a:rPr kumimoji="0" lang="it-IT" sz="1800" b="0" i="0" u="none" strike="noStrike" kern="1200" cap="none" spc="0" normalizeH="0" baseline="0" noProof="0" dirty="0">
+                  <a:rPr kumimoji="0" lang="it-IT" sz="1800" b="1" i="0" u="none" strike="noStrike" kern="1200" cap="none" spc="0" normalizeH="0" baseline="0" noProof="0" dirty="0">
                     <a:ln>
                       <a:noFill/>
                     </a:ln>
@@ -14936,9 +16219,7 @@
                     <a:effectLst/>
                     <a:uLnTx/>
                     <a:uFillTx/>
-                    <a:latin typeface="Times New Roman" panose="02020603050405020304" pitchFamily="18" charset="0"/>
                     <a:ea typeface="Times New Roman" panose="02020603050405020304" pitchFamily="18" charset="0"/>
-                    <a:cs typeface="+mn-cs"/>
                   </a:rPr>
                   <a:t> , </a:t>
                 </a:r>
@@ -14947,7 +16228,7 @@
                     <m:sSub>
                       <m:sSubPr>
                         <m:ctrlPr>
-                          <a:rPr kumimoji="0" lang="en-GB" sz="1800" b="0" i="1" u="none" strike="noStrike" kern="1200" cap="none" spc="0" normalizeH="0" baseline="0" noProof="0">
+                          <a:rPr kumimoji="0" lang="en-GB" sz="1800" b="1" i="1" u="none" strike="noStrike" kern="1200" cap="none" spc="0" normalizeH="0" baseline="0" noProof="0">
                             <a:ln>
                               <a:noFill/>
                             </a:ln>
@@ -14957,18 +16238,12 @@
                             <a:effectLst/>
                             <a:uLnTx/>
                             <a:uFillTx/>
-                            <a:latin typeface="Cambria Math" panose="02040503050406030204" pitchFamily="18" charset="0"/>
-                            <a:ea typeface="+mn-ea"/>
-                            <a:cs typeface="+mn-cs"/>
                           </a:rPr>
                         </m:ctrlPr>
                       </m:sSubPr>
                       <m:e>
                         <m:r>
-                          <m:rPr>
-                            <m:sty m:val="p"/>
-                          </m:rPr>
-                          <a:rPr kumimoji="0" lang="en-GB" sz="1800" b="0" i="0" u="none" strike="noStrike" kern="1200" cap="none" spc="0" normalizeH="0" baseline="0" noProof="0">
+                          <a:rPr kumimoji="0" lang="en-GB" sz="1800" b="1" i="0" u="none" strike="noStrike" kern="1200" cap="none" spc="0" normalizeH="0" baseline="0" noProof="0">
                             <a:ln>
                               <a:noFill/>
                             </a:ln>
@@ -14978,16 +16253,13 @@
                             <a:effectLst/>
                             <a:uLnTx/>
                             <a:uFillTx/>
-                            <a:latin typeface="Cambria Math" panose="02040503050406030204" pitchFamily="18" charset="0"/>
-                            <a:ea typeface="+mn-ea"/>
-                            <a:cs typeface="+mn-cs"/>
                           </a:rPr>
-                          <m:t>Ω</m:t>
+                          <m:t>𝛀</m:t>
                         </m:r>
                       </m:e>
                       <m:sub>
                         <m:r>
-                          <a:rPr kumimoji="0" lang="it-IT" sz="1800" b="0" i="1" u="none" strike="noStrike" kern="1200" cap="none" spc="0" normalizeH="0" baseline="0" noProof="0">
+                          <a:rPr kumimoji="0" lang="it-IT" sz="1800" b="1" i="1" u="none" strike="noStrike" kern="1200" cap="none" spc="0" normalizeH="0" baseline="0" noProof="0">
                             <a:ln>
                               <a:noFill/>
                             </a:ln>
@@ -14997,18 +16269,15 @@
                             <a:effectLst/>
                             <a:uLnTx/>
                             <a:uFillTx/>
-                            <a:latin typeface="Cambria Math" panose="02040503050406030204" pitchFamily="18" charset="0"/>
-                            <a:ea typeface="+mn-ea"/>
-                            <a:cs typeface="+mn-cs"/>
                           </a:rPr>
-                          <m:t>𝑓</m:t>
+                          <m:t>𝒇</m:t>
                         </m:r>
                       </m:sub>
                     </m:sSub>
                   </m:oMath>
                 </a14:m>
                 <a:r>
-                  <a:rPr kumimoji="0" lang="it-IT" sz="1800" b="0" i="0" u="none" strike="noStrike" kern="1200" cap="none" spc="0" normalizeH="0" baseline="0" noProof="0" dirty="0">
+                  <a:rPr kumimoji="0" lang="it-IT" sz="1800" b="1" i="0" u="none" strike="noStrike" kern="1200" cap="none" spc="0" normalizeH="0" baseline="0" noProof="0" dirty="0">
                     <a:ln>
                       <a:noFill/>
                     </a:ln>
@@ -15018,9 +16287,7 @@
                     <a:effectLst/>
                     <a:uLnTx/>
                     <a:uFillTx/>
-                    <a:latin typeface="Times New Roman" panose="02020603050405020304" pitchFamily="18" charset="0"/>
                     <a:ea typeface="Times New Roman" panose="02020603050405020304" pitchFamily="18" charset="0"/>
-                    <a:cs typeface="+mn-cs"/>
                   </a:rPr>
                   <a:t> </a:t>
                 </a:r>
@@ -15034,7 +16301,7 @@
             </p:txBody>
           </p:sp>
         </mc:Choice>
-        <mc:Fallback xmlns="">
+        <mc:Fallback>
           <p:sp>
             <p:nvSpPr>
               <p:cNvPr id="3" name="Segnaposto contenuto 2">
@@ -15055,7 +16322,7 @@
               <a:blipFill>
                 <a:blip r:embed="rId2"/>
                 <a:stretch>
-                  <a:fillRect l="-1059" t="-625"/>
+                  <a:fillRect l="-1059" t="-500"/>
                 </a:stretch>
               </a:blipFill>
             </p:spPr>
@@ -15367,7 +16634,7 @@
                   <a:defRPr/>
                 </a:pPr>
                 <a:r>
-                  <a:rPr kumimoji="0" lang="it-IT" sz="1800" b="0" i="0" u="none" strike="noStrike" kern="1200" cap="none" spc="0" normalizeH="0" baseline="0" noProof="0" dirty="0">
+                  <a:rPr kumimoji="0" lang="it-IT" sz="1800" b="1" i="0" u="none" strike="noStrike" kern="1200" cap="none" spc="0" normalizeH="0" baseline="0" noProof="0" dirty="0">
                     <a:ln>
                       <a:noFill/>
                     </a:ln>
@@ -15384,7 +16651,7 @@
                 <a14:m>
                   <m:oMath xmlns:m="http://schemas.openxmlformats.org/officeDocument/2006/math">
                     <m:r>
-                      <a:rPr kumimoji="0" lang="it-IT" sz="1800" b="0" i="0" u="none" strike="noStrike" kern="1200" cap="none" spc="0" normalizeH="0" baseline="0" noProof="0" smtClean="0">
+                      <a:rPr kumimoji="0" lang="it-IT" sz="1800" b="1" i="0" u="none" strike="noStrike" kern="1200" cap="none" spc="0" normalizeH="0" baseline="0" noProof="0" smtClean="0">
                         <a:ln>
                           <a:noFill/>
                         </a:ln>
@@ -15394,13 +16661,29 @@
                         <a:effectLst/>
                         <a:uLnTx/>
                         <a:uFillTx/>
+                        <a:latin typeface="Cambria Math" panose="02040503050406030204" pitchFamily="18" charset="0"/>
+                      </a:rPr>
+                      <m:t>  </m:t>
+                    </m:r>
+                    <m:r>
+                      <a:rPr kumimoji="0" lang="it-IT" sz="1800" b="1" i="0" u="none" strike="noStrike" kern="1200" cap="none" spc="0" normalizeH="0" baseline="0" noProof="0" smtClean="0">
+                        <a:ln>
+                          <a:noFill/>
+                        </a:ln>
+                        <a:solidFill>
+                          <a:prstClr val="black"/>
+                        </a:solidFill>
+                        <a:effectLst/>
+                        <a:uLnTx/>
+                        <a:uFillTx/>
+                        <a:latin typeface="Cambria Math" panose="02040503050406030204" pitchFamily="18" charset="0"/>
                       </a:rPr>
                       <m:t> </m:t>
                     </m:r>
                     <m:sSub>
                       <m:sSubPr>
                         <m:ctrlPr>
-                          <a:rPr kumimoji="0" lang="en-GB" sz="1800" b="0" i="1" u="none" strike="noStrike" kern="1200" cap="none" spc="0" normalizeH="0" baseline="0" noProof="0" smtClean="0">
+                          <a:rPr kumimoji="0" lang="en-GB" sz="1800" b="1" i="1" u="none" strike="noStrike" kern="1200" cap="none" spc="0" normalizeH="0" baseline="0" noProof="0" smtClean="0">
                             <a:ln>
                               <a:noFill/>
                             </a:ln>
@@ -15410,12 +16693,13 @@
                             <a:effectLst/>
                             <a:uLnTx/>
                             <a:uFillTx/>
+                            <a:latin typeface="Cambria Math" panose="02040503050406030204" pitchFamily="18" charset="0"/>
                           </a:rPr>
                         </m:ctrlPr>
                       </m:sSubPr>
                       <m:e>
                         <m:r>
-                          <a:rPr kumimoji="0" lang="en-GB" sz="1800" b="0" i="0" u="none" strike="noStrike" kern="1200" cap="none" spc="0" normalizeH="0" baseline="0" noProof="0">
+                          <a:rPr kumimoji="0" lang="en-GB" sz="1800" b="1" i="0" u="none" strike="noStrike" kern="1200" cap="none" spc="0" normalizeH="0" baseline="0" noProof="0">
                             <a:ln>
                               <a:noFill/>
                             </a:ln>
@@ -15425,13 +16709,14 @@
                             <a:effectLst/>
                             <a:uLnTx/>
                             <a:uFillTx/>
+                            <a:latin typeface="Cambria Math" panose="02040503050406030204" pitchFamily="18" charset="0"/>
                           </a:rPr>
-                          <m:t>𝜔</m:t>
+                          <m:t>𝛚</m:t>
                         </m:r>
                       </m:e>
                       <m:sub>
                         <m:r>
-                          <a:rPr kumimoji="0" lang="it-IT" sz="1800" b="0" i="1" u="none" strike="noStrike" kern="1200" cap="none" spc="0" normalizeH="0" baseline="0" noProof="0" smtClean="0">
+                          <a:rPr kumimoji="0" lang="it-IT" sz="1800" b="1" i="1" u="none" strike="noStrike" kern="1200" cap="none" spc="0" normalizeH="0" baseline="0" noProof="0" smtClean="0">
                             <a:ln>
                               <a:noFill/>
                             </a:ln>
@@ -15441,14 +16726,15 @@
                             <a:effectLst/>
                             <a:uLnTx/>
                             <a:uFillTx/>
+                            <a:latin typeface="Cambria Math" panose="02040503050406030204" pitchFamily="18" charset="0"/>
                           </a:rPr>
-                          <m:t>𝑓</m:t>
+                          <m:t>𝒇</m:t>
                         </m:r>
                       </m:sub>
                     </m:sSub>
                   </m:oMath>
                 </a14:m>
-                <a:endParaRPr kumimoji="0" lang="it-IT" sz="1800" b="0" i="0" u="none" strike="noStrike" kern="1200" cap="none" spc="0" normalizeH="0" baseline="0" noProof="0" dirty="0">
+                <a:endParaRPr kumimoji="0" lang="it-IT" sz="1800" b="1" i="0" u="none" strike="noStrike" kern="1200" cap="none" spc="0" normalizeH="0" baseline="0" noProof="0" dirty="0">
                   <a:ln>
                     <a:noFill/>
                   </a:ln>
@@ -15523,7 +16809,7 @@
                     <a:uFillTx/>
                     <a:ea typeface="Times New Roman" panose="02020603050405020304" pitchFamily="18" charset="0"/>
                   </a:rPr>
-                  <a:t>Raggiungere punto di cambio anomalia </a:t>
+                  <a:t>Raggiungere il punto di cambio anomalia </a:t>
                 </a:r>
                 <a:endParaRPr lang="it-IT" sz="1800" dirty="0">
                   <a:solidFill>
@@ -15550,7 +16836,7 @@
                   <a:defRPr/>
                 </a:pPr>
                 <a:r>
-                  <a:rPr kumimoji="0" lang="it-IT" sz="1800" b="0" u="none" strike="noStrike" kern="1200" cap="none" spc="0" normalizeH="0" noProof="0" dirty="0">
+                  <a:rPr kumimoji="0" lang="it-IT" sz="1800" b="1" u="none" strike="noStrike" kern="1200" cap="none" spc="0" normalizeH="0" noProof="0" dirty="0">
                     <a:ln>
                       <a:noFill/>
                     </a:ln>
@@ -15568,7 +16854,7 @@
                     <m:sSub>
                       <m:sSubPr>
                         <m:ctrlPr>
-                          <a:rPr kumimoji="0" lang="en-GB" sz="1800" b="0" i="1" u="none" strike="noStrike" kern="1200" cap="none" spc="0" normalizeH="0" baseline="0" noProof="0" smtClean="0">
+                          <a:rPr kumimoji="0" lang="en-GB" sz="1800" b="1" i="1" u="none" strike="noStrike" kern="1200" cap="none" spc="0" normalizeH="0" baseline="0" noProof="0" smtClean="0">
                             <a:ln>
                               <a:noFill/>
                             </a:ln>
@@ -15578,15 +16864,13 @@
                             <a:effectLst/>
                             <a:uLnTx/>
                             <a:uFillTx/>
+                            <a:latin typeface="Cambria Math" panose="02040503050406030204" pitchFamily="18" charset="0"/>
                           </a:rPr>
                         </m:ctrlPr>
                       </m:sSubPr>
                       <m:e>
                         <m:r>
-                          <m:rPr>
-                            <m:sty m:val="p"/>
-                          </m:rPr>
-                          <a:rPr kumimoji="0" lang="en-GB" sz="1800" b="0" i="0" u="none" strike="noStrike" kern="1200" cap="none" spc="0" normalizeH="0" baseline="0" noProof="0">
+                          <a:rPr kumimoji="0" lang="en-GB" sz="1800" b="1" i="0" u="none" strike="noStrike" kern="1200" cap="none" spc="0" normalizeH="0" baseline="0" noProof="0">
                             <a:ln>
                               <a:noFill/>
                             </a:ln>
@@ -15596,11 +16880,12 @@
                             <a:effectLst/>
                             <a:uLnTx/>
                             <a:uFillTx/>
+                            <a:latin typeface="Cambria Math" panose="02040503050406030204" pitchFamily="18" charset="0"/>
                           </a:rPr>
-                          <m:t>Δ</m:t>
+                          <m:t>𝚫</m:t>
                         </m:r>
                         <m:r>
-                          <a:rPr kumimoji="0" lang="it-IT" sz="1800" b="0" i="1" u="none" strike="noStrike" kern="1200" cap="none" spc="0" normalizeH="0" baseline="0" noProof="0" smtClean="0">
+                          <a:rPr kumimoji="0" lang="it-IT" sz="1800" b="1" i="1" u="none" strike="noStrike" kern="1200" cap="none" spc="0" normalizeH="0" baseline="0" noProof="0" smtClean="0">
                             <a:ln>
                               <a:noFill/>
                             </a:ln>
@@ -15610,13 +16895,14 @@
                             <a:effectLst/>
                             <a:uLnTx/>
                             <a:uFillTx/>
+                            <a:latin typeface="Cambria Math" panose="02040503050406030204" pitchFamily="18" charset="0"/>
                           </a:rPr>
-                          <m:t>𝑡</m:t>
+                          <m:t>𝒕</m:t>
                         </m:r>
                       </m:e>
                       <m:sub>
                         <m:r>
-                          <a:rPr kumimoji="0" lang="it-IT" sz="1800" b="0" i="1" u="none" strike="noStrike" kern="1200" cap="none" spc="0" normalizeH="0" baseline="0" noProof="0" smtClean="0">
+                          <a:rPr kumimoji="0" lang="it-IT" sz="1800" b="1" i="1" u="none" strike="noStrike" kern="1200" cap="none" spc="0" normalizeH="0" baseline="0" noProof="0" smtClean="0">
                             <a:ln>
                               <a:noFill/>
                             </a:ln>
@@ -15626,13 +16912,14 @@
                             <a:effectLst/>
                             <a:uLnTx/>
                             <a:uFillTx/>
+                            <a:latin typeface="Cambria Math" panose="02040503050406030204" pitchFamily="18" charset="0"/>
                           </a:rPr>
-                          <m:t>4</m:t>
+                          <m:t>𝟒</m:t>
                         </m:r>
                       </m:sub>
                     </m:sSub>
                     <m:r>
-                      <a:rPr kumimoji="0" lang="it-IT" sz="1800" b="0" i="1" u="none" strike="noStrike" kern="1200" cap="none" spc="0" normalizeH="0" baseline="0" noProof="0" smtClean="0">
+                      <a:rPr kumimoji="0" lang="it-IT" sz="1800" b="1" i="1" u="none" strike="noStrike" kern="1200" cap="none" spc="0" normalizeH="0" baseline="0" noProof="0" smtClean="0">
                         <a:ln>
                           <a:noFill/>
                         </a:ln>
@@ -15642,11 +16929,12 @@
                         <a:effectLst/>
                         <a:uLnTx/>
                         <a:uFillTx/>
+                        <a:latin typeface="Cambria Math" panose="02040503050406030204" pitchFamily="18" charset="0"/>
                       </a:rPr>
-                      <m:t>=2777 </m:t>
+                      <m:t>=</m:t>
                     </m:r>
                     <m:r>
-                      <a:rPr kumimoji="0" lang="en-GB" sz="1800" b="0" i="0" u="none" strike="noStrike" kern="1200" cap="none" spc="0" normalizeH="0" baseline="0" noProof="0">
+                      <a:rPr kumimoji="0" lang="it-IT" sz="1800" b="1" i="1" u="none" strike="noStrike" kern="1200" cap="none" spc="0" normalizeH="0" baseline="0" noProof="0" smtClean="0">
                         <a:ln>
                           <a:noFill/>
                         </a:ln>
@@ -15656,12 +16944,43 @@
                         <a:effectLst/>
                         <a:uLnTx/>
                         <a:uFillTx/>
+                        <a:latin typeface="Cambria Math" panose="02040503050406030204" pitchFamily="18" charset="0"/>
                       </a:rPr>
-                      <m:t>𝑠</m:t>
+                      <m:t>𝟐𝟕𝟕𝟕</m:t>
+                    </m:r>
+                    <m:r>
+                      <a:rPr kumimoji="0" lang="it-IT" sz="1800" b="1" i="1" u="none" strike="noStrike" kern="1200" cap="none" spc="0" normalizeH="0" baseline="0" noProof="0" smtClean="0">
+                        <a:ln>
+                          <a:noFill/>
+                        </a:ln>
+                        <a:solidFill>
+                          <a:prstClr val="black"/>
+                        </a:solidFill>
+                        <a:effectLst/>
+                        <a:uLnTx/>
+                        <a:uFillTx/>
+                        <a:latin typeface="Cambria Math" panose="02040503050406030204" pitchFamily="18" charset="0"/>
+                      </a:rPr>
+                      <m:t> </m:t>
+                    </m:r>
+                    <m:r>
+                      <a:rPr kumimoji="0" lang="en-GB" sz="1800" b="1" i="0" u="none" strike="noStrike" kern="1200" cap="none" spc="0" normalizeH="0" baseline="0" noProof="0">
+                        <a:ln>
+                          <a:noFill/>
+                        </a:ln>
+                        <a:solidFill>
+                          <a:prstClr val="black"/>
+                        </a:solidFill>
+                        <a:effectLst/>
+                        <a:uLnTx/>
+                        <a:uFillTx/>
+                        <a:latin typeface="Cambria Math" panose="02040503050406030204" pitchFamily="18" charset="0"/>
+                      </a:rPr>
+                      <m:t>𝐬</m:t>
                     </m:r>
                   </m:oMath>
                 </a14:m>
-                <a:endParaRPr kumimoji="0" lang="it-IT" sz="1800" b="0" i="0" u="none" strike="noStrike" kern="1200" cap="none" spc="0" normalizeH="0" baseline="0" noProof="0" dirty="0">
+                <a:endParaRPr kumimoji="0" lang="it-IT" sz="1800" b="1" i="0" u="none" strike="noStrike" kern="1200" cap="none" spc="0" normalizeH="0" baseline="0" noProof="0" dirty="0">
                   <a:ln>
                     <a:noFill/>
                   </a:ln>
@@ -15743,7 +17062,7 @@
                     <m:sSub>
                       <m:sSubPr>
                         <m:ctrlPr>
-                          <a:rPr kumimoji="0" lang="en-GB" sz="1800" b="0" i="1" u="none" strike="noStrike" kern="1200" cap="none" spc="0" normalizeH="0" baseline="0" noProof="0" smtClean="0">
+                          <a:rPr kumimoji="0" lang="en-GB" sz="1800" b="1" i="1" u="none" strike="noStrike" kern="1200" cap="none" spc="0" normalizeH="0" baseline="0" noProof="0" smtClean="0">
                             <a:ln>
                               <a:noFill/>
                             </a:ln>
@@ -15753,15 +17072,13 @@
                             <a:effectLst/>
                             <a:uLnTx/>
                             <a:uFillTx/>
+                            <a:latin typeface="Cambria Math" panose="02040503050406030204" pitchFamily="18" charset="0"/>
                           </a:rPr>
                         </m:ctrlPr>
                       </m:sSubPr>
                       <m:e>
                         <m:r>
-                          <m:rPr>
-                            <m:sty m:val="p"/>
-                          </m:rPr>
-                          <a:rPr kumimoji="0" lang="en-GB" sz="1800" b="0" i="0" u="none" strike="noStrike" kern="1200" cap="none" spc="0" normalizeH="0" baseline="0" noProof="0">
+                          <a:rPr kumimoji="0" lang="en-GB" sz="1800" b="1" i="0" u="none" strike="noStrike" kern="1200" cap="none" spc="0" normalizeH="0" baseline="0" noProof="0">
                             <a:ln>
                               <a:noFill/>
                             </a:ln>
@@ -15771,11 +17088,12 @@
                             <a:effectLst/>
                             <a:uLnTx/>
                             <a:uFillTx/>
+                            <a:latin typeface="Cambria Math" panose="02040503050406030204" pitchFamily="18" charset="0"/>
                           </a:rPr>
-                          <m:t>Δ</m:t>
+                          <m:t>𝚫</m:t>
                         </m:r>
                         <m:r>
-                          <a:rPr kumimoji="0" lang="en-GB" sz="1800" b="0" i="0" u="none" strike="noStrike" kern="1200" cap="none" spc="0" normalizeH="0" baseline="0" noProof="0">
+                          <a:rPr kumimoji="0" lang="en-GB" sz="1800" b="1" i="0" u="none" strike="noStrike" kern="1200" cap="none" spc="0" normalizeH="0" baseline="0" noProof="0">
                             <a:ln>
                               <a:noFill/>
                             </a:ln>
@@ -15785,13 +17103,14 @@
                             <a:effectLst/>
                             <a:uLnTx/>
                             <a:uFillTx/>
+                            <a:latin typeface="Cambria Math" panose="02040503050406030204" pitchFamily="18" charset="0"/>
                           </a:rPr>
-                          <m:t>𝑣</m:t>
+                          <m:t>𝐯</m:t>
                         </m:r>
                       </m:e>
                       <m:sub>
                         <m:r>
-                          <a:rPr kumimoji="0" lang="it-IT" sz="1800" b="0" i="1" u="none" strike="noStrike" kern="1200" cap="none" spc="0" normalizeH="0" baseline="0" noProof="0" smtClean="0">
+                          <a:rPr kumimoji="0" lang="it-IT" sz="1800" b="1" i="1" u="none" strike="noStrike" kern="1200" cap="none" spc="0" normalizeH="0" baseline="0" noProof="0" smtClean="0">
                             <a:ln>
                               <a:noFill/>
                             </a:ln>
@@ -15801,13 +17120,14 @@
                             <a:effectLst/>
                             <a:uLnTx/>
                             <a:uFillTx/>
+                            <a:latin typeface="Cambria Math" panose="02040503050406030204" pitchFamily="18" charset="0"/>
                           </a:rPr>
-                          <m:t>3</m:t>
+                          <m:t>𝟑</m:t>
                         </m:r>
                       </m:sub>
                     </m:sSub>
                     <m:r>
-                      <a:rPr kumimoji="0" lang="it-IT" sz="1800" b="0" i="1" u="none" strike="noStrike" kern="1200" cap="none" spc="0" normalizeH="0" baseline="0" noProof="0" smtClean="0">
+                      <a:rPr kumimoji="0" lang="it-IT" sz="1800" b="1" i="1" u="none" strike="noStrike" kern="1200" cap="none" spc="0" normalizeH="0" baseline="0" noProof="0" smtClean="0">
                         <a:ln>
                           <a:noFill/>
                         </a:ln>
@@ -15817,6 +17137,7 @@
                         <a:effectLst/>
                         <a:uLnTx/>
                         <a:uFillTx/>
+                        <a:latin typeface="Cambria Math" panose="02040503050406030204" pitchFamily="18" charset="0"/>
                       </a:rPr>
                       <m:t>=</m:t>
                     </m:r>
@@ -15824,7 +17145,7 @@
                       <m:rPr>
                         <m:nor/>
                       </m:rPr>
-                      <a:rPr kumimoji="0" lang="en-GB" sz="1800" b="0" i="0" u="none" strike="noStrike" kern="1200" cap="none" spc="0" normalizeH="0" baseline="0" noProof="0" dirty="0">
+                      <a:rPr kumimoji="0" lang="en-GB" sz="1800" b="1" i="0" u="none" strike="noStrike" kern="1200" cap="none" spc="0" normalizeH="0" baseline="0" noProof="0" dirty="0">
                         <a:ln>
                           <a:noFill/>
                         </a:ln>
@@ -15840,7 +17161,7 @@
                     <m:f>
                       <m:fPr>
                         <m:ctrlPr>
-                          <a:rPr kumimoji="0" lang="en-GB" sz="1800" b="0" i="1" u="none" strike="noStrike" kern="1200" cap="none" spc="0" normalizeH="0" baseline="0" noProof="0">
+                          <a:rPr kumimoji="0" lang="en-GB" sz="1800" b="1" i="1" u="none" strike="noStrike" kern="1200" cap="none" spc="0" normalizeH="0" baseline="0" noProof="0">
                             <a:ln>
                               <a:noFill/>
                             </a:ln>
@@ -15850,12 +17171,13 @@
                             <a:effectLst/>
                             <a:uLnTx/>
                             <a:uFillTx/>
+                            <a:latin typeface="Cambria Math" panose="02040503050406030204" pitchFamily="18" charset="0"/>
                           </a:rPr>
                         </m:ctrlPr>
                       </m:fPr>
                       <m:num>
                         <m:r>
-                          <a:rPr kumimoji="0" lang="en-GB" sz="1800" b="0" i="0" u="none" strike="noStrike" kern="1200" cap="none" spc="0" normalizeH="0" baseline="0" noProof="0">
+                          <a:rPr kumimoji="0" lang="en-GB" sz="1800" b="1" i="0" u="none" strike="noStrike" kern="1200" cap="none" spc="0" normalizeH="0" baseline="0" noProof="0">
                             <a:ln>
                               <a:noFill/>
                             </a:ln>
@@ -15865,13 +17187,14 @@
                             <a:effectLst/>
                             <a:uLnTx/>
                             <a:uFillTx/>
+                            <a:latin typeface="Cambria Math" panose="02040503050406030204" pitchFamily="18" charset="0"/>
                           </a:rPr>
-                          <m:t>𝑘𝑚</m:t>
+                          <m:t>𝐤𝐦</m:t>
                         </m:r>
                       </m:num>
                       <m:den>
                         <m:r>
-                          <a:rPr kumimoji="0" lang="en-GB" sz="1800" b="0" i="0" u="none" strike="noStrike" kern="1200" cap="none" spc="0" normalizeH="0" baseline="0" noProof="0">
+                          <a:rPr kumimoji="0" lang="en-GB" sz="1800" b="1" i="0" u="none" strike="noStrike" kern="1200" cap="none" spc="0" normalizeH="0" baseline="0" noProof="0">
                             <a:ln>
                               <a:noFill/>
                             </a:ln>
@@ -15881,14 +17204,15 @@
                             <a:effectLst/>
                             <a:uLnTx/>
                             <a:uFillTx/>
+                            <a:latin typeface="Cambria Math" panose="02040503050406030204" pitchFamily="18" charset="0"/>
                           </a:rPr>
-                          <m:t>𝑠</m:t>
+                          <m:t>𝐬</m:t>
                         </m:r>
                       </m:den>
                     </m:f>
                   </m:oMath>
                 </a14:m>
-                <a:endParaRPr kumimoji="0" lang="it-IT" sz="1800" b="0" i="0" u="none" strike="noStrike" kern="1200" cap="none" spc="0" normalizeH="0" baseline="0" noProof="0" dirty="0">
+                <a:endParaRPr kumimoji="0" lang="it-IT" sz="1800" b="1" i="0" u="none" strike="noStrike" kern="1200" cap="none" spc="0" normalizeH="0" baseline="0" noProof="0" dirty="0">
                   <a:ln>
                     <a:noFill/>
                   </a:ln>
@@ -15970,7 +17294,7 @@
                     <m:sSub>
                       <m:sSubPr>
                         <m:ctrlPr>
-                          <a:rPr kumimoji="0" lang="en-GB" sz="1800" b="0" i="1" u="none" strike="noStrike" kern="1200" cap="none" spc="0" normalizeH="0" baseline="0" noProof="0" smtClean="0">
+                          <a:rPr kumimoji="0" lang="en-GB" sz="1800" b="1" i="1" u="none" strike="noStrike" kern="1200" cap="none" spc="0" normalizeH="0" baseline="0" noProof="0" smtClean="0">
                             <a:ln>
                               <a:noFill/>
                             </a:ln>
@@ -15980,12 +17304,13 @@
                             <a:effectLst/>
                             <a:uLnTx/>
                             <a:uFillTx/>
+                            <a:latin typeface="Cambria Math" panose="02040503050406030204" pitchFamily="18" charset="0"/>
                           </a:rPr>
                         </m:ctrlPr>
                       </m:sSubPr>
                       <m:e>
                         <m:r>
-                          <a:rPr kumimoji="0" lang="en-GB" sz="1800" b="0" i="0" u="none" strike="noStrike" kern="1200" cap="none" spc="0" normalizeH="0" baseline="0" noProof="0">
+                          <a:rPr kumimoji="0" lang="en-GB" sz="1800" b="1" i="0" u="none" strike="noStrike" kern="1200" cap="none" spc="0" normalizeH="0" baseline="0" noProof="0">
                             <a:ln>
                               <a:noFill/>
                             </a:ln>
@@ -15995,13 +17320,14 @@
                             <a:effectLst/>
                             <a:uLnTx/>
                             <a:uFillTx/>
+                            <a:latin typeface="Cambria Math" panose="02040503050406030204" pitchFamily="18" charset="0"/>
                           </a:rPr>
-                          <m:t>𝜔</m:t>
+                          <m:t>𝛚</m:t>
                         </m:r>
                       </m:e>
                       <m:sub>
                         <m:r>
-                          <a:rPr kumimoji="0" lang="it-IT" sz="1800" b="0" i="1" u="none" strike="noStrike" kern="1200" cap="none" spc="0" normalizeH="0" baseline="0" noProof="0" smtClean="0">
+                          <a:rPr kumimoji="0" lang="it-IT" sz="1800" b="1" i="1" u="none" strike="noStrike" kern="1200" cap="none" spc="0" normalizeH="0" baseline="0" noProof="0" smtClean="0">
                             <a:ln>
                               <a:noFill/>
                             </a:ln>
@@ -16011,14 +17337,15 @@
                             <a:effectLst/>
                             <a:uLnTx/>
                             <a:uFillTx/>
+                            <a:latin typeface="Cambria Math" panose="02040503050406030204" pitchFamily="18" charset="0"/>
                           </a:rPr>
-                          <m:t>𝑓</m:t>
+                          <m:t>𝒇</m:t>
                         </m:r>
                       </m:sub>
                     </m:sSub>
                   </m:oMath>
                 </a14:m>
-                <a:endParaRPr kumimoji="0" lang="it-IT" sz="1800" b="0" i="0" u="none" strike="noStrike" kern="1200" cap="none" spc="0" normalizeH="0" baseline="0" noProof="0" dirty="0">
+                <a:endParaRPr kumimoji="0" lang="it-IT" sz="1800" b="1" i="0" u="none" strike="noStrike" kern="1200" cap="none" spc="0" normalizeH="0" baseline="0" noProof="0" dirty="0">
                   <a:ln>
                     <a:noFill/>
                   </a:ln>
@@ -16093,7 +17420,7 @@
                     <a:uFillTx/>
                     <a:ea typeface="Times New Roman" panose="02020603050405020304" pitchFamily="18" charset="0"/>
                   </a:rPr>
-                  <a:t>Raggiungo la posizione finale</a:t>
+                  <a:t>Raggiungere la posizione finale</a:t>
                 </a:r>
                 <a:r>
                   <a:rPr kumimoji="0" lang="en-GB" sz="1800" b="0" i="0" u="none" strike="noStrike" kern="1200" cap="none" spc="0" normalizeH="0" baseline="0" noProof="0" dirty="0">
@@ -16114,7 +17441,7 @@
                     <m:sSub>
                       <m:sSubPr>
                         <m:ctrlPr>
-                          <a:rPr kumimoji="0" lang="en-GB" sz="1800" b="0" i="1" u="none" strike="noStrike" kern="1200" cap="none" spc="0" normalizeH="0" baseline="0" noProof="0">
+                          <a:rPr kumimoji="0" lang="en-GB" sz="1800" b="1" i="1" u="none" strike="noStrike" kern="1200" cap="none" spc="0" normalizeH="0" baseline="0" noProof="0">
                             <a:ln>
                               <a:noFill/>
                             </a:ln>
@@ -16124,12 +17451,13 @@
                             <a:effectLst/>
                             <a:uLnTx/>
                             <a:uFillTx/>
+                            <a:latin typeface="Cambria Math" panose="02040503050406030204" pitchFamily="18" charset="0"/>
                           </a:rPr>
                         </m:ctrlPr>
                       </m:sSubPr>
                       <m:e>
                         <m:r>
-                          <a:rPr kumimoji="0" lang="en-GB" sz="1800" b="0" i="0" u="none" strike="noStrike" kern="1200" cap="none" spc="0" normalizeH="0" baseline="0" noProof="0">
+                          <a:rPr kumimoji="0" lang="en-GB" sz="1800" b="1" i="0" u="none" strike="noStrike" kern="1200" cap="none" spc="0" normalizeH="0" baseline="0" noProof="0">
                             <a:ln>
                               <a:noFill/>
                             </a:ln>
@@ -16139,13 +17467,14 @@
                             <a:effectLst/>
                             <a:uLnTx/>
                             <a:uFillTx/>
+                            <a:latin typeface="Cambria Math" panose="02040503050406030204" pitchFamily="18" charset="0"/>
                           </a:rPr>
-                          <m:t>𝜃</m:t>
+                          <m:t>𝛉</m:t>
                         </m:r>
                       </m:e>
                       <m:sub>
                         <m:r>
-                          <a:rPr kumimoji="0" lang="it-IT" sz="1800" b="0" i="1" u="none" strike="noStrike" kern="1200" cap="none" spc="0" normalizeH="0" baseline="0" noProof="0">
+                          <a:rPr kumimoji="0" lang="it-IT" sz="1800" b="1" i="1" u="none" strike="noStrike" kern="1200" cap="none" spc="0" normalizeH="0" baseline="0" noProof="0">
                             <a:ln>
                               <a:noFill/>
                             </a:ln>
@@ -16155,15 +17484,64 @@
                             <a:effectLst/>
                             <a:uLnTx/>
                             <a:uFillTx/>
+                            <a:latin typeface="Cambria Math" panose="02040503050406030204" pitchFamily="18" charset="0"/>
                           </a:rPr>
-                          <m:t>𝑓</m:t>
+                          <m:t>𝒇</m:t>
                         </m:r>
                       </m:sub>
                     </m:sSub>
+                  </m:oMath>
+                </a14:m>
+                <a:endParaRPr kumimoji="0" lang="it-IT" sz="1800" b="1" i="1" u="none" strike="noStrike" kern="1200" cap="none" spc="0" normalizeH="0" baseline="0" noProof="0" dirty="0">
+                  <a:ln>
+                    <a:noFill/>
+                  </a:ln>
+                  <a:solidFill>
+                    <a:prstClr val="black"/>
+                  </a:solidFill>
+                  <a:effectLst/>
+                  <a:uLnTx/>
+                  <a:uFillTx/>
+                  <a:latin typeface="Cambria Math" panose="02040503050406030204" pitchFamily="18" charset="0"/>
+                </a:endParaRPr>
+              </a:p>
+              <a:p>
+                <a:pPr marL="0" marR="0" lvl="0" indent="0" algn="l" defTabSz="914400" rtl="0" eaLnBrk="1" fontAlgn="auto" latinLnBrk="0" hangingPunct="1">
+                  <a:lnSpc>
+                    <a:spcPct val="100000"/>
+                  </a:lnSpc>
+                  <a:spcBef>
+                    <a:spcPts val="0"/>
+                  </a:spcBef>
+                  <a:spcAft>
+                    <a:spcPts val="0"/>
+                  </a:spcAft>
+                  <a:buClrTx/>
+                  <a:buSzTx/>
+                  <a:buNone/>
+                  <a:tabLst/>
+                  <a:defRPr/>
+                </a:pPr>
+                <a:r>
+                  <a:rPr kumimoji="0" lang="en-GB" sz="1800" b="1" u="none" strike="noStrike" kern="1200" cap="none" spc="0" normalizeH="0" baseline="0" noProof="0" dirty="0">
+                    <a:ln>
+                      <a:noFill/>
+                    </a:ln>
+                    <a:solidFill>
+                      <a:prstClr val="black"/>
+                    </a:solidFill>
+                    <a:effectLst/>
+                    <a:uLnTx/>
+                    <a:uFillTx/>
+                  </a:rPr>
+                  <a:t>    </a:t>
+                </a:r>
+                <a14:m>
+                  <m:oMath xmlns:m="http://schemas.openxmlformats.org/officeDocument/2006/math">
                     <m:sSub>
                       <m:sSubPr>
                         <m:ctrlPr>
-                          <a:rPr kumimoji="0" lang="en-GB" sz="1800" b="0" i="1" u="none" strike="noStrike" kern="1200" cap="none" spc="0" normalizeH="0" baseline="0" noProof="0">
+                          <a:rPr kumimoji="0" lang="en-GB" sz="1800" b="1" i="1" u="none" strike="noStrike" kern="1200" cap="none" spc="0" normalizeH="0" baseline="0" noProof="0">
                             <a:ln>
                               <a:noFill/>
                             </a:ln>
@@ -16173,12 +17551,13 @@
                             <a:effectLst/>
                             <a:uLnTx/>
                             <a:uFillTx/>
+                            <a:latin typeface="Cambria Math" panose="02040503050406030204" pitchFamily="18" charset="0"/>
                           </a:rPr>
                         </m:ctrlPr>
                       </m:sSubPr>
                       <m:e>
                         <m:r>
-                          <a:rPr kumimoji="0" lang="it-IT" sz="1800" b="0" i="0" u="none" strike="noStrike" kern="1200" cap="none" spc="0" normalizeH="0" baseline="0" noProof="0">
+                          <a:rPr kumimoji="0" lang="it-IT" sz="1800" b="1" i="0" u="none" strike="noStrike" kern="1200" cap="none" spc="0" normalizeH="0" baseline="0" noProof="0">
                             <a:ln>
                               <a:noFill/>
                             </a:ln>
@@ -16188,14 +17567,12 @@
                             <a:effectLst/>
                             <a:uLnTx/>
                             <a:uFillTx/>
+                            <a:latin typeface="Cambria Math" panose="02040503050406030204" pitchFamily="18" charset="0"/>
                           </a:rPr>
                           <m:t>  </m:t>
                         </m:r>
                         <m:r>
-                          <m:rPr>
-                            <m:sty m:val="p"/>
-                          </m:rPr>
-                          <a:rPr kumimoji="0" lang="en-GB" sz="1800" b="0" i="0" u="none" strike="noStrike" kern="1200" cap="none" spc="0" normalizeH="0" baseline="0" noProof="0">
+                          <a:rPr kumimoji="0" lang="en-GB" sz="1800" b="1" i="0" u="none" strike="noStrike" kern="1200" cap="none" spc="0" normalizeH="0" baseline="0" noProof="0">
                             <a:ln>
                               <a:noFill/>
                             </a:ln>
@@ -16205,11 +17582,12 @@
                             <a:effectLst/>
                             <a:uLnTx/>
                             <a:uFillTx/>
+                            <a:latin typeface="Cambria Math" panose="02040503050406030204" pitchFamily="18" charset="0"/>
                           </a:rPr>
-                          <m:t>Δ</m:t>
+                          <m:t>𝚫</m:t>
                         </m:r>
                         <m:r>
-                          <a:rPr kumimoji="0" lang="it-IT" sz="1800" b="0" i="1" u="none" strike="noStrike" kern="1200" cap="none" spc="0" normalizeH="0" baseline="0" noProof="0">
+                          <a:rPr kumimoji="0" lang="it-IT" sz="1800" b="1" i="1" u="none" strike="noStrike" kern="1200" cap="none" spc="0" normalizeH="0" baseline="0" noProof="0">
                             <a:ln>
                               <a:noFill/>
                             </a:ln>
@@ -16219,13 +17597,14 @@
                             <a:effectLst/>
                             <a:uLnTx/>
                             <a:uFillTx/>
+                            <a:latin typeface="Cambria Math" panose="02040503050406030204" pitchFamily="18" charset="0"/>
                           </a:rPr>
-                          <m:t>𝑡</m:t>
+                          <m:t>𝒕</m:t>
                         </m:r>
                       </m:e>
                       <m:sub>
                         <m:r>
-                          <a:rPr kumimoji="0" lang="it-IT" sz="1800" b="0" i="1" u="none" strike="noStrike" kern="1200" cap="none" spc="0" normalizeH="0" baseline="0" noProof="0" smtClean="0">
+                          <a:rPr kumimoji="0" lang="it-IT" sz="1800" b="1" i="1" u="none" strike="noStrike" kern="1200" cap="none" spc="0" normalizeH="0" baseline="0" noProof="0" smtClean="0">
                             <a:ln>
                               <a:noFill/>
                             </a:ln>
@@ -16235,13 +17614,14 @@
                             <a:effectLst/>
                             <a:uLnTx/>
                             <a:uFillTx/>
+                            <a:latin typeface="Cambria Math" panose="02040503050406030204" pitchFamily="18" charset="0"/>
                           </a:rPr>
-                          <m:t>5</m:t>
+                          <m:t>𝟓</m:t>
                         </m:r>
                       </m:sub>
                     </m:sSub>
                     <m:r>
-                      <a:rPr kumimoji="0" lang="it-IT" sz="1800" b="0" i="1" u="none" strike="noStrike" kern="1200" cap="none" spc="0" normalizeH="0" baseline="0" noProof="0">
+                      <a:rPr kumimoji="0" lang="it-IT" sz="1800" b="1" i="1" u="none" strike="noStrike" kern="1200" cap="none" spc="0" normalizeH="0" baseline="0" noProof="0">
                         <a:ln>
                           <a:noFill/>
                         </a:ln>
@@ -16251,11 +17631,12 @@
                         <a:effectLst/>
                         <a:uLnTx/>
                         <a:uFillTx/>
+                        <a:latin typeface="Cambria Math" panose="02040503050406030204" pitchFamily="18" charset="0"/>
                       </a:rPr>
                       <m:t>=</m:t>
                     </m:r>
                     <m:r>
-                      <a:rPr kumimoji="0" lang="it-IT" sz="1800" b="0" i="1" u="none" strike="noStrike" kern="1200" cap="none" spc="0" normalizeH="0" baseline="0" noProof="0" smtClean="0">
+                      <a:rPr kumimoji="0" lang="it-IT" sz="1800" b="1" i="1" u="none" strike="noStrike" kern="1200" cap="none" spc="0" normalizeH="0" baseline="0" noProof="0" smtClean="0">
                         <a:ln>
                           <a:noFill/>
                         </a:ln>
@@ -16265,11 +17646,12 @@
                         <a:effectLst/>
                         <a:uLnTx/>
                         <a:uFillTx/>
+                        <a:latin typeface="Cambria Math" panose="02040503050406030204" pitchFamily="18" charset="0"/>
                       </a:rPr>
-                      <m:t>631</m:t>
+                      <m:t>𝟔𝟑𝟏</m:t>
                     </m:r>
                     <m:r>
-                      <a:rPr kumimoji="0" lang="it-IT" sz="1800" b="0" i="1" u="none" strike="noStrike" kern="1200" cap="none" spc="0" normalizeH="0" baseline="0" noProof="0">
+                      <a:rPr kumimoji="0" lang="it-IT" sz="1800" b="1" i="1" u="none" strike="noStrike" kern="1200" cap="none" spc="0" normalizeH="0" baseline="0" noProof="0">
                         <a:ln>
                           <a:noFill/>
                         </a:ln>
@@ -16279,11 +17661,12 @@
                         <a:effectLst/>
                         <a:uLnTx/>
                         <a:uFillTx/>
+                        <a:latin typeface="Cambria Math" panose="02040503050406030204" pitchFamily="18" charset="0"/>
                       </a:rPr>
                       <m:t> </m:t>
                     </m:r>
                     <m:r>
-                      <a:rPr kumimoji="0" lang="en-GB" sz="1800" b="0" i="0" u="none" strike="noStrike" kern="1200" cap="none" spc="0" normalizeH="0" baseline="0" noProof="0">
+                      <a:rPr kumimoji="0" lang="en-GB" sz="1800" b="1" i="0" u="none" strike="noStrike" kern="1200" cap="none" spc="0" normalizeH="0" baseline="0" noProof="0">
                         <a:ln>
                           <a:noFill/>
                         </a:ln>
@@ -16293,12 +17676,13 @@
                         <a:effectLst/>
                         <a:uLnTx/>
                         <a:uFillTx/>
+                        <a:latin typeface="Cambria Math" panose="02040503050406030204" pitchFamily="18" charset="0"/>
                       </a:rPr>
-                      <m:t>𝑠</m:t>
+                      <m:t>𝐬</m:t>
                     </m:r>
                   </m:oMath>
                 </a14:m>
-                <a:endParaRPr kumimoji="0" lang="it-IT" sz="1800" b="0" i="0" u="none" strike="noStrike" kern="1200" cap="none" spc="0" normalizeH="0" baseline="0" noProof="0" dirty="0">
+                <a:endParaRPr kumimoji="0" lang="it-IT" sz="1800" b="1" i="0" u="none" strike="noStrike" kern="1200" cap="none" spc="0" normalizeH="0" baseline="0" noProof="0" dirty="0">
                   <a:ln>
                     <a:noFill/>
                   </a:ln>
@@ -16613,477 +17997,6 @@
       </p:sp>
       <p:sp>
         <p:nvSpPr>
-          <p:cNvPr id="8" name="Segnaposto contenuto 7">
-            <a:extLst>
-              <a:ext uri="{FF2B5EF4-FFF2-40B4-BE49-F238E27FC236}">
-                <a16:creationId xmlns:a16="http://schemas.microsoft.com/office/drawing/2014/main" id="{15C6A054-F546-BB81-046D-290F0609C65E}"/>
-              </a:ext>
-            </a:extLst>
-          </p:cNvPr>
-          <p:cNvSpPr>
-            <a:spLocks noGrp="1"/>
-          </p:cNvSpPr>
-          <p:nvPr>
-            <p:ph idx="1"/>
-          </p:nvPr>
-        </p:nvSpPr>
-        <p:spPr/>
-        <p:txBody>
-          <a:bodyPr/>
-          <a:lstStyle/>
-          <a:p>
-            <a:pPr marL="0" marR="0" lvl="0" indent="0" algn="l" defTabSz="914400" rtl="0" eaLnBrk="1" fontAlgn="auto" latinLnBrk="0" hangingPunct="1">
-              <a:lnSpc>
-                <a:spcPct val="100000"/>
-              </a:lnSpc>
-              <a:spcBef>
-                <a:spcPts val="0"/>
-              </a:spcBef>
-              <a:spcAft>
-                <a:spcPts val="0"/>
-              </a:spcAft>
-              <a:buClrTx/>
-              <a:buSzTx/>
-              <a:buFontTx/>
-              <a:buNone/>
-              <a:tabLst/>
-              <a:defRPr/>
-            </a:pPr>
-            <a:r>
-              <a:rPr kumimoji="0" lang="it-IT" sz="1600" b="0" i="0" u="none" strike="noStrike" kern="1200" cap="none" spc="0" normalizeH="0" baseline="0" noProof="0" dirty="0">
-                <a:ln>
-                  <a:noFill/>
-                </a:ln>
-                <a:solidFill>
-                  <a:prstClr val="black"/>
-                </a:solidFill>
-                <a:effectLst/>
-                <a:uLnTx/>
-                <a:uFillTx/>
-                <a:ea typeface="Times New Roman" panose="02020603050405020304" pitchFamily="18" charset="0"/>
-                <a:cs typeface="+mn-cs"/>
-              </a:rPr>
-              <a:t>Questa strategia è quella con il costo più basso in termini di velocità, fino al 27,3% inferiore rispetto alle altre strategie. </a:t>
-            </a:r>
-          </a:p>
-          <a:p>
-            <a:pPr marL="0" marR="0" lvl="0" indent="0" algn="l" defTabSz="914400" rtl="0" eaLnBrk="1" fontAlgn="auto" latinLnBrk="0" hangingPunct="1">
-              <a:lnSpc>
-                <a:spcPct val="100000"/>
-              </a:lnSpc>
-              <a:spcBef>
-                <a:spcPts val="0"/>
-              </a:spcBef>
-              <a:spcAft>
-                <a:spcPts val="0"/>
-              </a:spcAft>
-              <a:buClrTx/>
-              <a:buSzTx/>
-              <a:buFontTx/>
-              <a:buNone/>
-              <a:tabLst/>
-              <a:defRPr/>
-            </a:pPr>
-            <a:r>
-              <a:rPr kumimoji="0" lang="it-IT" sz="1600" b="0" i="0" u="none" strike="noStrike" kern="1200" cap="none" spc="0" normalizeH="0" baseline="0" noProof="0" dirty="0">
-                <a:ln>
-                  <a:noFill/>
-                </a:ln>
-                <a:solidFill>
-                  <a:prstClr val="black"/>
-                </a:solidFill>
-                <a:effectLst/>
-                <a:uLnTx/>
-                <a:uFillTx/>
-                <a:ea typeface="Times New Roman" panose="02020603050405020304" pitchFamily="18" charset="0"/>
-                <a:cs typeface="+mn-cs"/>
-              </a:rPr>
-              <a:t> </a:t>
-            </a:r>
-          </a:p>
-          <a:p>
-            <a:pPr marL="0" marR="0" lvl="0" indent="0" algn="l" defTabSz="914400" rtl="0" eaLnBrk="1" fontAlgn="auto" latinLnBrk="0" hangingPunct="1">
-              <a:lnSpc>
-                <a:spcPct val="100000"/>
-              </a:lnSpc>
-              <a:spcBef>
-                <a:spcPts val="0"/>
-              </a:spcBef>
-              <a:spcAft>
-                <a:spcPts val="0"/>
-              </a:spcAft>
-              <a:buClrTx/>
-              <a:buSzTx/>
-              <a:buFontTx/>
-              <a:buNone/>
-              <a:tabLst/>
-              <a:defRPr/>
-            </a:pPr>
-            <a:r>
-              <a:rPr kumimoji="0" lang="it-IT" sz="1600" b="0" i="0" u="none" strike="noStrike" kern="1200" cap="none" spc="0" normalizeH="0" baseline="0" noProof="0" dirty="0">
-                <a:ln>
-                  <a:noFill/>
-                </a:ln>
-                <a:solidFill>
-                  <a:prstClr val="black"/>
-                </a:solidFill>
-                <a:effectLst/>
-                <a:uLnTx/>
-                <a:uFillTx/>
-                <a:ea typeface="Times New Roman" panose="02020603050405020304" pitchFamily="18" charset="0"/>
-                <a:cs typeface="+mn-cs"/>
-              </a:rPr>
-              <a:t>Questo è possibile dal momento che è stato scelto di non cambiare il piano orbitale come prima manovra e di farlo in un punto più lontano,</a:t>
-            </a:r>
-            <a:r>
-              <a:rPr kumimoji="0" lang="it-IT" sz="1600" b="0" i="0" u="none" strike="noStrike" kern="1200" cap="none" spc="0" normalizeH="0" baseline="0" noProof="0" dirty="0">
-                <a:ln>
-                  <a:noFill/>
-                </a:ln>
-                <a:solidFill>
-                  <a:srgbClr val="A8D08D"/>
-                </a:solidFill>
-                <a:effectLst/>
-                <a:uLnTx/>
-                <a:uFillTx/>
-                <a:ea typeface="Times New Roman" panose="02020603050405020304" pitchFamily="18" charset="0"/>
-                <a:cs typeface="+mn-cs"/>
-              </a:rPr>
-              <a:t> </a:t>
-            </a:r>
-            <a:r>
-              <a:rPr kumimoji="0" lang="it-IT" sz="1600" b="0" i="0" u="none" strike="noStrike" kern="1200" cap="none" spc="0" normalizeH="0" baseline="0" noProof="0" dirty="0">
-                <a:ln>
-                  <a:noFill/>
-                </a:ln>
-                <a:solidFill>
-                  <a:prstClr val="black"/>
-                </a:solidFill>
-                <a:effectLst/>
-                <a:uLnTx/>
-                <a:uFillTx/>
-                <a:ea typeface="Times New Roman" panose="02020603050405020304" pitchFamily="18" charset="0"/>
-                <a:cs typeface="+mn-cs"/>
-              </a:rPr>
-              <a:t>risparmiando fino al 13,6% di </a:t>
-            </a:r>
-            <a:r>
-              <a:rPr kumimoji="0" lang="en-GB" sz="1600" b="0" i="0" u="none" strike="noStrike" kern="1200" cap="none" spc="0" normalizeH="0" baseline="0" noProof="0" dirty="0">
-                <a:ln>
-                  <a:noFill/>
-                </a:ln>
-                <a:solidFill>
-                  <a:prstClr val="black"/>
-                </a:solidFill>
-                <a:effectLst/>
-                <a:uLnTx/>
-                <a:uFillTx/>
-                <a:ea typeface="Times New Roman" panose="02020603050405020304" pitchFamily="18" charset="0"/>
-                <a:cs typeface="+mn-cs"/>
-              </a:rPr>
-              <a:t>Δ</a:t>
-            </a:r>
-            <a:r>
-              <a:rPr kumimoji="0" lang="it-IT" sz="1600" b="0" i="0" u="none" strike="noStrike" kern="1200" cap="none" spc="0" normalizeH="0" baseline="0" noProof="0" dirty="0">
-                <a:ln>
-                  <a:noFill/>
-                </a:ln>
-                <a:solidFill>
-                  <a:prstClr val="black"/>
-                </a:solidFill>
-                <a:effectLst/>
-                <a:uLnTx/>
-                <a:uFillTx/>
-                <a:ea typeface="Times New Roman" panose="02020603050405020304" pitchFamily="18" charset="0"/>
-                <a:cs typeface="+mn-cs"/>
-              </a:rPr>
-              <a:t>v utilizzato per il cambio inclinazione.</a:t>
-            </a:r>
-          </a:p>
-          <a:p>
-            <a:pPr marL="0" marR="0" lvl="0" indent="0" algn="l" defTabSz="914400" rtl="0" eaLnBrk="1" fontAlgn="auto" latinLnBrk="0" hangingPunct="1">
-              <a:lnSpc>
-                <a:spcPct val="100000"/>
-              </a:lnSpc>
-              <a:spcBef>
-                <a:spcPts val="0"/>
-              </a:spcBef>
-              <a:spcAft>
-                <a:spcPts val="0"/>
-              </a:spcAft>
-              <a:buClrTx/>
-              <a:buSzTx/>
-              <a:buFontTx/>
-              <a:buNone/>
-              <a:tabLst/>
-              <a:defRPr/>
-            </a:pPr>
-            <a:r>
-              <a:rPr kumimoji="0" lang="it-IT" sz="1600" b="0" i="0" u="none" strike="noStrike" kern="1200" cap="none" spc="0" normalizeH="0" baseline="0" noProof="0" dirty="0">
-                <a:ln>
-                  <a:noFill/>
-                </a:ln>
-                <a:solidFill>
-                  <a:prstClr val="black"/>
-                </a:solidFill>
-                <a:effectLst/>
-                <a:uLnTx/>
-                <a:uFillTx/>
-                <a:ea typeface="Times New Roman" panose="02020603050405020304" pitchFamily="18" charset="0"/>
-                <a:cs typeface="+mn-cs"/>
-              </a:rPr>
-              <a:t> </a:t>
-            </a:r>
-          </a:p>
-          <a:p>
-            <a:pPr marL="0" marR="0" lvl="0" indent="0" algn="l" defTabSz="914400" rtl="0" eaLnBrk="1" fontAlgn="auto" latinLnBrk="0" hangingPunct="1">
-              <a:lnSpc>
-                <a:spcPct val="100000"/>
-              </a:lnSpc>
-              <a:spcBef>
-                <a:spcPts val="0"/>
-              </a:spcBef>
-              <a:spcAft>
-                <a:spcPts val="0"/>
-              </a:spcAft>
-              <a:buClrTx/>
-              <a:buSzTx/>
-              <a:buFontTx/>
-              <a:buNone/>
-              <a:tabLst/>
-              <a:defRPr/>
-            </a:pPr>
-            <a:r>
-              <a:rPr kumimoji="0" lang="it-IT" sz="1600" b="0" i="0" u="none" strike="noStrike" kern="1200" cap="none" spc="0" normalizeH="0" baseline="0" noProof="0" dirty="0">
-                <a:ln>
-                  <a:noFill/>
-                </a:ln>
-                <a:solidFill>
-                  <a:prstClr val="black"/>
-                </a:solidFill>
-                <a:effectLst/>
-                <a:uLnTx/>
-                <a:uFillTx/>
-                <a:ea typeface="Times New Roman" panose="02020603050405020304" pitchFamily="18" charset="0"/>
-                <a:cs typeface="+mn-cs"/>
-              </a:rPr>
-              <a:t>Inoltre la manovra bitangente scelta, ovvero quella da pericentro ad apocentro, è quella meno costosa. Si è calcolata una riduzione di </a:t>
-            </a:r>
-            <a:r>
-              <a:rPr kumimoji="0" lang="it-IT" sz="1600" b="0" i="0" u="none" strike="noStrike" kern="1200" cap="none" spc="0" normalizeH="0" baseline="0" noProof="0" dirty="0" err="1">
-                <a:ln>
-                  <a:noFill/>
-                </a:ln>
-                <a:solidFill>
-                  <a:prstClr val="black"/>
-                </a:solidFill>
-                <a:effectLst/>
-                <a:uLnTx/>
-                <a:uFillTx/>
-                <a:ea typeface="Times New Roman" panose="02020603050405020304" pitchFamily="18" charset="0"/>
-                <a:cs typeface="+mn-cs"/>
-              </a:rPr>
-              <a:t>Δv</a:t>
-            </a:r>
-            <a:r>
-              <a:rPr kumimoji="0" lang="it-IT" sz="1600" b="0" i="0" u="none" strike="noStrike" kern="1200" cap="none" spc="0" normalizeH="0" baseline="0" noProof="0" dirty="0">
-                <a:ln>
-                  <a:noFill/>
-                </a:ln>
-                <a:solidFill>
-                  <a:prstClr val="black"/>
-                </a:solidFill>
-                <a:effectLst/>
-                <a:uLnTx/>
-                <a:uFillTx/>
-                <a:ea typeface="Times New Roman" panose="02020603050405020304" pitchFamily="18" charset="0"/>
-                <a:cs typeface="+mn-cs"/>
-              </a:rPr>
-              <a:t> del 2,15% rispetto alla manovra effettuata dall’apocentro al pericentro e fino al 34,7% rispetto alle altre manovre bitangenti. </a:t>
-            </a:r>
-          </a:p>
-          <a:p>
-            <a:pPr marL="0" marR="0" lvl="0" indent="0" algn="l" defTabSz="914400" rtl="0" eaLnBrk="1" fontAlgn="auto" latinLnBrk="0" hangingPunct="1">
-              <a:lnSpc>
-                <a:spcPct val="100000"/>
-              </a:lnSpc>
-              <a:spcBef>
-                <a:spcPts val="0"/>
-              </a:spcBef>
-              <a:spcAft>
-                <a:spcPts val="0"/>
-              </a:spcAft>
-              <a:buClrTx/>
-              <a:buSzTx/>
-              <a:buFontTx/>
-              <a:buNone/>
-              <a:tabLst/>
-              <a:defRPr/>
-            </a:pPr>
-            <a:r>
-              <a:rPr kumimoji="0" lang="it-IT" sz="1600" b="0" i="0" u="none" strike="noStrike" kern="1200" cap="none" spc="0" normalizeH="0" baseline="0" noProof="0" dirty="0">
-                <a:ln>
-                  <a:noFill/>
-                </a:ln>
-                <a:solidFill>
-                  <a:prstClr val="black"/>
-                </a:solidFill>
-                <a:effectLst/>
-                <a:uLnTx/>
-                <a:uFillTx/>
-                <a:ea typeface="Times New Roman" panose="02020603050405020304" pitchFamily="18" charset="0"/>
-                <a:cs typeface="+mn-cs"/>
-              </a:rPr>
-              <a:t> </a:t>
-            </a:r>
-          </a:p>
-          <a:p>
-            <a:pPr marL="0" marR="0" lvl="0" indent="0" algn="l" defTabSz="914400" rtl="0" eaLnBrk="1" fontAlgn="auto" latinLnBrk="0" hangingPunct="1">
-              <a:lnSpc>
-                <a:spcPct val="100000"/>
-              </a:lnSpc>
-              <a:spcBef>
-                <a:spcPts val="0"/>
-              </a:spcBef>
-              <a:spcAft>
-                <a:spcPts val="0"/>
-              </a:spcAft>
-              <a:buClrTx/>
-              <a:buSzTx/>
-              <a:buFontTx/>
-              <a:buNone/>
-              <a:tabLst/>
-              <a:defRPr/>
-            </a:pPr>
-            <a:r>
-              <a:rPr kumimoji="0" lang="it-IT" sz="1600" b="0" i="0" u="none" strike="noStrike" kern="1200" cap="none" spc="0" normalizeH="0" baseline="0" noProof="0" dirty="0">
-                <a:ln>
-                  <a:noFill/>
-                </a:ln>
-                <a:solidFill>
-                  <a:prstClr val="black"/>
-                </a:solidFill>
-                <a:effectLst/>
-                <a:uLnTx/>
-                <a:uFillTx/>
-                <a:ea typeface="Times New Roman" panose="02020603050405020304" pitchFamily="18" charset="0"/>
-                <a:cs typeface="+mn-cs"/>
-              </a:rPr>
-              <a:t>Il costo associato al cambiamento di anomalia del pericentro è del 47,6% maggiore di quello più basso, ma nonostante questo fatto, il costo totale della strategia rimane il più conveniente.</a:t>
-            </a:r>
-          </a:p>
-          <a:p>
-            <a:pPr marL="0" marR="0" lvl="0" indent="0" algn="l" defTabSz="914400" rtl="0" eaLnBrk="1" fontAlgn="auto" latinLnBrk="0" hangingPunct="1">
-              <a:lnSpc>
-                <a:spcPct val="100000"/>
-              </a:lnSpc>
-              <a:spcBef>
-                <a:spcPts val="0"/>
-              </a:spcBef>
-              <a:spcAft>
-                <a:spcPts val="0"/>
-              </a:spcAft>
-              <a:buClrTx/>
-              <a:buSzTx/>
-              <a:buFontTx/>
-              <a:buNone/>
-              <a:tabLst/>
-              <a:defRPr/>
-            </a:pPr>
-            <a:r>
-              <a:rPr kumimoji="0" lang="it-IT" sz="1600" b="0" i="0" u="none" strike="noStrike" kern="1200" cap="none" spc="0" normalizeH="0" baseline="0" noProof="0" dirty="0">
-                <a:ln>
-                  <a:noFill/>
-                </a:ln>
-                <a:solidFill>
-                  <a:prstClr val="black"/>
-                </a:solidFill>
-                <a:effectLst/>
-                <a:uLnTx/>
-                <a:uFillTx/>
-                <a:ea typeface="Times New Roman" panose="02020603050405020304" pitchFamily="18" charset="0"/>
-                <a:cs typeface="+mn-cs"/>
-              </a:rPr>
-              <a:t> </a:t>
-            </a:r>
-          </a:p>
-          <a:p>
-            <a:pPr marL="0" marR="0" lvl="0" indent="0" algn="l" defTabSz="914400" rtl="0" eaLnBrk="1" fontAlgn="auto" latinLnBrk="0" hangingPunct="1">
-              <a:lnSpc>
-                <a:spcPct val="100000"/>
-              </a:lnSpc>
-              <a:spcBef>
-                <a:spcPts val="0"/>
-              </a:spcBef>
-              <a:spcAft>
-                <a:spcPts val="0"/>
-              </a:spcAft>
-              <a:buClrTx/>
-              <a:buSzTx/>
-              <a:buFontTx/>
-              <a:buNone/>
-              <a:tabLst/>
-              <a:defRPr/>
-            </a:pPr>
-            <a:r>
-              <a:rPr kumimoji="0" lang="it-IT" sz="1600" b="0" i="0" u="none" strike="noStrike" kern="1200" cap="none" spc="0" normalizeH="0" baseline="0" noProof="0" dirty="0">
-                <a:ln>
-                  <a:noFill/>
-                </a:ln>
-                <a:solidFill>
-                  <a:prstClr val="black"/>
-                </a:solidFill>
-                <a:effectLst/>
-                <a:uLnTx/>
-                <a:uFillTx/>
-                <a:ea typeface="Times New Roman" panose="02020603050405020304" pitchFamily="18" charset="0"/>
-                <a:cs typeface="+mn-cs"/>
-              </a:rPr>
-              <a:t>Il tempo richiesto dalla strategia proposta è superiore del 21,1% rispetto alle altre strategie, ed è maggiore perché le orbite sono più larghe per ridurre </a:t>
-            </a:r>
-            <a:r>
-              <a:rPr kumimoji="0" lang="it-IT" sz="1600" b="0" i="0" u="none" strike="noStrike" kern="1200" cap="none" spc="0" normalizeH="0" baseline="0" noProof="0" dirty="0" err="1">
-                <a:ln>
-                  <a:noFill/>
-                </a:ln>
-                <a:solidFill>
-                  <a:prstClr val="black"/>
-                </a:solidFill>
-                <a:effectLst/>
-                <a:uLnTx/>
-                <a:uFillTx/>
-                <a:ea typeface="Times New Roman" panose="02020603050405020304" pitchFamily="18" charset="0"/>
-                <a:cs typeface="+mn-cs"/>
-              </a:rPr>
-              <a:t>Δv</a:t>
-            </a:r>
-            <a:r>
-              <a:rPr kumimoji="0" lang="it-IT" sz="1600" b="0" i="0" u="none" strike="noStrike" kern="1200" cap="none" spc="0" normalizeH="0" baseline="0" noProof="0" dirty="0">
-                <a:ln>
-                  <a:noFill/>
-                </a:ln>
-                <a:solidFill>
-                  <a:prstClr val="black"/>
-                </a:solidFill>
-                <a:effectLst/>
-                <a:uLnTx/>
-                <a:uFillTx/>
-                <a:ea typeface="Times New Roman" panose="02020603050405020304" pitchFamily="18" charset="0"/>
-                <a:cs typeface="+mn-cs"/>
-              </a:rPr>
-              <a:t>. </a:t>
-            </a:r>
-          </a:p>
-          <a:p>
-            <a:pPr marL="0" indent="0">
-              <a:buNone/>
-            </a:pPr>
-            <a:endParaRPr lang="it-IT" dirty="0"/>
-          </a:p>
-        </p:txBody>
-      </p:sp>
-      <p:sp>
-        <p:nvSpPr>
           <p:cNvPr id="5" name="Segnaposto piè di pagina 4">
             <a:extLst>
               <a:ext uri="{FF2B5EF4-FFF2-40B4-BE49-F238E27FC236}">
@@ -17140,6 +18053,34 @@
           </a:p>
         </p:txBody>
       </p:sp>
+      <p:graphicFrame>
+        <p:nvGraphicFramePr>
+          <p:cNvPr id="10" name="Grafico 9">
+            <a:extLst>
+              <a:ext uri="{FF2B5EF4-FFF2-40B4-BE49-F238E27FC236}">
+                <a16:creationId xmlns:a16="http://schemas.microsoft.com/office/drawing/2014/main" id="{743E8DD0-DB6E-DFBF-6778-5B645EA477D7}"/>
+              </a:ext>
+            </a:extLst>
+          </p:cNvPr>
+          <p:cNvGraphicFramePr/>
+          <p:nvPr>
+            <p:extLst>
+              <p:ext uri="{D42A27DB-BD31-4B8C-83A1-F6EECF244321}">
+                <p14:modId xmlns:p14="http://schemas.microsoft.com/office/powerpoint/2010/main" val="2074747939"/>
+              </p:ext>
+            </p:extLst>
+          </p:nvPr>
+        </p:nvGraphicFramePr>
+        <p:xfrm>
+          <a:off x="364099" y="1006331"/>
+          <a:ext cx="7777480" cy="5096408"/>
+        </p:xfrm>
+        <a:graphic>
+          <a:graphicData uri="http://schemas.openxmlformats.org/drawingml/2006/chart">
+            <c:chart xmlns:c="http://schemas.openxmlformats.org/drawingml/2006/chart" xmlns:r="http://schemas.openxmlformats.org/officeDocument/2006/relationships" r:id="rId2"/>
+          </a:graphicData>
+        </a:graphic>
+      </p:graphicFrame>
     </p:spTree>
     <p:extLst>
       <p:ext uri="{BB962C8B-B14F-4D97-AF65-F5344CB8AC3E}">

--- a/Modelli relazione/Power C13.pptx
+++ b/Modelli relazione/Power C13.pptx
@@ -5,7 +5,7 @@
     <p:sldMasterId id="2147483660" r:id="rId1"/>
   </p:sldMasterIdLst>
   <p:notesMasterIdLst>
-    <p:notesMasterId r:id="rId16"/>
+    <p:notesMasterId r:id="rId15"/>
   </p:notesMasterIdLst>
   <p:sldIdLst>
     <p:sldId id="256" r:id="rId2"/>
@@ -17,11 +17,10 @@
     <p:sldId id="269" r:id="rId8"/>
     <p:sldId id="268" r:id="rId9"/>
     <p:sldId id="262" r:id="rId10"/>
-    <p:sldId id="270" r:id="rId11"/>
-    <p:sldId id="263" r:id="rId12"/>
-    <p:sldId id="264" r:id="rId13"/>
-    <p:sldId id="265" r:id="rId14"/>
-    <p:sldId id="266" r:id="rId15"/>
+    <p:sldId id="263" r:id="rId11"/>
+    <p:sldId id="264" r:id="rId12"/>
+    <p:sldId id="265" r:id="rId13"/>
+    <p:sldId id="266" r:id="rId14"/>
   </p:sldIdLst>
   <p:sldSz cx="12192000" cy="6858000"/>
   <p:notesSz cx="6858000" cy="9144000"/>
@@ -134,7 +133,6 @@
             <p14:sldId id="269"/>
             <p14:sldId id="268"/>
             <p14:sldId id="262"/>
-            <p14:sldId id="270"/>
             <p14:sldId id="263"/>
             <p14:sldId id="264"/>
             <p14:sldId id="265"/>
@@ -153,7 +151,7 @@
 <file path=ppt/revisionInfo.xml><?xml version="1.0" encoding="utf-8"?>
 <p1510:revInfo xmlns:a="http://schemas.openxmlformats.org/drawingml/2006/main" xmlns:r="http://schemas.openxmlformats.org/officeDocument/2006/relationships" xmlns:p1510="http://schemas.microsoft.com/office/powerpoint/2015/10/main">
   <p1510:revLst>
-    <p1510:client id="{672B7490-0EAF-4E0C-92B9-0750DE353F5F}" v="434" dt="2023-01-05T22:58:51.023"/>
+    <p1510:client id="{672B7490-0EAF-4E0C-92B9-0750DE353F5F}" v="540" dt="2023-01-06T00:14:31.458"/>
   </p1510:revLst>
 </p1510:revInfo>
 </file>
@@ -162,8 +160,8 @@
 <pc:chgInfo xmlns:a="http://schemas.openxmlformats.org/drawingml/2006/main" xmlns:r="http://schemas.openxmlformats.org/officeDocument/2006/relationships" xmlns:ac="http://schemas.microsoft.com/office/drawing/2013/main/command" xmlns:pc="http://schemas.microsoft.com/office/powerpoint/2013/main/command">
   <pc:docChgLst>
     <pc:chgData name="Silvia Pala" userId="f0133cc1-7ddc-4617-95f3-a1b241401a99" providerId="ADAL" clId="{672B7490-0EAF-4E0C-92B9-0750DE353F5F}"/>
-    <pc:docChg chg="undo redo custSel addSld modSld modSection">
-      <pc:chgData name="Silvia Pala" userId="f0133cc1-7ddc-4617-95f3-a1b241401a99" providerId="ADAL" clId="{672B7490-0EAF-4E0C-92B9-0750DE353F5F}" dt="2023-01-05T22:58:54.825" v="724" actId="478"/>
+    <pc:docChg chg="undo redo custSel addSld delSld modSld modSection">
+      <pc:chgData name="Silvia Pala" userId="f0133cc1-7ddc-4617-95f3-a1b241401a99" providerId="ADAL" clId="{672B7490-0EAF-4E0C-92B9-0750DE353F5F}" dt="2023-01-06T00:15:27.842" v="1233" actId="14100"/>
       <pc:docMkLst>
         <pc:docMk/>
       </pc:docMkLst>
@@ -412,11 +410,27 @@
         </pc:picChg>
       </pc:sldChg>
       <pc:sldChg chg="addSp delSp modSp mod">
-        <pc:chgData name="Silvia Pala" userId="f0133cc1-7ddc-4617-95f3-a1b241401a99" providerId="ADAL" clId="{672B7490-0EAF-4E0C-92B9-0750DE353F5F}" dt="2023-01-05T22:58:54.825" v="724" actId="478"/>
+        <pc:chgData name="Silvia Pala" userId="f0133cc1-7ddc-4617-95f3-a1b241401a99" providerId="ADAL" clId="{672B7490-0EAF-4E0C-92B9-0750DE353F5F}" dt="2023-01-06T00:15:27.842" v="1233" actId="14100"/>
         <pc:sldMkLst>
           <pc:docMk/>
           <pc:sldMk cId="3068952288" sldId="262"/>
         </pc:sldMkLst>
+        <pc:spChg chg="add mod">
+          <ac:chgData name="Silvia Pala" userId="f0133cc1-7ddc-4617-95f3-a1b241401a99" providerId="ADAL" clId="{672B7490-0EAF-4E0C-92B9-0750DE353F5F}" dt="2023-01-06T00:11:45.536" v="1223" actId="113"/>
+          <ac:spMkLst>
+            <pc:docMk/>
+            <pc:sldMk cId="3068952288" sldId="262"/>
+            <ac:spMk id="2" creationId="{5001EC82-1654-9E4C-0774-B97601E448B0}"/>
+          </ac:spMkLst>
+        </pc:spChg>
+        <pc:spChg chg="mod">
+          <ac:chgData name="Silvia Pala" userId="f0133cc1-7ddc-4617-95f3-a1b241401a99" providerId="ADAL" clId="{672B7490-0EAF-4E0C-92B9-0750DE353F5F}" dt="2023-01-06T00:04:41.508" v="1165" actId="20577"/>
+          <ac:spMkLst>
+            <pc:docMk/>
+            <pc:sldMk cId="3068952288" sldId="262"/>
+            <ac:spMk id="7" creationId="{A0313898-B5E6-FD16-BB64-5BEEB3FDD8E3}"/>
+          </ac:spMkLst>
+        </pc:spChg>
         <pc:spChg chg="del mod">
           <ac:chgData name="Silvia Pala" userId="f0133cc1-7ddc-4617-95f3-a1b241401a99" providerId="ADAL" clId="{672B7490-0EAF-4E0C-92B9-0750DE353F5F}" dt="2023-01-05T22:49:45.707" v="662" actId="478"/>
           <ac:spMkLst>
@@ -450,7 +464,23 @@
           </ac:graphicFrameMkLst>
         </pc:graphicFrameChg>
         <pc:graphicFrameChg chg="add del mod">
-          <ac:chgData name="Silvia Pala" userId="f0133cc1-7ddc-4617-95f3-a1b241401a99" providerId="ADAL" clId="{672B7490-0EAF-4E0C-92B9-0750DE353F5F}" dt="2023-01-05T22:58:23.835" v="718" actId="1076"/>
+          <ac:chgData name="Silvia Pala" userId="f0133cc1-7ddc-4617-95f3-a1b241401a99" providerId="ADAL" clId="{672B7490-0EAF-4E0C-92B9-0750DE353F5F}" dt="2023-01-06T00:01:06.514" v="1124"/>
+          <ac:graphicFrameMkLst>
+            <pc:docMk/>
+            <pc:sldMk cId="3068952288" sldId="262"/>
+            <ac:graphicFrameMk id="3" creationId="{92532553-0482-CDA3-486B-1CA1F885C693}"/>
+          </ac:graphicFrameMkLst>
+        </pc:graphicFrameChg>
+        <pc:graphicFrameChg chg="add mod">
+          <ac:chgData name="Silvia Pala" userId="f0133cc1-7ddc-4617-95f3-a1b241401a99" providerId="ADAL" clId="{672B7490-0EAF-4E0C-92B9-0750DE353F5F}" dt="2023-01-06T00:15:27.842" v="1233" actId="14100"/>
+          <ac:graphicFrameMkLst>
+            <pc:docMk/>
+            <pc:sldMk cId="3068952288" sldId="262"/>
+            <ac:graphicFrameMk id="4" creationId="{6D2E0F78-5CBC-7549-65BC-F822B6D522E6}"/>
+          </ac:graphicFrameMkLst>
+        </pc:graphicFrameChg>
+        <pc:graphicFrameChg chg="add del mod">
+          <ac:chgData name="Silvia Pala" userId="f0133cc1-7ddc-4617-95f3-a1b241401a99" providerId="ADAL" clId="{672B7490-0EAF-4E0C-92B9-0750DE353F5F}" dt="2023-01-06T00:15:12.501" v="1229" actId="14100"/>
           <ac:graphicFrameMkLst>
             <pc:docMk/>
             <pc:sldMk cId="3068952288" sldId="262"/>
@@ -678,8 +708,8 @@
           </ac:cxnSpMkLst>
         </pc:cxnChg>
       </pc:sldChg>
-      <pc:sldChg chg="addSp delSp modSp new mod">
-        <pc:chgData name="Silvia Pala" userId="f0133cc1-7ddc-4617-95f3-a1b241401a99" providerId="ADAL" clId="{672B7490-0EAF-4E0C-92B9-0750DE353F5F}" dt="2023-01-04T23:37:34.200" v="135" actId="12385"/>
+      <pc:sldChg chg="addSp delSp modSp new del mod">
+        <pc:chgData name="Silvia Pala" userId="f0133cc1-7ddc-4617-95f3-a1b241401a99" providerId="ADAL" clId="{672B7490-0EAF-4E0C-92B9-0750DE353F5F}" dt="2023-01-06T00:12:06.090" v="1225" actId="2696"/>
         <pc:sldMkLst>
           <pc:docMk/>
           <pc:sldMk cId="3084648435" sldId="270"/>
@@ -701,11 +731,58 @@
           </ac:spMkLst>
         </pc:spChg>
         <pc:graphicFrameChg chg="add mod ord modGraphic">
-          <ac:chgData name="Silvia Pala" userId="f0133cc1-7ddc-4617-95f3-a1b241401a99" providerId="ADAL" clId="{672B7490-0EAF-4E0C-92B9-0750DE353F5F}" dt="2023-01-04T23:37:34.200" v="135" actId="12385"/>
+          <ac:chgData name="Silvia Pala" userId="f0133cc1-7ddc-4617-95f3-a1b241401a99" providerId="ADAL" clId="{672B7490-0EAF-4E0C-92B9-0750DE353F5F}" dt="2023-01-06T00:11:59.741" v="1224" actId="20577"/>
           <ac:graphicFrameMkLst>
             <pc:docMk/>
             <pc:sldMk cId="3084648435" sldId="270"/>
             <ac:graphicFrameMk id="6" creationId="{ACFAF3AA-B861-1D84-69F1-234BB99AC45B}"/>
+          </ac:graphicFrameMkLst>
+        </pc:graphicFrameChg>
+        <pc:graphicFrameChg chg="add del mod">
+          <ac:chgData name="Silvia Pala" userId="f0133cc1-7ddc-4617-95f3-a1b241401a99" providerId="ADAL" clId="{672B7490-0EAF-4E0C-92B9-0750DE353F5F}" dt="2023-01-05T23:58:14.358" v="1094" actId="1957"/>
+          <ac:graphicFrameMkLst>
+            <pc:docMk/>
+            <pc:sldMk cId="3084648435" sldId="270"/>
+            <ac:graphicFrameMk id="8" creationId="{D872E168-517B-FF11-CA49-EF08F0707676}"/>
+          </ac:graphicFrameMkLst>
+        </pc:graphicFrameChg>
+        <pc:graphicFrameChg chg="add del mod">
+          <ac:chgData name="Silvia Pala" userId="f0133cc1-7ddc-4617-95f3-a1b241401a99" providerId="ADAL" clId="{672B7490-0EAF-4E0C-92B9-0750DE353F5F}" dt="2023-01-05T23:58:13.904" v="1093"/>
+          <ac:graphicFrameMkLst>
+            <pc:docMk/>
+            <pc:sldMk cId="3084648435" sldId="270"/>
+            <ac:graphicFrameMk id="9" creationId="{26D2F66A-9BF3-950F-57F9-C0DAFE3ADB6F}"/>
+          </ac:graphicFrameMkLst>
+        </pc:graphicFrameChg>
+      </pc:sldChg>
+      <pc:sldChg chg="addSp delSp modSp new del mod">
+        <pc:chgData name="Silvia Pala" userId="f0133cc1-7ddc-4617-95f3-a1b241401a99" providerId="ADAL" clId="{672B7490-0EAF-4E0C-92B9-0750DE353F5F}" dt="2023-01-06T00:01:13.150" v="1125" actId="2696"/>
+        <pc:sldMkLst>
+          <pc:docMk/>
+          <pc:sldMk cId="1316128539" sldId="271"/>
+        </pc:sldMkLst>
+        <pc:spChg chg="del">
+          <ac:chgData name="Silvia Pala" userId="f0133cc1-7ddc-4617-95f3-a1b241401a99" providerId="ADAL" clId="{672B7490-0EAF-4E0C-92B9-0750DE353F5F}" dt="2023-01-05T23:58:37.503" v="1097" actId="1957"/>
+          <ac:spMkLst>
+            <pc:docMk/>
+            <pc:sldMk cId="1316128539" sldId="271"/>
+            <ac:spMk id="3" creationId="{4DF5EB48-5C13-C56B-F1A7-50270927A0C9}"/>
+          </ac:spMkLst>
+        </pc:spChg>
+        <pc:graphicFrameChg chg="add mod">
+          <ac:chgData name="Silvia Pala" userId="f0133cc1-7ddc-4617-95f3-a1b241401a99" providerId="ADAL" clId="{672B7490-0EAF-4E0C-92B9-0750DE353F5F}" dt="2023-01-06T00:00:21.735" v="1111"/>
+          <ac:graphicFrameMkLst>
+            <pc:docMk/>
+            <pc:sldMk cId="1316128539" sldId="271"/>
+            <ac:graphicFrameMk id="8" creationId="{B4BB8328-2342-BE5B-5346-61C13A580506}"/>
+          </ac:graphicFrameMkLst>
+        </pc:graphicFrameChg>
+        <pc:graphicFrameChg chg="add mod">
+          <ac:chgData name="Silvia Pala" userId="f0133cc1-7ddc-4617-95f3-a1b241401a99" providerId="ADAL" clId="{672B7490-0EAF-4E0C-92B9-0750DE353F5F}" dt="2023-01-06T00:00:25.583" v="1113" actId="1076"/>
+          <ac:graphicFrameMkLst>
+            <pc:docMk/>
+            <pc:sldMk cId="1316128539" sldId="271"/>
+            <ac:graphicFrameMk id="9" creationId="{1D2F6313-8ECA-C38D-794F-7DADF72C420A}"/>
           </ac:graphicFrameMkLst>
         </pc:graphicFrameChg>
       </pc:sldChg>
@@ -728,77 +805,17 @@
     </mc:Fallback>
   </mc:AlternateContent>
   <c:chart>
-    <c:title>
-      <c:tx>
-        <c:rich>
-          <a:bodyPr rot="0" spcFirstLastPara="1" vertOverflow="ellipsis" vert="horz" wrap="square" anchor="ctr" anchorCtr="1"/>
-          <a:lstStyle/>
-          <a:p>
-            <a:pPr>
-              <a:defRPr sz="1862" b="0" i="0" u="none" strike="noStrike" kern="1200" spc="0" baseline="0">
-                <a:solidFill>
-                  <a:schemeClr val="tx1">
-                    <a:lumMod val="65000"/>
-                    <a:lumOff val="35000"/>
-                  </a:schemeClr>
-                </a:solidFill>
-                <a:latin typeface="+mn-lt"/>
-                <a:ea typeface="+mn-ea"/>
-                <a:cs typeface="+mn-cs"/>
-              </a:defRPr>
-            </a:pPr>
-            <a:r>
-              <a:rPr lang="it-IT" dirty="0"/>
-              <a:t>Costi strategia</a:t>
-            </a:r>
-            <a:r>
-              <a:rPr lang="it-IT" baseline="0" dirty="0"/>
-              <a:t> standard scelta in confronto alle altre standard</a:t>
-            </a:r>
-            <a:endParaRPr lang="it-IT" dirty="0"/>
-          </a:p>
-        </c:rich>
-      </c:tx>
-      <c:overlay val="0"/>
-      <c:spPr>
-        <a:noFill/>
-        <a:ln>
-          <a:noFill/>
-        </a:ln>
-        <a:effectLst/>
-      </c:spPr>
-      <c:txPr>
-        <a:bodyPr rot="0" spcFirstLastPara="1" vertOverflow="ellipsis" vert="horz" wrap="square" anchor="ctr" anchorCtr="1"/>
-        <a:lstStyle/>
-        <a:p>
-          <a:pPr>
-            <a:defRPr sz="1862" b="0" i="0" u="none" strike="noStrike" kern="1200" spc="0" baseline="0">
-              <a:solidFill>
-                <a:schemeClr val="tx1">
-                  <a:lumMod val="65000"/>
-                  <a:lumOff val="35000"/>
-                </a:schemeClr>
-              </a:solidFill>
-              <a:latin typeface="+mn-lt"/>
-              <a:ea typeface="+mn-ea"/>
-              <a:cs typeface="+mn-cs"/>
-            </a:defRPr>
-          </a:pPr>
-          <a:endParaRPr lang="it-IT"/>
-        </a:p>
-      </c:txPr>
-    </c:title>
-    <c:autoTitleDeleted val="0"/>
+    <c:autoTitleDeleted val="1"/>
     <c:plotArea>
       <c:layout>
         <c:manualLayout>
           <c:layoutTarget val="inner"/>
           <c:xMode val="edge"/>
           <c:yMode val="edge"/>
-          <c:x val="0.16880094837916651"/>
-          <c:y val="0.10648107451365746"/>
+          <c:x val="0.17206678769987194"/>
+          <c:y val="7.4505226925323562E-2"/>
           <c:w val="0.77394078801874133"/>
-          <c:h val="0.70619718829418676"/>
+          <c:h val="0.73954302479159129"/>
         </c:manualLayout>
       </c:layout>
       <c:barChart>
@@ -821,7 +838,10 @@
           </c:tx>
           <c:spPr>
             <a:solidFill>
-              <a:srgbClr val="00B0F0"/>
+              <a:schemeClr val="accent4">
+                <a:lumMod val="40000"/>
+                <a:lumOff val="60000"/>
+              </a:schemeClr>
             </a:solidFill>
             <a:ln>
               <a:noFill/>
@@ -831,22 +851,19 @@
           <c:invertIfNegative val="0"/>
           <c:cat>
             <c:strRef>
-              <c:f>Foglio1!$A$2:$A$6</c:f>
+              <c:f>Foglio1!$A$2:$A$5</c:f>
               <c:strCache>
-                <c:ptCount val="5"/>
+                <c:ptCount val="4"/>
                 <c:pt idx="0">
                   <c:v>Velocità Totale</c:v>
                 </c:pt>
                 <c:pt idx="1">
-                  <c:v>Tempo Totale</c:v>
+                  <c:v>Cambio Anomalia</c:v>
                 </c:pt>
                 <c:pt idx="2">
-                  <c:v>Cambio Anomalia</c:v>
+                  <c:v>Bitangente</c:v>
                 </c:pt>
                 <c:pt idx="3">
-                  <c:v>Bitangente</c:v>
-                </c:pt>
-                <c:pt idx="4">
                   <c:v>Cambio Piano</c:v>
                 </c:pt>
               </c:strCache>
@@ -854,23 +871,20 @@
           </c:cat>
           <c:val>
             <c:numRef>
-              <c:f>Foglio1!$B$2:$B$6</c:f>
+              <c:f>Foglio1!$B$2:$B$5</c:f>
               <c:numCache>
                 <c:formatCode>General</c:formatCode>
-                <c:ptCount val="5"/>
+                <c:ptCount val="4"/>
                 <c:pt idx="0">
                   <c:v>9.1510999999999996</c:v>
                 </c:pt>
                 <c:pt idx="1">
-                  <c:v>8.0190000000000001</c:v>
+                  <c:v>2.8174999999999999</c:v>
                 </c:pt>
                 <c:pt idx="2">
-                  <c:v>2.8174999999999999</c:v>
+                  <c:v>1.1500999999999999</c:v>
                 </c:pt>
                 <c:pt idx="3">
-                  <c:v>1.1500999999999999</c:v>
-                </c:pt>
-                <c:pt idx="4">
                   <c:v>5.9992999999999999</c:v>
                 </c:pt>
               </c:numCache>
@@ -908,22 +922,19 @@
           <c:invertIfNegative val="0"/>
           <c:cat>
             <c:strRef>
-              <c:f>Foglio1!$A$2:$A$6</c:f>
+              <c:f>Foglio1!$A$2:$A$5</c:f>
               <c:strCache>
-                <c:ptCount val="5"/>
+                <c:ptCount val="4"/>
                 <c:pt idx="0">
                   <c:v>Velocità Totale</c:v>
                 </c:pt>
                 <c:pt idx="1">
-                  <c:v>Tempo Totale</c:v>
+                  <c:v>Cambio Anomalia</c:v>
                 </c:pt>
                 <c:pt idx="2">
-                  <c:v>Cambio Anomalia</c:v>
+                  <c:v>Bitangente</c:v>
                 </c:pt>
                 <c:pt idx="3">
-                  <c:v>Bitangente</c:v>
-                </c:pt>
-                <c:pt idx="4">
                   <c:v>Cambio Piano</c:v>
                 </c:pt>
               </c:strCache>
@@ -931,23 +942,20 @@
           </c:cat>
           <c:val>
             <c:numRef>
-              <c:f>Foglio1!$C$2:$C$6</c:f>
+              <c:f>Foglio1!$C$2:$C$5</c:f>
               <c:numCache>
                 <c:formatCode>General</c:formatCode>
-                <c:ptCount val="5"/>
+                <c:ptCount val="4"/>
                 <c:pt idx="0">
                   <c:v>6.6449999999999996</c:v>
                 </c:pt>
                 <c:pt idx="1">
-                  <c:v>4.8674999999999997</c:v>
+                  <c:v>0.71050000000000002</c:v>
                 </c:pt>
                 <c:pt idx="2">
-                  <c:v>0.71050000000000002</c:v>
+                  <c:v>0.75049999999999994</c:v>
                 </c:pt>
                 <c:pt idx="3">
-                  <c:v>0.75049999999999994</c:v>
-                </c:pt>
-                <c:pt idx="4">
                   <c:v>5.1840000000000002</c:v>
                 </c:pt>
               </c:numCache>
@@ -1006,6 +1014,23 @@
             </c:extLst>
           </c:dPt>
           <c:dPt>
+            <c:idx val="2"/>
+            <c:invertIfNegative val="0"/>
+            <c:bubble3D val="0"/>
+            <c:spPr>
+              <a:solidFill>
+                <a:schemeClr val="accent6">
+                  <a:lumMod val="40000"/>
+                  <a:lumOff val="60000"/>
+                </a:schemeClr>
+              </a:solidFill>
+              <a:ln>
+                <a:noFill/>
+              </a:ln>
+              <a:effectLst/>
+            </c:spPr>
+          </c:dPt>
+          <c:dPt>
             <c:idx val="3"/>
             <c:invertIfNegative val="0"/>
             <c:bubble3D val="0"/>
@@ -1027,46 +1052,21 @@
               </c:ext>
             </c:extLst>
           </c:dPt>
-          <c:dPt>
-            <c:idx val="4"/>
-            <c:invertIfNegative val="0"/>
-            <c:bubble3D val="0"/>
-            <c:spPr>
-              <a:solidFill>
-                <a:schemeClr val="accent6">
-                  <a:lumMod val="40000"/>
-                  <a:lumOff val="60000"/>
-                </a:schemeClr>
-              </a:solidFill>
-              <a:ln>
-                <a:noFill/>
-              </a:ln>
-              <a:effectLst/>
-            </c:spPr>
-            <c:extLst>
-              <c:ext xmlns:c16="http://schemas.microsoft.com/office/drawing/2014/chart" uri="{C3380CC4-5D6E-409C-BE32-E72D297353CC}">
-                <c16:uniqueId val="{00000004-B679-4233-8531-1188095E1AAB}"/>
-              </c:ext>
-            </c:extLst>
-          </c:dPt>
           <c:cat>
             <c:strRef>
-              <c:f>Foglio1!$A$2:$A$6</c:f>
+              <c:f>Foglio1!$A$2:$A$5</c:f>
               <c:strCache>
-                <c:ptCount val="5"/>
+                <c:ptCount val="4"/>
                 <c:pt idx="0">
                   <c:v>Velocità Totale</c:v>
                 </c:pt>
                 <c:pt idx="1">
-                  <c:v>Tempo Totale</c:v>
+                  <c:v>Cambio Anomalia</c:v>
                 </c:pt>
                 <c:pt idx="2">
-                  <c:v>Cambio Anomalia</c:v>
+                  <c:v>Bitangente</c:v>
                 </c:pt>
                 <c:pt idx="3">
-                  <c:v>Bitangente</c:v>
-                </c:pt>
-                <c:pt idx="4">
                   <c:v>Cambio Piano</c:v>
                 </c:pt>
               </c:strCache>
@@ -1074,23 +1074,20 @@
           </c:cat>
           <c:val>
             <c:numRef>
-              <c:f>Foglio1!$D$2:$D$6</c:f>
+              <c:f>Foglio1!$D$2:$D$5</c:f>
               <c:numCache>
                 <c:formatCode>General</c:formatCode>
-                <c:ptCount val="5"/>
+                <c:ptCount val="4"/>
                 <c:pt idx="0">
                   <c:v>6.6449999999999996</c:v>
                 </c:pt>
                 <c:pt idx="1">
-                  <c:v>4.0060000000000002</c:v>
+                  <c:v>0.37240000000000001</c:v>
                 </c:pt>
                 <c:pt idx="2">
-                  <c:v>0.37240000000000001</c:v>
+                  <c:v>0.75049999999999994</c:v>
                 </c:pt>
                 <c:pt idx="3">
-                  <c:v>0.75049999999999994</c:v>
-                </c:pt>
-                <c:pt idx="4">
                   <c:v>5.1840000000000002</c:v>
                 </c:pt>
               </c:numCache>
@@ -1143,7 +1140,7 @@
           <a:lstStyle/>
           <a:p>
             <a:pPr>
-              <a:defRPr sz="1197" b="0" i="0" u="none" strike="noStrike" kern="1200" baseline="0">
+              <a:defRPr sz="1400" b="1" i="0" u="none" strike="noStrike" kern="1200" baseline="0">
                 <a:solidFill>
                   <a:schemeClr val="tx1">
                     <a:lumMod val="65000"/>
@@ -1186,6 +1183,539 @@
             <a:effectLst/>
           </c:spPr>
         </c:majorGridlines>
+        <c:title>
+          <c:tx>
+            <c:rich>
+              <a:bodyPr rot="0" spcFirstLastPara="1" vertOverflow="ellipsis" vert="horz" wrap="square" anchor="ctr" anchorCtr="1"/>
+              <a:lstStyle/>
+              <a:p>
+                <a:pPr>
+                  <a:defRPr sz="1330" b="0" i="0" u="none" strike="noStrike" kern="1200" baseline="0">
+                    <a:solidFill>
+                      <a:schemeClr val="tx1">
+                        <a:lumMod val="65000"/>
+                        <a:lumOff val="35000"/>
+                      </a:schemeClr>
+                    </a:solidFill>
+                    <a:latin typeface="+mn-lt"/>
+                    <a:ea typeface="+mn-ea"/>
+                    <a:cs typeface="+mn-cs"/>
+                  </a:defRPr>
+                </a:pPr>
+                <a:r>
+                  <a:rPr lang="en-GB" sz="1400" i="0" kern="1200" dirty="0">
+                    <a:solidFill>
+                      <a:srgbClr val="000000"/>
+                    </a:solidFill>
+                    <a:effectLst/>
+                    <a:latin typeface="Cambria Math" panose="02040503050406030204" pitchFamily="18" charset="0"/>
+                    <a:ea typeface="+mn-ea"/>
+                    <a:cs typeface="+mn-cs"/>
+                  </a:rPr>
+                  <a:t>Δ𝑣 [𝑘𝑚/𝑠]</a:t>
+                </a:r>
+                <a:endParaRPr lang="it-IT" dirty="0">
+                  <a:effectLst/>
+                </a:endParaRPr>
+              </a:p>
+            </c:rich>
+          </c:tx>
+          <c:layout>
+            <c:manualLayout>
+              <c:xMode val="edge"/>
+              <c:yMode val="edge"/>
+              <c:x val="0.45809825290453976"/>
+              <c:y val="0.89538212274769757"/>
+            </c:manualLayout>
+          </c:layout>
+          <c:overlay val="0"/>
+          <c:spPr>
+            <a:noFill/>
+            <a:ln>
+              <a:noFill/>
+            </a:ln>
+            <a:effectLst/>
+          </c:spPr>
+          <c:txPr>
+            <a:bodyPr rot="0" spcFirstLastPara="1" vertOverflow="ellipsis" vert="horz" wrap="square" anchor="ctr" anchorCtr="1"/>
+            <a:lstStyle/>
+            <a:p>
+              <a:pPr>
+                <a:defRPr sz="1330" b="0" i="0" u="none" strike="noStrike" kern="1200" baseline="0">
+                  <a:solidFill>
+                    <a:schemeClr val="tx1">
+                      <a:lumMod val="65000"/>
+                      <a:lumOff val="35000"/>
+                    </a:schemeClr>
+                  </a:solidFill>
+                  <a:latin typeface="+mn-lt"/>
+                  <a:ea typeface="+mn-ea"/>
+                  <a:cs typeface="+mn-cs"/>
+                </a:defRPr>
+              </a:pPr>
+              <a:endParaRPr lang="it-IT"/>
+            </a:p>
+          </c:txPr>
+        </c:title>
+        <c:numFmt formatCode="General" sourceLinked="1"/>
+        <c:majorTickMark val="none"/>
+        <c:minorTickMark val="none"/>
+        <c:tickLblPos val="nextTo"/>
+        <c:spPr>
+          <a:noFill/>
+          <a:ln>
+            <a:noFill/>
+          </a:ln>
+          <a:effectLst/>
+        </c:spPr>
+        <c:txPr>
+          <a:bodyPr rot="-60000000" spcFirstLastPara="1" vertOverflow="ellipsis" vert="horz" wrap="square" anchor="ctr" anchorCtr="1"/>
+          <a:lstStyle/>
+          <a:p>
+            <a:pPr>
+              <a:defRPr sz="1197" b="0" i="0" u="none" strike="noStrike" kern="1200" baseline="0">
+                <a:solidFill>
+                  <a:schemeClr val="tx1">
+                    <a:lumMod val="65000"/>
+                    <a:lumOff val="35000"/>
+                  </a:schemeClr>
+                </a:solidFill>
+                <a:latin typeface="+mn-lt"/>
+                <a:ea typeface="+mn-ea"/>
+                <a:cs typeface="+mn-cs"/>
+              </a:defRPr>
+            </a:pPr>
+            <a:endParaRPr lang="it-IT"/>
+          </a:p>
+        </c:txPr>
+        <c:crossAx val="934401280"/>
+        <c:crosses val="autoZero"/>
+        <c:crossBetween val="between"/>
+      </c:valAx>
+      <c:spPr>
+        <a:noFill/>
+        <a:ln>
+          <a:noFill/>
+        </a:ln>
+        <a:effectLst/>
+      </c:spPr>
+    </c:plotArea>
+    <c:plotVisOnly val="1"/>
+    <c:dispBlanksAs val="gap"/>
+    <c:extLst>
+      <c:ext xmlns:c16r3="http://schemas.microsoft.com/office/drawing/2017/03/chart" uri="{56B9EC1D-385E-4148-901F-78D8002777C0}">
+        <c16r3:dataDisplayOptions16>
+          <c16r3:dispNaAsBlank val="1"/>
+        </c16r3:dataDisplayOptions16>
+      </c:ext>
+    </c:extLst>
+    <c:showDLblsOverMax val="0"/>
+  </c:chart>
+  <c:spPr>
+    <a:noFill/>
+    <a:ln>
+      <a:noFill/>
+    </a:ln>
+    <a:effectLst/>
+  </c:spPr>
+  <c:txPr>
+    <a:bodyPr/>
+    <a:lstStyle/>
+    <a:p>
+      <a:pPr>
+        <a:defRPr/>
+      </a:pPr>
+      <a:endParaRPr lang="it-IT"/>
+    </a:p>
+  </c:txPr>
+  <c:externalData r:id="rId3">
+    <c:autoUpdate val="0"/>
+  </c:externalData>
+</c:chartSpace>
+</file>
+
+<file path=ppt/charts/chart2.xml><?xml version="1.0" encoding="utf-8"?>
+<c:chartSpace xmlns:c="http://schemas.openxmlformats.org/drawingml/2006/chart" xmlns:a="http://schemas.openxmlformats.org/drawingml/2006/main" xmlns:r="http://schemas.openxmlformats.org/officeDocument/2006/relationships" xmlns:c16r2="http://schemas.microsoft.com/office/drawing/2015/06/chart">
+  <c:date1904 val="0"/>
+  <c:lang val="it-IT"/>
+  <c:roundedCorners val="0"/>
+  <mc:AlternateContent xmlns:mc="http://schemas.openxmlformats.org/markup-compatibility/2006">
+    <mc:Choice xmlns:c14="http://schemas.microsoft.com/office/drawing/2007/8/2/chart" Requires="c14">
+      <c14:style val="102"/>
+    </mc:Choice>
+    <mc:Fallback>
+      <c:style val="2"/>
+    </mc:Fallback>
+  </mc:AlternateContent>
+  <c:chart>
+    <c:autoTitleDeleted val="1"/>
+    <c:plotArea>
+      <c:layout>
+        <c:manualLayout>
+          <c:layoutTarget val="inner"/>
+          <c:xMode val="edge"/>
+          <c:yMode val="edge"/>
+          <c:x val="0.17206678769987194"/>
+          <c:y val="7.4505226925323562E-2"/>
+          <c:w val="0.69882648364251665"/>
+          <c:h val="0.29497004557169437"/>
+        </c:manualLayout>
+      </c:layout>
+      <c:barChart>
+        <c:barDir val="bar"/>
+        <c:grouping val="clustered"/>
+        <c:varyColors val="0"/>
+        <c:ser>
+          <c:idx val="0"/>
+          <c:order val="0"/>
+          <c:tx>
+            <c:strRef>
+              <c:f>Foglio1!$B$1</c:f>
+              <c:strCache>
+                <c:ptCount val="1"/>
+                <c:pt idx="0">
+                  <c:v>Scenario peggiore</c:v>
+                </c:pt>
+              </c:strCache>
+            </c:strRef>
+          </c:tx>
+          <c:spPr>
+            <a:solidFill>
+              <a:schemeClr val="accent4">
+                <a:lumMod val="40000"/>
+                <a:lumOff val="60000"/>
+              </a:schemeClr>
+            </a:solidFill>
+            <a:ln>
+              <a:noFill/>
+            </a:ln>
+            <a:effectLst/>
+          </c:spPr>
+          <c:invertIfNegative val="0"/>
+          <c:cat>
+            <c:strRef>
+              <c:f>Foglio1!$A$2:$A$2</c:f>
+              <c:strCache>
+                <c:ptCount val="1"/>
+                <c:pt idx="0">
+                  <c:v>Tempo Totale</c:v>
+                </c:pt>
+              </c:strCache>
+            </c:strRef>
+          </c:cat>
+          <c:val>
+            <c:numRef>
+              <c:f>Foglio1!$B$2:$B$2</c:f>
+              <c:numCache>
+                <c:formatCode>General</c:formatCode>
+                <c:ptCount val="1"/>
+                <c:pt idx="0">
+                  <c:v>8.0190000000000001</c:v>
+                </c:pt>
+              </c:numCache>
+            </c:numRef>
+          </c:val>
+          <c:extLst>
+            <c:ext xmlns:c16="http://schemas.microsoft.com/office/drawing/2014/chart" uri="{C3380CC4-5D6E-409C-BE32-E72D297353CC}">
+              <c16:uniqueId val="{00000000-B639-4738-9C0A-5266858D416C}"/>
+            </c:ext>
+          </c:extLst>
+        </c:ser>
+        <c:ser>
+          <c:idx val="1"/>
+          <c:order val="1"/>
+          <c:tx>
+            <c:strRef>
+              <c:f>Foglio1!$C$1</c:f>
+              <c:strCache>
+                <c:ptCount val="1"/>
+                <c:pt idx="0">
+                  <c:v>Standard Scelta</c:v>
+                </c:pt>
+              </c:strCache>
+            </c:strRef>
+          </c:tx>
+          <c:spPr>
+            <a:solidFill>
+              <a:srgbClr val="FF0000"/>
+            </a:solidFill>
+            <a:ln>
+              <a:noFill/>
+            </a:ln>
+            <a:effectLst/>
+          </c:spPr>
+          <c:invertIfNegative val="0"/>
+          <c:cat>
+            <c:strRef>
+              <c:f>Foglio1!$A$2:$A$2</c:f>
+              <c:strCache>
+                <c:ptCount val="1"/>
+                <c:pt idx="0">
+                  <c:v>Tempo Totale</c:v>
+                </c:pt>
+              </c:strCache>
+            </c:strRef>
+          </c:cat>
+          <c:val>
+            <c:numRef>
+              <c:f>Foglio1!$C$2:$C$2</c:f>
+              <c:numCache>
+                <c:formatCode>General</c:formatCode>
+                <c:ptCount val="1"/>
+                <c:pt idx="0">
+                  <c:v>4.8674999999999997</c:v>
+                </c:pt>
+              </c:numCache>
+            </c:numRef>
+          </c:val>
+          <c:extLst>
+            <c:ext xmlns:c16="http://schemas.microsoft.com/office/drawing/2014/chart" uri="{C3380CC4-5D6E-409C-BE32-E72D297353CC}">
+              <c16:uniqueId val="{00000001-B639-4738-9C0A-5266858D416C}"/>
+            </c:ext>
+          </c:extLst>
+        </c:ser>
+        <c:ser>
+          <c:idx val="2"/>
+          <c:order val="2"/>
+          <c:tx>
+            <c:strRef>
+              <c:f>Foglio1!$D$1</c:f>
+              <c:strCache>
+                <c:ptCount val="1"/>
+                <c:pt idx="0">
+                  <c:v>Scenario migliore</c:v>
+                </c:pt>
+              </c:strCache>
+            </c:strRef>
+          </c:tx>
+          <c:spPr>
+            <a:solidFill>
+              <a:srgbClr val="FFC000"/>
+            </a:solidFill>
+            <a:ln>
+              <a:noFill/>
+            </a:ln>
+            <a:effectLst/>
+          </c:spPr>
+          <c:invertIfNegative val="0"/>
+          <c:dPt>
+            <c:idx val="0"/>
+            <c:invertIfNegative val="0"/>
+            <c:bubble3D val="0"/>
+            <c:spPr>
+              <a:solidFill>
+                <a:srgbClr val="FFC000"/>
+              </a:solidFill>
+              <a:ln>
+                <a:noFill/>
+              </a:ln>
+              <a:effectLst/>
+            </c:spPr>
+            <c:extLst>
+              <c:ext xmlns:c16="http://schemas.microsoft.com/office/drawing/2014/chart" uri="{C3380CC4-5D6E-409C-BE32-E72D297353CC}">
+                <c16:uniqueId val="{00000003-B639-4738-9C0A-5266858D416C}"/>
+              </c:ext>
+            </c:extLst>
+          </c:dPt>
+          <c:cat>
+            <c:strRef>
+              <c:f>Foglio1!$A$2:$A$2</c:f>
+              <c:strCache>
+                <c:ptCount val="1"/>
+                <c:pt idx="0">
+                  <c:v>Tempo Totale</c:v>
+                </c:pt>
+              </c:strCache>
+            </c:strRef>
+          </c:cat>
+          <c:val>
+            <c:numRef>
+              <c:f>Foglio1!$D$2:$D$2</c:f>
+              <c:numCache>
+                <c:formatCode>General</c:formatCode>
+                <c:ptCount val="1"/>
+                <c:pt idx="0">
+                  <c:v>4.0060000000000002</c:v>
+                </c:pt>
+              </c:numCache>
+            </c:numRef>
+          </c:val>
+          <c:extLst>
+            <c:ext xmlns:c16="http://schemas.microsoft.com/office/drawing/2014/chart" uri="{C3380CC4-5D6E-409C-BE32-E72D297353CC}">
+              <c16:uniqueId val="{00000008-B639-4738-9C0A-5266858D416C}"/>
+            </c:ext>
+          </c:extLst>
+        </c:ser>
+        <c:dLbls>
+          <c:showLegendKey val="0"/>
+          <c:showVal val="0"/>
+          <c:showCatName val="0"/>
+          <c:showSerName val="0"/>
+          <c:showPercent val="0"/>
+          <c:showBubbleSize val="0"/>
+        </c:dLbls>
+        <c:gapWidth val="182"/>
+        <c:axId val="934401280"/>
+        <c:axId val="934400448"/>
+      </c:barChart>
+      <c:catAx>
+        <c:axId val="934401280"/>
+        <c:scaling>
+          <c:orientation val="minMax"/>
+        </c:scaling>
+        <c:delete val="0"/>
+        <c:axPos val="l"/>
+        <c:numFmt formatCode="General" sourceLinked="1"/>
+        <c:majorTickMark val="none"/>
+        <c:minorTickMark val="none"/>
+        <c:tickLblPos val="nextTo"/>
+        <c:spPr>
+          <a:noFill/>
+          <a:ln w="9525" cap="flat" cmpd="sng" algn="ctr">
+            <a:solidFill>
+              <a:schemeClr val="tx1">
+                <a:lumMod val="15000"/>
+                <a:lumOff val="85000"/>
+              </a:schemeClr>
+            </a:solidFill>
+            <a:round/>
+          </a:ln>
+          <a:effectLst/>
+        </c:spPr>
+        <c:txPr>
+          <a:bodyPr rot="-60000000" spcFirstLastPara="1" vertOverflow="ellipsis" vert="horz" wrap="square" anchor="ctr" anchorCtr="1"/>
+          <a:lstStyle/>
+          <a:p>
+            <a:pPr>
+              <a:defRPr sz="1400" b="1" i="0" u="none" strike="noStrike" kern="1200" baseline="0">
+                <a:solidFill>
+                  <a:schemeClr val="tx1">
+                    <a:lumMod val="65000"/>
+                    <a:lumOff val="35000"/>
+                  </a:schemeClr>
+                </a:solidFill>
+                <a:latin typeface="+mn-lt"/>
+                <a:ea typeface="+mn-ea"/>
+                <a:cs typeface="+mn-cs"/>
+              </a:defRPr>
+            </a:pPr>
+            <a:endParaRPr lang="it-IT"/>
+          </a:p>
+        </c:txPr>
+        <c:crossAx val="934400448"/>
+        <c:crosses val="autoZero"/>
+        <c:auto val="1"/>
+        <c:lblAlgn val="ctr"/>
+        <c:lblOffset val="100"/>
+        <c:noMultiLvlLbl val="0"/>
+      </c:catAx>
+      <c:valAx>
+        <c:axId val="934400448"/>
+        <c:scaling>
+          <c:orientation val="minMax"/>
+        </c:scaling>
+        <c:delete val="0"/>
+        <c:axPos val="b"/>
+        <c:majorGridlines>
+          <c:spPr>
+            <a:ln w="9525" cap="flat" cmpd="sng" algn="ctr">
+              <a:solidFill>
+                <a:schemeClr val="tx1">
+                  <a:lumMod val="15000"/>
+                  <a:lumOff val="85000"/>
+                </a:schemeClr>
+              </a:solidFill>
+              <a:round/>
+            </a:ln>
+            <a:effectLst/>
+          </c:spPr>
+        </c:majorGridlines>
+        <c:title>
+          <c:tx>
+            <c:rich>
+              <a:bodyPr rot="0" spcFirstLastPara="1" vertOverflow="ellipsis" vert="horz" wrap="square" anchor="ctr" anchorCtr="1"/>
+              <a:lstStyle/>
+              <a:p>
+                <a:pPr>
+                  <a:defRPr sz="1330" b="0" i="0" u="none" strike="noStrike" kern="1200" baseline="0">
+                    <a:solidFill>
+                      <a:schemeClr val="tx1">
+                        <a:lumMod val="65000"/>
+                        <a:lumOff val="35000"/>
+                      </a:schemeClr>
+                    </a:solidFill>
+                    <a:latin typeface="+mn-lt"/>
+                    <a:ea typeface="+mn-ea"/>
+                    <a:cs typeface="+mn-cs"/>
+                  </a:defRPr>
+                </a:pPr>
+                <a:r>
+                  <a:rPr lang="en-GB" sz="1400" i="0" kern="1200" dirty="0" err="1">
+                    <a:solidFill>
+                      <a:srgbClr val="000000"/>
+                    </a:solidFill>
+                    <a:effectLst/>
+                    <a:latin typeface="Cambria Math" panose="02040503050406030204" pitchFamily="18" charset="0"/>
+                    <a:ea typeface="+mn-ea"/>
+                    <a:cs typeface="+mn-cs"/>
+                  </a:rPr>
+                  <a:t>Δt</a:t>
+                </a:r>
+                <a:r>
+                  <a:rPr lang="en-GB" sz="1400" i="0" kern="1200" dirty="0">
+                    <a:solidFill>
+                      <a:srgbClr val="000000"/>
+                    </a:solidFill>
+                    <a:effectLst/>
+                    <a:latin typeface="Cambria Math" panose="02040503050406030204" pitchFamily="18" charset="0"/>
+                    <a:ea typeface="+mn-ea"/>
+                    <a:cs typeface="+mn-cs"/>
+                  </a:rPr>
+                  <a:t> [h]</a:t>
+                </a:r>
+                <a:endParaRPr lang="it-IT" dirty="0">
+                  <a:effectLst/>
+                </a:endParaRPr>
+              </a:p>
+            </c:rich>
+          </c:tx>
+          <c:layout>
+            <c:manualLayout>
+              <c:xMode val="edge"/>
+              <c:yMode val="edge"/>
+              <c:x val="0.46626285120630334"/>
+              <c:y val="0.52654433225269148"/>
+            </c:manualLayout>
+          </c:layout>
+          <c:overlay val="0"/>
+          <c:spPr>
+            <a:noFill/>
+            <a:ln>
+              <a:noFill/>
+            </a:ln>
+            <a:effectLst/>
+          </c:spPr>
+          <c:txPr>
+            <a:bodyPr rot="0" spcFirstLastPara="1" vertOverflow="ellipsis" vert="horz" wrap="square" anchor="ctr" anchorCtr="1"/>
+            <a:lstStyle/>
+            <a:p>
+              <a:pPr>
+                <a:defRPr sz="1330" b="0" i="0" u="none" strike="noStrike" kern="1200" baseline="0">
+                  <a:solidFill>
+                    <a:schemeClr val="tx1">
+                      <a:lumMod val="65000"/>
+                      <a:lumOff val="35000"/>
+                    </a:schemeClr>
+                  </a:solidFill>
+                  <a:latin typeface="+mn-lt"/>
+                  <a:ea typeface="+mn-ea"/>
+                  <a:cs typeface="+mn-cs"/>
+                </a:defRPr>
+              </a:pPr>
+              <a:endParaRPr lang="it-IT"/>
+            </a:p>
+          </c:txPr>
+        </c:title>
         <c:numFmt formatCode="General" sourceLinked="1"/>
         <c:majorTickMark val="none"/>
         <c:minorTickMark val="none"/>
@@ -1304,10 +1834,10 @@
         <c:manualLayout>
           <c:xMode val="edge"/>
           <c:yMode val="edge"/>
-          <c:x val="5.6492205701589727E-2"/>
-          <c:y val="0.88344869563033412"/>
+          <c:x val="4.3428848418768026E-2"/>
+          <c:y val="0.71374721012677544"/>
           <c:w val="0.85314664904313475"/>
-          <c:h val="0.11655130436966588"/>
+          <c:h val="0.17076483941474663"/>
         </c:manualLayout>
       </c:layout>
       <c:overlay val="0"/>
@@ -1413,7 +1943,552 @@
 </cs:colorStyle>
 </file>
 
+<file path=ppt/charts/colors2.xml><?xml version="1.0" encoding="utf-8"?>
+<cs:colorStyle xmlns:cs="http://schemas.microsoft.com/office/drawing/2012/chartStyle" xmlns:a="http://schemas.openxmlformats.org/drawingml/2006/main" meth="cycle" id="10">
+  <a:schemeClr val="accent1"/>
+  <a:schemeClr val="accent2"/>
+  <a:schemeClr val="accent3"/>
+  <a:schemeClr val="accent4"/>
+  <a:schemeClr val="accent5"/>
+  <a:schemeClr val="accent6"/>
+  <cs:variation/>
+  <cs:variation>
+    <a:lumMod val="60000"/>
+  </cs:variation>
+  <cs:variation>
+    <a:lumMod val="80000"/>
+    <a:lumOff val="20000"/>
+  </cs:variation>
+  <cs:variation>
+    <a:lumMod val="80000"/>
+  </cs:variation>
+  <cs:variation>
+    <a:lumMod val="60000"/>
+    <a:lumOff val="40000"/>
+  </cs:variation>
+  <cs:variation>
+    <a:lumMod val="50000"/>
+  </cs:variation>
+  <cs:variation>
+    <a:lumMod val="70000"/>
+    <a:lumOff val="30000"/>
+  </cs:variation>
+  <cs:variation>
+    <a:lumMod val="70000"/>
+  </cs:variation>
+  <cs:variation>
+    <a:lumMod val="50000"/>
+    <a:lumOff val="50000"/>
+  </cs:variation>
+</cs:colorStyle>
+</file>
+
 <file path=ppt/charts/style1.xml><?xml version="1.0" encoding="utf-8"?>
+<cs:chartStyle xmlns:cs="http://schemas.microsoft.com/office/drawing/2012/chartStyle" xmlns:a="http://schemas.openxmlformats.org/drawingml/2006/main" id="216">
+  <cs:axisTitle>
+    <cs:lnRef idx="0"/>
+    <cs:fillRef idx="0"/>
+    <cs:effectRef idx="0"/>
+    <cs:fontRef idx="minor">
+      <a:schemeClr val="tx1">
+        <a:lumMod val="65000"/>
+        <a:lumOff val="35000"/>
+      </a:schemeClr>
+    </cs:fontRef>
+    <cs:defRPr sz="1330" kern="1200"/>
+  </cs:axisTitle>
+  <cs:categoryAxis>
+    <cs:lnRef idx="0"/>
+    <cs:fillRef idx="0"/>
+    <cs:effectRef idx="0"/>
+    <cs:fontRef idx="minor">
+      <a:schemeClr val="tx1">
+        <a:lumMod val="65000"/>
+        <a:lumOff val="35000"/>
+      </a:schemeClr>
+    </cs:fontRef>
+    <cs:spPr>
+      <a:ln w="9525" cap="flat" cmpd="sng" algn="ctr">
+        <a:solidFill>
+          <a:schemeClr val="tx1">
+            <a:lumMod val="15000"/>
+            <a:lumOff val="85000"/>
+          </a:schemeClr>
+        </a:solidFill>
+        <a:round/>
+      </a:ln>
+    </cs:spPr>
+    <cs:defRPr sz="1197" kern="1200"/>
+  </cs:categoryAxis>
+  <cs:chartArea mods="allowNoFillOverride allowNoLineOverride">
+    <cs:lnRef idx="0"/>
+    <cs:fillRef idx="0"/>
+    <cs:effectRef idx="0"/>
+    <cs:fontRef idx="minor">
+      <a:schemeClr val="tx1"/>
+    </cs:fontRef>
+    <cs:spPr>
+      <a:solidFill>
+        <a:schemeClr val="bg1"/>
+      </a:solidFill>
+      <a:ln w="9525" cap="flat" cmpd="sng" algn="ctr">
+        <a:solidFill>
+          <a:schemeClr val="tx1">
+            <a:lumMod val="15000"/>
+            <a:lumOff val="85000"/>
+          </a:schemeClr>
+        </a:solidFill>
+        <a:round/>
+      </a:ln>
+    </cs:spPr>
+    <cs:defRPr sz="1330" kern="1200"/>
+  </cs:chartArea>
+  <cs:dataLabel>
+    <cs:lnRef idx="0"/>
+    <cs:fillRef idx="0"/>
+    <cs:effectRef idx="0"/>
+    <cs:fontRef idx="minor">
+      <a:schemeClr val="tx1">
+        <a:lumMod val="75000"/>
+        <a:lumOff val="25000"/>
+      </a:schemeClr>
+    </cs:fontRef>
+    <cs:defRPr sz="1197" kern="1200"/>
+  </cs:dataLabel>
+  <cs:dataLabelCallout>
+    <cs:lnRef idx="0"/>
+    <cs:fillRef idx="0"/>
+    <cs:effectRef idx="0"/>
+    <cs:fontRef idx="minor">
+      <a:schemeClr val="dk1">
+        <a:lumMod val="65000"/>
+        <a:lumOff val="35000"/>
+      </a:schemeClr>
+    </cs:fontRef>
+    <cs:spPr>
+      <a:solidFill>
+        <a:schemeClr val="lt1"/>
+      </a:solidFill>
+      <a:ln>
+        <a:solidFill>
+          <a:schemeClr val="dk1">
+            <a:lumMod val="25000"/>
+            <a:lumOff val="75000"/>
+          </a:schemeClr>
+        </a:solidFill>
+      </a:ln>
+    </cs:spPr>
+    <cs:defRPr sz="1197" kern="1200"/>
+    <cs:bodyPr rot="0" spcFirstLastPara="1" vertOverflow="clip" horzOverflow="clip" vert="horz" wrap="square" lIns="36576" tIns="18288" rIns="36576" bIns="18288" anchor="ctr" anchorCtr="1">
+      <a:spAutoFit/>
+    </cs:bodyPr>
+  </cs:dataLabelCallout>
+  <cs:dataPoint>
+    <cs:lnRef idx="0"/>
+    <cs:fillRef idx="1">
+      <cs:styleClr val="auto"/>
+    </cs:fillRef>
+    <cs:effectRef idx="0"/>
+    <cs:fontRef idx="minor">
+      <a:schemeClr val="tx1"/>
+    </cs:fontRef>
+  </cs:dataPoint>
+  <cs:dataPoint3D>
+    <cs:lnRef idx="0"/>
+    <cs:fillRef idx="1">
+      <cs:styleClr val="auto"/>
+    </cs:fillRef>
+    <cs:effectRef idx="0"/>
+    <cs:fontRef idx="minor">
+      <a:schemeClr val="tx1"/>
+    </cs:fontRef>
+  </cs:dataPoint3D>
+  <cs:dataPointLine>
+    <cs:lnRef idx="0">
+      <cs:styleClr val="auto"/>
+    </cs:lnRef>
+    <cs:fillRef idx="1"/>
+    <cs:effectRef idx="0"/>
+    <cs:fontRef idx="minor">
+      <a:schemeClr val="tx1"/>
+    </cs:fontRef>
+    <cs:spPr>
+      <a:ln w="28575" cap="rnd">
+        <a:solidFill>
+          <a:schemeClr val="phClr"/>
+        </a:solidFill>
+        <a:round/>
+      </a:ln>
+    </cs:spPr>
+  </cs:dataPointLine>
+  <cs:dataPointMarker>
+    <cs:lnRef idx="0">
+      <cs:styleClr val="auto"/>
+    </cs:lnRef>
+    <cs:fillRef idx="1">
+      <cs:styleClr val="auto"/>
+    </cs:fillRef>
+    <cs:effectRef idx="0"/>
+    <cs:fontRef idx="minor">
+      <a:schemeClr val="tx1"/>
+    </cs:fontRef>
+    <cs:spPr>
+      <a:ln w="9525">
+        <a:solidFill>
+          <a:schemeClr val="phClr"/>
+        </a:solidFill>
+      </a:ln>
+    </cs:spPr>
+  </cs:dataPointMarker>
+  <cs:dataPointMarkerLayout symbol="circle" size="5"/>
+  <cs:dataPointWireframe>
+    <cs:lnRef idx="0">
+      <cs:styleClr val="auto"/>
+    </cs:lnRef>
+    <cs:fillRef idx="1"/>
+    <cs:effectRef idx="0"/>
+    <cs:fontRef idx="minor">
+      <a:schemeClr val="tx1"/>
+    </cs:fontRef>
+    <cs:spPr>
+      <a:ln w="9525" cap="rnd">
+        <a:solidFill>
+          <a:schemeClr val="phClr"/>
+        </a:solidFill>
+        <a:round/>
+      </a:ln>
+    </cs:spPr>
+  </cs:dataPointWireframe>
+  <cs:dataTable>
+    <cs:lnRef idx="0"/>
+    <cs:fillRef idx="0"/>
+    <cs:effectRef idx="0"/>
+    <cs:fontRef idx="minor">
+      <a:schemeClr val="tx1">
+        <a:lumMod val="65000"/>
+        <a:lumOff val="35000"/>
+      </a:schemeClr>
+    </cs:fontRef>
+    <cs:spPr>
+      <a:noFill/>
+      <a:ln w="9525" cap="flat" cmpd="sng" algn="ctr">
+        <a:solidFill>
+          <a:schemeClr val="tx1">
+            <a:lumMod val="15000"/>
+            <a:lumOff val="85000"/>
+          </a:schemeClr>
+        </a:solidFill>
+        <a:round/>
+      </a:ln>
+    </cs:spPr>
+    <cs:defRPr sz="1197" kern="1200"/>
+  </cs:dataTable>
+  <cs:downBar>
+    <cs:lnRef idx="0"/>
+    <cs:fillRef idx="0"/>
+    <cs:effectRef idx="0"/>
+    <cs:fontRef idx="minor">
+      <a:schemeClr val="tx1"/>
+    </cs:fontRef>
+    <cs:spPr>
+      <a:solidFill>
+        <a:schemeClr val="dk1">
+          <a:lumMod val="75000"/>
+          <a:lumOff val="25000"/>
+        </a:schemeClr>
+      </a:solidFill>
+      <a:ln w="9525" cap="flat" cmpd="sng" algn="ctr">
+        <a:solidFill>
+          <a:schemeClr val="tx1">
+            <a:lumMod val="65000"/>
+            <a:lumOff val="35000"/>
+          </a:schemeClr>
+        </a:solidFill>
+        <a:round/>
+      </a:ln>
+    </cs:spPr>
+  </cs:downBar>
+  <cs:dropLine>
+    <cs:lnRef idx="0"/>
+    <cs:fillRef idx="0"/>
+    <cs:effectRef idx="0"/>
+    <cs:fontRef idx="minor">
+      <a:schemeClr val="tx1"/>
+    </cs:fontRef>
+    <cs:spPr>
+      <a:ln w="9525" cap="flat" cmpd="sng" algn="ctr">
+        <a:solidFill>
+          <a:schemeClr val="tx1">
+            <a:lumMod val="35000"/>
+            <a:lumOff val="65000"/>
+          </a:schemeClr>
+        </a:solidFill>
+        <a:round/>
+      </a:ln>
+    </cs:spPr>
+  </cs:dropLine>
+  <cs:errorBar>
+    <cs:lnRef idx="0"/>
+    <cs:fillRef idx="0"/>
+    <cs:effectRef idx="0"/>
+    <cs:fontRef idx="minor">
+      <a:schemeClr val="tx1"/>
+    </cs:fontRef>
+    <cs:spPr>
+      <a:ln w="9525" cap="flat" cmpd="sng" algn="ctr">
+        <a:solidFill>
+          <a:schemeClr val="tx1">
+            <a:lumMod val="65000"/>
+            <a:lumOff val="35000"/>
+          </a:schemeClr>
+        </a:solidFill>
+        <a:round/>
+      </a:ln>
+    </cs:spPr>
+  </cs:errorBar>
+  <cs:floor>
+    <cs:lnRef idx="0"/>
+    <cs:fillRef idx="0"/>
+    <cs:effectRef idx="0"/>
+    <cs:fontRef idx="minor">
+      <a:schemeClr val="tx1"/>
+    </cs:fontRef>
+    <cs:spPr>
+      <a:noFill/>
+      <a:ln>
+        <a:noFill/>
+      </a:ln>
+    </cs:spPr>
+  </cs:floor>
+  <cs:gridlineMajor>
+    <cs:lnRef idx="0"/>
+    <cs:fillRef idx="0"/>
+    <cs:effectRef idx="0"/>
+    <cs:fontRef idx="minor">
+      <a:schemeClr val="tx1"/>
+    </cs:fontRef>
+    <cs:spPr>
+      <a:ln w="9525" cap="flat" cmpd="sng" algn="ctr">
+        <a:solidFill>
+          <a:schemeClr val="tx1">
+            <a:lumMod val="15000"/>
+            <a:lumOff val="85000"/>
+          </a:schemeClr>
+        </a:solidFill>
+        <a:round/>
+      </a:ln>
+    </cs:spPr>
+  </cs:gridlineMajor>
+  <cs:gridlineMinor>
+    <cs:lnRef idx="0"/>
+    <cs:fillRef idx="0"/>
+    <cs:effectRef idx="0"/>
+    <cs:fontRef idx="minor">
+      <a:schemeClr val="tx1"/>
+    </cs:fontRef>
+    <cs:spPr>
+      <a:ln w="9525" cap="flat" cmpd="sng" algn="ctr">
+        <a:solidFill>
+          <a:schemeClr val="tx1">
+            <a:lumMod val="5000"/>
+            <a:lumOff val="95000"/>
+          </a:schemeClr>
+        </a:solidFill>
+        <a:round/>
+      </a:ln>
+    </cs:spPr>
+  </cs:gridlineMinor>
+  <cs:hiLoLine>
+    <cs:lnRef idx="0"/>
+    <cs:fillRef idx="0"/>
+    <cs:effectRef idx="0"/>
+    <cs:fontRef idx="minor">
+      <a:schemeClr val="tx1"/>
+    </cs:fontRef>
+    <cs:spPr>
+      <a:ln w="9525" cap="flat" cmpd="sng" algn="ctr">
+        <a:solidFill>
+          <a:schemeClr val="tx1">
+            <a:lumMod val="50000"/>
+            <a:lumOff val="50000"/>
+          </a:schemeClr>
+        </a:solidFill>
+        <a:round/>
+      </a:ln>
+    </cs:spPr>
+  </cs:hiLoLine>
+  <cs:leaderLine>
+    <cs:lnRef idx="0"/>
+    <cs:fillRef idx="0"/>
+    <cs:effectRef idx="0"/>
+    <cs:fontRef idx="minor">
+      <a:schemeClr val="tx1"/>
+    </cs:fontRef>
+    <cs:spPr>
+      <a:ln w="9525" cap="flat" cmpd="sng" algn="ctr">
+        <a:solidFill>
+          <a:schemeClr val="tx1">
+            <a:lumMod val="35000"/>
+            <a:lumOff val="65000"/>
+          </a:schemeClr>
+        </a:solidFill>
+        <a:round/>
+      </a:ln>
+    </cs:spPr>
+  </cs:leaderLine>
+  <cs:legend>
+    <cs:lnRef idx="0"/>
+    <cs:fillRef idx="0"/>
+    <cs:effectRef idx="0"/>
+    <cs:fontRef idx="minor">
+      <a:schemeClr val="tx1">
+        <a:lumMod val="65000"/>
+        <a:lumOff val="35000"/>
+      </a:schemeClr>
+    </cs:fontRef>
+    <cs:defRPr sz="1197" kern="1200"/>
+  </cs:legend>
+  <cs:plotArea mods="allowNoFillOverride allowNoLineOverride">
+    <cs:lnRef idx="0"/>
+    <cs:fillRef idx="0"/>
+    <cs:effectRef idx="0"/>
+    <cs:fontRef idx="minor">
+      <a:schemeClr val="tx1"/>
+    </cs:fontRef>
+  </cs:plotArea>
+  <cs:plotArea3D mods="allowNoFillOverride allowNoLineOverride">
+    <cs:lnRef idx="0"/>
+    <cs:fillRef idx="0"/>
+    <cs:effectRef idx="0"/>
+    <cs:fontRef idx="minor">
+      <a:schemeClr val="tx1"/>
+    </cs:fontRef>
+  </cs:plotArea3D>
+  <cs:seriesAxis>
+    <cs:lnRef idx="0"/>
+    <cs:fillRef idx="0"/>
+    <cs:effectRef idx="0"/>
+    <cs:fontRef idx="minor">
+      <a:schemeClr val="tx1">
+        <a:lumMod val="65000"/>
+        <a:lumOff val="35000"/>
+      </a:schemeClr>
+    </cs:fontRef>
+    <cs:defRPr sz="1197" kern="1200"/>
+  </cs:seriesAxis>
+  <cs:seriesLine>
+    <cs:lnRef idx="0"/>
+    <cs:fillRef idx="0"/>
+    <cs:effectRef idx="0"/>
+    <cs:fontRef idx="minor">
+      <a:schemeClr val="tx1"/>
+    </cs:fontRef>
+    <cs:spPr>
+      <a:ln w="9525" cap="flat" cmpd="sng" algn="ctr">
+        <a:solidFill>
+          <a:schemeClr val="tx1">
+            <a:lumMod val="35000"/>
+            <a:lumOff val="65000"/>
+          </a:schemeClr>
+        </a:solidFill>
+        <a:round/>
+      </a:ln>
+    </cs:spPr>
+  </cs:seriesLine>
+  <cs:title>
+    <cs:lnRef idx="0"/>
+    <cs:fillRef idx="0"/>
+    <cs:effectRef idx="0"/>
+    <cs:fontRef idx="minor">
+      <a:schemeClr val="tx1">
+        <a:lumMod val="65000"/>
+        <a:lumOff val="35000"/>
+      </a:schemeClr>
+    </cs:fontRef>
+    <cs:defRPr sz="1862" b="0" kern="1200" spc="0" baseline="0"/>
+  </cs:title>
+  <cs:trendline>
+    <cs:lnRef idx="0">
+      <cs:styleClr val="auto"/>
+    </cs:lnRef>
+    <cs:fillRef idx="0"/>
+    <cs:effectRef idx="0"/>
+    <cs:fontRef idx="minor">
+      <a:schemeClr val="tx1"/>
+    </cs:fontRef>
+    <cs:spPr>
+      <a:ln w="19050" cap="rnd">
+        <a:solidFill>
+          <a:schemeClr val="phClr"/>
+        </a:solidFill>
+        <a:prstDash val="sysDot"/>
+      </a:ln>
+    </cs:spPr>
+  </cs:trendline>
+  <cs:trendlineLabel>
+    <cs:lnRef idx="0"/>
+    <cs:fillRef idx="0"/>
+    <cs:effectRef idx="0"/>
+    <cs:fontRef idx="minor">
+      <a:schemeClr val="tx1">
+        <a:lumMod val="65000"/>
+        <a:lumOff val="35000"/>
+      </a:schemeClr>
+    </cs:fontRef>
+    <cs:defRPr sz="1197" kern="1200"/>
+  </cs:trendlineLabel>
+  <cs:upBar>
+    <cs:lnRef idx="0"/>
+    <cs:fillRef idx="0"/>
+    <cs:effectRef idx="0"/>
+    <cs:fontRef idx="minor">
+      <a:schemeClr val="tx1"/>
+    </cs:fontRef>
+    <cs:spPr>
+      <a:solidFill>
+        <a:schemeClr val="lt1"/>
+      </a:solidFill>
+      <a:ln w="9525" cap="flat" cmpd="sng" algn="ctr">
+        <a:solidFill>
+          <a:schemeClr val="tx1">
+            <a:lumMod val="65000"/>
+            <a:lumOff val="35000"/>
+          </a:schemeClr>
+        </a:solidFill>
+        <a:round/>
+      </a:ln>
+    </cs:spPr>
+  </cs:upBar>
+  <cs:valueAxis>
+    <cs:lnRef idx="0"/>
+    <cs:fillRef idx="0"/>
+    <cs:effectRef idx="0"/>
+    <cs:fontRef idx="minor">
+      <a:schemeClr val="tx1">
+        <a:lumMod val="65000"/>
+        <a:lumOff val="35000"/>
+      </a:schemeClr>
+    </cs:fontRef>
+    <cs:defRPr sz="1197" kern="1200"/>
+  </cs:valueAxis>
+  <cs:wall>
+    <cs:lnRef idx="0"/>
+    <cs:fillRef idx="0"/>
+    <cs:effectRef idx="0"/>
+    <cs:fontRef idx="minor">
+      <a:schemeClr val="tx1"/>
+    </cs:fontRef>
+    <cs:spPr>
+      <a:noFill/>
+      <a:ln>
+        <a:noFill/>
+      </a:ln>
+    </cs:spPr>
+  </cs:wall>
+</cs:chartStyle>
+</file>
+
+<file path=ppt/charts/style2.xml><?xml version="1.0" encoding="utf-8"?>
 <cs:chartStyle xmlns:cs="http://schemas.microsoft.com/office/drawing/2012/chartStyle" xmlns:a="http://schemas.openxmlformats.org/drawingml/2006/main" id="216">
   <cs:axisTitle>
     <cs:lnRef idx="0"/>
@@ -5583,2028 +6658,6 @@
           <p:cNvPr id="2" name="Titolo 1">
             <a:extLst>
               <a:ext uri="{FF2B5EF4-FFF2-40B4-BE49-F238E27FC236}">
-                <a16:creationId xmlns:a16="http://schemas.microsoft.com/office/drawing/2014/main" id="{ED47AE72-2B39-96DA-10BF-8D784A8EF107}"/>
-              </a:ext>
-            </a:extLst>
-          </p:cNvPr>
-          <p:cNvSpPr>
-            <a:spLocks noGrp="1"/>
-          </p:cNvSpPr>
-          <p:nvPr>
-            <p:ph type="title"/>
-          </p:nvPr>
-        </p:nvSpPr>
-        <p:spPr>
-          <a:xfrm>
-            <a:off x="838200" y="415400"/>
-            <a:ext cx="7148945" cy="590931"/>
-          </a:xfrm>
-        </p:spPr>
-        <p:txBody>
-          <a:bodyPr/>
-          <a:lstStyle/>
-          <a:p>
-            <a:r>
-              <a:rPr lang="it-IT" spc="-5" dirty="0"/>
-              <a:t>Confronto con altre Strategie Standard</a:t>
-            </a:r>
-            <a:endParaRPr lang="it-IT" dirty="0"/>
-          </a:p>
-        </p:txBody>
-      </p:sp>
-      <mc:AlternateContent xmlns:mc="http://schemas.openxmlformats.org/markup-compatibility/2006" xmlns:a14="http://schemas.microsoft.com/office/drawing/2010/main">
-        <mc:Choice Requires="a14">
-          <p:graphicFrame>
-            <p:nvGraphicFramePr>
-              <p:cNvPr id="6" name="Tabella 6">
-                <a:extLst>
-                  <a:ext uri="{FF2B5EF4-FFF2-40B4-BE49-F238E27FC236}">
-                    <a16:creationId xmlns:a16="http://schemas.microsoft.com/office/drawing/2014/main" id="{ACFAF3AA-B861-1D84-69F1-234BB99AC45B}"/>
-                  </a:ext>
-                </a:extLst>
-              </p:cNvPr>
-              <p:cNvGraphicFramePr>
-                <a:graphicFrameLocks noGrp="1"/>
-              </p:cNvGraphicFramePr>
-              <p:nvPr>
-                <p:ph idx="1"/>
-                <p:extLst>
-                  <p:ext uri="{D42A27DB-BD31-4B8C-83A1-F6EECF244321}">
-                    <p14:modId xmlns:p14="http://schemas.microsoft.com/office/powerpoint/2010/main" val="1905756508"/>
-                  </p:ext>
-                </p:extLst>
-              </p:nvPr>
-            </p:nvGraphicFramePr>
-            <p:xfrm>
-              <a:off x="838200" y="1328738"/>
-              <a:ext cx="10515600" cy="3337560"/>
-            </p:xfrm>
-            <a:graphic>
-              <a:graphicData uri="http://schemas.openxmlformats.org/drawingml/2006/table">
-                <a:tbl>
-                  <a:tblPr firstRow="1" bandRow="1">
-                    <a:tableStyleId>{5940675A-B579-460E-94D1-54222C63F5DA}</a:tableStyleId>
-                  </a:tblPr>
-                  <a:tblGrid>
-                    <a:gridCol w="2628900">
-                      <a:extLst>
-                        <a:ext uri="{9D8B030D-6E8A-4147-A177-3AD203B41FA5}">
-                          <a16:colId xmlns:a16="http://schemas.microsoft.com/office/drawing/2014/main" val="2195940166"/>
-                        </a:ext>
-                      </a:extLst>
-                    </a:gridCol>
-                    <a:gridCol w="2628900">
-                      <a:extLst>
-                        <a:ext uri="{9D8B030D-6E8A-4147-A177-3AD203B41FA5}">
-                          <a16:colId xmlns:a16="http://schemas.microsoft.com/office/drawing/2014/main" val="3545783130"/>
-                        </a:ext>
-                      </a:extLst>
-                    </a:gridCol>
-                    <a:gridCol w="2628900">
-                      <a:extLst>
-                        <a:ext uri="{9D8B030D-6E8A-4147-A177-3AD203B41FA5}">
-                          <a16:colId xmlns:a16="http://schemas.microsoft.com/office/drawing/2014/main" val="1872192738"/>
-                        </a:ext>
-                      </a:extLst>
-                    </a:gridCol>
-                    <a:gridCol w="2628900">
-                      <a:extLst>
-                        <a:ext uri="{9D8B030D-6E8A-4147-A177-3AD203B41FA5}">
-                          <a16:colId xmlns:a16="http://schemas.microsoft.com/office/drawing/2014/main" val="702745383"/>
-                        </a:ext>
-                      </a:extLst>
-                    </a:gridCol>
-                  </a:tblGrid>
-                  <a:tr h="370840">
-                    <a:tc>
-                      <a:txBody>
-                        <a:bodyPr/>
-                        <a:lstStyle/>
-                        <a:p>
-                          <a:pPr algn="ctr"/>
-                          <a:r>
-                            <a:rPr lang="en-GB" sz="1100" dirty="0">
-                              <a:effectLst/>
-                            </a:rPr>
-                            <a:t>Strategy</a:t>
-                          </a:r>
-                          <a:endParaRPr lang="it-IT" sz="1100" dirty="0">
-                            <a:effectLst/>
-                            <a:latin typeface="Times New Roman" panose="02020603050405020304" pitchFamily="18" charset="0"/>
-                            <a:ea typeface="Times New Roman" panose="02020603050405020304" pitchFamily="18" charset="0"/>
-                          </a:endParaRPr>
-                        </a:p>
-                      </a:txBody>
-                      <a:tcPr marL="60735" marR="60735" marT="0" marB="0" anchor="ctr"/>
-                    </a:tc>
-                    <a:tc>
-                      <a:txBody>
-                        <a:bodyPr/>
-                        <a:lstStyle/>
-                        <a:p>
-                          <a:pPr algn="ctr"/>
-                          <a14:m>
-                            <m:oMathPara xmlns:m="http://schemas.openxmlformats.org/officeDocument/2006/math">
-                              <m:oMathParaPr>
-                                <m:jc m:val="centerGroup"/>
-                              </m:oMathParaPr>
-                              <m:oMath xmlns:m="http://schemas.openxmlformats.org/officeDocument/2006/math">
-                                <m:r>
-                                  <m:rPr>
-                                    <m:sty m:val="p"/>
-                                  </m:rPr>
-                                  <a:rPr lang="en-GB" sz="1100">
-                                    <a:effectLst/>
-                                    <a:latin typeface="Cambria Math" panose="02040503050406030204" pitchFamily="18" charset="0"/>
-                                  </a:rPr>
-                                  <m:t>Δ</m:t>
-                                </m:r>
-                                <m:r>
-                                  <a:rPr lang="en-GB" sz="1100">
-                                    <a:effectLst/>
-                                    <a:latin typeface="Cambria Math" panose="02040503050406030204" pitchFamily="18" charset="0"/>
-                                  </a:rPr>
-                                  <m:t>𝑡</m:t>
-                                </m:r>
-                                <m:r>
-                                  <a:rPr lang="en-GB" sz="1100">
-                                    <a:effectLst/>
-                                    <a:latin typeface="Cambria Math" panose="02040503050406030204" pitchFamily="18" charset="0"/>
-                                  </a:rPr>
-                                  <m:t> [</m:t>
-                                </m:r>
-                                <m:r>
-                                  <a:rPr lang="en-GB" sz="1100">
-                                    <a:effectLst/>
-                                    <a:latin typeface="Cambria Math" panose="02040503050406030204" pitchFamily="18" charset="0"/>
-                                  </a:rPr>
-                                  <m:t>𝑠</m:t>
-                                </m:r>
-                                <m:r>
-                                  <a:rPr lang="en-GB" sz="1100">
-                                    <a:effectLst/>
-                                    <a:latin typeface="Cambria Math" panose="02040503050406030204" pitchFamily="18" charset="0"/>
-                                  </a:rPr>
-                                  <m:t>]</m:t>
-                                </m:r>
-                              </m:oMath>
-                            </m:oMathPara>
-                          </a14:m>
-                          <a:endParaRPr lang="it-IT" sz="1100">
-                            <a:effectLst/>
-                            <a:latin typeface="Times New Roman" panose="02020603050405020304" pitchFamily="18" charset="0"/>
-                            <a:ea typeface="Times New Roman" panose="02020603050405020304" pitchFamily="18" charset="0"/>
-                          </a:endParaRPr>
-                        </a:p>
-                      </a:txBody>
-                      <a:tcPr marL="60735" marR="60735" marT="0" marB="0" anchor="ctr"/>
-                    </a:tc>
-                    <a:tc>
-                      <a:txBody>
-                        <a:bodyPr/>
-                        <a:lstStyle/>
-                        <a:p>
-                          <a:pPr algn="ctr"/>
-                          <a14:m>
-                            <m:oMathPara xmlns:m="http://schemas.openxmlformats.org/officeDocument/2006/math">
-                              <m:oMathParaPr>
-                                <m:jc m:val="centerGroup"/>
-                              </m:oMathParaPr>
-                              <m:oMath xmlns:m="http://schemas.openxmlformats.org/officeDocument/2006/math">
-                                <m:r>
-                                  <m:rPr>
-                                    <m:sty m:val="p"/>
-                                  </m:rPr>
-                                  <a:rPr lang="en-GB" sz="1100">
-                                    <a:effectLst/>
-                                    <a:latin typeface="Cambria Math" panose="02040503050406030204" pitchFamily="18" charset="0"/>
-                                  </a:rPr>
-                                  <m:t>Δ</m:t>
-                                </m:r>
-                                <m:r>
-                                  <a:rPr lang="en-GB" sz="1100">
-                                    <a:effectLst/>
-                                    <a:latin typeface="Cambria Math" panose="02040503050406030204" pitchFamily="18" charset="0"/>
-                                  </a:rPr>
-                                  <m:t>𝑡</m:t>
-                                </m:r>
-                                <m:r>
-                                  <a:rPr lang="en-GB" sz="1100">
-                                    <a:effectLst/>
-                                    <a:latin typeface="Cambria Math" panose="02040503050406030204" pitchFamily="18" charset="0"/>
-                                  </a:rPr>
-                                  <m:t> [</m:t>
-                                </m:r>
-                                <m:r>
-                                  <a:rPr lang="en-GB" sz="1100">
-                                    <a:effectLst/>
-                                    <a:latin typeface="Cambria Math" panose="02040503050406030204" pitchFamily="18" charset="0"/>
-                                  </a:rPr>
-                                  <m:t>h</m:t>
-                                </m:r>
-                                <m:r>
-                                  <a:rPr lang="en-GB" sz="1100">
-                                    <a:effectLst/>
-                                    <a:latin typeface="Cambria Math" panose="02040503050406030204" pitchFamily="18" charset="0"/>
-                                  </a:rPr>
-                                  <m:t>]</m:t>
-                                </m:r>
-                              </m:oMath>
-                            </m:oMathPara>
-                          </a14:m>
-                          <a:endParaRPr lang="it-IT" sz="1100" dirty="0">
-                            <a:effectLst/>
-                            <a:latin typeface="Times New Roman" panose="02020603050405020304" pitchFamily="18" charset="0"/>
-                            <a:ea typeface="Times New Roman" panose="02020603050405020304" pitchFamily="18" charset="0"/>
-                          </a:endParaRPr>
-                        </a:p>
-                      </a:txBody>
-                      <a:tcPr marL="60735" marR="60735" marT="0" marB="0" anchor="ctr"/>
-                    </a:tc>
-                    <a:tc>
-                      <a:txBody>
-                        <a:bodyPr/>
-                        <a:lstStyle/>
-                        <a:p>
-                          <a:pPr algn="ctr"/>
-                          <a14:m>
-                            <m:oMathPara xmlns:m="http://schemas.openxmlformats.org/officeDocument/2006/math">
-                              <m:oMathParaPr>
-                                <m:jc m:val="centerGroup"/>
-                              </m:oMathParaPr>
-                              <m:oMath xmlns:m="http://schemas.openxmlformats.org/officeDocument/2006/math">
-                                <m:r>
-                                  <m:rPr>
-                                    <m:sty m:val="p"/>
-                                  </m:rPr>
-                                  <a:rPr lang="en-GB" sz="1100">
-                                    <a:effectLst/>
-                                    <a:latin typeface="Cambria Math" panose="02040503050406030204" pitchFamily="18" charset="0"/>
-                                  </a:rPr>
-                                  <m:t>Δ</m:t>
-                                </m:r>
-                                <m:r>
-                                  <a:rPr lang="en-GB" sz="1100">
-                                    <a:effectLst/>
-                                    <a:latin typeface="Cambria Math" panose="02040503050406030204" pitchFamily="18" charset="0"/>
-                                  </a:rPr>
-                                  <m:t>𝑣</m:t>
-                                </m:r>
-                                <m:r>
-                                  <a:rPr lang="en-GB" sz="1100">
-                                    <a:effectLst/>
-                                    <a:latin typeface="Cambria Math" panose="02040503050406030204" pitchFamily="18" charset="0"/>
-                                  </a:rPr>
-                                  <m:t> [</m:t>
-                                </m:r>
-                                <m:r>
-                                  <a:rPr lang="en-GB" sz="1100">
-                                    <a:effectLst/>
-                                    <a:latin typeface="Cambria Math" panose="02040503050406030204" pitchFamily="18" charset="0"/>
-                                  </a:rPr>
-                                  <m:t>𝑘𝑚</m:t>
-                                </m:r>
-                                <m:r>
-                                  <a:rPr lang="en-GB" sz="1100">
-                                    <a:effectLst/>
-                                    <a:latin typeface="Cambria Math" panose="02040503050406030204" pitchFamily="18" charset="0"/>
-                                  </a:rPr>
-                                  <m:t>/</m:t>
-                                </m:r>
-                                <m:r>
-                                  <a:rPr lang="en-GB" sz="1100">
-                                    <a:effectLst/>
-                                    <a:latin typeface="Cambria Math" panose="02040503050406030204" pitchFamily="18" charset="0"/>
-                                  </a:rPr>
-                                  <m:t>𝑠</m:t>
-                                </m:r>
-                                <m:r>
-                                  <a:rPr lang="en-GB" sz="1100">
-                                    <a:effectLst/>
-                                    <a:latin typeface="Cambria Math" panose="02040503050406030204" pitchFamily="18" charset="0"/>
-                                  </a:rPr>
-                                  <m:t>]</m:t>
-                                </m:r>
-                              </m:oMath>
-                            </m:oMathPara>
-                          </a14:m>
-                          <a:endParaRPr lang="it-IT" sz="1100">
-                            <a:effectLst/>
-                            <a:latin typeface="Times New Roman" panose="02020603050405020304" pitchFamily="18" charset="0"/>
-                            <a:ea typeface="Times New Roman" panose="02020603050405020304" pitchFamily="18" charset="0"/>
-                          </a:endParaRPr>
-                        </a:p>
-                      </a:txBody>
-                      <a:tcPr marL="60735" marR="60735" marT="0" marB="0" anchor="ctr"/>
-                    </a:tc>
-                    <a:extLst>
-                      <a:ext uri="{0D108BD9-81ED-4DB2-BD59-A6C34878D82A}">
-                        <a16:rowId xmlns:a16="http://schemas.microsoft.com/office/drawing/2014/main" val="3468730560"/>
-                      </a:ext>
-                    </a:extLst>
-                  </a:tr>
-                  <a:tr h="370840">
-                    <a:tc>
-                      <a:txBody>
-                        <a:bodyPr/>
-                        <a:lstStyle/>
-                        <a:p>
-                          <a:pPr algn="ctr"/>
-                          <a:r>
-                            <a:rPr lang="en-GB" sz="1100">
-                              <a:effectLst/>
-                            </a:rPr>
-                            <a:t>Standard 1</a:t>
-                          </a:r>
-                          <a:endParaRPr lang="it-IT" sz="1100">
-                            <a:effectLst/>
-                            <a:latin typeface="Times New Roman" panose="02020603050405020304" pitchFamily="18" charset="0"/>
-                            <a:ea typeface="Times New Roman" panose="02020603050405020304" pitchFamily="18" charset="0"/>
-                          </a:endParaRPr>
-                        </a:p>
-                      </a:txBody>
-                      <a:tcPr marL="60735" marR="60735" marT="0" marB="0" anchor="ctr"/>
-                    </a:tc>
-                    <a:tc>
-                      <a:txBody>
-                        <a:bodyPr/>
-                        <a:lstStyle/>
-                        <a:p>
-                          <a:pPr algn="ctr"/>
-                          <a:r>
-                            <a:rPr lang="en-GB" sz="1100">
-                              <a:effectLst/>
-                            </a:rPr>
-                            <a:t>17523.1496</a:t>
-                          </a:r>
-                          <a:endParaRPr lang="it-IT" sz="1100">
-                            <a:effectLst/>
-                            <a:latin typeface="Times New Roman" panose="02020603050405020304" pitchFamily="18" charset="0"/>
-                            <a:ea typeface="Times New Roman" panose="02020603050405020304" pitchFamily="18" charset="0"/>
-                          </a:endParaRPr>
-                        </a:p>
-                      </a:txBody>
-                      <a:tcPr marL="60735" marR="60735" marT="0" marB="0" anchor="ctr"/>
-                    </a:tc>
-                    <a:tc>
-                      <a:txBody>
-                        <a:bodyPr/>
-                        <a:lstStyle/>
-                        <a:p>
-                          <a:pPr algn="ctr"/>
-                          <a:r>
-                            <a:rPr lang="en-GB" sz="1100" dirty="0">
-                              <a:effectLst/>
-                            </a:rPr>
-                            <a:t>4.8675</a:t>
-                          </a:r>
-                          <a:endParaRPr lang="it-IT" sz="1100" dirty="0">
-                            <a:effectLst/>
-                            <a:latin typeface="Times New Roman" panose="02020603050405020304" pitchFamily="18" charset="0"/>
-                            <a:ea typeface="Times New Roman" panose="02020603050405020304" pitchFamily="18" charset="0"/>
-                          </a:endParaRPr>
-                        </a:p>
-                      </a:txBody>
-                      <a:tcPr marL="60735" marR="60735" marT="0" marB="0" anchor="ctr"/>
-                    </a:tc>
-                    <a:tc>
-                      <a:txBody>
-                        <a:bodyPr/>
-                        <a:lstStyle/>
-                        <a:p>
-                          <a:pPr algn="ctr"/>
-                          <a:r>
-                            <a:rPr lang="en-GB" sz="1100">
-                              <a:effectLst/>
-                            </a:rPr>
-                            <a:t>6.6450</a:t>
-                          </a:r>
-                          <a:endParaRPr lang="it-IT" sz="1100">
-                            <a:effectLst/>
-                            <a:latin typeface="Times New Roman" panose="02020603050405020304" pitchFamily="18" charset="0"/>
-                            <a:ea typeface="Times New Roman" panose="02020603050405020304" pitchFamily="18" charset="0"/>
-                          </a:endParaRPr>
-                        </a:p>
-                      </a:txBody>
-                      <a:tcPr marL="60735" marR="60735" marT="0" marB="0" anchor="ctr"/>
-                    </a:tc>
-                    <a:extLst>
-                      <a:ext uri="{0D108BD9-81ED-4DB2-BD59-A6C34878D82A}">
-                        <a16:rowId xmlns:a16="http://schemas.microsoft.com/office/drawing/2014/main" val="938075366"/>
-                      </a:ext>
-                    </a:extLst>
-                  </a:tr>
-                  <a:tr h="370840">
-                    <a:tc>
-                      <a:txBody>
-                        <a:bodyPr/>
-                        <a:lstStyle/>
-                        <a:p>
-                          <a:pPr algn="ctr"/>
-                          <a:r>
-                            <a:rPr lang="en-GB" sz="1100">
-                              <a:effectLst/>
-                            </a:rPr>
-                            <a:t>Standard 2</a:t>
-                          </a:r>
-                          <a:endParaRPr lang="it-IT" sz="1100">
-                            <a:effectLst/>
-                            <a:latin typeface="Times New Roman" panose="02020603050405020304" pitchFamily="18" charset="0"/>
-                            <a:ea typeface="Times New Roman" panose="02020603050405020304" pitchFamily="18" charset="0"/>
-                          </a:endParaRPr>
-                        </a:p>
-                      </a:txBody>
-                      <a:tcPr marL="60735" marR="60735" marT="0" marB="0" anchor="ctr"/>
-                    </a:tc>
-                    <a:tc>
-                      <a:txBody>
-                        <a:bodyPr/>
-                        <a:lstStyle/>
-                        <a:p>
-                          <a:pPr algn="ctr"/>
-                          <a:r>
-                            <a:rPr lang="en-GB" sz="1100">
-                              <a:effectLst/>
-                            </a:rPr>
-                            <a:t>14461.7429</a:t>
-                          </a:r>
-                          <a:endParaRPr lang="it-IT" sz="1100">
-                            <a:effectLst/>
-                            <a:latin typeface="Times New Roman" panose="02020603050405020304" pitchFamily="18" charset="0"/>
-                            <a:ea typeface="Times New Roman" panose="02020603050405020304" pitchFamily="18" charset="0"/>
-                          </a:endParaRPr>
-                        </a:p>
-                      </a:txBody>
-                      <a:tcPr marL="60735" marR="60735" marT="0" marB="0" anchor="ctr"/>
-                    </a:tc>
-                    <a:tc>
-                      <a:txBody>
-                        <a:bodyPr/>
-                        <a:lstStyle/>
-                        <a:p>
-                          <a:pPr algn="ctr"/>
-                          <a:r>
-                            <a:rPr lang="en-GB" sz="1100">
-                              <a:effectLst/>
-                            </a:rPr>
-                            <a:t>4.0172</a:t>
-                          </a:r>
-                          <a:endParaRPr lang="it-IT" sz="1100">
-                            <a:effectLst/>
-                            <a:latin typeface="Times New Roman" panose="02020603050405020304" pitchFamily="18" charset="0"/>
-                            <a:ea typeface="Times New Roman" panose="02020603050405020304" pitchFamily="18" charset="0"/>
-                          </a:endParaRPr>
-                        </a:p>
-                      </a:txBody>
-                      <a:tcPr marL="60735" marR="60735" marT="0" marB="0" anchor="ctr"/>
-                    </a:tc>
-                    <a:tc>
-                      <a:txBody>
-                        <a:bodyPr/>
-                        <a:lstStyle/>
-                        <a:p>
-                          <a:pPr algn="ctr"/>
-                          <a:r>
-                            <a:rPr lang="en-GB" sz="1100">
-                              <a:effectLst/>
-                            </a:rPr>
-                            <a:t>7.1386</a:t>
-                          </a:r>
-                          <a:endParaRPr lang="it-IT" sz="1100">
-                            <a:effectLst/>
-                            <a:latin typeface="Times New Roman" panose="02020603050405020304" pitchFamily="18" charset="0"/>
-                            <a:ea typeface="Times New Roman" panose="02020603050405020304" pitchFamily="18" charset="0"/>
-                          </a:endParaRPr>
-                        </a:p>
-                      </a:txBody>
-                      <a:tcPr marL="60735" marR="60735" marT="0" marB="0" anchor="ctr"/>
-                    </a:tc>
-                    <a:extLst>
-                      <a:ext uri="{0D108BD9-81ED-4DB2-BD59-A6C34878D82A}">
-                        <a16:rowId xmlns:a16="http://schemas.microsoft.com/office/drawing/2014/main" val="632237024"/>
-                      </a:ext>
-                    </a:extLst>
-                  </a:tr>
-                  <a:tr h="370840">
-                    <a:tc>
-                      <a:txBody>
-                        <a:bodyPr/>
-                        <a:lstStyle/>
-                        <a:p>
-                          <a:pPr algn="ctr"/>
-                          <a:r>
-                            <a:rPr lang="en-GB" sz="1100" dirty="0">
-                              <a:effectLst/>
-                            </a:rPr>
-                            <a:t>Standard 3</a:t>
-                          </a:r>
-                          <a:endParaRPr lang="it-IT" sz="1100" dirty="0">
-                            <a:effectLst/>
-                            <a:latin typeface="Times New Roman" panose="02020603050405020304" pitchFamily="18" charset="0"/>
-                            <a:ea typeface="Times New Roman" panose="02020603050405020304" pitchFamily="18" charset="0"/>
-                          </a:endParaRPr>
-                        </a:p>
-                      </a:txBody>
-                      <a:tcPr marL="60735" marR="60735" marT="0" marB="0" anchor="ctr"/>
-                    </a:tc>
-                    <a:tc>
-                      <a:txBody>
-                        <a:bodyPr/>
-                        <a:lstStyle/>
-                        <a:p>
-                          <a:pPr algn="ctr"/>
-                          <a:r>
-                            <a:rPr lang="en-GB" sz="1100">
-                              <a:effectLst/>
-                            </a:rPr>
-                            <a:t>17464.4130</a:t>
-                          </a:r>
-                          <a:endParaRPr lang="it-IT" sz="1100">
-                            <a:effectLst/>
-                            <a:latin typeface="Times New Roman" panose="02020603050405020304" pitchFamily="18" charset="0"/>
-                            <a:ea typeface="Times New Roman" panose="02020603050405020304" pitchFamily="18" charset="0"/>
-                          </a:endParaRPr>
-                        </a:p>
-                      </a:txBody>
-                      <a:tcPr marL="60735" marR="60735" marT="0" marB="0" anchor="ctr"/>
-                    </a:tc>
-                    <a:tc>
-                      <a:txBody>
-                        <a:bodyPr/>
-                        <a:lstStyle/>
-                        <a:p>
-                          <a:pPr algn="ctr"/>
-                          <a:r>
-                            <a:rPr lang="en-GB" sz="1100" dirty="0">
-                              <a:effectLst/>
-                            </a:rPr>
-                            <a:t>4.8512</a:t>
-                          </a:r>
-                          <a:endParaRPr lang="it-IT" sz="1100" dirty="0">
-                            <a:effectLst/>
-                            <a:latin typeface="Times New Roman" panose="02020603050405020304" pitchFamily="18" charset="0"/>
-                            <a:ea typeface="Times New Roman" panose="02020603050405020304" pitchFamily="18" charset="0"/>
-                          </a:endParaRPr>
-                        </a:p>
-                      </a:txBody>
-                      <a:tcPr marL="60735" marR="60735" marT="0" marB="0" anchor="ctr"/>
-                    </a:tc>
-                    <a:tc>
-                      <a:txBody>
-                        <a:bodyPr/>
-                        <a:lstStyle/>
-                        <a:p>
-                          <a:pPr algn="ctr"/>
-                          <a:r>
-                            <a:rPr lang="en-GB" sz="1100">
-                              <a:effectLst/>
-                            </a:rPr>
-                            <a:t>7.1222</a:t>
-                          </a:r>
-                          <a:endParaRPr lang="it-IT" sz="1100">
-                            <a:effectLst/>
-                            <a:latin typeface="Times New Roman" panose="02020603050405020304" pitchFamily="18" charset="0"/>
-                            <a:ea typeface="Times New Roman" panose="02020603050405020304" pitchFamily="18" charset="0"/>
-                          </a:endParaRPr>
-                        </a:p>
-                      </a:txBody>
-                      <a:tcPr marL="60735" marR="60735" marT="0" marB="0" anchor="ctr"/>
-                    </a:tc>
-                    <a:extLst>
-                      <a:ext uri="{0D108BD9-81ED-4DB2-BD59-A6C34878D82A}">
-                        <a16:rowId xmlns:a16="http://schemas.microsoft.com/office/drawing/2014/main" val="3290452401"/>
-                      </a:ext>
-                    </a:extLst>
-                  </a:tr>
-                  <a:tr h="370840">
-                    <a:tc>
-                      <a:txBody>
-                        <a:bodyPr/>
-                        <a:lstStyle/>
-                        <a:p>
-                          <a:pPr algn="ctr"/>
-                          <a:r>
-                            <a:rPr lang="en-GB" sz="1100" dirty="0">
-                              <a:effectLst/>
-                            </a:rPr>
-                            <a:t>Standard 4</a:t>
-                          </a:r>
-                          <a:endParaRPr lang="it-IT" sz="1100" dirty="0">
-                            <a:effectLst/>
-                            <a:latin typeface="Times New Roman" panose="02020603050405020304" pitchFamily="18" charset="0"/>
-                            <a:ea typeface="Times New Roman" panose="02020603050405020304" pitchFamily="18" charset="0"/>
-                          </a:endParaRPr>
-                        </a:p>
-                      </a:txBody>
-                      <a:tcPr marL="60735" marR="60735" marT="0" marB="0" anchor="ctr"/>
-                    </a:tc>
-                    <a:tc>
-                      <a:txBody>
-                        <a:bodyPr/>
-                        <a:lstStyle/>
-                        <a:p>
-                          <a:pPr algn="ctr"/>
-                          <a:r>
-                            <a:rPr lang="en-GB" sz="1100">
-                              <a:effectLst/>
-                            </a:rPr>
-                            <a:t>21973.3098</a:t>
-                          </a:r>
-                          <a:endParaRPr lang="it-IT" sz="1100">
-                            <a:effectLst/>
-                            <a:latin typeface="Times New Roman" panose="02020603050405020304" pitchFamily="18" charset="0"/>
-                            <a:ea typeface="Times New Roman" panose="02020603050405020304" pitchFamily="18" charset="0"/>
-                          </a:endParaRPr>
-                        </a:p>
-                      </a:txBody>
-                      <a:tcPr marL="60735" marR="60735" marT="0" marB="0" anchor="ctr"/>
-                    </a:tc>
-                    <a:tc>
-                      <a:txBody>
-                        <a:bodyPr/>
-                        <a:lstStyle/>
-                        <a:p>
-                          <a:pPr algn="ctr"/>
-                          <a:r>
-                            <a:rPr lang="en-GB" sz="1100" dirty="0">
-                              <a:effectLst/>
-                            </a:rPr>
-                            <a:t>6.1037</a:t>
-                          </a:r>
-                          <a:endParaRPr lang="it-IT" sz="1100" dirty="0">
-                            <a:effectLst/>
-                            <a:latin typeface="Times New Roman" panose="02020603050405020304" pitchFamily="18" charset="0"/>
-                            <a:ea typeface="Times New Roman" panose="02020603050405020304" pitchFamily="18" charset="0"/>
-                          </a:endParaRPr>
-                        </a:p>
-                      </a:txBody>
-                      <a:tcPr marL="60735" marR="60735" marT="0" marB="0" anchor="ctr"/>
-                    </a:tc>
-                    <a:tc>
-                      <a:txBody>
-                        <a:bodyPr/>
-                        <a:lstStyle/>
-                        <a:p>
-                          <a:pPr algn="ctr"/>
-                          <a:r>
-                            <a:rPr lang="en-GB" sz="1100">
-                              <a:effectLst/>
-                            </a:rPr>
-                            <a:t>6.6614</a:t>
-                          </a:r>
-                          <a:endParaRPr lang="it-IT" sz="1100">
-                            <a:effectLst/>
-                            <a:latin typeface="Times New Roman" panose="02020603050405020304" pitchFamily="18" charset="0"/>
-                            <a:ea typeface="Times New Roman" panose="02020603050405020304" pitchFamily="18" charset="0"/>
-                          </a:endParaRPr>
-                        </a:p>
-                      </a:txBody>
-                      <a:tcPr marL="60735" marR="60735" marT="0" marB="0" anchor="ctr"/>
-                    </a:tc>
-                    <a:extLst>
-                      <a:ext uri="{0D108BD9-81ED-4DB2-BD59-A6C34878D82A}">
-                        <a16:rowId xmlns:a16="http://schemas.microsoft.com/office/drawing/2014/main" val="371852954"/>
-                      </a:ext>
-                    </a:extLst>
-                  </a:tr>
-                  <a:tr h="370840">
-                    <a:tc>
-                      <a:txBody>
-                        <a:bodyPr/>
-                        <a:lstStyle/>
-                        <a:p>
-                          <a:pPr algn="ctr"/>
-                          <a:r>
-                            <a:rPr lang="en-GB" sz="1100">
-                              <a:effectLst/>
-                            </a:rPr>
-                            <a:t>Standard 5</a:t>
-                          </a:r>
-                          <a:endParaRPr lang="it-IT" sz="1100">
-                            <a:effectLst/>
-                            <a:latin typeface="Times New Roman" panose="02020603050405020304" pitchFamily="18" charset="0"/>
-                            <a:ea typeface="Times New Roman" panose="02020603050405020304" pitchFamily="18" charset="0"/>
-                          </a:endParaRPr>
-                        </a:p>
-                      </a:txBody>
-                      <a:tcPr marL="60735" marR="60735" marT="0" marB="0" anchor="ctr"/>
-                    </a:tc>
-                    <a:tc>
-                      <a:txBody>
-                        <a:bodyPr/>
-                        <a:lstStyle/>
-                        <a:p>
-                          <a:pPr algn="ctr"/>
-                          <a:r>
-                            <a:rPr lang="en-GB" sz="1100">
-                              <a:effectLst/>
-                            </a:rPr>
-                            <a:t>18728.5707</a:t>
-                          </a:r>
-                          <a:endParaRPr lang="it-IT" sz="1100">
-                            <a:effectLst/>
-                            <a:latin typeface="Times New Roman" panose="02020603050405020304" pitchFamily="18" charset="0"/>
-                            <a:ea typeface="Times New Roman" panose="02020603050405020304" pitchFamily="18" charset="0"/>
-                          </a:endParaRPr>
-                        </a:p>
-                      </a:txBody>
-                      <a:tcPr marL="60735" marR="60735" marT="0" marB="0" anchor="ctr"/>
-                    </a:tc>
-                    <a:tc>
-                      <a:txBody>
-                        <a:bodyPr/>
-                        <a:lstStyle/>
-                        <a:p>
-                          <a:pPr algn="ctr"/>
-                          <a:r>
-                            <a:rPr lang="en-GB" sz="1100">
-                              <a:effectLst/>
-                            </a:rPr>
-                            <a:t>5.2024</a:t>
-                          </a:r>
-                          <a:endParaRPr lang="it-IT" sz="1100">
-                            <a:effectLst/>
-                            <a:latin typeface="Times New Roman" panose="02020603050405020304" pitchFamily="18" charset="0"/>
-                            <a:ea typeface="Times New Roman" panose="02020603050405020304" pitchFamily="18" charset="0"/>
-                          </a:endParaRPr>
-                        </a:p>
-                      </a:txBody>
-                      <a:tcPr marL="60735" marR="60735" marT="0" marB="0" anchor="ctr"/>
-                    </a:tc>
-                    <a:tc>
-                      <a:txBody>
-                        <a:bodyPr/>
-                        <a:lstStyle/>
-                        <a:p>
-                          <a:pPr algn="ctr"/>
-                          <a:r>
-                            <a:rPr lang="en-GB" sz="1100">
-                              <a:effectLst/>
-                            </a:rPr>
-                            <a:t>9.0993</a:t>
-                          </a:r>
-                          <a:endParaRPr lang="it-IT" sz="1100">
-                            <a:effectLst/>
-                            <a:latin typeface="Times New Roman" panose="02020603050405020304" pitchFamily="18" charset="0"/>
-                            <a:ea typeface="Times New Roman" panose="02020603050405020304" pitchFamily="18" charset="0"/>
-                          </a:endParaRPr>
-                        </a:p>
-                      </a:txBody>
-                      <a:tcPr marL="60735" marR="60735" marT="0" marB="0" anchor="ctr"/>
-                    </a:tc>
-                    <a:extLst>
-                      <a:ext uri="{0D108BD9-81ED-4DB2-BD59-A6C34878D82A}">
-                        <a16:rowId xmlns:a16="http://schemas.microsoft.com/office/drawing/2014/main" val="3026724756"/>
-                      </a:ext>
-                    </a:extLst>
-                  </a:tr>
-                  <a:tr h="370840">
-                    <a:tc>
-                      <a:txBody>
-                        <a:bodyPr/>
-                        <a:lstStyle/>
-                        <a:p>
-                          <a:pPr algn="ctr"/>
-                          <a:r>
-                            <a:rPr lang="en-GB" sz="1100">
-                              <a:effectLst/>
-                            </a:rPr>
-                            <a:t>Standard 6</a:t>
-                          </a:r>
-                          <a:endParaRPr lang="it-IT" sz="1100">
-                            <a:effectLst/>
-                            <a:latin typeface="Times New Roman" panose="02020603050405020304" pitchFamily="18" charset="0"/>
-                            <a:ea typeface="Times New Roman" panose="02020603050405020304" pitchFamily="18" charset="0"/>
-                          </a:endParaRPr>
-                        </a:p>
-                      </a:txBody>
-                      <a:tcPr marL="60735" marR="60735" marT="0" marB="0" anchor="ctr"/>
-                    </a:tc>
-                    <a:tc>
-                      <a:txBody>
-                        <a:bodyPr/>
-                        <a:lstStyle/>
-                        <a:p>
-                          <a:pPr algn="ctr"/>
-                          <a:r>
-                            <a:rPr lang="en-GB" sz="1100">
-                              <a:effectLst/>
-                            </a:rPr>
-                            <a:t>28868.3598</a:t>
-                          </a:r>
-                          <a:endParaRPr lang="it-IT" sz="1100">
-                            <a:effectLst/>
-                            <a:latin typeface="Times New Roman" panose="02020603050405020304" pitchFamily="18" charset="0"/>
-                            <a:ea typeface="Times New Roman" panose="02020603050405020304" pitchFamily="18" charset="0"/>
-                          </a:endParaRPr>
-                        </a:p>
-                      </a:txBody>
-                      <a:tcPr marL="60735" marR="60735" marT="0" marB="0" anchor="ctr"/>
-                    </a:tc>
-                    <a:tc>
-                      <a:txBody>
-                        <a:bodyPr/>
-                        <a:lstStyle/>
-                        <a:p>
-                          <a:pPr algn="ctr"/>
-                          <a:r>
-                            <a:rPr lang="en-GB" sz="1100" dirty="0">
-                              <a:effectLst/>
-                            </a:rPr>
-                            <a:t>8.0190</a:t>
-                          </a:r>
-                          <a:endParaRPr lang="it-IT" sz="1100" dirty="0">
-                            <a:effectLst/>
-                            <a:latin typeface="Times New Roman" panose="02020603050405020304" pitchFamily="18" charset="0"/>
-                            <a:ea typeface="Times New Roman" panose="02020603050405020304" pitchFamily="18" charset="0"/>
-                          </a:endParaRPr>
-                        </a:p>
-                      </a:txBody>
-                      <a:tcPr marL="60735" marR="60735" marT="0" marB="0" anchor="ctr"/>
-                    </a:tc>
-                    <a:tc>
-                      <a:txBody>
-                        <a:bodyPr/>
-                        <a:lstStyle/>
-                        <a:p>
-                          <a:pPr algn="ctr"/>
-                          <a:r>
-                            <a:rPr lang="en-GB" sz="1100">
-                              <a:effectLst/>
-                            </a:rPr>
-                            <a:t>9.1511</a:t>
-                          </a:r>
-                          <a:endParaRPr lang="it-IT" sz="1100">
-                            <a:effectLst/>
-                            <a:latin typeface="Times New Roman" panose="02020603050405020304" pitchFamily="18" charset="0"/>
-                            <a:ea typeface="Times New Roman" panose="02020603050405020304" pitchFamily="18" charset="0"/>
-                          </a:endParaRPr>
-                        </a:p>
-                      </a:txBody>
-                      <a:tcPr marL="60735" marR="60735" marT="0" marB="0" anchor="ctr"/>
-                    </a:tc>
-                    <a:extLst>
-                      <a:ext uri="{0D108BD9-81ED-4DB2-BD59-A6C34878D82A}">
-                        <a16:rowId xmlns:a16="http://schemas.microsoft.com/office/drawing/2014/main" val="3656161814"/>
-                      </a:ext>
-                    </a:extLst>
-                  </a:tr>
-                  <a:tr h="370840">
-                    <a:tc>
-                      <a:txBody>
-                        <a:bodyPr/>
-                        <a:lstStyle/>
-                        <a:p>
-                          <a:pPr algn="ctr"/>
-                          <a:r>
-                            <a:rPr lang="en-GB" sz="1100">
-                              <a:effectLst/>
-                            </a:rPr>
-                            <a:t>Standard 7</a:t>
-                          </a:r>
-                          <a:endParaRPr lang="it-IT" sz="1100">
-                            <a:effectLst/>
-                            <a:latin typeface="Times New Roman" panose="02020603050405020304" pitchFamily="18" charset="0"/>
-                            <a:ea typeface="Times New Roman" panose="02020603050405020304" pitchFamily="18" charset="0"/>
-                          </a:endParaRPr>
-                        </a:p>
-                      </a:txBody>
-                      <a:tcPr marL="60735" marR="60735" marT="0" marB="0" anchor="ctr"/>
-                    </a:tc>
-                    <a:tc>
-                      <a:txBody>
-                        <a:bodyPr/>
-                        <a:lstStyle/>
-                        <a:p>
-                          <a:pPr algn="ctr"/>
-                          <a:r>
-                            <a:rPr lang="en-GB" sz="1100">
-                              <a:effectLst/>
-                            </a:rPr>
-                            <a:t>15603.0824</a:t>
-                          </a:r>
-                          <a:endParaRPr lang="it-IT" sz="1100">
-                            <a:effectLst/>
-                            <a:latin typeface="Times New Roman" panose="02020603050405020304" pitchFamily="18" charset="0"/>
-                            <a:ea typeface="Times New Roman" panose="02020603050405020304" pitchFamily="18" charset="0"/>
-                          </a:endParaRPr>
-                        </a:p>
-                      </a:txBody>
-                      <a:tcPr marL="60735" marR="60735" marT="0" marB="0" anchor="ctr"/>
-                    </a:tc>
-                    <a:tc>
-                      <a:txBody>
-                        <a:bodyPr/>
-                        <a:lstStyle/>
-                        <a:p>
-                          <a:pPr algn="ctr"/>
-                          <a:r>
-                            <a:rPr lang="en-GB" sz="1100" dirty="0">
-                              <a:effectLst/>
-                            </a:rPr>
-                            <a:t>4.3342</a:t>
-                          </a:r>
-                          <a:endParaRPr lang="it-IT" sz="1100" dirty="0">
-                            <a:effectLst/>
-                            <a:latin typeface="Times New Roman" panose="02020603050405020304" pitchFamily="18" charset="0"/>
-                            <a:ea typeface="Times New Roman" panose="02020603050405020304" pitchFamily="18" charset="0"/>
-                          </a:endParaRPr>
-                        </a:p>
-                      </a:txBody>
-                      <a:tcPr marL="60735" marR="60735" marT="0" marB="0" anchor="ctr"/>
-                    </a:tc>
-                    <a:tc>
-                      <a:txBody>
-                        <a:bodyPr/>
-                        <a:lstStyle/>
-                        <a:p>
-                          <a:pPr algn="ctr"/>
-                          <a:r>
-                            <a:rPr lang="en-GB" sz="1100">
-                              <a:effectLst/>
-                            </a:rPr>
-                            <a:t>7.4603</a:t>
-                          </a:r>
-                          <a:endParaRPr lang="it-IT" sz="1100">
-                            <a:effectLst/>
-                            <a:latin typeface="Times New Roman" panose="02020603050405020304" pitchFamily="18" charset="0"/>
-                            <a:ea typeface="Times New Roman" panose="02020603050405020304" pitchFamily="18" charset="0"/>
-                          </a:endParaRPr>
-                        </a:p>
-                      </a:txBody>
-                      <a:tcPr marL="60735" marR="60735" marT="0" marB="0" anchor="ctr"/>
-                    </a:tc>
-                    <a:extLst>
-                      <a:ext uri="{0D108BD9-81ED-4DB2-BD59-A6C34878D82A}">
-                        <a16:rowId xmlns:a16="http://schemas.microsoft.com/office/drawing/2014/main" val="3638199161"/>
-                      </a:ext>
-                    </a:extLst>
-                  </a:tr>
-                  <a:tr h="370840">
-                    <a:tc>
-                      <a:txBody>
-                        <a:bodyPr/>
-                        <a:lstStyle/>
-                        <a:p>
-                          <a:pPr algn="ctr"/>
-                          <a:r>
-                            <a:rPr lang="en-GB" sz="1100">
-                              <a:effectLst/>
-                            </a:rPr>
-                            <a:t>Standard 8</a:t>
-                          </a:r>
-                          <a:endParaRPr lang="it-IT" sz="1100">
-                            <a:effectLst/>
-                            <a:latin typeface="Times New Roman" panose="02020603050405020304" pitchFamily="18" charset="0"/>
-                            <a:ea typeface="Times New Roman" panose="02020603050405020304" pitchFamily="18" charset="0"/>
-                          </a:endParaRPr>
-                        </a:p>
-                      </a:txBody>
-                      <a:tcPr marL="60735" marR="60735" marT="0" marB="0" anchor="ctr"/>
-                    </a:tc>
-                    <a:tc>
-                      <a:txBody>
-                        <a:bodyPr/>
-                        <a:lstStyle/>
-                        <a:p>
-                          <a:pPr algn="ctr"/>
-                          <a:r>
-                            <a:rPr lang="en-GB" sz="1100">
-                              <a:effectLst/>
-                            </a:rPr>
-                            <a:t>14421.7183</a:t>
-                          </a:r>
-                          <a:endParaRPr lang="it-IT" sz="1100">
-                            <a:effectLst/>
-                            <a:latin typeface="Times New Roman" panose="02020603050405020304" pitchFamily="18" charset="0"/>
-                            <a:ea typeface="Times New Roman" panose="02020603050405020304" pitchFamily="18" charset="0"/>
-                          </a:endParaRPr>
-                        </a:p>
-                      </a:txBody>
-                      <a:tcPr marL="60735" marR="60735" marT="0" marB="0" anchor="ctr"/>
-                    </a:tc>
-                    <a:tc>
-                      <a:txBody>
-                        <a:bodyPr/>
-                        <a:lstStyle/>
-                        <a:p>
-                          <a:pPr algn="ctr"/>
-                          <a:r>
-                            <a:rPr lang="en-GB" sz="1100" dirty="0">
-                              <a:effectLst/>
-                            </a:rPr>
-                            <a:t>4.0060</a:t>
-                          </a:r>
-                          <a:endParaRPr lang="it-IT" sz="1100" dirty="0">
-                            <a:effectLst/>
-                            <a:latin typeface="Times New Roman" panose="02020603050405020304" pitchFamily="18" charset="0"/>
-                            <a:ea typeface="Times New Roman" panose="02020603050405020304" pitchFamily="18" charset="0"/>
-                          </a:endParaRPr>
-                        </a:p>
-                      </a:txBody>
-                      <a:tcPr marL="60735" marR="60735" marT="0" marB="0" anchor="ctr"/>
-                    </a:tc>
-                    <a:tc>
-                      <a:txBody>
-                        <a:bodyPr/>
-                        <a:lstStyle/>
-                        <a:p>
-                          <a:pPr algn="ctr"/>
-                          <a:r>
-                            <a:rPr lang="en-GB" sz="1100" dirty="0">
-                              <a:effectLst/>
-                            </a:rPr>
-                            <a:t>7.4767</a:t>
-                          </a:r>
-                          <a:endParaRPr lang="it-IT" sz="1100" dirty="0">
-                            <a:effectLst/>
-                            <a:latin typeface="Times New Roman" panose="02020603050405020304" pitchFamily="18" charset="0"/>
-                            <a:ea typeface="Times New Roman" panose="02020603050405020304" pitchFamily="18" charset="0"/>
-                          </a:endParaRPr>
-                        </a:p>
-                      </a:txBody>
-                      <a:tcPr marL="60735" marR="60735" marT="0" marB="0" anchor="ctr"/>
-                    </a:tc>
-                    <a:extLst>
-                      <a:ext uri="{0D108BD9-81ED-4DB2-BD59-A6C34878D82A}">
-                        <a16:rowId xmlns:a16="http://schemas.microsoft.com/office/drawing/2014/main" val="394650352"/>
-                      </a:ext>
-                    </a:extLst>
-                  </a:tr>
-                </a:tbl>
-              </a:graphicData>
-            </a:graphic>
-          </p:graphicFrame>
-        </mc:Choice>
-        <mc:Fallback xmlns="">
-          <p:graphicFrame>
-            <p:nvGraphicFramePr>
-              <p:cNvPr id="6" name="Tabella 6">
-                <a:extLst>
-                  <a:ext uri="{FF2B5EF4-FFF2-40B4-BE49-F238E27FC236}">
-                    <a16:creationId xmlns:a16="http://schemas.microsoft.com/office/drawing/2014/main" id="{ACFAF3AA-B861-1D84-69F1-234BB99AC45B}"/>
-                  </a:ext>
-                </a:extLst>
-              </p:cNvPr>
-              <p:cNvGraphicFramePr>
-                <a:graphicFrameLocks noGrp="1"/>
-              </p:cNvGraphicFramePr>
-              <p:nvPr>
-                <p:ph idx="1"/>
-                <p:extLst>
-                  <p:ext uri="{D42A27DB-BD31-4B8C-83A1-F6EECF244321}">
-                    <p14:modId xmlns:p14="http://schemas.microsoft.com/office/powerpoint/2010/main" val="1905756508"/>
-                  </p:ext>
-                </p:extLst>
-              </p:nvPr>
-            </p:nvGraphicFramePr>
-            <p:xfrm>
-              <a:off x="838200" y="1328738"/>
-              <a:ext cx="10515600" cy="3337560"/>
-            </p:xfrm>
-            <a:graphic>
-              <a:graphicData uri="http://schemas.openxmlformats.org/drawingml/2006/table">
-                <a:tbl>
-                  <a:tblPr firstRow="1" bandRow="1">
-                    <a:tableStyleId>{5940675A-B579-460E-94D1-54222C63F5DA}</a:tableStyleId>
-                  </a:tblPr>
-                  <a:tblGrid>
-                    <a:gridCol w="2628900">
-                      <a:extLst>
-                        <a:ext uri="{9D8B030D-6E8A-4147-A177-3AD203B41FA5}">
-                          <a16:colId xmlns:a16="http://schemas.microsoft.com/office/drawing/2014/main" val="2195940166"/>
-                        </a:ext>
-                      </a:extLst>
-                    </a:gridCol>
-                    <a:gridCol w="2628900">
-                      <a:extLst>
-                        <a:ext uri="{9D8B030D-6E8A-4147-A177-3AD203B41FA5}">
-                          <a16:colId xmlns:a16="http://schemas.microsoft.com/office/drawing/2014/main" val="3545783130"/>
-                        </a:ext>
-                      </a:extLst>
-                    </a:gridCol>
-                    <a:gridCol w="2628900">
-                      <a:extLst>
-                        <a:ext uri="{9D8B030D-6E8A-4147-A177-3AD203B41FA5}">
-                          <a16:colId xmlns:a16="http://schemas.microsoft.com/office/drawing/2014/main" val="1872192738"/>
-                        </a:ext>
-                      </a:extLst>
-                    </a:gridCol>
-                    <a:gridCol w="2628900">
-                      <a:extLst>
-                        <a:ext uri="{9D8B030D-6E8A-4147-A177-3AD203B41FA5}">
-                          <a16:colId xmlns:a16="http://schemas.microsoft.com/office/drawing/2014/main" val="702745383"/>
-                        </a:ext>
-                      </a:extLst>
-                    </a:gridCol>
-                  </a:tblGrid>
-                  <a:tr h="370840">
-                    <a:tc>
-                      <a:txBody>
-                        <a:bodyPr/>
-                        <a:lstStyle/>
-                        <a:p>
-                          <a:pPr algn="ctr"/>
-                          <a:r>
-                            <a:rPr lang="en-GB" sz="1100" dirty="0">
-                              <a:effectLst/>
-                            </a:rPr>
-                            <a:t>Strategy</a:t>
-                          </a:r>
-                          <a:endParaRPr lang="it-IT" sz="1100" dirty="0">
-                            <a:effectLst/>
-                            <a:latin typeface="Times New Roman" panose="02020603050405020304" pitchFamily="18" charset="0"/>
-                            <a:ea typeface="Times New Roman" panose="02020603050405020304" pitchFamily="18" charset="0"/>
-                          </a:endParaRPr>
-                        </a:p>
-                      </a:txBody>
-                      <a:tcPr marL="60735" marR="60735" marT="0" marB="0" anchor="ctr"/>
-                    </a:tc>
-                    <a:tc>
-                      <a:txBody>
-                        <a:bodyPr/>
-                        <a:lstStyle/>
-                        <a:p>
-                          <a:endParaRPr lang="it-IT"/>
-                        </a:p>
-                      </a:txBody>
-                      <a:tcPr marL="60735" marR="60735" marT="0" marB="0" anchor="ctr">
-                        <a:blipFill>
-                          <a:blip r:embed="rId2"/>
-                          <a:stretch>
-                            <a:fillRect l="-100464" t="-1639" r="-200696" b="-803279"/>
-                          </a:stretch>
-                        </a:blipFill>
-                      </a:tcPr>
-                    </a:tc>
-                    <a:tc>
-                      <a:txBody>
-                        <a:bodyPr/>
-                        <a:lstStyle/>
-                        <a:p>
-                          <a:endParaRPr lang="it-IT"/>
-                        </a:p>
-                      </a:txBody>
-                      <a:tcPr marL="60735" marR="60735" marT="0" marB="0" anchor="ctr">
-                        <a:blipFill>
-                          <a:blip r:embed="rId2"/>
-                          <a:stretch>
-                            <a:fillRect l="-200000" t="-1639" r="-100231" b="-803279"/>
-                          </a:stretch>
-                        </a:blipFill>
-                      </a:tcPr>
-                    </a:tc>
-                    <a:tc>
-                      <a:txBody>
-                        <a:bodyPr/>
-                        <a:lstStyle/>
-                        <a:p>
-                          <a:endParaRPr lang="it-IT"/>
-                        </a:p>
-                      </a:txBody>
-                      <a:tcPr marL="60735" marR="60735" marT="0" marB="0" anchor="ctr">
-                        <a:blipFill>
-                          <a:blip r:embed="rId2"/>
-                          <a:stretch>
-                            <a:fillRect l="-300696" t="-1639" r="-464" b="-803279"/>
-                          </a:stretch>
-                        </a:blipFill>
-                      </a:tcPr>
-                    </a:tc>
-                    <a:extLst>
-                      <a:ext uri="{0D108BD9-81ED-4DB2-BD59-A6C34878D82A}">
-                        <a16:rowId xmlns:a16="http://schemas.microsoft.com/office/drawing/2014/main" val="3468730560"/>
-                      </a:ext>
-                    </a:extLst>
-                  </a:tr>
-                  <a:tr h="370840">
-                    <a:tc>
-                      <a:txBody>
-                        <a:bodyPr/>
-                        <a:lstStyle/>
-                        <a:p>
-                          <a:pPr algn="ctr"/>
-                          <a:r>
-                            <a:rPr lang="en-GB" sz="1100">
-                              <a:effectLst/>
-                            </a:rPr>
-                            <a:t>Standard 1</a:t>
-                          </a:r>
-                          <a:endParaRPr lang="it-IT" sz="1100">
-                            <a:effectLst/>
-                            <a:latin typeface="Times New Roman" panose="02020603050405020304" pitchFamily="18" charset="0"/>
-                            <a:ea typeface="Times New Roman" panose="02020603050405020304" pitchFamily="18" charset="0"/>
-                          </a:endParaRPr>
-                        </a:p>
-                      </a:txBody>
-                      <a:tcPr marL="60735" marR="60735" marT="0" marB="0" anchor="ctr"/>
-                    </a:tc>
-                    <a:tc>
-                      <a:txBody>
-                        <a:bodyPr/>
-                        <a:lstStyle/>
-                        <a:p>
-                          <a:pPr algn="ctr"/>
-                          <a:r>
-                            <a:rPr lang="en-GB" sz="1100">
-                              <a:effectLst/>
-                            </a:rPr>
-                            <a:t>17523.1496</a:t>
-                          </a:r>
-                          <a:endParaRPr lang="it-IT" sz="1100">
-                            <a:effectLst/>
-                            <a:latin typeface="Times New Roman" panose="02020603050405020304" pitchFamily="18" charset="0"/>
-                            <a:ea typeface="Times New Roman" panose="02020603050405020304" pitchFamily="18" charset="0"/>
-                          </a:endParaRPr>
-                        </a:p>
-                      </a:txBody>
-                      <a:tcPr marL="60735" marR="60735" marT="0" marB="0" anchor="ctr"/>
-                    </a:tc>
-                    <a:tc>
-                      <a:txBody>
-                        <a:bodyPr/>
-                        <a:lstStyle/>
-                        <a:p>
-                          <a:pPr algn="ctr"/>
-                          <a:r>
-                            <a:rPr lang="en-GB" sz="1100" dirty="0">
-                              <a:effectLst/>
-                            </a:rPr>
-                            <a:t>4.8675</a:t>
-                          </a:r>
-                          <a:endParaRPr lang="it-IT" sz="1100" dirty="0">
-                            <a:effectLst/>
-                            <a:latin typeface="Times New Roman" panose="02020603050405020304" pitchFamily="18" charset="0"/>
-                            <a:ea typeface="Times New Roman" panose="02020603050405020304" pitchFamily="18" charset="0"/>
-                          </a:endParaRPr>
-                        </a:p>
-                      </a:txBody>
-                      <a:tcPr marL="60735" marR="60735" marT="0" marB="0" anchor="ctr"/>
-                    </a:tc>
-                    <a:tc>
-                      <a:txBody>
-                        <a:bodyPr/>
-                        <a:lstStyle/>
-                        <a:p>
-                          <a:pPr algn="ctr"/>
-                          <a:r>
-                            <a:rPr lang="en-GB" sz="1100">
-                              <a:effectLst/>
-                            </a:rPr>
-                            <a:t>6.6450</a:t>
-                          </a:r>
-                          <a:endParaRPr lang="it-IT" sz="1100">
-                            <a:effectLst/>
-                            <a:latin typeface="Times New Roman" panose="02020603050405020304" pitchFamily="18" charset="0"/>
-                            <a:ea typeface="Times New Roman" panose="02020603050405020304" pitchFamily="18" charset="0"/>
-                          </a:endParaRPr>
-                        </a:p>
-                      </a:txBody>
-                      <a:tcPr marL="60735" marR="60735" marT="0" marB="0" anchor="ctr"/>
-                    </a:tc>
-                    <a:extLst>
-                      <a:ext uri="{0D108BD9-81ED-4DB2-BD59-A6C34878D82A}">
-                        <a16:rowId xmlns:a16="http://schemas.microsoft.com/office/drawing/2014/main" val="938075366"/>
-                      </a:ext>
-                    </a:extLst>
-                  </a:tr>
-                  <a:tr h="370840">
-                    <a:tc>
-                      <a:txBody>
-                        <a:bodyPr/>
-                        <a:lstStyle/>
-                        <a:p>
-                          <a:pPr algn="ctr"/>
-                          <a:r>
-                            <a:rPr lang="en-GB" sz="1100">
-                              <a:effectLst/>
-                            </a:rPr>
-                            <a:t>Standard 2</a:t>
-                          </a:r>
-                          <a:endParaRPr lang="it-IT" sz="1100">
-                            <a:effectLst/>
-                            <a:latin typeface="Times New Roman" panose="02020603050405020304" pitchFamily="18" charset="0"/>
-                            <a:ea typeface="Times New Roman" panose="02020603050405020304" pitchFamily="18" charset="0"/>
-                          </a:endParaRPr>
-                        </a:p>
-                      </a:txBody>
-                      <a:tcPr marL="60735" marR="60735" marT="0" marB="0" anchor="ctr"/>
-                    </a:tc>
-                    <a:tc>
-                      <a:txBody>
-                        <a:bodyPr/>
-                        <a:lstStyle/>
-                        <a:p>
-                          <a:pPr algn="ctr"/>
-                          <a:r>
-                            <a:rPr lang="en-GB" sz="1100">
-                              <a:effectLst/>
-                            </a:rPr>
-                            <a:t>14461.7429</a:t>
-                          </a:r>
-                          <a:endParaRPr lang="it-IT" sz="1100">
-                            <a:effectLst/>
-                            <a:latin typeface="Times New Roman" panose="02020603050405020304" pitchFamily="18" charset="0"/>
-                            <a:ea typeface="Times New Roman" panose="02020603050405020304" pitchFamily="18" charset="0"/>
-                          </a:endParaRPr>
-                        </a:p>
-                      </a:txBody>
-                      <a:tcPr marL="60735" marR="60735" marT="0" marB="0" anchor="ctr"/>
-                    </a:tc>
-                    <a:tc>
-                      <a:txBody>
-                        <a:bodyPr/>
-                        <a:lstStyle/>
-                        <a:p>
-                          <a:pPr algn="ctr"/>
-                          <a:r>
-                            <a:rPr lang="en-GB" sz="1100">
-                              <a:effectLst/>
-                            </a:rPr>
-                            <a:t>4.0172</a:t>
-                          </a:r>
-                          <a:endParaRPr lang="it-IT" sz="1100">
-                            <a:effectLst/>
-                            <a:latin typeface="Times New Roman" panose="02020603050405020304" pitchFamily="18" charset="0"/>
-                            <a:ea typeface="Times New Roman" panose="02020603050405020304" pitchFamily="18" charset="0"/>
-                          </a:endParaRPr>
-                        </a:p>
-                      </a:txBody>
-                      <a:tcPr marL="60735" marR="60735" marT="0" marB="0" anchor="ctr"/>
-                    </a:tc>
-                    <a:tc>
-                      <a:txBody>
-                        <a:bodyPr/>
-                        <a:lstStyle/>
-                        <a:p>
-                          <a:pPr algn="ctr"/>
-                          <a:r>
-                            <a:rPr lang="en-GB" sz="1100">
-                              <a:effectLst/>
-                            </a:rPr>
-                            <a:t>7.1386</a:t>
-                          </a:r>
-                          <a:endParaRPr lang="it-IT" sz="1100">
-                            <a:effectLst/>
-                            <a:latin typeface="Times New Roman" panose="02020603050405020304" pitchFamily="18" charset="0"/>
-                            <a:ea typeface="Times New Roman" panose="02020603050405020304" pitchFamily="18" charset="0"/>
-                          </a:endParaRPr>
-                        </a:p>
-                      </a:txBody>
-                      <a:tcPr marL="60735" marR="60735" marT="0" marB="0" anchor="ctr"/>
-                    </a:tc>
-                    <a:extLst>
-                      <a:ext uri="{0D108BD9-81ED-4DB2-BD59-A6C34878D82A}">
-                        <a16:rowId xmlns:a16="http://schemas.microsoft.com/office/drawing/2014/main" val="632237024"/>
-                      </a:ext>
-                    </a:extLst>
-                  </a:tr>
-                  <a:tr h="370840">
-                    <a:tc>
-                      <a:txBody>
-                        <a:bodyPr/>
-                        <a:lstStyle/>
-                        <a:p>
-                          <a:pPr algn="ctr"/>
-                          <a:r>
-                            <a:rPr lang="en-GB" sz="1100">
-                              <a:effectLst/>
-                            </a:rPr>
-                            <a:t>Standard 3</a:t>
-                          </a:r>
-                          <a:endParaRPr lang="it-IT" sz="1100">
-                            <a:effectLst/>
-                            <a:latin typeface="Times New Roman" panose="02020603050405020304" pitchFamily="18" charset="0"/>
-                            <a:ea typeface="Times New Roman" panose="02020603050405020304" pitchFamily="18" charset="0"/>
-                          </a:endParaRPr>
-                        </a:p>
-                      </a:txBody>
-                      <a:tcPr marL="60735" marR="60735" marT="0" marB="0" anchor="ctr"/>
-                    </a:tc>
-                    <a:tc>
-                      <a:txBody>
-                        <a:bodyPr/>
-                        <a:lstStyle/>
-                        <a:p>
-                          <a:pPr algn="ctr"/>
-                          <a:r>
-                            <a:rPr lang="en-GB" sz="1100">
-                              <a:effectLst/>
-                            </a:rPr>
-                            <a:t>17464.4130</a:t>
-                          </a:r>
-                          <a:endParaRPr lang="it-IT" sz="1100">
-                            <a:effectLst/>
-                            <a:latin typeface="Times New Roman" panose="02020603050405020304" pitchFamily="18" charset="0"/>
-                            <a:ea typeface="Times New Roman" panose="02020603050405020304" pitchFamily="18" charset="0"/>
-                          </a:endParaRPr>
-                        </a:p>
-                      </a:txBody>
-                      <a:tcPr marL="60735" marR="60735" marT="0" marB="0" anchor="ctr"/>
-                    </a:tc>
-                    <a:tc>
-                      <a:txBody>
-                        <a:bodyPr/>
-                        <a:lstStyle/>
-                        <a:p>
-                          <a:pPr algn="ctr"/>
-                          <a:r>
-                            <a:rPr lang="en-GB" sz="1100" dirty="0">
-                              <a:effectLst/>
-                            </a:rPr>
-                            <a:t>4.8512</a:t>
-                          </a:r>
-                          <a:endParaRPr lang="it-IT" sz="1100" dirty="0">
-                            <a:effectLst/>
-                            <a:latin typeface="Times New Roman" panose="02020603050405020304" pitchFamily="18" charset="0"/>
-                            <a:ea typeface="Times New Roman" panose="02020603050405020304" pitchFamily="18" charset="0"/>
-                          </a:endParaRPr>
-                        </a:p>
-                      </a:txBody>
-                      <a:tcPr marL="60735" marR="60735" marT="0" marB="0" anchor="ctr"/>
-                    </a:tc>
-                    <a:tc>
-                      <a:txBody>
-                        <a:bodyPr/>
-                        <a:lstStyle/>
-                        <a:p>
-                          <a:pPr algn="ctr"/>
-                          <a:r>
-                            <a:rPr lang="en-GB" sz="1100">
-                              <a:effectLst/>
-                            </a:rPr>
-                            <a:t>7.1222</a:t>
-                          </a:r>
-                          <a:endParaRPr lang="it-IT" sz="1100">
-                            <a:effectLst/>
-                            <a:latin typeface="Times New Roman" panose="02020603050405020304" pitchFamily="18" charset="0"/>
-                            <a:ea typeface="Times New Roman" panose="02020603050405020304" pitchFamily="18" charset="0"/>
-                          </a:endParaRPr>
-                        </a:p>
-                      </a:txBody>
-                      <a:tcPr marL="60735" marR="60735" marT="0" marB="0" anchor="ctr"/>
-                    </a:tc>
-                    <a:extLst>
-                      <a:ext uri="{0D108BD9-81ED-4DB2-BD59-A6C34878D82A}">
-                        <a16:rowId xmlns:a16="http://schemas.microsoft.com/office/drawing/2014/main" val="3290452401"/>
-                      </a:ext>
-                    </a:extLst>
-                  </a:tr>
-                  <a:tr h="370840">
-                    <a:tc>
-                      <a:txBody>
-                        <a:bodyPr/>
-                        <a:lstStyle/>
-                        <a:p>
-                          <a:pPr algn="ctr"/>
-                          <a:r>
-                            <a:rPr lang="en-GB" sz="1100" dirty="0">
-                              <a:effectLst/>
-                            </a:rPr>
-                            <a:t>Standard 4</a:t>
-                          </a:r>
-                          <a:endParaRPr lang="it-IT" sz="1100" dirty="0">
-                            <a:effectLst/>
-                            <a:latin typeface="Times New Roman" panose="02020603050405020304" pitchFamily="18" charset="0"/>
-                            <a:ea typeface="Times New Roman" panose="02020603050405020304" pitchFamily="18" charset="0"/>
-                          </a:endParaRPr>
-                        </a:p>
-                      </a:txBody>
-                      <a:tcPr marL="60735" marR="60735" marT="0" marB="0" anchor="ctr"/>
-                    </a:tc>
-                    <a:tc>
-                      <a:txBody>
-                        <a:bodyPr/>
-                        <a:lstStyle/>
-                        <a:p>
-                          <a:pPr algn="ctr"/>
-                          <a:r>
-                            <a:rPr lang="en-GB" sz="1100">
-                              <a:effectLst/>
-                            </a:rPr>
-                            <a:t>21973.3098</a:t>
-                          </a:r>
-                          <a:endParaRPr lang="it-IT" sz="1100">
-                            <a:effectLst/>
-                            <a:latin typeface="Times New Roman" panose="02020603050405020304" pitchFamily="18" charset="0"/>
-                            <a:ea typeface="Times New Roman" panose="02020603050405020304" pitchFamily="18" charset="0"/>
-                          </a:endParaRPr>
-                        </a:p>
-                      </a:txBody>
-                      <a:tcPr marL="60735" marR="60735" marT="0" marB="0" anchor="ctr"/>
-                    </a:tc>
-                    <a:tc>
-                      <a:txBody>
-                        <a:bodyPr/>
-                        <a:lstStyle/>
-                        <a:p>
-                          <a:pPr algn="ctr"/>
-                          <a:r>
-                            <a:rPr lang="en-GB" sz="1100" dirty="0">
-                              <a:effectLst/>
-                            </a:rPr>
-                            <a:t>6.1037</a:t>
-                          </a:r>
-                          <a:endParaRPr lang="it-IT" sz="1100" dirty="0">
-                            <a:effectLst/>
-                            <a:latin typeface="Times New Roman" panose="02020603050405020304" pitchFamily="18" charset="0"/>
-                            <a:ea typeface="Times New Roman" panose="02020603050405020304" pitchFamily="18" charset="0"/>
-                          </a:endParaRPr>
-                        </a:p>
-                      </a:txBody>
-                      <a:tcPr marL="60735" marR="60735" marT="0" marB="0" anchor="ctr"/>
-                    </a:tc>
-                    <a:tc>
-                      <a:txBody>
-                        <a:bodyPr/>
-                        <a:lstStyle/>
-                        <a:p>
-                          <a:pPr algn="ctr"/>
-                          <a:r>
-                            <a:rPr lang="en-GB" sz="1100">
-                              <a:effectLst/>
-                            </a:rPr>
-                            <a:t>6.6614</a:t>
-                          </a:r>
-                          <a:endParaRPr lang="it-IT" sz="1100">
-                            <a:effectLst/>
-                            <a:latin typeface="Times New Roman" panose="02020603050405020304" pitchFamily="18" charset="0"/>
-                            <a:ea typeface="Times New Roman" panose="02020603050405020304" pitchFamily="18" charset="0"/>
-                          </a:endParaRPr>
-                        </a:p>
-                      </a:txBody>
-                      <a:tcPr marL="60735" marR="60735" marT="0" marB="0" anchor="ctr"/>
-                    </a:tc>
-                    <a:extLst>
-                      <a:ext uri="{0D108BD9-81ED-4DB2-BD59-A6C34878D82A}">
-                        <a16:rowId xmlns:a16="http://schemas.microsoft.com/office/drawing/2014/main" val="371852954"/>
-                      </a:ext>
-                    </a:extLst>
-                  </a:tr>
-                  <a:tr h="370840">
-                    <a:tc>
-                      <a:txBody>
-                        <a:bodyPr/>
-                        <a:lstStyle/>
-                        <a:p>
-                          <a:pPr algn="ctr"/>
-                          <a:r>
-                            <a:rPr lang="en-GB" sz="1100">
-                              <a:effectLst/>
-                            </a:rPr>
-                            <a:t>Standard 5</a:t>
-                          </a:r>
-                          <a:endParaRPr lang="it-IT" sz="1100">
-                            <a:effectLst/>
-                            <a:latin typeface="Times New Roman" panose="02020603050405020304" pitchFamily="18" charset="0"/>
-                            <a:ea typeface="Times New Roman" panose="02020603050405020304" pitchFamily="18" charset="0"/>
-                          </a:endParaRPr>
-                        </a:p>
-                      </a:txBody>
-                      <a:tcPr marL="60735" marR="60735" marT="0" marB="0" anchor="ctr"/>
-                    </a:tc>
-                    <a:tc>
-                      <a:txBody>
-                        <a:bodyPr/>
-                        <a:lstStyle/>
-                        <a:p>
-                          <a:pPr algn="ctr"/>
-                          <a:r>
-                            <a:rPr lang="en-GB" sz="1100">
-                              <a:effectLst/>
-                            </a:rPr>
-                            <a:t>18728.5707</a:t>
-                          </a:r>
-                          <a:endParaRPr lang="it-IT" sz="1100">
-                            <a:effectLst/>
-                            <a:latin typeface="Times New Roman" panose="02020603050405020304" pitchFamily="18" charset="0"/>
-                            <a:ea typeface="Times New Roman" panose="02020603050405020304" pitchFamily="18" charset="0"/>
-                          </a:endParaRPr>
-                        </a:p>
-                      </a:txBody>
-                      <a:tcPr marL="60735" marR="60735" marT="0" marB="0" anchor="ctr"/>
-                    </a:tc>
-                    <a:tc>
-                      <a:txBody>
-                        <a:bodyPr/>
-                        <a:lstStyle/>
-                        <a:p>
-                          <a:pPr algn="ctr"/>
-                          <a:r>
-                            <a:rPr lang="en-GB" sz="1100">
-                              <a:effectLst/>
-                            </a:rPr>
-                            <a:t>5.2024</a:t>
-                          </a:r>
-                          <a:endParaRPr lang="it-IT" sz="1100">
-                            <a:effectLst/>
-                            <a:latin typeface="Times New Roman" panose="02020603050405020304" pitchFamily="18" charset="0"/>
-                            <a:ea typeface="Times New Roman" panose="02020603050405020304" pitchFamily="18" charset="0"/>
-                          </a:endParaRPr>
-                        </a:p>
-                      </a:txBody>
-                      <a:tcPr marL="60735" marR="60735" marT="0" marB="0" anchor="ctr"/>
-                    </a:tc>
-                    <a:tc>
-                      <a:txBody>
-                        <a:bodyPr/>
-                        <a:lstStyle/>
-                        <a:p>
-                          <a:pPr algn="ctr"/>
-                          <a:r>
-                            <a:rPr lang="en-GB" sz="1100">
-                              <a:effectLst/>
-                            </a:rPr>
-                            <a:t>9.0993</a:t>
-                          </a:r>
-                          <a:endParaRPr lang="it-IT" sz="1100">
-                            <a:effectLst/>
-                            <a:latin typeface="Times New Roman" panose="02020603050405020304" pitchFamily="18" charset="0"/>
-                            <a:ea typeface="Times New Roman" panose="02020603050405020304" pitchFamily="18" charset="0"/>
-                          </a:endParaRPr>
-                        </a:p>
-                      </a:txBody>
-                      <a:tcPr marL="60735" marR="60735" marT="0" marB="0" anchor="ctr"/>
-                    </a:tc>
-                    <a:extLst>
-                      <a:ext uri="{0D108BD9-81ED-4DB2-BD59-A6C34878D82A}">
-                        <a16:rowId xmlns:a16="http://schemas.microsoft.com/office/drawing/2014/main" val="3026724756"/>
-                      </a:ext>
-                    </a:extLst>
-                  </a:tr>
-                  <a:tr h="370840">
-                    <a:tc>
-                      <a:txBody>
-                        <a:bodyPr/>
-                        <a:lstStyle/>
-                        <a:p>
-                          <a:pPr algn="ctr"/>
-                          <a:r>
-                            <a:rPr lang="en-GB" sz="1100">
-                              <a:effectLst/>
-                            </a:rPr>
-                            <a:t>Standard 6</a:t>
-                          </a:r>
-                          <a:endParaRPr lang="it-IT" sz="1100">
-                            <a:effectLst/>
-                            <a:latin typeface="Times New Roman" panose="02020603050405020304" pitchFamily="18" charset="0"/>
-                            <a:ea typeface="Times New Roman" panose="02020603050405020304" pitchFamily="18" charset="0"/>
-                          </a:endParaRPr>
-                        </a:p>
-                      </a:txBody>
-                      <a:tcPr marL="60735" marR="60735" marT="0" marB="0" anchor="ctr"/>
-                    </a:tc>
-                    <a:tc>
-                      <a:txBody>
-                        <a:bodyPr/>
-                        <a:lstStyle/>
-                        <a:p>
-                          <a:pPr algn="ctr"/>
-                          <a:r>
-                            <a:rPr lang="en-GB" sz="1100">
-                              <a:effectLst/>
-                            </a:rPr>
-                            <a:t>28868.3598</a:t>
-                          </a:r>
-                          <a:endParaRPr lang="it-IT" sz="1100">
-                            <a:effectLst/>
-                            <a:latin typeface="Times New Roman" panose="02020603050405020304" pitchFamily="18" charset="0"/>
-                            <a:ea typeface="Times New Roman" panose="02020603050405020304" pitchFamily="18" charset="0"/>
-                          </a:endParaRPr>
-                        </a:p>
-                      </a:txBody>
-                      <a:tcPr marL="60735" marR="60735" marT="0" marB="0" anchor="ctr"/>
-                    </a:tc>
-                    <a:tc>
-                      <a:txBody>
-                        <a:bodyPr/>
-                        <a:lstStyle/>
-                        <a:p>
-                          <a:pPr algn="ctr"/>
-                          <a:r>
-                            <a:rPr lang="en-GB" sz="1100" dirty="0">
-                              <a:effectLst/>
-                            </a:rPr>
-                            <a:t>8.0190</a:t>
-                          </a:r>
-                          <a:endParaRPr lang="it-IT" sz="1100" dirty="0">
-                            <a:effectLst/>
-                            <a:latin typeface="Times New Roman" panose="02020603050405020304" pitchFamily="18" charset="0"/>
-                            <a:ea typeface="Times New Roman" panose="02020603050405020304" pitchFamily="18" charset="0"/>
-                          </a:endParaRPr>
-                        </a:p>
-                      </a:txBody>
-                      <a:tcPr marL="60735" marR="60735" marT="0" marB="0" anchor="ctr"/>
-                    </a:tc>
-                    <a:tc>
-                      <a:txBody>
-                        <a:bodyPr/>
-                        <a:lstStyle/>
-                        <a:p>
-                          <a:pPr algn="ctr"/>
-                          <a:r>
-                            <a:rPr lang="en-GB" sz="1100">
-                              <a:effectLst/>
-                            </a:rPr>
-                            <a:t>9.1511</a:t>
-                          </a:r>
-                          <a:endParaRPr lang="it-IT" sz="1100">
-                            <a:effectLst/>
-                            <a:latin typeface="Times New Roman" panose="02020603050405020304" pitchFamily="18" charset="0"/>
-                            <a:ea typeface="Times New Roman" panose="02020603050405020304" pitchFamily="18" charset="0"/>
-                          </a:endParaRPr>
-                        </a:p>
-                      </a:txBody>
-                      <a:tcPr marL="60735" marR="60735" marT="0" marB="0" anchor="ctr"/>
-                    </a:tc>
-                    <a:extLst>
-                      <a:ext uri="{0D108BD9-81ED-4DB2-BD59-A6C34878D82A}">
-                        <a16:rowId xmlns:a16="http://schemas.microsoft.com/office/drawing/2014/main" val="3656161814"/>
-                      </a:ext>
-                    </a:extLst>
-                  </a:tr>
-                  <a:tr h="370840">
-                    <a:tc>
-                      <a:txBody>
-                        <a:bodyPr/>
-                        <a:lstStyle/>
-                        <a:p>
-                          <a:pPr algn="ctr"/>
-                          <a:r>
-                            <a:rPr lang="en-GB" sz="1100">
-                              <a:effectLst/>
-                            </a:rPr>
-                            <a:t>Standard 7</a:t>
-                          </a:r>
-                          <a:endParaRPr lang="it-IT" sz="1100">
-                            <a:effectLst/>
-                            <a:latin typeface="Times New Roman" panose="02020603050405020304" pitchFamily="18" charset="0"/>
-                            <a:ea typeface="Times New Roman" panose="02020603050405020304" pitchFamily="18" charset="0"/>
-                          </a:endParaRPr>
-                        </a:p>
-                      </a:txBody>
-                      <a:tcPr marL="60735" marR="60735" marT="0" marB="0" anchor="ctr"/>
-                    </a:tc>
-                    <a:tc>
-                      <a:txBody>
-                        <a:bodyPr/>
-                        <a:lstStyle/>
-                        <a:p>
-                          <a:pPr algn="ctr"/>
-                          <a:r>
-                            <a:rPr lang="en-GB" sz="1100">
-                              <a:effectLst/>
-                            </a:rPr>
-                            <a:t>15603.0824</a:t>
-                          </a:r>
-                          <a:endParaRPr lang="it-IT" sz="1100">
-                            <a:effectLst/>
-                            <a:latin typeface="Times New Roman" panose="02020603050405020304" pitchFamily="18" charset="0"/>
-                            <a:ea typeface="Times New Roman" panose="02020603050405020304" pitchFamily="18" charset="0"/>
-                          </a:endParaRPr>
-                        </a:p>
-                      </a:txBody>
-                      <a:tcPr marL="60735" marR="60735" marT="0" marB="0" anchor="ctr"/>
-                    </a:tc>
-                    <a:tc>
-                      <a:txBody>
-                        <a:bodyPr/>
-                        <a:lstStyle/>
-                        <a:p>
-                          <a:pPr algn="ctr"/>
-                          <a:r>
-                            <a:rPr lang="en-GB" sz="1100" dirty="0">
-                              <a:effectLst/>
-                            </a:rPr>
-                            <a:t>4.3342</a:t>
-                          </a:r>
-                          <a:endParaRPr lang="it-IT" sz="1100" dirty="0">
-                            <a:effectLst/>
-                            <a:latin typeface="Times New Roman" panose="02020603050405020304" pitchFamily="18" charset="0"/>
-                            <a:ea typeface="Times New Roman" panose="02020603050405020304" pitchFamily="18" charset="0"/>
-                          </a:endParaRPr>
-                        </a:p>
-                      </a:txBody>
-                      <a:tcPr marL="60735" marR="60735" marT="0" marB="0" anchor="ctr"/>
-                    </a:tc>
-                    <a:tc>
-                      <a:txBody>
-                        <a:bodyPr/>
-                        <a:lstStyle/>
-                        <a:p>
-                          <a:pPr algn="ctr"/>
-                          <a:r>
-                            <a:rPr lang="en-GB" sz="1100">
-                              <a:effectLst/>
-                            </a:rPr>
-                            <a:t>7.4603</a:t>
-                          </a:r>
-                          <a:endParaRPr lang="it-IT" sz="1100">
-                            <a:effectLst/>
-                            <a:latin typeface="Times New Roman" panose="02020603050405020304" pitchFamily="18" charset="0"/>
-                            <a:ea typeface="Times New Roman" panose="02020603050405020304" pitchFamily="18" charset="0"/>
-                          </a:endParaRPr>
-                        </a:p>
-                      </a:txBody>
-                      <a:tcPr marL="60735" marR="60735" marT="0" marB="0" anchor="ctr"/>
-                    </a:tc>
-                    <a:extLst>
-                      <a:ext uri="{0D108BD9-81ED-4DB2-BD59-A6C34878D82A}">
-                        <a16:rowId xmlns:a16="http://schemas.microsoft.com/office/drawing/2014/main" val="3638199161"/>
-                      </a:ext>
-                    </a:extLst>
-                  </a:tr>
-                  <a:tr h="370840">
-                    <a:tc>
-                      <a:txBody>
-                        <a:bodyPr/>
-                        <a:lstStyle/>
-                        <a:p>
-                          <a:pPr algn="ctr"/>
-                          <a:r>
-                            <a:rPr lang="en-GB" sz="1100">
-                              <a:effectLst/>
-                            </a:rPr>
-                            <a:t>Standard 8</a:t>
-                          </a:r>
-                          <a:endParaRPr lang="it-IT" sz="1100">
-                            <a:effectLst/>
-                            <a:latin typeface="Times New Roman" panose="02020603050405020304" pitchFamily="18" charset="0"/>
-                            <a:ea typeface="Times New Roman" panose="02020603050405020304" pitchFamily="18" charset="0"/>
-                          </a:endParaRPr>
-                        </a:p>
-                      </a:txBody>
-                      <a:tcPr marL="60735" marR="60735" marT="0" marB="0" anchor="ctr"/>
-                    </a:tc>
-                    <a:tc>
-                      <a:txBody>
-                        <a:bodyPr/>
-                        <a:lstStyle/>
-                        <a:p>
-                          <a:pPr algn="ctr"/>
-                          <a:r>
-                            <a:rPr lang="en-GB" sz="1100">
-                              <a:effectLst/>
-                            </a:rPr>
-                            <a:t>14421.7183</a:t>
-                          </a:r>
-                          <a:endParaRPr lang="it-IT" sz="1100">
-                            <a:effectLst/>
-                            <a:latin typeface="Times New Roman" panose="02020603050405020304" pitchFamily="18" charset="0"/>
-                            <a:ea typeface="Times New Roman" panose="02020603050405020304" pitchFamily="18" charset="0"/>
-                          </a:endParaRPr>
-                        </a:p>
-                      </a:txBody>
-                      <a:tcPr marL="60735" marR="60735" marT="0" marB="0" anchor="ctr"/>
-                    </a:tc>
-                    <a:tc>
-                      <a:txBody>
-                        <a:bodyPr/>
-                        <a:lstStyle/>
-                        <a:p>
-                          <a:pPr algn="ctr"/>
-                          <a:r>
-                            <a:rPr lang="en-GB" sz="1100" dirty="0">
-                              <a:effectLst/>
-                            </a:rPr>
-                            <a:t>4.0060</a:t>
-                          </a:r>
-                          <a:endParaRPr lang="it-IT" sz="1100" dirty="0">
-                            <a:effectLst/>
-                            <a:latin typeface="Times New Roman" panose="02020603050405020304" pitchFamily="18" charset="0"/>
-                            <a:ea typeface="Times New Roman" panose="02020603050405020304" pitchFamily="18" charset="0"/>
-                          </a:endParaRPr>
-                        </a:p>
-                      </a:txBody>
-                      <a:tcPr marL="60735" marR="60735" marT="0" marB="0" anchor="ctr"/>
-                    </a:tc>
-                    <a:tc>
-                      <a:txBody>
-                        <a:bodyPr/>
-                        <a:lstStyle/>
-                        <a:p>
-                          <a:pPr algn="ctr"/>
-                          <a:r>
-                            <a:rPr lang="en-GB" sz="1100" dirty="0">
-                              <a:effectLst/>
-                            </a:rPr>
-                            <a:t>7.4767</a:t>
-                          </a:r>
-                          <a:endParaRPr lang="it-IT" sz="1100" dirty="0">
-                            <a:effectLst/>
-                            <a:latin typeface="Times New Roman" panose="02020603050405020304" pitchFamily="18" charset="0"/>
-                            <a:ea typeface="Times New Roman" panose="02020603050405020304" pitchFamily="18" charset="0"/>
-                          </a:endParaRPr>
-                        </a:p>
-                      </a:txBody>
-                      <a:tcPr marL="60735" marR="60735" marT="0" marB="0" anchor="ctr"/>
-                    </a:tc>
-                    <a:extLst>
-                      <a:ext uri="{0D108BD9-81ED-4DB2-BD59-A6C34878D82A}">
-                        <a16:rowId xmlns:a16="http://schemas.microsoft.com/office/drawing/2014/main" val="394650352"/>
-                      </a:ext>
-                    </a:extLst>
-                  </a:tr>
-                </a:tbl>
-              </a:graphicData>
-            </a:graphic>
-          </p:graphicFrame>
-        </mc:Fallback>
-      </mc:AlternateContent>
-      <p:sp>
-        <p:nvSpPr>
-          <p:cNvPr id="4" name="Segnaposto piè di pagina 3">
-            <a:extLst>
-              <a:ext uri="{FF2B5EF4-FFF2-40B4-BE49-F238E27FC236}">
-                <a16:creationId xmlns:a16="http://schemas.microsoft.com/office/drawing/2014/main" id="{A958FC03-6D25-E2BE-EFAE-750755964794}"/>
-              </a:ext>
-            </a:extLst>
-          </p:cNvPr>
-          <p:cNvSpPr>
-            <a:spLocks noGrp="1"/>
-          </p:cNvSpPr>
-          <p:nvPr>
-            <p:ph type="ftr" sz="quarter" idx="11"/>
-          </p:nvPr>
-        </p:nvSpPr>
-        <p:spPr/>
-        <p:txBody>
-          <a:bodyPr/>
-          <a:lstStyle/>
-          <a:p>
-            <a:r>
-              <a:rPr lang="it-IT"/>
-              <a:t>Prova finale: Introduzione all’Analisi di Missioni Spaziali</a:t>
-            </a:r>
-            <a:endParaRPr lang="it-IT" dirty="0"/>
-          </a:p>
-        </p:txBody>
-      </p:sp>
-      <p:sp>
-        <p:nvSpPr>
-          <p:cNvPr id="5" name="Segnaposto numero diapositiva 4">
-            <a:extLst>
-              <a:ext uri="{FF2B5EF4-FFF2-40B4-BE49-F238E27FC236}">
-                <a16:creationId xmlns:a16="http://schemas.microsoft.com/office/drawing/2014/main" id="{C89D6200-3C03-E8E5-B9BB-B39A5715C54A}"/>
-              </a:ext>
-            </a:extLst>
-          </p:cNvPr>
-          <p:cNvSpPr>
-            <a:spLocks noGrp="1"/>
-          </p:cNvSpPr>
-          <p:nvPr>
-            <p:ph type="sldNum" sz="quarter" idx="12"/>
-          </p:nvPr>
-        </p:nvSpPr>
-        <p:spPr/>
-        <p:txBody>
-          <a:bodyPr/>
-          <a:lstStyle/>
-          <a:p>
-            <a:fld id="{07ED6331-BE36-4EB0-BAD8-FC72B96BFAEC}" type="slidenum">
-              <a:rPr lang="it-IT" smtClean="0"/>
-              <a:pPr/>
-              <a:t>10</a:t>
-            </a:fld>
-            <a:endParaRPr lang="it-IT"/>
-          </a:p>
-        </p:txBody>
-      </p:sp>
-    </p:spTree>
-    <p:extLst>
-      <p:ext uri="{BB962C8B-B14F-4D97-AF65-F5344CB8AC3E}">
-        <p14:creationId xmlns:p14="http://schemas.microsoft.com/office/powerpoint/2010/main" val="3084648435"/>
-      </p:ext>
-    </p:extLst>
-  </p:cSld>
-  <p:clrMapOvr>
-    <a:masterClrMapping/>
-  </p:clrMapOvr>
-</p:sld>
-</file>
-
-<file path=ppt/slides/slide11.xml><?xml version="1.0" encoding="utf-8"?>
-<p:sld xmlns:a="http://schemas.openxmlformats.org/drawingml/2006/main" xmlns:r="http://schemas.openxmlformats.org/officeDocument/2006/relationships" xmlns:p="http://schemas.openxmlformats.org/presentationml/2006/main">
-  <p:cSld>
-    <p:spTree>
-      <p:nvGrpSpPr>
-        <p:cNvPr id="1" name=""/>
-        <p:cNvGrpSpPr/>
-        <p:nvPr/>
-      </p:nvGrpSpPr>
-      <p:grpSpPr>
-        <a:xfrm>
-          <a:off x="0" y="0"/>
-          <a:ext cx="0" cy="0"/>
-          <a:chOff x="0" y="0"/>
-          <a:chExt cx="0" cy="0"/>
-        </a:xfrm>
-      </p:grpSpPr>
-      <p:sp>
-        <p:nvSpPr>
-          <p:cNvPr id="2" name="Titolo 1">
-            <a:extLst>
-              <a:ext uri="{FF2B5EF4-FFF2-40B4-BE49-F238E27FC236}">
                 <a16:creationId xmlns:a16="http://schemas.microsoft.com/office/drawing/2014/main" id="{D687DCC3-F852-ED73-F240-ECCDA9F3B4A0}"/>
               </a:ext>
             </a:extLst>
@@ -7628,8 +6681,8 @@
           </a:p>
         </p:txBody>
       </p:sp>
-      <mc:AlternateContent xmlns:mc="http://schemas.openxmlformats.org/markup-compatibility/2006">
-        <mc:Choice xmlns:a14="http://schemas.microsoft.com/office/drawing/2010/main" Requires="a14">
+      <mc:AlternateContent xmlns:mc="http://schemas.openxmlformats.org/markup-compatibility/2006" xmlns:a14="http://schemas.microsoft.com/office/drawing/2010/main">
+        <mc:Choice Requires="a14">
           <p:sp>
             <p:nvSpPr>
               <p:cNvPr id="6" name="Segnaposto contenuto 5">
@@ -8789,7 +7842,7 @@
             </p:txBody>
           </p:sp>
         </mc:Choice>
-        <mc:Fallback>
+        <mc:Fallback xmlns="">
           <p:sp>
             <p:nvSpPr>
               <p:cNvPr id="6" name="Segnaposto contenuto 5">
@@ -8917,7 +7970,7 @@
             <a:fld id="{07ED6331-BE36-4EB0-BAD8-FC72B96BFAEC}" type="slidenum">
               <a:rPr lang="it-IT" smtClean="0"/>
               <a:pPr/>
-              <a:t>11</a:t>
+              <a:t>10</a:t>
             </a:fld>
             <a:endParaRPr lang="it-IT"/>
           </a:p>
@@ -8936,7 +7989,7 @@
 </p:sld>
 </file>
 
-<file path=ppt/slides/slide12.xml><?xml version="1.0" encoding="utf-8"?>
+<file path=ppt/slides/slide11.xml><?xml version="1.0" encoding="utf-8"?>
 <p:sld xmlns:a="http://schemas.openxmlformats.org/drawingml/2006/main" xmlns:r="http://schemas.openxmlformats.org/officeDocument/2006/relationships" xmlns:p="http://schemas.openxmlformats.org/presentationml/2006/main">
   <p:cSld>
     <p:spTree>
@@ -9179,7 +8232,7 @@
             <a:fld id="{07ED6331-BE36-4EB0-BAD8-FC72B96BFAEC}" type="slidenum">
               <a:rPr lang="it-IT" smtClean="0"/>
               <a:pPr/>
-              <a:t>12</a:t>
+              <a:t>11</a:t>
             </a:fld>
             <a:endParaRPr lang="it-IT"/>
           </a:p>
@@ -10001,7 +9054,7 @@
 </p:sld>
 </file>
 
-<file path=ppt/slides/slide13.xml><?xml version="1.0" encoding="utf-8"?>
+<file path=ppt/slides/slide12.xml><?xml version="1.0" encoding="utf-8"?>
 <p:sld xmlns:a="http://schemas.openxmlformats.org/drawingml/2006/main" xmlns:r="http://schemas.openxmlformats.org/officeDocument/2006/relationships" xmlns:p="http://schemas.openxmlformats.org/presentationml/2006/main">
   <p:cSld>
     <p:spTree>
@@ -10149,7 +9202,7 @@
             <a:fld id="{07ED6331-BE36-4EB0-BAD8-FC72B96BFAEC}" type="slidenum">
               <a:rPr lang="it-IT" smtClean="0"/>
               <a:pPr/>
-              <a:t>13</a:t>
+              <a:t>12</a:t>
             </a:fld>
             <a:endParaRPr lang="it-IT"/>
           </a:p>
@@ -10168,7 +9221,7 @@
 </p:sld>
 </file>
 
-<file path=ppt/slides/slide14.xml><?xml version="1.0" encoding="utf-8"?>
+<file path=ppt/slides/slide13.xml><?xml version="1.0" encoding="utf-8"?>
 <p:sld xmlns:a="http://schemas.openxmlformats.org/drawingml/2006/main" xmlns:r="http://schemas.openxmlformats.org/officeDocument/2006/relationships" xmlns:p="http://schemas.openxmlformats.org/presentationml/2006/main">
   <p:cSld>
     <p:spTree>
@@ -10296,7 +9349,7 @@
             <a:fld id="{07ED6331-BE36-4EB0-BAD8-FC72B96BFAEC}" type="slidenum">
               <a:rPr lang="it-IT" smtClean="0"/>
               <a:pPr/>
-              <a:t>14</a:t>
+              <a:t>13</a:t>
             </a:fld>
             <a:endParaRPr lang="it-IT"/>
           </a:p>
@@ -12130,8 +11183,8 @@
           </a:p>
         </p:txBody>
       </p:sp>
-      <mc:AlternateContent xmlns:mc="http://schemas.openxmlformats.org/markup-compatibility/2006">
-        <mc:Choice xmlns:a14="http://schemas.microsoft.com/office/drawing/2010/main" Requires="a14">
+      <mc:AlternateContent xmlns:mc="http://schemas.openxmlformats.org/markup-compatibility/2006" xmlns:a14="http://schemas.microsoft.com/office/drawing/2010/main">
+        <mc:Choice Requires="a14">
           <p:sp>
             <p:nvSpPr>
               <p:cNvPr id="3" name="Segnaposto contenuto 2">
@@ -12892,7 +11945,7 @@
             </p:txBody>
           </p:sp>
         </mc:Choice>
-        <mc:Fallback>
+        <mc:Fallback xmlns="">
           <p:sp>
             <p:nvSpPr>
               <p:cNvPr id="3" name="Segnaposto contenuto 2">
@@ -13575,8 +12628,8 @@
           </a:p>
         </p:txBody>
       </p:sp>
-      <mc:AlternateContent xmlns:mc="http://schemas.openxmlformats.org/markup-compatibility/2006">
-        <mc:Choice xmlns:a14="http://schemas.microsoft.com/office/drawing/2010/main" Requires="a14">
+      <mc:AlternateContent xmlns:mc="http://schemas.openxmlformats.org/markup-compatibility/2006" xmlns:a14="http://schemas.microsoft.com/office/drawing/2010/main">
+        <mc:Choice Requires="a14">
           <p:sp>
             <p:nvSpPr>
               <p:cNvPr id="3" name="Segnaposto contenuto 2">
@@ -15139,7 +14192,7 @@
             </p:txBody>
           </p:sp>
         </mc:Choice>
-        <mc:Fallback>
+        <mc:Fallback xmlns="">
           <p:sp>
             <p:nvSpPr>
               <p:cNvPr id="3" name="Segnaposto contenuto 2">
@@ -15487,8 +14540,8 @@
           </a:p>
         </p:txBody>
       </p:sp>
-      <mc:AlternateContent xmlns:mc="http://schemas.openxmlformats.org/markup-compatibility/2006">
-        <mc:Choice xmlns:a14="http://schemas.microsoft.com/office/drawing/2010/main" Requires="a14">
+      <mc:AlternateContent xmlns:mc="http://schemas.openxmlformats.org/markup-compatibility/2006" xmlns:a14="http://schemas.microsoft.com/office/drawing/2010/main">
+        <mc:Choice Requires="a14">
           <p:sp>
             <p:nvSpPr>
               <p:cNvPr id="3" name="Segnaposto contenuto 2">
@@ -15557,6 +14610,7 @@
                             <a:effectLst/>
                             <a:uLnTx/>
                             <a:uFillTx/>
+                            <a:latin typeface="Cambria Math" panose="02040503050406030204" pitchFamily="18" charset="0"/>
                           </a:rPr>
                         </m:ctrlPr>
                       </m:sSubPr>
@@ -15572,6 +14626,7 @@
                             <a:effectLst/>
                             <a:uLnTx/>
                             <a:uFillTx/>
+                            <a:latin typeface="Cambria Math" panose="02040503050406030204" pitchFamily="18" charset="0"/>
                           </a:rPr>
                           <m:t> </m:t>
                         </m:r>
@@ -15586,6 +14641,7 @@
                             <a:effectLst/>
                             <a:uLnTx/>
                             <a:uFillTx/>
+                            <a:latin typeface="Cambria Math" panose="02040503050406030204" pitchFamily="18" charset="0"/>
                           </a:rPr>
                           <m:t>𝒊</m:t>
                         </m:r>
@@ -15602,6 +14658,7 @@
                             <a:effectLst/>
                             <a:uLnTx/>
                             <a:uFillTx/>
+                            <a:latin typeface="Cambria Math" panose="02040503050406030204" pitchFamily="18" charset="0"/>
                           </a:rPr>
                           <m:t>𝒇</m:t>
                         </m:r>
@@ -15731,6 +14788,7 @@
                             <a:effectLst/>
                             <a:uLnTx/>
                             <a:uFillTx/>
+                            <a:latin typeface="Cambria Math" panose="02040503050406030204" pitchFamily="18" charset="0"/>
                           </a:rPr>
                         </m:ctrlPr>
                       </m:sSubPr>
@@ -15746,6 +14804,7 @@
                             <a:effectLst/>
                             <a:uLnTx/>
                             <a:uFillTx/>
+                            <a:latin typeface="Cambria Math" panose="02040503050406030204" pitchFamily="18" charset="0"/>
                           </a:rPr>
                           <m:t>𝚫</m:t>
                         </m:r>
@@ -15760,6 +14819,7 @@
                             <a:effectLst/>
                             <a:uLnTx/>
                             <a:uFillTx/>
+                            <a:latin typeface="Cambria Math" panose="02040503050406030204" pitchFamily="18" charset="0"/>
                           </a:rPr>
                           <m:t>𝒕</m:t>
                         </m:r>
@@ -15776,6 +14836,7 @@
                             <a:effectLst/>
                             <a:uLnTx/>
                             <a:uFillTx/>
+                            <a:latin typeface="Cambria Math" panose="02040503050406030204" pitchFamily="18" charset="0"/>
                           </a:rPr>
                           <m:t>𝟑</m:t>
                         </m:r>
@@ -15792,6 +14853,7 @@
                         <a:effectLst/>
                         <a:uLnTx/>
                         <a:uFillTx/>
+                        <a:latin typeface="Cambria Math" panose="02040503050406030204" pitchFamily="18" charset="0"/>
                       </a:rPr>
                       <m:t>=</m:t>
                     </m:r>
@@ -15806,6 +14868,7 @@
                         <a:effectLst/>
                         <a:uLnTx/>
                         <a:uFillTx/>
+                        <a:latin typeface="Cambria Math" panose="02040503050406030204" pitchFamily="18" charset="0"/>
                       </a:rPr>
                       <m:t>𝟑𝟏𝟐𝟐</m:t>
                     </m:r>
@@ -15820,6 +14883,7 @@
                         <a:effectLst/>
                         <a:uLnTx/>
                         <a:uFillTx/>
+                        <a:latin typeface="Cambria Math" panose="02040503050406030204" pitchFamily="18" charset="0"/>
                       </a:rPr>
                       <m:t> </m:t>
                     </m:r>
@@ -15834,6 +14898,7 @@
                         <a:effectLst/>
                         <a:uLnTx/>
                         <a:uFillTx/>
+                        <a:latin typeface="Cambria Math" panose="02040503050406030204" pitchFamily="18" charset="0"/>
                       </a:rPr>
                       <m:t>𝐬</m:t>
                     </m:r>
@@ -15945,6 +15010,7 @@
                             <a:effectLst/>
                             <a:uLnTx/>
                             <a:uFillTx/>
+                            <a:latin typeface="Cambria Math" panose="02040503050406030204" pitchFamily="18" charset="0"/>
                           </a:rPr>
                         </m:ctrlPr>
                       </m:sSubPr>
@@ -15960,6 +15026,7 @@
                             <a:effectLst/>
                             <a:uLnTx/>
                             <a:uFillTx/>
+                            <a:latin typeface="Cambria Math" panose="02040503050406030204" pitchFamily="18" charset="0"/>
                           </a:rPr>
                           <m:t>𝚫</m:t>
                         </m:r>
@@ -15974,6 +15041,7 @@
                             <a:effectLst/>
                             <a:uLnTx/>
                             <a:uFillTx/>
+                            <a:latin typeface="Cambria Math" panose="02040503050406030204" pitchFamily="18" charset="0"/>
                           </a:rPr>
                           <m:t>𝐯</m:t>
                         </m:r>
@@ -15990,6 +15058,7 @@
                             <a:effectLst/>
                             <a:uLnTx/>
                             <a:uFillTx/>
+                            <a:latin typeface="Cambria Math" panose="02040503050406030204" pitchFamily="18" charset="0"/>
                           </a:rPr>
                           <m:t>𝟑</m:t>
                         </m:r>
@@ -16006,6 +15075,7 @@
                         <a:effectLst/>
                         <a:uLnTx/>
                         <a:uFillTx/>
+                        <a:latin typeface="Cambria Math" panose="02040503050406030204" pitchFamily="18" charset="0"/>
                       </a:rPr>
                       <m:t>= </m:t>
                     </m:r>
@@ -16040,6 +15110,7 @@
                             <a:effectLst/>
                             <a:uLnTx/>
                             <a:uFillTx/>
+                            <a:latin typeface="Cambria Math" panose="02040503050406030204" pitchFamily="18" charset="0"/>
                           </a:rPr>
                         </m:ctrlPr>
                       </m:fPr>
@@ -16055,6 +15126,7 @@
                             <a:effectLst/>
                             <a:uLnTx/>
                             <a:uFillTx/>
+                            <a:latin typeface="Cambria Math" panose="02040503050406030204" pitchFamily="18" charset="0"/>
                           </a:rPr>
                           <m:t>𝐤𝐦</m:t>
                         </m:r>
@@ -16071,6 +15143,7 @@
                             <a:effectLst/>
                             <a:uLnTx/>
                             <a:uFillTx/>
+                            <a:latin typeface="Cambria Math" panose="02040503050406030204" pitchFamily="18" charset="0"/>
                           </a:rPr>
                           <m:t>𝐬</m:t>
                         </m:r>
@@ -16170,6 +15243,7 @@
                             <a:effectLst/>
                             <a:uLnTx/>
                             <a:uFillTx/>
+                            <a:latin typeface="Cambria Math" panose="02040503050406030204" pitchFamily="18" charset="0"/>
                           </a:rPr>
                         </m:ctrlPr>
                       </m:sSubPr>
@@ -16185,6 +15259,7 @@
                             <a:effectLst/>
                             <a:uLnTx/>
                             <a:uFillTx/>
+                            <a:latin typeface="Cambria Math" panose="02040503050406030204" pitchFamily="18" charset="0"/>
                           </a:rPr>
                           <m:t>𝒊</m:t>
                         </m:r>
@@ -16201,6 +15276,7 @@
                             <a:effectLst/>
                             <a:uLnTx/>
                             <a:uFillTx/>
+                            <a:latin typeface="Cambria Math" panose="02040503050406030204" pitchFamily="18" charset="0"/>
                           </a:rPr>
                           <m:t>𝒇</m:t>
                         </m:r>
@@ -16238,6 +15314,7 @@
                             <a:effectLst/>
                             <a:uLnTx/>
                             <a:uFillTx/>
+                            <a:latin typeface="Cambria Math" panose="02040503050406030204" pitchFamily="18" charset="0"/>
                           </a:rPr>
                         </m:ctrlPr>
                       </m:sSubPr>
@@ -16253,6 +15330,7 @@
                             <a:effectLst/>
                             <a:uLnTx/>
                             <a:uFillTx/>
+                            <a:latin typeface="Cambria Math" panose="02040503050406030204" pitchFamily="18" charset="0"/>
                           </a:rPr>
                           <m:t>𝛀</m:t>
                         </m:r>
@@ -16269,6 +15347,7 @@
                             <a:effectLst/>
                             <a:uLnTx/>
                             <a:uFillTx/>
+                            <a:latin typeface="Cambria Math" panose="02040503050406030204" pitchFamily="18" charset="0"/>
                           </a:rPr>
                           <m:t>𝒇</m:t>
                         </m:r>
@@ -16301,7 +15380,7 @@
             </p:txBody>
           </p:sp>
         </mc:Choice>
-        <mc:Fallback>
+        <mc:Fallback xmlns="">
           <p:sp>
             <p:nvSpPr>
               <p:cNvPr id="3" name="Segnaposto contenuto 2">
@@ -16593,8 +15672,8 @@
           </a:p>
         </p:txBody>
       </p:sp>
-      <mc:AlternateContent xmlns:mc="http://schemas.openxmlformats.org/markup-compatibility/2006">
-        <mc:Choice xmlns:a14="http://schemas.microsoft.com/office/drawing/2010/main" Requires="a14">
+      <mc:AlternateContent xmlns:mc="http://schemas.openxmlformats.org/markup-compatibility/2006" xmlns:a14="http://schemas.microsoft.com/office/drawing/2010/main">
+        <mc:Choice Requires="a14">
           <p:sp>
             <p:nvSpPr>
               <p:cNvPr id="3" name="Segnaposto contenuto 2">
@@ -16663,22 +15742,7 @@
                         <a:uFillTx/>
                         <a:latin typeface="Cambria Math" panose="02040503050406030204" pitchFamily="18" charset="0"/>
                       </a:rPr>
-                      <m:t>  </m:t>
-                    </m:r>
-                    <m:r>
-                      <a:rPr kumimoji="0" lang="it-IT" sz="1800" b="1" i="0" u="none" strike="noStrike" kern="1200" cap="none" spc="0" normalizeH="0" baseline="0" noProof="0" smtClean="0">
-                        <a:ln>
-                          <a:noFill/>
-                        </a:ln>
-                        <a:solidFill>
-                          <a:prstClr val="black"/>
-                        </a:solidFill>
-                        <a:effectLst/>
-                        <a:uLnTx/>
-                        <a:uFillTx/>
-                        <a:latin typeface="Cambria Math" panose="02040503050406030204" pitchFamily="18" charset="0"/>
-                      </a:rPr>
-                      <m:t> </m:t>
+                      <m:t>   </m:t>
                     </m:r>
                     <m:sSub>
                       <m:sSubPr>
@@ -17704,7 +16768,7 @@
             </p:txBody>
           </p:sp>
         </mc:Choice>
-        <mc:Fallback>
+        <mc:Fallback xmlns="">
           <p:sp>
             <p:nvSpPr>
               <p:cNvPr id="3" name="Segnaposto contenuto 2">
@@ -17981,7 +17045,7 @@
         <p:spPr>
           <a:xfrm>
             <a:off x="838200" y="415400"/>
-            <a:ext cx="7101111" cy="590931"/>
+            <a:ext cx="8044766" cy="590931"/>
           </a:xfrm>
         </p:spPr>
         <p:txBody>
@@ -17990,7 +17054,7 @@
           <a:p>
             <a:r>
               <a:rPr lang="it-IT" dirty="0"/>
-              <a:t>Confronto con altre strategie standard</a:t>
+              <a:t>Confronto costi con altre strategie standard</a:t>
             </a:r>
           </a:p>
         </p:txBody>
@@ -18017,7 +17081,7 @@
           <a:lstStyle/>
           <a:p>
             <a:r>
-              <a:rPr lang="it-IT"/>
+              <a:rPr lang="it-IT" dirty="0"/>
               <a:t>Prova finale: Introduzione all’Analisi di Missioni Spaziali</a:t>
             </a:r>
           </a:p>
@@ -18049,7 +17113,7 @@
               <a:pPr/>
               <a:t>9</a:t>
             </a:fld>
-            <a:endParaRPr lang="it-IT"/>
+            <a:endParaRPr lang="it-IT" dirty="0"/>
           </a:p>
         </p:txBody>
       </p:sp>
@@ -18066,18 +17130,242 @@
           <p:nvPr>
             <p:extLst>
               <p:ext uri="{D42A27DB-BD31-4B8C-83A1-F6EECF244321}">
-                <p14:modId xmlns:p14="http://schemas.microsoft.com/office/powerpoint/2010/main" val="2074747939"/>
+                <p14:modId xmlns:p14="http://schemas.microsoft.com/office/powerpoint/2010/main" val="1083982627"/>
               </p:ext>
             </p:extLst>
           </p:nvPr>
         </p:nvGraphicFramePr>
         <p:xfrm>
-          <a:off x="364099" y="1006331"/>
-          <a:ext cx="7777480" cy="5096408"/>
+          <a:off x="500015" y="1043732"/>
+          <a:ext cx="7533642" cy="3366222"/>
         </p:xfrm>
         <a:graphic>
           <a:graphicData uri="http://schemas.openxmlformats.org/drawingml/2006/chart">
             <c:chart xmlns:c="http://schemas.openxmlformats.org/drawingml/2006/chart" xmlns:r="http://schemas.openxmlformats.org/officeDocument/2006/relationships" r:id="rId2"/>
+          </a:graphicData>
+        </a:graphic>
+      </p:graphicFrame>
+      <p:sp>
+        <p:nvSpPr>
+          <p:cNvPr id="2" name="CasellaDiTesto 1">
+            <a:extLst>
+              <a:ext uri="{FF2B5EF4-FFF2-40B4-BE49-F238E27FC236}">
+                <a16:creationId xmlns:a16="http://schemas.microsoft.com/office/drawing/2014/main" id="{5001EC82-1654-9E4C-0774-B97601E448B0}"/>
+              </a:ext>
+            </a:extLst>
+          </p:cNvPr>
+          <p:cNvSpPr txBox="1"/>
+          <p:nvPr/>
+        </p:nvSpPr>
+        <p:spPr>
+          <a:xfrm>
+            <a:off x="8141579" y="1043731"/>
+            <a:ext cx="3288421" cy="4770537"/>
+          </a:xfrm>
+          <a:prstGeom prst="rect">
+            <a:avLst/>
+          </a:prstGeom>
+          <a:noFill/>
+        </p:spPr>
+        <p:txBody>
+          <a:bodyPr wrap="square" rtlCol="0">
+            <a:spAutoFit/>
+          </a:bodyPr>
+          <a:lstStyle/>
+          <a:p>
+            <a:r>
+              <a:rPr lang="it-IT" sz="1600" b="1" dirty="0">
+                <a:effectLst/>
+                <a:ea typeface="Times New Roman" panose="02020603050405020304" pitchFamily="18" charset="0"/>
+              </a:rPr>
+              <a:t>Cambio Piano</a:t>
+            </a:r>
+            <a:r>
+              <a:rPr lang="it-IT" sz="1600" dirty="0">
+                <a:effectLst/>
+                <a:ea typeface="Times New Roman" panose="02020603050405020304" pitchFamily="18" charset="0"/>
+              </a:rPr>
+              <a:t>: risparmia fino al 13,6% di </a:t>
+            </a:r>
+            <a:r>
+              <a:rPr lang="en-GB" sz="1600" dirty="0">
+                <a:effectLst/>
+                <a:ea typeface="Times New Roman" panose="02020603050405020304" pitchFamily="18" charset="0"/>
+              </a:rPr>
+              <a:t>Δ</a:t>
+            </a:r>
+            <a:r>
+              <a:rPr lang="it-IT" sz="1600" dirty="0">
+                <a:effectLst/>
+                <a:ea typeface="Times New Roman" panose="02020603050405020304" pitchFamily="18" charset="0"/>
+              </a:rPr>
+              <a:t>v utilizzato per il cambio inclinazione.</a:t>
+            </a:r>
+          </a:p>
+          <a:p>
+            <a:r>
+              <a:rPr lang="it-IT" sz="1600" dirty="0">
+                <a:effectLst/>
+                <a:ea typeface="Times New Roman" panose="02020603050405020304" pitchFamily="18" charset="0"/>
+              </a:rPr>
+              <a:t> </a:t>
+            </a:r>
+          </a:p>
+          <a:p>
+            <a:r>
+              <a:rPr lang="it-IT" sz="1600" b="1" dirty="0">
+                <a:effectLst/>
+                <a:ea typeface="Times New Roman" panose="02020603050405020304" pitchFamily="18" charset="0"/>
+              </a:rPr>
+              <a:t>Bitangente PA: </a:t>
+            </a:r>
+            <a:r>
+              <a:rPr lang="it-IT" sz="1600" dirty="0">
+                <a:effectLst/>
+                <a:ea typeface="Times New Roman" panose="02020603050405020304" pitchFamily="18" charset="0"/>
+              </a:rPr>
+              <a:t>riduzione di </a:t>
+            </a:r>
+            <a:r>
+              <a:rPr lang="it-IT" sz="1600" dirty="0" err="1">
+                <a:effectLst/>
+                <a:ea typeface="Times New Roman" panose="02020603050405020304" pitchFamily="18" charset="0"/>
+              </a:rPr>
+              <a:t>Δv</a:t>
+            </a:r>
+            <a:r>
+              <a:rPr lang="it-IT" sz="1600" dirty="0">
+                <a:effectLst/>
+                <a:ea typeface="Times New Roman" panose="02020603050405020304" pitchFamily="18" charset="0"/>
+              </a:rPr>
+              <a:t> fino al 34,7% rispetto alle altre manovre bitangenti. </a:t>
+            </a:r>
+          </a:p>
+          <a:p>
+            <a:r>
+              <a:rPr lang="it-IT" sz="1600" dirty="0">
+                <a:effectLst/>
+                <a:ea typeface="Times New Roman" panose="02020603050405020304" pitchFamily="18" charset="0"/>
+              </a:rPr>
+              <a:t> </a:t>
+            </a:r>
+          </a:p>
+          <a:p>
+            <a:r>
+              <a:rPr lang="it-IT" sz="1600" b="1" dirty="0">
+                <a:effectLst/>
+                <a:ea typeface="Times New Roman" panose="02020603050405020304" pitchFamily="18" charset="0"/>
+              </a:rPr>
+              <a:t>Cambio di anomalia del pericentro: </a:t>
+            </a:r>
+            <a:r>
+              <a:rPr lang="it-IT" sz="1600" dirty="0">
+                <a:effectLst/>
+                <a:ea typeface="Times New Roman" panose="02020603050405020304" pitchFamily="18" charset="0"/>
+              </a:rPr>
+              <a:t>maggiore del 90,8% di quello più basso</a:t>
+            </a:r>
+            <a:r>
+              <a:rPr lang="it-IT" sz="1600" dirty="0">
+                <a:ea typeface="Times New Roman" panose="02020603050405020304" pitchFamily="18" charset="0"/>
+              </a:rPr>
+              <a:t>, ma minore del 74,8% rispetto al maggiore</a:t>
+            </a:r>
+          </a:p>
+          <a:p>
+            <a:endParaRPr lang="it-IT" sz="1600" dirty="0">
+              <a:ea typeface="Times New Roman" panose="02020603050405020304" pitchFamily="18" charset="0"/>
+            </a:endParaRPr>
+          </a:p>
+          <a:p>
+            <a:r>
+              <a:rPr lang="en-GB" sz="1600" b="1" dirty="0">
+                <a:ea typeface="Times New Roman" panose="02020603050405020304" pitchFamily="18" charset="0"/>
+              </a:rPr>
+              <a:t>Δ</a:t>
+            </a:r>
+            <a:r>
+              <a:rPr lang="it-IT" sz="1600" b="1" dirty="0">
+                <a:ea typeface="Times New Roman" panose="02020603050405020304" pitchFamily="18" charset="0"/>
+              </a:rPr>
+              <a:t>v: </a:t>
+            </a:r>
+            <a:r>
+              <a:rPr lang="it-IT" sz="1600" dirty="0">
+                <a:ea typeface="Times New Roman" panose="02020603050405020304" pitchFamily="18" charset="0"/>
+              </a:rPr>
+              <a:t>fino al 27,3% inferiore rispetto alle altre strategie </a:t>
+            </a:r>
+          </a:p>
+          <a:p>
+            <a:endParaRPr lang="it-IT" sz="1600" dirty="0">
+              <a:effectLst/>
+              <a:ea typeface="Times New Roman" panose="02020603050405020304" pitchFamily="18" charset="0"/>
+            </a:endParaRPr>
+          </a:p>
+          <a:p>
+            <a:r>
+              <a:rPr lang="en-GB" sz="1600" b="1" dirty="0">
+                <a:effectLst/>
+                <a:ea typeface="Times New Roman" panose="02020603050405020304" pitchFamily="18" charset="0"/>
+              </a:rPr>
+              <a:t>Δ</a:t>
+            </a:r>
+            <a:r>
+              <a:rPr lang="it-IT" sz="1600" b="1" dirty="0">
+                <a:ea typeface="Times New Roman" panose="02020603050405020304" pitchFamily="18" charset="0"/>
+              </a:rPr>
+              <a:t>t: </a:t>
+            </a:r>
+            <a:r>
+              <a:rPr lang="it-IT" sz="1600" dirty="0">
+                <a:effectLst/>
+                <a:ea typeface="Times New Roman" panose="02020603050405020304" pitchFamily="18" charset="0"/>
+              </a:rPr>
+              <a:t>superiore fino al 21,5% rispetto ad altre strategie (maggiore perché le orbite sono più larghe per ridurre </a:t>
+            </a:r>
+            <a:r>
+              <a:rPr lang="it-IT" sz="1600" dirty="0" err="1">
+                <a:effectLst/>
+                <a:ea typeface="Times New Roman" panose="02020603050405020304" pitchFamily="18" charset="0"/>
+              </a:rPr>
+              <a:t>Δv</a:t>
+            </a:r>
+            <a:r>
+              <a:rPr lang="it-IT" sz="1600" dirty="0">
+                <a:effectLst/>
+                <a:ea typeface="Times New Roman" panose="02020603050405020304" pitchFamily="18" charset="0"/>
+              </a:rPr>
+              <a:t>) </a:t>
+            </a:r>
+          </a:p>
+        </p:txBody>
+      </p:sp>
+      <p:graphicFrame>
+        <p:nvGraphicFramePr>
+          <p:cNvPr id="4" name="Grafico 3">
+            <a:extLst>
+              <a:ext uri="{FF2B5EF4-FFF2-40B4-BE49-F238E27FC236}">
+                <a16:creationId xmlns:a16="http://schemas.microsoft.com/office/drawing/2014/main" id="{6D2E0F78-5CBC-7549-65BC-F822B6D522E6}"/>
+              </a:ext>
+            </a:extLst>
+          </p:cNvPr>
+          <p:cNvGraphicFramePr/>
+          <p:nvPr>
+            <p:extLst>
+              <p:ext uri="{D42A27DB-BD31-4B8C-83A1-F6EECF244321}">
+                <p14:modId xmlns:p14="http://schemas.microsoft.com/office/powerpoint/2010/main" val="2946604710"/>
+              </p:ext>
+            </p:extLst>
+          </p:nvPr>
+        </p:nvGraphicFramePr>
+        <p:xfrm>
+          <a:off x="500015" y="4223579"/>
+          <a:ext cx="7533642" cy="1992026"/>
+        </p:xfrm>
+        <a:graphic>
+          <a:graphicData uri="http://schemas.openxmlformats.org/drawingml/2006/chart">
+            <c:chart xmlns:c="http://schemas.openxmlformats.org/drawingml/2006/chart" xmlns:r="http://schemas.openxmlformats.org/officeDocument/2006/relationships" r:id="rId3"/>
           </a:graphicData>
         </a:graphic>
       </p:graphicFrame>

--- a/Modelli relazione/Power C13.pptx
+++ b/Modelli relazione/Power C13.pptx
@@ -224,7 +224,7 @@
           <a:p>
             <a:fld id="{96072137-6D2F-4BC6-9464-B977199B0A75}" type="datetimeFigureOut">
               <a:rPr lang="it-IT" smtClean="0"/>
-              <a:t>04/01/2023</a:t>
+              <a:t>05/01/2023</a:t>
             </a:fld>
             <a:endParaRPr lang="it-IT"/>
           </a:p>
@@ -622,7 +622,7 @@
           <a:p>
             <a:fld id="{9B12F068-BFCB-4DDA-AEBA-90D02C5A37A3}" type="datetime1">
               <a:rPr lang="it-IT" smtClean="0"/>
-              <a:t>04/01/2023</a:t>
+              <a:t>05/01/2023</a:t>
             </a:fld>
             <a:endParaRPr lang="it-IT"/>
           </a:p>
@@ -795,7 +795,7 @@
           <a:p>
             <a:fld id="{02BFD265-87CE-4F6D-BA43-37C26ABE1195}" type="datetime1">
               <a:rPr lang="it-IT" smtClean="0"/>
-              <a:t>04/01/2023</a:t>
+              <a:t>05/01/2023</a:t>
             </a:fld>
             <a:endParaRPr lang="it-IT"/>
           </a:p>
@@ -978,7 +978,7 @@
           <a:p>
             <a:fld id="{E82C3DCE-4D3B-4F05-AB82-07C30E5DB354}" type="datetime1">
               <a:rPr lang="it-IT" smtClean="0"/>
-              <a:t>04/01/2023</a:t>
+              <a:t>05/01/2023</a:t>
             </a:fld>
             <a:endParaRPr lang="it-IT"/>
           </a:p>
@@ -1427,7 +1427,7 @@
           <a:p>
             <a:fld id="{175B999D-A14B-4856-B8FD-A3CA79A6E9C9}" type="datetime1">
               <a:rPr lang="it-IT" smtClean="0"/>
-              <a:t>04/01/2023</a:t>
+              <a:t>05/01/2023</a:t>
             </a:fld>
             <a:endParaRPr lang="it-IT"/>
           </a:p>
@@ -2072,7 +2072,7 @@
           <a:p>
             <a:fld id="{3BEBCC6D-DEA7-4845-B5C1-2F629F43089F}" type="datetime1">
               <a:rPr lang="it-IT" smtClean="0"/>
-              <a:t>04/01/2023</a:t>
+              <a:t>05/01/2023</a:t>
             </a:fld>
             <a:endParaRPr lang="it-IT"/>
           </a:p>
@@ -2193,7 +2193,7 @@
           <a:p>
             <a:fld id="{80E9647C-8E0E-4638-B322-656011D8EC8C}" type="datetime1">
               <a:rPr lang="it-IT" smtClean="0"/>
-              <a:t>04/01/2023</a:t>
+              <a:t>05/01/2023</a:t>
             </a:fld>
             <a:endParaRPr lang="it-IT"/>
           </a:p>
@@ -2291,7 +2291,7 @@
           <a:p>
             <a:fld id="{28B311E9-D6AA-42C7-8F1E-D96B58708839}" type="datetime1">
               <a:rPr lang="it-IT" smtClean="0"/>
-              <a:t>04/01/2023</a:t>
+              <a:t>05/01/2023</a:t>
             </a:fld>
             <a:endParaRPr lang="it-IT"/>
           </a:p>
@@ -2571,7 +2571,7 @@
           <a:p>
             <a:fld id="{4AAB4675-AFE9-4872-A497-2CBF8C6F87D5}" type="datetime1">
               <a:rPr lang="it-IT" smtClean="0"/>
-              <a:t>04/01/2023</a:t>
+              <a:t>05/01/2023</a:t>
             </a:fld>
             <a:endParaRPr lang="it-IT"/>
           </a:p>
@@ -2831,7 +2831,7 @@
           <a:p>
             <a:fld id="{0C57332B-46D7-4397-B5F9-BE6A4C2E02A4}" type="datetime1">
               <a:rPr lang="it-IT" smtClean="0"/>
-              <a:t>04/01/2023</a:t>
+              <a:t>05/01/2023</a:t>
             </a:fld>
             <a:endParaRPr lang="it-IT"/>
           </a:p>
@@ -3047,7 +3047,7 @@
           <a:p>
             <a:fld id="{F181B815-9B49-4B3A-83E0-4A0231C106D3}" type="datetime1">
               <a:rPr lang="it-IT" smtClean="0"/>
-              <a:t>04/01/2023</a:t>
+              <a:t>05/01/2023</a:t>
             </a:fld>
             <a:endParaRPr lang="it-IT"/>
           </a:p>
@@ -3464,66 +3464,6 @@
           <a:chExt cx="0" cy="0"/>
         </a:xfrm>
       </p:grpSpPr>
-      <p:sp useBgFill="1">
-        <p:nvSpPr>
-          <p:cNvPr id="19" name="Rectangle 18">
-            <a:extLst>
-              <a:ext uri="{FF2B5EF4-FFF2-40B4-BE49-F238E27FC236}">
-                <a16:creationId xmlns:a16="http://schemas.microsoft.com/office/drawing/2014/main" id="{BAD76F3E-3A97-486B-B402-44400A8B9173}"/>
-              </a:ext>
-              <a:ext uri="{C183D7F6-B498-43B3-948B-1728B52AA6E4}">
-                <adec:decorative xmlns:adec="http://schemas.microsoft.com/office/drawing/2017/decorative" val="1"/>
-              </a:ext>
-            </a:extLst>
-          </p:cNvPr>
-          <p:cNvSpPr>
-            <a:spLocks noGrp="1" noRot="1" noChangeAspect="1" noMove="1" noResize="1" noEditPoints="1" noAdjustHandles="1" noChangeArrowheads="1" noChangeShapeType="1" noTextEdit="1"/>
-          </p:cNvSpPr>
-          <p:nvPr>
-            <p:extLst>
-              <p:ext uri="{386F3935-93C4-4BCD-93E2-E3B085C9AB24}">
-                <p16:designElem xmlns:p16="http://schemas.microsoft.com/office/powerpoint/2015/main" val="1"/>
-              </p:ext>
-            </p:extLst>
-          </p:nvPr>
-        </p:nvSpPr>
-        <p:spPr>
-          <a:xfrm>
-            <a:off x="0" y="0"/>
-            <a:ext cx="12192000" cy="6858000"/>
-          </a:xfrm>
-          <a:prstGeom prst="rect">
-            <a:avLst/>
-          </a:prstGeom>
-          <a:ln>
-            <a:noFill/>
-          </a:ln>
-        </p:spPr>
-        <p:style>
-          <a:lnRef idx="2">
-            <a:schemeClr val="accent1">
-              <a:shade val="50000"/>
-            </a:schemeClr>
-          </a:lnRef>
-          <a:fillRef idx="1">
-            <a:schemeClr val="accent1"/>
-          </a:fillRef>
-          <a:effectRef idx="0">
-            <a:schemeClr val="accent1"/>
-          </a:effectRef>
-          <a:fontRef idx="minor">
-            <a:schemeClr val="lt1"/>
-          </a:fontRef>
-        </p:style>
-        <p:txBody>
-          <a:bodyPr rtlCol="0" anchor="ctr"/>
-          <a:lstStyle/>
-          <a:p>
-            <a:pPr algn="ctr"/>
-            <a:endParaRPr lang="en-US"/>
-          </a:p>
-        </p:txBody>
-      </p:sp>
       <p:sp>
         <p:nvSpPr>
           <p:cNvPr id="2" name="Titolo 1">
@@ -3609,167 +3549,6 @@
               <a:t>Paolo Vanelli     10730510</a:t>
             </a:r>
             <a:endParaRPr lang="it-IT" dirty="0"/>
-          </a:p>
-        </p:txBody>
-      </p:sp>
-      <p:sp>
-        <p:nvSpPr>
-          <p:cNvPr id="21" name="Rectangle 20">
-            <a:extLst>
-              <a:ext uri="{FF2B5EF4-FFF2-40B4-BE49-F238E27FC236}">
-                <a16:creationId xmlns:a16="http://schemas.microsoft.com/office/drawing/2014/main" id="{391F6B52-91F4-4AEB-B6DB-29FEBCF28C8B}"/>
-              </a:ext>
-              <a:ext uri="{C183D7F6-B498-43B3-948B-1728B52AA6E4}">
-                <adec:decorative xmlns:adec="http://schemas.microsoft.com/office/drawing/2017/decorative" val="1"/>
-              </a:ext>
-            </a:extLst>
-          </p:cNvPr>
-          <p:cNvSpPr>
-            <a:spLocks noGrp="1" noRot="1" noChangeAspect="1" noMove="1" noResize="1" noEditPoints="1" noAdjustHandles="1" noChangeArrowheads="1" noChangeShapeType="1" noTextEdit="1"/>
-          </p:cNvSpPr>
-          <p:nvPr>
-            <p:extLst>
-              <p:ext uri="{386F3935-93C4-4BCD-93E2-E3B085C9AB24}">
-                <p16:designElem xmlns:p16="http://schemas.microsoft.com/office/powerpoint/2015/main" val="1"/>
-              </p:ext>
-            </p:extLst>
-          </p:nvPr>
-        </p:nvSpPr>
-        <p:spPr>
-          <a:xfrm>
-            <a:off x="841248" y="4331166"/>
-            <a:ext cx="10506456" cy="18288"/>
-          </a:xfrm>
-          <a:prstGeom prst="rect">
-            <a:avLst/>
-          </a:prstGeom>
-          <a:solidFill>
-            <a:srgbClr val="D5D5D5"/>
-          </a:solidFill>
-          <a:ln w="3175">
-            <a:noFill/>
-          </a:ln>
-          <a:effectLst/>
-        </p:spPr>
-        <p:style>
-          <a:lnRef idx="2">
-            <a:schemeClr val="accent1">
-              <a:shade val="50000"/>
-            </a:schemeClr>
-          </a:lnRef>
-          <a:fillRef idx="1">
-            <a:schemeClr val="accent1"/>
-          </a:fillRef>
-          <a:effectRef idx="0">
-            <a:schemeClr val="accent1"/>
-          </a:effectRef>
-          <a:fontRef idx="minor">
-            <a:schemeClr val="lt1"/>
-          </a:fontRef>
-        </p:style>
-        <p:txBody>
-          <a:bodyPr rtlCol="0" anchor="ctr"/>
-          <a:lstStyle/>
-          <a:p>
-            <a:pPr algn="ctr"/>
-            <a:endParaRPr lang="en-US">
-              <a:solidFill>
-                <a:prstClr val="white"/>
-              </a:solidFill>
-              <a:latin typeface="Calibri" panose="020F0502020204030204"/>
-            </a:endParaRPr>
-          </a:p>
-        </p:txBody>
-      </p:sp>
-      <p:sp>
-        <p:nvSpPr>
-          <p:cNvPr id="23" name="Rectangle 22">
-            <a:extLst>
-              <a:ext uri="{FF2B5EF4-FFF2-40B4-BE49-F238E27FC236}">
-                <a16:creationId xmlns:a16="http://schemas.microsoft.com/office/drawing/2014/main" id="{2CD6F061-7C53-44F4-9794-953DB70A451B}"/>
-              </a:ext>
-              <a:ext uri="{C183D7F6-B498-43B3-948B-1728B52AA6E4}">
-                <adec:decorative xmlns:adec="http://schemas.microsoft.com/office/drawing/2017/decorative" val="1"/>
-              </a:ext>
-            </a:extLst>
-          </p:cNvPr>
-          <p:cNvSpPr>
-            <a:spLocks noGrp="1" noRot="1" noChangeAspect="1" noMove="1" noResize="1" noEditPoints="1" noAdjustHandles="1" noChangeArrowheads="1" noChangeShapeType="1" noTextEdit="1"/>
-          </p:cNvSpPr>
-          <p:nvPr>
-            <p:extLst>
-              <p:ext uri="{386F3935-93C4-4BCD-93E2-E3B085C9AB24}">
-                <p16:designElem xmlns:p16="http://schemas.microsoft.com/office/powerpoint/2015/main" val="1"/>
-              </p:ext>
-            </p:extLst>
-          </p:nvPr>
-        </p:nvSpPr>
-        <p:spPr>
-          <a:xfrm rot="5400000">
-            <a:off x="9346882" y="2348839"/>
-            <a:ext cx="54864" cy="3946779"/>
-          </a:xfrm>
-          <a:prstGeom prst="rect">
-            <a:avLst/>
-          </a:prstGeom>
-          <a:solidFill>
-            <a:schemeClr val="accent2"/>
-          </a:solidFill>
-          <a:ln>
-            <a:noFill/>
-          </a:ln>
-        </p:spPr>
-        <p:style>
-          <a:lnRef idx="2">
-            <a:schemeClr val="accent1">
-              <a:shade val="50000"/>
-            </a:schemeClr>
-          </a:lnRef>
-          <a:fillRef idx="1">
-            <a:schemeClr val="accent1"/>
-          </a:fillRef>
-          <a:effectRef idx="0">
-            <a:schemeClr val="accent1"/>
-          </a:effectRef>
-          <a:fontRef idx="minor">
-            <a:schemeClr val="lt1"/>
-          </a:fontRef>
-        </p:style>
-        <p:txBody>
-          <a:bodyPr rtlCol="0" anchor="ctr"/>
-          <a:lstStyle/>
-          <a:p>
-            <a:pPr marL="0" marR="0" lvl="0" indent="0" algn="ctr" defTabSz="914400" rtl="0" eaLnBrk="1" fontAlgn="auto" latinLnBrk="0" hangingPunct="1">
-              <a:lnSpc>
-                <a:spcPct val="100000"/>
-              </a:lnSpc>
-              <a:spcBef>
-                <a:spcPts val="0"/>
-              </a:spcBef>
-              <a:spcAft>
-                <a:spcPts val="0"/>
-              </a:spcAft>
-              <a:buClrTx/>
-              <a:buSzTx/>
-              <a:buFontTx/>
-              <a:buNone/>
-              <a:tabLst/>
-              <a:defRPr/>
-            </a:pPr>
-            <a:endParaRPr kumimoji="0" lang="en-US" sz="1800" b="0" i="0" u="none" strike="noStrike" kern="1200" cap="none" spc="0" normalizeH="0" baseline="0" noProof="0">
-              <a:ln>
-                <a:noFill/>
-              </a:ln>
-              <a:solidFill>
-                <a:prstClr val="white"/>
-              </a:solidFill>
-              <a:effectLst/>
-              <a:uLnTx/>
-              <a:uFillTx/>
-              <a:latin typeface="Calibri" panose="020F0502020204030204"/>
-              <a:ea typeface="+mn-ea"/>
-              <a:cs typeface="+mn-cs"/>
-            </a:endParaRPr>
           </a:p>
         </p:txBody>
       </p:sp>
@@ -3983,65 +3762,6 @@
           </a:p>
         </p:txBody>
       </p:sp>
-      <p:sp>
-        <p:nvSpPr>
-          <p:cNvPr id="4" name="Segnaposto piè di pagina 3">
-            <a:extLst>
-              <a:ext uri="{FF2B5EF4-FFF2-40B4-BE49-F238E27FC236}">
-                <a16:creationId xmlns:a16="http://schemas.microsoft.com/office/drawing/2014/main" id="{D831CBB3-7DC7-41AB-9EF0-ABBA7462094F}"/>
-              </a:ext>
-            </a:extLst>
-          </p:cNvPr>
-          <p:cNvSpPr>
-            <a:spLocks noGrp="1"/>
-          </p:cNvSpPr>
-          <p:nvPr>
-            <p:ph type="ftr" sz="quarter" idx="11"/>
-          </p:nvPr>
-        </p:nvSpPr>
-        <p:spPr/>
-        <p:txBody>
-          <a:bodyPr/>
-          <a:lstStyle/>
-          <a:p>
-            <a:r>
-              <a:rPr lang="it-IT"/>
-              <a:t>Prova finale: Introduzione all’Analisi di Missioni Spaziali</a:t>
-            </a:r>
-            <a:endParaRPr lang="it-IT" dirty="0"/>
-          </a:p>
-        </p:txBody>
-      </p:sp>
-      <p:sp>
-        <p:nvSpPr>
-          <p:cNvPr id="5" name="Segnaposto numero diapositiva 4">
-            <a:extLst>
-              <a:ext uri="{FF2B5EF4-FFF2-40B4-BE49-F238E27FC236}">
-                <a16:creationId xmlns:a16="http://schemas.microsoft.com/office/drawing/2014/main" id="{B9B70AEA-C7F0-BC9F-BA5C-558F4F6F6268}"/>
-              </a:ext>
-            </a:extLst>
-          </p:cNvPr>
-          <p:cNvSpPr>
-            <a:spLocks noGrp="1"/>
-          </p:cNvSpPr>
-          <p:nvPr>
-            <p:ph type="sldNum" sz="quarter" idx="12"/>
-          </p:nvPr>
-        </p:nvSpPr>
-        <p:spPr/>
-        <p:txBody>
-          <a:bodyPr/>
-          <a:lstStyle/>
-          <a:p>
-            <a:fld id="{07ED6331-BE36-4EB0-BAD8-FC72B96BFAEC}" type="slidenum">
-              <a:rPr lang="it-IT" smtClean="0"/>
-              <a:pPr/>
-              <a:t>2</a:t>
-            </a:fld>
-            <a:endParaRPr lang="it-IT"/>
-          </a:p>
-        </p:txBody>
-      </p:sp>
       <p:pic>
         <p:nvPicPr>
           <p:cNvPr id="6" name="Segnaposto contenuto 6">
@@ -4077,6 +3797,65 @@
           </a:xfrm>
         </p:spPr>
       </p:pic>
+      <p:sp>
+        <p:nvSpPr>
+          <p:cNvPr id="4" name="Segnaposto piè di pagina 3">
+            <a:extLst>
+              <a:ext uri="{FF2B5EF4-FFF2-40B4-BE49-F238E27FC236}">
+                <a16:creationId xmlns:a16="http://schemas.microsoft.com/office/drawing/2014/main" id="{D831CBB3-7DC7-41AB-9EF0-ABBA7462094F}"/>
+              </a:ext>
+            </a:extLst>
+          </p:cNvPr>
+          <p:cNvSpPr>
+            <a:spLocks noGrp="1"/>
+          </p:cNvSpPr>
+          <p:nvPr>
+            <p:ph type="ftr" sz="quarter" idx="11"/>
+          </p:nvPr>
+        </p:nvSpPr>
+        <p:spPr/>
+        <p:txBody>
+          <a:bodyPr/>
+          <a:lstStyle/>
+          <a:p>
+            <a:r>
+              <a:rPr lang="it-IT"/>
+              <a:t>Prova finale: Introduzione all’Analisi di Missioni Spaziali</a:t>
+            </a:r>
+            <a:endParaRPr lang="it-IT" dirty="0"/>
+          </a:p>
+        </p:txBody>
+      </p:sp>
+      <p:sp>
+        <p:nvSpPr>
+          <p:cNvPr id="5" name="Segnaposto numero diapositiva 4">
+            <a:extLst>
+              <a:ext uri="{FF2B5EF4-FFF2-40B4-BE49-F238E27FC236}">
+                <a16:creationId xmlns:a16="http://schemas.microsoft.com/office/drawing/2014/main" id="{B9B70AEA-C7F0-BC9F-BA5C-558F4F6F6268}"/>
+              </a:ext>
+            </a:extLst>
+          </p:cNvPr>
+          <p:cNvSpPr>
+            <a:spLocks noGrp="1"/>
+          </p:cNvSpPr>
+          <p:nvPr>
+            <p:ph type="sldNum" sz="quarter" idx="12"/>
+          </p:nvPr>
+        </p:nvSpPr>
+        <p:spPr/>
+        <p:txBody>
+          <a:bodyPr/>
+          <a:lstStyle/>
+          <a:p>
+            <a:fld id="{07ED6331-BE36-4EB0-BAD8-FC72B96BFAEC}" type="slidenum">
+              <a:rPr lang="it-IT" smtClean="0"/>
+              <a:pPr/>
+              <a:t>2</a:t>
+            </a:fld>
+            <a:endParaRPr lang="it-IT"/>
+          </a:p>
+        </p:txBody>
+      </p:sp>
     </p:spTree>
     <p:extLst>
       <p:ext uri="{BB962C8B-B14F-4D97-AF65-F5344CB8AC3E}">
@@ -4789,64 +4568,6 @@
           </p:sp>
         </mc:Fallback>
       </mc:AlternateContent>
-      <p:sp>
-        <p:nvSpPr>
-          <p:cNvPr id="4" name="Segnaposto piè di pagina 3">
-            <a:extLst>
-              <a:ext uri="{FF2B5EF4-FFF2-40B4-BE49-F238E27FC236}">
-                <a16:creationId xmlns:a16="http://schemas.microsoft.com/office/drawing/2014/main" id="{4288491C-DE23-9D7E-C091-AE855AB31724}"/>
-              </a:ext>
-            </a:extLst>
-          </p:cNvPr>
-          <p:cNvSpPr>
-            <a:spLocks noGrp="1"/>
-          </p:cNvSpPr>
-          <p:nvPr>
-            <p:ph type="ftr" sz="quarter" idx="11"/>
-          </p:nvPr>
-        </p:nvSpPr>
-        <p:spPr/>
-        <p:txBody>
-          <a:bodyPr/>
-          <a:lstStyle/>
-          <a:p>
-            <a:r>
-              <a:rPr lang="it-IT" dirty="0"/>
-              <a:t>Prova finale: Introduzione all’Analisi di Missioni Spaziali</a:t>
-            </a:r>
-          </a:p>
-        </p:txBody>
-      </p:sp>
-      <p:sp>
-        <p:nvSpPr>
-          <p:cNvPr id="5" name="Segnaposto numero diapositiva 4">
-            <a:extLst>
-              <a:ext uri="{FF2B5EF4-FFF2-40B4-BE49-F238E27FC236}">
-                <a16:creationId xmlns:a16="http://schemas.microsoft.com/office/drawing/2014/main" id="{FC332E48-C802-488D-1EC0-908937287D3B}"/>
-              </a:ext>
-            </a:extLst>
-          </p:cNvPr>
-          <p:cNvSpPr>
-            <a:spLocks noGrp="1"/>
-          </p:cNvSpPr>
-          <p:nvPr>
-            <p:ph type="sldNum" sz="quarter" idx="12"/>
-          </p:nvPr>
-        </p:nvSpPr>
-        <p:spPr/>
-        <p:txBody>
-          <a:bodyPr/>
-          <a:lstStyle/>
-          <a:p>
-            <a:fld id="{07ED6331-BE36-4EB0-BAD8-FC72B96BFAEC}" type="slidenum">
-              <a:rPr lang="it-IT" smtClean="0"/>
-              <a:pPr/>
-              <a:t>3</a:t>
-            </a:fld>
-            <a:endParaRPr lang="it-IT"/>
-          </a:p>
-        </p:txBody>
-      </p:sp>
       <p:pic>
         <p:nvPicPr>
           <p:cNvPr id="8" name="Segnaposto contenuto 7">
@@ -4879,6 +4600,64 @@
           </a:prstGeom>
         </p:spPr>
       </p:pic>
+      <p:sp>
+        <p:nvSpPr>
+          <p:cNvPr id="4" name="Segnaposto piè di pagina 3">
+            <a:extLst>
+              <a:ext uri="{FF2B5EF4-FFF2-40B4-BE49-F238E27FC236}">
+                <a16:creationId xmlns:a16="http://schemas.microsoft.com/office/drawing/2014/main" id="{4288491C-DE23-9D7E-C091-AE855AB31724}"/>
+              </a:ext>
+            </a:extLst>
+          </p:cNvPr>
+          <p:cNvSpPr>
+            <a:spLocks noGrp="1"/>
+          </p:cNvSpPr>
+          <p:nvPr>
+            <p:ph type="ftr" sz="quarter" idx="11"/>
+          </p:nvPr>
+        </p:nvSpPr>
+        <p:spPr/>
+        <p:txBody>
+          <a:bodyPr/>
+          <a:lstStyle/>
+          <a:p>
+            <a:r>
+              <a:rPr lang="it-IT" dirty="0"/>
+              <a:t>Prova finale: Introduzione all’Analisi di Missioni Spaziali</a:t>
+            </a:r>
+          </a:p>
+        </p:txBody>
+      </p:sp>
+      <p:sp>
+        <p:nvSpPr>
+          <p:cNvPr id="5" name="Segnaposto numero diapositiva 4">
+            <a:extLst>
+              <a:ext uri="{FF2B5EF4-FFF2-40B4-BE49-F238E27FC236}">
+                <a16:creationId xmlns:a16="http://schemas.microsoft.com/office/drawing/2014/main" id="{FC332E48-C802-488D-1EC0-908937287D3B}"/>
+              </a:ext>
+            </a:extLst>
+          </p:cNvPr>
+          <p:cNvSpPr>
+            <a:spLocks noGrp="1"/>
+          </p:cNvSpPr>
+          <p:nvPr>
+            <p:ph type="sldNum" sz="quarter" idx="12"/>
+          </p:nvPr>
+        </p:nvSpPr>
+        <p:spPr/>
+        <p:txBody>
+          <a:bodyPr/>
+          <a:lstStyle/>
+          <a:p>
+            <a:fld id="{07ED6331-BE36-4EB0-BAD8-FC72B96BFAEC}" type="slidenum">
+              <a:rPr lang="it-IT" smtClean="0"/>
+              <a:pPr/>
+              <a:t>3</a:t>
+            </a:fld>
+            <a:endParaRPr lang="it-IT"/>
+          </a:p>
+        </p:txBody>
+      </p:sp>
     </p:spTree>
     <p:extLst>
       <p:ext uri="{BB962C8B-B14F-4D97-AF65-F5344CB8AC3E}">
@@ -5589,64 +5368,6 @@
           </p:sp>
         </mc:Fallback>
       </mc:AlternateContent>
-      <p:sp>
-        <p:nvSpPr>
-          <p:cNvPr id="4" name="Segnaposto piè di pagina 3">
-            <a:extLst>
-              <a:ext uri="{FF2B5EF4-FFF2-40B4-BE49-F238E27FC236}">
-                <a16:creationId xmlns:a16="http://schemas.microsoft.com/office/drawing/2014/main" id="{4288491C-DE23-9D7E-C091-AE855AB31724}"/>
-              </a:ext>
-            </a:extLst>
-          </p:cNvPr>
-          <p:cNvSpPr>
-            <a:spLocks noGrp="1"/>
-          </p:cNvSpPr>
-          <p:nvPr>
-            <p:ph type="ftr" sz="quarter" idx="11"/>
-          </p:nvPr>
-        </p:nvSpPr>
-        <p:spPr/>
-        <p:txBody>
-          <a:bodyPr/>
-          <a:lstStyle/>
-          <a:p>
-            <a:r>
-              <a:rPr lang="it-IT" dirty="0"/>
-              <a:t>Prova finale: Introduzione all’Analisi di Missioni Spaziali</a:t>
-            </a:r>
-          </a:p>
-        </p:txBody>
-      </p:sp>
-      <p:sp>
-        <p:nvSpPr>
-          <p:cNvPr id="5" name="Segnaposto numero diapositiva 4">
-            <a:extLst>
-              <a:ext uri="{FF2B5EF4-FFF2-40B4-BE49-F238E27FC236}">
-                <a16:creationId xmlns:a16="http://schemas.microsoft.com/office/drawing/2014/main" id="{FC332E48-C802-488D-1EC0-908937287D3B}"/>
-              </a:ext>
-            </a:extLst>
-          </p:cNvPr>
-          <p:cNvSpPr>
-            <a:spLocks noGrp="1"/>
-          </p:cNvSpPr>
-          <p:nvPr>
-            <p:ph type="sldNum" sz="quarter" idx="12"/>
-          </p:nvPr>
-        </p:nvSpPr>
-        <p:spPr/>
-        <p:txBody>
-          <a:bodyPr/>
-          <a:lstStyle/>
-          <a:p>
-            <a:fld id="{07ED6331-BE36-4EB0-BAD8-FC72B96BFAEC}" type="slidenum">
-              <a:rPr lang="it-IT" smtClean="0"/>
-              <a:pPr/>
-              <a:t>4</a:t>
-            </a:fld>
-            <a:endParaRPr lang="it-IT"/>
-          </a:p>
-        </p:txBody>
-      </p:sp>
       <p:pic>
         <p:nvPicPr>
           <p:cNvPr id="9" name="Segnaposto contenuto 8">
@@ -5679,6 +5400,64 @@
           </a:prstGeom>
         </p:spPr>
       </p:pic>
+      <p:sp>
+        <p:nvSpPr>
+          <p:cNvPr id="4" name="Segnaposto piè di pagina 3">
+            <a:extLst>
+              <a:ext uri="{FF2B5EF4-FFF2-40B4-BE49-F238E27FC236}">
+                <a16:creationId xmlns:a16="http://schemas.microsoft.com/office/drawing/2014/main" id="{4288491C-DE23-9D7E-C091-AE855AB31724}"/>
+              </a:ext>
+            </a:extLst>
+          </p:cNvPr>
+          <p:cNvSpPr>
+            <a:spLocks noGrp="1"/>
+          </p:cNvSpPr>
+          <p:nvPr>
+            <p:ph type="ftr" sz="quarter" idx="11"/>
+          </p:nvPr>
+        </p:nvSpPr>
+        <p:spPr/>
+        <p:txBody>
+          <a:bodyPr/>
+          <a:lstStyle/>
+          <a:p>
+            <a:r>
+              <a:rPr lang="it-IT" dirty="0"/>
+              <a:t>Prova finale: Introduzione all’Analisi di Missioni Spaziali</a:t>
+            </a:r>
+          </a:p>
+        </p:txBody>
+      </p:sp>
+      <p:sp>
+        <p:nvSpPr>
+          <p:cNvPr id="5" name="Segnaposto numero diapositiva 4">
+            <a:extLst>
+              <a:ext uri="{FF2B5EF4-FFF2-40B4-BE49-F238E27FC236}">
+                <a16:creationId xmlns:a16="http://schemas.microsoft.com/office/drawing/2014/main" id="{FC332E48-C802-488D-1EC0-908937287D3B}"/>
+              </a:ext>
+            </a:extLst>
+          </p:cNvPr>
+          <p:cNvSpPr>
+            <a:spLocks noGrp="1"/>
+          </p:cNvSpPr>
+          <p:nvPr>
+            <p:ph type="sldNum" sz="quarter" idx="12"/>
+          </p:nvPr>
+        </p:nvSpPr>
+        <p:spPr/>
+        <p:txBody>
+          <a:bodyPr/>
+          <a:lstStyle/>
+          <a:p>
+            <a:fld id="{07ED6331-BE36-4EB0-BAD8-FC72B96BFAEC}" type="slidenum">
+              <a:rPr lang="it-IT" smtClean="0"/>
+              <a:pPr/>
+              <a:t>4</a:t>
+            </a:fld>
+            <a:endParaRPr lang="it-IT"/>
+          </a:p>
+        </p:txBody>
+      </p:sp>
     </p:spTree>
     <p:extLst>
       <p:ext uri="{BB962C8B-B14F-4D97-AF65-F5344CB8AC3E}">
@@ -6221,8 +6000,8 @@
           </a:p>
         </p:txBody>
       </p:sp>
-      <mc:AlternateContent xmlns:mc="http://schemas.openxmlformats.org/markup-compatibility/2006">
-        <mc:Choice xmlns:a14="http://schemas.microsoft.com/office/drawing/2010/main" Requires="a14">
+      <mc:AlternateContent xmlns:mc="http://schemas.openxmlformats.org/markup-compatibility/2006" xmlns:a14="http://schemas.microsoft.com/office/drawing/2010/main">
+        <mc:Choice Requires="a14">
           <p:sp>
             <p:nvSpPr>
               <p:cNvPr id="6" name="Segnaposto contenuto 5">
@@ -6326,7 +6105,7 @@
             </p:txBody>
           </p:sp>
         </mc:Choice>
-        <mc:Fallback>
+        <mc:Fallback xmlns="">
           <p:sp>
             <p:nvSpPr>
               <p:cNvPr id="6" name="Segnaposto contenuto 5">
@@ -6366,65 +6145,6 @@
           </p:sp>
         </mc:Fallback>
       </mc:AlternateContent>
-      <p:sp>
-        <p:nvSpPr>
-          <p:cNvPr id="4" name="Segnaposto piè di pagina 3">
-            <a:extLst>
-              <a:ext uri="{FF2B5EF4-FFF2-40B4-BE49-F238E27FC236}">
-                <a16:creationId xmlns:a16="http://schemas.microsoft.com/office/drawing/2014/main" id="{4597329D-28BE-230A-CD1E-BCF8DA485DB6}"/>
-              </a:ext>
-            </a:extLst>
-          </p:cNvPr>
-          <p:cNvSpPr>
-            <a:spLocks noGrp="1"/>
-          </p:cNvSpPr>
-          <p:nvPr>
-            <p:ph type="ftr" sz="quarter" idx="11"/>
-          </p:nvPr>
-        </p:nvSpPr>
-        <p:spPr/>
-        <p:txBody>
-          <a:bodyPr/>
-          <a:lstStyle/>
-          <a:p>
-            <a:r>
-              <a:rPr lang="it-IT"/>
-              <a:t>Prova finale: Introduzione all’Analisi di Missioni Spaziali</a:t>
-            </a:r>
-            <a:endParaRPr lang="it-IT" dirty="0"/>
-          </a:p>
-        </p:txBody>
-      </p:sp>
-      <p:sp>
-        <p:nvSpPr>
-          <p:cNvPr id="5" name="Segnaposto numero diapositiva 4">
-            <a:extLst>
-              <a:ext uri="{FF2B5EF4-FFF2-40B4-BE49-F238E27FC236}">
-                <a16:creationId xmlns:a16="http://schemas.microsoft.com/office/drawing/2014/main" id="{FC011EE5-D3A9-26B1-7422-9FB858B4E8E2}"/>
-              </a:ext>
-            </a:extLst>
-          </p:cNvPr>
-          <p:cNvSpPr>
-            <a:spLocks noGrp="1"/>
-          </p:cNvSpPr>
-          <p:nvPr>
-            <p:ph type="sldNum" sz="quarter" idx="12"/>
-          </p:nvPr>
-        </p:nvSpPr>
-        <p:spPr/>
-        <p:txBody>
-          <a:bodyPr/>
-          <a:lstStyle/>
-          <a:p>
-            <a:fld id="{07ED6331-BE36-4EB0-BAD8-FC72B96BFAEC}" type="slidenum">
-              <a:rPr lang="it-IT" smtClean="0"/>
-              <a:pPr/>
-              <a:t>8</a:t>
-            </a:fld>
-            <a:endParaRPr lang="it-IT"/>
-          </a:p>
-        </p:txBody>
-      </p:sp>
       <p:pic>
         <p:nvPicPr>
           <p:cNvPr id="14" name="Segnaposto contenuto 13">
@@ -6460,8 +6180,67 @@
           </a:xfrm>
         </p:spPr>
       </p:pic>
-      <mc:AlternateContent xmlns:mc="http://schemas.openxmlformats.org/markup-compatibility/2006">
-        <mc:Choice xmlns:a14="http://schemas.microsoft.com/office/drawing/2010/main" Requires="a14">
+      <p:sp>
+        <p:nvSpPr>
+          <p:cNvPr id="4" name="Segnaposto piè di pagina 3">
+            <a:extLst>
+              <a:ext uri="{FF2B5EF4-FFF2-40B4-BE49-F238E27FC236}">
+                <a16:creationId xmlns:a16="http://schemas.microsoft.com/office/drawing/2014/main" id="{4597329D-28BE-230A-CD1E-BCF8DA485DB6}"/>
+              </a:ext>
+            </a:extLst>
+          </p:cNvPr>
+          <p:cNvSpPr>
+            <a:spLocks noGrp="1"/>
+          </p:cNvSpPr>
+          <p:nvPr>
+            <p:ph type="ftr" sz="quarter" idx="11"/>
+          </p:nvPr>
+        </p:nvSpPr>
+        <p:spPr/>
+        <p:txBody>
+          <a:bodyPr/>
+          <a:lstStyle/>
+          <a:p>
+            <a:r>
+              <a:rPr lang="it-IT"/>
+              <a:t>Prova finale: Introduzione all’Analisi di Missioni Spaziali</a:t>
+            </a:r>
+            <a:endParaRPr lang="it-IT" dirty="0"/>
+          </a:p>
+        </p:txBody>
+      </p:sp>
+      <p:sp>
+        <p:nvSpPr>
+          <p:cNvPr id="5" name="Segnaposto numero diapositiva 4">
+            <a:extLst>
+              <a:ext uri="{FF2B5EF4-FFF2-40B4-BE49-F238E27FC236}">
+                <a16:creationId xmlns:a16="http://schemas.microsoft.com/office/drawing/2014/main" id="{FC011EE5-D3A9-26B1-7422-9FB858B4E8E2}"/>
+              </a:ext>
+            </a:extLst>
+          </p:cNvPr>
+          <p:cNvSpPr>
+            <a:spLocks noGrp="1"/>
+          </p:cNvSpPr>
+          <p:nvPr>
+            <p:ph type="sldNum" sz="quarter" idx="12"/>
+          </p:nvPr>
+        </p:nvSpPr>
+        <p:spPr/>
+        <p:txBody>
+          <a:bodyPr/>
+          <a:lstStyle/>
+          <a:p>
+            <a:fld id="{07ED6331-BE36-4EB0-BAD8-FC72B96BFAEC}" type="slidenum">
+              <a:rPr lang="it-IT" smtClean="0"/>
+              <a:pPr/>
+              <a:t>8</a:t>
+            </a:fld>
+            <a:endParaRPr lang="it-IT"/>
+          </a:p>
+        </p:txBody>
+      </p:sp>
+      <mc:AlternateContent xmlns:mc="http://schemas.openxmlformats.org/markup-compatibility/2006" xmlns:a14="http://schemas.microsoft.com/office/drawing/2010/main">
+        <mc:Choice Requires="a14">
           <p:graphicFrame>
             <p:nvGraphicFramePr>
               <p:cNvPr id="15" name="Tabella 15">
@@ -6903,7 +6682,7 @@
             </a:graphic>
           </p:graphicFrame>
         </mc:Choice>
-        <mc:Fallback>
+        <mc:Fallback xmlns="">
           <p:graphicFrame>
             <p:nvGraphicFramePr>
               <p:cNvPr id="15" name="Tabella 15">

--- a/Modelli relazione/Power C13.pptx
+++ b/Modelli relazione/Power C13.pptx
@@ -5,7 +5,7 @@
     <p:sldMasterId id="2147483660" r:id="rId1"/>
   </p:sldMasterIdLst>
   <p:notesMasterIdLst>
-    <p:notesMasterId r:id="rId12"/>
+    <p:notesMasterId r:id="rId16"/>
   </p:notesMasterIdLst>
   <p:sldIdLst>
     <p:sldId id="256" r:id="rId2"/>
@@ -16,8 +16,12 @@
     <p:sldId id="262" r:id="rId7"/>
     <p:sldId id="263" r:id="rId8"/>
     <p:sldId id="264" r:id="rId9"/>
-    <p:sldId id="265" r:id="rId10"/>
-    <p:sldId id="266" r:id="rId11"/>
+    <p:sldId id="267" r:id="rId10"/>
+    <p:sldId id="268" r:id="rId11"/>
+    <p:sldId id="269" r:id="rId12"/>
+    <p:sldId id="270" r:id="rId13"/>
+    <p:sldId id="265" r:id="rId14"/>
+    <p:sldId id="266" r:id="rId15"/>
   </p:sldIdLst>
   <p:sldSz cx="12192000" cy="6858000"/>
   <p:notesSz cx="6858000" cy="9144000"/>
@@ -129,6 +133,10 @@
             <p14:sldId id="262"/>
             <p14:sldId id="263"/>
             <p14:sldId id="264"/>
+            <p14:sldId id="267"/>
+            <p14:sldId id="268"/>
+            <p14:sldId id="269"/>
+            <p14:sldId id="270"/>
             <p14:sldId id="265"/>
             <p14:sldId id="266"/>
           </p14:sldIdLst>
@@ -224,7 +232,7 @@
           <a:p>
             <a:fld id="{96072137-6D2F-4BC6-9464-B977199B0A75}" type="datetimeFigureOut">
               <a:rPr lang="it-IT" smtClean="0"/>
-              <a:t>05/01/2023</a:t>
+              <a:t>06/01/2023</a:t>
             </a:fld>
             <a:endParaRPr lang="it-IT"/>
           </a:p>
@@ -622,7 +630,7 @@
           <a:p>
             <a:fld id="{9B12F068-BFCB-4DDA-AEBA-90D02C5A37A3}" type="datetime1">
               <a:rPr lang="it-IT" smtClean="0"/>
-              <a:t>05/01/2023</a:t>
+              <a:t>06/01/2023</a:t>
             </a:fld>
             <a:endParaRPr lang="it-IT"/>
           </a:p>
@@ -795,7 +803,7 @@
           <a:p>
             <a:fld id="{02BFD265-87CE-4F6D-BA43-37C26ABE1195}" type="datetime1">
               <a:rPr lang="it-IT" smtClean="0"/>
-              <a:t>05/01/2023</a:t>
+              <a:t>06/01/2023</a:t>
             </a:fld>
             <a:endParaRPr lang="it-IT"/>
           </a:p>
@@ -978,7 +986,7 @@
           <a:p>
             <a:fld id="{E82C3DCE-4D3B-4F05-AB82-07C30E5DB354}" type="datetime1">
               <a:rPr lang="it-IT" smtClean="0"/>
-              <a:t>05/01/2023</a:t>
+              <a:t>06/01/2023</a:t>
             </a:fld>
             <a:endParaRPr lang="it-IT"/>
           </a:p>
@@ -1115,53 +1123,53 @@
           </a:bodyPr>
           <a:lstStyle>
             <a:lvl1pPr>
-              <a:defRPr sz="1600"/>
+              <a:defRPr sz="1800"/>
             </a:lvl1pPr>
             <a:lvl2pPr>
-              <a:defRPr sz="1400"/>
+              <a:defRPr sz="1600"/>
             </a:lvl2pPr>
             <a:lvl3pPr>
-              <a:defRPr sz="1200"/>
+              <a:defRPr sz="1400"/>
             </a:lvl3pPr>
             <a:lvl4pPr>
-              <a:defRPr sz="1100"/>
+              <a:defRPr sz="1200"/>
             </a:lvl4pPr>
             <a:lvl5pPr>
-              <a:defRPr sz="1100"/>
+              <a:defRPr sz="1200"/>
             </a:lvl5pPr>
           </a:lstStyle>
           <a:p>
             <a:pPr lvl="0"/>
             <a:r>
-              <a:rPr lang="it-IT"/>
+              <a:rPr lang="it-IT" dirty="0"/>
               <a:t>Fare clic per modificare gli stili del testo dello schema</a:t>
             </a:r>
           </a:p>
           <a:p>
             <a:pPr lvl="1"/>
             <a:r>
-              <a:rPr lang="it-IT"/>
+              <a:rPr lang="it-IT" dirty="0"/>
               <a:t>Secondo livello</a:t>
             </a:r>
           </a:p>
           <a:p>
             <a:pPr lvl="2"/>
             <a:r>
-              <a:rPr lang="it-IT"/>
+              <a:rPr lang="it-IT" dirty="0"/>
               <a:t>Terzo livello</a:t>
             </a:r>
           </a:p>
           <a:p>
             <a:pPr lvl="3"/>
             <a:r>
-              <a:rPr lang="it-IT"/>
+              <a:rPr lang="it-IT" dirty="0"/>
               <a:t>Quarto livello</a:t>
             </a:r>
           </a:p>
           <a:p>
             <a:pPr lvl="4"/>
             <a:r>
-              <a:rPr lang="it-IT"/>
+              <a:rPr lang="it-IT" dirty="0"/>
               <a:t>Quinto livello</a:t>
             </a:r>
             <a:endParaRPr lang="en-US" dirty="0"/>
@@ -1427,7 +1435,7 @@
           <a:p>
             <a:fld id="{175B999D-A14B-4856-B8FD-A3CA79A6E9C9}" type="datetime1">
               <a:rPr lang="it-IT" smtClean="0"/>
-              <a:t>05/01/2023</a:t>
+              <a:t>06/01/2023</a:t>
             </a:fld>
             <a:endParaRPr lang="it-IT"/>
           </a:p>
@@ -1563,54 +1571,54 @@
             <a:normAutofit/>
           </a:bodyPr>
           <a:lstStyle>
-            <a:lvl1pPr>
+            <a:lvl1pPr algn="l">
               <a:defRPr sz="1600"/>
             </a:lvl1pPr>
-            <a:lvl2pPr>
+            <a:lvl2pPr algn="l">
               <a:defRPr sz="1400"/>
             </a:lvl2pPr>
-            <a:lvl3pPr>
+            <a:lvl3pPr algn="l">
               <a:defRPr sz="1200"/>
             </a:lvl3pPr>
-            <a:lvl4pPr>
+            <a:lvl4pPr algn="l">
               <a:defRPr sz="1100"/>
             </a:lvl4pPr>
-            <a:lvl5pPr>
+            <a:lvl5pPr algn="l">
               <a:defRPr sz="1100"/>
             </a:lvl5pPr>
           </a:lstStyle>
           <a:p>
             <a:pPr lvl="0"/>
             <a:r>
-              <a:rPr lang="it-IT"/>
+              <a:rPr lang="it-IT" dirty="0"/>
               <a:t>Fare clic per modificare gli stili del testo dello schema</a:t>
             </a:r>
           </a:p>
           <a:p>
             <a:pPr lvl="1"/>
             <a:r>
-              <a:rPr lang="it-IT"/>
+              <a:rPr lang="it-IT" dirty="0"/>
               <a:t>Secondo livello</a:t>
             </a:r>
           </a:p>
           <a:p>
             <a:pPr lvl="2"/>
             <a:r>
-              <a:rPr lang="it-IT"/>
+              <a:rPr lang="it-IT" dirty="0"/>
               <a:t>Terzo livello</a:t>
             </a:r>
           </a:p>
           <a:p>
             <a:pPr lvl="3"/>
             <a:r>
-              <a:rPr lang="it-IT"/>
+              <a:rPr lang="it-IT" dirty="0"/>
               <a:t>Quarto livello</a:t>
             </a:r>
           </a:p>
           <a:p>
             <a:pPr lvl="4"/>
             <a:r>
-              <a:rPr lang="it-IT"/>
+              <a:rPr lang="it-IT" dirty="0"/>
               <a:t>Quinto livello</a:t>
             </a:r>
             <a:endParaRPr lang="en-US" dirty="0"/>
@@ -1657,35 +1665,35 @@
           <a:p>
             <a:pPr lvl="0"/>
             <a:r>
-              <a:rPr lang="it-IT"/>
+              <a:rPr lang="it-IT" dirty="0"/>
               <a:t>Fare clic per modificare gli stili del testo dello schema</a:t>
             </a:r>
           </a:p>
           <a:p>
             <a:pPr lvl="1"/>
             <a:r>
-              <a:rPr lang="it-IT"/>
+              <a:rPr lang="it-IT" dirty="0"/>
               <a:t>Secondo livello</a:t>
             </a:r>
           </a:p>
           <a:p>
             <a:pPr lvl="2"/>
             <a:r>
-              <a:rPr lang="it-IT"/>
+              <a:rPr lang="it-IT" dirty="0"/>
               <a:t>Terzo livello</a:t>
             </a:r>
           </a:p>
           <a:p>
             <a:pPr lvl="3"/>
             <a:r>
-              <a:rPr lang="it-IT"/>
+              <a:rPr lang="it-IT" dirty="0"/>
               <a:t>Quarto livello</a:t>
             </a:r>
           </a:p>
           <a:p>
             <a:pPr lvl="4"/>
             <a:r>
-              <a:rPr lang="it-IT"/>
+              <a:rPr lang="it-IT" dirty="0"/>
               <a:t>Quinto livello</a:t>
             </a:r>
             <a:endParaRPr lang="en-US" dirty="0"/>
@@ -2072,7 +2080,7 @@
           <a:p>
             <a:fld id="{3BEBCC6D-DEA7-4845-B5C1-2F629F43089F}" type="datetime1">
               <a:rPr lang="it-IT" smtClean="0"/>
-              <a:t>05/01/2023</a:t>
+              <a:t>06/01/2023</a:t>
             </a:fld>
             <a:endParaRPr lang="it-IT"/>
           </a:p>
@@ -2193,7 +2201,7 @@
           <a:p>
             <a:fld id="{80E9647C-8E0E-4638-B322-656011D8EC8C}" type="datetime1">
               <a:rPr lang="it-IT" smtClean="0"/>
-              <a:t>05/01/2023</a:t>
+              <a:t>06/01/2023</a:t>
             </a:fld>
             <a:endParaRPr lang="it-IT"/>
           </a:p>
@@ -2291,7 +2299,7 @@
           <a:p>
             <a:fld id="{28B311E9-D6AA-42C7-8F1E-D96B58708839}" type="datetime1">
               <a:rPr lang="it-IT" smtClean="0"/>
-              <a:t>05/01/2023</a:t>
+              <a:t>06/01/2023</a:t>
             </a:fld>
             <a:endParaRPr lang="it-IT"/>
           </a:p>
@@ -2571,7 +2579,7 @@
           <a:p>
             <a:fld id="{4AAB4675-AFE9-4872-A497-2CBF8C6F87D5}" type="datetime1">
               <a:rPr lang="it-IT" smtClean="0"/>
-              <a:t>05/01/2023</a:t>
+              <a:t>06/01/2023</a:t>
             </a:fld>
             <a:endParaRPr lang="it-IT"/>
           </a:p>
@@ -2831,7 +2839,7 @@
           <a:p>
             <a:fld id="{0C57332B-46D7-4397-B5F9-BE6A4C2E02A4}" type="datetime1">
               <a:rPr lang="it-IT" smtClean="0"/>
-              <a:t>05/01/2023</a:t>
+              <a:t>06/01/2023</a:t>
             </a:fld>
             <a:endParaRPr lang="it-IT"/>
           </a:p>
@@ -3047,7 +3055,7 @@
           <a:p>
             <a:fld id="{F181B815-9B49-4B3A-83E0-4A0231C106D3}" type="datetime1">
               <a:rPr lang="it-IT" smtClean="0"/>
-              <a:t>05/01/2023</a:t>
+              <a:t>06/01/2023</a:t>
             </a:fld>
             <a:endParaRPr lang="it-IT"/>
           </a:p>
@@ -3587,6 +3595,1496 @@
           <p:cNvPr id="2" name="Titolo 1">
             <a:extLst>
               <a:ext uri="{FF2B5EF4-FFF2-40B4-BE49-F238E27FC236}">
+                <a16:creationId xmlns:a16="http://schemas.microsoft.com/office/drawing/2014/main" id="{C7232619-2666-2825-151C-FBFCD9D9A763}"/>
+              </a:ext>
+            </a:extLst>
+          </p:cNvPr>
+          <p:cNvSpPr>
+            <a:spLocks noGrp="1"/>
+          </p:cNvSpPr>
+          <p:nvPr>
+            <p:ph type="title"/>
+          </p:nvPr>
+        </p:nvSpPr>
+        <p:spPr/>
+        <p:txBody>
+          <a:bodyPr/>
+          <a:lstStyle/>
+          <a:p>
+            <a:r>
+              <a:rPr lang="it-IT" dirty="0"/>
+              <a:t>Alternativa 2: trovare la manovra che minimizzi il costo</a:t>
+            </a:r>
+          </a:p>
+        </p:txBody>
+      </p:sp>
+      <mc:AlternateContent xmlns:mc="http://schemas.openxmlformats.org/markup-compatibility/2006">
+        <mc:Choice xmlns:a14="http://schemas.microsoft.com/office/drawing/2010/main" Requires="a14">
+          <p:sp>
+            <p:nvSpPr>
+              <p:cNvPr id="3" name="Segnaposto contenuto 2">
+                <a:extLst>
+                  <a:ext uri="{FF2B5EF4-FFF2-40B4-BE49-F238E27FC236}">
+                    <a16:creationId xmlns:a16="http://schemas.microsoft.com/office/drawing/2014/main" id="{3CC50A82-7DFF-E562-D4F6-DAE7F372E586}"/>
+                  </a:ext>
+                </a:extLst>
+              </p:cNvPr>
+              <p:cNvSpPr>
+                <a:spLocks noGrp="1"/>
+              </p:cNvSpPr>
+              <p:nvPr>
+                <p:ph sz="half" idx="1"/>
+              </p:nvPr>
+            </p:nvSpPr>
+            <p:spPr/>
+            <p:txBody>
+              <a:bodyPr tIns="396000"/>
+              <a:lstStyle/>
+              <a:p>
+                <a:pPr marL="0" indent="0">
+                  <a:lnSpc>
+                    <a:spcPct val="150000"/>
+                  </a:lnSpc>
+                  <a:buNone/>
+                </a:pPr>
+                <a:r>
+                  <a:rPr lang="it-IT" sz="1800" b="1" dirty="0"/>
+                  <a:t>Idea di base:</a:t>
+                </a:r>
+              </a:p>
+              <a:p>
+                <a:pPr>
+                  <a:lnSpc>
+                    <a:spcPct val="150000"/>
+                  </a:lnSpc>
+                </a:pPr>
+                <a:r>
+                  <a:rPr lang="it-IT" dirty="0"/>
+                  <a:t>discretizzare orbita iniziale</a:t>
+                </a:r>
+              </a:p>
+              <a:p>
+                <a:pPr>
+                  <a:lnSpc>
+                    <a:spcPct val="150000"/>
+                  </a:lnSpc>
+                </a:pPr>
+                <a:r>
+                  <a:rPr lang="it-IT" dirty="0"/>
+                  <a:t>discretizzare orbita finale</a:t>
+                </a:r>
+              </a:p>
+              <a:p>
+                <a:pPr>
+                  <a:lnSpc>
+                    <a:spcPct val="150000"/>
+                  </a:lnSpc>
+                </a:pPr>
+                <a:r>
+                  <a:rPr lang="it-IT" dirty="0"/>
+                  <a:t>per ogni possibile coppia di punti, trovare tutte le possibili orbite di trasferimento variando il parametro </a:t>
+                </a:r>
+                <a14:m>
+                  <m:oMath xmlns:m="http://schemas.openxmlformats.org/officeDocument/2006/math">
+                    <m:r>
+                      <a:rPr lang="it-IT" b="0" i="1" smtClean="0">
+                        <a:latin typeface="Cambria Math" panose="02040503050406030204" pitchFamily="18" charset="0"/>
+                      </a:rPr>
+                      <m:t>𝜔</m:t>
+                    </m:r>
+                  </m:oMath>
+                </a14:m>
+                <a:endParaRPr lang="it-IT" dirty="0"/>
+              </a:p>
+              <a:p>
+                <a:pPr>
+                  <a:lnSpc>
+                    <a:spcPct val="150000"/>
+                  </a:lnSpc>
+                </a:pPr>
+                <a:r>
+                  <a:rPr lang="it-IT" dirty="0"/>
+                  <a:t>selezionare le orbite ellittiche valide controllandone l’eccentricità attraverso il </a:t>
+                </a:r>
+                <a:r>
+                  <a:rPr lang="it-IT" u="sng" dirty="0"/>
+                  <a:t>grafico</a:t>
+                </a:r>
+              </a:p>
+              <a:p>
+                <a:pPr>
+                  <a:lnSpc>
+                    <a:spcPct val="150000"/>
+                  </a:lnSpc>
+                </a:pPr>
+                <a:r>
+                  <a:rPr lang="it-IT" dirty="0"/>
+                  <a:t>selezionare l’orbita che in assoluto presenti il </a:t>
+                </a:r>
+                <a14:m>
+                  <m:oMath xmlns:m="http://schemas.openxmlformats.org/officeDocument/2006/math">
+                    <m:r>
+                      <m:rPr>
+                        <m:sty m:val="p"/>
+                      </m:rPr>
+                      <a:rPr lang="it-IT" b="0" i="0" smtClean="0">
+                        <a:latin typeface="Cambria Math" panose="02040503050406030204" pitchFamily="18" charset="0"/>
+                      </a:rPr>
+                      <m:t>Δ</m:t>
+                    </m:r>
+                    <m:r>
+                      <a:rPr lang="it-IT" b="0" i="1" smtClean="0">
+                        <a:latin typeface="Cambria Math" panose="02040503050406030204" pitchFamily="18" charset="0"/>
+                      </a:rPr>
+                      <m:t>𝑣</m:t>
+                    </m:r>
+                  </m:oMath>
+                </a14:m>
+                <a:r>
+                  <a:rPr lang="it-IT" dirty="0"/>
+                  <a:t> minimo</a:t>
+                </a:r>
+              </a:p>
+            </p:txBody>
+          </p:sp>
+        </mc:Choice>
+        <mc:Fallback>
+          <p:sp>
+            <p:nvSpPr>
+              <p:cNvPr id="3" name="Segnaposto contenuto 2">
+                <a:extLst>
+                  <a:ext uri="{FF2B5EF4-FFF2-40B4-BE49-F238E27FC236}">
+                    <a16:creationId xmlns:a16="http://schemas.microsoft.com/office/drawing/2014/main" id="{3CC50A82-7DFF-E562-D4F6-DAE7F372E586}"/>
+                  </a:ext>
+                </a:extLst>
+              </p:cNvPr>
+              <p:cNvSpPr>
+                <a:spLocks noGrp="1" noRot="1" noChangeAspect="1" noMove="1" noResize="1" noEditPoints="1" noAdjustHandles="1" noChangeArrowheads="1" noChangeShapeType="1" noTextEdit="1"/>
+              </p:cNvSpPr>
+              <p:nvPr>
+                <p:ph sz="half" idx="1"/>
+              </p:nvPr>
+            </p:nvSpPr>
+            <p:spPr>
+              <a:blipFill>
+                <a:blip r:embed="rId2"/>
+                <a:stretch>
+                  <a:fillRect l="-1059"/>
+                </a:stretch>
+              </a:blipFill>
+            </p:spPr>
+            <p:txBody>
+              <a:bodyPr/>
+              <a:lstStyle/>
+              <a:p>
+                <a:r>
+                  <a:rPr lang="it-IT">
+                    <a:noFill/>
+                  </a:rPr>
+                  <a:t> </a:t>
+                </a:r>
+              </a:p>
+            </p:txBody>
+          </p:sp>
+        </mc:Fallback>
+      </mc:AlternateContent>
+      <p:sp>
+        <p:nvSpPr>
+          <p:cNvPr id="4" name="Segnaposto piè di pagina 3">
+            <a:extLst>
+              <a:ext uri="{FF2B5EF4-FFF2-40B4-BE49-F238E27FC236}">
+                <a16:creationId xmlns:a16="http://schemas.microsoft.com/office/drawing/2014/main" id="{87478A47-10ED-20F3-8DC6-247B45D3A5AC}"/>
+              </a:ext>
+            </a:extLst>
+          </p:cNvPr>
+          <p:cNvSpPr>
+            <a:spLocks noGrp="1"/>
+          </p:cNvSpPr>
+          <p:nvPr>
+            <p:ph type="ftr" sz="quarter" idx="11"/>
+          </p:nvPr>
+        </p:nvSpPr>
+        <p:spPr/>
+        <p:txBody>
+          <a:bodyPr/>
+          <a:lstStyle/>
+          <a:p>
+            <a:r>
+              <a:rPr lang="it-IT"/>
+              <a:t>Prova finale: Introduzione all’Analisi di Missioni Spaziali</a:t>
+            </a:r>
+            <a:endParaRPr lang="it-IT" dirty="0"/>
+          </a:p>
+        </p:txBody>
+      </p:sp>
+      <p:sp>
+        <p:nvSpPr>
+          <p:cNvPr id="5" name="Segnaposto numero diapositiva 4">
+            <a:extLst>
+              <a:ext uri="{FF2B5EF4-FFF2-40B4-BE49-F238E27FC236}">
+                <a16:creationId xmlns:a16="http://schemas.microsoft.com/office/drawing/2014/main" id="{8B93192B-9275-7800-DF9B-ACBB9DF5952D}"/>
+              </a:ext>
+            </a:extLst>
+          </p:cNvPr>
+          <p:cNvSpPr>
+            <a:spLocks noGrp="1"/>
+          </p:cNvSpPr>
+          <p:nvPr>
+            <p:ph type="sldNum" sz="quarter" idx="12"/>
+          </p:nvPr>
+        </p:nvSpPr>
+        <p:spPr/>
+        <p:txBody>
+          <a:bodyPr/>
+          <a:lstStyle/>
+          <a:p>
+            <a:fld id="{07ED6331-BE36-4EB0-BAD8-FC72B96BFAEC}" type="slidenum">
+              <a:rPr lang="it-IT" smtClean="0"/>
+              <a:pPr/>
+              <a:t>10</a:t>
+            </a:fld>
+            <a:endParaRPr lang="it-IT"/>
+          </a:p>
+        </p:txBody>
+      </p:sp>
+      <p:pic>
+        <p:nvPicPr>
+          <p:cNvPr id="16" name="Segnaposto contenuto 15">
+            <a:extLst>
+              <a:ext uri="{FF2B5EF4-FFF2-40B4-BE49-F238E27FC236}">
+                <a16:creationId xmlns:a16="http://schemas.microsoft.com/office/drawing/2014/main" id="{6A8BC4C5-C1D2-9ED6-2A22-A521E63399AC}"/>
+              </a:ext>
+            </a:extLst>
+          </p:cNvPr>
+          <p:cNvPicPr>
+            <a:picLocks noGrp="1" noChangeAspect="1"/>
+          </p:cNvPicPr>
+          <p:nvPr>
+            <p:ph sz="half" idx="2"/>
+          </p:nvPr>
+        </p:nvPicPr>
+        <p:blipFill>
+          <a:blip r:embed="rId3">
+            <a:extLst>
+              <a:ext uri="{28A0092B-C50C-407E-A947-70E740481C1C}">
+                <a14:useLocalDpi xmlns:a14="http://schemas.microsoft.com/office/drawing/2010/main" val="0"/>
+              </a:ext>
+            </a:extLst>
+          </a:blip>
+          <a:stretch>
+            <a:fillRect/>
+          </a:stretch>
+        </p:blipFill>
+        <p:spPr>
+          <a:xfrm>
+            <a:off x="6172202" y="1300899"/>
+            <a:ext cx="5381520" cy="4209638"/>
+          </a:xfrm>
+        </p:spPr>
+      </p:pic>
+      <mc:AlternateContent xmlns:mc="http://schemas.openxmlformats.org/markup-compatibility/2006">
+        <mc:Choice xmlns:a14="http://schemas.microsoft.com/office/drawing/2010/main" Requires="a14">
+          <p:sp>
+            <p:nvSpPr>
+              <p:cNvPr id="17" name="CasellaDiTesto 16">
+                <a:extLst>
+                  <a:ext uri="{FF2B5EF4-FFF2-40B4-BE49-F238E27FC236}">
+                    <a16:creationId xmlns:a16="http://schemas.microsoft.com/office/drawing/2014/main" id="{F244184C-CB2A-A466-B900-1EB2C924472D}"/>
+                  </a:ext>
+                </a:extLst>
+              </p:cNvPr>
+              <p:cNvSpPr txBox="1"/>
+              <p:nvPr/>
+            </p:nvSpPr>
+            <p:spPr>
+              <a:xfrm>
+                <a:off x="6172202" y="5510537"/>
+                <a:ext cx="5381520" cy="369332"/>
+              </a:xfrm>
+              <a:prstGeom prst="rect">
+                <a:avLst/>
+              </a:prstGeom>
+              <a:noFill/>
+            </p:spPr>
+            <p:txBody>
+              <a:bodyPr wrap="square" rtlCol="0" anchor="ctr" anchorCtr="0">
+                <a:normAutofit/>
+              </a:bodyPr>
+              <a:lstStyle/>
+              <a:p>
+                <a:pPr algn="ctr"/>
+                <a:r>
+                  <a:rPr lang="it-IT" sz="1600" i="1" dirty="0"/>
+                  <a:t>Grafico dell’eccentricità al variare del parametro </a:t>
+                </a:r>
+                <a14:m>
+                  <m:oMath xmlns:m="http://schemas.openxmlformats.org/officeDocument/2006/math">
+                    <m:r>
+                      <a:rPr lang="it-IT" sz="1600" b="0" i="1" smtClean="0">
+                        <a:latin typeface="Cambria Math" panose="02040503050406030204" pitchFamily="18" charset="0"/>
+                      </a:rPr>
+                      <m:t>𝜔</m:t>
+                    </m:r>
+                  </m:oMath>
+                </a14:m>
+                <a:endParaRPr lang="it-IT" sz="1600" i="1" dirty="0"/>
+              </a:p>
+            </p:txBody>
+          </p:sp>
+        </mc:Choice>
+        <mc:Fallback>
+          <p:sp>
+            <p:nvSpPr>
+              <p:cNvPr id="17" name="CasellaDiTesto 16">
+                <a:extLst>
+                  <a:ext uri="{FF2B5EF4-FFF2-40B4-BE49-F238E27FC236}">
+                    <a16:creationId xmlns:a16="http://schemas.microsoft.com/office/drawing/2014/main" id="{F244184C-CB2A-A466-B900-1EB2C924472D}"/>
+                  </a:ext>
+                </a:extLst>
+              </p:cNvPr>
+              <p:cNvSpPr txBox="1">
+                <a:spLocks noRot="1" noChangeAspect="1" noMove="1" noResize="1" noEditPoints="1" noAdjustHandles="1" noChangeArrowheads="1" noChangeShapeType="1" noTextEdit="1"/>
+              </p:cNvSpPr>
+              <p:nvPr/>
+            </p:nvSpPr>
+            <p:spPr>
+              <a:xfrm>
+                <a:off x="6172202" y="5510537"/>
+                <a:ext cx="5381520" cy="369332"/>
+              </a:xfrm>
+              <a:prstGeom prst="rect">
+                <a:avLst/>
+              </a:prstGeom>
+              <a:blipFill>
+                <a:blip r:embed="rId4"/>
+                <a:stretch>
+                  <a:fillRect b="-16393"/>
+                </a:stretch>
+              </a:blipFill>
+            </p:spPr>
+            <p:txBody>
+              <a:bodyPr/>
+              <a:lstStyle/>
+              <a:p>
+                <a:r>
+                  <a:rPr lang="it-IT">
+                    <a:noFill/>
+                  </a:rPr>
+                  <a:t> </a:t>
+                </a:r>
+              </a:p>
+            </p:txBody>
+          </p:sp>
+        </mc:Fallback>
+      </mc:AlternateContent>
+    </p:spTree>
+    <p:extLst>
+      <p:ext uri="{BB962C8B-B14F-4D97-AF65-F5344CB8AC3E}">
+        <p14:creationId xmlns:p14="http://schemas.microsoft.com/office/powerpoint/2010/main" val="2699839278"/>
+      </p:ext>
+    </p:extLst>
+  </p:cSld>
+  <p:clrMapOvr>
+    <a:masterClrMapping/>
+  </p:clrMapOvr>
+</p:sld>
+</file>
+
+<file path=ppt/slides/slide11.xml><?xml version="1.0" encoding="utf-8"?>
+<p:sld xmlns:a="http://schemas.openxmlformats.org/drawingml/2006/main" xmlns:r="http://schemas.openxmlformats.org/officeDocument/2006/relationships" xmlns:p="http://schemas.openxmlformats.org/presentationml/2006/main">
+  <p:cSld>
+    <p:spTree>
+      <p:nvGrpSpPr>
+        <p:cNvPr id="1" name=""/>
+        <p:cNvGrpSpPr/>
+        <p:nvPr/>
+      </p:nvGrpSpPr>
+      <p:grpSpPr>
+        <a:xfrm>
+          <a:off x="0" y="0"/>
+          <a:ext cx="0" cy="0"/>
+          <a:chOff x="0" y="0"/>
+          <a:chExt cx="0" cy="0"/>
+        </a:xfrm>
+      </p:grpSpPr>
+      <p:sp>
+        <p:nvSpPr>
+          <p:cNvPr id="2" name="Titolo 1">
+            <a:extLst>
+              <a:ext uri="{FF2B5EF4-FFF2-40B4-BE49-F238E27FC236}">
+                <a16:creationId xmlns:a16="http://schemas.microsoft.com/office/drawing/2014/main" id="{D21ABD0E-F9D6-4409-9519-7BA27A44826C}"/>
+              </a:ext>
+            </a:extLst>
+          </p:cNvPr>
+          <p:cNvSpPr>
+            <a:spLocks noGrp="1"/>
+          </p:cNvSpPr>
+          <p:nvPr>
+            <p:ph type="title"/>
+          </p:nvPr>
+        </p:nvSpPr>
+        <p:spPr>
+          <a:xfrm>
+            <a:off x="838200" y="415400"/>
+            <a:ext cx="9297353" cy="590931"/>
+          </a:xfrm>
+        </p:spPr>
+        <p:txBody>
+          <a:bodyPr/>
+          <a:lstStyle/>
+          <a:p>
+            <a:r>
+              <a:rPr lang="it-IT" dirty="0"/>
+              <a:t>Alternativa 2: considerazioni sulla strategia trovata</a:t>
+            </a:r>
+          </a:p>
+        </p:txBody>
+      </p:sp>
+      <p:sp>
+        <p:nvSpPr>
+          <p:cNvPr id="3" name="Segnaposto contenuto 2">
+            <a:extLst>
+              <a:ext uri="{FF2B5EF4-FFF2-40B4-BE49-F238E27FC236}">
+                <a16:creationId xmlns:a16="http://schemas.microsoft.com/office/drawing/2014/main" id="{D0C71B64-8AB9-1A9A-F52C-BE5CB7D448CA}"/>
+              </a:ext>
+            </a:extLst>
+          </p:cNvPr>
+          <p:cNvSpPr>
+            <a:spLocks noGrp="1"/>
+          </p:cNvSpPr>
+          <p:nvPr>
+            <p:ph sz="half" idx="1"/>
+          </p:nvPr>
+        </p:nvSpPr>
+        <p:spPr/>
+        <p:txBody>
+          <a:bodyPr tIns="216000">
+            <a:normAutofit lnSpcReduction="10000"/>
+          </a:bodyPr>
+          <a:lstStyle/>
+          <a:p>
+            <a:pPr marL="0" indent="0">
+              <a:lnSpc>
+                <a:spcPct val="130000"/>
+              </a:lnSpc>
+              <a:buNone/>
+            </a:pPr>
+            <a:r>
+              <a:rPr lang="it-IT" sz="1800" b="1" dirty="0"/>
+              <a:t>Considerazioni:</a:t>
+            </a:r>
+          </a:p>
+          <a:p>
+            <a:pPr>
+              <a:lnSpc>
+                <a:spcPct val="130000"/>
+              </a:lnSpc>
+            </a:pPr>
+            <a:r>
+              <a:rPr lang="it-IT" dirty="0"/>
+              <a:t>È possibile notare che il punto di manovra scelto sull’orbita iniziale è molto vicino al punto di partenza</a:t>
+            </a:r>
+          </a:p>
+          <a:p>
+            <a:pPr>
+              <a:lnSpc>
+                <a:spcPct val="130000"/>
+              </a:lnSpc>
+            </a:pPr>
+            <a:r>
+              <a:rPr lang="it-IT" dirty="0"/>
+              <a:t>Essendo leggermente più indietro, il satellite è costretto a percorrere un giro quasi completo dell’orbita iniziale, con notevole dispendio di tempo</a:t>
+            </a:r>
+          </a:p>
+          <a:p>
+            <a:pPr marL="0" indent="0">
+              <a:lnSpc>
+                <a:spcPct val="130000"/>
+              </a:lnSpc>
+              <a:buNone/>
+            </a:pPr>
+            <a:endParaRPr lang="it-IT" dirty="0"/>
+          </a:p>
+          <a:p>
+            <a:pPr marL="0" indent="0">
+              <a:lnSpc>
+                <a:spcPct val="130000"/>
+              </a:lnSpc>
+              <a:buNone/>
+            </a:pPr>
+            <a:r>
+              <a:rPr lang="it-IT" sz="1800" b="1" dirty="0"/>
+              <a:t>Possibile miglioramento:</a:t>
+            </a:r>
+          </a:p>
+          <a:p>
+            <a:pPr>
+              <a:lnSpc>
+                <a:spcPct val="130000"/>
+              </a:lnSpc>
+            </a:pPr>
+            <a:r>
+              <a:rPr lang="it-IT" dirty="0"/>
+              <a:t>Imporre il punto iniziale come primo punto di manovra</a:t>
+            </a:r>
+          </a:p>
+          <a:p>
+            <a:pPr>
+              <a:lnSpc>
+                <a:spcPct val="130000"/>
+              </a:lnSpc>
+            </a:pPr>
+            <a:r>
+              <a:rPr lang="it-IT" dirty="0"/>
+              <a:t>Ripetere la procedura seguita precedentemente ma discretizzando soltanto l’orbita finale, trovando così una nuova orbita di trasferimento</a:t>
+            </a:r>
+          </a:p>
+        </p:txBody>
+      </p:sp>
+      <p:sp>
+        <p:nvSpPr>
+          <p:cNvPr id="5" name="Segnaposto piè di pagina 4">
+            <a:extLst>
+              <a:ext uri="{FF2B5EF4-FFF2-40B4-BE49-F238E27FC236}">
+                <a16:creationId xmlns:a16="http://schemas.microsoft.com/office/drawing/2014/main" id="{0D3312FD-108F-CE09-919E-1278F2CB25B2}"/>
+              </a:ext>
+            </a:extLst>
+          </p:cNvPr>
+          <p:cNvSpPr>
+            <a:spLocks noGrp="1"/>
+          </p:cNvSpPr>
+          <p:nvPr>
+            <p:ph type="ftr" sz="quarter" idx="11"/>
+          </p:nvPr>
+        </p:nvSpPr>
+        <p:spPr/>
+        <p:txBody>
+          <a:bodyPr/>
+          <a:lstStyle/>
+          <a:p>
+            <a:r>
+              <a:rPr lang="it-IT"/>
+              <a:t>Prova finale: Introduzione all’Analisi di Missioni Spaziali</a:t>
+            </a:r>
+          </a:p>
+        </p:txBody>
+      </p:sp>
+      <p:sp>
+        <p:nvSpPr>
+          <p:cNvPr id="6" name="Segnaposto numero diapositiva 5">
+            <a:extLst>
+              <a:ext uri="{FF2B5EF4-FFF2-40B4-BE49-F238E27FC236}">
+                <a16:creationId xmlns:a16="http://schemas.microsoft.com/office/drawing/2014/main" id="{4A64B877-B18F-E8F8-34FD-F009005F0407}"/>
+              </a:ext>
+            </a:extLst>
+          </p:cNvPr>
+          <p:cNvSpPr>
+            <a:spLocks noGrp="1"/>
+          </p:cNvSpPr>
+          <p:nvPr>
+            <p:ph type="sldNum" sz="quarter" idx="12"/>
+          </p:nvPr>
+        </p:nvSpPr>
+        <p:spPr/>
+        <p:txBody>
+          <a:bodyPr/>
+          <a:lstStyle/>
+          <a:p>
+            <a:fld id="{07ED6331-BE36-4EB0-BAD8-FC72B96BFAEC}" type="slidenum">
+              <a:rPr lang="it-IT" smtClean="0"/>
+              <a:pPr/>
+              <a:t>11</a:t>
+            </a:fld>
+            <a:endParaRPr lang="it-IT"/>
+          </a:p>
+        </p:txBody>
+      </p:sp>
+      <p:pic>
+        <p:nvPicPr>
+          <p:cNvPr id="12" name="Segnaposto contenuto 11">
+            <a:extLst>
+              <a:ext uri="{FF2B5EF4-FFF2-40B4-BE49-F238E27FC236}">
+                <a16:creationId xmlns:a16="http://schemas.microsoft.com/office/drawing/2014/main" id="{A8CE7F20-8B07-EB0B-80AA-6CC79EFA818B}"/>
+              </a:ext>
+            </a:extLst>
+          </p:cNvPr>
+          <p:cNvPicPr>
+            <a:picLocks noGrp="1" noChangeAspect="1"/>
+          </p:cNvPicPr>
+          <p:nvPr>
+            <p:ph sz="half" idx="2"/>
+          </p:nvPr>
+        </p:nvPicPr>
+        <p:blipFill>
+          <a:blip r:embed="rId2">
+            <a:extLst>
+              <a:ext uri="{28A0092B-C50C-407E-A947-70E740481C1C}">
+                <a14:useLocalDpi xmlns:a14="http://schemas.microsoft.com/office/drawing/2010/main" val="0"/>
+              </a:ext>
+            </a:extLst>
+          </a:blip>
+          <a:stretch>
+            <a:fillRect/>
+          </a:stretch>
+        </p:blipFill>
+        <p:spPr>
+          <a:xfrm>
+            <a:off x="6167202" y="1006331"/>
+            <a:ext cx="5181600" cy="5236321"/>
+          </a:xfrm>
+        </p:spPr>
+      </p:pic>
+    </p:spTree>
+    <p:extLst>
+      <p:ext uri="{BB962C8B-B14F-4D97-AF65-F5344CB8AC3E}">
+        <p14:creationId xmlns:p14="http://schemas.microsoft.com/office/powerpoint/2010/main" val="2643745448"/>
+      </p:ext>
+    </p:extLst>
+  </p:cSld>
+  <p:clrMapOvr>
+    <a:masterClrMapping/>
+  </p:clrMapOvr>
+</p:sld>
+</file>
+
+<file path=ppt/slides/slide12.xml><?xml version="1.0" encoding="utf-8"?>
+<p:sld xmlns:a="http://schemas.openxmlformats.org/drawingml/2006/main" xmlns:r="http://schemas.openxmlformats.org/officeDocument/2006/relationships" xmlns:p="http://schemas.openxmlformats.org/presentationml/2006/main">
+  <p:cSld>
+    <p:spTree>
+      <p:nvGrpSpPr>
+        <p:cNvPr id="1" name=""/>
+        <p:cNvGrpSpPr/>
+        <p:nvPr/>
+      </p:nvGrpSpPr>
+      <p:grpSpPr>
+        <a:xfrm>
+          <a:off x="0" y="0"/>
+          <a:ext cx="0" cy="0"/>
+          <a:chOff x="0" y="0"/>
+          <a:chExt cx="0" cy="0"/>
+        </a:xfrm>
+      </p:grpSpPr>
+      <p:sp>
+        <p:nvSpPr>
+          <p:cNvPr id="2" name="Titolo 1">
+            <a:extLst>
+              <a:ext uri="{FF2B5EF4-FFF2-40B4-BE49-F238E27FC236}">
+                <a16:creationId xmlns:a16="http://schemas.microsoft.com/office/drawing/2014/main" id="{A4E8DACB-28C7-CA57-441F-80C866C48A68}"/>
+              </a:ext>
+            </a:extLst>
+          </p:cNvPr>
+          <p:cNvSpPr>
+            <a:spLocks noGrp="1"/>
+          </p:cNvSpPr>
+          <p:nvPr>
+            <p:ph type="title"/>
+          </p:nvPr>
+        </p:nvSpPr>
+        <p:spPr>
+          <a:xfrm>
+            <a:off x="838200" y="415400"/>
+            <a:ext cx="9535624" cy="590931"/>
+          </a:xfrm>
+        </p:spPr>
+        <p:txBody>
+          <a:bodyPr/>
+          <a:lstStyle/>
+          <a:p>
+            <a:r>
+              <a:rPr lang="it-IT" dirty="0"/>
+              <a:t>Alternativa 2: confronto con la precedente strategia</a:t>
+            </a:r>
+          </a:p>
+        </p:txBody>
+      </p:sp>
+      <mc:AlternateContent xmlns:mc="http://schemas.openxmlformats.org/markup-compatibility/2006">
+        <mc:Choice xmlns:a14="http://schemas.microsoft.com/office/drawing/2010/main" Requires="a14">
+          <p:sp>
+            <p:nvSpPr>
+              <p:cNvPr id="6" name="Segnaposto contenuto 5">
+                <a:extLst>
+                  <a:ext uri="{FF2B5EF4-FFF2-40B4-BE49-F238E27FC236}">
+                    <a16:creationId xmlns:a16="http://schemas.microsoft.com/office/drawing/2014/main" id="{A43379CC-7C6A-D625-C187-469FBD1C6A4F}"/>
+                  </a:ext>
+                </a:extLst>
+              </p:cNvPr>
+              <p:cNvSpPr>
+                <a:spLocks noGrp="1"/>
+              </p:cNvSpPr>
+              <p:nvPr>
+                <p:ph sz="half" idx="1"/>
+              </p:nvPr>
+            </p:nvSpPr>
+            <p:spPr/>
+            <p:txBody>
+              <a:bodyPr tIns="46800">
+                <a:normAutofit/>
+              </a:bodyPr>
+              <a:lstStyle/>
+              <a:p>
+                <a:pPr marL="0" indent="0">
+                  <a:lnSpc>
+                    <a:spcPct val="150000"/>
+                  </a:lnSpc>
+                  <a:buNone/>
+                </a:pPr>
+                <a:r>
+                  <a:rPr lang="it-IT" sz="1800" b="1" dirty="0"/>
+                  <a:t>Costo complessivo impiegato dalla strategia:</a:t>
+                </a:r>
+              </a:p>
+              <a:p>
+                <a:pPr>
+                  <a:lnSpc>
+                    <a:spcPct val="150000"/>
+                  </a:lnSpc>
+                </a:pPr>
+                <a:r>
+                  <a:rPr lang="it-IT" dirty="0"/>
+                  <a:t>Strategia precedente: </a:t>
+                </a:r>
+                <a14:m>
+                  <m:oMath xmlns:m="http://schemas.openxmlformats.org/officeDocument/2006/math">
+                    <m:r>
+                      <m:rPr>
+                        <m:sty m:val="p"/>
+                      </m:rPr>
+                      <a:rPr lang="it-IT" sz="1600" b="0" i="0" smtClean="0">
+                        <a:solidFill>
+                          <a:srgbClr val="0070C0"/>
+                        </a:solidFill>
+                        <a:latin typeface="Cambria Math" panose="02040503050406030204" pitchFamily="18" charset="0"/>
+                      </a:rPr>
+                      <m:t>Δ</m:t>
+                    </m:r>
+                    <m:sSub>
+                      <m:sSubPr>
+                        <m:ctrlPr>
+                          <a:rPr lang="it-IT" sz="1600" i="1" smtClean="0">
+                            <a:solidFill>
+                              <a:srgbClr val="0070C0"/>
+                            </a:solidFill>
+                            <a:latin typeface="Cambria Math" panose="02040503050406030204" pitchFamily="18" charset="0"/>
+                          </a:rPr>
+                        </m:ctrlPr>
+                      </m:sSubPr>
+                      <m:e>
+                        <m:r>
+                          <a:rPr lang="it-IT" sz="1600" b="0" i="1" smtClean="0">
+                            <a:solidFill>
+                              <a:srgbClr val="0070C0"/>
+                            </a:solidFill>
+                            <a:latin typeface="Cambria Math" panose="02040503050406030204" pitchFamily="18" charset="0"/>
+                          </a:rPr>
+                          <m:t>𝑣</m:t>
+                        </m:r>
+                      </m:e>
+                      <m:sub>
+                        <m:r>
+                          <a:rPr lang="it-IT" sz="1600" b="0" i="1" smtClean="0">
+                            <a:solidFill>
+                              <a:srgbClr val="0070C0"/>
+                            </a:solidFill>
+                            <a:latin typeface="Cambria Math" panose="02040503050406030204" pitchFamily="18" charset="0"/>
+                          </a:rPr>
+                          <m:t>𝑡𝑜𝑡</m:t>
+                        </m:r>
+                      </m:sub>
+                    </m:sSub>
+                  </m:oMath>
+                </a14:m>
+                <a:r>
+                  <a:rPr lang="it-IT" sz="1600" dirty="0">
+                    <a:solidFill>
+                      <a:srgbClr val="0070C0"/>
+                    </a:solidFill>
+                  </a:rPr>
+                  <a:t> = </a:t>
+                </a:r>
+                <a:r>
+                  <a:rPr lang="it-IT" dirty="0">
+                    <a:solidFill>
+                      <a:srgbClr val="0070C0"/>
+                    </a:solidFill>
+                  </a:rPr>
+                  <a:t>5.0529</a:t>
+                </a:r>
+                <a:r>
+                  <a:rPr lang="it-IT" sz="1600" dirty="0">
+                    <a:solidFill>
+                      <a:srgbClr val="0070C0"/>
+                    </a:solidFill>
+                  </a:rPr>
+                  <a:t> km/s</a:t>
+                </a:r>
+                <a:endParaRPr lang="it-IT" dirty="0">
+                  <a:solidFill>
+                    <a:schemeClr val="accent2">
+                      <a:lumMod val="50000"/>
+                    </a:schemeClr>
+                  </a:solidFill>
+                </a:endParaRPr>
+              </a:p>
+              <a:p>
+                <a:pPr>
+                  <a:lnSpc>
+                    <a:spcPct val="150000"/>
+                  </a:lnSpc>
+                </a:pPr>
+                <a:r>
+                  <a:rPr lang="it-IT" dirty="0"/>
+                  <a:t>Strategia scelta: </a:t>
+                </a:r>
+                <a14:m>
+                  <m:oMath xmlns:m="http://schemas.openxmlformats.org/officeDocument/2006/math">
+                    <m:r>
+                      <m:rPr>
+                        <m:sty m:val="p"/>
+                      </m:rPr>
+                      <a:rPr lang="it-IT" sz="1600" b="0" i="0" smtClean="0">
+                        <a:solidFill>
+                          <a:srgbClr val="FF0000"/>
+                        </a:solidFill>
+                        <a:latin typeface="Cambria Math" panose="02040503050406030204" pitchFamily="18" charset="0"/>
+                      </a:rPr>
+                      <m:t>Δ</m:t>
+                    </m:r>
+                    <m:sSub>
+                      <m:sSubPr>
+                        <m:ctrlPr>
+                          <a:rPr lang="it-IT" sz="1600" i="1" smtClean="0">
+                            <a:solidFill>
+                              <a:srgbClr val="FF0000"/>
+                            </a:solidFill>
+                            <a:latin typeface="Cambria Math" panose="02040503050406030204" pitchFamily="18" charset="0"/>
+                          </a:rPr>
+                        </m:ctrlPr>
+                      </m:sSubPr>
+                      <m:e>
+                        <m:r>
+                          <a:rPr lang="it-IT" sz="1600" b="0" i="1" smtClean="0">
+                            <a:solidFill>
+                              <a:srgbClr val="FF0000"/>
+                            </a:solidFill>
+                            <a:latin typeface="Cambria Math" panose="02040503050406030204" pitchFamily="18" charset="0"/>
+                          </a:rPr>
+                          <m:t>𝑣</m:t>
+                        </m:r>
+                      </m:e>
+                      <m:sub>
+                        <m:r>
+                          <a:rPr lang="it-IT" sz="1600" b="0" i="1" smtClean="0">
+                            <a:solidFill>
+                              <a:srgbClr val="FF0000"/>
+                            </a:solidFill>
+                            <a:latin typeface="Cambria Math" panose="02040503050406030204" pitchFamily="18" charset="0"/>
+                          </a:rPr>
+                          <m:t>𝑡𝑜𝑡</m:t>
+                        </m:r>
+                      </m:sub>
+                    </m:sSub>
+                  </m:oMath>
+                </a14:m>
+                <a:r>
+                  <a:rPr lang="it-IT" sz="1600" dirty="0">
+                    <a:solidFill>
+                      <a:srgbClr val="FF0000"/>
+                    </a:solidFill>
+                  </a:rPr>
+                  <a:t> = 5.1306 km/s</a:t>
+                </a:r>
+                <a:endParaRPr lang="it-IT" dirty="0">
+                  <a:solidFill>
+                    <a:srgbClr val="FF0000"/>
+                  </a:solidFill>
+                </a:endParaRPr>
+              </a:p>
+              <a:p>
+                <a:pPr>
+                  <a:lnSpc>
+                    <a:spcPct val="150000"/>
+                  </a:lnSpc>
+                </a:pPr>
+                <a:r>
+                  <a:rPr lang="it-IT" dirty="0"/>
+                  <a:t>La strategia scelta ha un </a:t>
+                </a:r>
+                <a:r>
+                  <a:rPr lang="it-IT" u="sng" dirty="0">
+                    <a:solidFill>
+                      <a:srgbClr val="FF0000"/>
+                    </a:solidFill>
+                  </a:rPr>
+                  <a:t>costo maggiore</a:t>
+                </a:r>
+                <a:r>
+                  <a:rPr lang="it-IT" dirty="0"/>
+                  <a:t> del 1.54%</a:t>
+                </a:r>
+              </a:p>
+              <a:p>
+                <a:pPr marL="0" indent="0">
+                  <a:lnSpc>
+                    <a:spcPct val="150000"/>
+                  </a:lnSpc>
+                  <a:buNone/>
+                </a:pPr>
+                <a:endParaRPr lang="it-IT" dirty="0"/>
+              </a:p>
+              <a:p>
+                <a:pPr marL="0" indent="0">
+                  <a:lnSpc>
+                    <a:spcPct val="150000"/>
+                  </a:lnSpc>
+                  <a:buNone/>
+                </a:pPr>
+                <a:r>
+                  <a:rPr lang="it-IT" sz="1800" b="1" dirty="0"/>
+                  <a:t>Tempo complessivo impiegato dalla strategia:</a:t>
+                </a:r>
+              </a:p>
+              <a:p>
+                <a:pPr>
+                  <a:lnSpc>
+                    <a:spcPct val="150000"/>
+                  </a:lnSpc>
+                </a:pPr>
+                <a:r>
+                  <a:rPr lang="it-IT" dirty="0"/>
+                  <a:t>Strategia precedente: </a:t>
+                </a:r>
+                <a14:m>
+                  <m:oMath xmlns:m="http://schemas.openxmlformats.org/officeDocument/2006/math">
+                    <m:r>
+                      <m:rPr>
+                        <m:sty m:val="p"/>
+                      </m:rPr>
+                      <a:rPr lang="it-IT" sz="1600" b="0" i="0" smtClean="0">
+                        <a:solidFill>
+                          <a:srgbClr val="FF0000"/>
+                        </a:solidFill>
+                        <a:latin typeface="Cambria Math" panose="02040503050406030204" pitchFamily="18" charset="0"/>
+                      </a:rPr>
+                      <m:t>Δ</m:t>
+                    </m:r>
+                    <m:sSub>
+                      <m:sSubPr>
+                        <m:ctrlPr>
+                          <a:rPr lang="it-IT" sz="1600" i="1" smtClean="0">
+                            <a:solidFill>
+                              <a:srgbClr val="FF0000"/>
+                            </a:solidFill>
+                            <a:latin typeface="Cambria Math" panose="02040503050406030204" pitchFamily="18" charset="0"/>
+                          </a:rPr>
+                        </m:ctrlPr>
+                      </m:sSubPr>
+                      <m:e>
+                        <m:r>
+                          <a:rPr lang="it-IT" sz="1600" b="0" i="1" smtClean="0">
+                            <a:solidFill>
+                              <a:srgbClr val="FF0000"/>
+                            </a:solidFill>
+                            <a:latin typeface="Cambria Math" panose="02040503050406030204" pitchFamily="18" charset="0"/>
+                          </a:rPr>
+                          <m:t>𝑡</m:t>
+                        </m:r>
+                      </m:e>
+                      <m:sub>
+                        <m:r>
+                          <a:rPr lang="it-IT" sz="1600" b="0" i="1" smtClean="0">
+                            <a:solidFill>
+                              <a:srgbClr val="FF0000"/>
+                            </a:solidFill>
+                            <a:latin typeface="Cambria Math" panose="02040503050406030204" pitchFamily="18" charset="0"/>
+                          </a:rPr>
+                          <m:t>𝑡𝑜𝑡</m:t>
+                        </m:r>
+                      </m:sub>
+                    </m:sSub>
+                  </m:oMath>
+                </a14:m>
+                <a:r>
+                  <a:rPr lang="it-IT" sz="1600" dirty="0">
+                    <a:solidFill>
+                      <a:srgbClr val="FF0000"/>
+                    </a:solidFill>
+                  </a:rPr>
+                  <a:t> = </a:t>
+                </a:r>
+                <a:r>
+                  <a:rPr lang="it-IT" dirty="0">
+                    <a:solidFill>
+                      <a:srgbClr val="FF0000"/>
+                    </a:solidFill>
+                  </a:rPr>
+                  <a:t>4.6951 </a:t>
+                </a:r>
+                <a:r>
+                  <a:rPr lang="it-IT" sz="1600" dirty="0">
+                    <a:solidFill>
+                      <a:srgbClr val="FF0000"/>
+                    </a:solidFill>
+                  </a:rPr>
+                  <a:t>h = </a:t>
+                </a:r>
+                <a:r>
+                  <a:rPr lang="it-IT" dirty="0">
+                    <a:solidFill>
+                      <a:srgbClr val="FF0000"/>
+                    </a:solidFill>
+                  </a:rPr>
+                  <a:t>16902.3642</a:t>
+                </a:r>
+                <a:r>
+                  <a:rPr lang="it-IT" sz="1600" dirty="0">
+                    <a:solidFill>
+                      <a:srgbClr val="FF0000"/>
+                    </a:solidFill>
+                  </a:rPr>
+                  <a:t> s</a:t>
+                </a:r>
+                <a:endParaRPr lang="it-IT" dirty="0">
+                  <a:solidFill>
+                    <a:srgbClr val="FF0000"/>
+                  </a:solidFill>
+                </a:endParaRPr>
+              </a:p>
+              <a:p>
+                <a:pPr>
+                  <a:lnSpc>
+                    <a:spcPct val="150000"/>
+                  </a:lnSpc>
+                </a:pPr>
+                <a:r>
+                  <a:rPr lang="it-IT" dirty="0"/>
+                  <a:t>Strategia scelta: </a:t>
+                </a:r>
+                <a14:m>
+                  <m:oMath xmlns:m="http://schemas.openxmlformats.org/officeDocument/2006/math">
+                    <m:r>
+                      <m:rPr>
+                        <m:sty m:val="p"/>
+                      </m:rPr>
+                      <a:rPr lang="it-IT" sz="1600" b="0" i="0" smtClean="0">
+                        <a:solidFill>
+                          <a:srgbClr val="0070C0"/>
+                        </a:solidFill>
+                        <a:latin typeface="Cambria Math" panose="02040503050406030204" pitchFamily="18" charset="0"/>
+                      </a:rPr>
+                      <m:t>Δ</m:t>
+                    </m:r>
+                    <m:sSub>
+                      <m:sSubPr>
+                        <m:ctrlPr>
+                          <a:rPr lang="it-IT" sz="1600" i="1" smtClean="0">
+                            <a:solidFill>
+                              <a:srgbClr val="0070C0"/>
+                            </a:solidFill>
+                            <a:latin typeface="Cambria Math" panose="02040503050406030204" pitchFamily="18" charset="0"/>
+                          </a:rPr>
+                        </m:ctrlPr>
+                      </m:sSubPr>
+                      <m:e>
+                        <m:r>
+                          <a:rPr lang="it-IT" sz="1600" b="0" i="1" smtClean="0">
+                            <a:solidFill>
+                              <a:srgbClr val="0070C0"/>
+                            </a:solidFill>
+                            <a:latin typeface="Cambria Math" panose="02040503050406030204" pitchFamily="18" charset="0"/>
+                          </a:rPr>
+                          <m:t>𝑡</m:t>
+                        </m:r>
+                      </m:e>
+                      <m:sub>
+                        <m:r>
+                          <a:rPr lang="it-IT" sz="1600" b="0" i="1" smtClean="0">
+                            <a:solidFill>
+                              <a:srgbClr val="0070C0"/>
+                            </a:solidFill>
+                            <a:latin typeface="Cambria Math" panose="02040503050406030204" pitchFamily="18" charset="0"/>
+                          </a:rPr>
+                          <m:t>𝑡𝑜𝑡</m:t>
+                        </m:r>
+                      </m:sub>
+                    </m:sSub>
+                  </m:oMath>
+                </a14:m>
+                <a:r>
+                  <a:rPr lang="it-IT" sz="1600" dirty="0">
+                    <a:solidFill>
+                      <a:srgbClr val="0070C0"/>
+                    </a:solidFill>
+                  </a:rPr>
+                  <a:t> = 2.4878 h = 8964.9024 s</a:t>
+                </a:r>
+                <a:endParaRPr lang="it-IT" dirty="0">
+                  <a:solidFill>
+                    <a:srgbClr val="0070C0"/>
+                  </a:solidFill>
+                </a:endParaRPr>
+              </a:p>
+              <a:p>
+                <a:pPr>
+                  <a:lnSpc>
+                    <a:spcPct val="150000"/>
+                  </a:lnSpc>
+                </a:pPr>
+                <a:r>
+                  <a:rPr lang="it-IT" dirty="0"/>
+                  <a:t>La strategia scelta impiega un </a:t>
+                </a:r>
+                <a:r>
+                  <a:rPr lang="it-IT" u="sng" dirty="0">
+                    <a:solidFill>
+                      <a:srgbClr val="0070C0"/>
+                    </a:solidFill>
+                  </a:rPr>
+                  <a:t>tempo minore</a:t>
+                </a:r>
+                <a:r>
+                  <a:rPr lang="it-IT" dirty="0"/>
+                  <a:t> del 46.96%</a:t>
+                </a:r>
+              </a:p>
+            </p:txBody>
+          </p:sp>
+        </mc:Choice>
+        <mc:Fallback>
+          <p:sp>
+            <p:nvSpPr>
+              <p:cNvPr id="6" name="Segnaposto contenuto 5">
+                <a:extLst>
+                  <a:ext uri="{FF2B5EF4-FFF2-40B4-BE49-F238E27FC236}">
+                    <a16:creationId xmlns:a16="http://schemas.microsoft.com/office/drawing/2014/main" id="{A43379CC-7C6A-D625-C187-469FBD1C6A4F}"/>
+                  </a:ext>
+                </a:extLst>
+              </p:cNvPr>
+              <p:cNvSpPr>
+                <a:spLocks noGrp="1" noRot="1" noChangeAspect="1" noMove="1" noResize="1" noEditPoints="1" noAdjustHandles="1" noChangeArrowheads="1" noChangeShapeType="1" noTextEdit="1"/>
+              </p:cNvSpPr>
+              <p:nvPr>
+                <p:ph sz="half" idx="1"/>
+              </p:nvPr>
+            </p:nvSpPr>
+            <p:spPr>
+              <a:blipFill>
+                <a:blip r:embed="rId2"/>
+                <a:stretch>
+                  <a:fillRect l="-1059"/>
+                </a:stretch>
+              </a:blipFill>
+            </p:spPr>
+            <p:txBody>
+              <a:bodyPr/>
+              <a:lstStyle/>
+              <a:p>
+                <a:r>
+                  <a:rPr lang="it-IT">
+                    <a:noFill/>
+                  </a:rPr>
+                  <a:t> </a:t>
+                </a:r>
+              </a:p>
+            </p:txBody>
+          </p:sp>
+        </mc:Fallback>
+      </mc:AlternateContent>
+      <p:pic>
+        <p:nvPicPr>
+          <p:cNvPr id="14" name="Segnaposto contenuto 13">
+            <a:extLst>
+              <a:ext uri="{FF2B5EF4-FFF2-40B4-BE49-F238E27FC236}">
+                <a16:creationId xmlns:a16="http://schemas.microsoft.com/office/drawing/2014/main" id="{2835A427-3769-D4EB-1DCB-EAE79646882A}"/>
+              </a:ext>
+            </a:extLst>
+          </p:cNvPr>
+          <p:cNvPicPr>
+            <a:picLocks noGrp="1" noChangeAspect="1"/>
+          </p:cNvPicPr>
+          <p:nvPr>
+            <p:ph sz="half" idx="2"/>
+          </p:nvPr>
+        </p:nvPicPr>
+        <p:blipFill>
+          <a:blip r:embed="rId3">
+            <a:extLst>
+              <a:ext uri="{28A0092B-C50C-407E-A947-70E740481C1C}">
+                <a14:useLocalDpi xmlns:a14="http://schemas.microsoft.com/office/drawing/2010/main" val="0"/>
+              </a:ext>
+            </a:extLst>
+          </a:blip>
+          <a:stretch>
+            <a:fillRect/>
+          </a:stretch>
+        </p:blipFill>
+        <p:spPr>
+          <a:xfrm>
+            <a:off x="6172202" y="890791"/>
+            <a:ext cx="5341664" cy="5076417"/>
+          </a:xfrm>
+        </p:spPr>
+      </p:pic>
+      <p:sp>
+        <p:nvSpPr>
+          <p:cNvPr id="4" name="Segnaposto piè di pagina 3">
+            <a:extLst>
+              <a:ext uri="{FF2B5EF4-FFF2-40B4-BE49-F238E27FC236}">
+                <a16:creationId xmlns:a16="http://schemas.microsoft.com/office/drawing/2014/main" id="{4597329D-28BE-230A-CD1E-BCF8DA485DB6}"/>
+              </a:ext>
+            </a:extLst>
+          </p:cNvPr>
+          <p:cNvSpPr>
+            <a:spLocks noGrp="1"/>
+          </p:cNvSpPr>
+          <p:nvPr>
+            <p:ph type="ftr" sz="quarter" idx="11"/>
+          </p:nvPr>
+        </p:nvSpPr>
+        <p:spPr/>
+        <p:txBody>
+          <a:bodyPr/>
+          <a:lstStyle/>
+          <a:p>
+            <a:r>
+              <a:rPr lang="it-IT"/>
+              <a:t>Prova finale: Introduzione all’Analisi di Missioni Spaziali</a:t>
+            </a:r>
+            <a:endParaRPr lang="it-IT" dirty="0"/>
+          </a:p>
+        </p:txBody>
+      </p:sp>
+      <p:sp>
+        <p:nvSpPr>
+          <p:cNvPr id="5" name="Segnaposto numero diapositiva 4">
+            <a:extLst>
+              <a:ext uri="{FF2B5EF4-FFF2-40B4-BE49-F238E27FC236}">
+                <a16:creationId xmlns:a16="http://schemas.microsoft.com/office/drawing/2014/main" id="{FC011EE5-D3A9-26B1-7422-9FB858B4E8E2}"/>
+              </a:ext>
+            </a:extLst>
+          </p:cNvPr>
+          <p:cNvSpPr>
+            <a:spLocks noGrp="1"/>
+          </p:cNvSpPr>
+          <p:nvPr>
+            <p:ph type="sldNum" sz="quarter" idx="12"/>
+          </p:nvPr>
+        </p:nvSpPr>
+        <p:spPr/>
+        <p:txBody>
+          <a:bodyPr/>
+          <a:lstStyle/>
+          <a:p>
+            <a:fld id="{07ED6331-BE36-4EB0-BAD8-FC72B96BFAEC}" type="slidenum">
+              <a:rPr lang="it-IT" smtClean="0"/>
+              <a:pPr/>
+              <a:t>12</a:t>
+            </a:fld>
+            <a:endParaRPr lang="it-IT"/>
+          </a:p>
+        </p:txBody>
+      </p:sp>
+    </p:spTree>
+    <p:extLst>
+      <p:ext uri="{BB962C8B-B14F-4D97-AF65-F5344CB8AC3E}">
+        <p14:creationId xmlns:p14="http://schemas.microsoft.com/office/powerpoint/2010/main" val="2507695649"/>
+      </p:ext>
+    </p:extLst>
+  </p:cSld>
+  <p:clrMapOvr>
+    <a:masterClrMapping/>
+  </p:clrMapOvr>
+</p:sld>
+</file>
+
+<file path=ppt/slides/slide13.xml><?xml version="1.0" encoding="utf-8"?>
+<p:sld xmlns:a="http://schemas.openxmlformats.org/drawingml/2006/main" xmlns:r="http://schemas.openxmlformats.org/officeDocument/2006/relationships" xmlns:p="http://schemas.openxmlformats.org/presentationml/2006/main">
+  <p:cSld>
+    <p:spTree>
+      <p:nvGrpSpPr>
+        <p:cNvPr id="1" name=""/>
+        <p:cNvGrpSpPr/>
+        <p:nvPr/>
+      </p:nvGrpSpPr>
+      <p:grpSpPr>
+        <a:xfrm>
+          <a:off x="0" y="0"/>
+          <a:ext cx="0" cy="0"/>
+          <a:chOff x="0" y="0"/>
+          <a:chExt cx="0" cy="0"/>
+        </a:xfrm>
+      </p:grpSpPr>
+      <p:sp>
+        <p:nvSpPr>
+          <p:cNvPr id="2" name="Titolo 1">
+            <a:extLst>
+              <a:ext uri="{FF2B5EF4-FFF2-40B4-BE49-F238E27FC236}">
+                <a16:creationId xmlns:a16="http://schemas.microsoft.com/office/drawing/2014/main" id="{66E21663-6669-3781-925B-1277320A0FCC}"/>
+              </a:ext>
+            </a:extLst>
+          </p:cNvPr>
+          <p:cNvSpPr>
+            <a:spLocks noGrp="1"/>
+          </p:cNvSpPr>
+          <p:nvPr>
+            <p:ph type="title"/>
+          </p:nvPr>
+        </p:nvSpPr>
+        <p:spPr/>
+        <p:txBody>
+          <a:bodyPr/>
+          <a:lstStyle/>
+          <a:p>
+            <a:r>
+              <a:rPr lang="it-IT" dirty="0"/>
+              <a:t>Alternativa 3: Strategia Tangente</a:t>
+            </a:r>
+          </a:p>
+        </p:txBody>
+      </p:sp>
+      <p:sp>
+        <p:nvSpPr>
+          <p:cNvPr id="6" name="Segnaposto contenuto 5">
+            <a:extLst>
+              <a:ext uri="{FF2B5EF4-FFF2-40B4-BE49-F238E27FC236}">
+                <a16:creationId xmlns:a16="http://schemas.microsoft.com/office/drawing/2014/main" id="{257EB455-D2B0-6371-18EA-3247101B071F}"/>
+              </a:ext>
+            </a:extLst>
+          </p:cNvPr>
+          <p:cNvSpPr>
+            <a:spLocks noGrp="1"/>
+          </p:cNvSpPr>
+          <p:nvPr>
+            <p:ph sz="half" idx="1"/>
+          </p:nvPr>
+        </p:nvSpPr>
+        <p:spPr/>
+        <p:txBody>
+          <a:bodyPr/>
+          <a:lstStyle/>
+          <a:p>
+            <a:endParaRPr lang="it-IT"/>
+          </a:p>
+        </p:txBody>
+      </p:sp>
+      <p:sp>
+        <p:nvSpPr>
+          <p:cNvPr id="7" name="Segnaposto contenuto 6">
+            <a:extLst>
+              <a:ext uri="{FF2B5EF4-FFF2-40B4-BE49-F238E27FC236}">
+                <a16:creationId xmlns:a16="http://schemas.microsoft.com/office/drawing/2014/main" id="{949E024F-BF3F-C46F-C700-F4D5E93FB0AE}"/>
+              </a:ext>
+            </a:extLst>
+          </p:cNvPr>
+          <p:cNvSpPr>
+            <a:spLocks noGrp="1"/>
+          </p:cNvSpPr>
+          <p:nvPr>
+            <p:ph sz="half" idx="2"/>
+          </p:nvPr>
+        </p:nvSpPr>
+        <p:spPr/>
+        <p:txBody>
+          <a:bodyPr/>
+          <a:lstStyle/>
+          <a:p>
+            <a:endParaRPr lang="it-IT"/>
+          </a:p>
+        </p:txBody>
+      </p:sp>
+      <p:sp>
+        <p:nvSpPr>
+          <p:cNvPr id="4" name="Segnaposto piè di pagina 3">
+            <a:extLst>
+              <a:ext uri="{FF2B5EF4-FFF2-40B4-BE49-F238E27FC236}">
+                <a16:creationId xmlns:a16="http://schemas.microsoft.com/office/drawing/2014/main" id="{9715AFC3-2603-C624-17F8-59FAAAB99BEA}"/>
+              </a:ext>
+            </a:extLst>
+          </p:cNvPr>
+          <p:cNvSpPr>
+            <a:spLocks noGrp="1"/>
+          </p:cNvSpPr>
+          <p:nvPr>
+            <p:ph type="ftr" sz="quarter" idx="11"/>
+          </p:nvPr>
+        </p:nvSpPr>
+        <p:spPr/>
+        <p:txBody>
+          <a:bodyPr/>
+          <a:lstStyle/>
+          <a:p>
+            <a:r>
+              <a:rPr lang="it-IT"/>
+              <a:t>Prova finale: Introduzione all’Analisi di Missioni Spaziali</a:t>
+            </a:r>
+            <a:endParaRPr lang="it-IT" dirty="0"/>
+          </a:p>
+        </p:txBody>
+      </p:sp>
+      <p:sp>
+        <p:nvSpPr>
+          <p:cNvPr id="5" name="Segnaposto numero diapositiva 4">
+            <a:extLst>
+              <a:ext uri="{FF2B5EF4-FFF2-40B4-BE49-F238E27FC236}">
+                <a16:creationId xmlns:a16="http://schemas.microsoft.com/office/drawing/2014/main" id="{CFFD40D1-73E0-A552-2525-7C36A7077109}"/>
+              </a:ext>
+            </a:extLst>
+          </p:cNvPr>
+          <p:cNvSpPr>
+            <a:spLocks noGrp="1"/>
+          </p:cNvSpPr>
+          <p:nvPr>
+            <p:ph type="sldNum" sz="quarter" idx="12"/>
+          </p:nvPr>
+        </p:nvSpPr>
+        <p:spPr/>
+        <p:txBody>
+          <a:bodyPr/>
+          <a:lstStyle/>
+          <a:p>
+            <a:fld id="{07ED6331-BE36-4EB0-BAD8-FC72B96BFAEC}" type="slidenum">
+              <a:rPr lang="it-IT" smtClean="0"/>
+              <a:pPr/>
+              <a:t>13</a:t>
+            </a:fld>
+            <a:endParaRPr lang="it-IT"/>
+          </a:p>
+        </p:txBody>
+      </p:sp>
+    </p:spTree>
+    <p:extLst>
+      <p:ext uri="{BB962C8B-B14F-4D97-AF65-F5344CB8AC3E}">
+        <p14:creationId xmlns:p14="http://schemas.microsoft.com/office/powerpoint/2010/main" val="3980787955"/>
+      </p:ext>
+    </p:extLst>
+  </p:cSld>
+  <p:clrMapOvr>
+    <a:masterClrMapping/>
+  </p:clrMapOvr>
+</p:sld>
+</file>
+
+<file path=ppt/slides/slide14.xml><?xml version="1.0" encoding="utf-8"?>
+<p:sld xmlns:a="http://schemas.openxmlformats.org/drawingml/2006/main" xmlns:r="http://schemas.openxmlformats.org/officeDocument/2006/relationships" xmlns:p="http://schemas.openxmlformats.org/presentationml/2006/main">
+  <p:cSld>
+    <p:spTree>
+      <p:nvGrpSpPr>
+        <p:cNvPr id="1" name=""/>
+        <p:cNvGrpSpPr/>
+        <p:nvPr/>
+      </p:nvGrpSpPr>
+      <p:grpSpPr>
+        <a:xfrm>
+          <a:off x="0" y="0"/>
+          <a:ext cx="0" cy="0"/>
+          <a:chOff x="0" y="0"/>
+          <a:chExt cx="0" cy="0"/>
+        </a:xfrm>
+      </p:grpSpPr>
+      <p:sp>
+        <p:nvSpPr>
+          <p:cNvPr id="2" name="Titolo 1">
+            <a:extLst>
+              <a:ext uri="{FF2B5EF4-FFF2-40B4-BE49-F238E27FC236}">
                 <a16:creationId xmlns:a16="http://schemas.microsoft.com/office/drawing/2014/main" id="{0C4603AF-F8FA-57AD-3189-8993A6EAB4AE}"/>
               </a:ext>
             </a:extLst>
@@ -3693,7 +5191,7 @@
             <a:fld id="{07ED6331-BE36-4EB0-BAD8-FC72B96BFAEC}" type="slidenum">
               <a:rPr lang="it-IT" smtClean="0"/>
               <a:pPr/>
-              <a:t>10</a:t>
+              <a:t>14</a:t>
             </a:fld>
             <a:endParaRPr lang="it-IT"/>
           </a:p>
@@ -6000,8 +7498,8 @@
           </a:p>
         </p:txBody>
       </p:sp>
-      <mc:AlternateContent xmlns:mc="http://schemas.openxmlformats.org/markup-compatibility/2006" xmlns:a14="http://schemas.microsoft.com/office/drawing/2010/main">
-        <mc:Choice Requires="a14">
+      <mc:AlternateContent xmlns:mc="http://schemas.openxmlformats.org/markup-compatibility/2006">
+        <mc:Choice xmlns:a14="http://schemas.microsoft.com/office/drawing/2010/main" Requires="a14">
           <p:sp>
             <p:nvSpPr>
               <p:cNvPr id="6" name="Segnaposto contenuto 5">
@@ -6020,16 +7518,22 @@
             </p:nvSpPr>
             <p:spPr/>
             <p:txBody>
-              <a:bodyPr tIns="612000"/>
+              <a:bodyPr tIns="468000">
+                <a:normAutofit/>
+              </a:bodyPr>
               <a:lstStyle/>
               <a:p>
-                <a:pPr algn="just"/>
+                <a:pPr>
+                  <a:lnSpc>
+                    <a:spcPct val="160000"/>
+                  </a:lnSpc>
+                </a:pPr>
                 <a:r>
-                  <a:rPr lang="it-IT" b="1" dirty="0"/>
+                  <a:rPr lang="it-IT" sz="1700" b="1" dirty="0"/>
                   <a:t>Idea di partenza</a:t>
                 </a:r>
                 <a:r>
-                  <a:rPr lang="it-IT" dirty="0"/>
+                  <a:rPr lang="it-IT" sz="1700" dirty="0"/>
                   <a:t>: sfruttare metodi di calcolo numerico (MATLAB) per ottenere un’orbita a due impulsi con il </a:t>
                 </a:r>
                 <a14:m>
@@ -6038,13 +7542,13 @@
                       <m:rPr>
                         <m:sty m:val="p"/>
                       </m:rPr>
-                      <a:rPr lang="it-IT" b="0" i="0" u="sng" smtClean="0">
+                      <a:rPr lang="it-IT" sz="1700" b="0" i="0" u="sng" smtClean="0">
                         <a:latin typeface="Cambria Math" panose="02040503050406030204" pitchFamily="18" charset="0"/>
                       </a:rPr>
                       <m:t>Δ</m:t>
                     </m:r>
                     <m:r>
-                      <a:rPr lang="it-IT" b="0" i="1" u="sng" smtClean="0">
+                      <a:rPr lang="it-IT" sz="1700" b="0" i="1" u="sng" smtClean="0">
                         <a:latin typeface="Cambria Math" panose="02040503050406030204" pitchFamily="18" charset="0"/>
                       </a:rPr>
                       <m:t>𝑣</m:t>
@@ -6052,18 +7556,22 @@
                   </m:oMath>
                 </a14:m>
                 <a:r>
-                  <a:rPr lang="it-IT" u="sng" dirty="0"/>
+                  <a:rPr lang="it-IT" sz="1700" u="sng" dirty="0"/>
                   <a:t> più basso possibile</a:t>
                 </a:r>
               </a:p>
               <a:p>
-                <a:pPr algn="just"/>
+                <a:pPr>
+                  <a:lnSpc>
+                    <a:spcPct val="160000"/>
+                  </a:lnSpc>
+                </a:pPr>
                 <a:r>
-                  <a:rPr lang="it-IT" b="1" dirty="0"/>
+                  <a:rPr lang="it-IT" sz="1700" b="1" dirty="0"/>
                   <a:t>Risultato</a:t>
                 </a:r>
                 <a:r>
-                  <a:rPr lang="it-IT" dirty="0"/>
+                  <a:rPr lang="it-IT" sz="1700" dirty="0"/>
                   <a:t>: trasferimento secante da orbita iniziale a orbita finale, con </a:t>
                 </a:r>
                 <a14:m>
@@ -6072,13 +7580,13 @@
                       <m:rPr>
                         <m:sty m:val="p"/>
                       </m:rPr>
-                      <a:rPr lang="it-IT" b="0" i="0" u="sng" smtClean="0">
+                      <a:rPr lang="it-IT" sz="1700" b="0" i="0" u="sng" smtClean="0">
                         <a:latin typeface="Cambria Math" panose="02040503050406030204" pitchFamily="18" charset="0"/>
                       </a:rPr>
                       <m:t>Δ</m:t>
                     </m:r>
                     <m:r>
-                      <a:rPr lang="it-IT" b="0" i="1" u="sng" smtClean="0">
+                      <a:rPr lang="it-IT" sz="1700" b="0" i="1" u="sng" smtClean="0">
                         <a:latin typeface="Cambria Math" panose="02040503050406030204" pitchFamily="18" charset="0"/>
                       </a:rPr>
                       <m:t>𝑣</m:t>
@@ -6086,26 +7594,109 @@
                   </m:oMath>
                 </a14:m>
                 <a:r>
-                  <a:rPr lang="it-IT" u="sng" dirty="0"/>
+                  <a:rPr lang="it-IT" sz="1700" u="sng" dirty="0"/>
                   <a:t> vicino al minimo e tempo di manovra fortemente ridotto</a:t>
+                </a:r>
+                <a:endParaRPr lang="it-IT" sz="1700" dirty="0"/>
+              </a:p>
+              <a:p>
+                <a:pPr marL="0" indent="0">
+                  <a:buNone/>
+                </a:pPr>
+                <a:endParaRPr lang="it-IT" sz="1700" dirty="0"/>
+              </a:p>
+              <a:p>
+                <a:pPr marL="0" indent="0">
+                  <a:buNone/>
+                </a:pPr>
+                <a14:m>
+                  <m:oMath xmlns:m="http://schemas.openxmlformats.org/officeDocument/2006/math">
+                    <m:r>
+                      <a:rPr lang="it-IT" sz="1700" b="1" i="0" smtClean="0">
+                        <a:latin typeface="Cambria Math" panose="02040503050406030204" pitchFamily="18" charset="0"/>
+                      </a:rPr>
+                      <m:t>𝚫</m:t>
+                    </m:r>
+                    <m:sSub>
+                      <m:sSubPr>
+                        <m:ctrlPr>
+                          <a:rPr lang="it-IT" sz="1700" b="1" i="1" smtClean="0">
+                            <a:latin typeface="Cambria Math" panose="02040503050406030204" pitchFamily="18" charset="0"/>
+                          </a:rPr>
+                        </m:ctrlPr>
+                      </m:sSubPr>
+                      <m:e>
+                        <m:r>
+                          <a:rPr lang="it-IT" sz="1700" b="1" i="1" smtClean="0">
+                            <a:latin typeface="Cambria Math" panose="02040503050406030204" pitchFamily="18" charset="0"/>
+                          </a:rPr>
+                          <m:t>𝒗</m:t>
+                        </m:r>
+                      </m:e>
+                      <m:sub>
+                        <m:r>
+                          <a:rPr lang="it-IT" sz="1700" b="1" i="1" smtClean="0">
+                            <a:latin typeface="Cambria Math" panose="02040503050406030204" pitchFamily="18" charset="0"/>
+                          </a:rPr>
+                          <m:t>𝒕𝒐𝒕</m:t>
+                        </m:r>
+                      </m:sub>
+                    </m:sSub>
+                  </m:oMath>
+                </a14:m>
+                <a:r>
+                  <a:rPr lang="it-IT" sz="1700" b="1" dirty="0"/>
+                  <a:t> = 5.1306 km/s</a:t>
                 </a:r>
               </a:p>
               <a:p>
-                <a:pPr marL="0" indent="0" algn="just">
+                <a:pPr marL="0" indent="0">
                   <a:buNone/>
                 </a:pPr>
-                <a:endParaRPr lang="it-IT" dirty="0"/>
-              </a:p>
-              <a:p>
-                <a:pPr marL="0" indent="0" algn="just">
-                  <a:buNone/>
-                </a:pPr>
-                <a:endParaRPr lang="it-IT" dirty="0"/>
+                <a14:m>
+                  <m:oMath xmlns:m="http://schemas.openxmlformats.org/officeDocument/2006/math">
+                    <m:r>
+                      <a:rPr lang="it-IT" sz="1700" b="1" i="0" smtClean="0">
+                        <a:latin typeface="Cambria Math" panose="02040503050406030204" pitchFamily="18" charset="0"/>
+                      </a:rPr>
+                      <m:t>𝚫</m:t>
+                    </m:r>
+                    <m:sSub>
+                      <m:sSubPr>
+                        <m:ctrlPr>
+                          <a:rPr lang="it-IT" sz="1700" b="1" i="1" smtClean="0">
+                            <a:latin typeface="Cambria Math" panose="02040503050406030204" pitchFamily="18" charset="0"/>
+                          </a:rPr>
+                        </m:ctrlPr>
+                      </m:sSubPr>
+                      <m:e>
+                        <m:r>
+                          <a:rPr lang="it-IT" sz="1700" b="1" i="1" smtClean="0">
+                            <a:latin typeface="Cambria Math" panose="02040503050406030204" pitchFamily="18" charset="0"/>
+                          </a:rPr>
+                          <m:t>𝒕</m:t>
+                        </m:r>
+                      </m:e>
+                      <m:sub>
+                        <m:r>
+                          <a:rPr lang="it-IT" sz="1700" b="1" i="1" smtClean="0">
+                            <a:latin typeface="Cambria Math" panose="02040503050406030204" pitchFamily="18" charset="0"/>
+                          </a:rPr>
+                          <m:t>𝒕𝒐𝒕</m:t>
+                        </m:r>
+                      </m:sub>
+                    </m:sSub>
+                  </m:oMath>
+                </a14:m>
+                <a:r>
+                  <a:rPr lang="it-IT" sz="1700" b="1" dirty="0"/>
+                  <a:t> = 2.4878 h = 8964.9024 s</a:t>
+                </a:r>
               </a:p>
             </p:txBody>
           </p:sp>
         </mc:Choice>
-        <mc:Fallback xmlns="">
+        <mc:Fallback>
           <p:sp>
             <p:nvSpPr>
               <p:cNvPr id="6" name="Segnaposto contenuto 5">
@@ -6126,7 +7717,7 @@
               <a:blipFill>
                 <a:blip r:embed="rId2"/>
                 <a:stretch>
-                  <a:fillRect l="-471" r="-588"/>
+                  <a:fillRect l="-588" r="-1059"/>
                 </a:stretch>
               </a:blipFill>
             </p:spPr>
@@ -6239,774 +7830,6 @@
           </a:p>
         </p:txBody>
       </p:sp>
-      <mc:AlternateContent xmlns:mc="http://schemas.openxmlformats.org/markup-compatibility/2006" xmlns:a14="http://schemas.microsoft.com/office/drawing/2010/main">
-        <mc:Choice Requires="a14">
-          <p:graphicFrame>
-            <p:nvGraphicFramePr>
-              <p:cNvPr id="15" name="Tabella 15">
-                <a:extLst>
-                  <a:ext uri="{FF2B5EF4-FFF2-40B4-BE49-F238E27FC236}">
-                    <a16:creationId xmlns:a16="http://schemas.microsoft.com/office/drawing/2014/main" id="{5A647966-A7B6-A8A1-FC07-889C8DA10CAE}"/>
-                  </a:ext>
-                </a:extLst>
-              </p:cNvPr>
-              <p:cNvGraphicFramePr>
-                <a:graphicFrameLocks noGrp="1"/>
-              </p:cNvGraphicFramePr>
-              <p:nvPr>
-                <p:extLst>
-                  <p:ext uri="{D42A27DB-BD31-4B8C-83A1-F6EECF244321}">
-                    <p14:modId xmlns:p14="http://schemas.microsoft.com/office/powerpoint/2010/main" val="2035918669"/>
-                  </p:ext>
-                </p:extLst>
-              </p:nvPr>
-            </p:nvGraphicFramePr>
-            <p:xfrm>
-              <a:off x="1355048" y="4470864"/>
-              <a:ext cx="3706192" cy="741680"/>
-            </p:xfrm>
-            <a:graphic>
-              <a:graphicData uri="http://schemas.openxmlformats.org/drawingml/2006/table">
-                <a:tbl>
-                  <a:tblPr>
-                    <a:tableStyleId>{5C22544A-7EE6-4342-B048-85BDC9FD1C3A}</a:tableStyleId>
-                  </a:tblPr>
-                  <a:tblGrid>
-                    <a:gridCol w="1853096">
-                      <a:extLst>
-                        <a:ext uri="{9D8B030D-6E8A-4147-A177-3AD203B41FA5}">
-                          <a16:colId xmlns:a16="http://schemas.microsoft.com/office/drawing/2014/main" val="3941896560"/>
-                        </a:ext>
-                      </a:extLst>
-                    </a:gridCol>
-                    <a:gridCol w="1853096">
-                      <a:extLst>
-                        <a:ext uri="{9D8B030D-6E8A-4147-A177-3AD203B41FA5}">
-                          <a16:colId xmlns:a16="http://schemas.microsoft.com/office/drawing/2014/main" val="3736622730"/>
-                        </a:ext>
-                      </a:extLst>
-                    </a:gridCol>
-                  </a:tblGrid>
-                  <a:tr h="370840">
-                    <a:tc>
-                      <a:txBody>
-                        <a:bodyPr/>
-                        <a:lstStyle/>
-                        <a:p>
-                          <a:pPr algn="ctr"/>
-                          <a14:m>
-                            <m:oMathPara xmlns:m="http://schemas.openxmlformats.org/officeDocument/2006/math">
-                              <m:oMathParaPr>
-                                <m:jc m:val="centerGroup"/>
-                              </m:oMathParaPr>
-                              <m:oMath xmlns:m="http://schemas.openxmlformats.org/officeDocument/2006/math">
-                                <m:r>
-                                  <m:rPr>
-                                    <m:sty m:val="p"/>
-                                  </m:rPr>
-                                  <a:rPr lang="it-IT" b="0" i="0" smtClean="0">
-                                    <a:latin typeface="Cambria Math" panose="02040503050406030204" pitchFamily="18" charset="0"/>
-                                  </a:rPr>
-                                  <m:t>Δ</m:t>
-                                </m:r>
-                                <m:r>
-                                  <a:rPr lang="it-IT" b="0" i="1" smtClean="0">
-                                    <a:latin typeface="Cambria Math" panose="02040503050406030204" pitchFamily="18" charset="0"/>
-                                  </a:rPr>
-                                  <m:t>𝑣</m:t>
-                                </m:r>
-                                <m:r>
-                                  <a:rPr lang="it-IT" b="0" i="1" smtClean="0">
-                                    <a:latin typeface="Cambria Math" panose="02040503050406030204" pitchFamily="18" charset="0"/>
-                                  </a:rPr>
-                                  <m:t> </m:t>
-                                </m:r>
-                                <m:d>
-                                  <m:dPr>
-                                    <m:begChr m:val="["/>
-                                    <m:endChr m:val="]"/>
-                                    <m:ctrlPr>
-                                      <a:rPr lang="it-IT" b="0" i="1" smtClean="0">
-                                        <a:latin typeface="Cambria Math" panose="02040503050406030204" pitchFamily="18" charset="0"/>
-                                      </a:rPr>
-                                    </m:ctrlPr>
-                                  </m:dPr>
-                                  <m:e>
-                                    <m:r>
-                                      <a:rPr lang="it-IT" b="0" i="1" smtClean="0">
-                                        <a:latin typeface="Cambria Math" panose="02040503050406030204" pitchFamily="18" charset="0"/>
-                                      </a:rPr>
-                                      <m:t>𝑘𝑚</m:t>
-                                    </m:r>
-                                    <m:r>
-                                      <a:rPr lang="it-IT" b="0" i="1" smtClean="0">
-                                        <a:latin typeface="Cambria Math" panose="02040503050406030204" pitchFamily="18" charset="0"/>
-                                      </a:rPr>
-                                      <m:t>/</m:t>
-                                    </m:r>
-                                    <m:r>
-                                      <a:rPr lang="it-IT" b="0" i="1" smtClean="0">
-                                        <a:latin typeface="Cambria Math" panose="02040503050406030204" pitchFamily="18" charset="0"/>
-                                      </a:rPr>
-                                      <m:t>𝑠</m:t>
-                                    </m:r>
-                                  </m:e>
-                                </m:d>
-                              </m:oMath>
-                            </m:oMathPara>
-                          </a14:m>
-                          <a:endParaRPr lang="it-IT" dirty="0"/>
-                        </a:p>
-                      </a:txBody>
-                      <a:tcPr anchor="ctr">
-                        <a:lnL w="12700" cap="flat" cmpd="sng" algn="ctr">
-                          <a:solidFill>
-                            <a:schemeClr val="tx1"/>
-                          </a:solidFill>
-                          <a:prstDash val="solid"/>
-                          <a:round/>
-                          <a:headEnd type="none" w="med" len="med"/>
-                          <a:tailEnd type="none" w="med" len="med"/>
-                        </a:lnL>
-                        <a:lnR w="12700" cap="flat" cmpd="sng" algn="ctr">
-                          <a:solidFill>
-                            <a:schemeClr val="tx1"/>
-                          </a:solidFill>
-                          <a:prstDash val="solid"/>
-                          <a:round/>
-                          <a:headEnd type="none" w="med" len="med"/>
-                          <a:tailEnd type="none" w="med" len="med"/>
-                        </a:lnR>
-                        <a:lnT w="12700" cap="flat" cmpd="sng" algn="ctr">
-                          <a:solidFill>
-                            <a:schemeClr val="tx1"/>
-                          </a:solidFill>
-                          <a:prstDash val="solid"/>
-                          <a:round/>
-                          <a:headEnd type="none" w="med" len="med"/>
-                          <a:tailEnd type="none" w="med" len="med"/>
-                        </a:lnT>
-                        <a:lnB w="12700" cap="flat" cmpd="sng" algn="ctr">
-                          <a:solidFill>
-                            <a:schemeClr val="tx1"/>
-                          </a:solidFill>
-                          <a:prstDash val="solid"/>
-                          <a:round/>
-                          <a:headEnd type="none" w="med" len="med"/>
-                          <a:tailEnd type="none" w="med" len="med"/>
-                        </a:lnB>
-                        <a:lnTlToBr w="12700" cmpd="sng">
-                          <a:noFill/>
-                          <a:prstDash val="solid"/>
-                        </a:lnTlToBr>
-                        <a:lnBlToTr w="12700" cmpd="sng">
-                          <a:noFill/>
-                          <a:prstDash val="solid"/>
-                        </a:lnBlToTr>
-                        <a:noFill/>
-                      </a:tcPr>
-                    </a:tc>
-                    <a:tc>
-                      <a:txBody>
-                        <a:bodyPr/>
-                        <a:lstStyle/>
-                        <a:p>
-                          <a:pPr marL="0" marR="0" lvl="0" indent="0" algn="ctr" defTabSz="914400" rtl="0" eaLnBrk="1" fontAlgn="auto" latinLnBrk="0" hangingPunct="1">
-                            <a:lnSpc>
-                              <a:spcPct val="100000"/>
-                            </a:lnSpc>
-                            <a:spcBef>
-                              <a:spcPts val="0"/>
-                            </a:spcBef>
-                            <a:spcAft>
-                              <a:spcPts val="0"/>
-                            </a:spcAft>
-                            <a:buClrTx/>
-                            <a:buSzTx/>
-                            <a:buFontTx/>
-                            <a:buNone/>
-                            <a:tabLst/>
-                            <a:defRPr/>
-                          </a:pPr>
-                          <a:r>
-                            <a:rPr lang="it-IT" dirty="0"/>
-                            <a:t>5.1306</a:t>
-                          </a:r>
-                        </a:p>
-                      </a:txBody>
-                      <a:tcPr anchor="ctr">
-                        <a:lnL w="12700" cap="flat" cmpd="sng" algn="ctr">
-                          <a:solidFill>
-                            <a:schemeClr val="tx1"/>
-                          </a:solidFill>
-                          <a:prstDash val="solid"/>
-                          <a:round/>
-                          <a:headEnd type="none" w="med" len="med"/>
-                          <a:tailEnd type="none" w="med" len="med"/>
-                        </a:lnL>
-                        <a:lnR w="12700" cap="flat" cmpd="sng" algn="ctr">
-                          <a:solidFill>
-                            <a:schemeClr val="tx1"/>
-                          </a:solidFill>
-                          <a:prstDash val="solid"/>
-                          <a:round/>
-                          <a:headEnd type="none" w="med" len="med"/>
-                          <a:tailEnd type="none" w="med" len="med"/>
-                        </a:lnR>
-                        <a:lnT w="12700" cap="flat" cmpd="sng" algn="ctr">
-                          <a:solidFill>
-                            <a:schemeClr val="tx1"/>
-                          </a:solidFill>
-                          <a:prstDash val="solid"/>
-                          <a:round/>
-                          <a:headEnd type="none" w="med" len="med"/>
-                          <a:tailEnd type="none" w="med" len="med"/>
-                        </a:lnT>
-                        <a:lnB w="12700" cap="flat" cmpd="sng" algn="ctr">
-                          <a:solidFill>
-                            <a:schemeClr val="tx1"/>
-                          </a:solidFill>
-                          <a:prstDash val="solid"/>
-                          <a:round/>
-                          <a:headEnd type="none" w="med" len="med"/>
-                          <a:tailEnd type="none" w="med" len="med"/>
-                        </a:lnB>
-                        <a:lnTlToBr w="12700" cmpd="sng">
-                          <a:noFill/>
-                          <a:prstDash val="solid"/>
-                        </a:lnTlToBr>
-                        <a:lnBlToTr w="12700" cmpd="sng">
-                          <a:noFill/>
-                          <a:prstDash val="solid"/>
-                        </a:lnBlToTr>
-                        <a:noFill/>
-                      </a:tcPr>
-                    </a:tc>
-                    <a:extLst>
-                      <a:ext uri="{0D108BD9-81ED-4DB2-BD59-A6C34878D82A}">
-                        <a16:rowId xmlns:a16="http://schemas.microsoft.com/office/drawing/2014/main" val="3228534448"/>
-                      </a:ext>
-                    </a:extLst>
-                  </a:tr>
-                  <a:tr h="370840">
-                    <a:tc>
-                      <a:txBody>
-                        <a:bodyPr/>
-                        <a:lstStyle/>
-                        <a:p>
-                          <a:pPr marL="0" marR="0" lvl="0" indent="0" algn="ctr" defTabSz="914400" rtl="0" eaLnBrk="1" fontAlgn="auto" latinLnBrk="0" hangingPunct="1">
-                            <a:lnSpc>
-                              <a:spcPct val="100000"/>
-                            </a:lnSpc>
-                            <a:spcBef>
-                              <a:spcPts val="0"/>
-                            </a:spcBef>
-                            <a:spcAft>
-                              <a:spcPts val="0"/>
-                            </a:spcAft>
-                            <a:buClrTx/>
-                            <a:buSzTx/>
-                            <a:buFontTx/>
-                            <a:buNone/>
-                            <a:tabLst/>
-                            <a:defRPr/>
-                          </a:pPr>
-                          <a14:m>
-                            <m:oMathPara xmlns:m="http://schemas.openxmlformats.org/officeDocument/2006/math">
-                              <m:oMathParaPr>
-                                <m:jc m:val="centerGroup"/>
-                              </m:oMathParaPr>
-                              <m:oMath xmlns:m="http://schemas.openxmlformats.org/officeDocument/2006/math">
-                                <m:r>
-                                  <m:rPr>
-                                    <m:sty m:val="p"/>
-                                  </m:rPr>
-                                  <a:rPr lang="it-IT" b="0" i="0" smtClean="0">
-                                    <a:latin typeface="Cambria Math" panose="02040503050406030204" pitchFamily="18" charset="0"/>
-                                  </a:rPr>
-                                  <m:t>Δ</m:t>
-                                </m:r>
-                                <m:r>
-                                  <a:rPr lang="it-IT" b="0" i="1" smtClean="0">
-                                    <a:latin typeface="Cambria Math" panose="02040503050406030204" pitchFamily="18" charset="0"/>
-                                  </a:rPr>
-                                  <m:t>𝑡</m:t>
-                                </m:r>
-                                <m:r>
-                                  <a:rPr lang="it-IT" b="0" i="1" smtClean="0">
-                                    <a:latin typeface="Cambria Math" panose="02040503050406030204" pitchFamily="18" charset="0"/>
-                                  </a:rPr>
-                                  <m:t> </m:t>
-                                </m:r>
-                                <m:d>
-                                  <m:dPr>
-                                    <m:begChr m:val="["/>
-                                    <m:endChr m:val="]"/>
-                                    <m:ctrlPr>
-                                      <a:rPr lang="it-IT" b="0" i="1" smtClean="0">
-                                        <a:latin typeface="Cambria Math" panose="02040503050406030204" pitchFamily="18" charset="0"/>
-                                      </a:rPr>
-                                    </m:ctrlPr>
-                                  </m:dPr>
-                                  <m:e>
-                                    <m:r>
-                                      <a:rPr lang="it-IT" b="0" i="1" smtClean="0">
-                                        <a:latin typeface="Cambria Math" panose="02040503050406030204" pitchFamily="18" charset="0"/>
-                                      </a:rPr>
-                                      <m:t>h</m:t>
-                                    </m:r>
-                                  </m:e>
-                                </m:d>
-                              </m:oMath>
-                            </m:oMathPara>
-                          </a14:m>
-                          <a:endParaRPr lang="it-IT" dirty="0"/>
-                        </a:p>
-                      </a:txBody>
-                      <a:tcPr anchor="ctr">
-                        <a:lnL w="12700" cap="flat" cmpd="sng" algn="ctr">
-                          <a:solidFill>
-                            <a:schemeClr val="tx1"/>
-                          </a:solidFill>
-                          <a:prstDash val="solid"/>
-                          <a:round/>
-                          <a:headEnd type="none" w="med" len="med"/>
-                          <a:tailEnd type="none" w="med" len="med"/>
-                        </a:lnL>
-                        <a:lnR w="12700" cap="flat" cmpd="sng" algn="ctr">
-                          <a:solidFill>
-                            <a:schemeClr val="tx1"/>
-                          </a:solidFill>
-                          <a:prstDash val="solid"/>
-                          <a:round/>
-                          <a:headEnd type="none" w="med" len="med"/>
-                          <a:tailEnd type="none" w="med" len="med"/>
-                        </a:lnR>
-                        <a:lnT w="12700" cap="flat" cmpd="sng" algn="ctr">
-                          <a:solidFill>
-                            <a:schemeClr val="tx1"/>
-                          </a:solidFill>
-                          <a:prstDash val="solid"/>
-                          <a:round/>
-                          <a:headEnd type="none" w="med" len="med"/>
-                          <a:tailEnd type="none" w="med" len="med"/>
-                        </a:lnT>
-                        <a:lnB w="12700" cap="flat" cmpd="sng" algn="ctr">
-                          <a:solidFill>
-                            <a:schemeClr val="tx1"/>
-                          </a:solidFill>
-                          <a:prstDash val="solid"/>
-                          <a:round/>
-                          <a:headEnd type="none" w="med" len="med"/>
-                          <a:tailEnd type="none" w="med" len="med"/>
-                        </a:lnB>
-                        <a:lnTlToBr w="12700" cmpd="sng">
-                          <a:noFill/>
-                          <a:prstDash val="solid"/>
-                        </a:lnTlToBr>
-                        <a:lnBlToTr w="12700" cmpd="sng">
-                          <a:noFill/>
-                          <a:prstDash val="solid"/>
-                        </a:lnBlToTr>
-                        <a:noFill/>
-                      </a:tcPr>
-                    </a:tc>
-                    <a:tc>
-                      <a:txBody>
-                        <a:bodyPr/>
-                        <a:lstStyle/>
-                        <a:p>
-                          <a:pPr algn="ctr"/>
-                          <a:r>
-                            <a:rPr lang="it-IT" dirty="0"/>
-                            <a:t>2.4903</a:t>
-                          </a:r>
-                        </a:p>
-                      </a:txBody>
-                      <a:tcPr anchor="ctr">
-                        <a:lnL w="12700" cap="flat" cmpd="sng" algn="ctr">
-                          <a:solidFill>
-                            <a:schemeClr val="tx1"/>
-                          </a:solidFill>
-                          <a:prstDash val="solid"/>
-                          <a:round/>
-                          <a:headEnd type="none" w="med" len="med"/>
-                          <a:tailEnd type="none" w="med" len="med"/>
-                        </a:lnL>
-                        <a:lnR w="12700" cap="flat" cmpd="sng" algn="ctr">
-                          <a:solidFill>
-                            <a:schemeClr val="tx1"/>
-                          </a:solidFill>
-                          <a:prstDash val="solid"/>
-                          <a:round/>
-                          <a:headEnd type="none" w="med" len="med"/>
-                          <a:tailEnd type="none" w="med" len="med"/>
-                        </a:lnR>
-                        <a:lnT w="12700" cap="flat" cmpd="sng" algn="ctr">
-                          <a:solidFill>
-                            <a:schemeClr val="tx1"/>
-                          </a:solidFill>
-                          <a:prstDash val="solid"/>
-                          <a:round/>
-                          <a:headEnd type="none" w="med" len="med"/>
-                          <a:tailEnd type="none" w="med" len="med"/>
-                        </a:lnT>
-                        <a:lnB w="12700" cap="flat" cmpd="sng" algn="ctr">
-                          <a:solidFill>
-                            <a:schemeClr val="tx1"/>
-                          </a:solidFill>
-                          <a:prstDash val="solid"/>
-                          <a:round/>
-                          <a:headEnd type="none" w="med" len="med"/>
-                          <a:tailEnd type="none" w="med" len="med"/>
-                        </a:lnB>
-                        <a:lnTlToBr w="12700" cmpd="sng">
-                          <a:noFill/>
-                          <a:prstDash val="solid"/>
-                        </a:lnTlToBr>
-                        <a:lnBlToTr w="12700" cmpd="sng">
-                          <a:noFill/>
-                          <a:prstDash val="solid"/>
-                        </a:lnBlToTr>
-                        <a:noFill/>
-                      </a:tcPr>
-                    </a:tc>
-                    <a:extLst>
-                      <a:ext uri="{0D108BD9-81ED-4DB2-BD59-A6C34878D82A}">
-                        <a16:rowId xmlns:a16="http://schemas.microsoft.com/office/drawing/2014/main" val="4080037996"/>
-                      </a:ext>
-                    </a:extLst>
-                  </a:tr>
-                </a:tbl>
-              </a:graphicData>
-            </a:graphic>
-          </p:graphicFrame>
-        </mc:Choice>
-        <mc:Fallback xmlns="">
-          <p:graphicFrame>
-            <p:nvGraphicFramePr>
-              <p:cNvPr id="15" name="Tabella 15">
-                <a:extLst>
-                  <a:ext uri="{FF2B5EF4-FFF2-40B4-BE49-F238E27FC236}">
-                    <a16:creationId xmlns:a16="http://schemas.microsoft.com/office/drawing/2014/main" id="{5A647966-A7B6-A8A1-FC07-889C8DA10CAE}"/>
-                  </a:ext>
-                </a:extLst>
-              </p:cNvPr>
-              <p:cNvGraphicFramePr>
-                <a:graphicFrameLocks noGrp="1"/>
-              </p:cNvGraphicFramePr>
-              <p:nvPr>
-                <p:extLst>
-                  <p:ext uri="{D42A27DB-BD31-4B8C-83A1-F6EECF244321}">
-                    <p14:modId xmlns:p14="http://schemas.microsoft.com/office/powerpoint/2010/main" val="2035918669"/>
-                  </p:ext>
-                </p:extLst>
-              </p:nvPr>
-            </p:nvGraphicFramePr>
-            <p:xfrm>
-              <a:off x="1355048" y="4470864"/>
-              <a:ext cx="3706192" cy="741680"/>
-            </p:xfrm>
-            <a:graphic>
-              <a:graphicData uri="http://schemas.openxmlformats.org/drawingml/2006/table">
-                <a:tbl>
-                  <a:tblPr>
-                    <a:tableStyleId>{5C22544A-7EE6-4342-B048-85BDC9FD1C3A}</a:tableStyleId>
-                  </a:tblPr>
-                  <a:tblGrid>
-                    <a:gridCol w="1853096">
-                      <a:extLst>
-                        <a:ext uri="{9D8B030D-6E8A-4147-A177-3AD203B41FA5}">
-                          <a16:colId xmlns:a16="http://schemas.microsoft.com/office/drawing/2014/main" val="3941896560"/>
-                        </a:ext>
-                      </a:extLst>
-                    </a:gridCol>
-                    <a:gridCol w="1853096">
-                      <a:extLst>
-                        <a:ext uri="{9D8B030D-6E8A-4147-A177-3AD203B41FA5}">
-                          <a16:colId xmlns:a16="http://schemas.microsoft.com/office/drawing/2014/main" val="3736622730"/>
-                        </a:ext>
-                      </a:extLst>
-                    </a:gridCol>
-                  </a:tblGrid>
-                  <a:tr h="370840">
-                    <a:tc>
-                      <a:txBody>
-                        <a:bodyPr/>
-                        <a:lstStyle/>
-                        <a:p>
-                          <a:endParaRPr lang="it-IT"/>
-                        </a:p>
-                      </a:txBody>
-                      <a:tcPr anchor="ctr">
-                        <a:lnL w="12700" cap="flat" cmpd="sng" algn="ctr">
-                          <a:solidFill>
-                            <a:schemeClr val="tx1"/>
-                          </a:solidFill>
-                          <a:prstDash val="solid"/>
-                          <a:round/>
-                          <a:headEnd type="none" w="med" len="med"/>
-                          <a:tailEnd type="none" w="med" len="med"/>
-                        </a:lnL>
-                        <a:lnR w="12700" cap="flat" cmpd="sng" algn="ctr">
-                          <a:solidFill>
-                            <a:schemeClr val="tx1"/>
-                          </a:solidFill>
-                          <a:prstDash val="solid"/>
-                          <a:round/>
-                          <a:headEnd type="none" w="med" len="med"/>
-                          <a:tailEnd type="none" w="med" len="med"/>
-                        </a:lnR>
-                        <a:lnT w="12700" cap="flat" cmpd="sng" algn="ctr">
-                          <a:solidFill>
-                            <a:schemeClr val="tx1"/>
-                          </a:solidFill>
-                          <a:prstDash val="solid"/>
-                          <a:round/>
-                          <a:headEnd type="none" w="med" len="med"/>
-                          <a:tailEnd type="none" w="med" len="med"/>
-                        </a:lnT>
-                        <a:lnB w="12700" cap="flat" cmpd="sng" algn="ctr">
-                          <a:solidFill>
-                            <a:schemeClr val="tx1"/>
-                          </a:solidFill>
-                          <a:prstDash val="solid"/>
-                          <a:round/>
-                          <a:headEnd type="none" w="med" len="med"/>
-                          <a:tailEnd type="none" w="med" len="med"/>
-                        </a:lnB>
-                        <a:lnTlToBr w="12700" cmpd="sng">
-                          <a:noFill/>
-                          <a:prstDash val="solid"/>
-                        </a:lnTlToBr>
-                        <a:lnBlToTr w="12700" cmpd="sng">
-                          <a:noFill/>
-                          <a:prstDash val="solid"/>
-                        </a:lnBlToTr>
-                        <a:blipFill>
-                          <a:blip r:embed="rId4"/>
-                          <a:stretch>
-                            <a:fillRect l="-328" t="-8065" r="-100328" b="-122581"/>
-                          </a:stretch>
-                        </a:blipFill>
-                      </a:tcPr>
-                    </a:tc>
-                    <a:tc>
-                      <a:txBody>
-                        <a:bodyPr/>
-                        <a:lstStyle/>
-                        <a:p>
-                          <a:pPr marL="0" marR="0" lvl="0" indent="0" algn="ctr" defTabSz="914400" rtl="0" eaLnBrk="1" fontAlgn="auto" latinLnBrk="0" hangingPunct="1">
-                            <a:lnSpc>
-                              <a:spcPct val="100000"/>
-                            </a:lnSpc>
-                            <a:spcBef>
-                              <a:spcPts val="0"/>
-                            </a:spcBef>
-                            <a:spcAft>
-                              <a:spcPts val="0"/>
-                            </a:spcAft>
-                            <a:buClrTx/>
-                            <a:buSzTx/>
-                            <a:buFontTx/>
-                            <a:buNone/>
-                            <a:tabLst/>
-                            <a:defRPr/>
-                          </a:pPr>
-                          <a:r>
-                            <a:rPr lang="it-IT" dirty="0"/>
-                            <a:t>5.1306</a:t>
-                          </a:r>
-                        </a:p>
-                      </a:txBody>
-                      <a:tcPr anchor="ctr">
-                        <a:lnL w="12700" cap="flat" cmpd="sng" algn="ctr">
-                          <a:solidFill>
-                            <a:schemeClr val="tx1"/>
-                          </a:solidFill>
-                          <a:prstDash val="solid"/>
-                          <a:round/>
-                          <a:headEnd type="none" w="med" len="med"/>
-                          <a:tailEnd type="none" w="med" len="med"/>
-                        </a:lnL>
-                        <a:lnR w="12700" cap="flat" cmpd="sng" algn="ctr">
-                          <a:solidFill>
-                            <a:schemeClr val="tx1"/>
-                          </a:solidFill>
-                          <a:prstDash val="solid"/>
-                          <a:round/>
-                          <a:headEnd type="none" w="med" len="med"/>
-                          <a:tailEnd type="none" w="med" len="med"/>
-                        </a:lnR>
-                        <a:lnT w="12700" cap="flat" cmpd="sng" algn="ctr">
-                          <a:solidFill>
-                            <a:schemeClr val="tx1"/>
-                          </a:solidFill>
-                          <a:prstDash val="solid"/>
-                          <a:round/>
-                          <a:headEnd type="none" w="med" len="med"/>
-                          <a:tailEnd type="none" w="med" len="med"/>
-                        </a:lnT>
-                        <a:lnB w="12700" cap="flat" cmpd="sng" algn="ctr">
-                          <a:solidFill>
-                            <a:schemeClr val="tx1"/>
-                          </a:solidFill>
-                          <a:prstDash val="solid"/>
-                          <a:round/>
-                          <a:headEnd type="none" w="med" len="med"/>
-                          <a:tailEnd type="none" w="med" len="med"/>
-                        </a:lnB>
-                        <a:lnTlToBr w="12700" cmpd="sng">
-                          <a:noFill/>
-                          <a:prstDash val="solid"/>
-                        </a:lnTlToBr>
-                        <a:lnBlToTr w="12700" cmpd="sng">
-                          <a:noFill/>
-                          <a:prstDash val="solid"/>
-                        </a:lnBlToTr>
-                        <a:noFill/>
-                      </a:tcPr>
-                    </a:tc>
-                    <a:extLst>
-                      <a:ext uri="{0D108BD9-81ED-4DB2-BD59-A6C34878D82A}">
-                        <a16:rowId xmlns:a16="http://schemas.microsoft.com/office/drawing/2014/main" val="3228534448"/>
-                      </a:ext>
-                    </a:extLst>
-                  </a:tr>
-                  <a:tr h="370840">
-                    <a:tc>
-                      <a:txBody>
-                        <a:bodyPr/>
-                        <a:lstStyle/>
-                        <a:p>
-                          <a:endParaRPr lang="it-IT"/>
-                        </a:p>
-                      </a:txBody>
-                      <a:tcPr anchor="ctr">
-                        <a:lnL w="12700" cap="flat" cmpd="sng" algn="ctr">
-                          <a:solidFill>
-                            <a:schemeClr val="tx1"/>
-                          </a:solidFill>
-                          <a:prstDash val="solid"/>
-                          <a:round/>
-                          <a:headEnd type="none" w="med" len="med"/>
-                          <a:tailEnd type="none" w="med" len="med"/>
-                        </a:lnL>
-                        <a:lnR w="12700" cap="flat" cmpd="sng" algn="ctr">
-                          <a:solidFill>
-                            <a:schemeClr val="tx1"/>
-                          </a:solidFill>
-                          <a:prstDash val="solid"/>
-                          <a:round/>
-                          <a:headEnd type="none" w="med" len="med"/>
-                          <a:tailEnd type="none" w="med" len="med"/>
-                        </a:lnR>
-                        <a:lnT w="12700" cap="flat" cmpd="sng" algn="ctr">
-                          <a:solidFill>
-                            <a:schemeClr val="tx1"/>
-                          </a:solidFill>
-                          <a:prstDash val="solid"/>
-                          <a:round/>
-                          <a:headEnd type="none" w="med" len="med"/>
-                          <a:tailEnd type="none" w="med" len="med"/>
-                        </a:lnT>
-                        <a:lnB w="12700" cap="flat" cmpd="sng" algn="ctr">
-                          <a:solidFill>
-                            <a:schemeClr val="tx1"/>
-                          </a:solidFill>
-                          <a:prstDash val="solid"/>
-                          <a:round/>
-                          <a:headEnd type="none" w="med" len="med"/>
-                          <a:tailEnd type="none" w="med" len="med"/>
-                        </a:lnB>
-                        <a:lnTlToBr w="12700" cmpd="sng">
-                          <a:noFill/>
-                          <a:prstDash val="solid"/>
-                        </a:lnTlToBr>
-                        <a:lnBlToTr w="12700" cmpd="sng">
-                          <a:noFill/>
-                          <a:prstDash val="solid"/>
-                        </a:lnBlToTr>
-                        <a:blipFill>
-                          <a:blip r:embed="rId4"/>
-                          <a:stretch>
-                            <a:fillRect l="-328" t="-109836" r="-100328" b="-24590"/>
-                          </a:stretch>
-                        </a:blipFill>
-                      </a:tcPr>
-                    </a:tc>
-                    <a:tc>
-                      <a:txBody>
-                        <a:bodyPr/>
-                        <a:lstStyle/>
-                        <a:p>
-                          <a:pPr algn="ctr"/>
-                          <a:r>
-                            <a:rPr lang="it-IT" dirty="0"/>
-                            <a:t>2.4903</a:t>
-                          </a:r>
-                        </a:p>
-                      </a:txBody>
-                      <a:tcPr anchor="ctr">
-                        <a:lnL w="12700" cap="flat" cmpd="sng" algn="ctr">
-                          <a:solidFill>
-                            <a:schemeClr val="tx1"/>
-                          </a:solidFill>
-                          <a:prstDash val="solid"/>
-                          <a:round/>
-                          <a:headEnd type="none" w="med" len="med"/>
-                          <a:tailEnd type="none" w="med" len="med"/>
-                        </a:lnL>
-                        <a:lnR w="12700" cap="flat" cmpd="sng" algn="ctr">
-                          <a:solidFill>
-                            <a:schemeClr val="tx1"/>
-                          </a:solidFill>
-                          <a:prstDash val="solid"/>
-                          <a:round/>
-                          <a:headEnd type="none" w="med" len="med"/>
-                          <a:tailEnd type="none" w="med" len="med"/>
-                        </a:lnR>
-                        <a:lnT w="12700" cap="flat" cmpd="sng" algn="ctr">
-                          <a:solidFill>
-                            <a:schemeClr val="tx1"/>
-                          </a:solidFill>
-                          <a:prstDash val="solid"/>
-                          <a:round/>
-                          <a:headEnd type="none" w="med" len="med"/>
-                          <a:tailEnd type="none" w="med" len="med"/>
-                        </a:lnT>
-                        <a:lnB w="12700" cap="flat" cmpd="sng" algn="ctr">
-                          <a:solidFill>
-                            <a:schemeClr val="tx1"/>
-                          </a:solidFill>
-                          <a:prstDash val="solid"/>
-                          <a:round/>
-                          <a:headEnd type="none" w="med" len="med"/>
-                          <a:tailEnd type="none" w="med" len="med"/>
-                        </a:lnB>
-                        <a:lnTlToBr w="12700" cmpd="sng">
-                          <a:noFill/>
-                          <a:prstDash val="solid"/>
-                        </a:lnTlToBr>
-                        <a:lnBlToTr w="12700" cmpd="sng">
-                          <a:noFill/>
-                          <a:prstDash val="solid"/>
-                        </a:lnBlToTr>
-                        <a:noFill/>
-                      </a:tcPr>
-                    </a:tc>
-                    <a:extLst>
-                      <a:ext uri="{0D108BD9-81ED-4DB2-BD59-A6C34878D82A}">
-                        <a16:rowId xmlns:a16="http://schemas.microsoft.com/office/drawing/2014/main" val="4080037996"/>
-                      </a:ext>
-                    </a:extLst>
-                  </a:tr>
-                </a:tbl>
-              </a:graphicData>
-            </a:graphic>
-          </p:graphicFrame>
-        </mc:Fallback>
-      </mc:AlternateContent>
     </p:spTree>
     <p:extLst>
       <p:ext uri="{BB962C8B-B14F-4D97-AF65-F5344CB8AC3E}">
@@ -7042,7 +7865,7 @@
           <p:cNvPr id="2" name="Titolo 1">
             <a:extLst>
               <a:ext uri="{FF2B5EF4-FFF2-40B4-BE49-F238E27FC236}">
-                <a16:creationId xmlns:a16="http://schemas.microsoft.com/office/drawing/2014/main" id="{66E21663-6669-3781-925B-1277320A0FCC}"/>
+                <a16:creationId xmlns:a16="http://schemas.microsoft.com/office/drawing/2014/main" id="{3107B988-3C93-D31E-A057-91AEB82F66BA}"/>
               </a:ext>
             </a:extLst>
           </p:cNvPr>
@@ -7060,17 +7883,17 @@
           <a:p>
             <a:r>
               <a:rPr lang="it-IT" dirty="0"/>
-              <a:t>Alternativa 3: Strategia Tangente</a:t>
-            </a:r>
-          </a:p>
-        </p:txBody>
-      </p:sp>
-      <p:sp>
-        <p:nvSpPr>
-          <p:cNvPr id="6" name="Segnaposto contenuto 5">
+              <a:t>Alternativa 2: Strategia Secante</a:t>
+            </a:r>
+          </a:p>
+        </p:txBody>
+      </p:sp>
+      <p:sp>
+        <p:nvSpPr>
+          <p:cNvPr id="7" name="Segnaposto contenuto 6">
             <a:extLst>
               <a:ext uri="{FF2B5EF4-FFF2-40B4-BE49-F238E27FC236}">
-                <a16:creationId xmlns:a16="http://schemas.microsoft.com/office/drawing/2014/main" id="{257EB455-D2B0-6371-18EA-3247101B071F}"/>
+                <a16:creationId xmlns:a16="http://schemas.microsoft.com/office/drawing/2014/main" id="{6A7A1492-E05A-9A8F-2F51-E9FE17A80A66}"/>
               </a:ext>
             </a:extLst>
           </p:cNvPr>
@@ -7078,24 +7901,70 @@
             <a:spLocks noGrp="1"/>
           </p:cNvSpPr>
           <p:nvPr>
-            <p:ph sz="half" idx="1"/>
+            <p:ph idx="1"/>
           </p:nvPr>
         </p:nvSpPr>
         <p:spPr/>
         <p:txBody>
-          <a:bodyPr/>
-          <a:lstStyle/>
-          <a:p>
-            <a:endParaRPr lang="it-IT"/>
-          </a:p>
-        </p:txBody>
-      </p:sp>
-      <p:sp>
-        <p:nvSpPr>
-          <p:cNvPr id="7" name="Segnaposto contenuto 6">
+          <a:bodyPr lIns="360000" tIns="900000" rIns="90000"/>
+          <a:lstStyle/>
+          <a:p>
+            <a:pPr marL="0" indent="0">
+              <a:buNone/>
+            </a:pPr>
+            <a:r>
+              <a:rPr lang="it-IT" sz="2400" b="1" dirty="0"/>
+              <a:t>Step per definire la manovra:</a:t>
+            </a:r>
+            <a:endParaRPr lang="it-IT" sz="2400" dirty="0"/>
+          </a:p>
+          <a:p>
+            <a:pPr marL="457200" indent="-457200">
+              <a:lnSpc>
+                <a:spcPct val="200000"/>
+              </a:lnSpc>
+              <a:buFont typeface="+mj-lt"/>
+              <a:buAutoNum type="arabicParenR"/>
+            </a:pPr>
+            <a:r>
+              <a:rPr lang="it-IT" sz="2000" dirty="0"/>
+              <a:t>Trovare la manovra a due impulsi che minimizzi il costo per passare da orbita iniziale a finale</a:t>
+            </a:r>
+          </a:p>
+          <a:p>
+            <a:pPr marL="457200" indent="-457200">
+              <a:lnSpc>
+                <a:spcPct val="200000"/>
+              </a:lnSpc>
+              <a:buFont typeface="+mj-lt"/>
+              <a:buAutoNum type="arabicParenR"/>
+            </a:pPr>
+            <a:r>
+              <a:rPr lang="it-IT" sz="2000" dirty="0"/>
+              <a:t>Studiare tale manovra e fare delle considerazioni su possibili miglioramenti</a:t>
+            </a:r>
+          </a:p>
+          <a:p>
+            <a:pPr marL="457200" indent="-457200">
+              <a:lnSpc>
+                <a:spcPct val="200000"/>
+              </a:lnSpc>
+              <a:buFont typeface="+mj-lt"/>
+              <a:buAutoNum type="arabicParenR"/>
+            </a:pPr>
+            <a:r>
+              <a:rPr lang="it-IT" sz="2000" dirty="0"/>
+              <a:t>Trovare una nuova manovra migliorativa e confrontarla con la precedente</a:t>
+            </a:r>
+          </a:p>
+        </p:txBody>
+      </p:sp>
+      <p:sp>
+        <p:nvSpPr>
+          <p:cNvPr id="5" name="Segnaposto piè di pagina 4">
             <a:extLst>
               <a:ext uri="{FF2B5EF4-FFF2-40B4-BE49-F238E27FC236}">
-                <a16:creationId xmlns:a16="http://schemas.microsoft.com/office/drawing/2014/main" id="{949E024F-BF3F-C46F-C700-F4D5E93FB0AE}"/>
+                <a16:creationId xmlns:a16="http://schemas.microsoft.com/office/drawing/2014/main" id="{A127A48F-C302-085A-D58E-E51E98E9E64D}"/>
               </a:ext>
             </a:extLst>
           </p:cNvPr>
@@ -7103,7 +7972,7 @@
             <a:spLocks noGrp="1"/>
           </p:cNvSpPr>
           <p:nvPr>
-            <p:ph sz="half" idx="2"/>
+            <p:ph type="ftr" sz="quarter" idx="11"/>
           </p:nvPr>
         </p:nvSpPr>
         <p:spPr/>
@@ -7111,45 +7980,19 @@
           <a:bodyPr/>
           <a:lstStyle/>
           <a:p>
-            <a:endParaRPr lang="it-IT"/>
-          </a:p>
-        </p:txBody>
-      </p:sp>
-      <p:sp>
-        <p:nvSpPr>
-          <p:cNvPr id="4" name="Segnaposto piè di pagina 3">
+            <a:r>
+              <a:rPr lang="it-IT"/>
+              <a:t>Prova finale: Introduzione all’Analisi di Missioni Spaziali</a:t>
+            </a:r>
+          </a:p>
+        </p:txBody>
+      </p:sp>
+      <p:sp>
+        <p:nvSpPr>
+          <p:cNvPr id="6" name="Segnaposto numero diapositiva 5">
             <a:extLst>
               <a:ext uri="{FF2B5EF4-FFF2-40B4-BE49-F238E27FC236}">
-                <a16:creationId xmlns:a16="http://schemas.microsoft.com/office/drawing/2014/main" id="{9715AFC3-2603-C624-17F8-59FAAAB99BEA}"/>
-              </a:ext>
-            </a:extLst>
-          </p:cNvPr>
-          <p:cNvSpPr>
-            <a:spLocks noGrp="1"/>
-          </p:cNvSpPr>
-          <p:nvPr>
-            <p:ph type="ftr" sz="quarter" idx="11"/>
-          </p:nvPr>
-        </p:nvSpPr>
-        <p:spPr/>
-        <p:txBody>
-          <a:bodyPr/>
-          <a:lstStyle/>
-          <a:p>
-            <a:r>
-              <a:rPr lang="it-IT"/>
-              <a:t>Prova finale: Introduzione all’Analisi di Missioni Spaziali</a:t>
-            </a:r>
-            <a:endParaRPr lang="it-IT" dirty="0"/>
-          </a:p>
-        </p:txBody>
-      </p:sp>
-      <p:sp>
-        <p:nvSpPr>
-          <p:cNvPr id="5" name="Segnaposto numero diapositiva 4">
-            <a:extLst>
-              <a:ext uri="{FF2B5EF4-FFF2-40B4-BE49-F238E27FC236}">
-                <a16:creationId xmlns:a16="http://schemas.microsoft.com/office/drawing/2014/main" id="{CFFD40D1-73E0-A552-2525-7C36A7077109}"/>
+                <a16:creationId xmlns:a16="http://schemas.microsoft.com/office/drawing/2014/main" id="{7AC21A3B-986C-FBB4-1EAF-17E7880A1C88}"/>
               </a:ext>
             </a:extLst>
           </p:cNvPr>
@@ -7177,7 +8020,7 @@
     </p:spTree>
     <p:extLst>
       <p:ext uri="{BB962C8B-B14F-4D97-AF65-F5344CB8AC3E}">
-        <p14:creationId xmlns:p14="http://schemas.microsoft.com/office/powerpoint/2010/main" val="3980787955"/>
+        <p14:creationId xmlns:p14="http://schemas.microsoft.com/office/powerpoint/2010/main" val="3560752740"/>
       </p:ext>
     </p:extLst>
   </p:cSld>

--- a/Modelli relazione/Power C13.pptx
+++ b/Modelli relazione/Power C13.pptx
@@ -232,7 +232,7 @@
           <a:p>
             <a:fld id="{96072137-6D2F-4BC6-9464-B977199B0A75}" type="datetimeFigureOut">
               <a:rPr lang="it-IT" smtClean="0"/>
-              <a:t>06/01/2023</a:t>
+              <a:t>07/01/2023</a:t>
             </a:fld>
             <a:endParaRPr lang="it-IT"/>
           </a:p>
@@ -630,7 +630,7 @@
           <a:p>
             <a:fld id="{9B12F068-BFCB-4DDA-AEBA-90D02C5A37A3}" type="datetime1">
               <a:rPr lang="it-IT" smtClean="0"/>
-              <a:t>06/01/2023</a:t>
+              <a:t>07/01/2023</a:t>
             </a:fld>
             <a:endParaRPr lang="it-IT"/>
           </a:p>
@@ -803,7 +803,7 @@
           <a:p>
             <a:fld id="{02BFD265-87CE-4F6D-BA43-37C26ABE1195}" type="datetime1">
               <a:rPr lang="it-IT" smtClean="0"/>
-              <a:t>06/01/2023</a:t>
+              <a:t>07/01/2023</a:t>
             </a:fld>
             <a:endParaRPr lang="it-IT"/>
           </a:p>
@@ -986,7 +986,7 @@
           <a:p>
             <a:fld id="{E82C3DCE-4D3B-4F05-AB82-07C30E5DB354}" type="datetime1">
               <a:rPr lang="it-IT" smtClean="0"/>
-              <a:t>06/01/2023</a:t>
+              <a:t>07/01/2023</a:t>
             </a:fld>
             <a:endParaRPr lang="it-IT"/>
           </a:p>
@@ -1435,7 +1435,7 @@
           <a:p>
             <a:fld id="{175B999D-A14B-4856-B8FD-A3CA79A6E9C9}" type="datetime1">
               <a:rPr lang="it-IT" smtClean="0"/>
-              <a:t>06/01/2023</a:t>
+              <a:t>07/01/2023</a:t>
             </a:fld>
             <a:endParaRPr lang="it-IT"/>
           </a:p>
@@ -2080,7 +2080,7 @@
           <a:p>
             <a:fld id="{3BEBCC6D-DEA7-4845-B5C1-2F629F43089F}" type="datetime1">
               <a:rPr lang="it-IT" smtClean="0"/>
-              <a:t>06/01/2023</a:t>
+              <a:t>07/01/2023</a:t>
             </a:fld>
             <a:endParaRPr lang="it-IT"/>
           </a:p>
@@ -2201,7 +2201,7 @@
           <a:p>
             <a:fld id="{80E9647C-8E0E-4638-B322-656011D8EC8C}" type="datetime1">
               <a:rPr lang="it-IT" smtClean="0"/>
-              <a:t>06/01/2023</a:t>
+              <a:t>07/01/2023</a:t>
             </a:fld>
             <a:endParaRPr lang="it-IT"/>
           </a:p>
@@ -2299,7 +2299,7 @@
           <a:p>
             <a:fld id="{28B311E9-D6AA-42C7-8F1E-D96B58708839}" type="datetime1">
               <a:rPr lang="it-IT" smtClean="0"/>
-              <a:t>06/01/2023</a:t>
+              <a:t>07/01/2023</a:t>
             </a:fld>
             <a:endParaRPr lang="it-IT"/>
           </a:p>
@@ -2579,7 +2579,7 @@
           <a:p>
             <a:fld id="{4AAB4675-AFE9-4872-A497-2CBF8C6F87D5}" type="datetime1">
               <a:rPr lang="it-IT" smtClean="0"/>
-              <a:t>06/01/2023</a:t>
+              <a:t>07/01/2023</a:t>
             </a:fld>
             <a:endParaRPr lang="it-IT"/>
           </a:p>
@@ -2839,7 +2839,7 @@
           <a:p>
             <a:fld id="{0C57332B-46D7-4397-B5F9-BE6A4C2E02A4}" type="datetime1">
               <a:rPr lang="it-IT" smtClean="0"/>
-              <a:t>06/01/2023</a:t>
+              <a:t>07/01/2023</a:t>
             </a:fld>
             <a:endParaRPr lang="it-IT"/>
           </a:p>
@@ -2907,9 +2907,18 @@
 <p:sldMaster xmlns:a="http://schemas.openxmlformats.org/drawingml/2006/main" xmlns:r="http://schemas.openxmlformats.org/officeDocument/2006/relationships" xmlns:p="http://schemas.openxmlformats.org/presentationml/2006/main">
   <p:cSld>
     <p:bg>
-      <p:bgRef idx="1001">
-        <a:schemeClr val="bg1"/>
-      </p:bgRef>
+      <p:bgPr>
+        <a:blipFill dpi="0" rotWithShape="1">
+          <a:blip r:embed="rId13">
+            <a:lum/>
+          </a:blip>
+          <a:srcRect/>
+          <a:stretch>
+            <a:fillRect/>
+          </a:stretch>
+        </a:blipFill>
+        <a:effectLst/>
+      </p:bgPr>
     </p:bg>
     <p:spTree>
       <p:nvGrpSpPr>
@@ -3055,7 +3064,7 @@
           <a:p>
             <a:fld id="{F181B815-9B49-4B3A-83E0-4A0231C106D3}" type="datetime1">
               <a:rPr lang="it-IT" smtClean="0"/>
-              <a:t>06/01/2023</a:t>
+              <a:t>07/01/2023</a:t>
             </a:fld>
             <a:endParaRPr lang="it-IT"/>
           </a:p>
@@ -3450,14 +3459,6 @@
 <file path=ppt/slides/slide1.xml><?xml version="1.0" encoding="utf-8"?>
 <p:sld xmlns:a="http://schemas.openxmlformats.org/drawingml/2006/main" xmlns:r="http://schemas.openxmlformats.org/officeDocument/2006/relationships" xmlns:p="http://schemas.openxmlformats.org/presentationml/2006/main">
   <p:cSld>
-    <p:bg>
-      <p:bgPr>
-        <a:solidFill>
-          <a:schemeClr val="bg1"/>
-        </a:solidFill>
-        <a:effectLst/>
-      </p:bgPr>
-    </p:bg>
     <p:spTree>
       <p:nvGrpSpPr>
         <p:cNvPr id="1" name=""/>
@@ -3618,8 +3619,8 @@
           </a:p>
         </p:txBody>
       </p:sp>
-      <mc:AlternateContent xmlns:mc="http://schemas.openxmlformats.org/markup-compatibility/2006">
-        <mc:Choice xmlns:a14="http://schemas.microsoft.com/office/drawing/2010/main" Requires="a14">
+      <mc:AlternateContent xmlns:mc="http://schemas.openxmlformats.org/markup-compatibility/2006" xmlns:a14="http://schemas.microsoft.com/office/drawing/2010/main">
+        <mc:Choice Requires="a14">
           <p:sp>
             <p:nvSpPr>
               <p:cNvPr id="3" name="Segnaposto contenuto 2">
@@ -3748,7 +3749,7 @@
             </p:txBody>
           </p:sp>
         </mc:Choice>
-        <mc:Fallback>
+        <mc:Fallback xmlns="">
           <p:sp>
             <p:nvSpPr>
               <p:cNvPr id="3" name="Segnaposto contenuto 2">
@@ -3882,8 +3883,8 @@
           </a:xfrm>
         </p:spPr>
       </p:pic>
-      <mc:AlternateContent xmlns:mc="http://schemas.openxmlformats.org/markup-compatibility/2006">
-        <mc:Choice xmlns:a14="http://schemas.microsoft.com/office/drawing/2010/main" Requires="a14">
+      <mc:AlternateContent xmlns:mc="http://schemas.openxmlformats.org/markup-compatibility/2006" xmlns:a14="http://schemas.microsoft.com/office/drawing/2010/main">
+        <mc:Choice Requires="a14">
           <p:sp>
             <p:nvSpPr>
               <p:cNvPr id="17" name="CasellaDiTesto 16">
@@ -3932,7 +3933,7 @@
             </p:txBody>
           </p:sp>
         </mc:Choice>
-        <mc:Fallback>
+        <mc:Fallback xmlns="">
           <p:sp>
             <p:nvSpPr>
               <p:cNvPr id="17" name="CasellaDiTesto 16">
@@ -4229,7 +4230,7 @@
         </p:blipFill>
         <p:spPr>
           <a:xfrm>
-            <a:off x="6167202" y="1006331"/>
+            <a:off x="6172202" y="1006331"/>
             <a:ext cx="5181600" cy="5236321"/>
           </a:xfrm>
         </p:spPr>
@@ -4297,8 +4298,8 @@
           </a:p>
         </p:txBody>
       </p:sp>
-      <mc:AlternateContent xmlns:mc="http://schemas.openxmlformats.org/markup-compatibility/2006">
-        <mc:Choice xmlns:a14="http://schemas.microsoft.com/office/drawing/2010/main" Requires="a14">
+      <mc:AlternateContent xmlns:mc="http://schemas.openxmlformats.org/markup-compatibility/2006" xmlns:a14="http://schemas.microsoft.com/office/drawing/2010/main">
+        <mc:Choice Requires="a14">
           <p:sp>
             <p:nvSpPr>
               <p:cNvPr id="6" name="Segnaposto contenuto 5">
@@ -4749,7 +4750,7 @@
             </p:txBody>
           </p:sp>
         </mc:Choice>
-        <mc:Fallback>
+        <mc:Fallback xmlns="">
           <p:sp>
             <p:nvSpPr>
               <p:cNvPr id="6" name="Segnaposto contenuto 5">
@@ -4819,7 +4820,7 @@
         </p:blipFill>
         <p:spPr>
           <a:xfrm>
-            <a:off x="6172202" y="890791"/>
+            <a:off x="6172202" y="1100546"/>
             <a:ext cx="5341664" cy="5076417"/>
           </a:xfrm>
         </p:spPr>
@@ -7498,8 +7499,8 @@
           </a:p>
         </p:txBody>
       </p:sp>
-      <mc:AlternateContent xmlns:mc="http://schemas.openxmlformats.org/markup-compatibility/2006">
-        <mc:Choice xmlns:a14="http://schemas.microsoft.com/office/drawing/2010/main" Requires="a14">
+      <mc:AlternateContent xmlns:mc="http://schemas.openxmlformats.org/markup-compatibility/2006" xmlns:a14="http://schemas.microsoft.com/office/drawing/2010/main">
+        <mc:Choice Requires="a14">
           <p:sp>
             <p:nvSpPr>
               <p:cNvPr id="6" name="Segnaposto contenuto 5">
@@ -7696,7 +7697,7 @@
             </p:txBody>
           </p:sp>
         </mc:Choice>
-        <mc:Fallback>
+        <mc:Fallback xmlns="">
           <p:sp>
             <p:nvSpPr>
               <p:cNvPr id="6" name="Segnaposto contenuto 5">

--- a/Modelli relazione/Power C13.pptx
+++ b/Modelli relazione/Power C13.pptx
@@ -151,7 +151,7 @@
 <file path=ppt/revisionInfo.xml><?xml version="1.0" encoding="utf-8"?>
 <p1510:revInfo xmlns:a="http://schemas.openxmlformats.org/drawingml/2006/main" xmlns:r="http://schemas.openxmlformats.org/officeDocument/2006/relationships" xmlns:p1510="http://schemas.microsoft.com/office/powerpoint/2015/10/main">
   <p1510:revLst>
-    <p1510:client id="{672B7490-0EAF-4E0C-92B9-0750DE353F5F}" v="540" dt="2023-01-06T00:14:31.458"/>
+    <p1510:client id="{672B7490-0EAF-4E0C-92B9-0750DE353F5F}" v="542" dt="2023-01-07T13:42:38.504"/>
   </p1510:revLst>
 </p1510:revInfo>
 </file>
@@ -161,7 +161,7 @@
   <pc:docChgLst>
     <pc:chgData name="Silvia Pala" userId="f0133cc1-7ddc-4617-95f3-a1b241401a99" providerId="ADAL" clId="{672B7490-0EAF-4E0C-92B9-0750DE353F5F}"/>
     <pc:docChg chg="undo redo custSel addSld delSld modSld modSection">
-      <pc:chgData name="Silvia Pala" userId="f0133cc1-7ddc-4617-95f3-a1b241401a99" providerId="ADAL" clId="{672B7490-0EAF-4E0C-92B9-0750DE353F5F}" dt="2023-01-06T00:15:27.842" v="1233" actId="14100"/>
+      <pc:chgData name="Silvia Pala" userId="f0133cc1-7ddc-4617-95f3-a1b241401a99" providerId="ADAL" clId="{672B7490-0EAF-4E0C-92B9-0750DE353F5F}" dt="2023-01-07T13:42:38.238" v="1245" actId="20577"/>
       <pc:docMkLst>
         <pc:docMk/>
       </pc:docMkLst>
@@ -283,7 +283,7 @@
         </pc:picChg>
       </pc:sldChg>
       <pc:sldChg chg="addSp delSp modSp mod setBg">
-        <pc:chgData name="Silvia Pala" userId="f0133cc1-7ddc-4617-95f3-a1b241401a99" providerId="ADAL" clId="{672B7490-0EAF-4E0C-92B9-0750DE353F5F}" dt="2023-01-05T20:32:09.395" v="307" actId="113"/>
+        <pc:chgData name="Silvia Pala" userId="f0133cc1-7ddc-4617-95f3-a1b241401a99" providerId="ADAL" clId="{672B7490-0EAF-4E0C-92B9-0750DE353F5F}" dt="2023-01-07T13:42:20.395" v="1237" actId="20577"/>
         <pc:sldMkLst>
           <pc:docMk/>
           <pc:sldMk cId="2387966906" sldId="261"/>
@@ -297,7 +297,7 @@
           </ac:spMkLst>
         </pc:spChg>
         <pc:spChg chg="mod">
-          <ac:chgData name="Silvia Pala" userId="f0133cc1-7ddc-4617-95f3-a1b241401a99" providerId="ADAL" clId="{672B7490-0EAF-4E0C-92B9-0750DE353F5F}" dt="2023-01-05T20:32:09.395" v="307" actId="113"/>
+          <ac:chgData name="Silvia Pala" userId="f0133cc1-7ddc-4617-95f3-a1b241401a99" providerId="ADAL" clId="{672B7490-0EAF-4E0C-92B9-0750DE353F5F}" dt="2023-01-07T13:42:20.395" v="1237" actId="20577"/>
           <ac:spMkLst>
             <pc:docMk/>
             <pc:sldMk cId="2387966906" sldId="261"/>
@@ -376,8 +376,8 @@
             <ac:grpSpMk id="21" creationId="{71669B06-C46A-44F5-8C95-4AA9C87956A9}"/>
           </ac:grpSpMkLst>
         </pc:grpChg>
-        <pc:graphicFrameChg chg="add mod modGraphic">
-          <ac:chgData name="Silvia Pala" userId="f0133cc1-7ddc-4617-95f3-a1b241401a99" providerId="ADAL" clId="{672B7490-0EAF-4E0C-92B9-0750DE353F5F}" dt="2023-01-04T23:39:14.986" v="144" actId="14100"/>
+        <pc:graphicFrameChg chg="add del mod modGraphic">
+          <ac:chgData name="Silvia Pala" userId="f0133cc1-7ddc-4617-95f3-a1b241401a99" providerId="ADAL" clId="{672B7490-0EAF-4E0C-92B9-0750DE353F5F}" dt="2023-01-07T13:42:15.393" v="1234" actId="478"/>
           <ac:graphicFrameMkLst>
             <pc:docMk/>
             <pc:sldMk cId="2387966906" sldId="261"/>
@@ -489,13 +489,13 @@
         </pc:graphicFrameChg>
       </pc:sldChg>
       <pc:sldChg chg="addSp delSp modSp mod">
-        <pc:chgData name="Silvia Pala" userId="f0133cc1-7ddc-4617-95f3-a1b241401a99" providerId="ADAL" clId="{672B7490-0EAF-4E0C-92B9-0750DE353F5F}" dt="2023-01-05T21:05:24.538" v="480" actId="20577"/>
+        <pc:chgData name="Silvia Pala" userId="f0133cc1-7ddc-4617-95f3-a1b241401a99" providerId="ADAL" clId="{672B7490-0EAF-4E0C-92B9-0750DE353F5F}" dt="2023-01-07T13:42:38.238" v="1245" actId="20577"/>
         <pc:sldMkLst>
           <pc:docMk/>
           <pc:sldMk cId="616837162" sldId="263"/>
         </pc:sldMkLst>
         <pc:spChg chg="mod">
-          <ac:chgData name="Silvia Pala" userId="f0133cc1-7ddc-4617-95f3-a1b241401a99" providerId="ADAL" clId="{672B7490-0EAF-4E0C-92B9-0750DE353F5F}" dt="2023-01-05T21:05:24.538" v="480" actId="20577"/>
+          <ac:chgData name="Silvia Pala" userId="f0133cc1-7ddc-4617-95f3-a1b241401a99" providerId="ADAL" clId="{672B7490-0EAF-4E0C-92B9-0750DE353F5F}" dt="2023-01-07T13:42:38.238" v="1245" actId="20577"/>
           <ac:spMkLst>
             <pc:docMk/>
             <pc:sldMk cId="616837162" sldId="263"/>
@@ -1029,6 +1029,11 @@
               </a:ln>
               <a:effectLst/>
             </c:spPr>
+            <c:extLst>
+              <c:ext xmlns:c16="http://schemas.microsoft.com/office/drawing/2014/chart" uri="{C3380CC4-5D6E-409C-BE32-E72D297353CC}">
+                <c16:uniqueId val="{00000003-458B-4EBA-A7B4-0A4176E3B9BE}"/>
+              </c:ext>
+            </c:extLst>
           </c:dPt>
           <c:dPt>
             <c:idx val="3"/>
@@ -3075,7 +3080,7 @@
           <a:p>
             <a:fld id="{96072137-6D2F-4BC6-9464-B977199B0A75}" type="datetimeFigureOut">
               <a:rPr lang="it-IT" smtClean="0"/>
-              <a:t>05/01/2023</a:t>
+              <a:t>07/01/2023</a:t>
             </a:fld>
             <a:endParaRPr lang="it-IT"/>
           </a:p>
@@ -3473,7 +3478,7 @@
           <a:p>
             <a:fld id="{9B12F068-BFCB-4DDA-AEBA-90D02C5A37A3}" type="datetime1">
               <a:rPr lang="it-IT" smtClean="0"/>
-              <a:t>05/01/2023</a:t>
+              <a:t>07/01/2023</a:t>
             </a:fld>
             <a:endParaRPr lang="it-IT"/>
           </a:p>
@@ -3646,7 +3651,7 @@
           <a:p>
             <a:fld id="{02BFD265-87CE-4F6D-BA43-37C26ABE1195}" type="datetime1">
               <a:rPr lang="it-IT" smtClean="0"/>
-              <a:t>05/01/2023</a:t>
+              <a:t>07/01/2023</a:t>
             </a:fld>
             <a:endParaRPr lang="it-IT"/>
           </a:p>
@@ -3829,7 +3834,7 @@
           <a:p>
             <a:fld id="{E82C3DCE-4D3B-4F05-AB82-07C30E5DB354}" type="datetime1">
               <a:rPr lang="it-IT" smtClean="0"/>
-              <a:t>05/01/2023</a:t>
+              <a:t>07/01/2023</a:t>
             </a:fld>
             <a:endParaRPr lang="it-IT"/>
           </a:p>
@@ -4278,7 +4283,7 @@
           <a:p>
             <a:fld id="{175B999D-A14B-4856-B8FD-A3CA79A6E9C9}" type="datetime1">
               <a:rPr lang="it-IT" smtClean="0"/>
-              <a:t>05/01/2023</a:t>
+              <a:t>07/01/2023</a:t>
             </a:fld>
             <a:endParaRPr lang="it-IT"/>
           </a:p>
@@ -4923,7 +4928,7 @@
           <a:p>
             <a:fld id="{3BEBCC6D-DEA7-4845-B5C1-2F629F43089F}" type="datetime1">
               <a:rPr lang="it-IT" smtClean="0"/>
-              <a:t>05/01/2023</a:t>
+              <a:t>07/01/2023</a:t>
             </a:fld>
             <a:endParaRPr lang="it-IT"/>
           </a:p>
@@ -5044,7 +5049,7 @@
           <a:p>
             <a:fld id="{80E9647C-8E0E-4638-B322-656011D8EC8C}" type="datetime1">
               <a:rPr lang="it-IT" smtClean="0"/>
-              <a:t>05/01/2023</a:t>
+              <a:t>07/01/2023</a:t>
             </a:fld>
             <a:endParaRPr lang="it-IT"/>
           </a:p>
@@ -5142,7 +5147,7 @@
           <a:p>
             <a:fld id="{28B311E9-D6AA-42C7-8F1E-D96B58708839}" type="datetime1">
               <a:rPr lang="it-IT" smtClean="0"/>
-              <a:t>05/01/2023</a:t>
+              <a:t>07/01/2023</a:t>
             </a:fld>
             <a:endParaRPr lang="it-IT"/>
           </a:p>
@@ -5422,7 +5427,7 @@
           <a:p>
             <a:fld id="{4AAB4675-AFE9-4872-A497-2CBF8C6F87D5}" type="datetime1">
               <a:rPr lang="it-IT" smtClean="0"/>
-              <a:t>05/01/2023</a:t>
+              <a:t>07/01/2023</a:t>
             </a:fld>
             <a:endParaRPr lang="it-IT"/>
           </a:p>
@@ -5682,7 +5687,7 @@
           <a:p>
             <a:fld id="{0C57332B-46D7-4397-B5F9-BE6A4C2E02A4}" type="datetime1">
               <a:rPr lang="it-IT" smtClean="0"/>
-              <a:t>05/01/2023</a:t>
+              <a:t>07/01/2023</a:t>
             </a:fld>
             <a:endParaRPr lang="it-IT"/>
           </a:p>
@@ -5898,7 +5903,7 @@
           <a:p>
             <a:fld id="{F181B815-9B49-4B3A-83E0-4A0231C106D3}" type="datetime1">
               <a:rPr lang="it-IT" smtClean="0"/>
-              <a:t>05/01/2023</a:t>
+              <a:t>07/01/2023</a:t>
             </a:fld>
             <a:endParaRPr lang="it-IT"/>
           </a:p>
@@ -6681,8 +6686,8 @@
           </a:p>
         </p:txBody>
       </p:sp>
-      <mc:AlternateContent xmlns:mc="http://schemas.openxmlformats.org/markup-compatibility/2006" xmlns:a14="http://schemas.microsoft.com/office/drawing/2010/main">
-        <mc:Choice Requires="a14">
+      <mc:AlternateContent xmlns:mc="http://schemas.openxmlformats.org/markup-compatibility/2006">
+        <mc:Choice xmlns:a14="http://schemas.microsoft.com/office/drawing/2010/main" Requires="a14">
           <p:sp>
             <p:nvSpPr>
               <p:cNvPr id="6" name="Segnaposto contenuto 5">
@@ -6702,7 +6707,7 @@
             <p:spPr/>
             <p:txBody>
               <a:bodyPr>
-                <a:normAutofit fontScale="92500" lnSpcReduction="10000"/>
+                <a:normAutofit lnSpcReduction="10000"/>
               </a:bodyPr>
               <a:lstStyle/>
               <a:p>
@@ -7321,6 +7326,37 @@
                   <a:tabLst/>
                   <a:defRPr/>
                 </a:pPr>
+                <a:endParaRPr kumimoji="0" lang="it-IT" sz="1800" b="0" i="0" u="none" strike="noStrike" kern="1200" cap="none" spc="0" normalizeH="0" baseline="0" noProof="0" dirty="0">
+                  <a:ln>
+                    <a:noFill/>
+                  </a:ln>
+                  <a:solidFill>
+                    <a:prstClr val="black"/>
+                  </a:solidFill>
+                  <a:effectLst/>
+                  <a:uLnTx/>
+                  <a:uFillTx/>
+                  <a:ea typeface="Times New Roman" panose="02020603050405020304" pitchFamily="18" charset="0"/>
+                </a:endParaRPr>
+              </a:p>
+              <a:p>
+                <a:pPr marL="0" marR="0" lvl="0" indent="0" algn="l" defTabSz="914400" rtl="0" eaLnBrk="1" fontAlgn="auto" latinLnBrk="0" hangingPunct="1">
+                  <a:lnSpc>
+                    <a:spcPct val="100000"/>
+                  </a:lnSpc>
+                  <a:spcBef>
+                    <a:spcPts val="0"/>
+                  </a:spcBef>
+                  <a:spcAft>
+                    <a:spcPts val="0"/>
+                  </a:spcAft>
+                  <a:buClrTx/>
+                  <a:buSzTx/>
+                  <a:buFontTx/>
+                  <a:buNone/>
+                  <a:tabLst/>
+                  <a:defRPr/>
+                </a:pPr>
                 <a14:m>
                   <m:oMath xmlns:m="http://schemas.openxmlformats.org/officeDocument/2006/math">
                     <m:sSub>
@@ -7823,26 +7859,12 @@
                 <a:pPr marL="0" indent="0">
                   <a:buNone/>
                 </a:pPr>
-                <a:r>
-                  <a:rPr lang="it-IT" sz="1900" dirty="0">
-                    <a:solidFill>
-                      <a:prstClr val="black"/>
-                    </a:solidFill>
-                    <a:ea typeface="Times New Roman" panose="02020603050405020304" pitchFamily="18" charset="0"/>
-                  </a:rPr>
-                  <a:t>Non presenta vantaggi rispetto alla strategia standard</a:t>
-                </a:r>
-              </a:p>
-              <a:p>
-                <a:pPr marL="0" indent="0">
-                  <a:buNone/>
-                </a:pPr>
                 <a:endParaRPr lang="it-IT" dirty="0"/>
               </a:p>
             </p:txBody>
           </p:sp>
         </mc:Choice>
-        <mc:Fallback xmlns="">
+        <mc:Fallback>
           <p:sp>
             <p:nvSpPr>
               <p:cNvPr id="6" name="Segnaposto contenuto 5">
@@ -7863,7 +7885,7 @@
               <a:blipFill>
                 <a:blip r:embed="rId2"/>
                 <a:stretch>
-                  <a:fillRect l="-1059" t="-875" r="-588"/>
+                  <a:fillRect l="-1059" t="-1125"/>
                 </a:stretch>
               </a:blipFill>
             </p:spPr>
@@ -11183,8 +11205,8 @@
           </a:p>
         </p:txBody>
       </p:sp>
-      <mc:AlternateContent xmlns:mc="http://schemas.openxmlformats.org/markup-compatibility/2006" xmlns:a14="http://schemas.microsoft.com/office/drawing/2010/main">
-        <mc:Choice Requires="a14">
+      <mc:AlternateContent xmlns:mc="http://schemas.openxmlformats.org/markup-compatibility/2006">
+        <mc:Choice xmlns:a14="http://schemas.microsoft.com/office/drawing/2010/main" Requires="a14">
           <p:sp>
             <p:nvSpPr>
               <p:cNvPr id="3" name="Segnaposto contenuto 2">
@@ -11440,6 +11462,12 @@
                   </a:rPr>
                   <a:t>Cambio di Anomalia del Pericentro</a:t>
                 </a:r>
+              </a:p>
+              <a:p>
+                <a:pPr marL="0" indent="0">
+                  <a:buNone/>
+                </a:pPr>
+                <a:endParaRPr lang="it-IT" dirty="0"/>
               </a:p>
               <a:p>
                 <a:pPr marL="0" indent="0">
@@ -11945,7 +11973,7 @@
             </p:txBody>
           </p:sp>
         </mc:Choice>
-        <mc:Fallback xmlns="">
+        <mc:Fallback>
           <p:sp>
             <p:nvSpPr>
               <p:cNvPr id="3" name="Segnaposto contenuto 2">
@@ -12078,492 +12106,6 @@
           </a:xfrm>
         </p:spPr>
       </p:pic>
-      <mc:AlternateContent xmlns:mc="http://schemas.openxmlformats.org/markup-compatibility/2006" xmlns:a14="http://schemas.microsoft.com/office/drawing/2010/main">
-        <mc:Choice Requires="a14">
-          <p:graphicFrame>
-            <p:nvGraphicFramePr>
-              <p:cNvPr id="16" name="Tabella 17">
-                <a:extLst>
-                  <a:ext uri="{FF2B5EF4-FFF2-40B4-BE49-F238E27FC236}">
-                    <a16:creationId xmlns:a16="http://schemas.microsoft.com/office/drawing/2014/main" id="{33EA0994-25CE-D336-0A47-FD0D9164B895}"/>
-                  </a:ext>
-                </a:extLst>
-              </p:cNvPr>
-              <p:cNvGraphicFramePr>
-                <a:graphicFrameLocks noGrp="1"/>
-              </p:cNvGraphicFramePr>
-              <p:nvPr>
-                <p:extLst>
-                  <p:ext uri="{D42A27DB-BD31-4B8C-83A1-F6EECF244321}">
-                    <p14:modId xmlns:p14="http://schemas.microsoft.com/office/powerpoint/2010/main" val="4182618125"/>
-                  </p:ext>
-                </p:extLst>
-              </p:nvPr>
-            </p:nvGraphicFramePr>
-            <p:xfrm>
-              <a:off x="937488" y="4825581"/>
-              <a:ext cx="3158652" cy="731520"/>
-            </p:xfrm>
-            <a:graphic>
-              <a:graphicData uri="http://schemas.openxmlformats.org/drawingml/2006/table">
-                <a:tbl>
-                  <a:tblPr firstRow="1" bandRow="1">
-                    <a:tableStyleId>{5940675A-B579-460E-94D1-54222C63F5DA}</a:tableStyleId>
-                  </a:tblPr>
-                  <a:tblGrid>
-                    <a:gridCol w="1579326">
-                      <a:extLst>
-                        <a:ext uri="{9D8B030D-6E8A-4147-A177-3AD203B41FA5}">
-                          <a16:colId xmlns:a16="http://schemas.microsoft.com/office/drawing/2014/main" val="2788217809"/>
-                        </a:ext>
-                      </a:extLst>
-                    </a:gridCol>
-                    <a:gridCol w="1579326">
-                      <a:extLst>
-                        <a:ext uri="{9D8B030D-6E8A-4147-A177-3AD203B41FA5}">
-                          <a16:colId xmlns:a16="http://schemas.microsoft.com/office/drawing/2014/main" val="1938660704"/>
-                        </a:ext>
-                      </a:extLst>
-                    </a:gridCol>
-                  </a:tblGrid>
-                  <a:tr h="273281">
-                    <a:tc>
-                      <a:txBody>
-                        <a:bodyPr/>
-                        <a:lstStyle/>
-                        <a:p>
-                          <a:pPr marL="0" marR="0" lvl="0" indent="0" algn="ctr" defTabSz="914400" eaLnBrk="1" fontAlgn="auto" latinLnBrk="0" hangingPunct="1">
-                            <a:lnSpc>
-                              <a:spcPct val="100000"/>
-                            </a:lnSpc>
-                            <a:spcBef>
-                              <a:spcPts val="0"/>
-                            </a:spcBef>
-                            <a:spcAft>
-                              <a:spcPts val="0"/>
-                            </a:spcAft>
-                            <a:buClrTx/>
-                            <a:buSzTx/>
-                            <a:buFontTx/>
-                            <a:buNone/>
-                            <a:tabLst/>
-                            <a:defRPr/>
-                          </a:pPr>
-                          <a14:m>
-                            <m:oMathPara xmlns:m="http://schemas.openxmlformats.org/officeDocument/2006/math">
-                              <m:oMathParaPr>
-                                <m:jc m:val="centerGroup"/>
-                              </m:oMathParaPr>
-                              <m:oMath xmlns:m="http://schemas.openxmlformats.org/officeDocument/2006/math">
-                                <m:r>
-                                  <m:rPr>
-                                    <m:sty m:val="p"/>
-                                  </m:rPr>
-                                  <a:rPr lang="en-GB" sz="1800" smtClean="0">
-                                    <a:effectLst/>
-                                    <a:latin typeface="Cambria Math" panose="02040503050406030204" pitchFamily="18" charset="0"/>
-                                  </a:rPr>
-                                  <m:t>Δ</m:t>
-                                </m:r>
-                                <m:r>
-                                  <a:rPr lang="en-GB" sz="1800" smtClean="0">
-                                    <a:effectLst/>
-                                    <a:latin typeface="Cambria Math" panose="02040503050406030204" pitchFamily="18" charset="0"/>
-                                  </a:rPr>
-                                  <m:t>𝑣</m:t>
-                                </m:r>
-                                <m:r>
-                                  <a:rPr lang="en-GB" sz="1800" smtClean="0">
-                                    <a:effectLst/>
-                                    <a:latin typeface="Cambria Math" panose="02040503050406030204" pitchFamily="18" charset="0"/>
-                                  </a:rPr>
-                                  <m:t> [</m:t>
-                                </m:r>
-                                <m:r>
-                                  <a:rPr lang="en-GB" sz="1800" smtClean="0">
-                                    <a:effectLst/>
-                                    <a:latin typeface="Cambria Math" panose="02040503050406030204" pitchFamily="18" charset="0"/>
-                                  </a:rPr>
-                                  <m:t>𝑘𝑚</m:t>
-                                </m:r>
-                                <m:r>
-                                  <a:rPr lang="en-GB" sz="1800" smtClean="0">
-                                    <a:effectLst/>
-                                    <a:latin typeface="Cambria Math" panose="02040503050406030204" pitchFamily="18" charset="0"/>
-                                  </a:rPr>
-                                  <m:t>/</m:t>
-                                </m:r>
-                                <m:r>
-                                  <a:rPr lang="en-GB" sz="1800" smtClean="0">
-                                    <a:effectLst/>
-                                    <a:latin typeface="Cambria Math" panose="02040503050406030204" pitchFamily="18" charset="0"/>
-                                  </a:rPr>
-                                  <m:t>𝑠</m:t>
-                                </m:r>
-                                <m:r>
-                                  <a:rPr lang="en-GB" sz="1800" smtClean="0">
-                                    <a:effectLst/>
-                                    <a:latin typeface="Cambria Math" panose="02040503050406030204" pitchFamily="18" charset="0"/>
-                                  </a:rPr>
-                                  <m:t>]</m:t>
-                                </m:r>
-                              </m:oMath>
-                            </m:oMathPara>
-                          </a14:m>
-                          <a:endParaRPr lang="it-IT" sz="1800" dirty="0">
-                            <a:effectLst/>
-                            <a:latin typeface="Times New Roman" panose="02020603050405020304" pitchFamily="18" charset="0"/>
-                            <a:ea typeface="Times New Roman" panose="02020603050405020304" pitchFamily="18" charset="0"/>
-                          </a:endParaRPr>
-                        </a:p>
-                      </a:txBody>
-                      <a:tcPr/>
-                    </a:tc>
-                    <a:tc>
-                      <a:txBody>
-                        <a:bodyPr/>
-                        <a:lstStyle/>
-                        <a:p>
-                          <a:pPr marL="0" marR="0" lvl="0" indent="0" algn="ctr" defTabSz="914400" eaLnBrk="1" fontAlgn="auto" latinLnBrk="0" hangingPunct="1">
-                            <a:lnSpc>
-                              <a:spcPct val="100000"/>
-                            </a:lnSpc>
-                            <a:spcBef>
-                              <a:spcPts val="0"/>
-                            </a:spcBef>
-                            <a:spcAft>
-                              <a:spcPts val="0"/>
-                            </a:spcAft>
-                            <a:buClrTx/>
-                            <a:buSzTx/>
-                            <a:buFontTx/>
-                            <a:buNone/>
-                            <a:tabLst/>
-                            <a:defRPr/>
-                          </a:pPr>
-                          <a:r>
-                            <a:rPr lang="en-GB" sz="1800" dirty="0">
-                              <a:effectLst/>
-                            </a:rPr>
-                            <a:t>6.6450</a:t>
-                          </a:r>
-                          <a:endParaRPr lang="it-IT" sz="1800" dirty="0">
-                            <a:effectLst/>
-                            <a:latin typeface="Times New Roman" panose="02020603050405020304" pitchFamily="18" charset="0"/>
-                            <a:ea typeface="Times New Roman" panose="02020603050405020304" pitchFamily="18" charset="0"/>
-                          </a:endParaRPr>
-                        </a:p>
-                      </a:txBody>
-                      <a:tcPr/>
-                    </a:tc>
-                    <a:extLst>
-                      <a:ext uri="{0D108BD9-81ED-4DB2-BD59-A6C34878D82A}">
-                        <a16:rowId xmlns:a16="http://schemas.microsoft.com/office/drawing/2014/main" val="4232970871"/>
-                      </a:ext>
-                    </a:extLst>
-                  </a:tr>
-                  <a:tr h="273281">
-                    <a:tc>
-                      <a:txBody>
-                        <a:bodyPr/>
-                        <a:lstStyle/>
-                        <a:p>
-                          <a:pPr marL="0" marR="0" lvl="0" indent="0" algn="ctr" defTabSz="914400" eaLnBrk="1" fontAlgn="auto" latinLnBrk="0" hangingPunct="1">
-                            <a:lnSpc>
-                              <a:spcPct val="100000"/>
-                            </a:lnSpc>
-                            <a:spcBef>
-                              <a:spcPts val="0"/>
-                            </a:spcBef>
-                            <a:spcAft>
-                              <a:spcPts val="0"/>
-                            </a:spcAft>
-                            <a:buClrTx/>
-                            <a:buSzTx/>
-                            <a:buFontTx/>
-                            <a:buNone/>
-                            <a:tabLst/>
-                            <a:defRPr/>
-                          </a:pPr>
-                          <a14:m>
-                            <m:oMathPara xmlns:m="http://schemas.openxmlformats.org/officeDocument/2006/math">
-                              <m:oMathParaPr>
-                                <m:jc m:val="centerGroup"/>
-                              </m:oMathParaPr>
-                              <m:oMath xmlns:m="http://schemas.openxmlformats.org/officeDocument/2006/math">
-                                <m:r>
-                                  <m:rPr>
-                                    <m:sty m:val="p"/>
-                                  </m:rPr>
-                                  <a:rPr lang="en-GB" sz="1800" smtClean="0">
-                                    <a:effectLst/>
-                                    <a:latin typeface="Cambria Math" panose="02040503050406030204" pitchFamily="18" charset="0"/>
-                                  </a:rPr>
-                                  <m:t>Δ</m:t>
-                                </m:r>
-                                <m:r>
-                                  <a:rPr lang="en-GB" sz="1800" smtClean="0">
-                                    <a:effectLst/>
-                                    <a:latin typeface="Cambria Math" panose="02040503050406030204" pitchFamily="18" charset="0"/>
-                                  </a:rPr>
-                                  <m:t>𝑡</m:t>
-                                </m:r>
-                                <m:r>
-                                  <a:rPr lang="en-GB" sz="1800" smtClean="0">
-                                    <a:effectLst/>
-                                    <a:latin typeface="Cambria Math" panose="02040503050406030204" pitchFamily="18" charset="0"/>
-                                  </a:rPr>
-                                  <m:t> [</m:t>
-                                </m:r>
-                                <m:r>
-                                  <a:rPr lang="en-GB" sz="1800" smtClean="0">
-                                    <a:effectLst/>
-                                    <a:latin typeface="Cambria Math" panose="02040503050406030204" pitchFamily="18" charset="0"/>
-                                  </a:rPr>
-                                  <m:t>h</m:t>
-                                </m:r>
-                                <m:r>
-                                  <a:rPr lang="en-GB" sz="1800" smtClean="0">
-                                    <a:effectLst/>
-                                    <a:latin typeface="Cambria Math" panose="02040503050406030204" pitchFamily="18" charset="0"/>
-                                  </a:rPr>
-                                  <m:t>]</m:t>
-                                </m:r>
-                              </m:oMath>
-                            </m:oMathPara>
-                          </a14:m>
-                          <a:endParaRPr lang="it-IT" sz="1800" dirty="0">
-                            <a:effectLst/>
-                            <a:latin typeface="Times New Roman" panose="02020603050405020304" pitchFamily="18" charset="0"/>
-                            <a:ea typeface="Times New Roman" panose="02020603050405020304" pitchFamily="18" charset="0"/>
-                          </a:endParaRPr>
-                        </a:p>
-                      </a:txBody>
-                      <a:tcPr/>
-                    </a:tc>
-                    <a:tc>
-                      <a:txBody>
-                        <a:bodyPr/>
-                        <a:lstStyle/>
-                        <a:p>
-                          <a:pPr marL="0" marR="0" lvl="0" indent="0" algn="ctr" defTabSz="914400" eaLnBrk="1" fontAlgn="auto" latinLnBrk="0" hangingPunct="1">
-                            <a:lnSpc>
-                              <a:spcPct val="100000"/>
-                            </a:lnSpc>
-                            <a:spcBef>
-                              <a:spcPts val="0"/>
-                            </a:spcBef>
-                            <a:spcAft>
-                              <a:spcPts val="0"/>
-                            </a:spcAft>
-                            <a:buClrTx/>
-                            <a:buSzTx/>
-                            <a:buFontTx/>
-                            <a:buNone/>
-                            <a:tabLst/>
-                            <a:defRPr/>
-                          </a:pPr>
-                          <a:r>
-                            <a:rPr lang="en-GB" sz="1800" dirty="0">
-                              <a:effectLst/>
-                            </a:rPr>
-                            <a:t>4.8675</a:t>
-                          </a:r>
-                          <a:endParaRPr lang="it-IT" sz="1800" dirty="0">
-                            <a:effectLst/>
-                            <a:latin typeface="Times New Roman" panose="02020603050405020304" pitchFamily="18" charset="0"/>
-                            <a:ea typeface="Times New Roman" panose="02020603050405020304" pitchFamily="18" charset="0"/>
-                          </a:endParaRPr>
-                        </a:p>
-                      </a:txBody>
-                      <a:tcPr/>
-                    </a:tc>
-                    <a:extLst>
-                      <a:ext uri="{0D108BD9-81ED-4DB2-BD59-A6C34878D82A}">
-                        <a16:rowId xmlns:a16="http://schemas.microsoft.com/office/drawing/2014/main" val="2992422919"/>
-                      </a:ext>
-                    </a:extLst>
-                  </a:tr>
-                </a:tbl>
-              </a:graphicData>
-            </a:graphic>
-          </p:graphicFrame>
-        </mc:Choice>
-        <mc:Fallback xmlns="">
-          <p:graphicFrame>
-            <p:nvGraphicFramePr>
-              <p:cNvPr id="16" name="Tabella 17">
-                <a:extLst>
-                  <a:ext uri="{FF2B5EF4-FFF2-40B4-BE49-F238E27FC236}">
-                    <a16:creationId xmlns:a16="http://schemas.microsoft.com/office/drawing/2014/main" id="{33EA0994-25CE-D336-0A47-FD0D9164B895}"/>
-                  </a:ext>
-                </a:extLst>
-              </p:cNvPr>
-              <p:cNvGraphicFramePr>
-                <a:graphicFrameLocks noGrp="1"/>
-              </p:cNvGraphicFramePr>
-              <p:nvPr>
-                <p:extLst>
-                  <p:ext uri="{D42A27DB-BD31-4B8C-83A1-F6EECF244321}">
-                    <p14:modId xmlns:p14="http://schemas.microsoft.com/office/powerpoint/2010/main" val="4182618125"/>
-                  </p:ext>
-                </p:extLst>
-              </p:nvPr>
-            </p:nvGraphicFramePr>
-            <p:xfrm>
-              <a:off x="937488" y="4825581"/>
-              <a:ext cx="3158652" cy="731520"/>
-            </p:xfrm>
-            <a:graphic>
-              <a:graphicData uri="http://schemas.openxmlformats.org/drawingml/2006/table">
-                <a:tbl>
-                  <a:tblPr firstRow="1" bandRow="1">
-                    <a:tableStyleId>{5940675A-B579-460E-94D1-54222C63F5DA}</a:tableStyleId>
-                  </a:tblPr>
-                  <a:tblGrid>
-                    <a:gridCol w="1579326">
-                      <a:extLst>
-                        <a:ext uri="{9D8B030D-6E8A-4147-A177-3AD203B41FA5}">
-                          <a16:colId xmlns:a16="http://schemas.microsoft.com/office/drawing/2014/main" val="2788217809"/>
-                        </a:ext>
-                      </a:extLst>
-                    </a:gridCol>
-                    <a:gridCol w="1579326">
-                      <a:extLst>
-                        <a:ext uri="{9D8B030D-6E8A-4147-A177-3AD203B41FA5}">
-                          <a16:colId xmlns:a16="http://schemas.microsoft.com/office/drawing/2014/main" val="1938660704"/>
-                        </a:ext>
-                      </a:extLst>
-                    </a:gridCol>
-                  </a:tblGrid>
-                  <a:tr h="365760">
-                    <a:tc>
-                      <a:txBody>
-                        <a:bodyPr/>
-                        <a:lstStyle/>
-                        <a:p>
-                          <a:endParaRPr lang="it-IT"/>
-                        </a:p>
-                      </a:txBody>
-                      <a:tcPr>
-                        <a:blipFill>
-                          <a:blip r:embed="rId4"/>
-                          <a:stretch>
-                            <a:fillRect l="-385" t="-8197" r="-100769" b="-124590"/>
-                          </a:stretch>
-                        </a:blipFill>
-                      </a:tcPr>
-                    </a:tc>
-                    <a:tc>
-                      <a:txBody>
-                        <a:bodyPr/>
-                        <a:lstStyle/>
-                        <a:p>
-                          <a:pPr marL="0" marR="0" lvl="0" indent="0" algn="ctr" defTabSz="914400" eaLnBrk="1" fontAlgn="auto" latinLnBrk="0" hangingPunct="1">
-                            <a:lnSpc>
-                              <a:spcPct val="100000"/>
-                            </a:lnSpc>
-                            <a:spcBef>
-                              <a:spcPts val="0"/>
-                            </a:spcBef>
-                            <a:spcAft>
-                              <a:spcPts val="0"/>
-                            </a:spcAft>
-                            <a:buClrTx/>
-                            <a:buSzTx/>
-                            <a:buFontTx/>
-                            <a:buNone/>
-                            <a:tabLst/>
-                            <a:defRPr/>
-                          </a:pPr>
-                          <a:r>
-                            <a:rPr lang="en-GB" sz="1800">
-                              <a:effectLst/>
-                            </a:rPr>
-                            <a:t>6.6450</a:t>
-                          </a:r>
-                          <a:endParaRPr lang="it-IT" sz="1800" dirty="0">
-                            <a:effectLst/>
-                            <a:latin typeface="Times New Roman" panose="02020603050405020304" pitchFamily="18" charset="0"/>
-                            <a:ea typeface="Times New Roman" panose="02020603050405020304" pitchFamily="18" charset="0"/>
-                          </a:endParaRPr>
-                        </a:p>
-                      </a:txBody>
-                      <a:tcPr/>
-                    </a:tc>
-                    <a:extLst>
-                      <a:ext uri="{0D108BD9-81ED-4DB2-BD59-A6C34878D82A}">
-                        <a16:rowId xmlns:a16="http://schemas.microsoft.com/office/drawing/2014/main" val="4232970871"/>
-                      </a:ext>
-                    </a:extLst>
-                  </a:tr>
-                  <a:tr h="365760">
-                    <a:tc>
-                      <a:txBody>
-                        <a:bodyPr/>
-                        <a:lstStyle/>
-                        <a:p>
-                          <a:endParaRPr lang="it-IT"/>
-                        </a:p>
-                      </a:txBody>
-                      <a:tcPr>
-                        <a:blipFill>
-                          <a:blip r:embed="rId4"/>
-                          <a:stretch>
-                            <a:fillRect l="-385" t="-110000" r="-100769" b="-26667"/>
-                          </a:stretch>
-                        </a:blipFill>
-                      </a:tcPr>
-                    </a:tc>
-                    <a:tc>
-                      <a:txBody>
-                        <a:bodyPr/>
-                        <a:lstStyle/>
-                        <a:p>
-                          <a:pPr marL="0" marR="0" lvl="0" indent="0" algn="ctr" defTabSz="914400" eaLnBrk="1" fontAlgn="auto" latinLnBrk="0" hangingPunct="1">
-                            <a:lnSpc>
-                              <a:spcPct val="100000"/>
-                            </a:lnSpc>
-                            <a:spcBef>
-                              <a:spcPts val="0"/>
-                            </a:spcBef>
-                            <a:spcAft>
-                              <a:spcPts val="0"/>
-                            </a:spcAft>
-                            <a:buClrTx/>
-                            <a:buSzTx/>
-                            <a:buFontTx/>
-                            <a:buNone/>
-                            <a:tabLst/>
-                            <a:defRPr/>
-                          </a:pPr>
-                          <a:r>
-                            <a:rPr lang="en-GB" sz="1800" dirty="0">
-                              <a:effectLst/>
-                            </a:rPr>
-                            <a:t>4.8675</a:t>
-                          </a:r>
-                          <a:endParaRPr lang="it-IT" sz="1800" dirty="0">
-                            <a:effectLst/>
-                            <a:latin typeface="Times New Roman" panose="02020603050405020304" pitchFamily="18" charset="0"/>
-                            <a:ea typeface="Times New Roman" panose="02020603050405020304" pitchFamily="18" charset="0"/>
-                          </a:endParaRPr>
-                        </a:p>
-                      </a:txBody>
-                      <a:tcPr/>
-                    </a:tc>
-                    <a:extLst>
-                      <a:ext uri="{0D108BD9-81ED-4DB2-BD59-A6C34878D82A}">
-                        <a16:rowId xmlns:a16="http://schemas.microsoft.com/office/drawing/2014/main" val="2992422919"/>
-                      </a:ext>
-                    </a:extLst>
-                  </a:tr>
-                </a:tbl>
-              </a:graphicData>
-            </a:graphic>
-          </p:graphicFrame>
-        </mc:Fallback>
-      </mc:AlternateContent>
     </p:spTree>
     <p:extLst>
       <p:ext uri="{BB962C8B-B14F-4D97-AF65-F5344CB8AC3E}">

--- a/Modelli relazione/Power C13.pptx
+++ b/Modelli relazione/Power C13.pptx
@@ -161,7 +161,7 @@
   <pc:docChgLst>
     <pc:chgData name="Silvia Pala" userId="f0133cc1-7ddc-4617-95f3-a1b241401a99" providerId="ADAL" clId="{672B7490-0EAF-4E0C-92B9-0750DE353F5F}"/>
     <pc:docChg chg="undo redo custSel addSld delSld modSld modSection">
-      <pc:chgData name="Silvia Pala" userId="f0133cc1-7ddc-4617-95f3-a1b241401a99" providerId="ADAL" clId="{672B7490-0EAF-4E0C-92B9-0750DE353F5F}" dt="2023-01-07T13:42:38.238" v="1245" actId="20577"/>
+      <pc:chgData name="Silvia Pala" userId="f0133cc1-7ddc-4617-95f3-a1b241401a99" providerId="ADAL" clId="{672B7490-0EAF-4E0C-92B9-0750DE353F5F}" dt="2023-01-07T13:43:28.191" v="1248" actId="1076"/>
       <pc:docMkLst>
         <pc:docMk/>
       </pc:docMkLst>
@@ -520,7 +520,7 @@
         </pc:picChg>
       </pc:sldChg>
       <pc:sldChg chg="addSp delSp modSp new mod">
-        <pc:chgData name="Silvia Pala" userId="f0133cc1-7ddc-4617-95f3-a1b241401a99" providerId="ADAL" clId="{672B7490-0EAF-4E0C-92B9-0750DE353F5F}" dt="2023-01-05T20:50:58.606" v="316" actId="20577"/>
+        <pc:chgData name="Silvia Pala" userId="f0133cc1-7ddc-4617-95f3-a1b241401a99" providerId="ADAL" clId="{672B7490-0EAF-4E0C-92B9-0750DE353F5F}" dt="2023-01-07T13:43:18.946" v="1246" actId="1076"/>
         <pc:sldMkLst>
           <pc:docMk/>
           <pc:sldMk cId="3969621914" sldId="267"/>
@@ -590,7 +590,7 @@
           </ac:picMkLst>
         </pc:picChg>
         <pc:cxnChg chg="add mod">
-          <ac:chgData name="Silvia Pala" userId="f0133cc1-7ddc-4617-95f3-a1b241401a99" providerId="ADAL" clId="{672B7490-0EAF-4E0C-92B9-0750DE353F5F}" dt="2023-01-04T23:37:06.723" v="129" actId="13822"/>
+          <ac:chgData name="Silvia Pala" userId="f0133cc1-7ddc-4617-95f3-a1b241401a99" providerId="ADAL" clId="{672B7490-0EAF-4E0C-92B9-0750DE353F5F}" dt="2023-01-07T13:43:18.946" v="1246" actId="1076"/>
           <ac:cxnSpMkLst>
             <pc:docMk/>
             <pc:sldMk cId="3969621914" sldId="267"/>
@@ -654,7 +654,7 @@
         </pc:cxnChg>
       </pc:sldChg>
       <pc:sldChg chg="addSp delSp modSp new mod">
-        <pc:chgData name="Silvia Pala" userId="f0133cc1-7ddc-4617-95f3-a1b241401a99" providerId="ADAL" clId="{672B7490-0EAF-4E0C-92B9-0750DE353F5F}" dt="2023-01-05T20:50:54.463" v="312" actId="20577"/>
+        <pc:chgData name="Silvia Pala" userId="f0133cc1-7ddc-4617-95f3-a1b241401a99" providerId="ADAL" clId="{672B7490-0EAF-4E0C-92B9-0750DE353F5F}" dt="2023-01-07T13:43:28.191" v="1248" actId="1076"/>
         <pc:sldMkLst>
           <pc:docMk/>
           <pc:sldMk cId="1265670468" sldId="269"/>
@@ -700,7 +700,7 @@
           </ac:picMkLst>
         </pc:picChg>
         <pc:cxnChg chg="add mod">
-          <ac:chgData name="Silvia Pala" userId="f0133cc1-7ddc-4617-95f3-a1b241401a99" providerId="ADAL" clId="{672B7490-0EAF-4E0C-92B9-0750DE353F5F}" dt="2023-01-04T23:37:17.420" v="131" actId="13822"/>
+          <ac:chgData name="Silvia Pala" userId="f0133cc1-7ddc-4617-95f3-a1b241401a99" providerId="ADAL" clId="{672B7490-0EAF-4E0C-92B9-0750DE353F5F}" dt="2023-01-07T13:43:28.191" v="1248" actId="1076"/>
           <ac:cxnSpMkLst>
             <pc:docMk/>
             <pc:sldMk cId="1265670468" sldId="269"/>
@@ -6686,8 +6686,8 @@
           </a:p>
         </p:txBody>
       </p:sp>
-      <mc:AlternateContent xmlns:mc="http://schemas.openxmlformats.org/markup-compatibility/2006">
-        <mc:Choice xmlns:a14="http://schemas.microsoft.com/office/drawing/2010/main" Requires="a14">
+      <mc:AlternateContent xmlns:mc="http://schemas.openxmlformats.org/markup-compatibility/2006" xmlns:a14="http://schemas.microsoft.com/office/drawing/2010/main">
+        <mc:Choice Requires="a14">
           <p:sp>
             <p:nvSpPr>
               <p:cNvPr id="6" name="Segnaposto contenuto 5">
@@ -7864,7 +7864,7 @@
             </p:txBody>
           </p:sp>
         </mc:Choice>
-        <mc:Fallback>
+        <mc:Fallback xmlns="">
           <p:sp>
             <p:nvSpPr>
               <p:cNvPr id="6" name="Segnaposto contenuto 5">
@@ -11205,8 +11205,8 @@
           </a:p>
         </p:txBody>
       </p:sp>
-      <mc:AlternateContent xmlns:mc="http://schemas.openxmlformats.org/markup-compatibility/2006">
-        <mc:Choice xmlns:a14="http://schemas.microsoft.com/office/drawing/2010/main" Requires="a14">
+      <mc:AlternateContent xmlns:mc="http://schemas.openxmlformats.org/markup-compatibility/2006" xmlns:a14="http://schemas.microsoft.com/office/drawing/2010/main">
+        <mc:Choice Requires="a14">
           <p:sp>
             <p:nvSpPr>
               <p:cNvPr id="3" name="Segnaposto contenuto 2">
@@ -11973,7 +11973,7 @@
             </p:txBody>
           </p:sp>
         </mc:Choice>
-        <mc:Fallback>
+        <mc:Fallback xmlns="">
           <p:sp>
             <p:nvSpPr>
               <p:cNvPr id="3" name="Segnaposto contenuto 2">
@@ -13993,7 +13993,7 @@
         </p:nvCxnSpPr>
         <p:spPr>
           <a:xfrm>
-            <a:off x="2369976" y="1502229"/>
+            <a:off x="2528597" y="1520891"/>
             <a:ext cx="326571" cy="0"/>
           </a:xfrm>
           <a:prstGeom prst="straightConnector1">
@@ -15125,7 +15125,7 @@
         </p:nvCxnSpPr>
         <p:spPr>
           <a:xfrm>
-            <a:off x="3069771" y="1502229"/>
+            <a:off x="3219060" y="1483568"/>
             <a:ext cx="279919" cy="0"/>
           </a:xfrm>
           <a:prstGeom prst="straightConnector1">

--- a/Modelli relazione/Power C13.pptx
+++ b/Modelli relazione/Power C13.pptx
@@ -5,7 +5,7 @@
     <p:sldMasterId id="2147483660" r:id="rId1"/>
   </p:sldMasterIdLst>
   <p:notesMasterIdLst>
-    <p:notesMasterId r:id="rId16"/>
+    <p:notesMasterId r:id="rId20"/>
   </p:notesMasterIdLst>
   <p:sldIdLst>
     <p:sldId id="256" r:id="rId2"/>
@@ -21,7 +21,11 @@
     <p:sldId id="269" r:id="rId12"/>
     <p:sldId id="270" r:id="rId13"/>
     <p:sldId id="265" r:id="rId14"/>
-    <p:sldId id="266" r:id="rId15"/>
+    <p:sldId id="271" r:id="rId15"/>
+    <p:sldId id="272" r:id="rId16"/>
+    <p:sldId id="273" r:id="rId17"/>
+    <p:sldId id="274" r:id="rId18"/>
+    <p:sldId id="266" r:id="rId19"/>
   </p:sldIdLst>
   <p:sldSz cx="12192000" cy="6858000"/>
   <p:notesSz cx="6858000" cy="9144000"/>
@@ -138,6 +142,10 @@
             <p14:sldId id="269"/>
             <p14:sldId id="270"/>
             <p14:sldId id="265"/>
+            <p14:sldId id="271"/>
+            <p14:sldId id="272"/>
+            <p14:sldId id="273"/>
+            <p14:sldId id="274"/>
             <p14:sldId id="266"/>
           </p14:sldIdLst>
         </p14:section>
@@ -3459,6 +3467,14 @@
 <file path=ppt/slides/slide1.xml><?xml version="1.0" encoding="utf-8"?>
 <p:sld xmlns:a="http://schemas.openxmlformats.org/drawingml/2006/main" xmlns:r="http://schemas.openxmlformats.org/officeDocument/2006/relationships" xmlns:p="http://schemas.openxmlformats.org/presentationml/2006/main">
   <p:cSld>
+    <p:bg>
+      <p:bgPr>
+        <a:solidFill>
+          <a:schemeClr val="bg1"/>
+        </a:solidFill>
+        <a:effectLst/>
+      </p:bgPr>
+    </p:bg>
     <p:spTree>
       <p:nvGrpSpPr>
         <p:cNvPr id="1" name=""/>
@@ -4125,8 +4141,12 @@
               </a:lnSpc>
             </a:pPr>
             <a:r>
+              <a:rPr lang="it-IT" u="sng" dirty="0"/>
+              <a:t>Imporre il punto iniziale</a:t>
+            </a:r>
+            <a:r>
               <a:rPr lang="it-IT" dirty="0"/>
-              <a:t>Imporre il punto iniziale come primo punto di manovra</a:t>
+              <a:t> come primo punto di manovra</a:t>
             </a:r>
           </a:p>
           <a:p>
@@ -4137,7 +4157,11 @@
             </a:pPr>
             <a:r>
               <a:rPr lang="it-IT" dirty="0"/>
-              <a:t>Ripetere la procedura seguita precedentemente ma discretizzando soltanto l’orbita finale, trovando così una nuova orbita di trasferimento</a:t>
+              <a:t>Ripetere la procedura seguita precedentemente ma discretizzando soltanto l’orbita finale, trovando così una </a:t>
+            </a:r>
+            <a:r>
+              <a:rPr lang="it-IT" u="sng" dirty="0"/>
+              <a:t>nuova orbita di trasferimento</a:t>
             </a:r>
           </a:p>
         </p:txBody>
@@ -4224,14 +4248,13 @@
               </a:ext>
             </a:extLst>
           </a:blip>
-          <a:stretch>
-            <a:fillRect/>
-          </a:stretch>
+          <a:srcRect/>
+          <a:stretch/>
         </p:blipFill>
         <p:spPr>
           <a:xfrm>
             <a:off x="6172202" y="1006331"/>
-            <a:ext cx="5181600" cy="5236321"/>
+            <a:ext cx="5181600" cy="5236320"/>
           </a:xfrm>
         </p:spPr>
       </p:pic>
@@ -4814,14 +4837,13 @@
               </a:ext>
             </a:extLst>
           </a:blip>
-          <a:stretch>
-            <a:fillRect/>
-          </a:stretch>
+          <a:srcRect/>
+          <a:stretch/>
         </p:blipFill>
         <p:spPr>
           <a:xfrm>
             <a:off x="6172202" y="1100546"/>
-            <a:ext cx="5341664" cy="5076417"/>
+            <a:ext cx="5341663" cy="5076417"/>
           </a:xfrm>
         </p:spPr>
       </p:pic>
@@ -4942,56 +4964,364 @@
           </a:p>
         </p:txBody>
       </p:sp>
-      <p:sp>
-        <p:nvSpPr>
-          <p:cNvPr id="6" name="Segnaposto contenuto 5">
+      <mc:AlternateContent xmlns:mc="http://schemas.openxmlformats.org/markup-compatibility/2006">
+        <mc:Choice xmlns:a14="http://schemas.microsoft.com/office/drawing/2010/main" Requires="a14">
+          <p:sp>
+            <p:nvSpPr>
+              <p:cNvPr id="6" name="Segnaposto contenuto 5">
+                <a:extLst>
+                  <a:ext uri="{FF2B5EF4-FFF2-40B4-BE49-F238E27FC236}">
+                    <a16:creationId xmlns:a16="http://schemas.microsoft.com/office/drawing/2014/main" id="{257EB455-D2B0-6371-18EA-3247101B071F}"/>
+                  </a:ext>
+                </a:extLst>
+              </p:cNvPr>
+              <p:cNvSpPr>
+                <a:spLocks noGrp="1"/>
+              </p:cNvSpPr>
+              <p:nvPr>
+                <p:ph sz="half" idx="1"/>
+              </p:nvPr>
+            </p:nvSpPr>
+            <p:spPr/>
+            <p:txBody>
+              <a:bodyPr tIns="432000"/>
+              <a:lstStyle/>
+              <a:p>
+                <a:pPr marL="0" marR="0" lvl="0" indent="0" algn="l" defTabSz="914400" rtl="0" eaLnBrk="1" fontAlgn="auto" latinLnBrk="0" hangingPunct="1">
+                  <a:lnSpc>
+                    <a:spcPct val="160000"/>
+                  </a:lnSpc>
+                  <a:spcBef>
+                    <a:spcPts val="1000"/>
+                  </a:spcBef>
+                  <a:spcAft>
+                    <a:spcPts val="0"/>
+                  </a:spcAft>
+                  <a:buClrTx/>
+                  <a:buSzTx/>
+                  <a:buNone/>
+                  <a:tabLst/>
+                  <a:defRPr/>
+                </a:pPr>
+                <a:r>
+                  <a:rPr kumimoji="0" lang="it-IT" sz="1700" b="1" i="0" u="none" strike="noStrike" kern="1200" cap="none" spc="0" normalizeH="0" baseline="0" noProof="0" dirty="0">
+                    <a:ln>
+                      <a:noFill/>
+                    </a:ln>
+                    <a:solidFill>
+                      <a:prstClr val="black"/>
+                    </a:solidFill>
+                    <a:effectLst/>
+                    <a:uLnTx/>
+                    <a:uFillTx/>
+                    <a:ea typeface="+mn-ea"/>
+                    <a:cs typeface="+mn-cs"/>
+                  </a:rPr>
+                  <a:t>Idea di partenza: </a:t>
+                </a:r>
+                <a:r>
+                  <a:rPr kumimoji="0" lang="it-IT" sz="1700" b="0" i="0" u="sng" strike="noStrike" kern="1200" cap="none" spc="0" normalizeH="0" baseline="0" noProof="0" dirty="0">
+                    <a:ln>
+                      <a:noFill/>
+                    </a:ln>
+                    <a:solidFill>
+                      <a:prstClr val="black"/>
+                    </a:solidFill>
+                    <a:effectLst/>
+                    <a:uLnTx/>
+                    <a:uFillTx/>
+                    <a:ea typeface="+mn-ea"/>
+                    <a:cs typeface="+mn-cs"/>
+                  </a:rPr>
+                  <a:t>sfruttare un impulso tangente</a:t>
+                </a:r>
+                <a:r>
+                  <a:rPr kumimoji="0" lang="it-IT" sz="1700" b="0" i="0" u="none" strike="noStrike" kern="1200" cap="none" spc="0" normalizeH="0" baseline="0" noProof="0" dirty="0">
+                    <a:ln>
+                      <a:noFill/>
+                    </a:ln>
+                    <a:solidFill>
+                      <a:prstClr val="black"/>
+                    </a:solidFill>
+                    <a:effectLst/>
+                    <a:uLnTx/>
+                    <a:uFillTx/>
+                    <a:ea typeface="+mn-ea"/>
+                    <a:cs typeface="+mn-cs"/>
+                  </a:rPr>
+                  <a:t> in un punto arbitrario sull’orbita iniziale per:</a:t>
+                </a:r>
+              </a:p>
+              <a:p>
+                <a:pPr marL="228600" marR="0" lvl="0" indent="-228600" algn="l" defTabSz="914400" rtl="0" eaLnBrk="1" fontAlgn="auto" latinLnBrk="0" hangingPunct="1">
+                  <a:lnSpc>
+                    <a:spcPct val="160000"/>
+                  </a:lnSpc>
+                  <a:spcBef>
+                    <a:spcPts val="1000"/>
+                  </a:spcBef>
+                  <a:spcAft>
+                    <a:spcPts val="0"/>
+                  </a:spcAft>
+                  <a:buClrTx/>
+                  <a:buSzTx/>
+                  <a:buFont typeface="Arial" panose="020B0604020202020204" pitchFamily="34" charset="0"/>
+                  <a:buChar char="•"/>
+                  <a:tabLst/>
+                  <a:defRPr/>
+                </a:pPr>
+                <a:r>
+                  <a:rPr kumimoji="0" lang="it-IT" sz="1700" b="0" i="0" u="sng" strike="noStrike" kern="1200" cap="none" spc="0" normalizeH="0" baseline="0" noProof="0" dirty="0">
+                    <a:ln>
+                      <a:noFill/>
+                    </a:ln>
+                    <a:solidFill>
+                      <a:prstClr val="black"/>
+                    </a:solidFill>
+                    <a:effectLst/>
+                    <a:uLnTx/>
+                    <a:uFillTx/>
+                    <a:ea typeface="+mn-ea"/>
+                    <a:cs typeface="+mn-cs"/>
+                  </a:rPr>
+                  <a:t>diminuire il costo del cambio di piano</a:t>
+                </a:r>
+                <a:r>
+                  <a:rPr kumimoji="0" lang="it-IT" sz="1700" b="0" i="0" u="none" strike="noStrike" kern="1200" cap="none" spc="0" normalizeH="0" baseline="0" noProof="0" dirty="0">
+                    <a:ln>
+                      <a:noFill/>
+                    </a:ln>
+                    <a:solidFill>
+                      <a:prstClr val="black"/>
+                    </a:solidFill>
+                    <a:effectLst/>
+                    <a:uLnTx/>
+                    <a:uFillTx/>
+                    <a:ea typeface="+mn-ea"/>
+                    <a:cs typeface="+mn-cs"/>
+                  </a:rPr>
+                  <a:t> attraverso un aumento di eccentricità e semiasse maggiore</a:t>
+                </a:r>
+              </a:p>
+              <a:p>
+                <a:pPr marL="228600" marR="0" lvl="0" indent="-228600" algn="l" defTabSz="914400" rtl="0" eaLnBrk="1" fontAlgn="auto" latinLnBrk="0" hangingPunct="1">
+                  <a:lnSpc>
+                    <a:spcPct val="160000"/>
+                  </a:lnSpc>
+                  <a:spcBef>
+                    <a:spcPts val="1000"/>
+                  </a:spcBef>
+                  <a:spcAft>
+                    <a:spcPts val="0"/>
+                  </a:spcAft>
+                  <a:buClrTx/>
+                  <a:buSzTx/>
+                  <a:buFont typeface="Arial" panose="020B0604020202020204" pitchFamily="34" charset="0"/>
+                  <a:buChar char="•"/>
+                  <a:tabLst/>
+                  <a:defRPr/>
+                </a:pPr>
+                <a:r>
+                  <a:rPr kumimoji="0" lang="it-IT" sz="1700" b="0" i="0" u="sng" strike="noStrike" kern="1200" cap="none" spc="0" normalizeH="0" baseline="0" noProof="0" dirty="0">
+                    <a:ln>
+                      <a:noFill/>
+                    </a:ln>
+                    <a:solidFill>
+                      <a:prstClr val="black"/>
+                    </a:solidFill>
+                    <a:effectLst/>
+                    <a:uLnTx/>
+                    <a:uFillTx/>
+                    <a:ea typeface="+mn-ea"/>
+                    <a:cs typeface="+mn-cs"/>
+                  </a:rPr>
+                  <a:t>correggere l’anomalia di pericentro</a:t>
+                </a:r>
+                <a:r>
+                  <a:rPr kumimoji="0" lang="it-IT" sz="1700" b="0" i="0" u="none" strike="noStrike" kern="1200" cap="none" spc="0" normalizeH="0" baseline="0" noProof="0" dirty="0">
+                    <a:ln>
+                      <a:noFill/>
+                    </a:ln>
+                    <a:solidFill>
+                      <a:prstClr val="black"/>
+                    </a:solidFill>
+                    <a:effectLst/>
+                    <a:uLnTx/>
+                    <a:uFillTx/>
+                    <a:ea typeface="+mn-ea"/>
+                    <a:cs typeface="+mn-cs"/>
+                  </a:rPr>
+                  <a:t> senza ricorrere ad una manovra dedicata o ad impulsi secanti</a:t>
+                </a:r>
+                <a:endParaRPr kumimoji="0" lang="it-IT" sz="1700" b="0" i="0" u="sng" strike="noStrike" kern="1200" cap="none" spc="0" normalizeH="0" baseline="0" noProof="0" dirty="0">
+                  <a:ln>
+                    <a:noFill/>
+                  </a:ln>
+                  <a:solidFill>
+                    <a:prstClr val="black"/>
+                  </a:solidFill>
+                  <a:effectLst/>
+                  <a:uLnTx/>
+                  <a:uFillTx/>
+                  <a:ea typeface="+mn-ea"/>
+                  <a:cs typeface="+mn-cs"/>
+                </a:endParaRPr>
+              </a:p>
+              <a:p>
+                <a:pPr marL="0" indent="0">
+                  <a:buNone/>
+                </a:pPr>
+                <a:endParaRPr lang="it-IT" sz="1700" dirty="0"/>
+              </a:p>
+              <a:p>
+                <a:pPr marL="0" indent="0">
+                  <a:buNone/>
+                </a:pPr>
+                <a14:m>
+                  <m:oMath xmlns:m="http://schemas.openxmlformats.org/officeDocument/2006/math">
+                    <m:r>
+                      <a:rPr lang="it-IT" sz="1700" b="1" i="0" smtClean="0"/>
+                      <m:t>𝚫</m:t>
+                    </m:r>
+                    <m:sSub>
+                      <m:sSubPr>
+                        <m:ctrlPr>
+                          <a:rPr lang="it-IT" sz="1700" b="1" i="1" smtClean="0"/>
+                        </m:ctrlPr>
+                      </m:sSubPr>
+                      <m:e>
+                        <m:r>
+                          <a:rPr lang="it-IT" sz="1700" b="1" i="1" smtClean="0"/>
+                          <m:t>𝒗</m:t>
+                        </m:r>
+                      </m:e>
+                      <m:sub>
+                        <m:r>
+                          <a:rPr lang="it-IT" sz="1700" b="1" i="1" smtClean="0"/>
+                          <m:t>𝒕𝒐𝒕</m:t>
+                        </m:r>
+                      </m:sub>
+                    </m:sSub>
+                  </m:oMath>
+                </a14:m>
+                <a:r>
+                  <a:rPr lang="it-IT" sz="1700" b="1" dirty="0"/>
+                  <a:t> = 5.3574 km/s</a:t>
+                </a:r>
+              </a:p>
+              <a:p>
+                <a:pPr marL="0" indent="0">
+                  <a:buNone/>
+                </a:pPr>
+                <a14:m>
+                  <m:oMath xmlns:m="http://schemas.openxmlformats.org/officeDocument/2006/math">
+                    <m:r>
+                      <a:rPr lang="it-IT" sz="1700" b="1" i="0" smtClean="0"/>
+                      <m:t>𝚫</m:t>
+                    </m:r>
+                    <m:sSub>
+                      <m:sSubPr>
+                        <m:ctrlPr>
+                          <a:rPr lang="it-IT" sz="1700" b="1" i="1" smtClean="0"/>
+                        </m:ctrlPr>
+                      </m:sSubPr>
+                      <m:e>
+                        <m:r>
+                          <a:rPr lang="it-IT" sz="1700" b="1" i="1" smtClean="0"/>
+                          <m:t>𝒕</m:t>
+                        </m:r>
+                      </m:e>
+                      <m:sub>
+                        <m:r>
+                          <a:rPr lang="it-IT" sz="1700" b="1" i="1" smtClean="0"/>
+                          <m:t>𝒕𝒐𝒕</m:t>
+                        </m:r>
+                      </m:sub>
+                    </m:sSub>
+                  </m:oMath>
+                </a14:m>
+                <a:r>
+                  <a:rPr lang="it-IT" sz="1700" b="1" dirty="0"/>
+                  <a:t> = 7.8499 h = 28259.7957 s</a:t>
+                </a:r>
+              </a:p>
+            </p:txBody>
+          </p:sp>
+        </mc:Choice>
+        <mc:Fallback>
+          <p:sp>
+            <p:nvSpPr>
+              <p:cNvPr id="6" name="Segnaposto contenuto 5">
+                <a:extLst>
+                  <a:ext uri="{FF2B5EF4-FFF2-40B4-BE49-F238E27FC236}">
+                    <a16:creationId xmlns:a16="http://schemas.microsoft.com/office/drawing/2014/main" id="{257EB455-D2B0-6371-18EA-3247101B071F}"/>
+                  </a:ext>
+                </a:extLst>
+              </p:cNvPr>
+              <p:cNvSpPr>
+                <a:spLocks noGrp="1" noRot="1" noChangeAspect="1" noMove="1" noResize="1" noEditPoints="1" noAdjustHandles="1" noChangeArrowheads="1" noChangeShapeType="1" noTextEdit="1"/>
+              </p:cNvSpPr>
+              <p:nvPr>
+                <p:ph sz="half" idx="1"/>
+              </p:nvPr>
+            </p:nvSpPr>
+            <p:spPr>
+              <a:blipFill>
+                <a:blip r:embed="rId2"/>
+                <a:stretch>
+                  <a:fillRect l="-824" r="-118"/>
+                </a:stretch>
+              </a:blipFill>
+            </p:spPr>
+            <p:txBody>
+              <a:bodyPr/>
+              <a:lstStyle/>
+              <a:p>
+                <a:r>
+                  <a:rPr lang="it-IT">
+                    <a:noFill/>
+                  </a:rPr>
+                  <a:t> </a:t>
+                </a:r>
+              </a:p>
+            </p:txBody>
+          </p:sp>
+        </mc:Fallback>
+      </mc:AlternateContent>
+      <p:pic>
+        <p:nvPicPr>
+          <p:cNvPr id="8" name="Segnaposto contenuto 7">
             <a:extLst>
               <a:ext uri="{FF2B5EF4-FFF2-40B4-BE49-F238E27FC236}">
-                <a16:creationId xmlns:a16="http://schemas.microsoft.com/office/drawing/2014/main" id="{257EB455-D2B0-6371-18EA-3247101B071F}"/>
+                <a16:creationId xmlns:a16="http://schemas.microsoft.com/office/drawing/2014/main" id="{3B99BFD4-77D9-4A91-1D0D-BFE8AE8CE27A}"/>
               </a:ext>
             </a:extLst>
           </p:cNvPr>
-          <p:cNvSpPr>
-            <a:spLocks noGrp="1"/>
-          </p:cNvSpPr>
-          <p:nvPr>
-            <p:ph sz="half" idx="1"/>
-          </p:nvPr>
-        </p:nvSpPr>
-        <p:spPr/>
-        <p:txBody>
-          <a:bodyPr/>
-          <a:lstStyle/>
-          <a:p>
-            <a:endParaRPr lang="it-IT"/>
-          </a:p>
-        </p:txBody>
-      </p:sp>
-      <p:sp>
-        <p:nvSpPr>
-          <p:cNvPr id="7" name="Segnaposto contenuto 6">
+          <p:cNvPicPr>
+            <a:picLocks noGrp="1" noChangeAspect="1"/>
+          </p:cNvPicPr>
+          <p:nvPr>
+            <p:ph sz="half" idx="2"/>
+          </p:nvPr>
+        </p:nvPicPr>
+        <p:blipFill>
+          <a:blip r:embed="rId3">
             <a:extLst>
-              <a:ext uri="{FF2B5EF4-FFF2-40B4-BE49-F238E27FC236}">
-                <a16:creationId xmlns:a16="http://schemas.microsoft.com/office/drawing/2014/main" id="{949E024F-BF3F-C46F-C700-F4D5E93FB0AE}"/>
+              <a:ext uri="{28A0092B-C50C-407E-A947-70E740481C1C}">
+                <a14:useLocalDpi xmlns:a14="http://schemas.microsoft.com/office/drawing/2010/main" val="0"/>
               </a:ext>
             </a:extLst>
-          </p:cNvPr>
-          <p:cNvSpPr>
-            <a:spLocks noGrp="1"/>
-          </p:cNvSpPr>
-          <p:nvPr>
-            <p:ph sz="half" idx="2"/>
-          </p:nvPr>
-        </p:nvSpPr>
-        <p:spPr/>
-        <p:txBody>
-          <a:bodyPr/>
-          <a:lstStyle/>
-          <a:p>
-            <a:endParaRPr lang="it-IT"/>
-          </a:p>
-        </p:txBody>
-      </p:sp>
+          </a:blip>
+          <a:srcRect/>
+          <a:stretch/>
+        </p:blipFill>
+        <p:spPr>
+          <a:xfrm>
+            <a:off x="6019801" y="1083379"/>
+            <a:ext cx="5637241" cy="5195922"/>
+          </a:xfrm>
+        </p:spPr>
+      </p:pic>
       <p:sp>
         <p:nvSpPr>
           <p:cNvPr id="4" name="Segnaposto piè di pagina 3">
@@ -5086,6 +5416,1852 @@
           <p:cNvPr id="2" name="Titolo 1">
             <a:extLst>
               <a:ext uri="{FF2B5EF4-FFF2-40B4-BE49-F238E27FC236}">
+                <a16:creationId xmlns:a16="http://schemas.microsoft.com/office/drawing/2014/main" id="{90BD21C0-C947-D6DC-C260-055534CCE56C}"/>
+              </a:ext>
+            </a:extLst>
+          </p:cNvPr>
+          <p:cNvSpPr>
+            <a:spLocks noGrp="1"/>
+          </p:cNvSpPr>
+          <p:nvPr>
+            <p:ph type="title"/>
+          </p:nvPr>
+        </p:nvSpPr>
+        <p:spPr>
+          <a:xfrm>
+            <a:off x="838200" y="415400"/>
+            <a:ext cx="9467656" cy="590931"/>
+          </a:xfrm>
+        </p:spPr>
+        <p:txBody>
+          <a:bodyPr/>
+          <a:lstStyle/>
+          <a:p>
+            <a:r>
+              <a:rPr lang="it-IT" dirty="0"/>
+              <a:t>Alternativa 3: manovra tangente in punto arbitrario</a:t>
+            </a:r>
+          </a:p>
+        </p:txBody>
+      </p:sp>
+      <mc:AlternateContent xmlns:mc="http://schemas.openxmlformats.org/markup-compatibility/2006">
+        <mc:Choice xmlns:a14="http://schemas.microsoft.com/office/drawing/2010/main" Requires="a14">
+          <p:sp>
+            <p:nvSpPr>
+              <p:cNvPr id="3" name="Segnaposto contenuto 2">
+                <a:extLst>
+                  <a:ext uri="{FF2B5EF4-FFF2-40B4-BE49-F238E27FC236}">
+                    <a16:creationId xmlns:a16="http://schemas.microsoft.com/office/drawing/2014/main" id="{5AC40F27-E092-431D-E43F-1018357E31FA}"/>
+                  </a:ext>
+                </a:extLst>
+              </p:cNvPr>
+              <p:cNvSpPr>
+                <a:spLocks noGrp="1"/>
+              </p:cNvSpPr>
+              <p:nvPr>
+                <p:ph sz="half" idx="1"/>
+              </p:nvPr>
+            </p:nvSpPr>
+            <p:spPr/>
+            <p:txBody>
+              <a:bodyPr tIns="180000"/>
+              <a:lstStyle/>
+              <a:p>
+                <a:pPr>
+                  <a:lnSpc>
+                    <a:spcPct val="120000"/>
+                  </a:lnSpc>
+                </a:pPr>
+                <a:r>
+                  <a:rPr lang="it-IT" sz="1800" b="1" dirty="0"/>
+                  <a:t>Parametri orbitali variati:</a:t>
+                </a:r>
+                <a:r>
+                  <a:rPr lang="it-IT" sz="1800" dirty="0"/>
+                  <a:t> </a:t>
+                </a:r>
+                <a14:m>
+                  <m:oMath xmlns:m="http://schemas.openxmlformats.org/officeDocument/2006/math">
+                    <m:r>
+                      <a:rPr lang="it-IT" sz="1800" b="0" i="1" smtClean="0">
+                        <a:latin typeface="Cambria Math" panose="02040503050406030204" pitchFamily="18" charset="0"/>
+                      </a:rPr>
+                      <m:t>𝑎</m:t>
+                    </m:r>
+                    <m:r>
+                      <a:rPr lang="it-IT" sz="1800" b="0" i="1" smtClean="0">
+                        <a:latin typeface="Cambria Math" panose="02040503050406030204" pitchFamily="18" charset="0"/>
+                      </a:rPr>
+                      <m:t>, </m:t>
+                    </m:r>
+                    <m:r>
+                      <a:rPr lang="it-IT" sz="1800" b="0" i="1" smtClean="0">
+                        <a:latin typeface="Cambria Math" panose="02040503050406030204" pitchFamily="18" charset="0"/>
+                      </a:rPr>
+                      <m:t>𝑒</m:t>
+                    </m:r>
+                    <m:r>
+                      <a:rPr lang="it-IT" sz="1800" b="0" i="1" smtClean="0">
+                        <a:latin typeface="Cambria Math" panose="02040503050406030204" pitchFamily="18" charset="0"/>
+                      </a:rPr>
+                      <m:t>, </m:t>
+                    </m:r>
+                    <m:r>
+                      <a:rPr lang="it-IT" sz="1800" b="0" i="1" smtClean="0">
+                        <a:latin typeface="Cambria Math" panose="02040503050406030204" pitchFamily="18" charset="0"/>
+                      </a:rPr>
+                      <m:t>𝜔</m:t>
+                    </m:r>
+                  </m:oMath>
+                </a14:m>
+                <a:endParaRPr lang="it-IT" sz="1800" dirty="0"/>
+              </a:p>
+              <a:p>
+                <a:pPr>
+                  <a:lnSpc>
+                    <a:spcPct val="120000"/>
+                  </a:lnSpc>
+                </a:pPr>
+                <a:r>
+                  <a:rPr lang="it-IT" sz="1800" b="1" dirty="0"/>
+                  <a:t>Passaggi effettuati:</a:t>
+                </a:r>
+              </a:p>
+              <a:p>
+                <a:pPr lvl="1">
+                  <a:lnSpc>
+                    <a:spcPct val="120000"/>
+                  </a:lnSpc>
+                </a:pPr>
+                <a:r>
+                  <a:rPr lang="it-IT" sz="1600" dirty="0"/>
+                  <a:t>Raggiungere punto di tangenza: </a:t>
+                </a:r>
+                <a14:m>
+                  <m:oMath xmlns:m="http://schemas.openxmlformats.org/officeDocument/2006/math">
+                    <m:r>
+                      <a:rPr lang="it-IT" sz="1600" b="1" i="0" smtClean="0">
+                        <a:latin typeface="Cambria Math" panose="02040503050406030204" pitchFamily="18" charset="0"/>
+                      </a:rPr>
+                      <m:t>𝚫</m:t>
+                    </m:r>
+                    <m:sSub>
+                      <m:sSubPr>
+                        <m:ctrlPr>
+                          <a:rPr lang="it-IT" sz="1600" b="1" i="1" smtClean="0">
+                            <a:latin typeface="Cambria Math" panose="02040503050406030204" pitchFamily="18" charset="0"/>
+                          </a:rPr>
+                        </m:ctrlPr>
+                      </m:sSubPr>
+                      <m:e>
+                        <m:r>
+                          <a:rPr lang="it-IT" sz="1600" b="1" i="1" smtClean="0">
+                            <a:latin typeface="Cambria Math" panose="02040503050406030204" pitchFamily="18" charset="0"/>
+                          </a:rPr>
+                          <m:t>𝒕</m:t>
+                        </m:r>
+                      </m:e>
+                      <m:sub>
+                        <m:r>
+                          <a:rPr lang="it-IT" sz="1600" b="1" i="1" smtClean="0">
+                            <a:latin typeface="Cambria Math" panose="02040503050406030204" pitchFamily="18" charset="0"/>
+                          </a:rPr>
+                          <m:t>𝟏</m:t>
+                        </m:r>
+                      </m:sub>
+                    </m:sSub>
+                  </m:oMath>
+                </a14:m>
+                <a:r>
+                  <a:rPr lang="it-IT" sz="1600" b="1" dirty="0"/>
+                  <a:t> = 6543 s</a:t>
+                </a:r>
+              </a:p>
+              <a:p>
+                <a:pPr lvl="1">
+                  <a:lnSpc>
+                    <a:spcPct val="120000"/>
+                  </a:lnSpc>
+                </a:pPr>
+                <a:r>
+                  <a:rPr lang="it-IT" sz="1600" dirty="0"/>
+                  <a:t>Primo impulso: </a:t>
+                </a:r>
+                <a14:m>
+                  <m:oMath xmlns:m="http://schemas.openxmlformats.org/officeDocument/2006/math">
+                    <m:r>
+                      <a:rPr lang="it-IT" sz="1600" b="1" i="0" smtClean="0">
+                        <a:latin typeface="Cambria Math" panose="02040503050406030204" pitchFamily="18" charset="0"/>
+                      </a:rPr>
+                      <m:t>𝚫</m:t>
+                    </m:r>
+                    <m:sSub>
+                      <m:sSubPr>
+                        <m:ctrlPr>
+                          <a:rPr lang="it-IT" sz="1600" b="1" i="1" smtClean="0">
+                            <a:latin typeface="Cambria Math" panose="02040503050406030204" pitchFamily="18" charset="0"/>
+                          </a:rPr>
+                        </m:ctrlPr>
+                      </m:sSubPr>
+                      <m:e>
+                        <m:r>
+                          <a:rPr lang="it-IT" sz="1600" b="1" i="1" smtClean="0">
+                            <a:latin typeface="Cambria Math" panose="02040503050406030204" pitchFamily="18" charset="0"/>
+                          </a:rPr>
+                          <m:t>𝒗</m:t>
+                        </m:r>
+                      </m:e>
+                      <m:sub>
+                        <m:r>
+                          <a:rPr lang="it-IT" sz="1600" b="1" i="1" smtClean="0">
+                            <a:latin typeface="Cambria Math" panose="02040503050406030204" pitchFamily="18" charset="0"/>
+                          </a:rPr>
+                          <m:t>𝟏</m:t>
+                        </m:r>
+                      </m:sub>
+                    </m:sSub>
+                  </m:oMath>
+                </a14:m>
+                <a:r>
+                  <a:rPr lang="it-IT" sz="1600" b="1" dirty="0"/>
+                  <a:t> = 0.6212 km/s</a:t>
+                </a:r>
+              </a:p>
+              <a:p>
+                <a:pPr lvl="1">
+                  <a:lnSpc>
+                    <a:spcPct val="120000"/>
+                  </a:lnSpc>
+                </a:pPr>
+                <a:r>
+                  <a:rPr lang="it-IT" sz="1600" dirty="0"/>
+                  <a:t>Percorrenza su orbita tangente: </a:t>
+                </a:r>
+                <a14:m>
+                  <m:oMath xmlns:m="http://schemas.openxmlformats.org/officeDocument/2006/math">
+                    <m:r>
+                      <a:rPr lang="it-IT" sz="1600" b="1" i="0" smtClean="0">
+                        <a:latin typeface="Cambria Math" panose="02040503050406030204" pitchFamily="18" charset="0"/>
+                      </a:rPr>
+                      <m:t>𝚫</m:t>
+                    </m:r>
+                    <m:sSub>
+                      <m:sSubPr>
+                        <m:ctrlPr>
+                          <a:rPr lang="it-IT" sz="1600" b="1" i="1" smtClean="0">
+                            <a:latin typeface="Cambria Math" panose="02040503050406030204" pitchFamily="18" charset="0"/>
+                          </a:rPr>
+                        </m:ctrlPr>
+                      </m:sSubPr>
+                      <m:e>
+                        <m:r>
+                          <a:rPr lang="it-IT" sz="1600" b="1" i="1" smtClean="0">
+                            <a:latin typeface="Cambria Math" panose="02040503050406030204" pitchFamily="18" charset="0"/>
+                          </a:rPr>
+                          <m:t>𝒕</m:t>
+                        </m:r>
+                      </m:e>
+                      <m:sub>
+                        <m:r>
+                          <a:rPr lang="it-IT" sz="1600" b="1" i="1" smtClean="0">
+                            <a:latin typeface="Cambria Math" panose="02040503050406030204" pitchFamily="18" charset="0"/>
+                          </a:rPr>
+                          <m:t>𝟐</m:t>
+                        </m:r>
+                      </m:sub>
+                    </m:sSub>
+                  </m:oMath>
+                </a14:m>
+                <a:r>
+                  <a:rPr lang="it-IT" sz="1600" b="1" dirty="0"/>
+                  <a:t> = 7118 s</a:t>
+                </a:r>
+              </a:p>
+              <a:p>
+                <a:pPr>
+                  <a:lnSpc>
+                    <a:spcPct val="120000"/>
+                  </a:lnSpc>
+                </a:pPr>
+                <a:r>
+                  <a:rPr lang="it-IT" sz="1800" b="1" dirty="0"/>
+                  <a:t>Punti critici:</a:t>
+                </a:r>
+              </a:p>
+              <a:p>
+                <a:pPr lvl="1">
+                  <a:lnSpc>
+                    <a:spcPct val="120000"/>
+                  </a:lnSpc>
+                </a:pPr>
+                <a:r>
+                  <a:rPr lang="it-IT" sz="1600" dirty="0"/>
+                  <a:t>Questa manovra è stata definita attraverso l’</a:t>
+                </a:r>
+                <a:r>
+                  <a:rPr lang="it-IT" sz="1600" u="sng" dirty="0"/>
+                  <a:t>imposizione del </a:t>
+                </a:r>
+                <a14:m>
+                  <m:oMath xmlns:m="http://schemas.openxmlformats.org/officeDocument/2006/math">
+                    <m:r>
+                      <a:rPr lang="it-IT" sz="1600" b="0" i="1" u="sng" smtClean="0">
+                        <a:latin typeface="Cambria Math" panose="02040503050406030204" pitchFamily="18" charset="0"/>
+                      </a:rPr>
+                      <m:t>𝜔</m:t>
+                    </m:r>
+                  </m:oMath>
+                </a14:m>
+                <a:r>
+                  <a:rPr lang="it-IT" sz="1600" dirty="0"/>
+                  <a:t> dell’orbita tangente in grado di assicurare l’allineamento con l’orbita finale a seguito del cambio di piano</a:t>
+                </a:r>
+              </a:p>
+              <a:p>
+                <a:pPr lvl="1">
+                  <a:lnSpc>
+                    <a:spcPct val="120000"/>
+                  </a:lnSpc>
+                </a:pPr>
+                <a:r>
+                  <a:rPr lang="it-IT" sz="1600" dirty="0"/>
+                  <a:t>Le orbite tangenti che soddisfano tale richiesta sono infinite: è stato scelto di </a:t>
+                </a:r>
+                <a:r>
+                  <a:rPr lang="it-IT" sz="1600" u="sng" dirty="0"/>
+                  <a:t>imporre il </a:t>
+                </a:r>
+                <a14:m>
+                  <m:oMath xmlns:m="http://schemas.openxmlformats.org/officeDocument/2006/math">
+                    <m:r>
+                      <m:rPr>
+                        <m:sty m:val="p"/>
+                      </m:rPr>
+                      <a:rPr lang="it-IT" sz="1600" b="0" i="0" u="sng" smtClean="0">
+                        <a:latin typeface="Cambria Math" panose="02040503050406030204" pitchFamily="18" charset="0"/>
+                      </a:rPr>
+                      <m:t>Δ</m:t>
+                    </m:r>
+                    <m:sSub>
+                      <m:sSubPr>
+                        <m:ctrlPr>
+                          <a:rPr lang="it-IT" sz="1600" b="0" i="1" u="sng" smtClean="0">
+                            <a:latin typeface="Cambria Math" panose="02040503050406030204" pitchFamily="18" charset="0"/>
+                          </a:rPr>
+                        </m:ctrlPr>
+                      </m:sSubPr>
+                      <m:e>
+                        <m:r>
+                          <a:rPr lang="it-IT" sz="1600" b="0" i="1" u="sng" smtClean="0">
+                            <a:latin typeface="Cambria Math" panose="02040503050406030204" pitchFamily="18" charset="0"/>
+                          </a:rPr>
+                          <m:t>𝑣</m:t>
+                        </m:r>
+                      </m:e>
+                      <m:sub>
+                        <m:r>
+                          <a:rPr lang="it-IT" sz="1600" b="0" i="1" u="sng" smtClean="0">
+                            <a:latin typeface="Cambria Math" panose="02040503050406030204" pitchFamily="18" charset="0"/>
+                          </a:rPr>
+                          <m:t>1</m:t>
+                        </m:r>
+                      </m:sub>
+                    </m:sSub>
+                  </m:oMath>
+                </a14:m>
+                <a:r>
+                  <a:rPr lang="it-IT" sz="1600" dirty="0"/>
+                  <a:t> che minimizzasse il costo complessivo della strategia</a:t>
+                </a:r>
+              </a:p>
+            </p:txBody>
+          </p:sp>
+        </mc:Choice>
+        <mc:Fallback>
+          <p:sp>
+            <p:nvSpPr>
+              <p:cNvPr id="3" name="Segnaposto contenuto 2">
+                <a:extLst>
+                  <a:ext uri="{FF2B5EF4-FFF2-40B4-BE49-F238E27FC236}">
+                    <a16:creationId xmlns:a16="http://schemas.microsoft.com/office/drawing/2014/main" id="{5AC40F27-E092-431D-E43F-1018357E31FA}"/>
+                  </a:ext>
+                </a:extLst>
+              </p:cNvPr>
+              <p:cNvSpPr>
+                <a:spLocks noGrp="1" noRot="1" noChangeAspect="1" noMove="1" noResize="1" noEditPoints="1" noAdjustHandles="1" noChangeArrowheads="1" noChangeShapeType="1" noTextEdit="1"/>
+              </p:cNvSpPr>
+              <p:nvPr>
+                <p:ph sz="half" idx="1"/>
+              </p:nvPr>
+            </p:nvSpPr>
+            <p:spPr>
+              <a:blipFill>
+                <a:blip r:embed="rId2"/>
+                <a:stretch>
+                  <a:fillRect l="-824" r="-1294"/>
+                </a:stretch>
+              </a:blipFill>
+            </p:spPr>
+            <p:txBody>
+              <a:bodyPr/>
+              <a:lstStyle/>
+              <a:p>
+                <a:r>
+                  <a:rPr lang="it-IT">
+                    <a:noFill/>
+                  </a:rPr>
+                  <a:t> </a:t>
+                </a:r>
+              </a:p>
+            </p:txBody>
+          </p:sp>
+        </mc:Fallback>
+      </mc:AlternateContent>
+      <p:sp>
+        <p:nvSpPr>
+          <p:cNvPr id="5" name="Segnaposto piè di pagina 4">
+            <a:extLst>
+              <a:ext uri="{FF2B5EF4-FFF2-40B4-BE49-F238E27FC236}">
+                <a16:creationId xmlns:a16="http://schemas.microsoft.com/office/drawing/2014/main" id="{EFB33E3E-F64B-56F3-A3A9-F5F588CD63C3}"/>
+              </a:ext>
+            </a:extLst>
+          </p:cNvPr>
+          <p:cNvSpPr>
+            <a:spLocks noGrp="1"/>
+          </p:cNvSpPr>
+          <p:nvPr>
+            <p:ph type="ftr" sz="quarter" idx="11"/>
+          </p:nvPr>
+        </p:nvSpPr>
+        <p:spPr/>
+        <p:txBody>
+          <a:bodyPr/>
+          <a:lstStyle/>
+          <a:p>
+            <a:r>
+              <a:rPr lang="it-IT"/>
+              <a:t>Prova finale: Introduzione all’Analisi di Missioni Spaziali</a:t>
+            </a:r>
+          </a:p>
+        </p:txBody>
+      </p:sp>
+      <p:sp>
+        <p:nvSpPr>
+          <p:cNvPr id="6" name="Segnaposto numero diapositiva 5">
+            <a:extLst>
+              <a:ext uri="{FF2B5EF4-FFF2-40B4-BE49-F238E27FC236}">
+                <a16:creationId xmlns:a16="http://schemas.microsoft.com/office/drawing/2014/main" id="{3AC3E4A4-F08E-994D-3733-032BFA0DF662}"/>
+              </a:ext>
+            </a:extLst>
+          </p:cNvPr>
+          <p:cNvSpPr>
+            <a:spLocks noGrp="1"/>
+          </p:cNvSpPr>
+          <p:nvPr>
+            <p:ph type="sldNum" sz="quarter" idx="12"/>
+          </p:nvPr>
+        </p:nvSpPr>
+        <p:spPr/>
+        <p:txBody>
+          <a:bodyPr/>
+          <a:lstStyle/>
+          <a:p>
+            <a:fld id="{07ED6331-BE36-4EB0-BAD8-FC72B96BFAEC}" type="slidenum">
+              <a:rPr lang="it-IT" smtClean="0"/>
+              <a:pPr/>
+              <a:t>14</a:t>
+            </a:fld>
+            <a:endParaRPr lang="it-IT"/>
+          </a:p>
+        </p:txBody>
+      </p:sp>
+      <p:pic>
+        <p:nvPicPr>
+          <p:cNvPr id="12" name="Segnaposto contenuto 11">
+            <a:extLst>
+              <a:ext uri="{FF2B5EF4-FFF2-40B4-BE49-F238E27FC236}">
+                <a16:creationId xmlns:a16="http://schemas.microsoft.com/office/drawing/2014/main" id="{536FB45F-0E63-C946-0075-656B9C1147FD}"/>
+              </a:ext>
+            </a:extLst>
+          </p:cNvPr>
+          <p:cNvPicPr>
+            <a:picLocks noGrp="1" noChangeAspect="1"/>
+          </p:cNvPicPr>
+          <p:nvPr>
+            <p:ph sz="half" idx="2"/>
+          </p:nvPr>
+        </p:nvPicPr>
+        <p:blipFill>
+          <a:blip r:embed="rId3">
+            <a:extLst>
+              <a:ext uri="{28A0092B-C50C-407E-A947-70E740481C1C}">
+                <a14:useLocalDpi xmlns:a14="http://schemas.microsoft.com/office/drawing/2010/main" val="0"/>
+              </a:ext>
+            </a:extLst>
+          </a:blip>
+          <a:srcRect/>
+          <a:stretch/>
+        </p:blipFill>
+        <p:spPr>
+          <a:xfrm>
+            <a:off x="6019800" y="1063464"/>
+            <a:ext cx="5598458" cy="5235753"/>
+          </a:xfrm>
+        </p:spPr>
+      </p:pic>
+    </p:spTree>
+    <p:extLst>
+      <p:ext uri="{BB962C8B-B14F-4D97-AF65-F5344CB8AC3E}">
+        <p14:creationId xmlns:p14="http://schemas.microsoft.com/office/powerpoint/2010/main" val="1950730613"/>
+      </p:ext>
+    </p:extLst>
+  </p:cSld>
+  <p:clrMapOvr>
+    <a:masterClrMapping/>
+  </p:clrMapOvr>
+</p:sld>
+</file>
+
+<file path=ppt/slides/slide15.xml><?xml version="1.0" encoding="utf-8"?>
+<p:sld xmlns:a="http://schemas.openxmlformats.org/drawingml/2006/main" xmlns:r="http://schemas.openxmlformats.org/officeDocument/2006/relationships" xmlns:p="http://schemas.openxmlformats.org/presentationml/2006/main">
+  <p:cSld>
+    <p:spTree>
+      <p:nvGrpSpPr>
+        <p:cNvPr id="1" name=""/>
+        <p:cNvGrpSpPr/>
+        <p:nvPr/>
+      </p:nvGrpSpPr>
+      <p:grpSpPr>
+        <a:xfrm>
+          <a:off x="0" y="0"/>
+          <a:ext cx="0" cy="0"/>
+          <a:chOff x="0" y="0"/>
+          <a:chExt cx="0" cy="0"/>
+        </a:xfrm>
+      </p:grpSpPr>
+      <p:sp>
+        <p:nvSpPr>
+          <p:cNvPr id="2" name="Titolo 1">
+            <a:extLst>
+              <a:ext uri="{FF2B5EF4-FFF2-40B4-BE49-F238E27FC236}">
+                <a16:creationId xmlns:a16="http://schemas.microsoft.com/office/drawing/2014/main" id="{E2041012-DED4-B3B0-BBE3-1AE1F1BFE2CD}"/>
+              </a:ext>
+            </a:extLst>
+          </p:cNvPr>
+          <p:cNvSpPr>
+            <a:spLocks noGrp="1"/>
+          </p:cNvSpPr>
+          <p:nvPr>
+            <p:ph type="title"/>
+          </p:nvPr>
+        </p:nvSpPr>
+        <p:spPr>
+          <a:xfrm>
+            <a:off x="838200" y="415400"/>
+            <a:ext cx="9467656" cy="590931"/>
+          </a:xfrm>
+        </p:spPr>
+        <p:txBody>
+          <a:bodyPr/>
+          <a:lstStyle/>
+          <a:p>
+            <a:r>
+              <a:rPr lang="it-IT" dirty="0"/>
+              <a:t>Alternativa 3: manovra tangente in punto arbitrario</a:t>
+            </a:r>
+          </a:p>
+        </p:txBody>
+      </p:sp>
+      <mc:AlternateContent xmlns:mc="http://schemas.openxmlformats.org/markup-compatibility/2006">
+        <mc:Choice xmlns:a14="http://schemas.microsoft.com/office/drawing/2010/main" Requires="a14">
+          <p:sp>
+            <p:nvSpPr>
+              <p:cNvPr id="3" name="Segnaposto contenuto 2">
+                <a:extLst>
+                  <a:ext uri="{FF2B5EF4-FFF2-40B4-BE49-F238E27FC236}">
+                    <a16:creationId xmlns:a16="http://schemas.microsoft.com/office/drawing/2014/main" id="{4D3F9DF7-77A1-FC09-60FA-59C05C4E0D54}"/>
+                  </a:ext>
+                </a:extLst>
+              </p:cNvPr>
+              <p:cNvSpPr>
+                <a:spLocks noGrp="1"/>
+              </p:cNvSpPr>
+              <p:nvPr>
+                <p:ph sz="half" idx="1"/>
+              </p:nvPr>
+            </p:nvSpPr>
+            <p:spPr/>
+            <p:txBody>
+              <a:bodyPr tIns="360000"/>
+              <a:lstStyle/>
+              <a:p>
+                <a:pPr>
+                  <a:lnSpc>
+                    <a:spcPct val="120000"/>
+                  </a:lnSpc>
+                </a:pPr>
+                <a:r>
+                  <a:rPr lang="it-IT" b="1" dirty="0"/>
+                  <a:t>Come si trova il parametro </a:t>
+                </a:r>
+                <a14:m>
+                  <m:oMath xmlns:m="http://schemas.openxmlformats.org/officeDocument/2006/math">
+                    <m:r>
+                      <a:rPr lang="it-IT" b="1" i="1" smtClean="0">
+                        <a:latin typeface="Cambria Math" panose="02040503050406030204" pitchFamily="18" charset="0"/>
+                      </a:rPr>
+                      <m:t>𝝎</m:t>
+                    </m:r>
+                  </m:oMath>
+                </a14:m>
+                <a:r>
+                  <a:rPr lang="it-IT" b="1" dirty="0"/>
+                  <a:t> da imporre nella manovra?</a:t>
+                </a:r>
+              </a:p>
+              <a:p>
+                <a:pPr marL="457200" lvl="1" indent="0">
+                  <a:lnSpc>
+                    <a:spcPct val="120000"/>
+                  </a:lnSpc>
+                  <a:buNone/>
+                </a:pPr>
+                <a:r>
+                  <a:rPr lang="it-IT" sz="1600" dirty="0"/>
+                  <a:t>Avendo nota l’orbita finale e l’inclinazione del piano orbitale iniziale, è possibile sfruttare le </a:t>
+                </a:r>
+                <a:r>
+                  <a:rPr lang="it-IT" sz="1600" u="sng" dirty="0"/>
+                  <a:t>formule per il cambio di piano</a:t>
+                </a:r>
+                <a:r>
+                  <a:rPr lang="it-IT" sz="1600" dirty="0"/>
+                  <a:t> per ottenere la </a:t>
+                </a:r>
+                <a14:m>
+                  <m:oMath xmlns:m="http://schemas.openxmlformats.org/officeDocument/2006/math">
+                    <m:r>
+                      <a:rPr lang="it-IT" sz="1600" b="0" i="1" smtClean="0">
+                        <a:latin typeface="Cambria Math" panose="02040503050406030204" pitchFamily="18" charset="0"/>
+                      </a:rPr>
+                      <m:t>𝜔</m:t>
+                    </m:r>
+                  </m:oMath>
+                </a14:m>
+                <a:r>
+                  <a:rPr lang="it-IT" sz="1600" dirty="0"/>
+                  <a:t> necessaria sul piano iniziale e i punti di cambio piano disponibili.</a:t>
+                </a:r>
+              </a:p>
+              <a:p>
+                <a:pPr>
+                  <a:lnSpc>
+                    <a:spcPct val="120000"/>
+                  </a:lnSpc>
+                </a:pPr>
+                <a:r>
+                  <a:rPr lang="it-IT" b="1" dirty="0"/>
+                  <a:t>Come e perché è stato scelto l’impulso iniziale?</a:t>
+                </a:r>
+              </a:p>
+              <a:p>
+                <a:pPr marL="457200" lvl="1" indent="0">
+                  <a:lnSpc>
+                    <a:spcPct val="120000"/>
+                  </a:lnSpc>
+                  <a:buNone/>
+                </a:pPr>
+                <a:r>
+                  <a:rPr lang="it-IT" sz="1600" dirty="0"/>
+                  <a:t>Il </a:t>
+                </a:r>
+                <a:r>
+                  <a:rPr lang="it-IT" sz="1600" u="sng" dirty="0"/>
+                  <a:t>problema</a:t>
+                </a:r>
+                <a:r>
+                  <a:rPr lang="it-IT" sz="1600" dirty="0"/>
+                  <a:t> finora descritto risulta </a:t>
+                </a:r>
+                <a:r>
+                  <a:rPr lang="it-IT" sz="1600" u="sng" dirty="0"/>
+                  <a:t>sotto determinato</a:t>
+                </a:r>
+                <a:r>
+                  <a:rPr lang="it-IT" sz="1600" dirty="0"/>
+                  <a:t>, pertanto le orbite tangenti possibili sono infinite. Anziché imporre classicamente il punto di manovra (o altre condizioni), è stato scelto di studiare </a:t>
+                </a:r>
+                <a:r>
+                  <a:rPr lang="it-IT" sz="1600" u="sng" dirty="0"/>
+                  <a:t>graficamente</a:t>
+                </a:r>
+                <a:r>
+                  <a:rPr lang="it-IT" sz="1600" dirty="0"/>
+                  <a:t> il costo complessivo della strategia in funzione dell’impulso iniziale e di scegliere il punto di costo minimo.</a:t>
+                </a:r>
+              </a:p>
+            </p:txBody>
+          </p:sp>
+        </mc:Choice>
+        <mc:Fallback>
+          <p:sp>
+            <p:nvSpPr>
+              <p:cNvPr id="3" name="Segnaposto contenuto 2">
+                <a:extLst>
+                  <a:ext uri="{FF2B5EF4-FFF2-40B4-BE49-F238E27FC236}">
+                    <a16:creationId xmlns:a16="http://schemas.microsoft.com/office/drawing/2014/main" id="{4D3F9DF7-77A1-FC09-60FA-59C05C4E0D54}"/>
+                  </a:ext>
+                </a:extLst>
+              </p:cNvPr>
+              <p:cNvSpPr>
+                <a:spLocks noGrp="1" noRot="1" noChangeAspect="1" noMove="1" noResize="1" noEditPoints="1" noAdjustHandles="1" noChangeArrowheads="1" noChangeShapeType="1" noTextEdit="1"/>
+              </p:cNvSpPr>
+              <p:nvPr>
+                <p:ph sz="half" idx="1"/>
+              </p:nvPr>
+            </p:nvSpPr>
+            <p:spPr>
+              <a:blipFill>
+                <a:blip r:embed="rId2"/>
+                <a:stretch>
+                  <a:fillRect l="-471" r="-471"/>
+                </a:stretch>
+              </a:blipFill>
+            </p:spPr>
+            <p:txBody>
+              <a:bodyPr/>
+              <a:lstStyle/>
+              <a:p>
+                <a:r>
+                  <a:rPr lang="it-IT">
+                    <a:noFill/>
+                  </a:rPr>
+                  <a:t> </a:t>
+                </a:r>
+              </a:p>
+            </p:txBody>
+          </p:sp>
+        </mc:Fallback>
+      </mc:AlternateContent>
+      <p:pic>
+        <p:nvPicPr>
+          <p:cNvPr id="8" name="Segnaposto contenuto 7">
+            <a:extLst>
+              <a:ext uri="{FF2B5EF4-FFF2-40B4-BE49-F238E27FC236}">
+                <a16:creationId xmlns:a16="http://schemas.microsoft.com/office/drawing/2014/main" id="{355F7F3B-1DBA-BC99-D7EB-E62FC0746465}"/>
+              </a:ext>
+            </a:extLst>
+          </p:cNvPr>
+          <p:cNvPicPr>
+            <a:picLocks noGrp="1" noChangeAspect="1"/>
+          </p:cNvPicPr>
+          <p:nvPr>
+            <p:ph sz="half" idx="2"/>
+          </p:nvPr>
+        </p:nvPicPr>
+        <p:blipFill>
+          <a:blip r:embed="rId3">
+            <a:extLst>
+              <a:ext uri="{28A0092B-C50C-407E-A947-70E740481C1C}">
+                <a14:useLocalDpi xmlns:a14="http://schemas.microsoft.com/office/drawing/2010/main" val="0"/>
+              </a:ext>
+            </a:extLst>
+          </a:blip>
+          <a:stretch>
+            <a:fillRect/>
+          </a:stretch>
+        </p:blipFill>
+        <p:spPr>
+          <a:xfrm>
+            <a:off x="6096000" y="1459692"/>
+            <a:ext cx="5504329" cy="4558477"/>
+          </a:xfrm>
+        </p:spPr>
+      </p:pic>
+      <p:sp>
+        <p:nvSpPr>
+          <p:cNvPr id="5" name="Segnaposto piè di pagina 4">
+            <a:extLst>
+              <a:ext uri="{FF2B5EF4-FFF2-40B4-BE49-F238E27FC236}">
+                <a16:creationId xmlns:a16="http://schemas.microsoft.com/office/drawing/2014/main" id="{349EBFC9-72C5-4AB1-DD07-B9BA586039F7}"/>
+              </a:ext>
+            </a:extLst>
+          </p:cNvPr>
+          <p:cNvSpPr>
+            <a:spLocks noGrp="1"/>
+          </p:cNvSpPr>
+          <p:nvPr>
+            <p:ph type="ftr" sz="quarter" idx="11"/>
+          </p:nvPr>
+        </p:nvSpPr>
+        <p:spPr/>
+        <p:txBody>
+          <a:bodyPr/>
+          <a:lstStyle/>
+          <a:p>
+            <a:r>
+              <a:rPr lang="it-IT"/>
+              <a:t>Prova finale: Introduzione all’Analisi di Missioni Spaziali</a:t>
+            </a:r>
+          </a:p>
+        </p:txBody>
+      </p:sp>
+      <p:sp>
+        <p:nvSpPr>
+          <p:cNvPr id="6" name="Segnaposto numero diapositiva 5">
+            <a:extLst>
+              <a:ext uri="{FF2B5EF4-FFF2-40B4-BE49-F238E27FC236}">
+                <a16:creationId xmlns:a16="http://schemas.microsoft.com/office/drawing/2014/main" id="{DF7BC08F-B3A7-FD0D-0053-2320BA27588F}"/>
+              </a:ext>
+            </a:extLst>
+          </p:cNvPr>
+          <p:cNvSpPr>
+            <a:spLocks noGrp="1"/>
+          </p:cNvSpPr>
+          <p:nvPr>
+            <p:ph type="sldNum" sz="quarter" idx="12"/>
+          </p:nvPr>
+        </p:nvSpPr>
+        <p:spPr/>
+        <p:txBody>
+          <a:bodyPr/>
+          <a:lstStyle/>
+          <a:p>
+            <a:fld id="{07ED6331-BE36-4EB0-BAD8-FC72B96BFAEC}" type="slidenum">
+              <a:rPr lang="it-IT" smtClean="0"/>
+              <a:pPr/>
+              <a:t>15</a:t>
+            </a:fld>
+            <a:endParaRPr lang="it-IT"/>
+          </a:p>
+        </p:txBody>
+      </p:sp>
+    </p:spTree>
+    <p:extLst>
+      <p:ext uri="{BB962C8B-B14F-4D97-AF65-F5344CB8AC3E}">
+        <p14:creationId xmlns:p14="http://schemas.microsoft.com/office/powerpoint/2010/main" val="2007573997"/>
+      </p:ext>
+    </p:extLst>
+  </p:cSld>
+  <p:clrMapOvr>
+    <a:masterClrMapping/>
+  </p:clrMapOvr>
+</p:sld>
+</file>
+
+<file path=ppt/slides/slide16.xml><?xml version="1.0" encoding="utf-8"?>
+<p:sld xmlns:a="http://schemas.openxmlformats.org/drawingml/2006/main" xmlns:r="http://schemas.openxmlformats.org/officeDocument/2006/relationships" xmlns:p="http://schemas.openxmlformats.org/presentationml/2006/main">
+  <p:cSld>
+    <p:spTree>
+      <p:nvGrpSpPr>
+        <p:cNvPr id="1" name=""/>
+        <p:cNvGrpSpPr/>
+        <p:nvPr/>
+      </p:nvGrpSpPr>
+      <p:grpSpPr>
+        <a:xfrm>
+          <a:off x="0" y="0"/>
+          <a:ext cx="0" cy="0"/>
+          <a:chOff x="0" y="0"/>
+          <a:chExt cx="0" cy="0"/>
+        </a:xfrm>
+      </p:grpSpPr>
+      <p:sp>
+        <p:nvSpPr>
+          <p:cNvPr id="2" name="Titolo 1">
+            <a:extLst>
+              <a:ext uri="{FF2B5EF4-FFF2-40B4-BE49-F238E27FC236}">
+                <a16:creationId xmlns:a16="http://schemas.microsoft.com/office/drawing/2014/main" id="{C0722FFF-BDAA-66D0-6397-FBB0CD4A237A}"/>
+              </a:ext>
+            </a:extLst>
+          </p:cNvPr>
+          <p:cNvSpPr>
+            <a:spLocks noGrp="1"/>
+          </p:cNvSpPr>
+          <p:nvPr>
+            <p:ph type="title"/>
+          </p:nvPr>
+        </p:nvSpPr>
+        <p:spPr>
+          <a:xfrm>
+            <a:off x="838200" y="415400"/>
+            <a:ext cx="7304179" cy="590931"/>
+          </a:xfrm>
+        </p:spPr>
+        <p:txBody>
+          <a:bodyPr/>
+          <a:lstStyle/>
+          <a:p>
+            <a:r>
+              <a:rPr lang="it-IT" dirty="0"/>
+              <a:t>Alternativa 3: manovra di cambio piano</a:t>
+            </a:r>
+          </a:p>
+        </p:txBody>
+      </p:sp>
+      <mc:AlternateContent xmlns:mc="http://schemas.openxmlformats.org/markup-compatibility/2006">
+        <mc:Choice xmlns:a14="http://schemas.microsoft.com/office/drawing/2010/main" Requires="a14">
+          <p:sp>
+            <p:nvSpPr>
+              <p:cNvPr id="3" name="Segnaposto contenuto 2">
+                <a:extLst>
+                  <a:ext uri="{FF2B5EF4-FFF2-40B4-BE49-F238E27FC236}">
+                    <a16:creationId xmlns:a16="http://schemas.microsoft.com/office/drawing/2014/main" id="{DAC21FD3-3E1E-E6E0-5BD9-EEB20C93B667}"/>
+                  </a:ext>
+                </a:extLst>
+              </p:cNvPr>
+              <p:cNvSpPr>
+                <a:spLocks noGrp="1"/>
+              </p:cNvSpPr>
+              <p:nvPr>
+                <p:ph sz="half" idx="1"/>
+              </p:nvPr>
+            </p:nvSpPr>
+            <p:spPr/>
+            <p:txBody>
+              <a:bodyPr tIns="360000">
+                <a:normAutofit/>
+              </a:bodyPr>
+              <a:lstStyle/>
+              <a:p>
+                <a:pPr>
+                  <a:lnSpc>
+                    <a:spcPct val="150000"/>
+                  </a:lnSpc>
+                </a:pPr>
+                <a:r>
+                  <a:rPr lang="it-IT" sz="1800" b="1" dirty="0"/>
+                  <a:t>Parametri orbitali variati:</a:t>
+                </a:r>
+                <a:r>
+                  <a:rPr lang="it-IT" sz="1800" dirty="0"/>
+                  <a:t> </a:t>
+                </a:r>
+                <a14:m>
+                  <m:oMath xmlns:m="http://schemas.openxmlformats.org/officeDocument/2006/math">
+                    <m:r>
+                      <a:rPr lang="it-IT" sz="1800" b="0" i="1" smtClean="0">
+                        <a:latin typeface="Cambria Math" panose="02040503050406030204" pitchFamily="18" charset="0"/>
+                      </a:rPr>
+                      <m:t>𝑖</m:t>
+                    </m:r>
+                    <m:r>
+                      <a:rPr lang="it-IT" sz="1800" b="0" i="1" smtClean="0">
+                        <a:latin typeface="Cambria Math" panose="02040503050406030204" pitchFamily="18" charset="0"/>
+                      </a:rPr>
+                      <m:t>, </m:t>
+                    </m:r>
+                    <m:r>
+                      <m:rPr>
+                        <m:sty m:val="p"/>
+                      </m:rPr>
+                      <a:rPr lang="it-IT" sz="1800" b="0" i="0" smtClean="0">
+                        <a:latin typeface="Cambria Math" panose="02040503050406030204" pitchFamily="18" charset="0"/>
+                      </a:rPr>
+                      <m:t>Ω</m:t>
+                    </m:r>
+                    <m:r>
+                      <a:rPr lang="it-IT" sz="1800" b="0" i="0" smtClean="0">
+                        <a:latin typeface="Cambria Math" panose="02040503050406030204" pitchFamily="18" charset="0"/>
+                      </a:rPr>
+                      <m:t>, </m:t>
+                    </m:r>
+                    <m:r>
+                      <a:rPr lang="it-IT" sz="1800" b="0" i="1" smtClean="0">
+                        <a:latin typeface="Cambria Math" panose="02040503050406030204" pitchFamily="18" charset="0"/>
+                      </a:rPr>
+                      <m:t>𝜔</m:t>
+                    </m:r>
+                  </m:oMath>
+                </a14:m>
+                <a:endParaRPr lang="it-IT" sz="1800" dirty="0"/>
+              </a:p>
+              <a:p>
+                <a:pPr>
+                  <a:lnSpc>
+                    <a:spcPct val="150000"/>
+                  </a:lnSpc>
+                </a:pPr>
+                <a:r>
+                  <a:rPr lang="it-IT" sz="1800" b="1" dirty="0"/>
+                  <a:t>Passaggi effettuati:</a:t>
+                </a:r>
+              </a:p>
+              <a:p>
+                <a:pPr lvl="1">
+                  <a:lnSpc>
+                    <a:spcPct val="150000"/>
+                  </a:lnSpc>
+                </a:pPr>
+                <a:r>
+                  <a:rPr lang="it-IT" sz="1600" dirty="0"/>
+                  <a:t>Secondo impulso: </a:t>
+                </a:r>
+                <a14:m>
+                  <m:oMath xmlns:m="http://schemas.openxmlformats.org/officeDocument/2006/math">
+                    <m:r>
+                      <a:rPr lang="it-IT" sz="1600" b="1" i="0" smtClean="0">
+                        <a:latin typeface="Cambria Math" panose="02040503050406030204" pitchFamily="18" charset="0"/>
+                      </a:rPr>
+                      <m:t>𝚫</m:t>
+                    </m:r>
+                    <m:sSub>
+                      <m:sSubPr>
+                        <m:ctrlPr>
+                          <a:rPr lang="it-IT" sz="1600" b="1" i="1" smtClean="0">
+                            <a:latin typeface="Cambria Math" panose="02040503050406030204" pitchFamily="18" charset="0"/>
+                          </a:rPr>
+                        </m:ctrlPr>
+                      </m:sSubPr>
+                      <m:e>
+                        <m:r>
+                          <a:rPr lang="it-IT" sz="1600" b="1" i="1" smtClean="0">
+                            <a:latin typeface="Cambria Math" panose="02040503050406030204" pitchFamily="18" charset="0"/>
+                          </a:rPr>
+                          <m:t>𝒗</m:t>
+                        </m:r>
+                      </m:e>
+                      <m:sub>
+                        <m:r>
+                          <a:rPr lang="it-IT" sz="1600" b="1" i="1" smtClean="0">
+                            <a:latin typeface="Cambria Math" panose="02040503050406030204" pitchFamily="18" charset="0"/>
+                          </a:rPr>
+                          <m:t>𝟐</m:t>
+                        </m:r>
+                      </m:sub>
+                    </m:sSub>
+                  </m:oMath>
+                </a14:m>
+                <a:r>
+                  <a:rPr lang="it-IT" sz="1600" b="1" dirty="0"/>
+                  <a:t> = 4.6024 km/s</a:t>
+                </a:r>
+              </a:p>
+              <a:p>
+                <a:pPr lvl="1">
+                  <a:lnSpc>
+                    <a:spcPct val="150000"/>
+                  </a:lnSpc>
+                </a:pPr>
+                <a:r>
+                  <a:rPr lang="it-IT" sz="1600" dirty="0"/>
+                  <a:t>Percorrenza su orbita di cambio piano: </a:t>
+                </a:r>
+                <a14:m>
+                  <m:oMath xmlns:m="http://schemas.openxmlformats.org/officeDocument/2006/math">
+                    <m:r>
+                      <a:rPr lang="it-IT" sz="1600" b="1" i="0" smtClean="0">
+                        <a:latin typeface="Cambria Math" panose="02040503050406030204" pitchFamily="18" charset="0"/>
+                      </a:rPr>
+                      <m:t>𝚫</m:t>
+                    </m:r>
+                    <m:sSub>
+                      <m:sSubPr>
+                        <m:ctrlPr>
+                          <a:rPr lang="it-IT" sz="1600" b="1" i="1" smtClean="0">
+                            <a:latin typeface="Cambria Math" panose="02040503050406030204" pitchFamily="18" charset="0"/>
+                          </a:rPr>
+                        </m:ctrlPr>
+                      </m:sSubPr>
+                      <m:e>
+                        <m:r>
+                          <a:rPr lang="it-IT" sz="1600" b="1" i="1" smtClean="0">
+                            <a:latin typeface="Cambria Math" panose="02040503050406030204" pitchFamily="18" charset="0"/>
+                          </a:rPr>
+                          <m:t>𝒕</m:t>
+                        </m:r>
+                      </m:e>
+                      <m:sub>
+                        <m:r>
+                          <a:rPr lang="it-IT" sz="1600" b="1" i="1" smtClean="0">
+                            <a:latin typeface="Cambria Math" panose="02040503050406030204" pitchFamily="18" charset="0"/>
+                          </a:rPr>
+                          <m:t>𝟑</m:t>
+                        </m:r>
+                      </m:sub>
+                    </m:sSub>
+                  </m:oMath>
+                </a14:m>
+                <a:r>
+                  <a:rPr lang="it-IT" sz="1600" b="1" dirty="0"/>
+                  <a:t> = 8605 s</a:t>
+                </a:r>
+              </a:p>
+              <a:p>
+                <a:pPr>
+                  <a:lnSpc>
+                    <a:spcPct val="150000"/>
+                  </a:lnSpc>
+                </a:pPr>
+                <a:r>
+                  <a:rPr lang="it-IT" sz="1800" b="1" dirty="0"/>
+                  <a:t>Osservazioni:</a:t>
+                </a:r>
+              </a:p>
+              <a:p>
+                <a:pPr lvl="1">
+                  <a:lnSpc>
+                    <a:spcPct val="150000"/>
+                  </a:lnSpc>
+                </a:pPr>
+                <a:r>
+                  <a:rPr lang="it-IT" sz="1600" dirty="0"/>
+                  <a:t>L’</a:t>
+                </a:r>
+                <a:r>
+                  <a:rPr lang="it-IT" sz="1600" u="sng" dirty="0"/>
+                  <a:t>orbita di cambio piano e l’orbita finale sono allineate</a:t>
+                </a:r>
+                <a:r>
+                  <a:rPr lang="it-IT" sz="1600" dirty="0"/>
+                  <a:t>, come previsto in precedenza</a:t>
+                </a:r>
+              </a:p>
+              <a:p>
+                <a:pPr lvl="1">
+                  <a:lnSpc>
+                    <a:spcPct val="150000"/>
+                  </a:lnSpc>
+                </a:pPr>
+                <a:r>
+                  <a:rPr lang="it-IT" sz="1600" dirty="0"/>
+                  <a:t>Il </a:t>
+                </a:r>
+                <a:r>
+                  <a:rPr lang="it-IT" sz="1600" u="sng" dirty="0"/>
+                  <a:t>costo della manovra è esiguo</a:t>
+                </a:r>
+                <a:r>
+                  <a:rPr lang="it-IT" sz="1600" dirty="0"/>
+                  <a:t> se comparato ai cambi di piano visti nelle precedenti strategie</a:t>
+                </a:r>
+              </a:p>
+            </p:txBody>
+          </p:sp>
+        </mc:Choice>
+        <mc:Fallback>
+          <p:sp>
+            <p:nvSpPr>
+              <p:cNvPr id="3" name="Segnaposto contenuto 2">
+                <a:extLst>
+                  <a:ext uri="{FF2B5EF4-FFF2-40B4-BE49-F238E27FC236}">
+                    <a16:creationId xmlns:a16="http://schemas.microsoft.com/office/drawing/2014/main" id="{DAC21FD3-3E1E-E6E0-5BD9-EEB20C93B667}"/>
+                  </a:ext>
+                </a:extLst>
+              </p:cNvPr>
+              <p:cNvSpPr>
+                <a:spLocks noGrp="1" noRot="1" noChangeAspect="1" noMove="1" noResize="1" noEditPoints="1" noAdjustHandles="1" noChangeArrowheads="1" noChangeShapeType="1" noTextEdit="1"/>
+              </p:cNvSpPr>
+              <p:nvPr>
+                <p:ph sz="half" idx="1"/>
+              </p:nvPr>
+            </p:nvSpPr>
+            <p:spPr>
+              <a:blipFill>
+                <a:blip r:embed="rId2"/>
+                <a:stretch>
+                  <a:fillRect l="-824"/>
+                </a:stretch>
+              </a:blipFill>
+            </p:spPr>
+            <p:txBody>
+              <a:bodyPr/>
+              <a:lstStyle/>
+              <a:p>
+                <a:r>
+                  <a:rPr lang="it-IT">
+                    <a:noFill/>
+                  </a:rPr>
+                  <a:t> </a:t>
+                </a:r>
+              </a:p>
+            </p:txBody>
+          </p:sp>
+        </mc:Fallback>
+      </mc:AlternateContent>
+      <p:pic>
+        <p:nvPicPr>
+          <p:cNvPr id="10" name="Segnaposto contenuto 9">
+            <a:extLst>
+              <a:ext uri="{FF2B5EF4-FFF2-40B4-BE49-F238E27FC236}">
+                <a16:creationId xmlns:a16="http://schemas.microsoft.com/office/drawing/2014/main" id="{B383F42B-37F8-071A-BBFC-A1963D704A05}"/>
+              </a:ext>
+            </a:extLst>
+          </p:cNvPr>
+          <p:cNvPicPr>
+            <a:picLocks noGrp="1" noChangeAspect="1"/>
+          </p:cNvPicPr>
+          <p:nvPr>
+            <p:ph sz="half" idx="2"/>
+          </p:nvPr>
+        </p:nvPicPr>
+        <p:blipFill>
+          <a:blip r:embed="rId3">
+            <a:extLst>
+              <a:ext uri="{28A0092B-C50C-407E-A947-70E740481C1C}">
+                <a14:useLocalDpi xmlns:a14="http://schemas.microsoft.com/office/drawing/2010/main" val="0"/>
+              </a:ext>
+            </a:extLst>
+          </a:blip>
+          <a:srcRect/>
+          <a:stretch/>
+        </p:blipFill>
+        <p:spPr>
+          <a:xfrm>
+            <a:off x="6096001" y="1152835"/>
+            <a:ext cx="5553633" cy="5172191"/>
+          </a:xfrm>
+        </p:spPr>
+      </p:pic>
+      <p:sp>
+        <p:nvSpPr>
+          <p:cNvPr id="5" name="Segnaposto piè di pagina 4">
+            <a:extLst>
+              <a:ext uri="{FF2B5EF4-FFF2-40B4-BE49-F238E27FC236}">
+                <a16:creationId xmlns:a16="http://schemas.microsoft.com/office/drawing/2014/main" id="{C9D0F362-9997-81AA-3826-4A9939B09E5E}"/>
+              </a:ext>
+            </a:extLst>
+          </p:cNvPr>
+          <p:cNvSpPr>
+            <a:spLocks noGrp="1"/>
+          </p:cNvSpPr>
+          <p:nvPr>
+            <p:ph type="ftr" sz="quarter" idx="11"/>
+          </p:nvPr>
+        </p:nvSpPr>
+        <p:spPr/>
+        <p:txBody>
+          <a:bodyPr/>
+          <a:lstStyle/>
+          <a:p>
+            <a:r>
+              <a:rPr lang="it-IT"/>
+              <a:t>Prova finale: Introduzione all’Analisi di Missioni Spaziali</a:t>
+            </a:r>
+          </a:p>
+        </p:txBody>
+      </p:sp>
+      <p:sp>
+        <p:nvSpPr>
+          <p:cNvPr id="6" name="Segnaposto numero diapositiva 5">
+            <a:extLst>
+              <a:ext uri="{FF2B5EF4-FFF2-40B4-BE49-F238E27FC236}">
+                <a16:creationId xmlns:a16="http://schemas.microsoft.com/office/drawing/2014/main" id="{F1994408-34CA-C877-9635-A7762CC880AD}"/>
+              </a:ext>
+            </a:extLst>
+          </p:cNvPr>
+          <p:cNvSpPr>
+            <a:spLocks noGrp="1"/>
+          </p:cNvSpPr>
+          <p:nvPr>
+            <p:ph type="sldNum" sz="quarter" idx="12"/>
+          </p:nvPr>
+        </p:nvSpPr>
+        <p:spPr/>
+        <p:txBody>
+          <a:bodyPr/>
+          <a:lstStyle/>
+          <a:p>
+            <a:fld id="{07ED6331-BE36-4EB0-BAD8-FC72B96BFAEC}" type="slidenum">
+              <a:rPr lang="it-IT" smtClean="0"/>
+              <a:pPr/>
+              <a:t>16</a:t>
+            </a:fld>
+            <a:endParaRPr lang="it-IT"/>
+          </a:p>
+        </p:txBody>
+      </p:sp>
+    </p:spTree>
+    <p:extLst>
+      <p:ext uri="{BB962C8B-B14F-4D97-AF65-F5344CB8AC3E}">
+        <p14:creationId xmlns:p14="http://schemas.microsoft.com/office/powerpoint/2010/main" val="54116075"/>
+      </p:ext>
+    </p:extLst>
+  </p:cSld>
+  <p:clrMapOvr>
+    <a:masterClrMapping/>
+  </p:clrMapOvr>
+</p:sld>
+</file>
+
+<file path=ppt/slides/slide17.xml><?xml version="1.0" encoding="utf-8"?>
+<p:sld xmlns:a="http://schemas.openxmlformats.org/drawingml/2006/main" xmlns:r="http://schemas.openxmlformats.org/officeDocument/2006/relationships" xmlns:p="http://schemas.openxmlformats.org/presentationml/2006/main">
+  <p:cSld>
+    <p:spTree>
+      <p:nvGrpSpPr>
+        <p:cNvPr id="1" name=""/>
+        <p:cNvGrpSpPr/>
+        <p:nvPr/>
+      </p:nvGrpSpPr>
+      <p:grpSpPr>
+        <a:xfrm>
+          <a:off x="0" y="0"/>
+          <a:ext cx="0" cy="0"/>
+          <a:chOff x="0" y="0"/>
+          <a:chExt cx="0" cy="0"/>
+        </a:xfrm>
+      </p:grpSpPr>
+      <p:sp>
+        <p:nvSpPr>
+          <p:cNvPr id="2" name="Titolo 1">
+            <a:extLst>
+              <a:ext uri="{FF2B5EF4-FFF2-40B4-BE49-F238E27FC236}">
+                <a16:creationId xmlns:a16="http://schemas.microsoft.com/office/drawing/2014/main" id="{174E1623-5E3A-7C6B-484D-353B826DBB29}"/>
+              </a:ext>
+            </a:extLst>
+          </p:cNvPr>
+          <p:cNvSpPr>
+            <a:spLocks noGrp="1"/>
+          </p:cNvSpPr>
+          <p:nvPr>
+            <p:ph type="title"/>
+          </p:nvPr>
+        </p:nvSpPr>
+        <p:spPr>
+          <a:xfrm>
+            <a:off x="838200" y="415400"/>
+            <a:ext cx="6962547" cy="590931"/>
+          </a:xfrm>
+        </p:spPr>
+        <p:txBody>
+          <a:bodyPr/>
+          <a:lstStyle/>
+          <a:p>
+            <a:r>
+              <a:rPr lang="it-IT" dirty="0"/>
+              <a:t>Alternativa 3: manovra bitangente AP</a:t>
+            </a:r>
+          </a:p>
+        </p:txBody>
+      </p:sp>
+      <mc:AlternateContent xmlns:mc="http://schemas.openxmlformats.org/markup-compatibility/2006">
+        <mc:Choice xmlns:a14="http://schemas.microsoft.com/office/drawing/2010/main" Requires="a14">
+          <p:sp>
+            <p:nvSpPr>
+              <p:cNvPr id="3" name="Segnaposto contenuto 2">
+                <a:extLst>
+                  <a:ext uri="{FF2B5EF4-FFF2-40B4-BE49-F238E27FC236}">
+                    <a16:creationId xmlns:a16="http://schemas.microsoft.com/office/drawing/2014/main" id="{ACE70B3E-C77D-E0C3-B156-B147F6790FAF}"/>
+                  </a:ext>
+                </a:extLst>
+              </p:cNvPr>
+              <p:cNvSpPr>
+                <a:spLocks noGrp="1"/>
+              </p:cNvSpPr>
+              <p:nvPr>
+                <p:ph sz="half" idx="1"/>
+              </p:nvPr>
+            </p:nvSpPr>
+            <p:spPr/>
+            <p:txBody>
+              <a:bodyPr tIns="180000">
+                <a:normAutofit lnSpcReduction="10000"/>
+              </a:bodyPr>
+              <a:lstStyle/>
+              <a:p>
+                <a:pPr>
+                  <a:lnSpc>
+                    <a:spcPct val="120000"/>
+                  </a:lnSpc>
+                </a:pPr>
+                <a:r>
+                  <a:rPr lang="it-IT" sz="1800" b="1" dirty="0"/>
+                  <a:t>Parametri orbitali variati:</a:t>
+                </a:r>
+                <a:r>
+                  <a:rPr lang="it-IT" sz="1800" dirty="0"/>
+                  <a:t> </a:t>
+                </a:r>
+                <a14:m>
+                  <m:oMath xmlns:m="http://schemas.openxmlformats.org/officeDocument/2006/math">
+                    <m:r>
+                      <a:rPr lang="it-IT" sz="1800" b="0" i="1" smtClean="0">
+                        <a:latin typeface="Cambria Math" panose="02040503050406030204" pitchFamily="18" charset="0"/>
+                      </a:rPr>
+                      <m:t>𝑎</m:t>
+                    </m:r>
+                    <m:r>
+                      <a:rPr lang="it-IT" sz="1800" b="0" i="1" smtClean="0">
+                        <a:latin typeface="Cambria Math" panose="02040503050406030204" pitchFamily="18" charset="0"/>
+                      </a:rPr>
+                      <m:t>, </m:t>
+                    </m:r>
+                    <m:r>
+                      <a:rPr lang="it-IT" sz="1800" b="0" i="1" smtClean="0">
+                        <a:latin typeface="Cambria Math" panose="02040503050406030204" pitchFamily="18" charset="0"/>
+                      </a:rPr>
+                      <m:t>𝑒</m:t>
+                    </m:r>
+                  </m:oMath>
+                </a14:m>
+                <a:endParaRPr lang="it-IT" sz="1800" dirty="0"/>
+              </a:p>
+              <a:p>
+                <a:pPr>
+                  <a:lnSpc>
+                    <a:spcPct val="120000"/>
+                  </a:lnSpc>
+                </a:pPr>
+                <a:r>
+                  <a:rPr lang="it-IT" sz="1800" b="1" dirty="0"/>
+                  <a:t>Passaggi effettuati:</a:t>
+                </a:r>
+              </a:p>
+              <a:p>
+                <a:pPr lvl="1">
+                  <a:lnSpc>
+                    <a:spcPct val="120000"/>
+                  </a:lnSpc>
+                </a:pPr>
+                <a:r>
+                  <a:rPr lang="it-IT" sz="1600" dirty="0"/>
+                  <a:t>Terzo impulso: </a:t>
+                </a:r>
+                <a14:m>
+                  <m:oMath xmlns:m="http://schemas.openxmlformats.org/officeDocument/2006/math">
+                    <m:r>
+                      <a:rPr lang="it-IT" sz="1600" b="1" i="0" smtClean="0">
+                        <a:latin typeface="Cambria Math" panose="02040503050406030204" pitchFamily="18" charset="0"/>
+                      </a:rPr>
+                      <m:t>𝚫</m:t>
+                    </m:r>
+                    <m:sSub>
+                      <m:sSubPr>
+                        <m:ctrlPr>
+                          <a:rPr lang="it-IT" sz="1600" b="1" i="1" smtClean="0">
+                            <a:latin typeface="Cambria Math" panose="02040503050406030204" pitchFamily="18" charset="0"/>
+                          </a:rPr>
+                        </m:ctrlPr>
+                      </m:sSubPr>
+                      <m:e>
+                        <m:r>
+                          <a:rPr lang="it-IT" sz="1600" b="1" i="1" smtClean="0">
+                            <a:latin typeface="Cambria Math" panose="02040503050406030204" pitchFamily="18" charset="0"/>
+                          </a:rPr>
+                          <m:t>𝒗</m:t>
+                        </m:r>
+                      </m:e>
+                      <m:sub>
+                        <m:r>
+                          <a:rPr lang="it-IT" sz="1600" b="1" i="1" smtClean="0">
+                            <a:latin typeface="Cambria Math" panose="02040503050406030204" pitchFamily="18" charset="0"/>
+                          </a:rPr>
+                          <m:t>𝟑</m:t>
+                        </m:r>
+                      </m:sub>
+                    </m:sSub>
+                  </m:oMath>
+                </a14:m>
+                <a:r>
+                  <a:rPr lang="it-IT" sz="1600" b="1" dirty="0"/>
+                  <a:t> = 0.1338 km/s</a:t>
+                </a:r>
+              </a:p>
+              <a:p>
+                <a:pPr lvl="1">
+                  <a:lnSpc>
+                    <a:spcPct val="120000"/>
+                  </a:lnSpc>
+                </a:pPr>
+                <a:r>
+                  <a:rPr lang="it-IT" sz="1600" dirty="0"/>
+                  <a:t>Percorrenza su orbita bitangente: </a:t>
+                </a:r>
+                <a14:m>
+                  <m:oMath xmlns:m="http://schemas.openxmlformats.org/officeDocument/2006/math">
+                    <m:r>
+                      <a:rPr lang="it-IT" sz="1600" b="1" i="0" smtClean="0">
+                        <a:latin typeface="Cambria Math" panose="02040503050406030204" pitchFamily="18" charset="0"/>
+                      </a:rPr>
+                      <m:t>𝚫</m:t>
+                    </m:r>
+                    <m:sSub>
+                      <m:sSubPr>
+                        <m:ctrlPr>
+                          <a:rPr lang="it-IT" sz="1600" b="1" i="1" smtClean="0">
+                            <a:latin typeface="Cambria Math" panose="02040503050406030204" pitchFamily="18" charset="0"/>
+                          </a:rPr>
+                        </m:ctrlPr>
+                      </m:sSubPr>
+                      <m:e>
+                        <m:r>
+                          <a:rPr lang="it-IT" sz="1600" b="1" i="1" smtClean="0">
+                            <a:latin typeface="Cambria Math" panose="02040503050406030204" pitchFamily="18" charset="0"/>
+                          </a:rPr>
+                          <m:t>𝒕</m:t>
+                        </m:r>
+                      </m:e>
+                      <m:sub>
+                        <m:r>
+                          <a:rPr lang="it-IT" sz="1600" b="1" i="1" smtClean="0">
+                            <a:latin typeface="Cambria Math" panose="02040503050406030204" pitchFamily="18" charset="0"/>
+                          </a:rPr>
+                          <m:t>𝟒</m:t>
+                        </m:r>
+                      </m:sub>
+                    </m:sSub>
+                  </m:oMath>
+                </a14:m>
+                <a:r>
+                  <a:rPr lang="it-IT" sz="1600" b="1" dirty="0"/>
+                  <a:t> = 5632 s</a:t>
+                </a:r>
+              </a:p>
+              <a:p>
+                <a:pPr lvl="1">
+                  <a:lnSpc>
+                    <a:spcPct val="120000"/>
+                  </a:lnSpc>
+                </a:pPr>
+                <a:r>
+                  <a:rPr lang="it-IT" sz="1600" dirty="0"/>
+                  <a:t>Quarto impulso: </a:t>
+                </a:r>
+                <a14:m>
+                  <m:oMath xmlns:m="http://schemas.openxmlformats.org/officeDocument/2006/math">
+                    <m:r>
+                      <a:rPr lang="it-IT" sz="1600" b="1" i="0" smtClean="0">
+                        <a:latin typeface="Cambria Math" panose="02040503050406030204" pitchFamily="18" charset="0"/>
+                      </a:rPr>
+                      <m:t>𝚫</m:t>
+                    </m:r>
+                    <m:sSub>
+                      <m:sSubPr>
+                        <m:ctrlPr>
+                          <a:rPr lang="it-IT" sz="1600" b="1" i="1" smtClean="0">
+                            <a:latin typeface="Cambria Math" panose="02040503050406030204" pitchFamily="18" charset="0"/>
+                          </a:rPr>
+                        </m:ctrlPr>
+                      </m:sSubPr>
+                      <m:e>
+                        <m:r>
+                          <a:rPr lang="it-IT" sz="1600" b="1" i="1" smtClean="0">
+                            <a:latin typeface="Cambria Math" panose="02040503050406030204" pitchFamily="18" charset="0"/>
+                          </a:rPr>
+                          <m:t>𝒗</m:t>
+                        </m:r>
+                      </m:e>
+                      <m:sub>
+                        <m:r>
+                          <a:rPr lang="it-IT" sz="1600" b="1" i="1" smtClean="0">
+                            <a:latin typeface="Cambria Math" panose="02040503050406030204" pitchFamily="18" charset="0"/>
+                          </a:rPr>
+                          <m:t>𝟒</m:t>
+                        </m:r>
+                      </m:sub>
+                    </m:sSub>
+                  </m:oMath>
+                </a14:m>
+                <a:r>
+                  <a:rPr lang="it-IT" sz="1600" b="1" dirty="0"/>
+                  <a:t> = 0.00004 km/s</a:t>
+                </a:r>
+                <a:endParaRPr lang="it-IT" sz="1600" dirty="0"/>
+              </a:p>
+              <a:p>
+                <a:pPr lvl="1">
+                  <a:lnSpc>
+                    <a:spcPct val="120000"/>
+                  </a:lnSpc>
+                </a:pPr>
+                <a:r>
+                  <a:rPr lang="it-IT" sz="1600" dirty="0"/>
+                  <a:t>Percorrenza su orbita finale: </a:t>
+                </a:r>
+                <a14:m>
+                  <m:oMath xmlns:m="http://schemas.openxmlformats.org/officeDocument/2006/math">
+                    <m:r>
+                      <a:rPr lang="it-IT" sz="1600" b="1" i="0" smtClean="0">
+                        <a:latin typeface="Cambria Math" panose="02040503050406030204" pitchFamily="18" charset="0"/>
+                      </a:rPr>
+                      <m:t>𝚫</m:t>
+                    </m:r>
+                    <m:sSub>
+                      <m:sSubPr>
+                        <m:ctrlPr>
+                          <a:rPr lang="it-IT" sz="1600" b="1" i="1" smtClean="0">
+                            <a:latin typeface="Cambria Math" panose="02040503050406030204" pitchFamily="18" charset="0"/>
+                          </a:rPr>
+                        </m:ctrlPr>
+                      </m:sSubPr>
+                      <m:e>
+                        <m:r>
+                          <a:rPr lang="it-IT" sz="1600" b="1" i="1" smtClean="0">
+                            <a:latin typeface="Cambria Math" panose="02040503050406030204" pitchFamily="18" charset="0"/>
+                          </a:rPr>
+                          <m:t>𝒕</m:t>
+                        </m:r>
+                      </m:e>
+                      <m:sub>
+                        <m:r>
+                          <a:rPr lang="it-IT" sz="1600" b="1" i="1" smtClean="0">
+                            <a:latin typeface="Cambria Math" panose="02040503050406030204" pitchFamily="18" charset="0"/>
+                          </a:rPr>
+                          <m:t>𝟓</m:t>
+                        </m:r>
+                      </m:sub>
+                    </m:sSub>
+                  </m:oMath>
+                </a14:m>
+                <a:r>
+                  <a:rPr lang="it-IT" sz="1600" b="1" dirty="0"/>
+                  <a:t> = 362 s</a:t>
+                </a:r>
+                <a:endParaRPr lang="it-IT" sz="1600" dirty="0"/>
+              </a:p>
+              <a:p>
+                <a:pPr>
+                  <a:lnSpc>
+                    <a:spcPct val="120000"/>
+                  </a:lnSpc>
+                </a:pPr>
+                <a:r>
+                  <a:rPr lang="it-IT" sz="1800" b="1" dirty="0"/>
+                  <a:t>Osservazioni:</a:t>
+                </a:r>
+              </a:p>
+              <a:p>
+                <a:pPr lvl="1">
+                  <a:lnSpc>
+                    <a:spcPct val="120000"/>
+                  </a:lnSpc>
+                </a:pPr>
+                <a:r>
+                  <a:rPr lang="it-IT" sz="1600" dirty="0"/>
+                  <a:t>Il secondo impulso della manovra è esiguo in quanto gli apocentri delle orbite di cambio piano e finale sono molto vicini tra loro (323 m di distanza)</a:t>
+                </a:r>
+              </a:p>
+              <a:p>
+                <a:pPr lvl="1">
+                  <a:lnSpc>
+                    <a:spcPct val="120000"/>
+                  </a:lnSpc>
+                </a:pPr>
+                <a:r>
+                  <a:rPr lang="it-IT" sz="1600" dirty="0"/>
+                  <a:t>Sarebbe possibile sostituire la manovra con un singolo impulso nell’</a:t>
+                </a:r>
+                <a:r>
+                  <a:rPr lang="it-IT" sz="1600" dirty="0" err="1"/>
+                  <a:t>apocentro</a:t>
+                </a:r>
+                <a:r>
+                  <a:rPr lang="it-IT" sz="1600" dirty="0"/>
+                  <a:t> imponendo la coincidenza dei due apocentri invece di </a:t>
+                </a:r>
+                <a14:m>
+                  <m:oMath xmlns:m="http://schemas.openxmlformats.org/officeDocument/2006/math">
+                    <m:r>
+                      <m:rPr>
+                        <m:sty m:val="p"/>
+                      </m:rPr>
+                      <a:rPr lang="it-IT" sz="1600" b="0" i="0" smtClean="0">
+                        <a:latin typeface="Cambria Math" panose="02040503050406030204" pitchFamily="18" charset="0"/>
+                      </a:rPr>
+                      <m:t>Δ</m:t>
+                    </m:r>
+                    <m:sSub>
+                      <m:sSubPr>
+                        <m:ctrlPr>
+                          <a:rPr lang="it-IT" sz="1600" b="0" i="1" smtClean="0">
+                            <a:latin typeface="Cambria Math" panose="02040503050406030204" pitchFamily="18" charset="0"/>
+                          </a:rPr>
+                        </m:ctrlPr>
+                      </m:sSubPr>
+                      <m:e>
+                        <m:r>
+                          <a:rPr lang="it-IT" sz="1600" b="0" i="1" smtClean="0">
+                            <a:latin typeface="Cambria Math" panose="02040503050406030204" pitchFamily="18" charset="0"/>
+                          </a:rPr>
+                          <m:t>𝑣</m:t>
+                        </m:r>
+                      </m:e>
+                      <m:sub>
+                        <m:r>
+                          <a:rPr lang="it-IT" sz="1600" b="0" i="1" smtClean="0">
+                            <a:latin typeface="Cambria Math" panose="02040503050406030204" pitchFamily="18" charset="0"/>
+                          </a:rPr>
+                          <m:t>1</m:t>
+                        </m:r>
+                      </m:sub>
+                    </m:sSub>
+                  </m:oMath>
+                </a14:m>
+                <a:r>
+                  <a:rPr lang="it-IT" sz="1600" dirty="0"/>
+                  <a:t> durante la definizione della manovra tangente</a:t>
+                </a:r>
+              </a:p>
+            </p:txBody>
+          </p:sp>
+        </mc:Choice>
+        <mc:Fallback>
+          <p:sp>
+            <p:nvSpPr>
+              <p:cNvPr id="3" name="Segnaposto contenuto 2">
+                <a:extLst>
+                  <a:ext uri="{FF2B5EF4-FFF2-40B4-BE49-F238E27FC236}">
+                    <a16:creationId xmlns:a16="http://schemas.microsoft.com/office/drawing/2014/main" id="{ACE70B3E-C77D-E0C3-B156-B147F6790FAF}"/>
+                  </a:ext>
+                </a:extLst>
+              </p:cNvPr>
+              <p:cNvSpPr>
+                <a:spLocks noGrp="1" noRot="1" noChangeAspect="1" noMove="1" noResize="1" noEditPoints="1" noAdjustHandles="1" noChangeArrowheads="1" noChangeShapeType="1" noTextEdit="1"/>
+              </p:cNvSpPr>
+              <p:nvPr>
+                <p:ph sz="half" idx="1"/>
+              </p:nvPr>
+            </p:nvSpPr>
+            <p:spPr>
+              <a:blipFill>
+                <a:blip r:embed="rId2"/>
+                <a:stretch>
+                  <a:fillRect l="-824" r="-1059"/>
+                </a:stretch>
+              </a:blipFill>
+            </p:spPr>
+            <p:txBody>
+              <a:bodyPr/>
+              <a:lstStyle/>
+              <a:p>
+                <a:r>
+                  <a:rPr lang="it-IT">
+                    <a:noFill/>
+                  </a:rPr>
+                  <a:t> </a:t>
+                </a:r>
+              </a:p>
+            </p:txBody>
+          </p:sp>
+        </mc:Fallback>
+      </mc:AlternateContent>
+      <p:pic>
+        <p:nvPicPr>
+          <p:cNvPr id="8" name="Segnaposto contenuto 7">
+            <a:extLst>
+              <a:ext uri="{FF2B5EF4-FFF2-40B4-BE49-F238E27FC236}">
+                <a16:creationId xmlns:a16="http://schemas.microsoft.com/office/drawing/2014/main" id="{3F1A31D8-8D18-884E-AA64-B3DE6981DB09}"/>
+              </a:ext>
+            </a:extLst>
+          </p:cNvPr>
+          <p:cNvPicPr>
+            <a:picLocks noGrp="1" noChangeAspect="1"/>
+          </p:cNvPicPr>
+          <p:nvPr>
+            <p:ph sz="half" idx="2"/>
+          </p:nvPr>
+        </p:nvPicPr>
+        <p:blipFill>
+          <a:blip r:embed="rId3">
+            <a:extLst>
+              <a:ext uri="{28A0092B-C50C-407E-A947-70E740481C1C}">
+                <a14:useLocalDpi xmlns:a14="http://schemas.microsoft.com/office/drawing/2010/main" val="0"/>
+              </a:ext>
+            </a:extLst>
+          </a:blip>
+          <a:srcRect/>
+          <a:stretch/>
+        </p:blipFill>
+        <p:spPr>
+          <a:xfrm>
+            <a:off x="6096000" y="1156115"/>
+            <a:ext cx="5558117" cy="5165631"/>
+          </a:xfrm>
+        </p:spPr>
+      </p:pic>
+      <p:sp>
+        <p:nvSpPr>
+          <p:cNvPr id="5" name="Segnaposto piè di pagina 4">
+            <a:extLst>
+              <a:ext uri="{FF2B5EF4-FFF2-40B4-BE49-F238E27FC236}">
+                <a16:creationId xmlns:a16="http://schemas.microsoft.com/office/drawing/2014/main" id="{CC6D556A-39C0-3A67-18BF-5CD069E1142D}"/>
+              </a:ext>
+            </a:extLst>
+          </p:cNvPr>
+          <p:cNvSpPr>
+            <a:spLocks noGrp="1"/>
+          </p:cNvSpPr>
+          <p:nvPr>
+            <p:ph type="ftr" sz="quarter" idx="11"/>
+          </p:nvPr>
+        </p:nvSpPr>
+        <p:spPr/>
+        <p:txBody>
+          <a:bodyPr/>
+          <a:lstStyle/>
+          <a:p>
+            <a:r>
+              <a:rPr lang="it-IT"/>
+              <a:t>Prova finale: Introduzione all’Analisi di Missioni Spaziali</a:t>
+            </a:r>
+          </a:p>
+        </p:txBody>
+      </p:sp>
+      <p:sp>
+        <p:nvSpPr>
+          <p:cNvPr id="6" name="Segnaposto numero diapositiva 5">
+            <a:extLst>
+              <a:ext uri="{FF2B5EF4-FFF2-40B4-BE49-F238E27FC236}">
+                <a16:creationId xmlns:a16="http://schemas.microsoft.com/office/drawing/2014/main" id="{2ACBC6A6-33F2-E093-2636-578942204A34}"/>
+              </a:ext>
+            </a:extLst>
+          </p:cNvPr>
+          <p:cNvSpPr>
+            <a:spLocks noGrp="1"/>
+          </p:cNvSpPr>
+          <p:nvPr>
+            <p:ph type="sldNum" sz="quarter" idx="12"/>
+          </p:nvPr>
+        </p:nvSpPr>
+        <p:spPr/>
+        <p:txBody>
+          <a:bodyPr/>
+          <a:lstStyle/>
+          <a:p>
+            <a:fld id="{07ED6331-BE36-4EB0-BAD8-FC72B96BFAEC}" type="slidenum">
+              <a:rPr lang="it-IT" smtClean="0"/>
+              <a:pPr/>
+              <a:t>17</a:t>
+            </a:fld>
+            <a:endParaRPr lang="it-IT"/>
+          </a:p>
+        </p:txBody>
+      </p:sp>
+    </p:spTree>
+    <p:extLst>
+      <p:ext uri="{BB962C8B-B14F-4D97-AF65-F5344CB8AC3E}">
+        <p14:creationId xmlns:p14="http://schemas.microsoft.com/office/powerpoint/2010/main" val="451679681"/>
+      </p:ext>
+    </p:extLst>
+  </p:cSld>
+  <p:clrMapOvr>
+    <a:masterClrMapping/>
+  </p:clrMapOvr>
+</p:sld>
+</file>
+
+<file path=ppt/slides/slide18.xml><?xml version="1.0" encoding="utf-8"?>
+<p:sld xmlns:a="http://schemas.openxmlformats.org/drawingml/2006/main" xmlns:r="http://schemas.openxmlformats.org/officeDocument/2006/relationships" xmlns:p="http://schemas.openxmlformats.org/presentationml/2006/main">
+  <p:cSld>
+    <p:spTree>
+      <p:nvGrpSpPr>
+        <p:cNvPr id="1" name=""/>
+        <p:cNvGrpSpPr/>
+        <p:nvPr/>
+      </p:nvGrpSpPr>
+      <p:grpSpPr>
+        <a:xfrm>
+          <a:off x="0" y="0"/>
+          <a:ext cx="0" cy="0"/>
+          <a:chOff x="0" y="0"/>
+          <a:chExt cx="0" cy="0"/>
+        </a:xfrm>
+      </p:grpSpPr>
+      <p:sp>
+        <p:nvSpPr>
+          <p:cNvPr id="2" name="Titolo 1">
+            <a:extLst>
+              <a:ext uri="{FF2B5EF4-FFF2-40B4-BE49-F238E27FC236}">
                 <a16:creationId xmlns:a16="http://schemas.microsoft.com/office/drawing/2014/main" id="{0C4603AF-F8FA-57AD-3189-8993A6EAB4AE}"/>
               </a:ext>
             </a:extLst>
@@ -5192,7 +7368,7 @@
             <a:fld id="{07ED6331-BE36-4EB0-BAD8-FC72B96BFAEC}" type="slidenum">
               <a:rPr lang="it-IT" smtClean="0"/>
               <a:pPr/>
-              <a:t>14</a:t>
+              <a:t>18</a:t>
             </a:fld>
             <a:endParaRPr lang="it-IT"/>
           </a:p>
@@ -7761,14 +9937,13 @@
               </a:ext>
             </a:extLst>
           </a:blip>
-          <a:stretch>
-            <a:fillRect/>
-          </a:stretch>
+          <a:srcRect/>
+          <a:stretch/>
         </p:blipFill>
         <p:spPr>
           <a:xfrm>
             <a:off x="6172202" y="890791"/>
-            <a:ext cx="5341664" cy="5076417"/>
+            <a:ext cx="5341663" cy="5076417"/>
           </a:xfrm>
         </p:spPr>
       </p:pic>
